--- a/soutenance.pptx
+++ b/soutenance.pptx
@@ -4,13 +4,18 @@
   <p:sldMasterIdLst>
     <p:sldMasterId id="2147483648" r:id="rId1"/>
   </p:sldMasterIdLst>
+  <p:notesMasterIdLst>
+    <p:notesMasterId r:id="rId10"/>
+  </p:notesMasterIdLst>
   <p:sldIdLst>
     <p:sldId id="256" r:id="rId2"/>
     <p:sldId id="257" r:id="rId3"/>
     <p:sldId id="261" r:id="rId4"/>
     <p:sldId id="258" r:id="rId5"/>
-    <p:sldId id="259" r:id="rId6"/>
-    <p:sldId id="260" r:id="rId7"/>
+    <p:sldId id="262" r:id="rId6"/>
+    <p:sldId id="259" r:id="rId7"/>
+    <p:sldId id="263" r:id="rId8"/>
+    <p:sldId id="260" r:id="rId9"/>
   </p:sldIdLst>
   <p:sldSz cx="12192000" cy="6858000"/>
   <p:notesSz cx="6858000" cy="9144000"/>
@@ -109,7 +114,693 @@
       </a:defRPr>
     </a:lvl9pPr>
   </p:defaultTextStyle>
+  <p:extLst>
+    <p:ext uri="{EFAFB233-063F-42B5-8137-9DF3F51BA10A}">
+      <p15:sldGuideLst xmlns:p15="http://schemas.microsoft.com/office/powerpoint/2012/main"/>
+    </p:ext>
+  </p:extLst>
 </p:presentation>
+</file>
+
+<file path=ppt/notesMasters/notesMaster1.xml><?xml version="1.0" encoding="utf-8"?>
+<p:notesMaster xmlns:a="http://schemas.openxmlformats.org/drawingml/2006/main" xmlns:r="http://schemas.openxmlformats.org/officeDocument/2006/relationships" xmlns:p="http://schemas.openxmlformats.org/presentationml/2006/main">
+  <p:cSld>
+    <p:bg>
+      <p:bgRef idx="1001">
+        <a:schemeClr val="bg1"/>
+      </p:bgRef>
+    </p:bg>
+    <p:spTree>
+      <p:nvGrpSpPr>
+        <p:cNvPr id="1" name=""/>
+        <p:cNvGrpSpPr/>
+        <p:nvPr/>
+      </p:nvGrpSpPr>
+      <p:grpSpPr>
+        <a:xfrm>
+          <a:off x="0" y="0"/>
+          <a:ext cx="0" cy="0"/>
+          <a:chOff x="0" y="0"/>
+          <a:chExt cx="0" cy="0"/>
+        </a:xfrm>
+      </p:grpSpPr>
+      <p:sp>
+        <p:nvSpPr>
+          <p:cNvPr id="2" name="Espace réservé de l'en-tête 1"/>
+          <p:cNvSpPr>
+            <a:spLocks noGrp="1"/>
+          </p:cNvSpPr>
+          <p:nvPr>
+            <p:ph type="hdr" sz="quarter"/>
+          </p:nvPr>
+        </p:nvSpPr>
+        <p:spPr>
+          <a:xfrm>
+            <a:off x="0" y="0"/>
+            <a:ext cx="2971800" cy="458788"/>
+          </a:xfrm>
+          <a:prstGeom prst="rect">
+            <a:avLst/>
+          </a:prstGeom>
+        </p:spPr>
+        <p:txBody>
+          <a:bodyPr vert="horz" lIns="91440" tIns="45720" rIns="91440" bIns="45720" rtlCol="0"/>
+          <a:lstStyle>
+            <a:lvl1pPr algn="l">
+              <a:defRPr sz="1200"/>
+            </a:lvl1pPr>
+          </a:lstStyle>
+          <a:p>
+            <a:endParaRPr lang="fr-FR"/>
+          </a:p>
+        </p:txBody>
+      </p:sp>
+      <p:sp>
+        <p:nvSpPr>
+          <p:cNvPr id="3" name="Espace réservé de la date 2"/>
+          <p:cNvSpPr>
+            <a:spLocks noGrp="1"/>
+          </p:cNvSpPr>
+          <p:nvPr>
+            <p:ph type="dt" idx="1"/>
+          </p:nvPr>
+        </p:nvSpPr>
+        <p:spPr>
+          <a:xfrm>
+            <a:off x="3884613" y="0"/>
+            <a:ext cx="2971800" cy="458788"/>
+          </a:xfrm>
+          <a:prstGeom prst="rect">
+            <a:avLst/>
+          </a:prstGeom>
+        </p:spPr>
+        <p:txBody>
+          <a:bodyPr vert="horz" lIns="91440" tIns="45720" rIns="91440" bIns="45720" rtlCol="0"/>
+          <a:lstStyle>
+            <a:lvl1pPr algn="r">
+              <a:defRPr sz="1200"/>
+            </a:lvl1pPr>
+          </a:lstStyle>
+          <a:p>
+            <a:fld id="{5D34D365-D982-41DC-9561-B9E5C6EC0DFB}" type="datetimeFigureOut">
+              <a:rPr lang="fr-FR" smtClean="0"/>
+              <a:t>28/06/2017</a:t>
+            </a:fld>
+            <a:endParaRPr lang="fr-FR"/>
+          </a:p>
+        </p:txBody>
+      </p:sp>
+      <p:sp>
+        <p:nvSpPr>
+          <p:cNvPr id="4" name="Espace réservé de l'image des diapositives 3"/>
+          <p:cNvSpPr>
+            <a:spLocks noGrp="1" noRot="1" noChangeAspect="1"/>
+          </p:cNvSpPr>
+          <p:nvPr>
+            <p:ph type="sldImg" idx="2"/>
+          </p:nvPr>
+        </p:nvSpPr>
+        <p:spPr>
+          <a:xfrm>
+            <a:off x="685800" y="1143000"/>
+            <a:ext cx="5486400" cy="3086100"/>
+          </a:xfrm>
+          <a:prstGeom prst="rect">
+            <a:avLst/>
+          </a:prstGeom>
+          <a:noFill/>
+          <a:ln w="12700">
+            <a:solidFill>
+              <a:prstClr val="black"/>
+            </a:solidFill>
+          </a:ln>
+        </p:spPr>
+        <p:txBody>
+          <a:bodyPr vert="horz" lIns="91440" tIns="45720" rIns="91440" bIns="45720" rtlCol="0" anchor="ctr"/>
+          <a:lstStyle/>
+          <a:p>
+            <a:endParaRPr lang="fr-FR"/>
+          </a:p>
+        </p:txBody>
+      </p:sp>
+      <p:sp>
+        <p:nvSpPr>
+          <p:cNvPr id="5" name="Espace réservé des notes 4"/>
+          <p:cNvSpPr>
+            <a:spLocks noGrp="1"/>
+          </p:cNvSpPr>
+          <p:nvPr>
+            <p:ph type="body" sz="quarter" idx="3"/>
+          </p:nvPr>
+        </p:nvSpPr>
+        <p:spPr>
+          <a:xfrm>
+            <a:off x="685800" y="4400550"/>
+            <a:ext cx="5486400" cy="3600450"/>
+          </a:xfrm>
+          <a:prstGeom prst="rect">
+            <a:avLst/>
+          </a:prstGeom>
+        </p:spPr>
+        <p:txBody>
+          <a:bodyPr vert="horz" lIns="91440" tIns="45720" rIns="91440" bIns="45720" rtlCol="0"/>
+          <a:lstStyle/>
+          <a:p>
+            <a:pPr lvl="0"/>
+            <a:r>
+              <a:rPr lang="fr-FR" smtClean="0"/>
+              <a:t>Modifier les styles du texte du masque</a:t>
+            </a:r>
+          </a:p>
+          <a:p>
+            <a:pPr lvl="1"/>
+            <a:r>
+              <a:rPr lang="fr-FR" smtClean="0"/>
+              <a:t>Deuxième niveau</a:t>
+            </a:r>
+          </a:p>
+          <a:p>
+            <a:pPr lvl="2"/>
+            <a:r>
+              <a:rPr lang="fr-FR" smtClean="0"/>
+              <a:t>Troisième niveau</a:t>
+            </a:r>
+          </a:p>
+          <a:p>
+            <a:pPr lvl="3"/>
+            <a:r>
+              <a:rPr lang="fr-FR" smtClean="0"/>
+              <a:t>Quatrième niveau</a:t>
+            </a:r>
+          </a:p>
+          <a:p>
+            <a:pPr lvl="4"/>
+            <a:r>
+              <a:rPr lang="fr-FR" smtClean="0"/>
+              <a:t>Cinquième niveau</a:t>
+            </a:r>
+            <a:endParaRPr lang="fr-FR"/>
+          </a:p>
+        </p:txBody>
+      </p:sp>
+      <p:sp>
+        <p:nvSpPr>
+          <p:cNvPr id="6" name="Espace réservé du pied de page 5"/>
+          <p:cNvSpPr>
+            <a:spLocks noGrp="1"/>
+          </p:cNvSpPr>
+          <p:nvPr>
+            <p:ph type="ftr" sz="quarter" idx="4"/>
+          </p:nvPr>
+        </p:nvSpPr>
+        <p:spPr>
+          <a:xfrm>
+            <a:off x="0" y="8685213"/>
+            <a:ext cx="2971800" cy="458787"/>
+          </a:xfrm>
+          <a:prstGeom prst="rect">
+            <a:avLst/>
+          </a:prstGeom>
+        </p:spPr>
+        <p:txBody>
+          <a:bodyPr vert="horz" lIns="91440" tIns="45720" rIns="91440" bIns="45720" rtlCol="0" anchor="b"/>
+          <a:lstStyle>
+            <a:lvl1pPr algn="l">
+              <a:defRPr sz="1200"/>
+            </a:lvl1pPr>
+          </a:lstStyle>
+          <a:p>
+            <a:endParaRPr lang="fr-FR"/>
+          </a:p>
+        </p:txBody>
+      </p:sp>
+      <p:sp>
+        <p:nvSpPr>
+          <p:cNvPr id="7" name="Espace réservé du numéro de diapositive 6"/>
+          <p:cNvSpPr>
+            <a:spLocks noGrp="1"/>
+          </p:cNvSpPr>
+          <p:nvPr>
+            <p:ph type="sldNum" sz="quarter" idx="5"/>
+          </p:nvPr>
+        </p:nvSpPr>
+        <p:spPr>
+          <a:xfrm>
+            <a:off x="3884613" y="8685213"/>
+            <a:ext cx="2971800" cy="458787"/>
+          </a:xfrm>
+          <a:prstGeom prst="rect">
+            <a:avLst/>
+          </a:prstGeom>
+        </p:spPr>
+        <p:txBody>
+          <a:bodyPr vert="horz" lIns="91440" tIns="45720" rIns="91440" bIns="45720" rtlCol="0" anchor="b"/>
+          <a:lstStyle>
+            <a:lvl1pPr algn="r">
+              <a:defRPr sz="1200"/>
+            </a:lvl1pPr>
+          </a:lstStyle>
+          <a:p>
+            <a:fld id="{0657CA3B-C571-4D70-8712-24BEC4CFA193}" type="slidenum">
+              <a:rPr lang="fr-FR" smtClean="0"/>
+              <a:t>‹N°›</a:t>
+            </a:fld>
+            <a:endParaRPr lang="fr-FR"/>
+          </a:p>
+        </p:txBody>
+      </p:sp>
+    </p:spTree>
+    <p:extLst>
+      <p:ext uri="{BB962C8B-B14F-4D97-AF65-F5344CB8AC3E}">
+        <p14:creationId xmlns:p14="http://schemas.microsoft.com/office/powerpoint/2010/main" val="1792160957"/>
+      </p:ext>
+    </p:extLst>
+  </p:cSld>
+  <p:clrMap bg1="lt1" tx1="dk1" bg2="lt2" tx2="dk2" accent1="accent1" accent2="accent2" accent3="accent3" accent4="accent4" accent5="accent5" accent6="accent6" hlink="hlink" folHlink="folHlink"/>
+  <p:notesStyle>
+    <a:lvl1pPr marL="0" algn="l" defTabSz="914400" rtl="0" eaLnBrk="1" latinLnBrk="0" hangingPunct="1">
+      <a:defRPr sz="1200" kern="1200">
+        <a:solidFill>
+          <a:schemeClr val="tx1"/>
+        </a:solidFill>
+        <a:latin typeface="+mn-lt"/>
+        <a:ea typeface="+mn-ea"/>
+        <a:cs typeface="+mn-cs"/>
+      </a:defRPr>
+    </a:lvl1pPr>
+    <a:lvl2pPr marL="457200" algn="l" defTabSz="914400" rtl="0" eaLnBrk="1" latinLnBrk="0" hangingPunct="1">
+      <a:defRPr sz="1200" kern="1200">
+        <a:solidFill>
+          <a:schemeClr val="tx1"/>
+        </a:solidFill>
+        <a:latin typeface="+mn-lt"/>
+        <a:ea typeface="+mn-ea"/>
+        <a:cs typeface="+mn-cs"/>
+      </a:defRPr>
+    </a:lvl2pPr>
+    <a:lvl3pPr marL="914400" algn="l" defTabSz="914400" rtl="0" eaLnBrk="1" latinLnBrk="0" hangingPunct="1">
+      <a:defRPr sz="1200" kern="1200">
+        <a:solidFill>
+          <a:schemeClr val="tx1"/>
+        </a:solidFill>
+        <a:latin typeface="+mn-lt"/>
+        <a:ea typeface="+mn-ea"/>
+        <a:cs typeface="+mn-cs"/>
+      </a:defRPr>
+    </a:lvl3pPr>
+    <a:lvl4pPr marL="1371600" algn="l" defTabSz="914400" rtl="0" eaLnBrk="1" latinLnBrk="0" hangingPunct="1">
+      <a:defRPr sz="1200" kern="1200">
+        <a:solidFill>
+          <a:schemeClr val="tx1"/>
+        </a:solidFill>
+        <a:latin typeface="+mn-lt"/>
+        <a:ea typeface="+mn-ea"/>
+        <a:cs typeface="+mn-cs"/>
+      </a:defRPr>
+    </a:lvl4pPr>
+    <a:lvl5pPr marL="1828800" algn="l" defTabSz="914400" rtl="0" eaLnBrk="1" latinLnBrk="0" hangingPunct="1">
+      <a:defRPr sz="1200" kern="1200">
+        <a:solidFill>
+          <a:schemeClr val="tx1"/>
+        </a:solidFill>
+        <a:latin typeface="+mn-lt"/>
+        <a:ea typeface="+mn-ea"/>
+        <a:cs typeface="+mn-cs"/>
+      </a:defRPr>
+    </a:lvl5pPr>
+    <a:lvl6pPr marL="2286000" algn="l" defTabSz="914400" rtl="0" eaLnBrk="1" latinLnBrk="0" hangingPunct="1">
+      <a:defRPr sz="1200" kern="1200">
+        <a:solidFill>
+          <a:schemeClr val="tx1"/>
+        </a:solidFill>
+        <a:latin typeface="+mn-lt"/>
+        <a:ea typeface="+mn-ea"/>
+        <a:cs typeface="+mn-cs"/>
+      </a:defRPr>
+    </a:lvl6pPr>
+    <a:lvl7pPr marL="2743200" algn="l" defTabSz="914400" rtl="0" eaLnBrk="1" latinLnBrk="0" hangingPunct="1">
+      <a:defRPr sz="1200" kern="1200">
+        <a:solidFill>
+          <a:schemeClr val="tx1"/>
+        </a:solidFill>
+        <a:latin typeface="+mn-lt"/>
+        <a:ea typeface="+mn-ea"/>
+        <a:cs typeface="+mn-cs"/>
+      </a:defRPr>
+    </a:lvl7pPr>
+    <a:lvl8pPr marL="3200400" algn="l" defTabSz="914400" rtl="0" eaLnBrk="1" latinLnBrk="0" hangingPunct="1">
+      <a:defRPr sz="1200" kern="1200">
+        <a:solidFill>
+          <a:schemeClr val="tx1"/>
+        </a:solidFill>
+        <a:latin typeface="+mn-lt"/>
+        <a:ea typeface="+mn-ea"/>
+        <a:cs typeface="+mn-cs"/>
+      </a:defRPr>
+    </a:lvl8pPr>
+    <a:lvl9pPr marL="3657600" algn="l" defTabSz="914400" rtl="0" eaLnBrk="1" latinLnBrk="0" hangingPunct="1">
+      <a:defRPr sz="1200" kern="1200">
+        <a:solidFill>
+          <a:schemeClr val="tx1"/>
+        </a:solidFill>
+        <a:latin typeface="+mn-lt"/>
+        <a:ea typeface="+mn-ea"/>
+        <a:cs typeface="+mn-cs"/>
+      </a:defRPr>
+    </a:lvl9pPr>
+  </p:notesStyle>
+</p:notesMaster>
+</file>
+
+<file path=ppt/notesSlides/notesSlide1.xml><?xml version="1.0" encoding="utf-8"?>
+<p:notes xmlns:a="http://schemas.openxmlformats.org/drawingml/2006/main" xmlns:r="http://schemas.openxmlformats.org/officeDocument/2006/relationships" xmlns:p="http://schemas.openxmlformats.org/presentationml/2006/main">
+  <p:cSld>
+    <p:spTree>
+      <p:nvGrpSpPr>
+        <p:cNvPr id="1" name=""/>
+        <p:cNvGrpSpPr/>
+        <p:nvPr/>
+      </p:nvGrpSpPr>
+      <p:grpSpPr>
+        <a:xfrm>
+          <a:off x="0" y="0"/>
+          <a:ext cx="0" cy="0"/>
+          <a:chOff x="0" y="0"/>
+          <a:chExt cx="0" cy="0"/>
+        </a:xfrm>
+      </p:grpSpPr>
+      <p:sp>
+        <p:nvSpPr>
+          <p:cNvPr id="2" name="Espace réservé de l'image des diapositives 1"/>
+          <p:cNvSpPr>
+            <a:spLocks noGrp="1" noRot="1" noChangeAspect="1"/>
+          </p:cNvSpPr>
+          <p:nvPr>
+            <p:ph type="sldImg"/>
+          </p:nvPr>
+        </p:nvSpPr>
+        <p:spPr/>
+      </p:sp>
+      <p:sp>
+        <p:nvSpPr>
+          <p:cNvPr id="3" name="Espace réservé des notes 2"/>
+          <p:cNvSpPr>
+            <a:spLocks noGrp="1"/>
+          </p:cNvSpPr>
+          <p:nvPr>
+            <p:ph type="body" idx="1"/>
+          </p:nvPr>
+        </p:nvSpPr>
+        <p:spPr/>
+        <p:txBody>
+          <a:bodyPr/>
+          <a:lstStyle/>
+          <a:p>
+            <a:r>
+              <a:rPr lang="fr-FR" dirty="0" smtClean="0"/>
+              <a:t>6</a:t>
+            </a:r>
+            <a:r>
+              <a:rPr lang="fr-FR" baseline="0" dirty="0" smtClean="0"/>
+              <a:t> salariés : un directeur technique, deux développeurs, un chef de projet, directeur web marketing, responsable administrative et financière</a:t>
+            </a:r>
+            <a:endParaRPr lang="fr-FR" dirty="0" smtClean="0"/>
+          </a:p>
+          <a:p>
+            <a:r>
+              <a:rPr lang="fr-FR" dirty="0" smtClean="0"/>
+              <a:t>Levé de fond en 2014 pour se consacrer au développement</a:t>
+            </a:r>
+            <a:r>
+              <a:rPr lang="fr-FR" baseline="0" dirty="0" smtClean="0"/>
+              <a:t> de XO</a:t>
+            </a:r>
+          </a:p>
+          <a:p>
+            <a:r>
+              <a:rPr lang="fr-FR" baseline="0" dirty="0" err="1" smtClean="0"/>
+              <a:t>Minalogic</a:t>
+            </a:r>
+            <a:r>
+              <a:rPr lang="fr-FR" baseline="0" dirty="0" smtClean="0"/>
+              <a:t> : 300 entreprises</a:t>
+            </a:r>
+          </a:p>
+          <a:p>
+            <a:r>
+              <a:rPr lang="fr-FR" baseline="0" dirty="0" err="1" smtClean="0"/>
+              <a:t>Ouitls</a:t>
+            </a:r>
+            <a:r>
+              <a:rPr lang="fr-FR" baseline="0" dirty="0" smtClean="0"/>
+              <a:t> de gestion : </a:t>
+            </a:r>
+            <a:r>
+              <a:rPr lang="fr-FR" baseline="0" dirty="0" err="1" smtClean="0"/>
+              <a:t>Mattermost</a:t>
+            </a:r>
+            <a:r>
+              <a:rPr lang="fr-FR" baseline="0" dirty="0" smtClean="0"/>
+              <a:t>, </a:t>
+            </a:r>
+            <a:r>
+              <a:rPr lang="fr-FR" baseline="0" dirty="0" err="1" smtClean="0"/>
+              <a:t>Crisp</a:t>
+            </a:r>
+            <a:r>
+              <a:rPr lang="fr-FR" baseline="0" dirty="0" smtClean="0"/>
+              <a:t>, </a:t>
+            </a:r>
+            <a:r>
+              <a:rPr lang="fr-FR" baseline="0" dirty="0" err="1" smtClean="0"/>
+              <a:t>Github</a:t>
+            </a:r>
+            <a:endParaRPr lang="fr-FR" dirty="0"/>
+          </a:p>
+        </p:txBody>
+      </p:sp>
+      <p:sp>
+        <p:nvSpPr>
+          <p:cNvPr id="4" name="Espace réservé du numéro de diapositive 3"/>
+          <p:cNvSpPr>
+            <a:spLocks noGrp="1"/>
+          </p:cNvSpPr>
+          <p:nvPr>
+            <p:ph type="sldNum" sz="quarter" idx="10"/>
+          </p:nvPr>
+        </p:nvSpPr>
+        <p:spPr/>
+        <p:txBody>
+          <a:bodyPr/>
+          <a:lstStyle/>
+          <a:p>
+            <a:fld id="{0657CA3B-C571-4D70-8712-24BEC4CFA193}" type="slidenum">
+              <a:rPr lang="fr-FR" smtClean="0"/>
+              <a:t>2</a:t>
+            </a:fld>
+            <a:endParaRPr lang="fr-FR"/>
+          </a:p>
+        </p:txBody>
+      </p:sp>
+    </p:spTree>
+    <p:extLst>
+      <p:ext uri="{BB962C8B-B14F-4D97-AF65-F5344CB8AC3E}">
+        <p14:creationId xmlns:p14="http://schemas.microsoft.com/office/powerpoint/2010/main" val="2060716295"/>
+      </p:ext>
+    </p:extLst>
+  </p:cSld>
+  <p:clrMapOvr>
+    <a:masterClrMapping/>
+  </p:clrMapOvr>
+</p:notes>
+</file>
+
+<file path=ppt/notesSlides/notesSlide2.xml><?xml version="1.0" encoding="utf-8"?>
+<p:notes xmlns:a="http://schemas.openxmlformats.org/drawingml/2006/main" xmlns:r="http://schemas.openxmlformats.org/officeDocument/2006/relationships" xmlns:p="http://schemas.openxmlformats.org/presentationml/2006/main">
+  <p:cSld>
+    <p:spTree>
+      <p:nvGrpSpPr>
+        <p:cNvPr id="1" name=""/>
+        <p:cNvGrpSpPr/>
+        <p:nvPr/>
+      </p:nvGrpSpPr>
+      <p:grpSpPr>
+        <a:xfrm>
+          <a:off x="0" y="0"/>
+          <a:ext cx="0" cy="0"/>
+          <a:chOff x="0" y="0"/>
+          <a:chExt cx="0" cy="0"/>
+        </a:xfrm>
+      </p:grpSpPr>
+      <p:sp>
+        <p:nvSpPr>
+          <p:cNvPr id="2" name="Espace réservé de l'image des diapositives 1"/>
+          <p:cNvSpPr>
+            <a:spLocks noGrp="1" noRot="1" noChangeAspect="1"/>
+          </p:cNvSpPr>
+          <p:nvPr>
+            <p:ph type="sldImg"/>
+          </p:nvPr>
+        </p:nvSpPr>
+        <p:spPr/>
+      </p:sp>
+      <p:sp>
+        <p:nvSpPr>
+          <p:cNvPr id="3" name="Espace réservé des notes 2"/>
+          <p:cNvSpPr>
+            <a:spLocks noGrp="1"/>
+          </p:cNvSpPr>
+          <p:nvPr>
+            <p:ph type="body" idx="1"/>
+          </p:nvPr>
+        </p:nvSpPr>
+        <p:spPr/>
+        <p:txBody>
+          <a:bodyPr/>
+          <a:lstStyle/>
+          <a:p>
+            <a:r>
+              <a:rPr lang="fr-FR" dirty="0" smtClean="0"/>
+              <a:t>Prise en main : ES6,  </a:t>
+            </a:r>
+            <a:r>
+              <a:rPr lang="fr-FR" dirty="0" err="1" smtClean="0"/>
+              <a:t>Redux</a:t>
+            </a:r>
+            <a:r>
+              <a:rPr lang="fr-FR" dirty="0" smtClean="0"/>
+              <a:t>, </a:t>
+            </a:r>
+            <a:r>
+              <a:rPr lang="fr-FR" dirty="0" err="1" smtClean="0"/>
+              <a:t>Lodash</a:t>
+            </a:r>
+            <a:r>
+              <a:rPr lang="fr-FR" dirty="0" smtClean="0"/>
+              <a:t>, </a:t>
+            </a:r>
+            <a:endParaRPr lang="fr-FR" dirty="0"/>
+          </a:p>
+        </p:txBody>
+      </p:sp>
+      <p:sp>
+        <p:nvSpPr>
+          <p:cNvPr id="4" name="Espace réservé du numéro de diapositive 3"/>
+          <p:cNvSpPr>
+            <a:spLocks noGrp="1"/>
+          </p:cNvSpPr>
+          <p:nvPr>
+            <p:ph type="sldNum" sz="quarter" idx="10"/>
+          </p:nvPr>
+        </p:nvSpPr>
+        <p:spPr/>
+        <p:txBody>
+          <a:bodyPr/>
+          <a:lstStyle/>
+          <a:p>
+            <a:fld id="{0657CA3B-C571-4D70-8712-24BEC4CFA193}" type="slidenum">
+              <a:rPr lang="fr-FR" smtClean="0"/>
+              <a:t>3</a:t>
+            </a:fld>
+            <a:endParaRPr lang="fr-FR"/>
+          </a:p>
+        </p:txBody>
+      </p:sp>
+    </p:spTree>
+    <p:extLst>
+      <p:ext uri="{BB962C8B-B14F-4D97-AF65-F5344CB8AC3E}">
+        <p14:creationId xmlns:p14="http://schemas.microsoft.com/office/powerpoint/2010/main" val="375556837"/>
+      </p:ext>
+    </p:extLst>
+  </p:cSld>
+  <p:clrMapOvr>
+    <a:masterClrMapping/>
+  </p:clrMapOvr>
+</p:notes>
+</file>
+
+<file path=ppt/notesSlides/notesSlide3.xml><?xml version="1.0" encoding="utf-8"?>
+<p:notes xmlns:a="http://schemas.openxmlformats.org/drawingml/2006/main" xmlns:r="http://schemas.openxmlformats.org/officeDocument/2006/relationships" xmlns:p="http://schemas.openxmlformats.org/presentationml/2006/main">
+  <p:cSld>
+    <p:spTree>
+      <p:nvGrpSpPr>
+        <p:cNvPr id="1" name=""/>
+        <p:cNvGrpSpPr/>
+        <p:nvPr/>
+      </p:nvGrpSpPr>
+      <p:grpSpPr>
+        <a:xfrm>
+          <a:off x="0" y="0"/>
+          <a:ext cx="0" cy="0"/>
+          <a:chOff x="0" y="0"/>
+          <a:chExt cx="0" cy="0"/>
+        </a:xfrm>
+      </p:grpSpPr>
+      <p:sp>
+        <p:nvSpPr>
+          <p:cNvPr id="2" name="Espace réservé de l'image des diapositives 1"/>
+          <p:cNvSpPr>
+            <a:spLocks noGrp="1" noRot="1" noChangeAspect="1"/>
+          </p:cNvSpPr>
+          <p:nvPr>
+            <p:ph type="sldImg"/>
+          </p:nvPr>
+        </p:nvSpPr>
+        <p:spPr/>
+      </p:sp>
+      <p:sp>
+        <p:nvSpPr>
+          <p:cNvPr id="3" name="Espace réservé des notes 2"/>
+          <p:cNvSpPr>
+            <a:spLocks noGrp="1"/>
+          </p:cNvSpPr>
+          <p:nvPr>
+            <p:ph type="body" idx="1"/>
+          </p:nvPr>
+        </p:nvSpPr>
+        <p:spPr/>
+        <p:txBody>
+          <a:bodyPr/>
+          <a:lstStyle/>
+          <a:p>
+            <a:endParaRPr lang="fr-FR" dirty="0"/>
+          </a:p>
+        </p:txBody>
+      </p:sp>
+      <p:sp>
+        <p:nvSpPr>
+          <p:cNvPr id="4" name="Espace réservé du numéro de diapositive 3"/>
+          <p:cNvSpPr>
+            <a:spLocks noGrp="1"/>
+          </p:cNvSpPr>
+          <p:nvPr>
+            <p:ph type="sldNum" sz="quarter" idx="10"/>
+          </p:nvPr>
+        </p:nvSpPr>
+        <p:spPr/>
+        <p:txBody>
+          <a:bodyPr/>
+          <a:lstStyle/>
+          <a:p>
+            <a:fld id="{0657CA3B-C571-4D70-8712-24BEC4CFA193}" type="slidenum">
+              <a:rPr lang="fr-FR" smtClean="0"/>
+              <a:t>4</a:t>
+            </a:fld>
+            <a:endParaRPr lang="fr-FR"/>
+          </a:p>
+        </p:txBody>
+      </p:sp>
+    </p:spTree>
+    <p:extLst>
+      <p:ext uri="{BB962C8B-B14F-4D97-AF65-F5344CB8AC3E}">
+        <p14:creationId xmlns:p14="http://schemas.microsoft.com/office/powerpoint/2010/main" val="1456716287"/>
+      </p:ext>
+    </p:extLst>
+  </p:cSld>
+  <p:clrMapOvr>
+    <a:masterClrMapping/>
+  </p:clrMapOvr>
+</p:notes>
 </file>
 
 <file path=ppt/slideLayouts/slideLayout1.xml><?xml version="1.0" encoding="utf-8"?>
@@ -835,7 +1526,7 @@
             <a:fld id="{B61BEF0D-F0BB-DE4B-95CE-6DB70DBA9567}" type="datetimeFigureOut">
               <a:rPr lang="en-US" dirty="0"/>
               <a:pPr/>
-              <a:t>6/27/2017</a:t>
+              <a:t>6/28/2017</a:t>
             </a:fld>
             <a:endParaRPr lang="en-US" dirty="0"/>
           </a:p>
@@ -878,7 +1569,7 @@
             <a:fld id="{D57F1E4F-1CFF-5643-939E-217C01CDF565}" type="slidenum">
               <a:rPr lang="en-US" dirty="0"/>
               <a:pPr/>
-              <a:t>‹#›</a:t>
+              <a:t>‹N°›</a:t>
             </a:fld>
             <a:endParaRPr lang="en-US" dirty="0"/>
           </a:p>
@@ -1083,7 +1774,7 @@
             <a:fld id="{B61BEF0D-F0BB-DE4B-95CE-6DB70DBA9567}" type="datetimeFigureOut">
               <a:rPr lang="en-US" dirty="0"/>
               <a:pPr/>
-              <a:t>6/27/2017</a:t>
+              <a:t>6/28/2017</a:t>
             </a:fld>
             <a:endParaRPr lang="en-US" dirty="0"/>
           </a:p>
@@ -1126,7 +1817,7 @@
             <a:fld id="{D57F1E4F-1CFF-5643-939E-217C01CDF565}" type="slidenum">
               <a:rPr lang="en-US" dirty="0"/>
               <a:pPr/>
-              <a:t>‹#›</a:t>
+              <a:t>‹N°›</a:t>
             </a:fld>
             <a:endParaRPr lang="en-US" dirty="0"/>
           </a:p>
@@ -1394,7 +2085,7 @@
             <a:fld id="{B61BEF0D-F0BB-DE4B-95CE-6DB70DBA9567}" type="datetimeFigureOut">
               <a:rPr lang="en-US" dirty="0"/>
               <a:pPr/>
-              <a:t>6/27/2017</a:t>
+              <a:t>6/28/2017</a:t>
             </a:fld>
             <a:endParaRPr lang="en-US" dirty="0"/>
           </a:p>
@@ -1437,7 +2128,7 @@
             <a:fld id="{D57F1E4F-1CFF-5643-939E-217C01CDF565}" type="slidenum">
               <a:rPr lang="en-US" dirty="0"/>
               <a:pPr/>
-              <a:t>‹#›</a:t>
+              <a:t>‹N°›</a:t>
             </a:fld>
             <a:endParaRPr lang="en-US" dirty="0"/>
           </a:p>
@@ -1732,7 +2423,7 @@
             <a:fld id="{B61BEF0D-F0BB-DE4B-95CE-6DB70DBA9567}" type="datetimeFigureOut">
               <a:rPr lang="en-US" dirty="0"/>
               <a:pPr/>
-              <a:t>6/27/2017</a:t>
+              <a:t>6/28/2017</a:t>
             </a:fld>
             <a:endParaRPr lang="en-US" dirty="0"/>
           </a:p>
@@ -1775,7 +2466,7 @@
             <a:fld id="{D57F1E4F-1CFF-5643-939E-217C01CDF565}" type="slidenum">
               <a:rPr lang="en-US" dirty="0"/>
               <a:pPr/>
-              <a:t>‹#›</a:t>
+              <a:t>‹N°›</a:t>
             </a:fld>
             <a:endParaRPr lang="en-US" dirty="0"/>
           </a:p>
@@ -2043,7 +2734,7 @@
             <a:fld id="{B61BEF0D-F0BB-DE4B-95CE-6DB70DBA9567}" type="datetimeFigureOut">
               <a:rPr lang="en-US" dirty="0"/>
               <a:pPr/>
-              <a:t>6/27/2017</a:t>
+              <a:t>6/28/2017</a:t>
             </a:fld>
             <a:endParaRPr lang="en-US" dirty="0"/>
           </a:p>
@@ -2086,7 +2777,7 @@
             <a:fld id="{D57F1E4F-1CFF-5643-939E-217C01CDF565}" type="slidenum">
               <a:rPr lang="en-US" dirty="0"/>
               <a:pPr/>
-              <a:t>‹#›</a:t>
+              <a:t>‹N°›</a:t>
             </a:fld>
             <a:endParaRPr lang="en-US" dirty="0"/>
           </a:p>
@@ -2433,7 +3124,7 @@
             <a:fld id="{B61BEF0D-F0BB-DE4B-95CE-6DB70DBA9567}" type="datetimeFigureOut">
               <a:rPr lang="en-US" dirty="0"/>
               <a:pPr/>
-              <a:t>6/27/2017</a:t>
+              <a:t>6/28/2017</a:t>
             </a:fld>
             <a:endParaRPr lang="en-US" dirty="0"/>
           </a:p>
@@ -2476,7 +3167,7 @@
             <a:fld id="{D57F1E4F-1CFF-5643-939E-217C01CDF565}" type="slidenum">
               <a:rPr lang="en-US" dirty="0"/>
               <a:pPr/>
-              <a:t>‹#›</a:t>
+              <a:t>‹N°›</a:t>
             </a:fld>
             <a:endParaRPr lang="en-US" dirty="0"/>
           </a:p>
@@ -2599,7 +3290,7 @@
           <a:p>
             <a:fld id="{55C6B4A9-1611-4792-9094-5F34BCA07E0B}" type="datetimeFigureOut">
               <a:rPr lang="en-US" dirty="0"/>
-              <a:t>6/27/2017</a:t>
+              <a:t>6/28/2017</a:t>
             </a:fld>
             <a:endParaRPr lang="en-US" dirty="0"/>
           </a:p>
@@ -2641,7 +3332,7 @@
           <a:p>
             <a:fld id="{89333C77-0158-454C-844F-B7AB9BD7DAD4}" type="slidenum">
               <a:rPr lang="en-US" dirty="0"/>
-              <a:t>‹#›</a:t>
+              <a:t>‹N°›</a:t>
             </a:fld>
             <a:endParaRPr lang="en-US" dirty="0"/>
           </a:p>
@@ -2775,7 +3466,7 @@
             <a:fld id="{B61BEF0D-F0BB-DE4B-95CE-6DB70DBA9567}" type="datetimeFigureOut">
               <a:rPr lang="en-US" dirty="0"/>
               <a:pPr/>
-              <a:t>6/27/2017</a:t>
+              <a:t>6/28/2017</a:t>
             </a:fld>
             <a:endParaRPr lang="en-US" dirty="0"/>
           </a:p>
@@ -2818,7 +3509,7 @@
             <a:fld id="{D57F1E4F-1CFF-5643-939E-217C01CDF565}" type="slidenum">
               <a:rPr lang="en-US" dirty="0"/>
               <a:pPr/>
-              <a:t>‹#›</a:t>
+              <a:t>‹N°›</a:t>
             </a:fld>
             <a:endParaRPr lang="en-US" dirty="0"/>
           </a:p>
@@ -2948,7 +3639,7 @@
             <a:fld id="{B61BEF0D-F0BB-DE4B-95CE-6DB70DBA9567}" type="datetimeFigureOut">
               <a:rPr lang="en-US" dirty="0"/>
               <a:pPr/>
-              <a:t>6/27/2017</a:t>
+              <a:t>6/28/2017</a:t>
             </a:fld>
             <a:endParaRPr lang="en-US" dirty="0"/>
           </a:p>
@@ -2991,7 +3682,7 @@
             <a:fld id="{D57F1E4F-1CFF-5643-939E-217C01CDF565}" type="slidenum">
               <a:rPr lang="en-US" dirty="0"/>
               <a:pPr/>
-              <a:t>‹#›</a:t>
+              <a:t>‹N°›</a:t>
             </a:fld>
             <a:endParaRPr lang="en-US" dirty="0"/>
           </a:p>
@@ -3192,7 +3883,7 @@
             <a:fld id="{B61BEF0D-F0BB-DE4B-95CE-6DB70DBA9567}" type="datetimeFigureOut">
               <a:rPr lang="en-US" dirty="0"/>
               <a:pPr/>
-              <a:t>6/27/2017</a:t>
+              <a:t>6/28/2017</a:t>
             </a:fld>
             <a:endParaRPr lang="en-US" dirty="0"/>
           </a:p>
@@ -3235,7 +3926,7 @@
             <a:fld id="{D57F1E4F-1CFF-5643-939E-217C01CDF565}" type="slidenum">
               <a:rPr lang="en-US" dirty="0"/>
               <a:pPr/>
-              <a:t>‹#›</a:t>
+              <a:t>‹N°›</a:t>
             </a:fld>
             <a:endParaRPr lang="en-US" dirty="0"/>
           </a:p>
@@ -3420,7 +4111,7 @@
           <a:p>
             <a:fld id="{EB712588-04B1-427B-82EE-E8DB90309F08}" type="datetimeFigureOut">
               <a:rPr lang="en-US" dirty="0"/>
-              <a:t>6/27/2017</a:t>
+              <a:t>6/28/2017</a:t>
             </a:fld>
             <a:endParaRPr lang="en-US" dirty="0"/>
           </a:p>
@@ -3462,7 +4153,7 @@
           <a:p>
             <a:fld id="{6FF9F0C5-380F-41C2-899A-BAC0F0927E16}" type="slidenum">
               <a:rPr lang="en-US" dirty="0"/>
-              <a:t>‹#›</a:t>
+              <a:t>‹N°›</a:t>
             </a:fld>
             <a:endParaRPr lang="en-US" dirty="0"/>
           </a:p>
@@ -3790,7 +4481,7 @@
             <a:fld id="{B61BEF0D-F0BB-DE4B-95CE-6DB70DBA9567}" type="datetimeFigureOut">
               <a:rPr lang="en-US" dirty="0"/>
               <a:pPr/>
-              <a:t>6/27/2017</a:t>
+              <a:t>6/28/2017</a:t>
             </a:fld>
             <a:endParaRPr lang="en-US" dirty="0"/>
           </a:p>
@@ -3833,7 +4524,7 @@
             <a:fld id="{D57F1E4F-1CFF-5643-939E-217C01CDF565}" type="slidenum">
               <a:rPr lang="en-US" dirty="0"/>
               <a:pPr/>
-              <a:t>‹#›</a:t>
+              <a:t>‹N°›</a:t>
             </a:fld>
             <a:endParaRPr lang="en-US" dirty="0"/>
           </a:p>
@@ -3910,7 +4601,7 @@
             <a:fld id="{B61BEF0D-F0BB-DE4B-95CE-6DB70DBA9567}" type="datetimeFigureOut">
               <a:rPr lang="en-US" dirty="0"/>
               <a:pPr/>
-              <a:t>6/27/2017</a:t>
+              <a:t>6/28/2017</a:t>
             </a:fld>
             <a:endParaRPr lang="en-US" dirty="0"/>
           </a:p>
@@ -3953,7 +4644,7 @@
             <a:fld id="{D57F1E4F-1CFF-5643-939E-217C01CDF565}" type="slidenum">
               <a:rPr lang="en-US" dirty="0"/>
               <a:pPr/>
-              <a:t>‹#›</a:t>
+              <a:t>‹N°›</a:t>
             </a:fld>
             <a:endParaRPr lang="en-US" dirty="0"/>
           </a:p>
@@ -4002,7 +4693,7 @@
             <a:fld id="{B61BEF0D-F0BB-DE4B-95CE-6DB70DBA9567}" type="datetimeFigureOut">
               <a:rPr lang="en-US" dirty="0"/>
               <a:pPr/>
-              <a:t>6/27/2017</a:t>
+              <a:t>6/28/2017</a:t>
             </a:fld>
             <a:endParaRPr lang="en-US" dirty="0"/>
           </a:p>
@@ -4045,7 +4736,7 @@
             <a:fld id="{D57F1E4F-1CFF-5643-939E-217C01CDF565}" type="slidenum">
               <a:rPr lang="en-US" dirty="0"/>
               <a:pPr/>
-              <a:t>‹#›</a:t>
+              <a:t>‹N°›</a:t>
             </a:fld>
             <a:endParaRPr lang="en-US" dirty="0"/>
           </a:p>
@@ -4253,7 +4944,7 @@
           <a:p>
             <a:fld id="{42A54C80-263E-416B-A8E0-580EDEADCBDC}" type="datetimeFigureOut">
               <a:rPr lang="en-US" dirty="0"/>
-              <a:t>6/27/2017</a:t>
+              <a:t>6/28/2017</a:t>
             </a:fld>
             <a:endParaRPr lang="en-US" dirty="0"/>
           </a:p>
@@ -4295,7 +4986,7 @@
           <a:p>
             <a:fld id="{519954A3-9DFD-4C44-94BA-B95130A3BA1C}" type="slidenum">
               <a:rPr lang="en-US" dirty="0"/>
-              <a:t>‹#›</a:t>
+              <a:t>‹N°›</a:t>
             </a:fld>
             <a:endParaRPr lang="en-US" dirty="0"/>
           </a:p>
@@ -4512,7 +5203,7 @@
             <a:fld id="{B61BEF0D-F0BB-DE4B-95CE-6DB70DBA9567}" type="datetimeFigureOut">
               <a:rPr lang="en-US" dirty="0"/>
               <a:pPr/>
-              <a:t>6/27/2017</a:t>
+              <a:t>6/28/2017</a:t>
             </a:fld>
             <a:endParaRPr lang="en-US" dirty="0"/>
           </a:p>
@@ -4555,7 +5246,7 @@
             <a:fld id="{D57F1E4F-1CFF-5643-939E-217C01CDF565}" type="slidenum">
               <a:rPr lang="en-US" dirty="0"/>
               <a:pPr/>
-              <a:t>‹#›</a:t>
+              <a:t>‹N°›</a:t>
             </a:fld>
             <a:endParaRPr lang="en-US" dirty="0"/>
           </a:p>
@@ -5252,7 +5943,7 @@
             <a:fld id="{B61BEF0D-F0BB-DE4B-95CE-6DB70DBA9567}" type="datetimeFigureOut">
               <a:rPr lang="en-US" dirty="0"/>
               <a:pPr/>
-              <a:t>6/27/2017</a:t>
+              <a:t>6/28/2017</a:t>
             </a:fld>
             <a:endParaRPr lang="en-US" dirty="0"/>
           </a:p>
@@ -5329,7 +6020,7 @@
             <a:fld id="{D57F1E4F-1CFF-5643-939E-217C01CDF565}" type="slidenum">
               <a:rPr lang="en-US" dirty="0"/>
               <a:pPr/>
-              <a:t>‹#›</a:t>
+              <a:t>‹N°›</a:t>
             </a:fld>
             <a:endParaRPr lang="en-US" dirty="0"/>
           </a:p>
@@ -5782,11 +6473,43 @@
             <p:ph type="ctrTitle"/>
           </p:nvPr>
         </p:nvSpPr>
-        <p:spPr/>
+        <p:spPr>
+          <a:xfrm>
+            <a:off x="1841863" y="1920241"/>
+            <a:ext cx="7523580" cy="2090056"/>
+          </a:xfrm>
+        </p:spPr>
         <p:txBody>
           <a:bodyPr/>
           <a:lstStyle/>
           <a:p>
+            <a:r>
+              <a:rPr lang="fr-FR" sz="3600" dirty="0"/>
+              <a:t>Participation au développement de </a:t>
+            </a:r>
+            <a:r>
+              <a:rPr lang="fr-FR" sz="3600" dirty="0" err="1"/>
+              <a:t>Xen</a:t>
+            </a:r>
+            <a:r>
+              <a:rPr lang="fr-FR" sz="3600" dirty="0"/>
+              <a:t> Orchestra, interface web de gestion de machines virtuelles</a:t>
+            </a:r>
+            <a:r>
+              <a:rPr lang="fr-FR" sz="2800" dirty="0">
+                <a:latin typeface="Calibri" panose="020F0502020204030204" pitchFamily="34" charset="0"/>
+                <a:ea typeface="Times New Roman" panose="02020603050405020304" pitchFamily="18" charset="0"/>
+                <a:cs typeface="Times New Roman" panose="02020603050405020304" pitchFamily="18" charset="0"/>
+              </a:rPr>
+              <a:t/>
+            </a:r>
+            <a:br>
+              <a:rPr lang="fr-FR" sz="2800" dirty="0">
+                <a:latin typeface="Calibri" panose="020F0502020204030204" pitchFamily="34" charset="0"/>
+                <a:ea typeface="Times New Roman" panose="02020603050405020304" pitchFamily="18" charset="0"/>
+                <a:cs typeface="Times New Roman" panose="02020603050405020304" pitchFamily="18" charset="0"/>
+              </a:rPr>
+            </a:br>
             <a:endParaRPr lang="fr-FR" dirty="0"/>
           </a:p>
         </p:txBody>
@@ -5801,12 +6524,17 @@
             <p:ph type="subTitle" idx="1"/>
           </p:nvPr>
         </p:nvSpPr>
-        <p:spPr/>
+        <p:spPr>
+          <a:xfrm>
+            <a:off x="1598507" y="4429656"/>
+            <a:ext cx="7766936" cy="1096899"/>
+          </a:xfrm>
+        </p:spPr>
         <p:txBody>
           <a:bodyPr/>
           <a:lstStyle/>
           <a:p>
-            <a:endParaRPr lang="fr-FR"/>
+            <a:endParaRPr lang="fr-FR" dirty="0"/>
           </a:p>
         </p:txBody>
       </p:sp>
@@ -5885,7 +6613,43 @@
           <a:bodyPr/>
           <a:lstStyle/>
           <a:p>
-            <a:endParaRPr lang="fr-FR"/>
+            <a:r>
+              <a:rPr lang="fr-FR" smtClean="0"/>
+              <a:t>6 salariés</a:t>
+            </a:r>
+          </a:p>
+          <a:p>
+            <a:r>
+              <a:rPr lang="fr-FR" dirty="0" smtClean="0"/>
+              <a:t>Créé en 2012</a:t>
+            </a:r>
+          </a:p>
+          <a:p>
+            <a:r>
+              <a:rPr lang="fr-FR" dirty="0" smtClean="0"/>
+              <a:t>Développe </a:t>
+            </a:r>
+            <a:r>
+              <a:rPr lang="fr-FR" dirty="0" err="1" smtClean="0"/>
+              <a:t>Xen</a:t>
+            </a:r>
+            <a:r>
+              <a:rPr lang="fr-FR" dirty="0" smtClean="0"/>
+              <a:t> Orchestra depuis 2014</a:t>
+            </a:r>
+          </a:p>
+          <a:p>
+            <a:r>
+              <a:rPr lang="fr-FR" dirty="0" err="1" smtClean="0"/>
+              <a:t>Minalogic</a:t>
+            </a:r>
+            <a:endParaRPr lang="fr-FR" dirty="0" smtClean="0"/>
+          </a:p>
+          <a:p>
+            <a:r>
+              <a:rPr lang="fr-FR" dirty="0" smtClean="0"/>
+              <a:t>Utilise différents outils de gestion de projet</a:t>
+            </a:r>
           </a:p>
         </p:txBody>
       </p:sp>
@@ -5968,6 +6732,36 @@
           </a:p>
         </p:txBody>
       </p:sp>
+      <p:pic>
+        <p:nvPicPr>
+          <p:cNvPr id="4" name="Image 3" descr="C:\Users\CCCCC\Documents\journalStage\Gantt.jpg"/>
+          <p:cNvPicPr/>
+          <p:nvPr/>
+        </p:nvPicPr>
+        <p:blipFill>
+          <a:blip r:embed="rId3" cstate="print"/>
+          <a:srcRect t="19620"/>
+          <a:stretch>
+            <a:fillRect/>
+          </a:stretch>
+        </p:blipFill>
+        <p:spPr bwMode="auto">
+          <a:xfrm>
+            <a:off x="576995" y="1930400"/>
+            <a:ext cx="10672988" cy="3715191"/>
+          </a:xfrm>
+          <a:prstGeom prst="rect">
+            <a:avLst/>
+          </a:prstGeom>
+          <a:noFill/>
+          <a:ln w="9525">
+            <a:noFill/>
+            <a:miter lim="800000"/>
+            <a:headEnd/>
+            <a:tailEnd/>
+          </a:ln>
+        </p:spPr>
+      </p:pic>
     </p:spTree>
     <p:extLst>
       <p:ext uri="{BB962C8B-B14F-4D97-AF65-F5344CB8AC3E}">
@@ -6045,7 +6839,11 @@
             </a:pPr>
             <a:r>
               <a:rPr lang="fr-FR" dirty="0" smtClean="0"/>
-              <a:t>Composant :</a:t>
+              <a:t>Programmation par composants </a:t>
+            </a:r>
+            <a:r>
+              <a:rPr lang="fr-FR" dirty="0" smtClean="0"/>
+              <a:t>:</a:t>
             </a:r>
           </a:p>
           <a:p>
@@ -6070,8 +6868,21 @@
             </a:r>
             <a:r>
               <a:rPr lang="fr-FR" dirty="0" smtClean="0"/>
-              <a:t>, state</a:t>
-            </a:r>
+              <a:t>, </a:t>
+            </a:r>
+            <a:r>
+              <a:rPr lang="fr-FR" dirty="0"/>
+              <a:t>S</a:t>
+            </a:r>
+            <a:r>
+              <a:rPr lang="fr-FR" dirty="0" smtClean="0"/>
+              <a:t>tate, </a:t>
+            </a:r>
+            <a:r>
+              <a:rPr lang="fr-FR" dirty="0" err="1" smtClean="0"/>
+              <a:t>Render</a:t>
+            </a:r>
+            <a:endParaRPr lang="fr-FR" dirty="0" smtClean="0"/>
           </a:p>
           <a:p>
             <a:endParaRPr lang="fr-FR" dirty="0" smtClean="0"/>
@@ -6081,10 +6892,44 @@
               <a:rPr lang="fr-FR" dirty="0" smtClean="0"/>
               <a:t>Instanciation</a:t>
             </a:r>
+          </a:p>
+          <a:p>
+            <a:r>
+              <a:rPr lang="fr-FR" dirty="0" smtClean="0"/>
+              <a:t>Déclaration d’un composant</a:t>
+            </a:r>
             <a:endParaRPr lang="fr-FR" dirty="0"/>
           </a:p>
         </p:txBody>
       </p:sp>
+      <p:pic>
+        <p:nvPicPr>
+          <p:cNvPr id="4" name="Image 3" descr="C:\Users\CCCCC\Downloads\Capture du 2017-05-30 20_42_47.png"/>
+          <p:cNvPicPr/>
+          <p:nvPr/>
+        </p:nvPicPr>
+        <p:blipFill rotWithShape="1">
+          <a:blip r:embed="rId3" cstate="print"/>
+          <a:srcRect l="21398" t="32779" r="65661" b="64792"/>
+          <a:stretch/>
+        </p:blipFill>
+        <p:spPr bwMode="auto">
+          <a:xfrm>
+            <a:off x="5758813" y="3731881"/>
+            <a:ext cx="3515189" cy="369094"/>
+          </a:xfrm>
+          <a:prstGeom prst="rect">
+            <a:avLst/>
+          </a:prstGeom>
+          <a:noFill/>
+          <a:ln w="9525">
+            <a:noFill/>
+            <a:miter lim="800000"/>
+            <a:headEnd/>
+            <a:tailEnd/>
+          </a:ln>
+        </p:spPr>
+      </p:pic>
     </p:spTree>
     <p:extLst>
       <p:ext uri="{BB962C8B-B14F-4D97-AF65-F5344CB8AC3E}">
@@ -6124,6 +6969,141 @@
       </p:grpSpPr>
       <p:sp>
         <p:nvSpPr>
+          <p:cNvPr id="2" name="Titre 1"/>
+          <p:cNvSpPr>
+            <a:spLocks noGrp="1"/>
+          </p:cNvSpPr>
+          <p:nvPr>
+            <p:ph type="title"/>
+          </p:nvPr>
+        </p:nvSpPr>
+        <p:spPr/>
+        <p:txBody>
+          <a:bodyPr/>
+          <a:lstStyle/>
+          <a:p>
+            <a:r>
+              <a:rPr lang="fr-FR" dirty="0" err="1"/>
+              <a:t>React</a:t>
+            </a:r>
+            <a:r>
+              <a:rPr lang="fr-FR" dirty="0"/>
+              <a:t> JS</a:t>
+            </a:r>
+          </a:p>
+        </p:txBody>
+      </p:sp>
+      <p:sp>
+        <p:nvSpPr>
+          <p:cNvPr id="3" name="Espace réservé du contenu 2"/>
+          <p:cNvSpPr>
+            <a:spLocks noGrp="1"/>
+          </p:cNvSpPr>
+          <p:nvPr>
+            <p:ph idx="1"/>
+          </p:nvPr>
+        </p:nvSpPr>
+        <p:spPr/>
+        <p:txBody>
+          <a:bodyPr/>
+          <a:lstStyle/>
+          <a:p>
+            <a:endParaRPr lang="fr-FR" dirty="0"/>
+          </a:p>
+        </p:txBody>
+      </p:sp>
+      <p:pic>
+        <p:nvPicPr>
+          <p:cNvPr id="4" name="Image 3" descr="C:\Users\CCCCC\Downloads\Capture du 2017-06-04 17_07_42.png"/>
+          <p:cNvPicPr/>
+          <p:nvPr/>
+        </p:nvPicPr>
+        <p:blipFill>
+          <a:blip r:embed="rId2" cstate="print"/>
+          <a:srcRect l="15318" t="15278" r="59029" b="76576"/>
+          <a:stretch>
+            <a:fillRect/>
+          </a:stretch>
+        </p:blipFill>
+        <p:spPr bwMode="auto">
+          <a:xfrm>
+            <a:off x="443388" y="3664843"/>
+            <a:ext cx="4916791" cy="872263"/>
+          </a:xfrm>
+          <a:prstGeom prst="rect">
+            <a:avLst/>
+          </a:prstGeom>
+          <a:noFill/>
+          <a:ln w="9525">
+            <a:noFill/>
+            <a:miter lim="800000"/>
+            <a:headEnd/>
+            <a:tailEnd/>
+          </a:ln>
+        </p:spPr>
+      </p:pic>
+      <p:pic>
+        <p:nvPicPr>
+          <p:cNvPr id="5" name="Image 4" descr="C:\Users\CCCCC\Downloads\Capture du 2017-06-04 01_15_15.png"/>
+          <p:cNvPicPr/>
+          <p:nvPr/>
+        </p:nvPicPr>
+        <p:blipFill rotWithShape="1">
+          <a:blip r:embed="rId3" cstate="print"/>
+          <a:srcRect l="17486" t="15335" r="41645" b="32231"/>
+          <a:stretch/>
+        </p:blipFill>
+        <p:spPr bwMode="auto">
+          <a:xfrm>
+            <a:off x="5567585" y="1930400"/>
+            <a:ext cx="6372218" cy="4597717"/>
+          </a:xfrm>
+          <a:prstGeom prst="rect">
+            <a:avLst/>
+          </a:prstGeom>
+          <a:noFill/>
+          <a:ln>
+            <a:noFill/>
+          </a:ln>
+          <a:extLst>
+            <a:ext uri="{53640926-AAD7-44D8-BBD7-CCE9431645EC}">
+              <a14:shadowObscured xmlns:a14="http://schemas.microsoft.com/office/drawing/2010/main"/>
+            </a:ext>
+          </a:extLst>
+        </p:spPr>
+      </p:pic>
+    </p:spTree>
+    <p:extLst>
+      <p:ext uri="{BB962C8B-B14F-4D97-AF65-F5344CB8AC3E}">
+        <p14:creationId xmlns:p14="http://schemas.microsoft.com/office/powerpoint/2010/main" val="240404320"/>
+      </p:ext>
+    </p:extLst>
+  </p:cSld>
+  <p:clrMapOvr>
+    <a:masterClrMapping/>
+  </p:clrMapOvr>
+</p:sld>
+</file>
+
+<file path=ppt/slides/slide6.xml><?xml version="1.0" encoding="utf-8"?>
+<p:sld xmlns:a="http://schemas.openxmlformats.org/drawingml/2006/main" xmlns:r="http://schemas.openxmlformats.org/officeDocument/2006/relationships" xmlns:p="http://schemas.openxmlformats.org/presentationml/2006/main">
+  <p:cSld>
+    <p:spTree>
+      <p:nvGrpSpPr>
+        <p:cNvPr id="1" name=""/>
+        <p:cNvGrpSpPr/>
+        <p:nvPr/>
+      </p:nvGrpSpPr>
+      <p:grpSpPr>
+        <a:xfrm>
+          <a:off x="0" y="0"/>
+          <a:ext cx="0" cy="0"/>
+          <a:chOff x="0" y="0"/>
+          <a:chExt cx="0" cy="0"/>
+        </a:xfrm>
+      </p:grpSpPr>
+      <p:sp>
+        <p:nvSpPr>
           <p:cNvPr id="2" name="Title 1"/>
           <p:cNvSpPr>
             <a:spLocks noGrp="1"/>
@@ -6217,7 +7197,75 @@
 </p:sld>
 </file>
 
-<file path=ppt/slides/slide6.xml><?xml version="1.0" encoding="utf-8"?>
+<file path=ppt/slides/slide7.xml><?xml version="1.0" encoding="utf-8"?>
+<p:sld xmlns:a="http://schemas.openxmlformats.org/drawingml/2006/main" xmlns:r="http://schemas.openxmlformats.org/officeDocument/2006/relationships" xmlns:p="http://schemas.openxmlformats.org/presentationml/2006/main">
+  <p:cSld>
+    <p:spTree>
+      <p:nvGrpSpPr>
+        <p:cNvPr id="1" name=""/>
+        <p:cNvGrpSpPr/>
+        <p:nvPr/>
+      </p:nvGrpSpPr>
+      <p:grpSpPr>
+        <a:xfrm>
+          <a:off x="0" y="0"/>
+          <a:ext cx="0" cy="0"/>
+          <a:chOff x="0" y="0"/>
+          <a:chExt cx="0" cy="0"/>
+        </a:xfrm>
+      </p:grpSpPr>
+      <p:sp>
+        <p:nvSpPr>
+          <p:cNvPr id="2" name="Titre 1"/>
+          <p:cNvSpPr>
+            <a:spLocks noGrp="1"/>
+          </p:cNvSpPr>
+          <p:nvPr>
+            <p:ph type="title"/>
+          </p:nvPr>
+        </p:nvSpPr>
+        <p:spPr/>
+        <p:txBody>
+          <a:bodyPr/>
+          <a:lstStyle/>
+          <a:p>
+            <a:endParaRPr lang="fr-FR"/>
+          </a:p>
+        </p:txBody>
+      </p:sp>
+      <p:sp>
+        <p:nvSpPr>
+          <p:cNvPr id="3" name="Espace réservé du contenu 2"/>
+          <p:cNvSpPr>
+            <a:spLocks noGrp="1"/>
+          </p:cNvSpPr>
+          <p:nvPr>
+            <p:ph idx="1"/>
+          </p:nvPr>
+        </p:nvSpPr>
+        <p:spPr/>
+        <p:txBody>
+          <a:bodyPr/>
+          <a:lstStyle/>
+          <a:p>
+            <a:endParaRPr lang="fr-FR"/>
+          </a:p>
+        </p:txBody>
+      </p:sp>
+    </p:spTree>
+    <p:extLst>
+      <p:ext uri="{BB962C8B-B14F-4D97-AF65-F5344CB8AC3E}">
+        <p14:creationId xmlns:p14="http://schemas.microsoft.com/office/powerpoint/2010/main" val="3553190663"/>
+      </p:ext>
+    </p:extLst>
+  </p:cSld>
+  <p:clrMapOvr>
+    <a:masterClrMapping/>
+  </p:clrMapOvr>
+</p:sld>
+</file>
+
+<file path=ppt/slides/slide8.xml><?xml version="1.0" encoding="utf-8"?>
 <p:sld xmlns:a="http://schemas.openxmlformats.org/drawingml/2006/main" xmlns:r="http://schemas.openxmlformats.org/officeDocument/2006/relationships" xmlns:p="http://schemas.openxmlformats.org/presentationml/2006/main">
   <p:cSld>
     <p:spTree>
@@ -6555,4 +7603,265 @@
     </a:ext>
   </a:extLst>
 </a:theme>
+</file>
+
+<file path=ppt/theme/theme2.xml><?xml version="1.0" encoding="utf-8"?>
+<a:theme xmlns:a="http://schemas.openxmlformats.org/drawingml/2006/main" name="Thème Office">
+  <a:themeElements>
+    <a:clrScheme name="Office">
+      <a:dk1>
+        <a:sysClr val="windowText" lastClr="000000"/>
+      </a:dk1>
+      <a:lt1>
+        <a:sysClr val="window" lastClr="FFFFFF"/>
+      </a:lt1>
+      <a:dk2>
+        <a:srgbClr val="44546A"/>
+      </a:dk2>
+      <a:lt2>
+        <a:srgbClr val="E7E6E6"/>
+      </a:lt2>
+      <a:accent1>
+        <a:srgbClr val="5B9BD5"/>
+      </a:accent1>
+      <a:accent2>
+        <a:srgbClr val="ED7D31"/>
+      </a:accent2>
+      <a:accent3>
+        <a:srgbClr val="A5A5A5"/>
+      </a:accent3>
+      <a:accent4>
+        <a:srgbClr val="FFC000"/>
+      </a:accent4>
+      <a:accent5>
+        <a:srgbClr val="4472C4"/>
+      </a:accent5>
+      <a:accent6>
+        <a:srgbClr val="70AD47"/>
+      </a:accent6>
+      <a:hlink>
+        <a:srgbClr val="0563C1"/>
+      </a:hlink>
+      <a:folHlink>
+        <a:srgbClr val="954F72"/>
+      </a:folHlink>
+    </a:clrScheme>
+    <a:fontScheme name="Office">
+      <a:majorFont>
+        <a:latin typeface="Calibri Light" panose="020F0302020204030204"/>
+        <a:ea typeface=""/>
+        <a:cs typeface=""/>
+        <a:font script="Jpan" typeface="游ゴシック Light"/>
+        <a:font script="Hang" typeface="맑은 고딕"/>
+        <a:font script="Hans" typeface="等线 Light"/>
+        <a:font script="Hant" typeface="新細明體"/>
+        <a:font script="Arab" typeface="Times New Roman"/>
+        <a:font script="Hebr" typeface="Times New Roman"/>
+        <a:font script="Thai" typeface="Angsana New"/>
+        <a:font script="Ethi" typeface="Nyala"/>
+        <a:font script="Beng" typeface="Vrinda"/>
+        <a:font script="Gujr" typeface="Shruti"/>
+        <a:font script="Khmr" typeface="MoolBoran"/>
+        <a:font script="Knda" typeface="Tunga"/>
+        <a:font script="Guru" typeface="Raavi"/>
+        <a:font script="Cans" typeface="Euphemia"/>
+        <a:font script="Cher" typeface="Plantagenet Cherokee"/>
+        <a:font script="Yiii" typeface="Microsoft Yi Baiti"/>
+        <a:font script="Tibt" typeface="Microsoft Himalaya"/>
+        <a:font script="Thaa" typeface="MV Boli"/>
+        <a:font script="Deva" typeface="Mangal"/>
+        <a:font script="Telu" typeface="Gautami"/>
+        <a:font script="Taml" typeface="Latha"/>
+        <a:font script="Syrc" typeface="Estrangelo Edessa"/>
+        <a:font script="Orya" typeface="Kalinga"/>
+        <a:font script="Mlym" typeface="Kartika"/>
+        <a:font script="Laoo" typeface="DokChampa"/>
+        <a:font script="Sinh" typeface="Iskoola Pota"/>
+        <a:font script="Mong" typeface="Mongolian Baiti"/>
+        <a:font script="Viet" typeface="Times New Roman"/>
+        <a:font script="Uigh" typeface="Microsoft Uighur"/>
+        <a:font script="Geor" typeface="Sylfaen"/>
+      </a:majorFont>
+      <a:minorFont>
+        <a:latin typeface="Calibri" panose="020F0502020204030204"/>
+        <a:ea typeface=""/>
+        <a:cs typeface=""/>
+        <a:font script="Jpan" typeface="游ゴシック"/>
+        <a:font script="Hang" typeface="맑은 고딕"/>
+        <a:font script="Hans" typeface="等线"/>
+        <a:font script="Hant" typeface="新細明體"/>
+        <a:font script="Arab" typeface="Arial"/>
+        <a:font script="Hebr" typeface="Arial"/>
+        <a:font script="Thai" typeface="Cordia New"/>
+        <a:font script="Ethi" typeface="Nyala"/>
+        <a:font script="Beng" typeface="Vrinda"/>
+        <a:font script="Gujr" typeface="Shruti"/>
+        <a:font script="Khmr" typeface="DaunPenh"/>
+        <a:font script="Knda" typeface="Tunga"/>
+        <a:font script="Guru" typeface="Raavi"/>
+        <a:font script="Cans" typeface="Euphemia"/>
+        <a:font script="Cher" typeface="Plantagenet Cherokee"/>
+        <a:font script="Yiii" typeface="Microsoft Yi Baiti"/>
+        <a:font script="Tibt" typeface="Microsoft Himalaya"/>
+        <a:font script="Thaa" typeface="MV Boli"/>
+        <a:font script="Deva" typeface="Mangal"/>
+        <a:font script="Telu" typeface="Gautami"/>
+        <a:font script="Taml" typeface="Latha"/>
+        <a:font script="Syrc" typeface="Estrangelo Edessa"/>
+        <a:font script="Orya" typeface="Kalinga"/>
+        <a:font script="Mlym" typeface="Kartika"/>
+        <a:font script="Laoo" typeface="DokChampa"/>
+        <a:font script="Sinh" typeface="Iskoola Pota"/>
+        <a:font script="Mong" typeface="Mongolian Baiti"/>
+        <a:font script="Viet" typeface="Arial"/>
+        <a:font script="Uigh" typeface="Microsoft Uighur"/>
+        <a:font script="Geor" typeface="Sylfaen"/>
+      </a:minorFont>
+    </a:fontScheme>
+    <a:fmtScheme name="Office">
+      <a:fillStyleLst>
+        <a:solidFill>
+          <a:schemeClr val="phClr"/>
+        </a:solidFill>
+        <a:gradFill rotWithShape="1">
+          <a:gsLst>
+            <a:gs pos="0">
+              <a:schemeClr val="phClr">
+                <a:lumMod val="110000"/>
+                <a:satMod val="105000"/>
+                <a:tint val="67000"/>
+              </a:schemeClr>
+            </a:gs>
+            <a:gs pos="50000">
+              <a:schemeClr val="phClr">
+                <a:lumMod val="105000"/>
+                <a:satMod val="103000"/>
+                <a:tint val="73000"/>
+              </a:schemeClr>
+            </a:gs>
+            <a:gs pos="100000">
+              <a:schemeClr val="phClr">
+                <a:lumMod val="105000"/>
+                <a:satMod val="109000"/>
+                <a:tint val="81000"/>
+              </a:schemeClr>
+            </a:gs>
+          </a:gsLst>
+          <a:lin ang="5400000" scaled="0"/>
+        </a:gradFill>
+        <a:gradFill rotWithShape="1">
+          <a:gsLst>
+            <a:gs pos="0">
+              <a:schemeClr val="phClr">
+                <a:satMod val="103000"/>
+                <a:lumMod val="102000"/>
+                <a:tint val="94000"/>
+              </a:schemeClr>
+            </a:gs>
+            <a:gs pos="50000">
+              <a:schemeClr val="phClr">
+                <a:satMod val="110000"/>
+                <a:lumMod val="100000"/>
+                <a:shade val="100000"/>
+              </a:schemeClr>
+            </a:gs>
+            <a:gs pos="100000">
+              <a:schemeClr val="phClr">
+                <a:lumMod val="99000"/>
+                <a:satMod val="120000"/>
+                <a:shade val="78000"/>
+              </a:schemeClr>
+            </a:gs>
+          </a:gsLst>
+          <a:lin ang="5400000" scaled="0"/>
+        </a:gradFill>
+      </a:fillStyleLst>
+      <a:lnStyleLst>
+        <a:ln w="6350" cap="flat" cmpd="sng" algn="ctr">
+          <a:solidFill>
+            <a:schemeClr val="phClr"/>
+          </a:solidFill>
+          <a:prstDash val="solid"/>
+          <a:miter lim="800000"/>
+        </a:ln>
+        <a:ln w="12700" cap="flat" cmpd="sng" algn="ctr">
+          <a:solidFill>
+            <a:schemeClr val="phClr"/>
+          </a:solidFill>
+          <a:prstDash val="solid"/>
+          <a:miter lim="800000"/>
+        </a:ln>
+        <a:ln w="19050" cap="flat" cmpd="sng" algn="ctr">
+          <a:solidFill>
+            <a:schemeClr val="phClr"/>
+          </a:solidFill>
+          <a:prstDash val="solid"/>
+          <a:miter lim="800000"/>
+        </a:ln>
+      </a:lnStyleLst>
+      <a:effectStyleLst>
+        <a:effectStyle>
+          <a:effectLst/>
+        </a:effectStyle>
+        <a:effectStyle>
+          <a:effectLst/>
+        </a:effectStyle>
+        <a:effectStyle>
+          <a:effectLst>
+            <a:outerShdw blurRad="57150" dist="19050" dir="5400000" algn="ctr" rotWithShape="0">
+              <a:srgbClr val="000000">
+                <a:alpha val="63000"/>
+              </a:srgbClr>
+            </a:outerShdw>
+          </a:effectLst>
+        </a:effectStyle>
+      </a:effectStyleLst>
+      <a:bgFillStyleLst>
+        <a:solidFill>
+          <a:schemeClr val="phClr"/>
+        </a:solidFill>
+        <a:solidFill>
+          <a:schemeClr val="phClr">
+            <a:tint val="95000"/>
+            <a:satMod val="170000"/>
+          </a:schemeClr>
+        </a:solidFill>
+        <a:gradFill rotWithShape="1">
+          <a:gsLst>
+            <a:gs pos="0">
+              <a:schemeClr val="phClr">
+                <a:tint val="93000"/>
+                <a:satMod val="150000"/>
+                <a:shade val="98000"/>
+                <a:lumMod val="102000"/>
+              </a:schemeClr>
+            </a:gs>
+            <a:gs pos="50000">
+              <a:schemeClr val="phClr">
+                <a:tint val="98000"/>
+                <a:satMod val="130000"/>
+                <a:shade val="90000"/>
+                <a:lumMod val="103000"/>
+              </a:schemeClr>
+            </a:gs>
+            <a:gs pos="100000">
+              <a:schemeClr val="phClr">
+                <a:shade val="63000"/>
+                <a:satMod val="120000"/>
+              </a:schemeClr>
+            </a:gs>
+          </a:gsLst>
+          <a:lin ang="5400000" scaled="0"/>
+        </a:gradFill>
+      </a:bgFillStyleLst>
+    </a:fmtScheme>
+  </a:themeElements>
+  <a:objectDefaults/>
+  <a:extraClrSchemeLst/>
+  <a:extLst>
+    <a:ext uri="{05A4C25C-085E-4340-85A3-A5531E510DB2}">
+      <thm15:themeFamily xmlns:thm15="http://schemas.microsoft.com/office/thememl/2012/main" name="Office Theme" id="{62F939B6-93AF-4DB8-9C6B-D6C7DFDC589F}" vid="{4A3C46E8-61CC-4603-A589-7422A47A8E4A}"/>
+    </a:ext>
+  </a:extLst>
+</a:theme>
 </file>
--- a/soutenance.pptx
+++ b/soutenance.pptx
@@ -5,7 +5,7 @@
     <p:sldMasterId id="2147483648" r:id="rId1"/>
   </p:sldMasterIdLst>
   <p:notesMasterIdLst>
-    <p:notesMasterId r:id="rId10"/>
+    <p:notesMasterId r:id="rId15"/>
   </p:notesMasterIdLst>
   <p:sldIdLst>
     <p:sldId id="256" r:id="rId2"/>
@@ -14,8 +14,13 @@
     <p:sldId id="258" r:id="rId5"/>
     <p:sldId id="262" r:id="rId6"/>
     <p:sldId id="259" r:id="rId7"/>
-    <p:sldId id="263" r:id="rId8"/>
-    <p:sldId id="260" r:id="rId9"/>
+    <p:sldId id="265" r:id="rId8"/>
+    <p:sldId id="264" r:id="rId9"/>
+    <p:sldId id="266" r:id="rId10"/>
+    <p:sldId id="263" r:id="rId11"/>
+    <p:sldId id="260" r:id="rId12"/>
+    <p:sldId id="268" r:id="rId13"/>
+    <p:sldId id="267" r:id="rId14"/>
   </p:sldIdLst>
   <p:sldSz cx="12192000" cy="6858000"/>
   <p:notesSz cx="6858000" cy="9144000"/>
@@ -122,6 +127,18 @@
 </p:presentation>
 </file>
 
+<file path=ppt/commentAuthors.xml><?xml version="1.0" encoding="utf-8"?>
+<p:cmAuthorLst xmlns:a="http://schemas.openxmlformats.org/drawingml/2006/main" xmlns:r="http://schemas.openxmlformats.org/officeDocument/2006/relationships" xmlns:p="http://schemas.openxmlformats.org/presentationml/2006/main">
+  <p:cmAuthor id="1" name="CCCCC" initials="C" lastIdx="1" clrIdx="0">
+    <p:extLst>
+      <p:ext uri="{19B8F6BF-5375-455C-9EA6-DF929625EA0E}">
+        <p15:presenceInfo xmlns:p15="http://schemas.microsoft.com/office/powerpoint/2012/main" userId="CCCCC" providerId="None"/>
+      </p:ext>
+    </p:extLst>
+  </p:cmAuthor>
+</p:cmAuthorLst>
+</file>
+
 <file path=ppt/notesMasters/notesMaster1.xml><?xml version="1.0" encoding="utf-8"?>
 <p:notesMaster xmlns:a="http://schemas.openxmlformats.org/drawingml/2006/main" xmlns:r="http://schemas.openxmlformats.org/officeDocument/2006/relationships" xmlns:p="http://schemas.openxmlformats.org/presentationml/2006/main">
   <p:cSld>
@@ -363,7 +380,7 @@
           <a:p>
             <a:fld id="{0657CA3B-C571-4D70-8712-24BEC4CFA193}" type="slidenum">
               <a:rPr lang="fr-FR" smtClean="0"/>
-              <a:t>‹N°›</a:t>
+              <a:t>‹#›</a:t>
             </a:fld>
             <a:endParaRPr lang="fr-FR"/>
           </a:p>
@@ -763,6 +780,14 @@
           <a:bodyPr/>
           <a:lstStyle/>
           <a:p>
+            <a:r>
+              <a:rPr lang="fr-FR" dirty="0" smtClean="0"/>
+              <a:t>Différentes fonctionnalités dans un</a:t>
+            </a:r>
+            <a:r>
+              <a:rPr lang="fr-FR" baseline="0" dirty="0" smtClean="0"/>
+              <a:t> composant =&gt; différents champs dans le STATE</a:t>
+            </a:r>
             <a:endParaRPr lang="fr-FR" dirty="0"/>
           </a:p>
         </p:txBody>
@@ -794,6 +819,385 @@
     <p:extLst>
       <p:ext uri="{BB962C8B-B14F-4D97-AF65-F5344CB8AC3E}">
         <p14:creationId xmlns:p14="http://schemas.microsoft.com/office/powerpoint/2010/main" val="1456716287"/>
+      </p:ext>
+    </p:extLst>
+  </p:cSld>
+  <p:clrMapOvr>
+    <a:masterClrMapping/>
+  </p:clrMapOvr>
+</p:notes>
+</file>
+
+<file path=ppt/notesSlides/notesSlide4.xml><?xml version="1.0" encoding="utf-8"?>
+<p:notes xmlns:a="http://schemas.openxmlformats.org/drawingml/2006/main" xmlns:r="http://schemas.openxmlformats.org/officeDocument/2006/relationships" xmlns:p="http://schemas.openxmlformats.org/presentationml/2006/main">
+  <p:cSld>
+    <p:spTree>
+      <p:nvGrpSpPr>
+        <p:cNvPr id="1" name=""/>
+        <p:cNvGrpSpPr/>
+        <p:nvPr/>
+      </p:nvGrpSpPr>
+      <p:grpSpPr>
+        <a:xfrm>
+          <a:off x="0" y="0"/>
+          <a:ext cx="0" cy="0"/>
+          <a:chOff x="0" y="0"/>
+          <a:chExt cx="0" cy="0"/>
+        </a:xfrm>
+      </p:grpSpPr>
+      <p:sp>
+        <p:nvSpPr>
+          <p:cNvPr id="2" name="Slide Image Placeholder 1"/>
+          <p:cNvSpPr>
+            <a:spLocks noGrp="1" noRot="1" noChangeAspect="1"/>
+          </p:cNvSpPr>
+          <p:nvPr>
+            <p:ph type="sldImg"/>
+          </p:nvPr>
+        </p:nvSpPr>
+        <p:spPr/>
+      </p:sp>
+      <p:sp>
+        <p:nvSpPr>
+          <p:cNvPr id="3" name="Notes Placeholder 2"/>
+          <p:cNvSpPr>
+            <a:spLocks noGrp="1"/>
+          </p:cNvSpPr>
+          <p:nvPr>
+            <p:ph type="body" idx="1"/>
+          </p:nvPr>
+        </p:nvSpPr>
+        <p:spPr/>
+        <p:txBody>
+          <a:bodyPr/>
+          <a:lstStyle/>
+          <a:p>
+            <a:r>
+              <a:rPr lang="fr-FR" dirty="0" err="1" smtClean="0"/>
+              <a:t>Stateful</a:t>
+            </a:r>
+            <a:r>
+              <a:rPr lang="fr-FR" dirty="0" smtClean="0"/>
+              <a:t> =&gt; nécessite l’utilisation d’un state</a:t>
+            </a:r>
+            <a:endParaRPr lang="fr-FR" dirty="0"/>
+          </a:p>
+        </p:txBody>
+      </p:sp>
+      <p:sp>
+        <p:nvSpPr>
+          <p:cNvPr id="4" name="Slide Number Placeholder 3"/>
+          <p:cNvSpPr>
+            <a:spLocks noGrp="1"/>
+          </p:cNvSpPr>
+          <p:nvPr>
+            <p:ph type="sldNum" sz="quarter" idx="10"/>
+          </p:nvPr>
+        </p:nvSpPr>
+        <p:spPr/>
+        <p:txBody>
+          <a:bodyPr/>
+          <a:lstStyle/>
+          <a:p>
+            <a:fld id="{0657CA3B-C571-4D70-8712-24BEC4CFA193}" type="slidenum">
+              <a:rPr lang="fr-FR" smtClean="0"/>
+              <a:t>5</a:t>
+            </a:fld>
+            <a:endParaRPr lang="fr-FR"/>
+          </a:p>
+        </p:txBody>
+      </p:sp>
+    </p:spTree>
+    <p:extLst>
+      <p:ext uri="{BB962C8B-B14F-4D97-AF65-F5344CB8AC3E}">
+        <p14:creationId xmlns:p14="http://schemas.microsoft.com/office/powerpoint/2010/main" val="4061966379"/>
+      </p:ext>
+    </p:extLst>
+  </p:cSld>
+  <p:clrMapOvr>
+    <a:masterClrMapping/>
+  </p:clrMapOvr>
+</p:notes>
+</file>
+
+<file path=ppt/notesSlides/notesSlide5.xml><?xml version="1.0" encoding="utf-8"?>
+<p:notes xmlns:a="http://schemas.openxmlformats.org/drawingml/2006/main" xmlns:r="http://schemas.openxmlformats.org/officeDocument/2006/relationships" xmlns:p="http://schemas.openxmlformats.org/presentationml/2006/main">
+  <p:cSld>
+    <p:spTree>
+      <p:nvGrpSpPr>
+        <p:cNvPr id="1" name=""/>
+        <p:cNvGrpSpPr/>
+        <p:nvPr/>
+      </p:nvGrpSpPr>
+      <p:grpSpPr>
+        <a:xfrm>
+          <a:off x="0" y="0"/>
+          <a:ext cx="0" cy="0"/>
+          <a:chOff x="0" y="0"/>
+          <a:chExt cx="0" cy="0"/>
+        </a:xfrm>
+      </p:grpSpPr>
+      <p:sp>
+        <p:nvSpPr>
+          <p:cNvPr id="2" name="Slide Image Placeholder 1"/>
+          <p:cNvSpPr>
+            <a:spLocks noGrp="1" noRot="1" noChangeAspect="1"/>
+          </p:cNvSpPr>
+          <p:nvPr>
+            <p:ph type="sldImg"/>
+          </p:nvPr>
+        </p:nvSpPr>
+        <p:spPr/>
+      </p:sp>
+      <p:sp>
+        <p:nvSpPr>
+          <p:cNvPr id="3" name="Notes Placeholder 2"/>
+          <p:cNvSpPr>
+            <a:spLocks noGrp="1"/>
+          </p:cNvSpPr>
+          <p:nvPr>
+            <p:ph type="body" idx="1"/>
+          </p:nvPr>
+        </p:nvSpPr>
+        <p:spPr/>
+        <p:txBody>
+          <a:bodyPr/>
+          <a:lstStyle/>
+          <a:p>
+            <a:r>
+              <a:rPr lang="fr-FR" dirty="0" smtClean="0"/>
+              <a:t>Abstraction</a:t>
+            </a:r>
+            <a:r>
+              <a:rPr lang="fr-FR" baseline="0" dirty="0" smtClean="0"/>
+              <a:t> state =&gt; </a:t>
+            </a:r>
+            <a:endParaRPr lang="fr-FR" dirty="0"/>
+          </a:p>
+        </p:txBody>
+      </p:sp>
+      <p:sp>
+        <p:nvSpPr>
+          <p:cNvPr id="4" name="Slide Number Placeholder 3"/>
+          <p:cNvSpPr>
+            <a:spLocks noGrp="1"/>
+          </p:cNvSpPr>
+          <p:nvPr>
+            <p:ph type="sldNum" sz="quarter" idx="10"/>
+          </p:nvPr>
+        </p:nvSpPr>
+        <p:spPr/>
+        <p:txBody>
+          <a:bodyPr/>
+          <a:lstStyle/>
+          <a:p>
+            <a:fld id="{0657CA3B-C571-4D70-8712-24BEC4CFA193}" type="slidenum">
+              <a:rPr lang="fr-FR" smtClean="0"/>
+              <a:t>6</a:t>
+            </a:fld>
+            <a:endParaRPr lang="fr-FR"/>
+          </a:p>
+        </p:txBody>
+      </p:sp>
+    </p:spTree>
+    <p:extLst>
+      <p:ext uri="{BB962C8B-B14F-4D97-AF65-F5344CB8AC3E}">
+        <p14:creationId xmlns:p14="http://schemas.microsoft.com/office/powerpoint/2010/main" val="2912110552"/>
+      </p:ext>
+    </p:extLst>
+  </p:cSld>
+  <p:clrMapOvr>
+    <a:masterClrMapping/>
+  </p:clrMapOvr>
+</p:notes>
+</file>
+
+<file path=ppt/notesSlides/notesSlide6.xml><?xml version="1.0" encoding="utf-8"?>
+<p:notes xmlns:a="http://schemas.openxmlformats.org/drawingml/2006/main" xmlns:r="http://schemas.openxmlformats.org/officeDocument/2006/relationships" xmlns:p="http://schemas.openxmlformats.org/presentationml/2006/main">
+  <p:cSld>
+    <p:spTree>
+      <p:nvGrpSpPr>
+        <p:cNvPr id="1" name=""/>
+        <p:cNvGrpSpPr/>
+        <p:nvPr/>
+      </p:nvGrpSpPr>
+      <p:grpSpPr>
+        <a:xfrm>
+          <a:off x="0" y="0"/>
+          <a:ext cx="0" cy="0"/>
+          <a:chOff x="0" y="0"/>
+          <a:chExt cx="0" cy="0"/>
+        </a:xfrm>
+      </p:grpSpPr>
+      <p:sp>
+        <p:nvSpPr>
+          <p:cNvPr id="2" name="Slide Image Placeholder 1"/>
+          <p:cNvSpPr>
+            <a:spLocks noGrp="1" noRot="1" noChangeAspect="1"/>
+          </p:cNvSpPr>
+          <p:nvPr>
+            <p:ph type="sldImg"/>
+          </p:nvPr>
+        </p:nvSpPr>
+        <p:spPr/>
+      </p:sp>
+      <p:sp>
+        <p:nvSpPr>
+          <p:cNvPr id="3" name="Notes Placeholder 2"/>
+          <p:cNvSpPr>
+            <a:spLocks noGrp="1"/>
+          </p:cNvSpPr>
+          <p:nvPr>
+            <p:ph type="body" idx="1"/>
+          </p:nvPr>
+        </p:nvSpPr>
+        <p:spPr/>
+        <p:txBody>
+          <a:bodyPr/>
+          <a:lstStyle/>
+          <a:p>
+            <a:r>
+              <a:rPr lang="fr-FR" dirty="0" smtClean="0"/>
+              <a:t>Remise</a:t>
+            </a:r>
+            <a:r>
+              <a:rPr lang="fr-FR" baseline="0" dirty="0" smtClean="0"/>
+              <a:t> à la valeur initiale sans recopie de code</a:t>
+            </a:r>
+            <a:endParaRPr lang="fr-FR" dirty="0"/>
+          </a:p>
+        </p:txBody>
+      </p:sp>
+      <p:sp>
+        <p:nvSpPr>
+          <p:cNvPr id="4" name="Slide Number Placeholder 3"/>
+          <p:cNvSpPr>
+            <a:spLocks noGrp="1"/>
+          </p:cNvSpPr>
+          <p:nvPr>
+            <p:ph type="sldNum" sz="quarter" idx="10"/>
+          </p:nvPr>
+        </p:nvSpPr>
+        <p:spPr/>
+        <p:txBody>
+          <a:bodyPr/>
+          <a:lstStyle/>
+          <a:p>
+            <a:fld id="{0657CA3B-C571-4D70-8712-24BEC4CFA193}" type="slidenum">
+              <a:rPr lang="fr-FR" smtClean="0"/>
+              <a:t>7</a:t>
+            </a:fld>
+            <a:endParaRPr lang="fr-FR"/>
+          </a:p>
+        </p:txBody>
+      </p:sp>
+    </p:spTree>
+    <p:extLst>
+      <p:ext uri="{BB962C8B-B14F-4D97-AF65-F5344CB8AC3E}">
+        <p14:creationId xmlns:p14="http://schemas.microsoft.com/office/powerpoint/2010/main" val="1486343389"/>
+      </p:ext>
+    </p:extLst>
+  </p:cSld>
+  <p:clrMapOvr>
+    <a:masterClrMapping/>
+  </p:clrMapOvr>
+</p:notes>
+</file>
+
+<file path=ppt/notesSlides/notesSlide7.xml><?xml version="1.0" encoding="utf-8"?>
+<p:notes xmlns:a="http://schemas.openxmlformats.org/drawingml/2006/main" xmlns:r="http://schemas.openxmlformats.org/officeDocument/2006/relationships" xmlns:p="http://schemas.openxmlformats.org/presentationml/2006/main">
+  <p:cSld>
+    <p:spTree>
+      <p:nvGrpSpPr>
+        <p:cNvPr id="1" name=""/>
+        <p:cNvGrpSpPr/>
+        <p:nvPr/>
+      </p:nvGrpSpPr>
+      <p:grpSpPr>
+        <a:xfrm>
+          <a:off x="0" y="0"/>
+          <a:ext cx="0" cy="0"/>
+          <a:chOff x="0" y="0"/>
+          <a:chExt cx="0" cy="0"/>
+        </a:xfrm>
+      </p:grpSpPr>
+      <p:sp>
+        <p:nvSpPr>
+          <p:cNvPr id="2" name="Slide Image Placeholder 1"/>
+          <p:cNvSpPr>
+            <a:spLocks noGrp="1" noRot="1" noChangeAspect="1"/>
+          </p:cNvSpPr>
+          <p:nvPr>
+            <p:ph type="sldImg"/>
+          </p:nvPr>
+        </p:nvSpPr>
+        <p:spPr/>
+      </p:sp>
+      <p:sp>
+        <p:nvSpPr>
+          <p:cNvPr id="3" name="Notes Placeholder 2"/>
+          <p:cNvSpPr>
+            <a:spLocks noGrp="1"/>
+          </p:cNvSpPr>
+          <p:nvPr>
+            <p:ph type="body" idx="1"/>
+          </p:nvPr>
+        </p:nvSpPr>
+        <p:spPr/>
+        <p:txBody>
+          <a:bodyPr/>
+          <a:lstStyle/>
+          <a:p>
+            <a:r>
+              <a:rPr lang="fr-FR" dirty="0" smtClean="0"/>
+              <a:t>Développement d’une liste de choses à faire</a:t>
+            </a:r>
+          </a:p>
+          <a:p>
+            <a:endParaRPr lang="fr-FR" dirty="0" smtClean="0"/>
+          </a:p>
+          <a:p>
+            <a:r>
+              <a:rPr lang="fr-FR" dirty="0" smtClean="0"/>
+              <a:t>Implémentation classique dans un premier temps</a:t>
+            </a:r>
+          </a:p>
+          <a:p>
+            <a:r>
+              <a:rPr lang="fr-FR" dirty="0" smtClean="0"/>
+              <a:t>-fonctions de gestion</a:t>
+            </a:r>
+            <a:endParaRPr lang="fr-FR" dirty="0"/>
+          </a:p>
+        </p:txBody>
+      </p:sp>
+      <p:sp>
+        <p:nvSpPr>
+          <p:cNvPr id="4" name="Slide Number Placeholder 3"/>
+          <p:cNvSpPr>
+            <a:spLocks noGrp="1"/>
+          </p:cNvSpPr>
+          <p:nvPr>
+            <p:ph type="sldNum" sz="quarter" idx="10"/>
+          </p:nvPr>
+        </p:nvSpPr>
+        <p:spPr/>
+        <p:txBody>
+          <a:bodyPr/>
+          <a:lstStyle/>
+          <a:p>
+            <a:fld id="{0657CA3B-C571-4D70-8712-24BEC4CFA193}" type="slidenum">
+              <a:rPr lang="fr-FR" smtClean="0"/>
+              <a:t>8</a:t>
+            </a:fld>
+            <a:endParaRPr lang="fr-FR"/>
+          </a:p>
+        </p:txBody>
+      </p:sp>
+    </p:spTree>
+    <p:extLst>
+      <p:ext uri="{BB962C8B-B14F-4D97-AF65-F5344CB8AC3E}">
+        <p14:creationId xmlns:p14="http://schemas.microsoft.com/office/powerpoint/2010/main" val="3711016415"/>
       </p:ext>
     </p:extLst>
   </p:cSld>
@@ -1523,9 +1927,8 @@
           <a:bodyPr/>
           <a:lstStyle/>
           <a:p>
-            <a:fld id="{B61BEF0D-F0BB-DE4B-95CE-6DB70DBA9567}" type="datetimeFigureOut">
-              <a:rPr lang="en-US" dirty="0"/>
-              <a:pPr/>
+            <a:fld id="{63900C82-A896-4DE8-A8E3-2D1E38E7FA3D}" type="datetime1">
+              <a:rPr lang="en-US" smtClean="0"/>
               <a:t>6/28/2017</a:t>
             </a:fld>
             <a:endParaRPr lang="en-US" dirty="0"/>
@@ -1547,6 +1950,10 @@
           <a:bodyPr/>
           <a:lstStyle/>
           <a:p>
+            <a:r>
+              <a:rPr lang="en-US" smtClean="0"/>
+              <a:t>Bois Cédric - Master WIC</a:t>
+            </a:r>
             <a:endParaRPr lang="en-US" dirty="0"/>
           </a:p>
         </p:txBody>
@@ -1569,7 +1976,7 @@
             <a:fld id="{D57F1E4F-1CFF-5643-939E-217C01CDF565}" type="slidenum">
               <a:rPr lang="en-US" dirty="0"/>
               <a:pPr/>
-              <a:t>‹N°›</a:t>
+              <a:t>‹#›</a:t>
             </a:fld>
             <a:endParaRPr lang="en-US" dirty="0"/>
           </a:p>
@@ -1771,9 +2178,8 @@
           <a:bodyPr/>
           <a:lstStyle/>
           <a:p>
-            <a:fld id="{B61BEF0D-F0BB-DE4B-95CE-6DB70DBA9567}" type="datetimeFigureOut">
-              <a:rPr lang="en-US" dirty="0"/>
-              <a:pPr/>
+            <a:fld id="{9C676D22-B730-4223-8964-664AC924586B}" type="datetime1">
+              <a:rPr lang="en-US" smtClean="0"/>
               <a:t>6/28/2017</a:t>
             </a:fld>
             <a:endParaRPr lang="en-US" dirty="0"/>
@@ -1795,6 +2201,10 @@
           <a:bodyPr/>
           <a:lstStyle/>
           <a:p>
+            <a:r>
+              <a:rPr lang="en-US" smtClean="0"/>
+              <a:t>Bois Cédric - Master WIC</a:t>
+            </a:r>
             <a:endParaRPr lang="en-US" dirty="0"/>
           </a:p>
         </p:txBody>
@@ -1817,7 +2227,7 @@
             <a:fld id="{D57F1E4F-1CFF-5643-939E-217C01CDF565}" type="slidenum">
               <a:rPr lang="en-US" dirty="0"/>
               <a:pPr/>
-              <a:t>‹N°›</a:t>
+              <a:t>‹#›</a:t>
             </a:fld>
             <a:endParaRPr lang="en-US" dirty="0"/>
           </a:p>
@@ -2082,9 +2492,8 @@
           <a:bodyPr/>
           <a:lstStyle/>
           <a:p>
-            <a:fld id="{B61BEF0D-F0BB-DE4B-95CE-6DB70DBA9567}" type="datetimeFigureOut">
-              <a:rPr lang="en-US" dirty="0"/>
-              <a:pPr/>
+            <a:fld id="{C003026D-E995-4F32-93A5-CE52920CC17F}" type="datetime1">
+              <a:rPr lang="en-US" smtClean="0"/>
               <a:t>6/28/2017</a:t>
             </a:fld>
             <a:endParaRPr lang="en-US" dirty="0"/>
@@ -2106,6 +2515,10 @@
           <a:bodyPr/>
           <a:lstStyle/>
           <a:p>
+            <a:r>
+              <a:rPr lang="en-US" smtClean="0"/>
+              <a:t>Bois Cédric - Master WIC</a:t>
+            </a:r>
             <a:endParaRPr lang="en-US" dirty="0"/>
           </a:p>
         </p:txBody>
@@ -2128,7 +2541,7 @@
             <a:fld id="{D57F1E4F-1CFF-5643-939E-217C01CDF565}" type="slidenum">
               <a:rPr lang="en-US" dirty="0"/>
               <a:pPr/>
-              <a:t>‹N°›</a:t>
+              <a:t>‹#›</a:t>
             </a:fld>
             <a:endParaRPr lang="en-US" dirty="0"/>
           </a:p>
@@ -2420,9 +2833,8 @@
           <a:bodyPr/>
           <a:lstStyle/>
           <a:p>
-            <a:fld id="{B61BEF0D-F0BB-DE4B-95CE-6DB70DBA9567}" type="datetimeFigureOut">
-              <a:rPr lang="en-US" dirty="0"/>
-              <a:pPr/>
+            <a:fld id="{B23BE740-A13A-42ED-8C1E-B1E0E21EC01E}" type="datetime1">
+              <a:rPr lang="en-US" smtClean="0"/>
               <a:t>6/28/2017</a:t>
             </a:fld>
             <a:endParaRPr lang="en-US" dirty="0"/>
@@ -2444,6 +2856,10 @@
           <a:bodyPr/>
           <a:lstStyle/>
           <a:p>
+            <a:r>
+              <a:rPr lang="en-US" smtClean="0"/>
+              <a:t>Bois Cédric - Master WIC</a:t>
+            </a:r>
             <a:endParaRPr lang="en-US" dirty="0"/>
           </a:p>
         </p:txBody>
@@ -2466,7 +2882,7 @@
             <a:fld id="{D57F1E4F-1CFF-5643-939E-217C01CDF565}" type="slidenum">
               <a:rPr lang="en-US" dirty="0"/>
               <a:pPr/>
-              <a:t>‹N°›</a:t>
+              <a:t>‹#›</a:t>
             </a:fld>
             <a:endParaRPr lang="en-US" dirty="0"/>
           </a:p>
@@ -2731,9 +3147,8 @@
           <a:bodyPr/>
           <a:lstStyle/>
           <a:p>
-            <a:fld id="{B61BEF0D-F0BB-DE4B-95CE-6DB70DBA9567}" type="datetimeFigureOut">
-              <a:rPr lang="en-US" dirty="0"/>
-              <a:pPr/>
+            <a:fld id="{D9318CF3-4A27-4F25-A0F8-0BDF06A3B765}" type="datetime1">
+              <a:rPr lang="en-US" smtClean="0"/>
               <a:t>6/28/2017</a:t>
             </a:fld>
             <a:endParaRPr lang="en-US" dirty="0"/>
@@ -2755,6 +3170,10 @@
           <a:bodyPr/>
           <a:lstStyle/>
           <a:p>
+            <a:r>
+              <a:rPr lang="en-US" smtClean="0"/>
+              <a:t>Bois Cédric - Master WIC</a:t>
+            </a:r>
             <a:endParaRPr lang="en-US" dirty="0"/>
           </a:p>
         </p:txBody>
@@ -2777,7 +3196,7 @@
             <a:fld id="{D57F1E4F-1CFF-5643-939E-217C01CDF565}" type="slidenum">
               <a:rPr lang="en-US" dirty="0"/>
               <a:pPr/>
-              <a:t>‹N°›</a:t>
+              <a:t>‹#›</a:t>
             </a:fld>
             <a:endParaRPr lang="en-US" dirty="0"/>
           </a:p>
@@ -3121,9 +3540,8 @@
           <a:bodyPr/>
           <a:lstStyle/>
           <a:p>
-            <a:fld id="{B61BEF0D-F0BB-DE4B-95CE-6DB70DBA9567}" type="datetimeFigureOut">
-              <a:rPr lang="en-US" dirty="0"/>
-              <a:pPr/>
+            <a:fld id="{5A99F229-B8C4-4F43-A5DB-A10D43DAD398}" type="datetime1">
+              <a:rPr lang="en-US" smtClean="0"/>
               <a:t>6/28/2017</a:t>
             </a:fld>
             <a:endParaRPr lang="en-US" dirty="0"/>
@@ -3145,6 +3563,10 @@
           <a:bodyPr/>
           <a:lstStyle/>
           <a:p>
+            <a:r>
+              <a:rPr lang="en-US" smtClean="0"/>
+              <a:t>Bois Cédric - Master WIC</a:t>
+            </a:r>
             <a:endParaRPr lang="en-US" dirty="0"/>
           </a:p>
         </p:txBody>
@@ -3167,7 +3589,7 @@
             <a:fld id="{D57F1E4F-1CFF-5643-939E-217C01CDF565}" type="slidenum">
               <a:rPr lang="en-US" dirty="0"/>
               <a:pPr/>
-              <a:t>‹N°›</a:t>
+              <a:t>‹#›</a:t>
             </a:fld>
             <a:endParaRPr lang="en-US" dirty="0"/>
           </a:p>
@@ -3288,8 +3710,8 @@
           <a:bodyPr/>
           <a:lstStyle/>
           <a:p>
-            <a:fld id="{55C6B4A9-1611-4792-9094-5F34BCA07E0B}" type="datetimeFigureOut">
-              <a:rPr lang="en-US" dirty="0"/>
+            <a:fld id="{AB98E4B4-D3A3-4161-BAEC-27D6DCEC7CED}" type="datetime1">
+              <a:rPr lang="en-US" smtClean="0"/>
               <a:t>6/28/2017</a:t>
             </a:fld>
             <a:endParaRPr lang="en-US" dirty="0"/>
@@ -3311,6 +3733,10 @@
           <a:bodyPr/>
           <a:lstStyle/>
           <a:p>
+            <a:r>
+              <a:rPr lang="en-US" smtClean="0"/>
+              <a:t>Bois Cédric - Master WIC</a:t>
+            </a:r>
             <a:endParaRPr lang="en-US" dirty="0"/>
           </a:p>
         </p:txBody>
@@ -3332,7 +3758,7 @@
           <a:p>
             <a:fld id="{89333C77-0158-454C-844F-B7AB9BD7DAD4}" type="slidenum">
               <a:rPr lang="en-US" dirty="0"/>
-              <a:t>‹N°›</a:t>
+              <a:t>‹#›</a:t>
             </a:fld>
             <a:endParaRPr lang="en-US" dirty="0"/>
           </a:p>
@@ -3463,9 +3889,8 @@
           <a:bodyPr/>
           <a:lstStyle/>
           <a:p>
-            <a:fld id="{B61BEF0D-F0BB-DE4B-95CE-6DB70DBA9567}" type="datetimeFigureOut">
-              <a:rPr lang="en-US" dirty="0"/>
-              <a:pPr/>
+            <a:fld id="{931EDA62-39B5-4812-A3F5-036F94BDE2E8}" type="datetime1">
+              <a:rPr lang="en-US" smtClean="0"/>
               <a:t>6/28/2017</a:t>
             </a:fld>
             <a:endParaRPr lang="en-US" dirty="0"/>
@@ -3487,6 +3912,10 @@
           <a:bodyPr/>
           <a:lstStyle/>
           <a:p>
+            <a:r>
+              <a:rPr lang="en-US" smtClean="0"/>
+              <a:t>Bois Cédric - Master WIC</a:t>
+            </a:r>
             <a:endParaRPr lang="en-US" dirty="0"/>
           </a:p>
         </p:txBody>
@@ -3509,7 +3938,7 @@
             <a:fld id="{D57F1E4F-1CFF-5643-939E-217C01CDF565}" type="slidenum">
               <a:rPr lang="en-US" dirty="0"/>
               <a:pPr/>
-              <a:t>‹N°›</a:t>
+              <a:t>‹#›</a:t>
             </a:fld>
             <a:endParaRPr lang="en-US" dirty="0"/>
           </a:p>
@@ -3636,9 +4065,8 @@
           <a:bodyPr/>
           <a:lstStyle/>
           <a:p>
-            <a:fld id="{B61BEF0D-F0BB-DE4B-95CE-6DB70DBA9567}" type="datetimeFigureOut">
-              <a:rPr lang="en-US" dirty="0"/>
-              <a:pPr/>
+            <a:fld id="{36EA2C8A-79EB-498B-919B-F34FCE235126}" type="datetime1">
+              <a:rPr lang="en-US" smtClean="0"/>
               <a:t>6/28/2017</a:t>
             </a:fld>
             <a:endParaRPr lang="en-US" dirty="0"/>
@@ -3660,6 +4088,10 @@
           <a:bodyPr/>
           <a:lstStyle/>
           <a:p>
+            <a:r>
+              <a:rPr lang="en-US" smtClean="0"/>
+              <a:t>Bois Cédric - Master WIC</a:t>
+            </a:r>
             <a:endParaRPr lang="en-US" dirty="0"/>
           </a:p>
         </p:txBody>
@@ -3682,7 +4114,7 @@
             <a:fld id="{D57F1E4F-1CFF-5643-939E-217C01CDF565}" type="slidenum">
               <a:rPr lang="en-US" dirty="0"/>
               <a:pPr/>
-              <a:t>‹N°›</a:t>
+              <a:t>‹#›</a:t>
             </a:fld>
             <a:endParaRPr lang="en-US" dirty="0"/>
           </a:p>
@@ -3880,9 +4312,8 @@
           <a:bodyPr/>
           <a:lstStyle/>
           <a:p>
-            <a:fld id="{B61BEF0D-F0BB-DE4B-95CE-6DB70DBA9567}" type="datetimeFigureOut">
-              <a:rPr lang="en-US" dirty="0"/>
-              <a:pPr/>
+            <a:fld id="{55533B15-B0B3-4E2F-9D27-46AA9F529301}" type="datetime1">
+              <a:rPr lang="en-US" smtClean="0"/>
               <a:t>6/28/2017</a:t>
             </a:fld>
             <a:endParaRPr lang="en-US" dirty="0"/>
@@ -3904,6 +4335,10 @@
           <a:bodyPr/>
           <a:lstStyle/>
           <a:p>
+            <a:r>
+              <a:rPr lang="en-US" smtClean="0"/>
+              <a:t>Bois Cédric - Master WIC</a:t>
+            </a:r>
             <a:endParaRPr lang="en-US" dirty="0"/>
           </a:p>
         </p:txBody>
@@ -3926,7 +4361,7 @@
             <a:fld id="{D57F1E4F-1CFF-5643-939E-217C01CDF565}" type="slidenum">
               <a:rPr lang="en-US" dirty="0"/>
               <a:pPr/>
-              <a:t>‹N°›</a:t>
+              <a:t>‹#›</a:t>
             </a:fld>
             <a:endParaRPr lang="en-US" dirty="0"/>
           </a:p>
@@ -4109,8 +4544,8 @@
           <a:bodyPr/>
           <a:lstStyle/>
           <a:p>
-            <a:fld id="{EB712588-04B1-427B-82EE-E8DB90309F08}" type="datetimeFigureOut">
-              <a:rPr lang="en-US" dirty="0"/>
+            <a:fld id="{85A2D822-A24F-408F-822A-0E344E05EA75}" type="datetime1">
+              <a:rPr lang="en-US" smtClean="0"/>
               <a:t>6/28/2017</a:t>
             </a:fld>
             <a:endParaRPr lang="en-US" dirty="0"/>
@@ -4132,6 +4567,10 @@
           <a:bodyPr/>
           <a:lstStyle/>
           <a:p>
+            <a:r>
+              <a:rPr lang="en-US" smtClean="0"/>
+              <a:t>Bois Cédric - Master WIC</a:t>
+            </a:r>
             <a:endParaRPr lang="en-US" dirty="0"/>
           </a:p>
         </p:txBody>
@@ -4153,7 +4592,7 @@
           <a:p>
             <a:fld id="{6FF9F0C5-380F-41C2-899A-BAC0F0927E16}" type="slidenum">
               <a:rPr lang="en-US" dirty="0"/>
-              <a:t>‹N°›</a:t>
+              <a:t>‹#›</a:t>
             </a:fld>
             <a:endParaRPr lang="en-US" dirty="0"/>
           </a:p>
@@ -4478,9 +4917,8 @@
           <a:bodyPr/>
           <a:lstStyle/>
           <a:p>
-            <a:fld id="{B61BEF0D-F0BB-DE4B-95CE-6DB70DBA9567}" type="datetimeFigureOut">
-              <a:rPr lang="en-US" dirty="0"/>
-              <a:pPr/>
+            <a:fld id="{0D6ABC60-4846-45BB-9962-BEC6BD89B9A5}" type="datetime1">
+              <a:rPr lang="en-US" smtClean="0"/>
               <a:t>6/28/2017</a:t>
             </a:fld>
             <a:endParaRPr lang="en-US" dirty="0"/>
@@ -4502,6 +4940,10 @@
           <a:bodyPr/>
           <a:lstStyle/>
           <a:p>
+            <a:r>
+              <a:rPr lang="en-US" smtClean="0"/>
+              <a:t>Bois Cédric - Master WIC</a:t>
+            </a:r>
             <a:endParaRPr lang="en-US" dirty="0"/>
           </a:p>
         </p:txBody>
@@ -4524,7 +4966,7 @@
             <a:fld id="{D57F1E4F-1CFF-5643-939E-217C01CDF565}" type="slidenum">
               <a:rPr lang="en-US" dirty="0"/>
               <a:pPr/>
-              <a:t>‹N°›</a:t>
+              <a:t>‹#›</a:t>
             </a:fld>
             <a:endParaRPr lang="en-US" dirty="0"/>
           </a:p>
@@ -4598,9 +5040,8 @@
           <a:bodyPr/>
           <a:lstStyle/>
           <a:p>
-            <a:fld id="{B61BEF0D-F0BB-DE4B-95CE-6DB70DBA9567}" type="datetimeFigureOut">
-              <a:rPr lang="en-US" dirty="0"/>
-              <a:pPr/>
+            <a:fld id="{04B316C2-C98E-4032-9051-A13DBD48B70A}" type="datetime1">
+              <a:rPr lang="en-US" smtClean="0"/>
               <a:t>6/28/2017</a:t>
             </a:fld>
             <a:endParaRPr lang="en-US" dirty="0"/>
@@ -4622,6 +5063,10 @@
           <a:bodyPr/>
           <a:lstStyle/>
           <a:p>
+            <a:r>
+              <a:rPr lang="en-US" smtClean="0"/>
+              <a:t>Bois Cédric - Master WIC</a:t>
+            </a:r>
             <a:endParaRPr lang="en-US" dirty="0"/>
           </a:p>
         </p:txBody>
@@ -4644,7 +5089,7 @@
             <a:fld id="{D57F1E4F-1CFF-5643-939E-217C01CDF565}" type="slidenum">
               <a:rPr lang="en-US" dirty="0"/>
               <a:pPr/>
-              <a:t>‹N°›</a:t>
+              <a:t>‹#›</a:t>
             </a:fld>
             <a:endParaRPr lang="en-US" dirty="0"/>
           </a:p>
@@ -4690,9 +5135,8 @@
           <a:bodyPr/>
           <a:lstStyle/>
           <a:p>
-            <a:fld id="{B61BEF0D-F0BB-DE4B-95CE-6DB70DBA9567}" type="datetimeFigureOut">
-              <a:rPr lang="en-US" dirty="0"/>
-              <a:pPr/>
+            <a:fld id="{77E0374F-8A8C-476E-B7A7-AA3F8529EE2D}" type="datetime1">
+              <a:rPr lang="en-US" smtClean="0"/>
               <a:t>6/28/2017</a:t>
             </a:fld>
             <a:endParaRPr lang="en-US" dirty="0"/>
@@ -4714,6 +5158,10 @@
           <a:bodyPr/>
           <a:lstStyle/>
           <a:p>
+            <a:r>
+              <a:rPr lang="en-US" smtClean="0"/>
+              <a:t>Bois Cédric - Master WIC</a:t>
+            </a:r>
             <a:endParaRPr lang="en-US" dirty="0"/>
           </a:p>
         </p:txBody>
@@ -4736,7 +5184,7 @@
             <a:fld id="{D57F1E4F-1CFF-5643-939E-217C01CDF565}" type="slidenum">
               <a:rPr lang="en-US" dirty="0"/>
               <a:pPr/>
-              <a:t>‹N°›</a:t>
+              <a:t>‹#›</a:t>
             </a:fld>
             <a:endParaRPr lang="en-US" dirty="0"/>
           </a:p>
@@ -4942,8 +5390,8 @@
           <a:bodyPr/>
           <a:lstStyle/>
           <a:p>
-            <a:fld id="{42A54C80-263E-416B-A8E0-580EDEADCBDC}" type="datetimeFigureOut">
-              <a:rPr lang="en-US" dirty="0"/>
+            <a:fld id="{9E1C093E-FBEA-46D0-8808-7D2B33F769D3}" type="datetime1">
+              <a:rPr lang="en-US" smtClean="0"/>
               <a:t>6/28/2017</a:t>
             </a:fld>
             <a:endParaRPr lang="en-US" dirty="0"/>
@@ -4965,6 +5413,10 @@
           <a:bodyPr/>
           <a:lstStyle/>
           <a:p>
+            <a:r>
+              <a:rPr lang="en-US" smtClean="0"/>
+              <a:t>Bois Cédric - Master WIC</a:t>
+            </a:r>
             <a:endParaRPr lang="en-US" dirty="0"/>
           </a:p>
         </p:txBody>
@@ -4986,7 +5438,7 @@
           <a:p>
             <a:fld id="{519954A3-9DFD-4C44-94BA-B95130A3BA1C}" type="slidenum">
               <a:rPr lang="en-US" dirty="0"/>
-              <a:t>‹N°›</a:t>
+              <a:t>‹#›</a:t>
             </a:fld>
             <a:endParaRPr lang="en-US" dirty="0"/>
           </a:p>
@@ -5200,9 +5652,8 @@
           <a:bodyPr/>
           <a:lstStyle/>
           <a:p>
-            <a:fld id="{B61BEF0D-F0BB-DE4B-95CE-6DB70DBA9567}" type="datetimeFigureOut">
-              <a:rPr lang="en-US" dirty="0"/>
-              <a:pPr/>
+            <a:fld id="{CBFB7E00-8915-4DCE-BFC0-ED88A6E2A29E}" type="datetime1">
+              <a:rPr lang="en-US" smtClean="0"/>
               <a:t>6/28/2017</a:t>
             </a:fld>
             <a:endParaRPr lang="en-US" dirty="0"/>
@@ -5224,6 +5675,10 @@
           <a:bodyPr/>
           <a:lstStyle/>
           <a:p>
+            <a:r>
+              <a:rPr lang="en-US" smtClean="0"/>
+              <a:t>Bois Cédric - Master WIC</a:t>
+            </a:r>
             <a:endParaRPr lang="en-US" dirty="0"/>
           </a:p>
         </p:txBody>
@@ -5246,7 +5701,7 @@
             <a:fld id="{D57F1E4F-1CFF-5643-939E-217C01CDF565}" type="slidenum">
               <a:rPr lang="en-US" dirty="0"/>
               <a:pPr/>
-              <a:t>‹N°›</a:t>
+              <a:t>‹#›</a:t>
             </a:fld>
             <a:endParaRPr lang="en-US" dirty="0"/>
           </a:p>
@@ -5940,9 +6395,8 @@
             </a:lvl1pPr>
           </a:lstStyle>
           <a:p>
-            <a:fld id="{B61BEF0D-F0BB-DE4B-95CE-6DB70DBA9567}" type="datetimeFigureOut">
-              <a:rPr lang="en-US" dirty="0"/>
-              <a:pPr/>
+            <a:fld id="{91897A87-A690-4C68-80C1-C84EE91EBAF0}" type="datetime1">
+              <a:rPr lang="en-US" smtClean="0"/>
               <a:t>6/28/2017</a:t>
             </a:fld>
             <a:endParaRPr lang="en-US" dirty="0"/>
@@ -5982,6 +6436,10 @@
             </a:lvl1pPr>
           </a:lstStyle>
           <a:p>
+            <a:r>
+              <a:rPr lang="en-US" smtClean="0"/>
+              <a:t>Bois Cédric - Master WIC</a:t>
+            </a:r>
             <a:endParaRPr lang="en-US" dirty="0"/>
           </a:p>
         </p:txBody>
@@ -6020,7 +6478,7 @@
             <a:fld id="{D57F1E4F-1CFF-5643-939E-217C01CDF565}" type="slidenum">
               <a:rPr lang="en-US" dirty="0"/>
               <a:pPr/>
-              <a:t>‹N°›</a:t>
+              <a:t>‹#›</a:t>
             </a:fld>
             <a:endParaRPr lang="en-US" dirty="0"/>
           </a:p>
@@ -6047,6 +6505,7 @@
     <p:sldLayoutId id="2147483667" r:id="rId15"/>
     <p:sldLayoutId id="2147483659" r:id="rId16"/>
   </p:sldLayoutIdLst>
+  <p:hf hdr="0" dt="0"/>
   <p:txStyles>
     <p:titleStyle>
       <a:lvl1pPr algn="l" defTabSz="457200" rtl="0" eaLnBrk="1" latinLnBrk="0" hangingPunct="1">
@@ -6538,10 +6997,847 @@
           </a:p>
         </p:txBody>
       </p:sp>
+      <p:sp>
+        <p:nvSpPr>
+          <p:cNvPr id="4" name="Footer Placeholder 3"/>
+          <p:cNvSpPr>
+            <a:spLocks noGrp="1"/>
+          </p:cNvSpPr>
+          <p:nvPr>
+            <p:ph type="ftr" sz="quarter" idx="11"/>
+          </p:nvPr>
+        </p:nvSpPr>
+        <p:spPr/>
+        <p:txBody>
+          <a:bodyPr/>
+          <a:lstStyle/>
+          <a:p>
+            <a:r>
+              <a:rPr lang="en-US" smtClean="0"/>
+              <a:t>Bois Cédric - Master WIC</a:t>
+            </a:r>
+            <a:endParaRPr lang="en-US" dirty="0"/>
+          </a:p>
+        </p:txBody>
+      </p:sp>
+      <p:sp>
+        <p:nvSpPr>
+          <p:cNvPr id="5" name="Slide Number Placeholder 4"/>
+          <p:cNvSpPr>
+            <a:spLocks noGrp="1"/>
+          </p:cNvSpPr>
+          <p:nvPr>
+            <p:ph type="sldNum" sz="quarter" idx="12"/>
+          </p:nvPr>
+        </p:nvSpPr>
+        <p:spPr/>
+        <p:txBody>
+          <a:bodyPr/>
+          <a:lstStyle/>
+          <a:p>
+            <a:fld id="{D57F1E4F-1CFF-5643-939E-217C01CDF565}" type="slidenum">
+              <a:rPr lang="en-US" smtClean="0"/>
+              <a:pPr/>
+              <a:t>1</a:t>
+            </a:fld>
+            <a:endParaRPr lang="en-US" dirty="0"/>
+          </a:p>
+        </p:txBody>
+      </p:sp>
     </p:spTree>
     <p:extLst>
       <p:ext uri="{BB962C8B-B14F-4D97-AF65-F5344CB8AC3E}">
         <p14:creationId xmlns:p14="http://schemas.microsoft.com/office/powerpoint/2010/main" val="3805661671"/>
+      </p:ext>
+    </p:extLst>
+  </p:cSld>
+  <p:clrMapOvr>
+    <a:masterClrMapping/>
+  </p:clrMapOvr>
+  <p:timing>
+    <p:tnLst>
+      <p:par>
+        <p:cTn id="1" dur="indefinite" restart="never" nodeType="tmRoot"/>
+      </p:par>
+    </p:tnLst>
+  </p:timing>
+</p:sld>
+</file>
+
+<file path=ppt/slides/slide10.xml><?xml version="1.0" encoding="utf-8"?>
+<p:sld xmlns:a="http://schemas.openxmlformats.org/drawingml/2006/main" xmlns:r="http://schemas.openxmlformats.org/officeDocument/2006/relationships" xmlns:p="http://schemas.openxmlformats.org/presentationml/2006/main">
+  <p:cSld>
+    <p:spTree>
+      <p:nvGrpSpPr>
+        <p:cNvPr id="1" name=""/>
+        <p:cNvGrpSpPr/>
+        <p:nvPr/>
+      </p:nvGrpSpPr>
+      <p:grpSpPr>
+        <a:xfrm>
+          <a:off x="0" y="0"/>
+          <a:ext cx="0" cy="0"/>
+          <a:chOff x="0" y="0"/>
+          <a:chExt cx="0" cy="0"/>
+        </a:xfrm>
+      </p:grpSpPr>
+      <p:sp>
+        <p:nvSpPr>
+          <p:cNvPr id="2" name="Titre 1"/>
+          <p:cNvSpPr>
+            <a:spLocks noGrp="1"/>
+          </p:cNvSpPr>
+          <p:nvPr>
+            <p:ph type="title"/>
+          </p:nvPr>
+        </p:nvSpPr>
+        <p:spPr/>
+        <p:txBody>
+          <a:bodyPr/>
+          <a:lstStyle/>
+          <a:p>
+            <a:r>
+              <a:rPr lang="fr-FR" dirty="0" err="1" smtClean="0"/>
+              <a:t>withState</a:t>
+            </a:r>
+            <a:r>
+              <a:rPr lang="fr-FR" dirty="0" smtClean="0"/>
+              <a:t> : Tests</a:t>
+            </a:r>
+            <a:endParaRPr lang="fr-FR" dirty="0"/>
+          </a:p>
+        </p:txBody>
+      </p:sp>
+      <p:sp>
+        <p:nvSpPr>
+          <p:cNvPr id="3" name="Espace réservé du contenu 2"/>
+          <p:cNvSpPr>
+            <a:spLocks noGrp="1"/>
+          </p:cNvSpPr>
+          <p:nvPr>
+            <p:ph idx="1"/>
+          </p:nvPr>
+        </p:nvSpPr>
+        <p:spPr/>
+        <p:txBody>
+          <a:bodyPr/>
+          <a:lstStyle/>
+          <a:p>
+            <a:r>
+              <a:rPr lang="fr-FR" dirty="0" smtClean="0"/>
+              <a:t>Librairie </a:t>
+            </a:r>
+            <a:r>
+              <a:rPr lang="fr-FR" dirty="0" err="1" smtClean="0"/>
+              <a:t>Jest</a:t>
+            </a:r>
+            <a:endParaRPr lang="fr-FR" dirty="0"/>
+          </a:p>
+        </p:txBody>
+      </p:sp>
+      <p:sp>
+        <p:nvSpPr>
+          <p:cNvPr id="5" name="Footer Placeholder 4"/>
+          <p:cNvSpPr>
+            <a:spLocks noGrp="1"/>
+          </p:cNvSpPr>
+          <p:nvPr>
+            <p:ph type="ftr" sz="quarter" idx="11"/>
+          </p:nvPr>
+        </p:nvSpPr>
+        <p:spPr/>
+        <p:txBody>
+          <a:bodyPr/>
+          <a:lstStyle/>
+          <a:p>
+            <a:r>
+              <a:rPr lang="en-US" smtClean="0"/>
+              <a:t>Bois Cédric - Master WIC</a:t>
+            </a:r>
+            <a:endParaRPr lang="en-US" dirty="0"/>
+          </a:p>
+        </p:txBody>
+      </p:sp>
+      <p:sp>
+        <p:nvSpPr>
+          <p:cNvPr id="6" name="Slide Number Placeholder 5"/>
+          <p:cNvSpPr>
+            <a:spLocks noGrp="1"/>
+          </p:cNvSpPr>
+          <p:nvPr>
+            <p:ph type="sldNum" sz="quarter" idx="12"/>
+          </p:nvPr>
+        </p:nvSpPr>
+        <p:spPr/>
+        <p:txBody>
+          <a:bodyPr/>
+          <a:lstStyle/>
+          <a:p>
+            <a:fld id="{D57F1E4F-1CFF-5643-939E-217C01CDF565}" type="slidenum">
+              <a:rPr lang="en-US" smtClean="0"/>
+              <a:pPr/>
+              <a:t>10</a:t>
+            </a:fld>
+            <a:endParaRPr lang="en-US" dirty="0"/>
+          </a:p>
+        </p:txBody>
+      </p:sp>
+    </p:spTree>
+    <p:extLst>
+      <p:ext uri="{BB962C8B-B14F-4D97-AF65-F5344CB8AC3E}">
+        <p14:creationId xmlns:p14="http://schemas.microsoft.com/office/powerpoint/2010/main" val="3553190663"/>
+      </p:ext>
+    </p:extLst>
+  </p:cSld>
+  <p:clrMapOvr>
+    <a:masterClrMapping/>
+  </p:clrMapOvr>
+  <p:timing>
+    <p:tnLst>
+      <p:par>
+        <p:cTn id="1" dur="indefinite" restart="never" nodeType="tmRoot"/>
+      </p:par>
+    </p:tnLst>
+  </p:timing>
+</p:sld>
+</file>
+
+<file path=ppt/slides/slide11.xml><?xml version="1.0" encoding="utf-8"?>
+<p:sld xmlns:a="http://schemas.openxmlformats.org/drawingml/2006/main" xmlns:r="http://schemas.openxmlformats.org/officeDocument/2006/relationships" xmlns:p="http://schemas.openxmlformats.org/presentationml/2006/main">
+  <p:cSld>
+    <p:spTree>
+      <p:nvGrpSpPr>
+        <p:cNvPr id="1" name=""/>
+        <p:cNvGrpSpPr/>
+        <p:nvPr/>
+      </p:nvGrpSpPr>
+      <p:grpSpPr>
+        <a:xfrm>
+          <a:off x="0" y="0"/>
+          <a:ext cx="0" cy="0"/>
+          <a:chOff x="0" y="0"/>
+          <a:chExt cx="0" cy="0"/>
+        </a:xfrm>
+      </p:grpSpPr>
+      <p:sp>
+        <p:nvSpPr>
+          <p:cNvPr id="2" name="Title 1"/>
+          <p:cNvSpPr>
+            <a:spLocks noGrp="1"/>
+          </p:cNvSpPr>
+          <p:nvPr>
+            <p:ph type="title"/>
+          </p:nvPr>
+        </p:nvSpPr>
+        <p:spPr/>
+        <p:txBody>
+          <a:bodyPr/>
+          <a:lstStyle/>
+          <a:p>
+            <a:r>
+              <a:rPr lang="fr-FR" dirty="0" err="1" smtClean="0"/>
+              <a:t>Xen</a:t>
+            </a:r>
+            <a:r>
+              <a:rPr lang="fr-FR" dirty="0" smtClean="0"/>
+              <a:t> Orchestra</a:t>
+            </a:r>
+            <a:endParaRPr lang="fr-FR" dirty="0"/>
+          </a:p>
+        </p:txBody>
+      </p:sp>
+      <p:sp>
+        <p:nvSpPr>
+          <p:cNvPr id="3" name="Content Placeholder 2"/>
+          <p:cNvSpPr>
+            <a:spLocks noGrp="1"/>
+          </p:cNvSpPr>
+          <p:nvPr>
+            <p:ph idx="1"/>
+          </p:nvPr>
+        </p:nvSpPr>
+        <p:spPr/>
+        <p:txBody>
+          <a:bodyPr/>
+          <a:lstStyle/>
+          <a:p>
+            <a:r>
+              <a:rPr lang="fr-FR" dirty="0" smtClean="0"/>
+              <a:t>Gestionnaire de machines virtuelles</a:t>
+            </a:r>
+          </a:p>
+          <a:p>
+            <a:r>
+              <a:rPr lang="fr-FR" dirty="0" err="1" smtClean="0"/>
+              <a:t>XenServer</a:t>
+            </a:r>
+            <a:endParaRPr lang="fr-FR" dirty="0" smtClean="0"/>
+          </a:p>
+          <a:p>
+            <a:r>
+              <a:rPr lang="fr-FR" dirty="0" err="1" smtClean="0"/>
+              <a:t>Xapi</a:t>
+            </a:r>
+            <a:endParaRPr lang="fr-FR" dirty="0" smtClean="0"/>
+          </a:p>
+          <a:p>
+            <a:endParaRPr lang="fr-FR" dirty="0" smtClean="0"/>
+          </a:p>
+          <a:p>
+            <a:r>
+              <a:rPr lang="fr-FR" dirty="0" smtClean="0"/>
+              <a:t>Composé de trois modules :</a:t>
+            </a:r>
+          </a:p>
+          <a:p>
+            <a:pPr lvl="1"/>
+            <a:r>
+              <a:rPr lang="fr-FR" dirty="0" err="1" smtClean="0"/>
+              <a:t>Xo</a:t>
+            </a:r>
+            <a:r>
+              <a:rPr lang="fr-FR" dirty="0" smtClean="0"/>
+              <a:t>-server</a:t>
+            </a:r>
+          </a:p>
+          <a:p>
+            <a:pPr lvl="1"/>
+            <a:r>
+              <a:rPr lang="fr-FR" dirty="0" err="1" smtClean="0"/>
+              <a:t>Xo</a:t>
+            </a:r>
+            <a:r>
+              <a:rPr lang="fr-FR" dirty="0" smtClean="0"/>
+              <a:t>-web</a:t>
+            </a:r>
+          </a:p>
+          <a:p>
+            <a:pPr lvl="1"/>
+            <a:r>
+              <a:rPr lang="fr-FR" dirty="0" err="1" smtClean="0"/>
+              <a:t>Xo</a:t>
+            </a:r>
+            <a:r>
+              <a:rPr lang="fr-FR" dirty="0" smtClean="0"/>
+              <a:t>-CLI</a:t>
+            </a:r>
+            <a:endParaRPr lang="fr-FR" dirty="0"/>
+          </a:p>
+        </p:txBody>
+      </p:sp>
+      <p:sp>
+        <p:nvSpPr>
+          <p:cNvPr id="4" name="Footer Placeholder 3"/>
+          <p:cNvSpPr>
+            <a:spLocks noGrp="1"/>
+          </p:cNvSpPr>
+          <p:nvPr>
+            <p:ph type="ftr" sz="quarter" idx="11"/>
+          </p:nvPr>
+        </p:nvSpPr>
+        <p:spPr/>
+        <p:txBody>
+          <a:bodyPr/>
+          <a:lstStyle/>
+          <a:p>
+            <a:r>
+              <a:rPr lang="en-US" smtClean="0"/>
+              <a:t>Bois Cédric - Master WIC</a:t>
+            </a:r>
+            <a:endParaRPr lang="en-US" dirty="0"/>
+          </a:p>
+        </p:txBody>
+      </p:sp>
+      <p:sp>
+        <p:nvSpPr>
+          <p:cNvPr id="5" name="Slide Number Placeholder 4"/>
+          <p:cNvSpPr>
+            <a:spLocks noGrp="1"/>
+          </p:cNvSpPr>
+          <p:nvPr>
+            <p:ph type="sldNum" sz="quarter" idx="12"/>
+          </p:nvPr>
+        </p:nvSpPr>
+        <p:spPr/>
+        <p:txBody>
+          <a:bodyPr/>
+          <a:lstStyle/>
+          <a:p>
+            <a:fld id="{D57F1E4F-1CFF-5643-939E-217C01CDF565}" type="slidenum">
+              <a:rPr lang="en-US" smtClean="0"/>
+              <a:pPr/>
+              <a:t>11</a:t>
+            </a:fld>
+            <a:endParaRPr lang="en-US" dirty="0"/>
+          </a:p>
+        </p:txBody>
+      </p:sp>
+      <p:pic>
+        <p:nvPicPr>
+          <p:cNvPr id="7" name="Picture 6"/>
+          <p:cNvPicPr>
+            <a:picLocks noChangeAspect="1"/>
+          </p:cNvPicPr>
+          <p:nvPr/>
+        </p:nvPicPr>
+        <p:blipFill>
+          <a:blip r:embed="rId2">
+            <a:extLst>
+              <a:ext uri="{28A0092B-C50C-407E-A947-70E740481C1C}">
+                <a14:useLocalDpi xmlns:a14="http://schemas.microsoft.com/office/drawing/2010/main" val="0"/>
+              </a:ext>
+            </a:extLst>
+          </a:blip>
+          <a:stretch>
+            <a:fillRect/>
+          </a:stretch>
+        </p:blipFill>
+        <p:spPr>
+          <a:xfrm>
+            <a:off x="5665675" y="84214"/>
+            <a:ext cx="2974472" cy="2974472"/>
+          </a:xfrm>
+          <a:prstGeom prst="rect">
+            <a:avLst/>
+          </a:prstGeom>
+        </p:spPr>
+      </p:pic>
+      <p:pic>
+        <p:nvPicPr>
+          <p:cNvPr id="8" name="Picture 7"/>
+          <p:cNvPicPr>
+            <a:picLocks noChangeAspect="1"/>
+          </p:cNvPicPr>
+          <p:nvPr/>
+        </p:nvPicPr>
+        <p:blipFill rotWithShape="1">
+          <a:blip r:embed="rId3">
+            <a:extLst>
+              <a:ext uri="{28A0092B-C50C-407E-A947-70E740481C1C}">
+                <a14:useLocalDpi xmlns:a14="http://schemas.microsoft.com/office/drawing/2010/main" val="0"/>
+              </a:ext>
+            </a:extLst>
+          </a:blip>
+          <a:srcRect t="5935" b="16465"/>
+          <a:stretch/>
+        </p:blipFill>
+        <p:spPr>
+          <a:xfrm>
+            <a:off x="4350651" y="2871949"/>
+            <a:ext cx="5248589" cy="3054699"/>
+          </a:xfrm>
+          <a:prstGeom prst="rect">
+            <a:avLst/>
+          </a:prstGeom>
+        </p:spPr>
+      </p:pic>
+    </p:spTree>
+    <p:extLst>
+      <p:ext uri="{BB962C8B-B14F-4D97-AF65-F5344CB8AC3E}">
+        <p14:creationId xmlns:p14="http://schemas.microsoft.com/office/powerpoint/2010/main" val="723456919"/>
+      </p:ext>
+    </p:extLst>
+  </p:cSld>
+  <p:clrMapOvr>
+    <a:masterClrMapping/>
+  </p:clrMapOvr>
+  <p:timing>
+    <p:tnLst>
+      <p:par>
+        <p:cTn id="1" dur="indefinite" restart="never" nodeType="tmRoot"/>
+      </p:par>
+    </p:tnLst>
+  </p:timing>
+</p:sld>
+</file>
+
+<file path=ppt/slides/slide12.xml><?xml version="1.0" encoding="utf-8"?>
+<p:sld xmlns:a="http://schemas.openxmlformats.org/drawingml/2006/main" xmlns:r="http://schemas.openxmlformats.org/officeDocument/2006/relationships" xmlns:p="http://schemas.openxmlformats.org/presentationml/2006/main">
+  <p:cSld>
+    <p:spTree>
+      <p:nvGrpSpPr>
+        <p:cNvPr id="1" name=""/>
+        <p:cNvGrpSpPr/>
+        <p:nvPr/>
+      </p:nvGrpSpPr>
+      <p:grpSpPr>
+        <a:xfrm>
+          <a:off x="0" y="0"/>
+          <a:ext cx="0" cy="0"/>
+          <a:chOff x="0" y="0"/>
+          <a:chExt cx="0" cy="0"/>
+        </a:xfrm>
+      </p:grpSpPr>
+      <p:sp>
+        <p:nvSpPr>
+          <p:cNvPr id="2" name="Title 1"/>
+          <p:cNvSpPr>
+            <a:spLocks noGrp="1"/>
+          </p:cNvSpPr>
+          <p:nvPr>
+            <p:ph type="title"/>
+          </p:nvPr>
+        </p:nvSpPr>
+        <p:spPr/>
+        <p:txBody>
+          <a:bodyPr/>
+          <a:lstStyle/>
+          <a:p>
+            <a:r>
+              <a:rPr lang="fr-FR" dirty="0" err="1"/>
+              <a:t>Xen</a:t>
+            </a:r>
+            <a:r>
+              <a:rPr lang="fr-FR" dirty="0"/>
+              <a:t> Orchestra : Architecture</a:t>
+            </a:r>
+          </a:p>
+        </p:txBody>
+      </p:sp>
+      <p:sp>
+        <p:nvSpPr>
+          <p:cNvPr id="3" name="Text Placeholder 2"/>
+          <p:cNvSpPr>
+            <a:spLocks noGrp="1"/>
+          </p:cNvSpPr>
+          <p:nvPr>
+            <p:ph type="body" idx="1"/>
+          </p:nvPr>
+        </p:nvSpPr>
+        <p:spPr/>
+        <p:txBody>
+          <a:bodyPr/>
+          <a:lstStyle/>
+          <a:p>
+            <a:endParaRPr lang="fr-FR"/>
+          </a:p>
+        </p:txBody>
+      </p:sp>
+      <p:sp>
+        <p:nvSpPr>
+          <p:cNvPr id="4" name="Content Placeholder 3"/>
+          <p:cNvSpPr>
+            <a:spLocks noGrp="1"/>
+          </p:cNvSpPr>
+          <p:nvPr>
+            <p:ph sz="half" idx="2"/>
+          </p:nvPr>
+        </p:nvSpPr>
+        <p:spPr/>
+        <p:txBody>
+          <a:bodyPr/>
+          <a:lstStyle/>
+          <a:p>
+            <a:r>
+              <a:rPr lang="fr-FR" dirty="0" err="1" smtClean="0"/>
+              <a:t>Xo</a:t>
+            </a:r>
+            <a:r>
+              <a:rPr lang="fr-FR" dirty="0" smtClean="0"/>
+              <a:t>-server</a:t>
+            </a:r>
+            <a:endParaRPr lang="fr-FR" dirty="0"/>
+          </a:p>
+        </p:txBody>
+      </p:sp>
+      <p:sp>
+        <p:nvSpPr>
+          <p:cNvPr id="5" name="Text Placeholder 4"/>
+          <p:cNvSpPr>
+            <a:spLocks noGrp="1"/>
+          </p:cNvSpPr>
+          <p:nvPr>
+            <p:ph type="body" sz="quarter" idx="3"/>
+          </p:nvPr>
+        </p:nvSpPr>
+        <p:spPr/>
+        <p:txBody>
+          <a:bodyPr/>
+          <a:lstStyle/>
+          <a:p>
+            <a:endParaRPr lang="fr-FR"/>
+          </a:p>
+        </p:txBody>
+      </p:sp>
+      <p:sp>
+        <p:nvSpPr>
+          <p:cNvPr id="6" name="Content Placeholder 5"/>
+          <p:cNvSpPr>
+            <a:spLocks noGrp="1"/>
+          </p:cNvSpPr>
+          <p:nvPr>
+            <p:ph sz="quarter" idx="4"/>
+          </p:nvPr>
+        </p:nvSpPr>
+        <p:spPr/>
+        <p:txBody>
+          <a:bodyPr/>
+          <a:lstStyle/>
+          <a:p>
+            <a:r>
+              <a:rPr lang="fr-FR" dirty="0" err="1" smtClean="0"/>
+              <a:t>Xo</a:t>
+            </a:r>
+            <a:r>
+              <a:rPr lang="fr-FR" dirty="0" smtClean="0"/>
+              <a:t>-web</a:t>
+            </a:r>
+            <a:endParaRPr lang="fr-FR" dirty="0"/>
+          </a:p>
+        </p:txBody>
+      </p:sp>
+      <p:sp>
+        <p:nvSpPr>
+          <p:cNvPr id="7" name="Footer Placeholder 6"/>
+          <p:cNvSpPr>
+            <a:spLocks noGrp="1"/>
+          </p:cNvSpPr>
+          <p:nvPr>
+            <p:ph type="ftr" sz="quarter" idx="11"/>
+          </p:nvPr>
+        </p:nvSpPr>
+        <p:spPr/>
+        <p:txBody>
+          <a:bodyPr/>
+          <a:lstStyle/>
+          <a:p>
+            <a:r>
+              <a:rPr lang="en-US" smtClean="0"/>
+              <a:t>Bois Cédric - Master WIC</a:t>
+            </a:r>
+            <a:endParaRPr lang="en-US" dirty="0"/>
+          </a:p>
+        </p:txBody>
+      </p:sp>
+      <p:sp>
+        <p:nvSpPr>
+          <p:cNvPr id="8" name="Slide Number Placeholder 7"/>
+          <p:cNvSpPr>
+            <a:spLocks noGrp="1"/>
+          </p:cNvSpPr>
+          <p:nvPr>
+            <p:ph type="sldNum" sz="quarter" idx="12"/>
+          </p:nvPr>
+        </p:nvSpPr>
+        <p:spPr/>
+        <p:txBody>
+          <a:bodyPr/>
+          <a:lstStyle/>
+          <a:p>
+            <a:fld id="{D57F1E4F-1CFF-5643-939E-217C01CDF565}" type="slidenum">
+              <a:rPr lang="en-US" smtClean="0"/>
+              <a:pPr/>
+              <a:t>12</a:t>
+            </a:fld>
+            <a:endParaRPr lang="en-US" dirty="0"/>
+          </a:p>
+        </p:txBody>
+      </p:sp>
+      <p:pic>
+        <p:nvPicPr>
+          <p:cNvPr id="9" name="Picture 8"/>
+          <p:cNvPicPr/>
+          <p:nvPr/>
+        </p:nvPicPr>
+        <p:blipFill>
+          <a:blip r:embed="rId2" cstate="print">
+            <a:extLst>
+              <a:ext uri="{28A0092B-C50C-407E-A947-70E740481C1C}">
+                <a14:useLocalDpi xmlns:a14="http://schemas.microsoft.com/office/drawing/2010/main" val="0"/>
+              </a:ext>
+            </a:extLst>
+          </a:blip>
+          <a:stretch>
+            <a:fillRect/>
+          </a:stretch>
+        </p:blipFill>
+        <p:spPr>
+          <a:xfrm>
+            <a:off x="7908410" y="989220"/>
+            <a:ext cx="1365591" cy="5052142"/>
+          </a:xfrm>
+          <a:prstGeom prst="rect">
+            <a:avLst/>
+          </a:prstGeom>
+        </p:spPr>
+      </p:pic>
+      <p:pic>
+        <p:nvPicPr>
+          <p:cNvPr id="10" name="Picture 9"/>
+          <p:cNvPicPr/>
+          <p:nvPr/>
+        </p:nvPicPr>
+        <p:blipFill rotWithShape="1">
+          <a:blip r:embed="rId3" cstate="print">
+            <a:extLst>
+              <a:ext uri="{28A0092B-C50C-407E-A947-70E740481C1C}">
+                <a14:useLocalDpi xmlns:a14="http://schemas.microsoft.com/office/drawing/2010/main" val="0"/>
+              </a:ext>
+            </a:extLst>
+          </a:blip>
+          <a:srcRect l="1" r="31805" b="64758"/>
+          <a:stretch/>
+        </p:blipFill>
+        <p:spPr bwMode="auto">
+          <a:xfrm>
+            <a:off x="3076495" y="2160983"/>
+            <a:ext cx="2011887" cy="3412854"/>
+          </a:xfrm>
+          <a:prstGeom prst="rect">
+            <a:avLst/>
+          </a:prstGeom>
+          <a:ln>
+            <a:noFill/>
+          </a:ln>
+          <a:extLst>
+            <a:ext uri="{53640926-AAD7-44D8-BBD7-CCE9431645EC}">
+              <a14:shadowObscured xmlns:a14="http://schemas.microsoft.com/office/drawing/2010/main"/>
+            </a:ext>
+          </a:extLst>
+        </p:spPr>
+      </p:pic>
+    </p:spTree>
+    <p:extLst>
+      <p:ext uri="{BB962C8B-B14F-4D97-AF65-F5344CB8AC3E}">
+        <p14:creationId xmlns:p14="http://schemas.microsoft.com/office/powerpoint/2010/main" val="1898645450"/>
+      </p:ext>
+    </p:extLst>
+  </p:cSld>
+  <p:clrMapOvr>
+    <a:masterClrMapping/>
+  </p:clrMapOvr>
+  <p:timing>
+    <p:tnLst>
+      <p:par>
+        <p:cTn id="1" dur="indefinite" restart="never" nodeType="tmRoot"/>
+      </p:par>
+    </p:tnLst>
+  </p:timing>
+</p:sld>
+</file>
+
+<file path=ppt/slides/slide13.xml><?xml version="1.0" encoding="utf-8"?>
+<p:sld xmlns:a="http://schemas.openxmlformats.org/drawingml/2006/main" xmlns:r="http://schemas.openxmlformats.org/officeDocument/2006/relationships" xmlns:p="http://schemas.openxmlformats.org/presentationml/2006/main">
+  <p:cSld>
+    <p:spTree>
+      <p:nvGrpSpPr>
+        <p:cNvPr id="1" name=""/>
+        <p:cNvGrpSpPr/>
+        <p:nvPr/>
+      </p:nvGrpSpPr>
+      <p:grpSpPr>
+        <a:xfrm>
+          <a:off x="0" y="0"/>
+          <a:ext cx="0" cy="0"/>
+          <a:chOff x="0" y="0"/>
+          <a:chExt cx="0" cy="0"/>
+        </a:xfrm>
+      </p:grpSpPr>
+      <p:sp>
+        <p:nvSpPr>
+          <p:cNvPr id="2" name="Title 1"/>
+          <p:cNvSpPr>
+            <a:spLocks noGrp="1"/>
+          </p:cNvSpPr>
+          <p:nvPr>
+            <p:ph type="title"/>
+          </p:nvPr>
+        </p:nvSpPr>
+        <p:spPr/>
+        <p:txBody>
+          <a:bodyPr/>
+          <a:lstStyle/>
+          <a:p>
+            <a:r>
+              <a:rPr lang="fr-FR" dirty="0" err="1" smtClean="0"/>
+              <a:t>VmAppliance</a:t>
+            </a:r>
+            <a:r>
+              <a:rPr lang="fr-FR" dirty="0" smtClean="0"/>
+              <a:t> : Objectifs</a:t>
+            </a:r>
+            <a:endParaRPr lang="fr-FR" dirty="0"/>
+          </a:p>
+        </p:txBody>
+      </p:sp>
+      <p:sp>
+        <p:nvSpPr>
+          <p:cNvPr id="3" name="Content Placeholder 2"/>
+          <p:cNvSpPr>
+            <a:spLocks noGrp="1"/>
+          </p:cNvSpPr>
+          <p:nvPr>
+            <p:ph idx="1"/>
+          </p:nvPr>
+        </p:nvSpPr>
+        <p:spPr/>
+        <p:txBody>
+          <a:bodyPr/>
+          <a:lstStyle/>
+          <a:p>
+            <a:r>
+              <a:rPr lang="fr-FR" dirty="0" err="1" smtClean="0"/>
+              <a:t>Xo</a:t>
+            </a:r>
+            <a:r>
+              <a:rPr lang="fr-FR" dirty="0" smtClean="0"/>
+              <a:t>-server</a:t>
+            </a:r>
+            <a:endParaRPr lang="fr-FR" dirty="0"/>
+          </a:p>
+        </p:txBody>
+      </p:sp>
+      <p:sp>
+        <p:nvSpPr>
+          <p:cNvPr id="4" name="Footer Placeholder 3"/>
+          <p:cNvSpPr>
+            <a:spLocks noGrp="1"/>
+          </p:cNvSpPr>
+          <p:nvPr>
+            <p:ph type="ftr" sz="quarter" idx="11"/>
+          </p:nvPr>
+        </p:nvSpPr>
+        <p:spPr/>
+        <p:txBody>
+          <a:bodyPr/>
+          <a:lstStyle/>
+          <a:p>
+            <a:r>
+              <a:rPr lang="en-US" smtClean="0"/>
+              <a:t>Bois Cédric - Master WIC</a:t>
+            </a:r>
+            <a:endParaRPr lang="en-US" dirty="0"/>
+          </a:p>
+        </p:txBody>
+      </p:sp>
+      <p:sp>
+        <p:nvSpPr>
+          <p:cNvPr id="5" name="Slide Number Placeholder 4"/>
+          <p:cNvSpPr>
+            <a:spLocks noGrp="1"/>
+          </p:cNvSpPr>
+          <p:nvPr>
+            <p:ph type="sldNum" sz="quarter" idx="12"/>
+          </p:nvPr>
+        </p:nvSpPr>
+        <p:spPr/>
+        <p:txBody>
+          <a:bodyPr/>
+          <a:lstStyle/>
+          <a:p>
+            <a:fld id="{D57F1E4F-1CFF-5643-939E-217C01CDF565}" type="slidenum">
+              <a:rPr lang="en-US" smtClean="0"/>
+              <a:pPr/>
+              <a:t>13</a:t>
+            </a:fld>
+            <a:endParaRPr lang="en-US" dirty="0"/>
+          </a:p>
+        </p:txBody>
+      </p:sp>
+    </p:spTree>
+    <p:extLst>
+      <p:ext uri="{BB962C8B-B14F-4D97-AF65-F5344CB8AC3E}">
+        <p14:creationId xmlns:p14="http://schemas.microsoft.com/office/powerpoint/2010/main" val="3006790768"/>
       </p:ext>
     </p:extLst>
   </p:cSld>
@@ -6650,6 +7946,83 @@
               <a:rPr lang="fr-FR" dirty="0" smtClean="0"/>
               <a:t>Utilise différents outils de gestion de projet</a:t>
             </a:r>
+          </a:p>
+        </p:txBody>
+      </p:sp>
+      <p:pic>
+        <p:nvPicPr>
+          <p:cNvPr id="4" name="Picture 3"/>
+          <p:cNvPicPr>
+            <a:picLocks noChangeAspect="1"/>
+          </p:cNvPicPr>
+          <p:nvPr/>
+        </p:nvPicPr>
+        <p:blipFill>
+          <a:blip r:embed="rId3">
+            <a:extLst>
+              <a:ext uri="{28A0092B-C50C-407E-A947-70E740481C1C}">
+                <a14:useLocalDpi xmlns:a14="http://schemas.microsoft.com/office/drawing/2010/main" val="0"/>
+              </a:ext>
+            </a:extLst>
+          </a:blip>
+          <a:stretch>
+            <a:fillRect/>
+          </a:stretch>
+        </p:blipFill>
+        <p:spPr>
+          <a:xfrm>
+            <a:off x="7087267" y="2701163"/>
+            <a:ext cx="4222013" cy="1399812"/>
+          </a:xfrm>
+          <a:prstGeom prst="rect">
+            <a:avLst/>
+          </a:prstGeom>
+        </p:spPr>
+      </p:pic>
+      <p:sp>
+        <p:nvSpPr>
+          <p:cNvPr id="5" name="Footer Placeholder 4"/>
+          <p:cNvSpPr>
+            <a:spLocks noGrp="1"/>
+          </p:cNvSpPr>
+          <p:nvPr>
+            <p:ph type="ftr" sz="quarter" idx="11"/>
+          </p:nvPr>
+        </p:nvSpPr>
+        <p:spPr/>
+        <p:txBody>
+          <a:bodyPr/>
+          <a:lstStyle/>
+          <a:p>
+            <a:r>
+              <a:rPr lang="en-US" smtClean="0"/>
+              <a:t>Bois Cédric - Master WIC</a:t>
+            </a:r>
+            <a:endParaRPr lang="en-US" dirty="0"/>
+          </a:p>
+        </p:txBody>
+      </p:sp>
+      <p:sp>
+        <p:nvSpPr>
+          <p:cNvPr id="6" name="Slide Number Placeholder 5"/>
+          <p:cNvSpPr>
+            <a:spLocks noGrp="1"/>
+          </p:cNvSpPr>
+          <p:nvPr>
+            <p:ph type="sldNum" sz="quarter" idx="12"/>
+          </p:nvPr>
+        </p:nvSpPr>
+        <p:spPr/>
+        <p:txBody>
+          <a:bodyPr/>
+          <a:lstStyle/>
+          <a:p>
+            <a:fld id="{D57F1E4F-1CFF-5643-939E-217C01CDF565}" type="slidenum">
+              <a:rPr lang="en-US" smtClean="0"/>
+              <a:pPr/>
+              <a:t>2</a:t>
+            </a:fld>
+            <a:endParaRPr lang="en-US" dirty="0"/>
           </a:p>
         </p:txBody>
       </p:sp>
@@ -6762,6 +8135,53 @@
           </a:ln>
         </p:spPr>
       </p:pic>
+      <p:sp>
+        <p:nvSpPr>
+          <p:cNvPr id="5" name="Footer Placeholder 4"/>
+          <p:cNvSpPr>
+            <a:spLocks noGrp="1"/>
+          </p:cNvSpPr>
+          <p:nvPr>
+            <p:ph type="ftr" sz="quarter" idx="11"/>
+          </p:nvPr>
+        </p:nvSpPr>
+        <p:spPr/>
+        <p:txBody>
+          <a:bodyPr/>
+          <a:lstStyle/>
+          <a:p>
+            <a:r>
+              <a:rPr lang="en-US" smtClean="0"/>
+              <a:t>Bois Cédric - Master WIC</a:t>
+            </a:r>
+            <a:endParaRPr lang="en-US" dirty="0"/>
+          </a:p>
+        </p:txBody>
+      </p:sp>
+      <p:sp>
+        <p:nvSpPr>
+          <p:cNvPr id="6" name="Slide Number Placeholder 5"/>
+          <p:cNvSpPr>
+            <a:spLocks noGrp="1"/>
+          </p:cNvSpPr>
+          <p:nvPr>
+            <p:ph type="sldNum" sz="quarter" idx="12"/>
+          </p:nvPr>
+        </p:nvSpPr>
+        <p:spPr/>
+        <p:txBody>
+          <a:bodyPr/>
+          <a:lstStyle/>
+          <a:p>
+            <a:fld id="{D57F1E4F-1CFF-5643-939E-217C01CDF565}" type="slidenum">
+              <a:rPr lang="en-US" smtClean="0"/>
+              <a:pPr/>
+              <a:t>3</a:t>
+            </a:fld>
+            <a:endParaRPr lang="en-US" dirty="0"/>
+          </a:p>
+        </p:txBody>
+      </p:sp>
     </p:spTree>
     <p:extLst>
       <p:ext uri="{BB962C8B-B14F-4D97-AF65-F5344CB8AC3E}">
@@ -6772,6 +8192,13 @@
   <p:clrMapOvr>
     <a:masterClrMapping/>
   </p:clrMapOvr>
+  <p:timing>
+    <p:tnLst>
+      <p:par>
+        <p:cTn id="1" dur="indefinite" restart="never" nodeType="tmRoot"/>
+      </p:par>
+    </p:tnLst>
+  </p:timing>
 </p:sld>
 </file>
 
@@ -6839,27 +8266,8 @@
             </a:pPr>
             <a:r>
               <a:rPr lang="fr-FR" dirty="0" smtClean="0"/>
-              <a:t>Programmation par composants </a:t>
-            </a:r>
-            <a:r>
-              <a:rPr lang="fr-FR" dirty="0" smtClean="0"/>
-              <a:t>:</a:t>
-            </a:r>
-          </a:p>
-          <a:p>
-            <a:r>
-              <a:rPr lang="fr-FR" dirty="0" err="1" smtClean="0"/>
-              <a:t>Stateless</a:t>
-            </a:r>
-            <a:r>
-              <a:rPr lang="fr-FR" dirty="0" smtClean="0"/>
-              <a:t>, </a:t>
-            </a:r>
-            <a:r>
-              <a:rPr lang="fr-FR" dirty="0" err="1" smtClean="0"/>
-              <a:t>stateful</a:t>
-            </a:r>
-            <a:endParaRPr lang="fr-FR" dirty="0" smtClean="0"/>
+              <a:t>Programmation par composants :</a:t>
+            </a:r>
           </a:p>
           <a:p>
             <a:r>
@@ -6915,8 +8323,8 @@
         </p:blipFill>
         <p:spPr bwMode="auto">
           <a:xfrm>
-            <a:off x="5758813" y="3731881"/>
-            <a:ext cx="3515189" cy="369094"/>
+            <a:off x="6046839" y="5737841"/>
+            <a:ext cx="2890683" cy="303521"/>
           </a:xfrm>
           <a:prstGeom prst="rect">
             <a:avLst/>
@@ -6930,6 +8338,77 @@
           </a:ln>
         </p:spPr>
       </p:pic>
+      <p:pic>
+        <p:nvPicPr>
+          <p:cNvPr id="5" name="Picture 4"/>
+          <p:cNvPicPr>
+            <a:picLocks noChangeAspect="1"/>
+          </p:cNvPicPr>
+          <p:nvPr/>
+        </p:nvPicPr>
+        <p:blipFill>
+          <a:blip r:embed="rId4"/>
+          <a:stretch>
+            <a:fillRect/>
+          </a:stretch>
+        </p:blipFill>
+        <p:spPr>
+          <a:xfrm>
+            <a:off x="4596582" y="2744350"/>
+            <a:ext cx="6710372" cy="2713250"/>
+          </a:xfrm>
+          <a:prstGeom prst="rect">
+            <a:avLst/>
+          </a:prstGeom>
+        </p:spPr>
+      </p:pic>
+      <p:sp>
+        <p:nvSpPr>
+          <p:cNvPr id="6" name="Footer Placeholder 5"/>
+          <p:cNvSpPr>
+            <a:spLocks noGrp="1"/>
+          </p:cNvSpPr>
+          <p:nvPr>
+            <p:ph type="ftr" sz="quarter" idx="11"/>
+          </p:nvPr>
+        </p:nvSpPr>
+        <p:spPr/>
+        <p:txBody>
+          <a:bodyPr/>
+          <a:lstStyle/>
+          <a:p>
+            <a:r>
+              <a:rPr lang="en-US" smtClean="0"/>
+              <a:t>Bois Cédric - Master WIC</a:t>
+            </a:r>
+            <a:endParaRPr lang="en-US" dirty="0"/>
+          </a:p>
+        </p:txBody>
+      </p:sp>
+      <p:sp>
+        <p:nvSpPr>
+          <p:cNvPr id="7" name="Slide Number Placeholder 6"/>
+          <p:cNvSpPr>
+            <a:spLocks noGrp="1"/>
+          </p:cNvSpPr>
+          <p:nvPr>
+            <p:ph type="sldNum" sz="quarter" idx="12"/>
+          </p:nvPr>
+        </p:nvSpPr>
+        <p:spPr/>
+        <p:txBody>
+          <a:bodyPr/>
+          <a:lstStyle/>
+          <a:p>
+            <a:fld id="{D57F1E4F-1CFF-5643-939E-217C01CDF565}" type="slidenum">
+              <a:rPr lang="en-US" smtClean="0"/>
+              <a:pPr/>
+              <a:t>4</a:t>
+            </a:fld>
+            <a:endParaRPr lang="en-US" dirty="0"/>
+          </a:p>
+        </p:txBody>
+      </p:sp>
     </p:spTree>
     <p:extLst>
       <p:ext uri="{BB962C8B-B14F-4D97-AF65-F5344CB8AC3E}">
@@ -7008,6 +8487,21 @@
           <a:bodyPr/>
           <a:lstStyle/>
           <a:p>
+            <a:r>
+              <a:rPr lang="fr-FR" dirty="0" err="1"/>
+              <a:t>Stateless</a:t>
+            </a:r>
+            <a:r>
+              <a:rPr lang="fr-FR" dirty="0"/>
+              <a:t>, </a:t>
+            </a:r>
+            <a:r>
+              <a:rPr lang="fr-FR" dirty="0" err="1"/>
+              <a:t>stateful</a:t>
+            </a:r>
+            <a:endParaRPr lang="fr-FR" dirty="0"/>
+          </a:p>
+          <a:p>
             <a:endParaRPr lang="fr-FR" dirty="0"/>
           </a:p>
         </p:txBody>
@@ -7019,7 +8513,7 @@
           <p:nvPr/>
         </p:nvPicPr>
         <p:blipFill>
-          <a:blip r:embed="rId2" cstate="print"/>
+          <a:blip r:embed="rId3" cstate="print"/>
           <a:srcRect l="15318" t="15278" r="59029" b="76576"/>
           <a:stretch>
             <a:fillRect/>
@@ -7049,7 +8543,7 @@
           <p:nvPr/>
         </p:nvPicPr>
         <p:blipFill rotWithShape="1">
-          <a:blip r:embed="rId3" cstate="print"/>
+          <a:blip r:embed="rId4" cstate="print"/>
           <a:srcRect l="17486" t="15335" r="41645" b="32231"/>
           <a:stretch/>
         </p:blipFill>
@@ -7072,6 +8566,53 @@
           </a:extLst>
         </p:spPr>
       </p:pic>
+      <p:sp>
+        <p:nvSpPr>
+          <p:cNvPr id="6" name="Footer Placeholder 5"/>
+          <p:cNvSpPr>
+            <a:spLocks noGrp="1"/>
+          </p:cNvSpPr>
+          <p:nvPr>
+            <p:ph type="ftr" sz="quarter" idx="11"/>
+          </p:nvPr>
+        </p:nvSpPr>
+        <p:spPr/>
+        <p:txBody>
+          <a:bodyPr/>
+          <a:lstStyle/>
+          <a:p>
+            <a:r>
+              <a:rPr lang="en-US" smtClean="0"/>
+              <a:t>Bois Cédric - Master WIC</a:t>
+            </a:r>
+            <a:endParaRPr lang="en-US" dirty="0"/>
+          </a:p>
+        </p:txBody>
+      </p:sp>
+      <p:sp>
+        <p:nvSpPr>
+          <p:cNvPr id="7" name="Slide Number Placeholder 6"/>
+          <p:cNvSpPr>
+            <a:spLocks noGrp="1"/>
+          </p:cNvSpPr>
+          <p:nvPr>
+            <p:ph type="sldNum" sz="quarter" idx="12"/>
+          </p:nvPr>
+        </p:nvSpPr>
+        <p:spPr/>
+        <p:txBody>
+          <a:bodyPr/>
+          <a:lstStyle/>
+          <a:p>
+            <a:fld id="{D57F1E4F-1CFF-5643-939E-217C01CDF565}" type="slidenum">
+              <a:rPr lang="en-US" smtClean="0"/>
+              <a:pPr/>
+              <a:t>5</a:t>
+            </a:fld>
+            <a:endParaRPr lang="en-US" dirty="0"/>
+          </a:p>
+        </p:txBody>
+      </p:sp>
     </p:spTree>
     <p:extLst>
       <p:ext uri="{BB962C8B-B14F-4D97-AF65-F5344CB8AC3E}">
@@ -7082,6 +8623,13 @@
   <p:clrMapOvr>
     <a:masterClrMapping/>
   </p:clrMapOvr>
+  <p:timing>
+    <p:tnLst>
+      <p:par>
+        <p:cTn id="1" dur="indefinite" restart="never" nodeType="tmRoot"/>
+      </p:par>
+    </p:tnLst>
+  </p:timing>
 </p:sld>
 </file>
 
@@ -7174,6 +8722,77 @@
               <a:t>) =&gt;  traitement =&gt; </a:t>
             </a:r>
             <a:endParaRPr lang="fr-FR" dirty="0"/>
+          </a:p>
+        </p:txBody>
+      </p:sp>
+      <p:pic>
+        <p:nvPicPr>
+          <p:cNvPr id="4" name="Picture 3"/>
+          <p:cNvPicPr>
+            <a:picLocks noChangeAspect="1"/>
+          </p:cNvPicPr>
+          <p:nvPr/>
+        </p:nvPicPr>
+        <p:blipFill>
+          <a:blip r:embed="rId3"/>
+          <a:stretch>
+            <a:fillRect/>
+          </a:stretch>
+        </p:blipFill>
+        <p:spPr>
+          <a:xfrm>
+            <a:off x="6390968" y="2160590"/>
+            <a:ext cx="3113307" cy="365412"/>
+          </a:xfrm>
+          <a:prstGeom prst="rect">
+            <a:avLst/>
+          </a:prstGeom>
+        </p:spPr>
+      </p:pic>
+      <p:sp>
+        <p:nvSpPr>
+          <p:cNvPr id="7" name="Footer Placeholder 6"/>
+          <p:cNvSpPr>
+            <a:spLocks noGrp="1"/>
+          </p:cNvSpPr>
+          <p:nvPr>
+            <p:ph type="ftr" sz="quarter" idx="11"/>
+          </p:nvPr>
+        </p:nvSpPr>
+        <p:spPr/>
+        <p:txBody>
+          <a:bodyPr/>
+          <a:lstStyle/>
+          <a:p>
+            <a:r>
+              <a:rPr lang="en-US" smtClean="0"/>
+              <a:t>Bois Cédric - Master WIC</a:t>
+            </a:r>
+            <a:endParaRPr lang="en-US" dirty="0"/>
+          </a:p>
+        </p:txBody>
+      </p:sp>
+      <p:sp>
+        <p:nvSpPr>
+          <p:cNvPr id="8" name="Slide Number Placeholder 7"/>
+          <p:cNvSpPr>
+            <a:spLocks noGrp="1"/>
+          </p:cNvSpPr>
+          <p:nvPr>
+            <p:ph type="sldNum" sz="quarter" idx="12"/>
+          </p:nvPr>
+        </p:nvSpPr>
+        <p:spPr/>
+        <p:txBody>
+          <a:bodyPr/>
+          <a:lstStyle/>
+          <a:p>
+            <a:fld id="{D57F1E4F-1CFF-5643-939E-217C01CDF565}" type="slidenum">
+              <a:rPr lang="en-US" smtClean="0"/>
+              <a:pPr/>
+              <a:t>6</a:t>
+            </a:fld>
+            <a:endParaRPr lang="en-US" dirty="0"/>
           </a:p>
         </p:txBody>
       </p:sp>
@@ -7216,7 +8835,7 @@
       </p:grpSpPr>
       <p:sp>
         <p:nvSpPr>
-          <p:cNvPr id="2" name="Titre 1"/>
+          <p:cNvPr id="2" name="Title 1"/>
           <p:cNvSpPr>
             <a:spLocks noGrp="1"/>
           </p:cNvSpPr>
@@ -7229,13 +8848,21 @@
           <a:bodyPr/>
           <a:lstStyle/>
           <a:p>
-            <a:endParaRPr lang="fr-FR"/>
-          </a:p>
-        </p:txBody>
-      </p:sp>
-      <p:sp>
-        <p:nvSpPr>
-          <p:cNvPr id="3" name="Espace réservé du contenu 2"/>
+            <a:r>
+              <a:rPr lang="fr-FR" dirty="0" err="1" smtClean="0"/>
+              <a:t>withState</a:t>
+            </a:r>
+            <a:r>
+              <a:rPr lang="fr-FR" dirty="0" smtClean="0"/>
+              <a:t> : objectifs</a:t>
+            </a:r>
+            <a:endParaRPr lang="fr-FR" dirty="0"/>
+          </a:p>
+        </p:txBody>
+      </p:sp>
+      <p:sp>
+        <p:nvSpPr>
+          <p:cNvPr id="3" name="Content Placeholder 2"/>
           <p:cNvSpPr>
             <a:spLocks noGrp="1"/>
           </p:cNvSpPr>
@@ -7243,25 +8870,411 @@
             <p:ph idx="1"/>
           </p:nvPr>
         </p:nvSpPr>
-        <p:spPr/>
-        <p:txBody>
-          <a:bodyPr/>
-          <a:lstStyle/>
-          <a:p>
-            <a:endParaRPr lang="fr-FR"/>
+        <p:spPr>
+          <a:xfrm>
+            <a:off x="693702" y="1179347"/>
+            <a:ext cx="8596668" cy="4281388"/>
+          </a:xfrm>
+        </p:spPr>
+        <p:txBody>
+          <a:bodyPr/>
+          <a:lstStyle/>
+          <a:p>
+            <a:pPr lvl="0"/>
+            <a:r>
+              <a:rPr lang="fr-FR" sz="1600" dirty="0" smtClean="0"/>
+              <a:t>Déclaration d’un state avec un nombre de niveau non défini</a:t>
+            </a:r>
+          </a:p>
+          <a:p>
+            <a:pPr lvl="0"/>
+            <a:r>
+              <a:rPr lang="fr-FR" sz="1600" dirty="0" smtClean="0"/>
+              <a:t>Une action renvoie une valeur de mise à jour de son sous-state</a:t>
+            </a:r>
+          </a:p>
+          <a:p>
+            <a:pPr lvl="0"/>
+            <a:r>
+              <a:rPr lang="fr-FR" sz="1600" dirty="0" smtClean="0"/>
+              <a:t>Décoration d’un </a:t>
+            </a:r>
+            <a:r>
+              <a:rPr lang="fr-FR" sz="1600" dirty="0"/>
+              <a:t>composant </a:t>
+            </a:r>
+            <a:r>
+              <a:rPr lang="fr-FR" sz="1600" dirty="0" err="1" smtClean="0"/>
+              <a:t>stateful</a:t>
+            </a:r>
+            <a:r>
+              <a:rPr lang="fr-FR" sz="1600" dirty="0" smtClean="0"/>
+              <a:t> ou </a:t>
+            </a:r>
+            <a:r>
+              <a:rPr lang="fr-FR" sz="1600" dirty="0" err="1" smtClean="0"/>
+              <a:t>stateless</a:t>
+            </a:r>
+            <a:r>
+              <a:rPr lang="fr-FR" sz="1600" dirty="0"/>
+              <a:t>.</a:t>
+            </a:r>
+          </a:p>
+          <a:p>
+            <a:pPr lvl="0"/>
+            <a:r>
+              <a:rPr lang="fr-FR" sz="1600" dirty="0"/>
+              <a:t>Utiliser une fonction pour initialiser la valeur d’un sous-state</a:t>
+            </a:r>
+          </a:p>
+          <a:p>
+            <a:pPr lvl="0"/>
+            <a:r>
+              <a:rPr lang="fr-FR" sz="1600" dirty="0"/>
+              <a:t>Remettre la valeur d’un sous-state à sa valeur initiale</a:t>
+            </a:r>
+          </a:p>
+          <a:p>
+            <a:pPr lvl="0"/>
+            <a:r>
+              <a:rPr lang="fr-FR" sz="1600" dirty="0"/>
+              <a:t>Une action peut ne rien retourner</a:t>
+            </a:r>
+          </a:p>
+          <a:p>
+            <a:pPr lvl="0"/>
+            <a:r>
+              <a:rPr lang="fr-FR" sz="1600" dirty="0"/>
+              <a:t>L’initialisation d’une chaine de caractères vide doit pouvoir se faire en lui donnant pour valeur le nom de la fonction qui pourra la modifier grâce à un évènement</a:t>
+            </a:r>
+          </a:p>
+          <a:p>
+            <a:pPr lvl="0"/>
+            <a:r>
+              <a:rPr lang="fr-FR" sz="1600" dirty="0"/>
+              <a:t>Déclencher une erreur si plus d’une valeur </a:t>
+            </a:r>
+            <a:r>
+              <a:rPr lang="fr-FR" sz="1600" dirty="0" smtClean="0"/>
+              <a:t>est déclarée </a:t>
+            </a:r>
+            <a:r>
+              <a:rPr lang="fr-FR" sz="1600" dirty="0"/>
+              <a:t>dans un sous-state</a:t>
+            </a:r>
+          </a:p>
+          <a:p>
+            <a:endParaRPr lang="fr-FR" dirty="0"/>
+          </a:p>
+        </p:txBody>
+      </p:sp>
+      <p:grpSp>
+        <p:nvGrpSpPr>
+          <p:cNvPr id="30" name="Group 29"/>
+          <p:cNvGrpSpPr/>
+          <p:nvPr/>
+        </p:nvGrpSpPr>
+        <p:grpSpPr>
+          <a:xfrm>
+            <a:off x="1227663" y="4349992"/>
+            <a:ext cx="7513746" cy="1453594"/>
+            <a:chOff x="1237900" y="4509818"/>
+            <a:chExt cx="7513746" cy="1453594"/>
+          </a:xfrm>
+        </p:grpSpPr>
+        <p:pic>
+          <p:nvPicPr>
+            <p:cNvPr id="6" name="Picture 5"/>
+            <p:cNvPicPr>
+              <a:picLocks noChangeAspect="1"/>
+            </p:cNvPicPr>
+            <p:nvPr/>
+          </p:nvPicPr>
+          <p:blipFill rotWithShape="1">
+            <a:blip r:embed="rId3"/>
+            <a:srcRect l="1751" t="67336" r="74849" b="22041"/>
+            <a:stretch/>
+          </p:blipFill>
+          <p:spPr>
+            <a:xfrm>
+              <a:off x="1237900" y="4830514"/>
+              <a:ext cx="2143433" cy="838136"/>
+            </a:xfrm>
+            <a:prstGeom prst="rect">
+              <a:avLst/>
+            </a:prstGeom>
+          </p:spPr>
+        </p:pic>
+        <p:pic>
+          <p:nvPicPr>
+            <p:cNvPr id="7" name="Picture 6"/>
+            <p:cNvPicPr>
+              <a:picLocks noChangeAspect="1"/>
+            </p:cNvPicPr>
+            <p:nvPr/>
+          </p:nvPicPr>
+          <p:blipFill>
+            <a:blip r:embed="rId4"/>
+            <a:stretch>
+              <a:fillRect/>
+            </a:stretch>
+          </p:blipFill>
+          <p:spPr>
+            <a:xfrm>
+              <a:off x="5002273" y="4509818"/>
+              <a:ext cx="1073099" cy="320696"/>
+            </a:xfrm>
+            <a:prstGeom prst="rect">
+              <a:avLst/>
+            </a:prstGeom>
+          </p:spPr>
+        </p:pic>
+        <p:pic>
+          <p:nvPicPr>
+            <p:cNvPr id="8" name="Picture 7"/>
+            <p:cNvPicPr>
+              <a:picLocks noChangeAspect="1"/>
+            </p:cNvPicPr>
+            <p:nvPr/>
+          </p:nvPicPr>
+          <p:blipFill>
+            <a:blip r:embed="rId5"/>
+            <a:stretch>
+              <a:fillRect/>
+            </a:stretch>
+          </p:blipFill>
+          <p:spPr>
+            <a:xfrm>
+              <a:off x="5002273" y="5668650"/>
+              <a:ext cx="3749373" cy="294762"/>
+            </a:xfrm>
+            <a:prstGeom prst="rect">
+              <a:avLst/>
+            </a:prstGeom>
+          </p:spPr>
+        </p:pic>
+        <p:cxnSp>
+          <p:nvCxnSpPr>
+            <p:cNvPr id="10" name="Straight Arrow Connector 9"/>
+            <p:cNvCxnSpPr/>
+            <p:nvPr/>
+          </p:nvCxnSpPr>
+          <p:spPr>
+            <a:xfrm flipV="1">
+              <a:off x="3390201" y="4670166"/>
+              <a:ext cx="1603203" cy="174004"/>
+            </a:xfrm>
+            <a:prstGeom prst="straightConnector1">
+              <a:avLst/>
+            </a:prstGeom>
+            <a:ln>
+              <a:tailEnd type="triangle"/>
+            </a:ln>
+          </p:spPr>
+          <p:style>
+            <a:lnRef idx="1">
+              <a:schemeClr val="accent1"/>
+            </a:lnRef>
+            <a:fillRef idx="0">
+              <a:schemeClr val="accent1"/>
+            </a:fillRef>
+            <a:effectRef idx="0">
+              <a:schemeClr val="accent1"/>
+            </a:effectRef>
+            <a:fontRef idx="minor">
+              <a:schemeClr val="tx1"/>
+            </a:fontRef>
+          </p:style>
+        </p:cxnSp>
+        <p:cxnSp>
+          <p:nvCxnSpPr>
+            <p:cNvPr id="15" name="Straight Arrow Connector 14"/>
+            <p:cNvCxnSpPr>
+              <a:endCxn id="8" idx="1"/>
+            </p:cNvCxnSpPr>
+            <p:nvPr/>
+          </p:nvCxnSpPr>
+          <p:spPr>
+            <a:xfrm>
+              <a:off x="3381333" y="5668650"/>
+              <a:ext cx="1620940" cy="147381"/>
+            </a:xfrm>
+            <a:prstGeom prst="straightConnector1">
+              <a:avLst/>
+            </a:prstGeom>
+            <a:ln>
+              <a:tailEnd type="triangle"/>
+            </a:ln>
+          </p:spPr>
+          <p:style>
+            <a:lnRef idx="1">
+              <a:schemeClr val="accent1"/>
+            </a:lnRef>
+            <a:fillRef idx="0">
+              <a:schemeClr val="accent1"/>
+            </a:fillRef>
+            <a:effectRef idx="0">
+              <a:schemeClr val="accent1"/>
+            </a:effectRef>
+            <a:fontRef idx="minor">
+              <a:schemeClr val="tx1"/>
+            </a:fontRef>
+          </p:style>
+        </p:cxnSp>
+        <p:sp>
+          <p:nvSpPr>
+            <p:cNvPr id="16" name="TextBox 15"/>
+            <p:cNvSpPr txBox="1"/>
+            <p:nvPr/>
+          </p:nvSpPr>
+          <p:spPr>
+            <a:xfrm>
+              <a:off x="3798512" y="4572502"/>
+              <a:ext cx="776749" cy="369332"/>
+            </a:xfrm>
+            <a:prstGeom prst="rect">
+              <a:avLst/>
+            </a:prstGeom>
+            <a:noFill/>
+          </p:spPr>
+          <p:txBody>
+            <a:bodyPr wrap="square" rtlCol="0">
+              <a:spAutoFit/>
+            </a:bodyPr>
+            <a:lstStyle/>
+            <a:p>
+              <a:r>
+                <a:rPr lang="fr-FR" dirty="0" smtClean="0"/>
+                <a:t>state</a:t>
+              </a:r>
+              <a:endParaRPr lang="fr-FR" dirty="0"/>
+            </a:p>
+          </p:txBody>
+        </p:sp>
+        <p:sp>
+          <p:nvSpPr>
+            <p:cNvPr id="17" name="TextBox 16"/>
+            <p:cNvSpPr txBox="1"/>
+            <p:nvPr/>
+          </p:nvSpPr>
+          <p:spPr>
+            <a:xfrm>
+              <a:off x="3798512" y="5502108"/>
+              <a:ext cx="786581" cy="369332"/>
+            </a:xfrm>
+            <a:prstGeom prst="rect">
+              <a:avLst/>
+            </a:prstGeom>
+            <a:noFill/>
+          </p:spPr>
+          <p:txBody>
+            <a:bodyPr wrap="square" rtlCol="0">
+              <a:spAutoFit/>
+            </a:bodyPr>
+            <a:lstStyle/>
+            <a:p>
+              <a:r>
+                <a:rPr lang="fr-FR" dirty="0" err="1" smtClean="0"/>
+                <a:t>props</a:t>
+              </a:r>
+              <a:endParaRPr lang="fr-FR" dirty="0"/>
+            </a:p>
+          </p:txBody>
+        </p:sp>
+      </p:grpSp>
+      <p:pic>
+        <p:nvPicPr>
+          <p:cNvPr id="20" name="Picture 19"/>
+          <p:cNvPicPr>
+            <a:picLocks noChangeAspect="1"/>
+          </p:cNvPicPr>
+          <p:nvPr/>
+        </p:nvPicPr>
+        <p:blipFill>
+          <a:blip r:embed="rId6"/>
+          <a:stretch>
+            <a:fillRect/>
+          </a:stretch>
+        </p:blipFill>
+        <p:spPr>
+          <a:xfrm>
+            <a:off x="6983814" y="781794"/>
+            <a:ext cx="4133850" cy="2628900"/>
+          </a:xfrm>
+          <a:prstGeom prst="rect">
+            <a:avLst/>
+          </a:prstGeom>
+        </p:spPr>
+      </p:pic>
+      <p:sp>
+        <p:nvSpPr>
+          <p:cNvPr id="21" name="Footer Placeholder 20"/>
+          <p:cNvSpPr>
+            <a:spLocks noGrp="1"/>
+          </p:cNvSpPr>
+          <p:nvPr>
+            <p:ph type="ftr" sz="quarter" idx="11"/>
+          </p:nvPr>
+        </p:nvSpPr>
+        <p:spPr>
+          <a:xfrm>
+            <a:off x="686202" y="5438461"/>
+            <a:ext cx="6297612" cy="365125"/>
+          </a:xfrm>
+        </p:spPr>
+        <p:txBody>
+          <a:bodyPr/>
+          <a:lstStyle/>
+          <a:p>
+            <a:r>
+              <a:rPr lang="en-US" smtClean="0"/>
+              <a:t>Bois Cédric - Master WIC</a:t>
+            </a:r>
+            <a:endParaRPr lang="en-US" dirty="0"/>
+          </a:p>
+        </p:txBody>
+      </p:sp>
+      <p:sp>
+        <p:nvSpPr>
+          <p:cNvPr id="22" name="Slide Number Placeholder 21"/>
+          <p:cNvSpPr>
+            <a:spLocks noGrp="1"/>
+          </p:cNvSpPr>
+          <p:nvPr>
+            <p:ph type="sldNum" sz="quarter" idx="12"/>
+          </p:nvPr>
+        </p:nvSpPr>
+        <p:spPr/>
+        <p:txBody>
+          <a:bodyPr/>
+          <a:lstStyle/>
+          <a:p>
+            <a:fld id="{D57F1E4F-1CFF-5643-939E-217C01CDF565}" type="slidenum">
+              <a:rPr lang="en-US" smtClean="0"/>
+              <a:pPr/>
+              <a:t>7</a:t>
+            </a:fld>
+            <a:endParaRPr lang="en-US" dirty="0"/>
           </a:p>
         </p:txBody>
       </p:sp>
     </p:spTree>
     <p:extLst>
       <p:ext uri="{BB962C8B-B14F-4D97-AF65-F5344CB8AC3E}">
-        <p14:creationId xmlns:p14="http://schemas.microsoft.com/office/powerpoint/2010/main" val="3553190663"/>
+        <p14:creationId xmlns:p14="http://schemas.microsoft.com/office/powerpoint/2010/main" val="2798793777"/>
       </p:ext>
     </p:extLst>
   </p:cSld>
   <p:clrMapOvr>
     <a:masterClrMapping/>
   </p:clrMapOvr>
+  <p:timing>
+    <p:tnLst>
+      <p:par>
+        <p:cTn id="1" dur="indefinite" restart="never" nodeType="tmRoot"/>
+      </p:par>
+    </p:tnLst>
+  </p:timing>
 </p:sld>
 </file>
 
@@ -7299,11 +9312,11 @@
           <a:p>
             <a:r>
               <a:rPr lang="fr-FR" dirty="0" err="1" smtClean="0"/>
-              <a:t>Xen</a:t>
+              <a:t>withState</a:t>
             </a:r>
             <a:r>
               <a:rPr lang="fr-FR" dirty="0" smtClean="0"/>
-              <a:t> Orchestra</a:t>
+              <a:t> : Conception </a:t>
             </a:r>
             <a:endParaRPr lang="fr-FR" dirty="0"/>
           </a:p>
@@ -7324,14 +9337,320 @@
           <a:bodyPr/>
           <a:lstStyle/>
           <a:p>
-            <a:endParaRPr lang="fr-FR"/>
+            <a:endParaRPr lang="fr-FR" dirty="0"/>
+          </a:p>
+        </p:txBody>
+      </p:sp>
+      <p:pic>
+        <p:nvPicPr>
+          <p:cNvPr id="7" name="Picture 6"/>
+          <p:cNvPicPr>
+            <a:picLocks noChangeAspect="1"/>
+          </p:cNvPicPr>
+          <p:nvPr/>
+        </p:nvPicPr>
+        <p:blipFill>
+          <a:blip r:embed="rId3"/>
+          <a:stretch>
+            <a:fillRect/>
+          </a:stretch>
+        </p:blipFill>
+        <p:spPr>
+          <a:xfrm>
+            <a:off x="5068601" y="3511807"/>
+            <a:ext cx="3470242" cy="1982995"/>
+          </a:xfrm>
+          <a:prstGeom prst="rect">
+            <a:avLst/>
+          </a:prstGeom>
+        </p:spPr>
+      </p:pic>
+      <p:pic>
+        <p:nvPicPr>
+          <p:cNvPr id="9" name="Picture 8"/>
+          <p:cNvPicPr>
+            <a:picLocks noChangeAspect="1"/>
+          </p:cNvPicPr>
+          <p:nvPr/>
+        </p:nvPicPr>
+        <p:blipFill>
+          <a:blip r:embed="rId4"/>
+          <a:stretch>
+            <a:fillRect/>
+          </a:stretch>
+        </p:blipFill>
+        <p:spPr>
+          <a:xfrm>
+            <a:off x="84405" y="2009671"/>
+            <a:ext cx="4891263" cy="4212818"/>
+          </a:xfrm>
+          <a:prstGeom prst="rect">
+            <a:avLst/>
+          </a:prstGeom>
+        </p:spPr>
+      </p:pic>
+      <p:pic>
+        <p:nvPicPr>
+          <p:cNvPr id="11" name="Picture 10"/>
+          <p:cNvPicPr>
+            <a:picLocks noChangeAspect="1"/>
+          </p:cNvPicPr>
+          <p:nvPr/>
+        </p:nvPicPr>
+        <p:blipFill>
+          <a:blip r:embed="rId5"/>
+          <a:stretch>
+            <a:fillRect/>
+          </a:stretch>
+        </p:blipFill>
+        <p:spPr>
+          <a:xfrm>
+            <a:off x="8631777" y="1769806"/>
+            <a:ext cx="3438179" cy="4003728"/>
+          </a:xfrm>
+          <a:prstGeom prst="rect">
+            <a:avLst/>
+          </a:prstGeom>
+        </p:spPr>
+      </p:pic>
+      <p:sp>
+        <p:nvSpPr>
+          <p:cNvPr id="12" name="Footer Placeholder 11"/>
+          <p:cNvSpPr>
+            <a:spLocks noGrp="1"/>
+          </p:cNvSpPr>
+          <p:nvPr>
+            <p:ph type="ftr" sz="quarter" idx="11"/>
+          </p:nvPr>
+        </p:nvSpPr>
+        <p:spPr/>
+        <p:txBody>
+          <a:bodyPr/>
+          <a:lstStyle/>
+          <a:p>
+            <a:r>
+              <a:rPr lang="en-US" smtClean="0"/>
+              <a:t>Bois Cédric - Master WIC</a:t>
+            </a:r>
+            <a:endParaRPr lang="en-US" dirty="0"/>
+          </a:p>
+        </p:txBody>
+      </p:sp>
+      <p:sp>
+        <p:nvSpPr>
+          <p:cNvPr id="13" name="Slide Number Placeholder 12"/>
+          <p:cNvSpPr>
+            <a:spLocks noGrp="1"/>
+          </p:cNvSpPr>
+          <p:nvPr>
+            <p:ph type="sldNum" sz="quarter" idx="12"/>
+          </p:nvPr>
+        </p:nvSpPr>
+        <p:spPr/>
+        <p:txBody>
+          <a:bodyPr/>
+          <a:lstStyle/>
+          <a:p>
+            <a:fld id="{D57F1E4F-1CFF-5643-939E-217C01CDF565}" type="slidenum">
+              <a:rPr lang="en-US" smtClean="0"/>
+              <a:pPr/>
+              <a:t>8</a:t>
+            </a:fld>
+            <a:endParaRPr lang="en-US" dirty="0"/>
           </a:p>
         </p:txBody>
       </p:sp>
     </p:spTree>
     <p:extLst>
       <p:ext uri="{BB962C8B-B14F-4D97-AF65-F5344CB8AC3E}">
-        <p14:creationId xmlns:p14="http://schemas.microsoft.com/office/powerpoint/2010/main" val="723456919"/>
+        <p14:creationId xmlns:p14="http://schemas.microsoft.com/office/powerpoint/2010/main" val="3536174779"/>
+      </p:ext>
+    </p:extLst>
+  </p:cSld>
+  <p:clrMapOvr>
+    <a:masterClrMapping/>
+  </p:clrMapOvr>
+  <p:timing>
+    <p:tnLst>
+      <p:par>
+        <p:cTn id="1" dur="indefinite" restart="never" nodeType="tmRoot"/>
+      </p:par>
+    </p:tnLst>
+  </p:timing>
+</p:sld>
+</file>
+
+<file path=ppt/slides/slide9.xml><?xml version="1.0" encoding="utf-8"?>
+<p:sld xmlns:a="http://schemas.openxmlformats.org/drawingml/2006/main" xmlns:r="http://schemas.openxmlformats.org/officeDocument/2006/relationships" xmlns:p="http://schemas.openxmlformats.org/presentationml/2006/main">
+  <p:cSld>
+    <p:spTree>
+      <p:nvGrpSpPr>
+        <p:cNvPr id="1" name=""/>
+        <p:cNvGrpSpPr/>
+        <p:nvPr/>
+      </p:nvGrpSpPr>
+      <p:grpSpPr>
+        <a:xfrm>
+          <a:off x="0" y="0"/>
+          <a:ext cx="0" cy="0"/>
+          <a:chOff x="0" y="0"/>
+          <a:chExt cx="0" cy="0"/>
+        </a:xfrm>
+      </p:grpSpPr>
+      <p:sp>
+        <p:nvSpPr>
+          <p:cNvPr id="2" name="Title 1"/>
+          <p:cNvSpPr>
+            <a:spLocks noGrp="1"/>
+          </p:cNvSpPr>
+          <p:nvPr>
+            <p:ph type="title"/>
+          </p:nvPr>
+        </p:nvSpPr>
+        <p:spPr/>
+        <p:txBody>
+          <a:bodyPr/>
+          <a:lstStyle/>
+          <a:p>
+            <a:r>
+              <a:rPr lang="fr-FR" dirty="0" err="1" smtClean="0"/>
+              <a:t>withState</a:t>
+            </a:r>
+            <a:r>
+              <a:rPr lang="fr-FR" dirty="0" smtClean="0"/>
+              <a:t> : développement</a:t>
+            </a:r>
+            <a:endParaRPr lang="fr-FR" dirty="0"/>
+          </a:p>
+        </p:txBody>
+      </p:sp>
+      <p:sp>
+        <p:nvSpPr>
+          <p:cNvPr id="3" name="Content Placeholder 2"/>
+          <p:cNvSpPr>
+            <a:spLocks noGrp="1"/>
+          </p:cNvSpPr>
+          <p:nvPr>
+            <p:ph idx="1"/>
+          </p:nvPr>
+        </p:nvSpPr>
+        <p:spPr>
+          <a:xfrm>
+            <a:off x="667286" y="2160589"/>
+            <a:ext cx="8596668" cy="3880773"/>
+          </a:xfrm>
+        </p:spPr>
+        <p:txBody>
+          <a:bodyPr/>
+          <a:lstStyle/>
+          <a:p>
+            <a:r>
+              <a:rPr lang="fr-FR" dirty="0" smtClean="0"/>
+              <a:t>Structure :</a:t>
+            </a:r>
+            <a:endParaRPr lang="fr-FR" dirty="0"/>
+          </a:p>
+        </p:txBody>
+      </p:sp>
+      <p:pic>
+        <p:nvPicPr>
+          <p:cNvPr id="5" name="Picture 4"/>
+          <p:cNvPicPr>
+            <a:picLocks noChangeAspect="1"/>
+          </p:cNvPicPr>
+          <p:nvPr/>
+        </p:nvPicPr>
+        <p:blipFill>
+          <a:blip r:embed="rId2"/>
+          <a:stretch>
+            <a:fillRect/>
+          </a:stretch>
+        </p:blipFill>
+        <p:spPr>
+          <a:xfrm>
+            <a:off x="1510666" y="3940412"/>
+            <a:ext cx="2735980" cy="321125"/>
+          </a:xfrm>
+          <a:prstGeom prst="rect">
+            <a:avLst/>
+          </a:prstGeom>
+        </p:spPr>
+      </p:pic>
+      <p:pic>
+        <p:nvPicPr>
+          <p:cNvPr id="8" name="Picture 7"/>
+          <p:cNvPicPr>
+            <a:picLocks noChangeAspect="1"/>
+          </p:cNvPicPr>
+          <p:nvPr/>
+        </p:nvPicPr>
+        <p:blipFill>
+          <a:blip r:embed="rId3"/>
+          <a:stretch>
+            <a:fillRect/>
+          </a:stretch>
+        </p:blipFill>
+        <p:spPr>
+          <a:xfrm>
+            <a:off x="5206304" y="2160589"/>
+            <a:ext cx="4057650" cy="3067050"/>
+          </a:xfrm>
+          <a:prstGeom prst="rect">
+            <a:avLst/>
+          </a:prstGeom>
+        </p:spPr>
+      </p:pic>
+      <p:sp>
+        <p:nvSpPr>
+          <p:cNvPr id="9" name="Footer Placeholder 8"/>
+          <p:cNvSpPr>
+            <a:spLocks noGrp="1"/>
+          </p:cNvSpPr>
+          <p:nvPr>
+            <p:ph type="ftr" sz="quarter" idx="11"/>
+          </p:nvPr>
+        </p:nvSpPr>
+        <p:spPr/>
+        <p:txBody>
+          <a:bodyPr/>
+          <a:lstStyle/>
+          <a:p>
+            <a:r>
+              <a:rPr lang="en-US" smtClean="0"/>
+              <a:t>Bois Cédric - Master WIC</a:t>
+            </a:r>
+            <a:endParaRPr lang="en-US" dirty="0"/>
+          </a:p>
+        </p:txBody>
+      </p:sp>
+      <p:sp>
+        <p:nvSpPr>
+          <p:cNvPr id="10" name="Slide Number Placeholder 9"/>
+          <p:cNvSpPr>
+            <a:spLocks noGrp="1"/>
+          </p:cNvSpPr>
+          <p:nvPr>
+            <p:ph type="sldNum" sz="quarter" idx="12"/>
+          </p:nvPr>
+        </p:nvSpPr>
+        <p:spPr/>
+        <p:txBody>
+          <a:bodyPr/>
+          <a:lstStyle/>
+          <a:p>
+            <a:fld id="{D57F1E4F-1CFF-5643-939E-217C01CDF565}" type="slidenum">
+              <a:rPr lang="en-US" smtClean="0"/>
+              <a:pPr/>
+              <a:t>9</a:t>
+            </a:fld>
+            <a:endParaRPr lang="en-US" dirty="0"/>
+          </a:p>
+        </p:txBody>
+      </p:sp>
+    </p:spTree>
+    <p:extLst>
+      <p:ext uri="{BB962C8B-B14F-4D97-AF65-F5344CB8AC3E}">
+        <p14:creationId xmlns:p14="http://schemas.microsoft.com/office/powerpoint/2010/main" val="3241992925"/>
       </p:ext>
     </p:extLst>
   </p:cSld>

--- a/soutenance.pptx
+++ b/soutenance.pptx
@@ -5,22 +5,40 @@
     <p:sldMasterId id="2147483648" r:id="rId1"/>
   </p:sldMasterIdLst>
   <p:notesMasterIdLst>
-    <p:notesMasterId r:id="rId15"/>
+    <p:notesMasterId r:id="rId33"/>
   </p:notesMasterIdLst>
   <p:sldIdLst>
     <p:sldId id="256" r:id="rId2"/>
     <p:sldId id="257" r:id="rId3"/>
     <p:sldId id="261" r:id="rId4"/>
-    <p:sldId id="258" r:id="rId5"/>
-    <p:sldId id="262" r:id="rId6"/>
-    <p:sldId id="259" r:id="rId7"/>
-    <p:sldId id="265" r:id="rId8"/>
-    <p:sldId id="264" r:id="rId9"/>
-    <p:sldId id="266" r:id="rId10"/>
-    <p:sldId id="263" r:id="rId11"/>
-    <p:sldId id="260" r:id="rId12"/>
-    <p:sldId id="268" r:id="rId13"/>
-    <p:sldId id="267" r:id="rId14"/>
+    <p:sldId id="284" r:id="rId5"/>
+    <p:sldId id="258" r:id="rId6"/>
+    <p:sldId id="274" r:id="rId7"/>
+    <p:sldId id="262" r:id="rId8"/>
+    <p:sldId id="285" r:id="rId9"/>
+    <p:sldId id="276" r:id="rId10"/>
+    <p:sldId id="259" r:id="rId11"/>
+    <p:sldId id="265" r:id="rId12"/>
+    <p:sldId id="264" r:id="rId13"/>
+    <p:sldId id="266" r:id="rId14"/>
+    <p:sldId id="263" r:id="rId15"/>
+    <p:sldId id="277" r:id="rId16"/>
+    <p:sldId id="260" r:id="rId17"/>
+    <p:sldId id="268" r:id="rId18"/>
+    <p:sldId id="269" r:id="rId19"/>
+    <p:sldId id="267" r:id="rId20"/>
+    <p:sldId id="270" r:id="rId21"/>
+    <p:sldId id="271" r:id="rId22"/>
+    <p:sldId id="272" r:id="rId23"/>
+    <p:sldId id="273" r:id="rId24"/>
+    <p:sldId id="275" r:id="rId25"/>
+    <p:sldId id="279" r:id="rId26"/>
+    <p:sldId id="278" r:id="rId27"/>
+    <p:sldId id="280" r:id="rId28"/>
+    <p:sldId id="281" r:id="rId29"/>
+    <p:sldId id="282" r:id="rId30"/>
+    <p:sldId id="286" r:id="rId31"/>
+    <p:sldId id="283" r:id="rId32"/>
   </p:sldIdLst>
   <p:sldSz cx="12192000" cy="6858000"/>
   <p:notesSz cx="6858000" cy="9144000"/>
@@ -221,7 +239,7 @@
           <a:p>
             <a:fld id="{5D34D365-D982-41DC-9561-B9E5C6EC0DFB}" type="datetimeFigureOut">
               <a:rPr lang="fr-FR" smtClean="0"/>
-              <a:t>28/06/2017</a:t>
+              <a:t>30/06/2017</a:t>
             </a:fld>
             <a:endParaRPr lang="fr-FR"/>
           </a:p>
@@ -632,6 +650,452 @@
 </p:notes>
 </file>
 
+<file path=ppt/notesSlides/notesSlide10.xml><?xml version="1.0" encoding="utf-8"?>
+<p:notes xmlns:a="http://schemas.openxmlformats.org/drawingml/2006/main" xmlns:r="http://schemas.openxmlformats.org/officeDocument/2006/relationships" xmlns:p="http://schemas.openxmlformats.org/presentationml/2006/main">
+  <p:cSld>
+    <p:spTree>
+      <p:nvGrpSpPr>
+        <p:cNvPr id="1" name=""/>
+        <p:cNvGrpSpPr/>
+        <p:nvPr/>
+      </p:nvGrpSpPr>
+      <p:grpSpPr>
+        <a:xfrm>
+          <a:off x="0" y="0"/>
+          <a:ext cx="0" cy="0"/>
+          <a:chOff x="0" y="0"/>
+          <a:chExt cx="0" cy="0"/>
+        </a:xfrm>
+      </p:grpSpPr>
+      <p:sp>
+        <p:nvSpPr>
+          <p:cNvPr id="2" name="Slide Image Placeholder 1"/>
+          <p:cNvSpPr>
+            <a:spLocks noGrp="1" noRot="1" noChangeAspect="1"/>
+          </p:cNvSpPr>
+          <p:nvPr>
+            <p:ph type="sldImg"/>
+          </p:nvPr>
+        </p:nvSpPr>
+        <p:spPr/>
+      </p:sp>
+      <p:sp>
+        <p:nvSpPr>
+          <p:cNvPr id="3" name="Notes Placeholder 2"/>
+          <p:cNvSpPr>
+            <a:spLocks noGrp="1"/>
+          </p:cNvSpPr>
+          <p:nvPr>
+            <p:ph type="body" idx="1"/>
+          </p:nvPr>
+        </p:nvSpPr>
+        <p:spPr/>
+        <p:txBody>
+          <a:bodyPr/>
+          <a:lstStyle/>
+          <a:p>
+            <a:endParaRPr lang="fr-FR" dirty="0"/>
+          </a:p>
+        </p:txBody>
+      </p:sp>
+      <p:sp>
+        <p:nvSpPr>
+          <p:cNvPr id="4" name="Slide Number Placeholder 3"/>
+          <p:cNvSpPr>
+            <a:spLocks noGrp="1"/>
+          </p:cNvSpPr>
+          <p:nvPr>
+            <p:ph type="sldNum" sz="quarter" idx="10"/>
+          </p:nvPr>
+        </p:nvSpPr>
+        <p:spPr/>
+        <p:txBody>
+          <a:bodyPr/>
+          <a:lstStyle/>
+          <a:p>
+            <a:fld id="{0657CA3B-C571-4D70-8712-24BEC4CFA193}" type="slidenum">
+              <a:rPr lang="fr-FR" smtClean="0"/>
+              <a:t>19</a:t>
+            </a:fld>
+            <a:endParaRPr lang="fr-FR"/>
+          </a:p>
+        </p:txBody>
+      </p:sp>
+    </p:spTree>
+    <p:extLst>
+      <p:ext uri="{BB962C8B-B14F-4D97-AF65-F5344CB8AC3E}">
+        <p14:creationId xmlns:p14="http://schemas.microsoft.com/office/powerpoint/2010/main" val="989573693"/>
+      </p:ext>
+    </p:extLst>
+  </p:cSld>
+  <p:clrMapOvr>
+    <a:masterClrMapping/>
+  </p:clrMapOvr>
+</p:notes>
+</file>
+
+<file path=ppt/notesSlides/notesSlide11.xml><?xml version="1.0" encoding="utf-8"?>
+<p:notes xmlns:a="http://schemas.openxmlformats.org/drawingml/2006/main" xmlns:r="http://schemas.openxmlformats.org/officeDocument/2006/relationships" xmlns:p="http://schemas.openxmlformats.org/presentationml/2006/main">
+  <p:cSld>
+    <p:spTree>
+      <p:nvGrpSpPr>
+        <p:cNvPr id="1" name=""/>
+        <p:cNvGrpSpPr/>
+        <p:nvPr/>
+      </p:nvGrpSpPr>
+      <p:grpSpPr>
+        <a:xfrm>
+          <a:off x="0" y="0"/>
+          <a:ext cx="0" cy="0"/>
+          <a:chOff x="0" y="0"/>
+          <a:chExt cx="0" cy="0"/>
+        </a:xfrm>
+      </p:grpSpPr>
+      <p:sp>
+        <p:nvSpPr>
+          <p:cNvPr id="2" name="Slide Image Placeholder 1"/>
+          <p:cNvSpPr>
+            <a:spLocks noGrp="1" noRot="1" noChangeAspect="1"/>
+          </p:cNvSpPr>
+          <p:nvPr>
+            <p:ph type="sldImg"/>
+          </p:nvPr>
+        </p:nvSpPr>
+        <p:spPr/>
+      </p:sp>
+      <p:sp>
+        <p:nvSpPr>
+          <p:cNvPr id="3" name="Notes Placeholder 2"/>
+          <p:cNvSpPr>
+            <a:spLocks noGrp="1"/>
+          </p:cNvSpPr>
+          <p:nvPr>
+            <p:ph type="body" idx="1"/>
+          </p:nvPr>
+        </p:nvSpPr>
+        <p:spPr/>
+        <p:txBody>
+          <a:bodyPr/>
+          <a:lstStyle/>
+          <a:p>
+            <a:r>
+              <a:rPr lang="fr-FR" b="1" dirty="0" smtClean="0"/>
+              <a:t>SCREENSHOT</a:t>
+            </a:r>
+            <a:r>
+              <a:rPr lang="fr-FR" b="1" baseline="0" dirty="0" smtClean="0"/>
+              <a:t> MENU</a:t>
+            </a:r>
+            <a:endParaRPr lang="fr-FR" b="1" dirty="0"/>
+          </a:p>
+        </p:txBody>
+      </p:sp>
+      <p:sp>
+        <p:nvSpPr>
+          <p:cNvPr id="4" name="Slide Number Placeholder 3"/>
+          <p:cNvSpPr>
+            <a:spLocks noGrp="1"/>
+          </p:cNvSpPr>
+          <p:nvPr>
+            <p:ph type="sldNum" sz="quarter" idx="10"/>
+          </p:nvPr>
+        </p:nvSpPr>
+        <p:spPr/>
+        <p:txBody>
+          <a:bodyPr/>
+          <a:lstStyle/>
+          <a:p>
+            <a:fld id="{0657CA3B-C571-4D70-8712-24BEC4CFA193}" type="slidenum">
+              <a:rPr lang="fr-FR" smtClean="0"/>
+              <a:t>21</a:t>
+            </a:fld>
+            <a:endParaRPr lang="fr-FR"/>
+          </a:p>
+        </p:txBody>
+      </p:sp>
+    </p:spTree>
+    <p:extLst>
+      <p:ext uri="{BB962C8B-B14F-4D97-AF65-F5344CB8AC3E}">
+        <p14:creationId xmlns:p14="http://schemas.microsoft.com/office/powerpoint/2010/main" val="517459192"/>
+      </p:ext>
+    </p:extLst>
+  </p:cSld>
+  <p:clrMapOvr>
+    <a:masterClrMapping/>
+  </p:clrMapOvr>
+</p:notes>
+</file>
+
+<file path=ppt/notesSlides/notesSlide12.xml><?xml version="1.0" encoding="utf-8"?>
+<p:notes xmlns:a="http://schemas.openxmlformats.org/drawingml/2006/main" xmlns:r="http://schemas.openxmlformats.org/officeDocument/2006/relationships" xmlns:p="http://schemas.openxmlformats.org/presentationml/2006/main">
+  <p:cSld>
+    <p:spTree>
+      <p:nvGrpSpPr>
+        <p:cNvPr id="1" name=""/>
+        <p:cNvGrpSpPr/>
+        <p:nvPr/>
+      </p:nvGrpSpPr>
+      <p:grpSpPr>
+        <a:xfrm>
+          <a:off x="0" y="0"/>
+          <a:ext cx="0" cy="0"/>
+          <a:chOff x="0" y="0"/>
+          <a:chExt cx="0" cy="0"/>
+        </a:xfrm>
+      </p:grpSpPr>
+      <p:sp>
+        <p:nvSpPr>
+          <p:cNvPr id="2" name="Slide Image Placeholder 1"/>
+          <p:cNvSpPr>
+            <a:spLocks noGrp="1" noRot="1" noChangeAspect="1"/>
+          </p:cNvSpPr>
+          <p:nvPr>
+            <p:ph type="sldImg"/>
+          </p:nvPr>
+        </p:nvSpPr>
+        <p:spPr/>
+      </p:sp>
+      <p:sp>
+        <p:nvSpPr>
+          <p:cNvPr id="3" name="Notes Placeholder 2"/>
+          <p:cNvSpPr>
+            <a:spLocks noGrp="1"/>
+          </p:cNvSpPr>
+          <p:nvPr>
+            <p:ph type="body" idx="1"/>
+          </p:nvPr>
+        </p:nvSpPr>
+        <p:spPr/>
+        <p:txBody>
+          <a:bodyPr/>
+          <a:lstStyle/>
+          <a:p>
+            <a:r>
+              <a:rPr lang="fr-FR" dirty="0" smtClean="0"/>
+              <a:t>Tableau items</a:t>
+            </a:r>
+          </a:p>
+          <a:p>
+            <a:r>
+              <a:rPr lang="fr-FR" dirty="0" smtClean="0"/>
+              <a:t>Appliance : appareil</a:t>
+            </a:r>
+            <a:endParaRPr lang="fr-FR" dirty="0"/>
+          </a:p>
+        </p:txBody>
+      </p:sp>
+      <p:sp>
+        <p:nvSpPr>
+          <p:cNvPr id="4" name="Slide Number Placeholder 3"/>
+          <p:cNvSpPr>
+            <a:spLocks noGrp="1"/>
+          </p:cNvSpPr>
+          <p:nvPr>
+            <p:ph type="sldNum" sz="quarter" idx="10"/>
+          </p:nvPr>
+        </p:nvSpPr>
+        <p:spPr/>
+        <p:txBody>
+          <a:bodyPr/>
+          <a:lstStyle/>
+          <a:p>
+            <a:fld id="{0657CA3B-C571-4D70-8712-24BEC4CFA193}" type="slidenum">
+              <a:rPr lang="fr-FR" smtClean="0"/>
+              <a:t>22</a:t>
+            </a:fld>
+            <a:endParaRPr lang="fr-FR"/>
+          </a:p>
+        </p:txBody>
+      </p:sp>
+    </p:spTree>
+    <p:extLst>
+      <p:ext uri="{BB962C8B-B14F-4D97-AF65-F5344CB8AC3E}">
+        <p14:creationId xmlns:p14="http://schemas.microsoft.com/office/powerpoint/2010/main" val="3048969377"/>
+      </p:ext>
+    </p:extLst>
+  </p:cSld>
+  <p:clrMapOvr>
+    <a:masterClrMapping/>
+  </p:clrMapOvr>
+</p:notes>
+</file>
+
+<file path=ppt/notesSlides/notesSlide13.xml><?xml version="1.0" encoding="utf-8"?>
+<p:notes xmlns:a="http://schemas.openxmlformats.org/drawingml/2006/main" xmlns:r="http://schemas.openxmlformats.org/officeDocument/2006/relationships" xmlns:p="http://schemas.openxmlformats.org/presentationml/2006/main">
+  <p:cSld>
+    <p:spTree>
+      <p:nvGrpSpPr>
+        <p:cNvPr id="1" name=""/>
+        <p:cNvGrpSpPr/>
+        <p:nvPr/>
+      </p:nvGrpSpPr>
+      <p:grpSpPr>
+        <a:xfrm>
+          <a:off x="0" y="0"/>
+          <a:ext cx="0" cy="0"/>
+          <a:chOff x="0" y="0"/>
+          <a:chExt cx="0" cy="0"/>
+        </a:xfrm>
+      </p:grpSpPr>
+      <p:sp>
+        <p:nvSpPr>
+          <p:cNvPr id="2" name="Slide Image Placeholder 1"/>
+          <p:cNvSpPr>
+            <a:spLocks noGrp="1" noRot="1" noChangeAspect="1"/>
+          </p:cNvSpPr>
+          <p:nvPr>
+            <p:ph type="sldImg"/>
+          </p:nvPr>
+        </p:nvSpPr>
+        <p:spPr/>
+      </p:sp>
+      <p:sp>
+        <p:nvSpPr>
+          <p:cNvPr id="3" name="Notes Placeholder 2"/>
+          <p:cNvSpPr>
+            <a:spLocks noGrp="1"/>
+          </p:cNvSpPr>
+          <p:nvPr>
+            <p:ph type="body" idx="1"/>
+          </p:nvPr>
+        </p:nvSpPr>
+        <p:spPr/>
+        <p:txBody>
+          <a:bodyPr/>
+          <a:lstStyle/>
+          <a:p>
+            <a:r>
+              <a:rPr lang="fr-FR" b="1" dirty="0" smtClean="0"/>
+              <a:t>SCREENSHOT MANAGEMENT</a:t>
+            </a:r>
+            <a:endParaRPr lang="fr-FR" b="1" dirty="0"/>
+          </a:p>
+        </p:txBody>
+      </p:sp>
+      <p:sp>
+        <p:nvSpPr>
+          <p:cNvPr id="4" name="Slide Number Placeholder 3"/>
+          <p:cNvSpPr>
+            <a:spLocks noGrp="1"/>
+          </p:cNvSpPr>
+          <p:nvPr>
+            <p:ph type="sldNum" sz="quarter" idx="10"/>
+          </p:nvPr>
+        </p:nvSpPr>
+        <p:spPr/>
+        <p:txBody>
+          <a:bodyPr/>
+          <a:lstStyle/>
+          <a:p>
+            <a:fld id="{0657CA3B-C571-4D70-8712-24BEC4CFA193}" type="slidenum">
+              <a:rPr lang="fr-FR" smtClean="0"/>
+              <a:t>26</a:t>
+            </a:fld>
+            <a:endParaRPr lang="fr-FR"/>
+          </a:p>
+        </p:txBody>
+      </p:sp>
+    </p:spTree>
+    <p:extLst>
+      <p:ext uri="{BB962C8B-B14F-4D97-AF65-F5344CB8AC3E}">
+        <p14:creationId xmlns:p14="http://schemas.microsoft.com/office/powerpoint/2010/main" val="3985544142"/>
+      </p:ext>
+    </p:extLst>
+  </p:cSld>
+  <p:clrMapOvr>
+    <a:masterClrMapping/>
+  </p:clrMapOvr>
+</p:notes>
+</file>
+
+<file path=ppt/notesSlides/notesSlide14.xml><?xml version="1.0" encoding="utf-8"?>
+<p:notes xmlns:a="http://schemas.openxmlformats.org/drawingml/2006/main" xmlns:r="http://schemas.openxmlformats.org/officeDocument/2006/relationships" xmlns:p="http://schemas.openxmlformats.org/presentationml/2006/main">
+  <p:cSld>
+    <p:spTree>
+      <p:nvGrpSpPr>
+        <p:cNvPr id="1" name=""/>
+        <p:cNvGrpSpPr/>
+        <p:nvPr/>
+      </p:nvGrpSpPr>
+      <p:grpSpPr>
+        <a:xfrm>
+          <a:off x="0" y="0"/>
+          <a:ext cx="0" cy="0"/>
+          <a:chOff x="0" y="0"/>
+          <a:chExt cx="0" cy="0"/>
+        </a:xfrm>
+      </p:grpSpPr>
+      <p:sp>
+        <p:nvSpPr>
+          <p:cNvPr id="2" name="Slide Image Placeholder 1"/>
+          <p:cNvSpPr>
+            <a:spLocks noGrp="1" noRot="1" noChangeAspect="1"/>
+          </p:cNvSpPr>
+          <p:nvPr>
+            <p:ph type="sldImg"/>
+          </p:nvPr>
+        </p:nvSpPr>
+        <p:spPr/>
+      </p:sp>
+      <p:sp>
+        <p:nvSpPr>
+          <p:cNvPr id="3" name="Notes Placeholder 2"/>
+          <p:cNvSpPr>
+            <a:spLocks noGrp="1"/>
+          </p:cNvSpPr>
+          <p:nvPr>
+            <p:ph type="body" idx="1"/>
+          </p:nvPr>
+        </p:nvSpPr>
+        <p:spPr/>
+        <p:txBody>
+          <a:bodyPr/>
+          <a:lstStyle/>
+          <a:p>
+            <a:r>
+              <a:rPr lang="fr-FR" dirty="0" smtClean="0"/>
+              <a:t>Ajout au menu + formulaire</a:t>
+            </a:r>
+            <a:endParaRPr lang="fr-FR" dirty="0"/>
+          </a:p>
+        </p:txBody>
+      </p:sp>
+      <p:sp>
+        <p:nvSpPr>
+          <p:cNvPr id="4" name="Slide Number Placeholder 3"/>
+          <p:cNvSpPr>
+            <a:spLocks noGrp="1"/>
+          </p:cNvSpPr>
+          <p:nvPr>
+            <p:ph type="sldNum" sz="quarter" idx="10"/>
+          </p:nvPr>
+        </p:nvSpPr>
+        <p:spPr/>
+        <p:txBody>
+          <a:bodyPr/>
+          <a:lstStyle/>
+          <a:p>
+            <a:fld id="{0657CA3B-C571-4D70-8712-24BEC4CFA193}" type="slidenum">
+              <a:rPr lang="fr-FR" smtClean="0"/>
+              <a:t>28</a:t>
+            </a:fld>
+            <a:endParaRPr lang="fr-FR"/>
+          </a:p>
+        </p:txBody>
+      </p:sp>
+    </p:spTree>
+    <p:extLst>
+      <p:ext uri="{BB962C8B-B14F-4D97-AF65-F5344CB8AC3E}">
+        <p14:creationId xmlns:p14="http://schemas.microsoft.com/office/powerpoint/2010/main" val="2976168332"/>
+      </p:ext>
+    </p:extLst>
+  </p:cSld>
+  <p:clrMapOvr>
+    <a:masterClrMapping/>
+  </p:clrMapOvr>
+</p:notes>
+</file>
+
 <file path=ppt/notesSlides/notesSlide2.xml><?xml version="1.0" encoding="utf-8"?>
 <p:notes xmlns:a="http://schemas.openxmlformats.org/drawingml/2006/main" xmlns:r="http://schemas.openxmlformats.org/officeDocument/2006/relationships" xmlns:p="http://schemas.openxmlformats.org/presentationml/2006/main">
   <p:cSld>
@@ -782,6 +1246,20 @@
           <a:p>
             <a:r>
               <a:rPr lang="fr-FR" dirty="0" smtClean="0"/>
+              <a:t>Chaque composant renvoie</a:t>
+            </a:r>
+            <a:r>
+              <a:rPr lang="fr-FR" baseline="0" dirty="0" smtClean="0"/>
+              <a:t> un morceau de la page complète</a:t>
+            </a:r>
+            <a:endParaRPr lang="fr-FR" dirty="0" smtClean="0"/>
+          </a:p>
+          <a:p>
+            <a:endParaRPr lang="fr-FR" dirty="0" smtClean="0"/>
+          </a:p>
+          <a:p>
+            <a:r>
+              <a:rPr lang="fr-FR" dirty="0" smtClean="0"/>
               <a:t>Différentes fonctionnalités dans un</a:t>
             </a:r>
             <a:r>
@@ -809,7 +1287,7 @@
           <a:p>
             <a:fld id="{0657CA3B-C571-4D70-8712-24BEC4CFA193}" type="slidenum">
               <a:rPr lang="fr-FR" smtClean="0"/>
-              <a:t>4</a:t>
+              <a:t>5</a:t>
             </a:fld>
             <a:endParaRPr lang="fr-FR"/>
           </a:p>
@@ -901,7 +1379,7 @@
           <a:p>
             <a:fld id="{0657CA3B-C571-4D70-8712-24BEC4CFA193}" type="slidenum">
               <a:rPr lang="fr-FR" smtClean="0"/>
-              <a:t>5</a:t>
+              <a:t>7</a:t>
             </a:fld>
             <a:endParaRPr lang="fr-FR"/>
           </a:p>
@@ -993,7 +1471,7 @@
           <a:p>
             <a:fld id="{0657CA3B-C571-4D70-8712-24BEC4CFA193}" type="slidenum">
               <a:rPr lang="fr-FR" smtClean="0"/>
-              <a:t>6</a:t>
+              <a:t>10</a:t>
             </a:fld>
             <a:endParaRPr lang="fr-FR"/>
           </a:p>
@@ -1085,7 +1563,7 @@
           <a:p>
             <a:fld id="{0657CA3B-C571-4D70-8712-24BEC4CFA193}" type="slidenum">
               <a:rPr lang="fr-FR" smtClean="0"/>
-              <a:t>7</a:t>
+              <a:t>11</a:t>
             </a:fld>
             <a:endParaRPr lang="fr-FR"/>
           </a:p>
@@ -1188,7 +1666,7 @@
           <a:p>
             <a:fld id="{0657CA3B-C571-4D70-8712-24BEC4CFA193}" type="slidenum">
               <a:rPr lang="fr-FR" smtClean="0"/>
-              <a:t>8</a:t>
+              <a:t>12</a:t>
             </a:fld>
             <a:endParaRPr lang="fr-FR"/>
           </a:p>
@@ -1198,6 +1676,200 @@
     <p:extLst>
       <p:ext uri="{BB962C8B-B14F-4D97-AF65-F5344CB8AC3E}">
         <p14:creationId xmlns:p14="http://schemas.microsoft.com/office/powerpoint/2010/main" val="3711016415"/>
+      </p:ext>
+    </p:extLst>
+  </p:cSld>
+  <p:clrMapOvr>
+    <a:masterClrMapping/>
+  </p:clrMapOvr>
+</p:notes>
+</file>
+
+<file path=ppt/notesSlides/notesSlide8.xml><?xml version="1.0" encoding="utf-8"?>
+<p:notes xmlns:a="http://schemas.openxmlformats.org/drawingml/2006/main" xmlns:r="http://schemas.openxmlformats.org/officeDocument/2006/relationships" xmlns:p="http://schemas.openxmlformats.org/presentationml/2006/main">
+  <p:cSld>
+    <p:spTree>
+      <p:nvGrpSpPr>
+        <p:cNvPr id="1" name=""/>
+        <p:cNvGrpSpPr/>
+        <p:nvPr/>
+      </p:nvGrpSpPr>
+      <p:grpSpPr>
+        <a:xfrm>
+          <a:off x="0" y="0"/>
+          <a:ext cx="0" cy="0"/>
+          <a:chOff x="0" y="0"/>
+          <a:chExt cx="0" cy="0"/>
+        </a:xfrm>
+      </p:grpSpPr>
+      <p:sp>
+        <p:nvSpPr>
+          <p:cNvPr id="2" name="Slide Image Placeholder 1"/>
+          <p:cNvSpPr>
+            <a:spLocks noGrp="1" noRot="1" noChangeAspect="1"/>
+          </p:cNvSpPr>
+          <p:nvPr>
+            <p:ph type="sldImg"/>
+          </p:nvPr>
+        </p:nvSpPr>
+        <p:spPr/>
+      </p:sp>
+      <p:sp>
+        <p:nvSpPr>
+          <p:cNvPr id="3" name="Notes Placeholder 2"/>
+          <p:cNvSpPr>
+            <a:spLocks noGrp="1"/>
+          </p:cNvSpPr>
+          <p:nvPr>
+            <p:ph type="body" idx="1"/>
+          </p:nvPr>
+        </p:nvSpPr>
+        <p:spPr/>
+        <p:txBody>
+          <a:bodyPr/>
+          <a:lstStyle/>
+          <a:p>
+            <a:r>
+              <a:rPr lang="fr-FR" dirty="0" err="1" smtClean="0"/>
+              <a:t>Xo</a:t>
+            </a:r>
+            <a:r>
+              <a:rPr lang="fr-FR" dirty="0" smtClean="0"/>
+              <a:t>-server : environnement </a:t>
+            </a:r>
+            <a:r>
+              <a:rPr lang="fr-FR" dirty="0" err="1" smtClean="0"/>
+              <a:t>Node</a:t>
+            </a:r>
+            <a:endParaRPr lang="fr-FR" dirty="0"/>
+          </a:p>
+        </p:txBody>
+      </p:sp>
+      <p:sp>
+        <p:nvSpPr>
+          <p:cNvPr id="4" name="Slide Number Placeholder 3"/>
+          <p:cNvSpPr>
+            <a:spLocks noGrp="1"/>
+          </p:cNvSpPr>
+          <p:nvPr>
+            <p:ph type="sldNum" sz="quarter" idx="10"/>
+          </p:nvPr>
+        </p:nvSpPr>
+        <p:spPr/>
+        <p:txBody>
+          <a:bodyPr/>
+          <a:lstStyle/>
+          <a:p>
+            <a:fld id="{0657CA3B-C571-4D70-8712-24BEC4CFA193}" type="slidenum">
+              <a:rPr lang="fr-FR" smtClean="0"/>
+              <a:t>17</a:t>
+            </a:fld>
+            <a:endParaRPr lang="fr-FR"/>
+          </a:p>
+        </p:txBody>
+      </p:sp>
+    </p:spTree>
+    <p:extLst>
+      <p:ext uri="{BB962C8B-B14F-4D97-AF65-F5344CB8AC3E}">
+        <p14:creationId xmlns:p14="http://schemas.microsoft.com/office/powerpoint/2010/main" val="1124442111"/>
+      </p:ext>
+    </p:extLst>
+  </p:cSld>
+  <p:clrMapOvr>
+    <a:masterClrMapping/>
+  </p:clrMapOvr>
+</p:notes>
+</file>
+
+<file path=ppt/notesSlides/notesSlide9.xml><?xml version="1.0" encoding="utf-8"?>
+<p:notes xmlns:a="http://schemas.openxmlformats.org/drawingml/2006/main" xmlns:r="http://schemas.openxmlformats.org/officeDocument/2006/relationships" xmlns:p="http://schemas.openxmlformats.org/presentationml/2006/main">
+  <p:cSld>
+    <p:spTree>
+      <p:nvGrpSpPr>
+        <p:cNvPr id="1" name=""/>
+        <p:cNvGrpSpPr/>
+        <p:nvPr/>
+      </p:nvGrpSpPr>
+      <p:grpSpPr>
+        <a:xfrm>
+          <a:off x="0" y="0"/>
+          <a:ext cx="0" cy="0"/>
+          <a:chOff x="0" y="0"/>
+          <a:chExt cx="0" cy="0"/>
+        </a:xfrm>
+      </p:grpSpPr>
+      <p:sp>
+        <p:nvSpPr>
+          <p:cNvPr id="2" name="Slide Image Placeholder 1"/>
+          <p:cNvSpPr>
+            <a:spLocks noGrp="1" noRot="1" noChangeAspect="1"/>
+          </p:cNvSpPr>
+          <p:nvPr>
+            <p:ph type="sldImg"/>
+          </p:nvPr>
+        </p:nvSpPr>
+        <p:spPr/>
+      </p:sp>
+      <p:sp>
+        <p:nvSpPr>
+          <p:cNvPr id="3" name="Notes Placeholder 2"/>
+          <p:cNvSpPr>
+            <a:spLocks noGrp="1"/>
+          </p:cNvSpPr>
+          <p:nvPr>
+            <p:ph type="body" idx="1"/>
+          </p:nvPr>
+        </p:nvSpPr>
+        <p:spPr/>
+        <p:txBody>
+          <a:bodyPr/>
+          <a:lstStyle/>
+          <a:p>
+            <a:r>
+              <a:rPr lang="fr-FR" dirty="0" smtClean="0"/>
+              <a:t>Menu </a:t>
+            </a:r>
+            <a:r>
+              <a:rPr lang="fr-FR" smtClean="0"/>
+              <a:t>à gauche</a:t>
+            </a:r>
+          </a:p>
+          <a:p>
+            <a:r>
+              <a:rPr lang="fr-FR" smtClean="0"/>
+              <a:t>L</a:t>
+            </a:r>
+            <a:endParaRPr lang="fr-FR" dirty="0"/>
+          </a:p>
+        </p:txBody>
+      </p:sp>
+      <p:sp>
+        <p:nvSpPr>
+          <p:cNvPr id="4" name="Slide Number Placeholder 3"/>
+          <p:cNvSpPr>
+            <a:spLocks noGrp="1"/>
+          </p:cNvSpPr>
+          <p:nvPr>
+            <p:ph type="sldNum" sz="quarter" idx="10"/>
+          </p:nvPr>
+        </p:nvSpPr>
+        <p:spPr/>
+        <p:txBody>
+          <a:bodyPr/>
+          <a:lstStyle/>
+          <a:p>
+            <a:fld id="{0657CA3B-C571-4D70-8712-24BEC4CFA193}" type="slidenum">
+              <a:rPr lang="fr-FR" smtClean="0"/>
+              <a:t>18</a:t>
+            </a:fld>
+            <a:endParaRPr lang="fr-FR"/>
+          </a:p>
+        </p:txBody>
+      </p:sp>
+    </p:spTree>
+    <p:extLst>
+      <p:ext uri="{BB962C8B-B14F-4D97-AF65-F5344CB8AC3E}">
+        <p14:creationId xmlns:p14="http://schemas.microsoft.com/office/powerpoint/2010/main" val="3020623872"/>
       </p:ext>
     </p:extLst>
   </p:cSld>
@@ -1929,7 +2601,7 @@
           <a:p>
             <a:fld id="{63900C82-A896-4DE8-A8E3-2D1E38E7FA3D}" type="datetime1">
               <a:rPr lang="en-US" smtClean="0"/>
-              <a:t>6/28/2017</a:t>
+              <a:t>6/30/2017</a:t>
             </a:fld>
             <a:endParaRPr lang="en-US" dirty="0"/>
           </a:p>
@@ -2180,7 +2852,7 @@
           <a:p>
             <a:fld id="{9C676D22-B730-4223-8964-664AC924586B}" type="datetime1">
               <a:rPr lang="en-US" smtClean="0"/>
-              <a:t>6/28/2017</a:t>
+              <a:t>6/30/2017</a:t>
             </a:fld>
             <a:endParaRPr lang="en-US" dirty="0"/>
           </a:p>
@@ -2494,7 +3166,7 @@
           <a:p>
             <a:fld id="{C003026D-E995-4F32-93A5-CE52920CC17F}" type="datetime1">
               <a:rPr lang="en-US" smtClean="0"/>
-              <a:t>6/28/2017</a:t>
+              <a:t>6/30/2017</a:t>
             </a:fld>
             <a:endParaRPr lang="en-US" dirty="0"/>
           </a:p>
@@ -2835,7 +3507,7 @@
           <a:p>
             <a:fld id="{B23BE740-A13A-42ED-8C1E-B1E0E21EC01E}" type="datetime1">
               <a:rPr lang="en-US" smtClean="0"/>
-              <a:t>6/28/2017</a:t>
+              <a:t>6/30/2017</a:t>
             </a:fld>
             <a:endParaRPr lang="en-US" dirty="0"/>
           </a:p>
@@ -3149,7 +3821,7 @@
           <a:p>
             <a:fld id="{D9318CF3-4A27-4F25-A0F8-0BDF06A3B765}" type="datetime1">
               <a:rPr lang="en-US" smtClean="0"/>
-              <a:t>6/28/2017</a:t>
+              <a:t>6/30/2017</a:t>
             </a:fld>
             <a:endParaRPr lang="en-US" dirty="0"/>
           </a:p>
@@ -3542,7 +4214,7 @@
           <a:p>
             <a:fld id="{5A99F229-B8C4-4F43-A5DB-A10D43DAD398}" type="datetime1">
               <a:rPr lang="en-US" smtClean="0"/>
-              <a:t>6/28/2017</a:t>
+              <a:t>6/30/2017</a:t>
             </a:fld>
             <a:endParaRPr lang="en-US" dirty="0"/>
           </a:p>
@@ -3712,7 +4384,7 @@
           <a:p>
             <a:fld id="{AB98E4B4-D3A3-4161-BAEC-27D6DCEC7CED}" type="datetime1">
               <a:rPr lang="en-US" smtClean="0"/>
-              <a:t>6/28/2017</a:t>
+              <a:t>6/30/2017</a:t>
             </a:fld>
             <a:endParaRPr lang="en-US" dirty="0"/>
           </a:p>
@@ -3891,7 +4563,7 @@
           <a:p>
             <a:fld id="{931EDA62-39B5-4812-A3F5-036F94BDE2E8}" type="datetime1">
               <a:rPr lang="en-US" smtClean="0"/>
-              <a:t>6/28/2017</a:t>
+              <a:t>6/30/2017</a:t>
             </a:fld>
             <a:endParaRPr lang="en-US" dirty="0"/>
           </a:p>
@@ -4067,7 +4739,7 @@
           <a:p>
             <a:fld id="{36EA2C8A-79EB-498B-919B-F34FCE235126}" type="datetime1">
               <a:rPr lang="en-US" smtClean="0"/>
-              <a:t>6/28/2017</a:t>
+              <a:t>6/30/2017</a:t>
             </a:fld>
             <a:endParaRPr lang="en-US" dirty="0"/>
           </a:p>
@@ -4314,7 +4986,7 @@
           <a:p>
             <a:fld id="{55533B15-B0B3-4E2F-9D27-46AA9F529301}" type="datetime1">
               <a:rPr lang="en-US" smtClean="0"/>
-              <a:t>6/28/2017</a:t>
+              <a:t>6/30/2017</a:t>
             </a:fld>
             <a:endParaRPr lang="en-US" dirty="0"/>
           </a:p>
@@ -4546,7 +5218,7 @@
           <a:p>
             <a:fld id="{85A2D822-A24F-408F-822A-0E344E05EA75}" type="datetime1">
               <a:rPr lang="en-US" smtClean="0"/>
-              <a:t>6/28/2017</a:t>
+              <a:t>6/30/2017</a:t>
             </a:fld>
             <a:endParaRPr lang="en-US" dirty="0"/>
           </a:p>
@@ -4919,7 +5591,7 @@
           <a:p>
             <a:fld id="{0D6ABC60-4846-45BB-9962-BEC6BD89B9A5}" type="datetime1">
               <a:rPr lang="en-US" smtClean="0"/>
-              <a:t>6/28/2017</a:t>
+              <a:t>6/30/2017</a:t>
             </a:fld>
             <a:endParaRPr lang="en-US" dirty="0"/>
           </a:p>
@@ -5042,7 +5714,7 @@
           <a:p>
             <a:fld id="{04B316C2-C98E-4032-9051-A13DBD48B70A}" type="datetime1">
               <a:rPr lang="en-US" smtClean="0"/>
-              <a:t>6/28/2017</a:t>
+              <a:t>6/30/2017</a:t>
             </a:fld>
             <a:endParaRPr lang="en-US" dirty="0"/>
           </a:p>
@@ -5137,7 +5809,7 @@
           <a:p>
             <a:fld id="{77E0374F-8A8C-476E-B7A7-AA3F8529EE2D}" type="datetime1">
               <a:rPr lang="en-US" smtClean="0"/>
-              <a:t>6/28/2017</a:t>
+              <a:t>6/30/2017</a:t>
             </a:fld>
             <a:endParaRPr lang="en-US" dirty="0"/>
           </a:p>
@@ -5392,7 +6064,7 @@
           <a:p>
             <a:fld id="{9E1C093E-FBEA-46D0-8808-7D2B33F769D3}" type="datetime1">
               <a:rPr lang="en-US" smtClean="0"/>
-              <a:t>6/28/2017</a:t>
+              <a:t>6/30/2017</a:t>
             </a:fld>
             <a:endParaRPr lang="en-US" dirty="0"/>
           </a:p>
@@ -5654,7 +6326,7 @@
           <a:p>
             <a:fld id="{CBFB7E00-8915-4DCE-BFC0-ED88A6E2A29E}" type="datetime1">
               <a:rPr lang="en-US" smtClean="0"/>
-              <a:t>6/28/2017</a:t>
+              <a:t>6/30/2017</a:t>
             </a:fld>
             <a:endParaRPr lang="en-US" dirty="0"/>
           </a:p>
@@ -6397,7 +7069,7 @@
           <a:p>
             <a:fld id="{91897A87-A690-4C68-80C1-C84EE91EBAF0}" type="datetime1">
               <a:rPr lang="en-US" smtClean="0"/>
-              <a:t>6/28/2017</a:t>
+              <a:t>6/30/2017</a:t>
             </a:fld>
             <a:endParaRPr lang="en-US" dirty="0"/>
           </a:p>
@@ -7083,1575 +7755,6 @@
       </p:grpSpPr>
       <p:sp>
         <p:nvSpPr>
-          <p:cNvPr id="2" name="Titre 1"/>
-          <p:cNvSpPr>
-            <a:spLocks noGrp="1"/>
-          </p:cNvSpPr>
-          <p:nvPr>
-            <p:ph type="title"/>
-          </p:nvPr>
-        </p:nvSpPr>
-        <p:spPr/>
-        <p:txBody>
-          <a:bodyPr/>
-          <a:lstStyle/>
-          <a:p>
-            <a:r>
-              <a:rPr lang="fr-FR" dirty="0" err="1" smtClean="0"/>
-              <a:t>withState</a:t>
-            </a:r>
-            <a:r>
-              <a:rPr lang="fr-FR" dirty="0" smtClean="0"/>
-              <a:t> : Tests</a:t>
-            </a:r>
-            <a:endParaRPr lang="fr-FR" dirty="0"/>
-          </a:p>
-        </p:txBody>
-      </p:sp>
-      <p:sp>
-        <p:nvSpPr>
-          <p:cNvPr id="3" name="Espace réservé du contenu 2"/>
-          <p:cNvSpPr>
-            <a:spLocks noGrp="1"/>
-          </p:cNvSpPr>
-          <p:nvPr>
-            <p:ph idx="1"/>
-          </p:nvPr>
-        </p:nvSpPr>
-        <p:spPr/>
-        <p:txBody>
-          <a:bodyPr/>
-          <a:lstStyle/>
-          <a:p>
-            <a:r>
-              <a:rPr lang="fr-FR" dirty="0" smtClean="0"/>
-              <a:t>Librairie </a:t>
-            </a:r>
-            <a:r>
-              <a:rPr lang="fr-FR" dirty="0" err="1" smtClean="0"/>
-              <a:t>Jest</a:t>
-            </a:r>
-            <a:endParaRPr lang="fr-FR" dirty="0"/>
-          </a:p>
-        </p:txBody>
-      </p:sp>
-      <p:sp>
-        <p:nvSpPr>
-          <p:cNvPr id="5" name="Footer Placeholder 4"/>
-          <p:cNvSpPr>
-            <a:spLocks noGrp="1"/>
-          </p:cNvSpPr>
-          <p:nvPr>
-            <p:ph type="ftr" sz="quarter" idx="11"/>
-          </p:nvPr>
-        </p:nvSpPr>
-        <p:spPr/>
-        <p:txBody>
-          <a:bodyPr/>
-          <a:lstStyle/>
-          <a:p>
-            <a:r>
-              <a:rPr lang="en-US" smtClean="0"/>
-              <a:t>Bois Cédric - Master WIC</a:t>
-            </a:r>
-            <a:endParaRPr lang="en-US" dirty="0"/>
-          </a:p>
-        </p:txBody>
-      </p:sp>
-      <p:sp>
-        <p:nvSpPr>
-          <p:cNvPr id="6" name="Slide Number Placeholder 5"/>
-          <p:cNvSpPr>
-            <a:spLocks noGrp="1"/>
-          </p:cNvSpPr>
-          <p:nvPr>
-            <p:ph type="sldNum" sz="quarter" idx="12"/>
-          </p:nvPr>
-        </p:nvSpPr>
-        <p:spPr/>
-        <p:txBody>
-          <a:bodyPr/>
-          <a:lstStyle/>
-          <a:p>
-            <a:fld id="{D57F1E4F-1CFF-5643-939E-217C01CDF565}" type="slidenum">
-              <a:rPr lang="en-US" smtClean="0"/>
-              <a:pPr/>
-              <a:t>10</a:t>
-            </a:fld>
-            <a:endParaRPr lang="en-US" dirty="0"/>
-          </a:p>
-        </p:txBody>
-      </p:sp>
-    </p:spTree>
-    <p:extLst>
-      <p:ext uri="{BB962C8B-B14F-4D97-AF65-F5344CB8AC3E}">
-        <p14:creationId xmlns:p14="http://schemas.microsoft.com/office/powerpoint/2010/main" val="3553190663"/>
-      </p:ext>
-    </p:extLst>
-  </p:cSld>
-  <p:clrMapOvr>
-    <a:masterClrMapping/>
-  </p:clrMapOvr>
-  <p:timing>
-    <p:tnLst>
-      <p:par>
-        <p:cTn id="1" dur="indefinite" restart="never" nodeType="tmRoot"/>
-      </p:par>
-    </p:tnLst>
-  </p:timing>
-</p:sld>
-</file>
-
-<file path=ppt/slides/slide11.xml><?xml version="1.0" encoding="utf-8"?>
-<p:sld xmlns:a="http://schemas.openxmlformats.org/drawingml/2006/main" xmlns:r="http://schemas.openxmlformats.org/officeDocument/2006/relationships" xmlns:p="http://schemas.openxmlformats.org/presentationml/2006/main">
-  <p:cSld>
-    <p:spTree>
-      <p:nvGrpSpPr>
-        <p:cNvPr id="1" name=""/>
-        <p:cNvGrpSpPr/>
-        <p:nvPr/>
-      </p:nvGrpSpPr>
-      <p:grpSpPr>
-        <a:xfrm>
-          <a:off x="0" y="0"/>
-          <a:ext cx="0" cy="0"/>
-          <a:chOff x="0" y="0"/>
-          <a:chExt cx="0" cy="0"/>
-        </a:xfrm>
-      </p:grpSpPr>
-      <p:sp>
-        <p:nvSpPr>
-          <p:cNvPr id="2" name="Title 1"/>
-          <p:cNvSpPr>
-            <a:spLocks noGrp="1"/>
-          </p:cNvSpPr>
-          <p:nvPr>
-            <p:ph type="title"/>
-          </p:nvPr>
-        </p:nvSpPr>
-        <p:spPr/>
-        <p:txBody>
-          <a:bodyPr/>
-          <a:lstStyle/>
-          <a:p>
-            <a:r>
-              <a:rPr lang="fr-FR" dirty="0" err="1" smtClean="0"/>
-              <a:t>Xen</a:t>
-            </a:r>
-            <a:r>
-              <a:rPr lang="fr-FR" dirty="0" smtClean="0"/>
-              <a:t> Orchestra</a:t>
-            </a:r>
-            <a:endParaRPr lang="fr-FR" dirty="0"/>
-          </a:p>
-        </p:txBody>
-      </p:sp>
-      <p:sp>
-        <p:nvSpPr>
-          <p:cNvPr id="3" name="Content Placeholder 2"/>
-          <p:cNvSpPr>
-            <a:spLocks noGrp="1"/>
-          </p:cNvSpPr>
-          <p:nvPr>
-            <p:ph idx="1"/>
-          </p:nvPr>
-        </p:nvSpPr>
-        <p:spPr/>
-        <p:txBody>
-          <a:bodyPr/>
-          <a:lstStyle/>
-          <a:p>
-            <a:r>
-              <a:rPr lang="fr-FR" dirty="0" smtClean="0"/>
-              <a:t>Gestionnaire de machines virtuelles</a:t>
-            </a:r>
-          </a:p>
-          <a:p>
-            <a:r>
-              <a:rPr lang="fr-FR" dirty="0" err="1" smtClean="0"/>
-              <a:t>XenServer</a:t>
-            </a:r>
-            <a:endParaRPr lang="fr-FR" dirty="0" smtClean="0"/>
-          </a:p>
-          <a:p>
-            <a:r>
-              <a:rPr lang="fr-FR" dirty="0" err="1" smtClean="0"/>
-              <a:t>Xapi</a:t>
-            </a:r>
-            <a:endParaRPr lang="fr-FR" dirty="0" smtClean="0"/>
-          </a:p>
-          <a:p>
-            <a:endParaRPr lang="fr-FR" dirty="0" smtClean="0"/>
-          </a:p>
-          <a:p>
-            <a:r>
-              <a:rPr lang="fr-FR" dirty="0" smtClean="0"/>
-              <a:t>Composé de trois modules :</a:t>
-            </a:r>
-          </a:p>
-          <a:p>
-            <a:pPr lvl="1"/>
-            <a:r>
-              <a:rPr lang="fr-FR" dirty="0" err="1" smtClean="0"/>
-              <a:t>Xo</a:t>
-            </a:r>
-            <a:r>
-              <a:rPr lang="fr-FR" dirty="0" smtClean="0"/>
-              <a:t>-server</a:t>
-            </a:r>
-          </a:p>
-          <a:p>
-            <a:pPr lvl="1"/>
-            <a:r>
-              <a:rPr lang="fr-FR" dirty="0" err="1" smtClean="0"/>
-              <a:t>Xo</a:t>
-            </a:r>
-            <a:r>
-              <a:rPr lang="fr-FR" dirty="0" smtClean="0"/>
-              <a:t>-web</a:t>
-            </a:r>
-          </a:p>
-          <a:p>
-            <a:pPr lvl="1"/>
-            <a:r>
-              <a:rPr lang="fr-FR" dirty="0" err="1" smtClean="0"/>
-              <a:t>Xo</a:t>
-            </a:r>
-            <a:r>
-              <a:rPr lang="fr-FR" dirty="0" smtClean="0"/>
-              <a:t>-CLI</a:t>
-            </a:r>
-            <a:endParaRPr lang="fr-FR" dirty="0"/>
-          </a:p>
-        </p:txBody>
-      </p:sp>
-      <p:sp>
-        <p:nvSpPr>
-          <p:cNvPr id="4" name="Footer Placeholder 3"/>
-          <p:cNvSpPr>
-            <a:spLocks noGrp="1"/>
-          </p:cNvSpPr>
-          <p:nvPr>
-            <p:ph type="ftr" sz="quarter" idx="11"/>
-          </p:nvPr>
-        </p:nvSpPr>
-        <p:spPr/>
-        <p:txBody>
-          <a:bodyPr/>
-          <a:lstStyle/>
-          <a:p>
-            <a:r>
-              <a:rPr lang="en-US" smtClean="0"/>
-              <a:t>Bois Cédric - Master WIC</a:t>
-            </a:r>
-            <a:endParaRPr lang="en-US" dirty="0"/>
-          </a:p>
-        </p:txBody>
-      </p:sp>
-      <p:sp>
-        <p:nvSpPr>
-          <p:cNvPr id="5" name="Slide Number Placeholder 4"/>
-          <p:cNvSpPr>
-            <a:spLocks noGrp="1"/>
-          </p:cNvSpPr>
-          <p:nvPr>
-            <p:ph type="sldNum" sz="quarter" idx="12"/>
-          </p:nvPr>
-        </p:nvSpPr>
-        <p:spPr/>
-        <p:txBody>
-          <a:bodyPr/>
-          <a:lstStyle/>
-          <a:p>
-            <a:fld id="{D57F1E4F-1CFF-5643-939E-217C01CDF565}" type="slidenum">
-              <a:rPr lang="en-US" smtClean="0"/>
-              <a:pPr/>
-              <a:t>11</a:t>
-            </a:fld>
-            <a:endParaRPr lang="en-US" dirty="0"/>
-          </a:p>
-        </p:txBody>
-      </p:sp>
-      <p:pic>
-        <p:nvPicPr>
-          <p:cNvPr id="7" name="Picture 6"/>
-          <p:cNvPicPr>
-            <a:picLocks noChangeAspect="1"/>
-          </p:cNvPicPr>
-          <p:nvPr/>
-        </p:nvPicPr>
-        <p:blipFill>
-          <a:blip r:embed="rId2">
-            <a:extLst>
-              <a:ext uri="{28A0092B-C50C-407E-A947-70E740481C1C}">
-                <a14:useLocalDpi xmlns:a14="http://schemas.microsoft.com/office/drawing/2010/main" val="0"/>
-              </a:ext>
-            </a:extLst>
-          </a:blip>
-          <a:stretch>
-            <a:fillRect/>
-          </a:stretch>
-        </p:blipFill>
-        <p:spPr>
-          <a:xfrm>
-            <a:off x="5665675" y="84214"/>
-            <a:ext cx="2974472" cy="2974472"/>
-          </a:xfrm>
-          <a:prstGeom prst="rect">
-            <a:avLst/>
-          </a:prstGeom>
-        </p:spPr>
-      </p:pic>
-      <p:pic>
-        <p:nvPicPr>
-          <p:cNvPr id="8" name="Picture 7"/>
-          <p:cNvPicPr>
-            <a:picLocks noChangeAspect="1"/>
-          </p:cNvPicPr>
-          <p:nvPr/>
-        </p:nvPicPr>
-        <p:blipFill rotWithShape="1">
-          <a:blip r:embed="rId3">
-            <a:extLst>
-              <a:ext uri="{28A0092B-C50C-407E-A947-70E740481C1C}">
-                <a14:useLocalDpi xmlns:a14="http://schemas.microsoft.com/office/drawing/2010/main" val="0"/>
-              </a:ext>
-            </a:extLst>
-          </a:blip>
-          <a:srcRect t="5935" b="16465"/>
-          <a:stretch/>
-        </p:blipFill>
-        <p:spPr>
-          <a:xfrm>
-            <a:off x="4350651" y="2871949"/>
-            <a:ext cx="5248589" cy="3054699"/>
-          </a:xfrm>
-          <a:prstGeom prst="rect">
-            <a:avLst/>
-          </a:prstGeom>
-        </p:spPr>
-      </p:pic>
-    </p:spTree>
-    <p:extLst>
-      <p:ext uri="{BB962C8B-B14F-4D97-AF65-F5344CB8AC3E}">
-        <p14:creationId xmlns:p14="http://schemas.microsoft.com/office/powerpoint/2010/main" val="723456919"/>
-      </p:ext>
-    </p:extLst>
-  </p:cSld>
-  <p:clrMapOvr>
-    <a:masterClrMapping/>
-  </p:clrMapOvr>
-  <p:timing>
-    <p:tnLst>
-      <p:par>
-        <p:cTn id="1" dur="indefinite" restart="never" nodeType="tmRoot"/>
-      </p:par>
-    </p:tnLst>
-  </p:timing>
-</p:sld>
-</file>
-
-<file path=ppt/slides/slide12.xml><?xml version="1.0" encoding="utf-8"?>
-<p:sld xmlns:a="http://schemas.openxmlformats.org/drawingml/2006/main" xmlns:r="http://schemas.openxmlformats.org/officeDocument/2006/relationships" xmlns:p="http://schemas.openxmlformats.org/presentationml/2006/main">
-  <p:cSld>
-    <p:spTree>
-      <p:nvGrpSpPr>
-        <p:cNvPr id="1" name=""/>
-        <p:cNvGrpSpPr/>
-        <p:nvPr/>
-      </p:nvGrpSpPr>
-      <p:grpSpPr>
-        <a:xfrm>
-          <a:off x="0" y="0"/>
-          <a:ext cx="0" cy="0"/>
-          <a:chOff x="0" y="0"/>
-          <a:chExt cx="0" cy="0"/>
-        </a:xfrm>
-      </p:grpSpPr>
-      <p:sp>
-        <p:nvSpPr>
-          <p:cNvPr id="2" name="Title 1"/>
-          <p:cNvSpPr>
-            <a:spLocks noGrp="1"/>
-          </p:cNvSpPr>
-          <p:nvPr>
-            <p:ph type="title"/>
-          </p:nvPr>
-        </p:nvSpPr>
-        <p:spPr/>
-        <p:txBody>
-          <a:bodyPr/>
-          <a:lstStyle/>
-          <a:p>
-            <a:r>
-              <a:rPr lang="fr-FR" dirty="0" err="1"/>
-              <a:t>Xen</a:t>
-            </a:r>
-            <a:r>
-              <a:rPr lang="fr-FR" dirty="0"/>
-              <a:t> Orchestra : Architecture</a:t>
-            </a:r>
-          </a:p>
-        </p:txBody>
-      </p:sp>
-      <p:sp>
-        <p:nvSpPr>
-          <p:cNvPr id="3" name="Text Placeholder 2"/>
-          <p:cNvSpPr>
-            <a:spLocks noGrp="1"/>
-          </p:cNvSpPr>
-          <p:nvPr>
-            <p:ph type="body" idx="1"/>
-          </p:nvPr>
-        </p:nvSpPr>
-        <p:spPr/>
-        <p:txBody>
-          <a:bodyPr/>
-          <a:lstStyle/>
-          <a:p>
-            <a:endParaRPr lang="fr-FR"/>
-          </a:p>
-        </p:txBody>
-      </p:sp>
-      <p:sp>
-        <p:nvSpPr>
-          <p:cNvPr id="4" name="Content Placeholder 3"/>
-          <p:cNvSpPr>
-            <a:spLocks noGrp="1"/>
-          </p:cNvSpPr>
-          <p:nvPr>
-            <p:ph sz="half" idx="2"/>
-          </p:nvPr>
-        </p:nvSpPr>
-        <p:spPr/>
-        <p:txBody>
-          <a:bodyPr/>
-          <a:lstStyle/>
-          <a:p>
-            <a:r>
-              <a:rPr lang="fr-FR" dirty="0" err="1" smtClean="0"/>
-              <a:t>Xo</a:t>
-            </a:r>
-            <a:r>
-              <a:rPr lang="fr-FR" dirty="0" smtClean="0"/>
-              <a:t>-server</a:t>
-            </a:r>
-            <a:endParaRPr lang="fr-FR" dirty="0"/>
-          </a:p>
-        </p:txBody>
-      </p:sp>
-      <p:sp>
-        <p:nvSpPr>
-          <p:cNvPr id="5" name="Text Placeholder 4"/>
-          <p:cNvSpPr>
-            <a:spLocks noGrp="1"/>
-          </p:cNvSpPr>
-          <p:nvPr>
-            <p:ph type="body" sz="quarter" idx="3"/>
-          </p:nvPr>
-        </p:nvSpPr>
-        <p:spPr/>
-        <p:txBody>
-          <a:bodyPr/>
-          <a:lstStyle/>
-          <a:p>
-            <a:endParaRPr lang="fr-FR"/>
-          </a:p>
-        </p:txBody>
-      </p:sp>
-      <p:sp>
-        <p:nvSpPr>
-          <p:cNvPr id="6" name="Content Placeholder 5"/>
-          <p:cNvSpPr>
-            <a:spLocks noGrp="1"/>
-          </p:cNvSpPr>
-          <p:nvPr>
-            <p:ph sz="quarter" idx="4"/>
-          </p:nvPr>
-        </p:nvSpPr>
-        <p:spPr/>
-        <p:txBody>
-          <a:bodyPr/>
-          <a:lstStyle/>
-          <a:p>
-            <a:r>
-              <a:rPr lang="fr-FR" dirty="0" err="1" smtClean="0"/>
-              <a:t>Xo</a:t>
-            </a:r>
-            <a:r>
-              <a:rPr lang="fr-FR" dirty="0" smtClean="0"/>
-              <a:t>-web</a:t>
-            </a:r>
-            <a:endParaRPr lang="fr-FR" dirty="0"/>
-          </a:p>
-        </p:txBody>
-      </p:sp>
-      <p:sp>
-        <p:nvSpPr>
-          <p:cNvPr id="7" name="Footer Placeholder 6"/>
-          <p:cNvSpPr>
-            <a:spLocks noGrp="1"/>
-          </p:cNvSpPr>
-          <p:nvPr>
-            <p:ph type="ftr" sz="quarter" idx="11"/>
-          </p:nvPr>
-        </p:nvSpPr>
-        <p:spPr/>
-        <p:txBody>
-          <a:bodyPr/>
-          <a:lstStyle/>
-          <a:p>
-            <a:r>
-              <a:rPr lang="en-US" smtClean="0"/>
-              <a:t>Bois Cédric - Master WIC</a:t>
-            </a:r>
-            <a:endParaRPr lang="en-US" dirty="0"/>
-          </a:p>
-        </p:txBody>
-      </p:sp>
-      <p:sp>
-        <p:nvSpPr>
-          <p:cNvPr id="8" name="Slide Number Placeholder 7"/>
-          <p:cNvSpPr>
-            <a:spLocks noGrp="1"/>
-          </p:cNvSpPr>
-          <p:nvPr>
-            <p:ph type="sldNum" sz="quarter" idx="12"/>
-          </p:nvPr>
-        </p:nvSpPr>
-        <p:spPr/>
-        <p:txBody>
-          <a:bodyPr/>
-          <a:lstStyle/>
-          <a:p>
-            <a:fld id="{D57F1E4F-1CFF-5643-939E-217C01CDF565}" type="slidenum">
-              <a:rPr lang="en-US" smtClean="0"/>
-              <a:pPr/>
-              <a:t>12</a:t>
-            </a:fld>
-            <a:endParaRPr lang="en-US" dirty="0"/>
-          </a:p>
-        </p:txBody>
-      </p:sp>
-      <p:pic>
-        <p:nvPicPr>
-          <p:cNvPr id="9" name="Picture 8"/>
-          <p:cNvPicPr/>
-          <p:nvPr/>
-        </p:nvPicPr>
-        <p:blipFill>
-          <a:blip r:embed="rId2" cstate="print">
-            <a:extLst>
-              <a:ext uri="{28A0092B-C50C-407E-A947-70E740481C1C}">
-                <a14:useLocalDpi xmlns:a14="http://schemas.microsoft.com/office/drawing/2010/main" val="0"/>
-              </a:ext>
-            </a:extLst>
-          </a:blip>
-          <a:stretch>
-            <a:fillRect/>
-          </a:stretch>
-        </p:blipFill>
-        <p:spPr>
-          <a:xfrm>
-            <a:off x="7908410" y="989220"/>
-            <a:ext cx="1365591" cy="5052142"/>
-          </a:xfrm>
-          <a:prstGeom prst="rect">
-            <a:avLst/>
-          </a:prstGeom>
-        </p:spPr>
-      </p:pic>
-      <p:pic>
-        <p:nvPicPr>
-          <p:cNvPr id="10" name="Picture 9"/>
-          <p:cNvPicPr/>
-          <p:nvPr/>
-        </p:nvPicPr>
-        <p:blipFill rotWithShape="1">
-          <a:blip r:embed="rId3" cstate="print">
-            <a:extLst>
-              <a:ext uri="{28A0092B-C50C-407E-A947-70E740481C1C}">
-                <a14:useLocalDpi xmlns:a14="http://schemas.microsoft.com/office/drawing/2010/main" val="0"/>
-              </a:ext>
-            </a:extLst>
-          </a:blip>
-          <a:srcRect l="1" r="31805" b="64758"/>
-          <a:stretch/>
-        </p:blipFill>
-        <p:spPr bwMode="auto">
-          <a:xfrm>
-            <a:off x="3076495" y="2160983"/>
-            <a:ext cx="2011887" cy="3412854"/>
-          </a:xfrm>
-          <a:prstGeom prst="rect">
-            <a:avLst/>
-          </a:prstGeom>
-          <a:ln>
-            <a:noFill/>
-          </a:ln>
-          <a:extLst>
-            <a:ext uri="{53640926-AAD7-44D8-BBD7-CCE9431645EC}">
-              <a14:shadowObscured xmlns:a14="http://schemas.microsoft.com/office/drawing/2010/main"/>
-            </a:ext>
-          </a:extLst>
-        </p:spPr>
-      </p:pic>
-    </p:spTree>
-    <p:extLst>
-      <p:ext uri="{BB962C8B-B14F-4D97-AF65-F5344CB8AC3E}">
-        <p14:creationId xmlns:p14="http://schemas.microsoft.com/office/powerpoint/2010/main" val="1898645450"/>
-      </p:ext>
-    </p:extLst>
-  </p:cSld>
-  <p:clrMapOvr>
-    <a:masterClrMapping/>
-  </p:clrMapOvr>
-  <p:timing>
-    <p:tnLst>
-      <p:par>
-        <p:cTn id="1" dur="indefinite" restart="never" nodeType="tmRoot"/>
-      </p:par>
-    </p:tnLst>
-  </p:timing>
-</p:sld>
-</file>
-
-<file path=ppt/slides/slide13.xml><?xml version="1.0" encoding="utf-8"?>
-<p:sld xmlns:a="http://schemas.openxmlformats.org/drawingml/2006/main" xmlns:r="http://schemas.openxmlformats.org/officeDocument/2006/relationships" xmlns:p="http://schemas.openxmlformats.org/presentationml/2006/main">
-  <p:cSld>
-    <p:spTree>
-      <p:nvGrpSpPr>
-        <p:cNvPr id="1" name=""/>
-        <p:cNvGrpSpPr/>
-        <p:nvPr/>
-      </p:nvGrpSpPr>
-      <p:grpSpPr>
-        <a:xfrm>
-          <a:off x="0" y="0"/>
-          <a:ext cx="0" cy="0"/>
-          <a:chOff x="0" y="0"/>
-          <a:chExt cx="0" cy="0"/>
-        </a:xfrm>
-      </p:grpSpPr>
-      <p:sp>
-        <p:nvSpPr>
-          <p:cNvPr id="2" name="Title 1"/>
-          <p:cNvSpPr>
-            <a:spLocks noGrp="1"/>
-          </p:cNvSpPr>
-          <p:nvPr>
-            <p:ph type="title"/>
-          </p:nvPr>
-        </p:nvSpPr>
-        <p:spPr/>
-        <p:txBody>
-          <a:bodyPr/>
-          <a:lstStyle/>
-          <a:p>
-            <a:r>
-              <a:rPr lang="fr-FR" dirty="0" err="1" smtClean="0"/>
-              <a:t>VmAppliance</a:t>
-            </a:r>
-            <a:r>
-              <a:rPr lang="fr-FR" dirty="0" smtClean="0"/>
-              <a:t> : Objectifs</a:t>
-            </a:r>
-            <a:endParaRPr lang="fr-FR" dirty="0"/>
-          </a:p>
-        </p:txBody>
-      </p:sp>
-      <p:sp>
-        <p:nvSpPr>
-          <p:cNvPr id="3" name="Content Placeholder 2"/>
-          <p:cNvSpPr>
-            <a:spLocks noGrp="1"/>
-          </p:cNvSpPr>
-          <p:nvPr>
-            <p:ph idx="1"/>
-          </p:nvPr>
-        </p:nvSpPr>
-        <p:spPr/>
-        <p:txBody>
-          <a:bodyPr/>
-          <a:lstStyle/>
-          <a:p>
-            <a:r>
-              <a:rPr lang="fr-FR" dirty="0" err="1" smtClean="0"/>
-              <a:t>Xo</a:t>
-            </a:r>
-            <a:r>
-              <a:rPr lang="fr-FR" dirty="0" smtClean="0"/>
-              <a:t>-server</a:t>
-            </a:r>
-            <a:endParaRPr lang="fr-FR" dirty="0"/>
-          </a:p>
-        </p:txBody>
-      </p:sp>
-      <p:sp>
-        <p:nvSpPr>
-          <p:cNvPr id="4" name="Footer Placeholder 3"/>
-          <p:cNvSpPr>
-            <a:spLocks noGrp="1"/>
-          </p:cNvSpPr>
-          <p:nvPr>
-            <p:ph type="ftr" sz="quarter" idx="11"/>
-          </p:nvPr>
-        </p:nvSpPr>
-        <p:spPr/>
-        <p:txBody>
-          <a:bodyPr/>
-          <a:lstStyle/>
-          <a:p>
-            <a:r>
-              <a:rPr lang="en-US" smtClean="0"/>
-              <a:t>Bois Cédric - Master WIC</a:t>
-            </a:r>
-            <a:endParaRPr lang="en-US" dirty="0"/>
-          </a:p>
-        </p:txBody>
-      </p:sp>
-      <p:sp>
-        <p:nvSpPr>
-          <p:cNvPr id="5" name="Slide Number Placeholder 4"/>
-          <p:cNvSpPr>
-            <a:spLocks noGrp="1"/>
-          </p:cNvSpPr>
-          <p:nvPr>
-            <p:ph type="sldNum" sz="quarter" idx="12"/>
-          </p:nvPr>
-        </p:nvSpPr>
-        <p:spPr/>
-        <p:txBody>
-          <a:bodyPr/>
-          <a:lstStyle/>
-          <a:p>
-            <a:fld id="{D57F1E4F-1CFF-5643-939E-217C01CDF565}" type="slidenum">
-              <a:rPr lang="en-US" smtClean="0"/>
-              <a:pPr/>
-              <a:t>13</a:t>
-            </a:fld>
-            <a:endParaRPr lang="en-US" dirty="0"/>
-          </a:p>
-        </p:txBody>
-      </p:sp>
-    </p:spTree>
-    <p:extLst>
-      <p:ext uri="{BB962C8B-B14F-4D97-AF65-F5344CB8AC3E}">
-        <p14:creationId xmlns:p14="http://schemas.microsoft.com/office/powerpoint/2010/main" val="3006790768"/>
-      </p:ext>
-    </p:extLst>
-  </p:cSld>
-  <p:clrMapOvr>
-    <a:masterClrMapping/>
-  </p:clrMapOvr>
-  <p:timing>
-    <p:tnLst>
-      <p:par>
-        <p:cTn id="1" dur="indefinite" restart="never" nodeType="tmRoot"/>
-      </p:par>
-    </p:tnLst>
-  </p:timing>
-</p:sld>
-</file>
-
-<file path=ppt/slides/slide2.xml><?xml version="1.0" encoding="utf-8"?>
-<p:sld xmlns:a="http://schemas.openxmlformats.org/drawingml/2006/main" xmlns:r="http://schemas.openxmlformats.org/officeDocument/2006/relationships" xmlns:p="http://schemas.openxmlformats.org/presentationml/2006/main">
-  <p:cSld>
-    <p:spTree>
-      <p:nvGrpSpPr>
-        <p:cNvPr id="1" name=""/>
-        <p:cNvGrpSpPr/>
-        <p:nvPr/>
-      </p:nvGrpSpPr>
-      <p:grpSpPr>
-        <a:xfrm>
-          <a:off x="0" y="0"/>
-          <a:ext cx="0" cy="0"/>
-          <a:chOff x="0" y="0"/>
-          <a:chExt cx="0" cy="0"/>
-        </a:xfrm>
-      </p:grpSpPr>
-      <p:sp>
-        <p:nvSpPr>
-          <p:cNvPr id="2" name="Title 1"/>
-          <p:cNvSpPr>
-            <a:spLocks noGrp="1"/>
-          </p:cNvSpPr>
-          <p:nvPr>
-            <p:ph type="title"/>
-          </p:nvPr>
-        </p:nvSpPr>
-        <p:spPr/>
-        <p:txBody>
-          <a:bodyPr/>
-          <a:lstStyle/>
-          <a:p>
-            <a:r>
-              <a:rPr lang="fr-FR" dirty="0" err="1" smtClean="0"/>
-              <a:t>Vates</a:t>
-            </a:r>
-            <a:endParaRPr lang="fr-FR" dirty="0"/>
-          </a:p>
-        </p:txBody>
-      </p:sp>
-      <p:sp>
-        <p:nvSpPr>
-          <p:cNvPr id="3" name="Content Placeholder 2"/>
-          <p:cNvSpPr>
-            <a:spLocks noGrp="1"/>
-          </p:cNvSpPr>
-          <p:nvPr>
-            <p:ph idx="1"/>
-          </p:nvPr>
-        </p:nvSpPr>
-        <p:spPr/>
-        <p:txBody>
-          <a:bodyPr/>
-          <a:lstStyle/>
-          <a:p>
-            <a:r>
-              <a:rPr lang="fr-FR" smtClean="0"/>
-              <a:t>6 salariés</a:t>
-            </a:r>
-          </a:p>
-          <a:p>
-            <a:r>
-              <a:rPr lang="fr-FR" dirty="0" smtClean="0"/>
-              <a:t>Créé en 2012</a:t>
-            </a:r>
-          </a:p>
-          <a:p>
-            <a:r>
-              <a:rPr lang="fr-FR" dirty="0" smtClean="0"/>
-              <a:t>Développe </a:t>
-            </a:r>
-            <a:r>
-              <a:rPr lang="fr-FR" dirty="0" err="1" smtClean="0"/>
-              <a:t>Xen</a:t>
-            </a:r>
-            <a:r>
-              <a:rPr lang="fr-FR" dirty="0" smtClean="0"/>
-              <a:t> Orchestra depuis 2014</a:t>
-            </a:r>
-          </a:p>
-          <a:p>
-            <a:r>
-              <a:rPr lang="fr-FR" dirty="0" err="1" smtClean="0"/>
-              <a:t>Minalogic</a:t>
-            </a:r>
-            <a:endParaRPr lang="fr-FR" dirty="0" smtClean="0"/>
-          </a:p>
-          <a:p>
-            <a:r>
-              <a:rPr lang="fr-FR" dirty="0" smtClean="0"/>
-              <a:t>Utilise différents outils de gestion de projet</a:t>
-            </a:r>
-          </a:p>
-        </p:txBody>
-      </p:sp>
-      <p:pic>
-        <p:nvPicPr>
-          <p:cNvPr id="4" name="Picture 3"/>
-          <p:cNvPicPr>
-            <a:picLocks noChangeAspect="1"/>
-          </p:cNvPicPr>
-          <p:nvPr/>
-        </p:nvPicPr>
-        <p:blipFill>
-          <a:blip r:embed="rId3">
-            <a:extLst>
-              <a:ext uri="{28A0092B-C50C-407E-A947-70E740481C1C}">
-                <a14:useLocalDpi xmlns:a14="http://schemas.microsoft.com/office/drawing/2010/main" val="0"/>
-              </a:ext>
-            </a:extLst>
-          </a:blip>
-          <a:stretch>
-            <a:fillRect/>
-          </a:stretch>
-        </p:blipFill>
-        <p:spPr>
-          <a:xfrm>
-            <a:off x="7087267" y="2701163"/>
-            <a:ext cx="4222013" cy="1399812"/>
-          </a:xfrm>
-          <a:prstGeom prst="rect">
-            <a:avLst/>
-          </a:prstGeom>
-        </p:spPr>
-      </p:pic>
-      <p:sp>
-        <p:nvSpPr>
-          <p:cNvPr id="5" name="Footer Placeholder 4"/>
-          <p:cNvSpPr>
-            <a:spLocks noGrp="1"/>
-          </p:cNvSpPr>
-          <p:nvPr>
-            <p:ph type="ftr" sz="quarter" idx="11"/>
-          </p:nvPr>
-        </p:nvSpPr>
-        <p:spPr/>
-        <p:txBody>
-          <a:bodyPr/>
-          <a:lstStyle/>
-          <a:p>
-            <a:r>
-              <a:rPr lang="en-US" smtClean="0"/>
-              <a:t>Bois Cédric - Master WIC</a:t>
-            </a:r>
-            <a:endParaRPr lang="en-US" dirty="0"/>
-          </a:p>
-        </p:txBody>
-      </p:sp>
-      <p:sp>
-        <p:nvSpPr>
-          <p:cNvPr id="6" name="Slide Number Placeholder 5"/>
-          <p:cNvSpPr>
-            <a:spLocks noGrp="1"/>
-          </p:cNvSpPr>
-          <p:nvPr>
-            <p:ph type="sldNum" sz="quarter" idx="12"/>
-          </p:nvPr>
-        </p:nvSpPr>
-        <p:spPr/>
-        <p:txBody>
-          <a:bodyPr/>
-          <a:lstStyle/>
-          <a:p>
-            <a:fld id="{D57F1E4F-1CFF-5643-939E-217C01CDF565}" type="slidenum">
-              <a:rPr lang="en-US" smtClean="0"/>
-              <a:pPr/>
-              <a:t>2</a:t>
-            </a:fld>
-            <a:endParaRPr lang="en-US" dirty="0"/>
-          </a:p>
-        </p:txBody>
-      </p:sp>
-    </p:spTree>
-    <p:extLst>
-      <p:ext uri="{BB962C8B-B14F-4D97-AF65-F5344CB8AC3E}">
-        <p14:creationId xmlns:p14="http://schemas.microsoft.com/office/powerpoint/2010/main" val="3825295252"/>
-      </p:ext>
-    </p:extLst>
-  </p:cSld>
-  <p:clrMapOvr>
-    <a:masterClrMapping/>
-  </p:clrMapOvr>
-  <p:timing>
-    <p:tnLst>
-      <p:par>
-        <p:cTn id="1" dur="indefinite" restart="never" nodeType="tmRoot"/>
-      </p:par>
-    </p:tnLst>
-  </p:timing>
-</p:sld>
-</file>
-
-<file path=ppt/slides/slide3.xml><?xml version="1.0" encoding="utf-8"?>
-<p:sld xmlns:a="http://schemas.openxmlformats.org/drawingml/2006/main" xmlns:r="http://schemas.openxmlformats.org/officeDocument/2006/relationships" xmlns:p="http://schemas.openxmlformats.org/presentationml/2006/main">
-  <p:cSld>
-    <p:spTree>
-      <p:nvGrpSpPr>
-        <p:cNvPr id="1" name=""/>
-        <p:cNvGrpSpPr/>
-        <p:nvPr/>
-      </p:nvGrpSpPr>
-      <p:grpSpPr>
-        <a:xfrm>
-          <a:off x="0" y="0"/>
-          <a:ext cx="0" cy="0"/>
-          <a:chOff x="0" y="0"/>
-          <a:chExt cx="0" cy="0"/>
-        </a:xfrm>
-      </p:grpSpPr>
-      <p:sp>
-        <p:nvSpPr>
-          <p:cNvPr id="2" name="Title 1"/>
-          <p:cNvSpPr>
-            <a:spLocks noGrp="1"/>
-          </p:cNvSpPr>
-          <p:nvPr>
-            <p:ph type="title"/>
-          </p:nvPr>
-        </p:nvSpPr>
-        <p:spPr/>
-        <p:txBody>
-          <a:bodyPr/>
-          <a:lstStyle/>
-          <a:p>
-            <a:r>
-              <a:rPr lang="fr-FR" dirty="0" smtClean="0"/>
-              <a:t>Planning de travail</a:t>
-            </a:r>
-            <a:endParaRPr lang="fr-FR" dirty="0"/>
-          </a:p>
-        </p:txBody>
-      </p:sp>
-      <p:sp>
-        <p:nvSpPr>
-          <p:cNvPr id="3" name="Content Placeholder 2"/>
-          <p:cNvSpPr>
-            <a:spLocks noGrp="1"/>
-          </p:cNvSpPr>
-          <p:nvPr>
-            <p:ph idx="1"/>
-          </p:nvPr>
-        </p:nvSpPr>
-        <p:spPr/>
-        <p:txBody>
-          <a:bodyPr/>
-          <a:lstStyle/>
-          <a:p>
-            <a:endParaRPr lang="fr-FR" dirty="0"/>
-          </a:p>
-        </p:txBody>
-      </p:sp>
-      <p:pic>
-        <p:nvPicPr>
-          <p:cNvPr id="4" name="Image 3" descr="C:\Users\CCCCC\Documents\journalStage\Gantt.jpg"/>
-          <p:cNvPicPr/>
-          <p:nvPr/>
-        </p:nvPicPr>
-        <p:blipFill>
-          <a:blip r:embed="rId3" cstate="print"/>
-          <a:srcRect t="19620"/>
-          <a:stretch>
-            <a:fillRect/>
-          </a:stretch>
-        </p:blipFill>
-        <p:spPr bwMode="auto">
-          <a:xfrm>
-            <a:off x="576995" y="1930400"/>
-            <a:ext cx="10672988" cy="3715191"/>
-          </a:xfrm>
-          <a:prstGeom prst="rect">
-            <a:avLst/>
-          </a:prstGeom>
-          <a:noFill/>
-          <a:ln w="9525">
-            <a:noFill/>
-            <a:miter lim="800000"/>
-            <a:headEnd/>
-            <a:tailEnd/>
-          </a:ln>
-        </p:spPr>
-      </p:pic>
-      <p:sp>
-        <p:nvSpPr>
-          <p:cNvPr id="5" name="Footer Placeholder 4"/>
-          <p:cNvSpPr>
-            <a:spLocks noGrp="1"/>
-          </p:cNvSpPr>
-          <p:nvPr>
-            <p:ph type="ftr" sz="quarter" idx="11"/>
-          </p:nvPr>
-        </p:nvSpPr>
-        <p:spPr/>
-        <p:txBody>
-          <a:bodyPr/>
-          <a:lstStyle/>
-          <a:p>
-            <a:r>
-              <a:rPr lang="en-US" smtClean="0"/>
-              <a:t>Bois Cédric - Master WIC</a:t>
-            </a:r>
-            <a:endParaRPr lang="en-US" dirty="0"/>
-          </a:p>
-        </p:txBody>
-      </p:sp>
-      <p:sp>
-        <p:nvSpPr>
-          <p:cNvPr id="6" name="Slide Number Placeholder 5"/>
-          <p:cNvSpPr>
-            <a:spLocks noGrp="1"/>
-          </p:cNvSpPr>
-          <p:nvPr>
-            <p:ph type="sldNum" sz="quarter" idx="12"/>
-          </p:nvPr>
-        </p:nvSpPr>
-        <p:spPr/>
-        <p:txBody>
-          <a:bodyPr/>
-          <a:lstStyle/>
-          <a:p>
-            <a:fld id="{D57F1E4F-1CFF-5643-939E-217C01CDF565}" type="slidenum">
-              <a:rPr lang="en-US" smtClean="0"/>
-              <a:pPr/>
-              <a:t>3</a:t>
-            </a:fld>
-            <a:endParaRPr lang="en-US" dirty="0"/>
-          </a:p>
-        </p:txBody>
-      </p:sp>
-    </p:spTree>
-    <p:extLst>
-      <p:ext uri="{BB962C8B-B14F-4D97-AF65-F5344CB8AC3E}">
-        <p14:creationId xmlns:p14="http://schemas.microsoft.com/office/powerpoint/2010/main" val="972397851"/>
-      </p:ext>
-    </p:extLst>
-  </p:cSld>
-  <p:clrMapOvr>
-    <a:masterClrMapping/>
-  </p:clrMapOvr>
-  <p:timing>
-    <p:tnLst>
-      <p:par>
-        <p:cTn id="1" dur="indefinite" restart="never" nodeType="tmRoot"/>
-      </p:par>
-    </p:tnLst>
-  </p:timing>
-</p:sld>
-</file>
-
-<file path=ppt/slides/slide4.xml><?xml version="1.0" encoding="utf-8"?>
-<p:sld xmlns:a="http://schemas.openxmlformats.org/drawingml/2006/main" xmlns:r="http://schemas.openxmlformats.org/officeDocument/2006/relationships" xmlns:p="http://schemas.openxmlformats.org/presentationml/2006/main">
-  <p:cSld>
-    <p:spTree>
-      <p:nvGrpSpPr>
-        <p:cNvPr id="1" name=""/>
-        <p:cNvGrpSpPr/>
-        <p:nvPr/>
-      </p:nvGrpSpPr>
-      <p:grpSpPr>
-        <a:xfrm>
-          <a:off x="0" y="0"/>
-          <a:ext cx="0" cy="0"/>
-          <a:chOff x="0" y="0"/>
-          <a:chExt cx="0" cy="0"/>
-        </a:xfrm>
-      </p:grpSpPr>
-      <p:sp>
-        <p:nvSpPr>
-          <p:cNvPr id="2" name="Title 1"/>
-          <p:cNvSpPr>
-            <a:spLocks noGrp="1"/>
-          </p:cNvSpPr>
-          <p:nvPr>
-            <p:ph type="title"/>
-          </p:nvPr>
-        </p:nvSpPr>
-        <p:spPr/>
-        <p:txBody>
-          <a:bodyPr/>
-          <a:lstStyle/>
-          <a:p>
-            <a:r>
-              <a:rPr lang="fr-FR" dirty="0" err="1" smtClean="0"/>
-              <a:t>React</a:t>
-            </a:r>
-            <a:r>
-              <a:rPr lang="fr-FR" dirty="0" smtClean="0"/>
-              <a:t> JS</a:t>
-            </a:r>
-            <a:endParaRPr lang="fr-FR" dirty="0"/>
-          </a:p>
-        </p:txBody>
-      </p:sp>
-      <p:sp>
-        <p:nvSpPr>
-          <p:cNvPr id="3" name="Content Placeholder 2"/>
-          <p:cNvSpPr>
-            <a:spLocks noGrp="1"/>
-          </p:cNvSpPr>
-          <p:nvPr>
-            <p:ph idx="1"/>
-          </p:nvPr>
-        </p:nvSpPr>
-        <p:spPr/>
-        <p:txBody>
-          <a:bodyPr/>
-          <a:lstStyle/>
-          <a:p>
-            <a:pPr marL="0" indent="0">
-              <a:buNone/>
-            </a:pPr>
-            <a:r>
-              <a:rPr lang="fr-FR" dirty="0" smtClean="0"/>
-              <a:t>Programmation par composants :</a:t>
-            </a:r>
-          </a:p>
-          <a:p>
-            <a:r>
-              <a:rPr lang="fr-FR" dirty="0" err="1" smtClean="0"/>
-              <a:t>Props</a:t>
-            </a:r>
-            <a:r>
-              <a:rPr lang="fr-FR" dirty="0" smtClean="0"/>
-              <a:t>, </a:t>
-            </a:r>
-            <a:r>
-              <a:rPr lang="fr-FR" dirty="0"/>
-              <a:t>S</a:t>
-            </a:r>
-            <a:r>
-              <a:rPr lang="fr-FR" dirty="0" smtClean="0"/>
-              <a:t>tate, </a:t>
-            </a:r>
-            <a:r>
-              <a:rPr lang="fr-FR" dirty="0" err="1" smtClean="0"/>
-              <a:t>Render</a:t>
-            </a:r>
-            <a:endParaRPr lang="fr-FR" dirty="0" smtClean="0"/>
-          </a:p>
-          <a:p>
-            <a:endParaRPr lang="fr-FR" dirty="0" smtClean="0"/>
-          </a:p>
-          <a:p>
-            <a:r>
-              <a:rPr lang="fr-FR" dirty="0" smtClean="0"/>
-              <a:t>Instanciation</a:t>
-            </a:r>
-          </a:p>
-          <a:p>
-            <a:r>
-              <a:rPr lang="fr-FR" dirty="0" smtClean="0"/>
-              <a:t>Déclaration d’un composant</a:t>
-            </a:r>
-            <a:endParaRPr lang="fr-FR" dirty="0"/>
-          </a:p>
-        </p:txBody>
-      </p:sp>
-      <p:pic>
-        <p:nvPicPr>
-          <p:cNvPr id="4" name="Image 3" descr="C:\Users\CCCCC\Downloads\Capture du 2017-05-30 20_42_47.png"/>
-          <p:cNvPicPr/>
-          <p:nvPr/>
-        </p:nvPicPr>
-        <p:blipFill rotWithShape="1">
-          <a:blip r:embed="rId3" cstate="print"/>
-          <a:srcRect l="21398" t="32779" r="65661" b="64792"/>
-          <a:stretch/>
-        </p:blipFill>
-        <p:spPr bwMode="auto">
-          <a:xfrm>
-            <a:off x="6046839" y="5737841"/>
-            <a:ext cx="2890683" cy="303521"/>
-          </a:xfrm>
-          <a:prstGeom prst="rect">
-            <a:avLst/>
-          </a:prstGeom>
-          <a:noFill/>
-          <a:ln w="9525">
-            <a:noFill/>
-            <a:miter lim="800000"/>
-            <a:headEnd/>
-            <a:tailEnd/>
-          </a:ln>
-        </p:spPr>
-      </p:pic>
-      <p:pic>
-        <p:nvPicPr>
-          <p:cNvPr id="5" name="Picture 4"/>
-          <p:cNvPicPr>
-            <a:picLocks noChangeAspect="1"/>
-          </p:cNvPicPr>
-          <p:nvPr/>
-        </p:nvPicPr>
-        <p:blipFill>
-          <a:blip r:embed="rId4"/>
-          <a:stretch>
-            <a:fillRect/>
-          </a:stretch>
-        </p:blipFill>
-        <p:spPr>
-          <a:xfrm>
-            <a:off x="4596582" y="2744350"/>
-            <a:ext cx="6710372" cy="2713250"/>
-          </a:xfrm>
-          <a:prstGeom prst="rect">
-            <a:avLst/>
-          </a:prstGeom>
-        </p:spPr>
-      </p:pic>
-      <p:sp>
-        <p:nvSpPr>
-          <p:cNvPr id="6" name="Footer Placeholder 5"/>
-          <p:cNvSpPr>
-            <a:spLocks noGrp="1"/>
-          </p:cNvSpPr>
-          <p:nvPr>
-            <p:ph type="ftr" sz="quarter" idx="11"/>
-          </p:nvPr>
-        </p:nvSpPr>
-        <p:spPr/>
-        <p:txBody>
-          <a:bodyPr/>
-          <a:lstStyle/>
-          <a:p>
-            <a:r>
-              <a:rPr lang="en-US" smtClean="0"/>
-              <a:t>Bois Cédric - Master WIC</a:t>
-            </a:r>
-            <a:endParaRPr lang="en-US" dirty="0"/>
-          </a:p>
-        </p:txBody>
-      </p:sp>
-      <p:sp>
-        <p:nvSpPr>
-          <p:cNvPr id="7" name="Slide Number Placeholder 6"/>
-          <p:cNvSpPr>
-            <a:spLocks noGrp="1"/>
-          </p:cNvSpPr>
-          <p:nvPr>
-            <p:ph type="sldNum" sz="quarter" idx="12"/>
-          </p:nvPr>
-        </p:nvSpPr>
-        <p:spPr/>
-        <p:txBody>
-          <a:bodyPr/>
-          <a:lstStyle/>
-          <a:p>
-            <a:fld id="{D57F1E4F-1CFF-5643-939E-217C01CDF565}" type="slidenum">
-              <a:rPr lang="en-US" smtClean="0"/>
-              <a:pPr/>
-              <a:t>4</a:t>
-            </a:fld>
-            <a:endParaRPr lang="en-US" dirty="0"/>
-          </a:p>
-        </p:txBody>
-      </p:sp>
-    </p:spTree>
-    <p:extLst>
-      <p:ext uri="{BB962C8B-B14F-4D97-AF65-F5344CB8AC3E}">
-        <p14:creationId xmlns:p14="http://schemas.microsoft.com/office/powerpoint/2010/main" val="2425775742"/>
-      </p:ext>
-    </p:extLst>
-  </p:cSld>
-  <p:clrMapOvr>
-    <a:masterClrMapping/>
-  </p:clrMapOvr>
-  <p:timing>
-    <p:tnLst>
-      <p:par>
-        <p:cTn id="1" dur="indefinite" restart="never" nodeType="tmRoot"/>
-      </p:par>
-    </p:tnLst>
-  </p:timing>
-</p:sld>
-</file>
-
-<file path=ppt/slides/slide5.xml><?xml version="1.0" encoding="utf-8"?>
-<p:sld xmlns:a="http://schemas.openxmlformats.org/drawingml/2006/main" xmlns:r="http://schemas.openxmlformats.org/officeDocument/2006/relationships" xmlns:p="http://schemas.openxmlformats.org/presentationml/2006/main">
-  <p:cSld>
-    <p:spTree>
-      <p:nvGrpSpPr>
-        <p:cNvPr id="1" name=""/>
-        <p:cNvGrpSpPr/>
-        <p:nvPr/>
-      </p:nvGrpSpPr>
-      <p:grpSpPr>
-        <a:xfrm>
-          <a:off x="0" y="0"/>
-          <a:ext cx="0" cy="0"/>
-          <a:chOff x="0" y="0"/>
-          <a:chExt cx="0" cy="0"/>
-        </a:xfrm>
-      </p:grpSpPr>
-      <p:sp>
-        <p:nvSpPr>
-          <p:cNvPr id="2" name="Titre 1"/>
-          <p:cNvSpPr>
-            <a:spLocks noGrp="1"/>
-          </p:cNvSpPr>
-          <p:nvPr>
-            <p:ph type="title"/>
-          </p:nvPr>
-        </p:nvSpPr>
-        <p:spPr/>
-        <p:txBody>
-          <a:bodyPr/>
-          <a:lstStyle/>
-          <a:p>
-            <a:r>
-              <a:rPr lang="fr-FR" dirty="0" err="1"/>
-              <a:t>React</a:t>
-            </a:r>
-            <a:r>
-              <a:rPr lang="fr-FR" dirty="0"/>
-              <a:t> JS</a:t>
-            </a:r>
-          </a:p>
-        </p:txBody>
-      </p:sp>
-      <p:sp>
-        <p:nvSpPr>
-          <p:cNvPr id="3" name="Espace réservé du contenu 2"/>
-          <p:cNvSpPr>
-            <a:spLocks noGrp="1"/>
-          </p:cNvSpPr>
-          <p:nvPr>
-            <p:ph idx="1"/>
-          </p:nvPr>
-        </p:nvSpPr>
-        <p:spPr/>
-        <p:txBody>
-          <a:bodyPr/>
-          <a:lstStyle/>
-          <a:p>
-            <a:r>
-              <a:rPr lang="fr-FR" dirty="0" err="1"/>
-              <a:t>Stateless</a:t>
-            </a:r>
-            <a:r>
-              <a:rPr lang="fr-FR" dirty="0"/>
-              <a:t>, </a:t>
-            </a:r>
-            <a:r>
-              <a:rPr lang="fr-FR" dirty="0" err="1"/>
-              <a:t>stateful</a:t>
-            </a:r>
-            <a:endParaRPr lang="fr-FR" dirty="0"/>
-          </a:p>
-          <a:p>
-            <a:endParaRPr lang="fr-FR" dirty="0"/>
-          </a:p>
-        </p:txBody>
-      </p:sp>
-      <p:pic>
-        <p:nvPicPr>
-          <p:cNvPr id="4" name="Image 3" descr="C:\Users\CCCCC\Downloads\Capture du 2017-06-04 17_07_42.png"/>
-          <p:cNvPicPr/>
-          <p:nvPr/>
-        </p:nvPicPr>
-        <p:blipFill>
-          <a:blip r:embed="rId3" cstate="print"/>
-          <a:srcRect l="15318" t="15278" r="59029" b="76576"/>
-          <a:stretch>
-            <a:fillRect/>
-          </a:stretch>
-        </p:blipFill>
-        <p:spPr bwMode="auto">
-          <a:xfrm>
-            <a:off x="443388" y="3664843"/>
-            <a:ext cx="4916791" cy="872263"/>
-          </a:xfrm>
-          <a:prstGeom prst="rect">
-            <a:avLst/>
-          </a:prstGeom>
-          <a:noFill/>
-          <a:ln w="9525">
-            <a:noFill/>
-            <a:miter lim="800000"/>
-            <a:headEnd/>
-            <a:tailEnd/>
-          </a:ln>
-        </p:spPr>
-      </p:pic>
-      <p:pic>
-        <p:nvPicPr>
-          <p:cNvPr id="5" name="Image 4" descr="C:\Users\CCCCC\Downloads\Capture du 2017-06-04 01_15_15.png"/>
-          <p:cNvPicPr/>
-          <p:nvPr/>
-        </p:nvPicPr>
-        <p:blipFill rotWithShape="1">
-          <a:blip r:embed="rId4" cstate="print"/>
-          <a:srcRect l="17486" t="15335" r="41645" b="32231"/>
-          <a:stretch/>
-        </p:blipFill>
-        <p:spPr bwMode="auto">
-          <a:xfrm>
-            <a:off x="5567585" y="1930400"/>
-            <a:ext cx="6372218" cy="4597717"/>
-          </a:xfrm>
-          <a:prstGeom prst="rect">
-            <a:avLst/>
-          </a:prstGeom>
-          <a:noFill/>
-          <a:ln>
-            <a:noFill/>
-          </a:ln>
-          <a:extLst>
-            <a:ext uri="{53640926-AAD7-44D8-BBD7-CCE9431645EC}">
-              <a14:shadowObscured xmlns:a14="http://schemas.microsoft.com/office/drawing/2010/main"/>
-            </a:ext>
-          </a:extLst>
-        </p:spPr>
-      </p:pic>
-      <p:sp>
-        <p:nvSpPr>
-          <p:cNvPr id="6" name="Footer Placeholder 5"/>
-          <p:cNvSpPr>
-            <a:spLocks noGrp="1"/>
-          </p:cNvSpPr>
-          <p:nvPr>
-            <p:ph type="ftr" sz="quarter" idx="11"/>
-          </p:nvPr>
-        </p:nvSpPr>
-        <p:spPr/>
-        <p:txBody>
-          <a:bodyPr/>
-          <a:lstStyle/>
-          <a:p>
-            <a:r>
-              <a:rPr lang="en-US" smtClean="0"/>
-              <a:t>Bois Cédric - Master WIC</a:t>
-            </a:r>
-            <a:endParaRPr lang="en-US" dirty="0"/>
-          </a:p>
-        </p:txBody>
-      </p:sp>
-      <p:sp>
-        <p:nvSpPr>
-          <p:cNvPr id="7" name="Slide Number Placeholder 6"/>
-          <p:cNvSpPr>
-            <a:spLocks noGrp="1"/>
-          </p:cNvSpPr>
-          <p:nvPr>
-            <p:ph type="sldNum" sz="quarter" idx="12"/>
-          </p:nvPr>
-        </p:nvSpPr>
-        <p:spPr/>
-        <p:txBody>
-          <a:bodyPr/>
-          <a:lstStyle/>
-          <a:p>
-            <a:fld id="{D57F1E4F-1CFF-5643-939E-217C01CDF565}" type="slidenum">
-              <a:rPr lang="en-US" smtClean="0"/>
-              <a:pPr/>
-              <a:t>5</a:t>
-            </a:fld>
-            <a:endParaRPr lang="en-US" dirty="0"/>
-          </a:p>
-        </p:txBody>
-      </p:sp>
-    </p:spTree>
-    <p:extLst>
-      <p:ext uri="{BB962C8B-B14F-4D97-AF65-F5344CB8AC3E}">
-        <p14:creationId xmlns:p14="http://schemas.microsoft.com/office/powerpoint/2010/main" val="240404320"/>
-      </p:ext>
-    </p:extLst>
-  </p:cSld>
-  <p:clrMapOvr>
-    <a:masterClrMapping/>
-  </p:clrMapOvr>
-  <p:timing>
-    <p:tnLst>
-      <p:par>
-        <p:cTn id="1" dur="indefinite" restart="never" nodeType="tmRoot"/>
-      </p:par>
-    </p:tnLst>
-  </p:timing>
-</p:sld>
-</file>
-
-<file path=ppt/slides/slide6.xml><?xml version="1.0" encoding="utf-8"?>
-<p:sld xmlns:a="http://schemas.openxmlformats.org/drawingml/2006/main" xmlns:r="http://schemas.openxmlformats.org/officeDocument/2006/relationships" xmlns:p="http://schemas.openxmlformats.org/presentationml/2006/main">
-  <p:cSld>
-    <p:spTree>
-      <p:nvGrpSpPr>
-        <p:cNvPr id="1" name=""/>
-        <p:cNvGrpSpPr/>
-        <p:nvPr/>
-      </p:nvGrpSpPr>
-      <p:grpSpPr>
-        <a:xfrm>
-          <a:off x="0" y="0"/>
-          <a:ext cx="0" cy="0"/>
-          <a:chOff x="0" y="0"/>
-          <a:chExt cx="0" cy="0"/>
-        </a:xfrm>
-      </p:grpSpPr>
-      <p:sp>
-        <p:nvSpPr>
           <p:cNvPr id="2" name="Title 1"/>
           <p:cNvSpPr>
             <a:spLocks noGrp="1"/>
@@ -8790,7 +7893,7 @@
             <a:fld id="{D57F1E4F-1CFF-5643-939E-217C01CDF565}" type="slidenum">
               <a:rPr lang="en-US" smtClean="0"/>
               <a:pPr/>
-              <a:t>6</a:t>
+              <a:t>10</a:t>
             </a:fld>
             <a:endParaRPr lang="en-US" dirty="0"/>
           </a:p>
@@ -8816,7 +7919,7 @@
 </p:sld>
 </file>
 
-<file path=ppt/slides/slide7.xml><?xml version="1.0" encoding="utf-8"?>
+<file path=ppt/slides/slide11.xml><?xml version="1.0" encoding="utf-8"?>
 <p:sld xmlns:a="http://schemas.openxmlformats.org/drawingml/2006/main" xmlns:r="http://schemas.openxmlformats.org/officeDocument/2006/relationships" xmlns:p="http://schemas.openxmlformats.org/presentationml/2006/main">
   <p:cSld>
     <p:spTree>
@@ -9252,7 +8355,7 @@
             <a:fld id="{D57F1E4F-1CFF-5643-939E-217C01CDF565}" type="slidenum">
               <a:rPr lang="en-US" smtClean="0"/>
               <a:pPr/>
-              <a:t>7</a:t>
+              <a:t>11</a:t>
             </a:fld>
             <a:endParaRPr lang="en-US" dirty="0"/>
           </a:p>
@@ -9278,7 +8381,7 @@
 </p:sld>
 </file>
 
-<file path=ppt/slides/slide8.xml><?xml version="1.0" encoding="utf-8"?>
+<file path=ppt/slides/slide12.xml><?xml version="1.0" encoding="utf-8"?>
 <p:sld xmlns:a="http://schemas.openxmlformats.org/drawingml/2006/main" xmlns:r="http://schemas.openxmlformats.org/officeDocument/2006/relationships" xmlns:p="http://schemas.openxmlformats.org/presentationml/2006/main">
   <p:cSld>
     <p:spTree>
@@ -9454,7 +8557,7 @@
             <a:fld id="{D57F1E4F-1CFF-5643-939E-217C01CDF565}" type="slidenum">
               <a:rPr lang="en-US" smtClean="0"/>
               <a:pPr/>
-              <a:t>8</a:t>
+              <a:t>12</a:t>
             </a:fld>
             <a:endParaRPr lang="en-US" dirty="0"/>
           </a:p>
@@ -9480,7 +8583,7 @@
 </p:sld>
 </file>
 
-<file path=ppt/slides/slide9.xml><?xml version="1.0" encoding="utf-8"?>
+<file path=ppt/slides/slide13.xml><?xml version="1.0" encoding="utf-8"?>
 <p:sld xmlns:a="http://schemas.openxmlformats.org/drawingml/2006/main" xmlns:r="http://schemas.openxmlformats.org/officeDocument/2006/relationships" xmlns:p="http://schemas.openxmlformats.org/presentationml/2006/main">
   <p:cSld>
     <p:spTree>
@@ -9641,7 +8744,7 @@
             <a:fld id="{D57F1E4F-1CFF-5643-939E-217C01CDF565}" type="slidenum">
               <a:rPr lang="en-US" smtClean="0"/>
               <a:pPr/>
-              <a:t>9</a:t>
+              <a:t>13</a:t>
             </a:fld>
             <a:endParaRPr lang="en-US" dirty="0"/>
           </a:p>
@@ -9664,6 +8767,4385 @@
       </p:par>
     </p:tnLst>
   </p:timing>
+</p:sld>
+</file>
+
+<file path=ppt/slides/slide14.xml><?xml version="1.0" encoding="utf-8"?>
+<p:sld xmlns:a="http://schemas.openxmlformats.org/drawingml/2006/main" xmlns:r="http://schemas.openxmlformats.org/officeDocument/2006/relationships" xmlns:p="http://schemas.openxmlformats.org/presentationml/2006/main">
+  <p:cSld>
+    <p:spTree>
+      <p:nvGrpSpPr>
+        <p:cNvPr id="1" name=""/>
+        <p:cNvGrpSpPr/>
+        <p:nvPr/>
+      </p:nvGrpSpPr>
+      <p:grpSpPr>
+        <a:xfrm>
+          <a:off x="0" y="0"/>
+          <a:ext cx="0" cy="0"/>
+          <a:chOff x="0" y="0"/>
+          <a:chExt cx="0" cy="0"/>
+        </a:xfrm>
+      </p:grpSpPr>
+      <p:sp>
+        <p:nvSpPr>
+          <p:cNvPr id="2" name="Titre 1"/>
+          <p:cNvSpPr>
+            <a:spLocks noGrp="1"/>
+          </p:cNvSpPr>
+          <p:nvPr>
+            <p:ph type="title"/>
+          </p:nvPr>
+        </p:nvSpPr>
+        <p:spPr/>
+        <p:txBody>
+          <a:bodyPr/>
+          <a:lstStyle/>
+          <a:p>
+            <a:r>
+              <a:rPr lang="fr-FR" dirty="0" err="1" smtClean="0"/>
+              <a:t>withState</a:t>
+            </a:r>
+            <a:r>
+              <a:rPr lang="fr-FR" dirty="0" smtClean="0"/>
+              <a:t> : Tests</a:t>
+            </a:r>
+            <a:endParaRPr lang="fr-FR" dirty="0"/>
+          </a:p>
+        </p:txBody>
+      </p:sp>
+      <p:sp>
+        <p:nvSpPr>
+          <p:cNvPr id="3" name="Espace réservé du contenu 2"/>
+          <p:cNvSpPr>
+            <a:spLocks noGrp="1"/>
+          </p:cNvSpPr>
+          <p:nvPr>
+            <p:ph idx="1"/>
+          </p:nvPr>
+        </p:nvSpPr>
+        <p:spPr/>
+        <p:txBody>
+          <a:bodyPr/>
+          <a:lstStyle/>
+          <a:p>
+            <a:r>
+              <a:rPr lang="fr-FR" dirty="0" smtClean="0"/>
+              <a:t>Librairie </a:t>
+            </a:r>
+            <a:r>
+              <a:rPr lang="fr-FR" dirty="0" err="1" smtClean="0"/>
+              <a:t>Jest</a:t>
+            </a:r>
+            <a:endParaRPr lang="fr-FR" dirty="0"/>
+          </a:p>
+        </p:txBody>
+      </p:sp>
+      <p:sp>
+        <p:nvSpPr>
+          <p:cNvPr id="5" name="Footer Placeholder 4"/>
+          <p:cNvSpPr>
+            <a:spLocks noGrp="1"/>
+          </p:cNvSpPr>
+          <p:nvPr>
+            <p:ph type="ftr" sz="quarter" idx="11"/>
+          </p:nvPr>
+        </p:nvSpPr>
+        <p:spPr/>
+        <p:txBody>
+          <a:bodyPr/>
+          <a:lstStyle/>
+          <a:p>
+            <a:r>
+              <a:rPr lang="en-US" smtClean="0"/>
+              <a:t>Bois Cédric - Master WIC</a:t>
+            </a:r>
+            <a:endParaRPr lang="en-US" dirty="0"/>
+          </a:p>
+        </p:txBody>
+      </p:sp>
+      <p:sp>
+        <p:nvSpPr>
+          <p:cNvPr id="6" name="Slide Number Placeholder 5"/>
+          <p:cNvSpPr>
+            <a:spLocks noGrp="1"/>
+          </p:cNvSpPr>
+          <p:nvPr>
+            <p:ph type="sldNum" sz="quarter" idx="12"/>
+          </p:nvPr>
+        </p:nvSpPr>
+        <p:spPr/>
+        <p:txBody>
+          <a:bodyPr/>
+          <a:lstStyle/>
+          <a:p>
+            <a:fld id="{D57F1E4F-1CFF-5643-939E-217C01CDF565}" type="slidenum">
+              <a:rPr lang="en-US" smtClean="0"/>
+              <a:pPr/>
+              <a:t>14</a:t>
+            </a:fld>
+            <a:endParaRPr lang="en-US" dirty="0"/>
+          </a:p>
+        </p:txBody>
+      </p:sp>
+    </p:spTree>
+    <p:extLst>
+      <p:ext uri="{BB962C8B-B14F-4D97-AF65-F5344CB8AC3E}">
+        <p14:creationId xmlns:p14="http://schemas.microsoft.com/office/powerpoint/2010/main" val="3553190663"/>
+      </p:ext>
+    </p:extLst>
+  </p:cSld>
+  <p:clrMapOvr>
+    <a:masterClrMapping/>
+  </p:clrMapOvr>
+  <p:timing>
+    <p:tnLst>
+      <p:par>
+        <p:cTn id="1" dur="indefinite" restart="never" nodeType="tmRoot"/>
+      </p:par>
+    </p:tnLst>
+  </p:timing>
+</p:sld>
+</file>
+
+<file path=ppt/slides/slide15.xml><?xml version="1.0" encoding="utf-8"?>
+<p:sld xmlns:a="http://schemas.openxmlformats.org/drawingml/2006/main" xmlns:r="http://schemas.openxmlformats.org/officeDocument/2006/relationships" xmlns:p="http://schemas.openxmlformats.org/presentationml/2006/main">
+  <p:cSld>
+    <p:spTree>
+      <p:nvGrpSpPr>
+        <p:cNvPr id="1" name=""/>
+        <p:cNvGrpSpPr/>
+        <p:nvPr/>
+      </p:nvGrpSpPr>
+      <p:grpSpPr>
+        <a:xfrm>
+          <a:off x="0" y="0"/>
+          <a:ext cx="0" cy="0"/>
+          <a:chOff x="0" y="0"/>
+          <a:chExt cx="0" cy="0"/>
+        </a:xfrm>
+      </p:grpSpPr>
+      <p:sp>
+        <p:nvSpPr>
+          <p:cNvPr id="2" name="Title 1"/>
+          <p:cNvSpPr>
+            <a:spLocks noGrp="1"/>
+          </p:cNvSpPr>
+          <p:nvPr>
+            <p:ph type="ctrTitle"/>
+          </p:nvPr>
+        </p:nvSpPr>
+        <p:spPr/>
+        <p:txBody>
+          <a:bodyPr/>
+          <a:lstStyle/>
+          <a:p>
+            <a:r>
+              <a:rPr lang="fr-FR" dirty="0" err="1" smtClean="0"/>
+              <a:t>Xen</a:t>
+            </a:r>
+            <a:r>
+              <a:rPr lang="fr-FR" dirty="0" smtClean="0"/>
+              <a:t> Orchestra</a:t>
+            </a:r>
+            <a:endParaRPr lang="fr-FR" dirty="0"/>
+          </a:p>
+        </p:txBody>
+      </p:sp>
+      <p:sp>
+        <p:nvSpPr>
+          <p:cNvPr id="3" name="Subtitle 2"/>
+          <p:cNvSpPr>
+            <a:spLocks noGrp="1"/>
+          </p:cNvSpPr>
+          <p:nvPr>
+            <p:ph type="subTitle" idx="1"/>
+          </p:nvPr>
+        </p:nvSpPr>
+        <p:spPr/>
+        <p:txBody>
+          <a:bodyPr/>
+          <a:lstStyle/>
+          <a:p>
+            <a:endParaRPr lang="fr-FR"/>
+          </a:p>
+        </p:txBody>
+      </p:sp>
+      <p:sp>
+        <p:nvSpPr>
+          <p:cNvPr id="4" name="Footer Placeholder 3"/>
+          <p:cNvSpPr>
+            <a:spLocks noGrp="1"/>
+          </p:cNvSpPr>
+          <p:nvPr>
+            <p:ph type="ftr" sz="quarter" idx="11"/>
+          </p:nvPr>
+        </p:nvSpPr>
+        <p:spPr/>
+        <p:txBody>
+          <a:bodyPr/>
+          <a:lstStyle/>
+          <a:p>
+            <a:r>
+              <a:rPr lang="en-US" smtClean="0"/>
+              <a:t>Bois Cédric - Master WIC</a:t>
+            </a:r>
+            <a:endParaRPr lang="en-US" dirty="0"/>
+          </a:p>
+        </p:txBody>
+      </p:sp>
+      <p:sp>
+        <p:nvSpPr>
+          <p:cNvPr id="5" name="Slide Number Placeholder 4"/>
+          <p:cNvSpPr>
+            <a:spLocks noGrp="1"/>
+          </p:cNvSpPr>
+          <p:nvPr>
+            <p:ph type="sldNum" sz="quarter" idx="12"/>
+          </p:nvPr>
+        </p:nvSpPr>
+        <p:spPr/>
+        <p:txBody>
+          <a:bodyPr/>
+          <a:lstStyle/>
+          <a:p>
+            <a:fld id="{D57F1E4F-1CFF-5643-939E-217C01CDF565}" type="slidenum">
+              <a:rPr lang="en-US" smtClean="0"/>
+              <a:pPr/>
+              <a:t>15</a:t>
+            </a:fld>
+            <a:endParaRPr lang="en-US" dirty="0"/>
+          </a:p>
+        </p:txBody>
+      </p:sp>
+      <p:pic>
+        <p:nvPicPr>
+          <p:cNvPr id="6" name="Picture 5"/>
+          <p:cNvPicPr>
+            <a:picLocks noChangeAspect="1"/>
+          </p:cNvPicPr>
+          <p:nvPr/>
+        </p:nvPicPr>
+        <p:blipFill>
+          <a:blip r:embed="rId2">
+            <a:extLst>
+              <a:ext uri="{28A0092B-C50C-407E-A947-70E740481C1C}">
+                <a14:useLocalDpi xmlns:a14="http://schemas.microsoft.com/office/drawing/2010/main" val="0"/>
+              </a:ext>
+            </a:extLst>
+          </a:blip>
+          <a:stretch>
+            <a:fillRect/>
+          </a:stretch>
+        </p:blipFill>
+        <p:spPr>
+          <a:xfrm>
+            <a:off x="550499" y="2173260"/>
+            <a:ext cx="2974472" cy="2974472"/>
+          </a:xfrm>
+          <a:prstGeom prst="rect">
+            <a:avLst/>
+          </a:prstGeom>
+        </p:spPr>
+      </p:pic>
+    </p:spTree>
+    <p:extLst>
+      <p:ext uri="{BB962C8B-B14F-4D97-AF65-F5344CB8AC3E}">
+        <p14:creationId xmlns:p14="http://schemas.microsoft.com/office/powerpoint/2010/main" val="316252298"/>
+      </p:ext>
+    </p:extLst>
+  </p:cSld>
+  <p:clrMapOvr>
+    <a:masterClrMapping/>
+  </p:clrMapOvr>
+</p:sld>
+</file>
+
+<file path=ppt/slides/slide16.xml><?xml version="1.0" encoding="utf-8"?>
+<p:sld xmlns:a="http://schemas.openxmlformats.org/drawingml/2006/main" xmlns:r="http://schemas.openxmlformats.org/officeDocument/2006/relationships" xmlns:p="http://schemas.openxmlformats.org/presentationml/2006/main">
+  <p:cSld>
+    <p:spTree>
+      <p:nvGrpSpPr>
+        <p:cNvPr id="1" name=""/>
+        <p:cNvGrpSpPr/>
+        <p:nvPr/>
+      </p:nvGrpSpPr>
+      <p:grpSpPr>
+        <a:xfrm>
+          <a:off x="0" y="0"/>
+          <a:ext cx="0" cy="0"/>
+          <a:chOff x="0" y="0"/>
+          <a:chExt cx="0" cy="0"/>
+        </a:xfrm>
+      </p:grpSpPr>
+      <p:sp>
+        <p:nvSpPr>
+          <p:cNvPr id="2" name="Title 1"/>
+          <p:cNvSpPr>
+            <a:spLocks noGrp="1"/>
+          </p:cNvSpPr>
+          <p:nvPr>
+            <p:ph type="title"/>
+          </p:nvPr>
+        </p:nvSpPr>
+        <p:spPr/>
+        <p:txBody>
+          <a:bodyPr/>
+          <a:lstStyle/>
+          <a:p>
+            <a:r>
+              <a:rPr lang="fr-FR" dirty="0" err="1" smtClean="0"/>
+              <a:t>Xen</a:t>
+            </a:r>
+            <a:r>
+              <a:rPr lang="fr-FR" dirty="0" smtClean="0"/>
+              <a:t> Orchestra</a:t>
+            </a:r>
+            <a:endParaRPr lang="fr-FR" dirty="0"/>
+          </a:p>
+        </p:txBody>
+      </p:sp>
+      <p:sp>
+        <p:nvSpPr>
+          <p:cNvPr id="3" name="Content Placeholder 2"/>
+          <p:cNvSpPr>
+            <a:spLocks noGrp="1"/>
+          </p:cNvSpPr>
+          <p:nvPr>
+            <p:ph idx="1"/>
+          </p:nvPr>
+        </p:nvSpPr>
+        <p:spPr/>
+        <p:txBody>
+          <a:bodyPr/>
+          <a:lstStyle/>
+          <a:p>
+            <a:r>
+              <a:rPr lang="fr-FR" dirty="0" smtClean="0"/>
+              <a:t>Gestionnaire de machines virtuelles</a:t>
+            </a:r>
+          </a:p>
+          <a:p>
+            <a:r>
+              <a:rPr lang="fr-FR" dirty="0" err="1" smtClean="0"/>
+              <a:t>XenServer</a:t>
+            </a:r>
+            <a:endParaRPr lang="fr-FR" dirty="0" smtClean="0"/>
+          </a:p>
+          <a:p>
+            <a:r>
+              <a:rPr lang="fr-FR" dirty="0" err="1" smtClean="0"/>
+              <a:t>Xapi</a:t>
+            </a:r>
+            <a:endParaRPr lang="fr-FR" dirty="0" smtClean="0"/>
+          </a:p>
+          <a:p>
+            <a:endParaRPr lang="fr-FR" dirty="0" smtClean="0"/>
+          </a:p>
+          <a:p>
+            <a:r>
+              <a:rPr lang="fr-FR" dirty="0" smtClean="0"/>
+              <a:t>Composé de trois modules :</a:t>
+            </a:r>
+          </a:p>
+          <a:p>
+            <a:pPr lvl="1"/>
+            <a:r>
+              <a:rPr lang="fr-FR" dirty="0" err="1" smtClean="0"/>
+              <a:t>Xo</a:t>
+            </a:r>
+            <a:r>
+              <a:rPr lang="fr-FR" dirty="0" smtClean="0"/>
+              <a:t>-server</a:t>
+            </a:r>
+          </a:p>
+          <a:p>
+            <a:pPr lvl="1"/>
+            <a:r>
+              <a:rPr lang="fr-FR" dirty="0" err="1" smtClean="0"/>
+              <a:t>Xo</a:t>
+            </a:r>
+            <a:r>
+              <a:rPr lang="fr-FR" dirty="0" smtClean="0"/>
+              <a:t>-web</a:t>
+            </a:r>
+          </a:p>
+          <a:p>
+            <a:pPr lvl="1"/>
+            <a:r>
+              <a:rPr lang="fr-FR" dirty="0" err="1" smtClean="0"/>
+              <a:t>Xo</a:t>
+            </a:r>
+            <a:r>
+              <a:rPr lang="fr-FR" dirty="0" smtClean="0"/>
+              <a:t>-CLI</a:t>
+            </a:r>
+            <a:endParaRPr lang="fr-FR" dirty="0"/>
+          </a:p>
+        </p:txBody>
+      </p:sp>
+      <p:sp>
+        <p:nvSpPr>
+          <p:cNvPr id="4" name="Footer Placeholder 3"/>
+          <p:cNvSpPr>
+            <a:spLocks noGrp="1"/>
+          </p:cNvSpPr>
+          <p:nvPr>
+            <p:ph type="ftr" sz="quarter" idx="11"/>
+          </p:nvPr>
+        </p:nvSpPr>
+        <p:spPr/>
+        <p:txBody>
+          <a:bodyPr/>
+          <a:lstStyle/>
+          <a:p>
+            <a:r>
+              <a:rPr lang="en-US" smtClean="0"/>
+              <a:t>Bois Cédric - Master WIC</a:t>
+            </a:r>
+            <a:endParaRPr lang="en-US" dirty="0"/>
+          </a:p>
+        </p:txBody>
+      </p:sp>
+      <p:sp>
+        <p:nvSpPr>
+          <p:cNvPr id="5" name="Slide Number Placeholder 4"/>
+          <p:cNvSpPr>
+            <a:spLocks noGrp="1"/>
+          </p:cNvSpPr>
+          <p:nvPr>
+            <p:ph type="sldNum" sz="quarter" idx="12"/>
+          </p:nvPr>
+        </p:nvSpPr>
+        <p:spPr/>
+        <p:txBody>
+          <a:bodyPr/>
+          <a:lstStyle/>
+          <a:p>
+            <a:fld id="{D57F1E4F-1CFF-5643-939E-217C01CDF565}" type="slidenum">
+              <a:rPr lang="en-US" smtClean="0"/>
+              <a:pPr/>
+              <a:t>16</a:t>
+            </a:fld>
+            <a:endParaRPr lang="en-US" dirty="0"/>
+          </a:p>
+        </p:txBody>
+      </p:sp>
+      <p:pic>
+        <p:nvPicPr>
+          <p:cNvPr id="8" name="Picture 7"/>
+          <p:cNvPicPr>
+            <a:picLocks noChangeAspect="1"/>
+          </p:cNvPicPr>
+          <p:nvPr/>
+        </p:nvPicPr>
+        <p:blipFill rotWithShape="1">
+          <a:blip r:embed="rId2">
+            <a:extLst>
+              <a:ext uri="{28A0092B-C50C-407E-A947-70E740481C1C}">
+                <a14:useLocalDpi xmlns:a14="http://schemas.microsoft.com/office/drawing/2010/main" val="0"/>
+              </a:ext>
+            </a:extLst>
+          </a:blip>
+          <a:srcRect t="5935" b="16465"/>
+          <a:stretch/>
+        </p:blipFill>
+        <p:spPr>
+          <a:xfrm>
+            <a:off x="4645926" y="2490949"/>
+            <a:ext cx="5248589" cy="3054699"/>
+          </a:xfrm>
+          <a:prstGeom prst="rect">
+            <a:avLst/>
+          </a:prstGeom>
+        </p:spPr>
+      </p:pic>
+    </p:spTree>
+    <p:extLst>
+      <p:ext uri="{BB962C8B-B14F-4D97-AF65-F5344CB8AC3E}">
+        <p14:creationId xmlns:p14="http://schemas.microsoft.com/office/powerpoint/2010/main" val="723456919"/>
+      </p:ext>
+    </p:extLst>
+  </p:cSld>
+  <p:clrMapOvr>
+    <a:masterClrMapping/>
+  </p:clrMapOvr>
+  <p:timing>
+    <p:tnLst>
+      <p:par>
+        <p:cTn id="1" dur="indefinite" restart="never" nodeType="tmRoot"/>
+      </p:par>
+    </p:tnLst>
+  </p:timing>
+</p:sld>
+</file>
+
+<file path=ppt/slides/slide17.xml><?xml version="1.0" encoding="utf-8"?>
+<p:sld xmlns:a="http://schemas.openxmlformats.org/drawingml/2006/main" xmlns:r="http://schemas.openxmlformats.org/officeDocument/2006/relationships" xmlns:p="http://schemas.openxmlformats.org/presentationml/2006/main">
+  <p:cSld>
+    <p:spTree>
+      <p:nvGrpSpPr>
+        <p:cNvPr id="1" name=""/>
+        <p:cNvGrpSpPr/>
+        <p:nvPr/>
+      </p:nvGrpSpPr>
+      <p:grpSpPr>
+        <a:xfrm>
+          <a:off x="0" y="0"/>
+          <a:ext cx="0" cy="0"/>
+          <a:chOff x="0" y="0"/>
+          <a:chExt cx="0" cy="0"/>
+        </a:xfrm>
+      </p:grpSpPr>
+      <p:sp>
+        <p:nvSpPr>
+          <p:cNvPr id="2" name="Title 1"/>
+          <p:cNvSpPr>
+            <a:spLocks noGrp="1"/>
+          </p:cNvSpPr>
+          <p:nvPr>
+            <p:ph type="title"/>
+          </p:nvPr>
+        </p:nvSpPr>
+        <p:spPr/>
+        <p:txBody>
+          <a:bodyPr/>
+          <a:lstStyle/>
+          <a:p>
+            <a:r>
+              <a:rPr lang="fr-FR" dirty="0" err="1"/>
+              <a:t>Xen</a:t>
+            </a:r>
+            <a:r>
+              <a:rPr lang="fr-FR" dirty="0"/>
+              <a:t> Orchestra : Architecture</a:t>
+            </a:r>
+          </a:p>
+        </p:txBody>
+      </p:sp>
+      <p:sp>
+        <p:nvSpPr>
+          <p:cNvPr id="3" name="Text Placeholder 2"/>
+          <p:cNvSpPr>
+            <a:spLocks noGrp="1"/>
+          </p:cNvSpPr>
+          <p:nvPr>
+            <p:ph type="body" idx="1"/>
+          </p:nvPr>
+        </p:nvSpPr>
+        <p:spPr/>
+        <p:txBody>
+          <a:bodyPr/>
+          <a:lstStyle/>
+          <a:p>
+            <a:endParaRPr lang="fr-FR"/>
+          </a:p>
+        </p:txBody>
+      </p:sp>
+      <p:sp>
+        <p:nvSpPr>
+          <p:cNvPr id="4" name="Content Placeholder 3"/>
+          <p:cNvSpPr>
+            <a:spLocks noGrp="1"/>
+          </p:cNvSpPr>
+          <p:nvPr>
+            <p:ph sz="half" idx="2"/>
+          </p:nvPr>
+        </p:nvSpPr>
+        <p:spPr/>
+        <p:txBody>
+          <a:bodyPr/>
+          <a:lstStyle/>
+          <a:p>
+            <a:r>
+              <a:rPr lang="fr-FR" dirty="0" err="1" smtClean="0"/>
+              <a:t>Xo</a:t>
+            </a:r>
+            <a:r>
+              <a:rPr lang="fr-FR" dirty="0" smtClean="0"/>
+              <a:t>-server</a:t>
+            </a:r>
+            <a:endParaRPr lang="fr-FR" dirty="0"/>
+          </a:p>
+        </p:txBody>
+      </p:sp>
+      <p:sp>
+        <p:nvSpPr>
+          <p:cNvPr id="5" name="Text Placeholder 4"/>
+          <p:cNvSpPr>
+            <a:spLocks noGrp="1"/>
+          </p:cNvSpPr>
+          <p:nvPr>
+            <p:ph type="body" sz="quarter" idx="3"/>
+          </p:nvPr>
+        </p:nvSpPr>
+        <p:spPr/>
+        <p:txBody>
+          <a:bodyPr/>
+          <a:lstStyle/>
+          <a:p>
+            <a:endParaRPr lang="fr-FR"/>
+          </a:p>
+        </p:txBody>
+      </p:sp>
+      <p:sp>
+        <p:nvSpPr>
+          <p:cNvPr id="6" name="Content Placeholder 5"/>
+          <p:cNvSpPr>
+            <a:spLocks noGrp="1"/>
+          </p:cNvSpPr>
+          <p:nvPr>
+            <p:ph sz="quarter" idx="4"/>
+          </p:nvPr>
+        </p:nvSpPr>
+        <p:spPr/>
+        <p:txBody>
+          <a:bodyPr/>
+          <a:lstStyle/>
+          <a:p>
+            <a:r>
+              <a:rPr lang="fr-FR" dirty="0" err="1" smtClean="0"/>
+              <a:t>Xo</a:t>
+            </a:r>
+            <a:r>
+              <a:rPr lang="fr-FR" dirty="0" smtClean="0"/>
+              <a:t>-web</a:t>
+            </a:r>
+            <a:endParaRPr lang="fr-FR" dirty="0"/>
+          </a:p>
+        </p:txBody>
+      </p:sp>
+      <p:sp>
+        <p:nvSpPr>
+          <p:cNvPr id="7" name="Footer Placeholder 6"/>
+          <p:cNvSpPr>
+            <a:spLocks noGrp="1"/>
+          </p:cNvSpPr>
+          <p:nvPr>
+            <p:ph type="ftr" sz="quarter" idx="11"/>
+          </p:nvPr>
+        </p:nvSpPr>
+        <p:spPr/>
+        <p:txBody>
+          <a:bodyPr/>
+          <a:lstStyle/>
+          <a:p>
+            <a:r>
+              <a:rPr lang="en-US" smtClean="0"/>
+              <a:t>Bois Cédric - Master WIC</a:t>
+            </a:r>
+            <a:endParaRPr lang="en-US" dirty="0"/>
+          </a:p>
+        </p:txBody>
+      </p:sp>
+      <p:sp>
+        <p:nvSpPr>
+          <p:cNvPr id="8" name="Slide Number Placeholder 7"/>
+          <p:cNvSpPr>
+            <a:spLocks noGrp="1"/>
+          </p:cNvSpPr>
+          <p:nvPr>
+            <p:ph type="sldNum" sz="quarter" idx="12"/>
+          </p:nvPr>
+        </p:nvSpPr>
+        <p:spPr/>
+        <p:txBody>
+          <a:bodyPr/>
+          <a:lstStyle/>
+          <a:p>
+            <a:fld id="{D57F1E4F-1CFF-5643-939E-217C01CDF565}" type="slidenum">
+              <a:rPr lang="en-US" smtClean="0"/>
+              <a:pPr/>
+              <a:t>17</a:t>
+            </a:fld>
+            <a:endParaRPr lang="en-US" dirty="0"/>
+          </a:p>
+        </p:txBody>
+      </p:sp>
+      <p:pic>
+        <p:nvPicPr>
+          <p:cNvPr id="9" name="Picture 8"/>
+          <p:cNvPicPr/>
+          <p:nvPr/>
+        </p:nvPicPr>
+        <p:blipFill>
+          <a:blip r:embed="rId3" cstate="print">
+            <a:extLst>
+              <a:ext uri="{28A0092B-C50C-407E-A947-70E740481C1C}">
+                <a14:useLocalDpi xmlns:a14="http://schemas.microsoft.com/office/drawing/2010/main" val="0"/>
+              </a:ext>
+            </a:extLst>
+          </a:blip>
+          <a:stretch>
+            <a:fillRect/>
+          </a:stretch>
+        </p:blipFill>
+        <p:spPr>
+          <a:xfrm>
+            <a:off x="7908410" y="989220"/>
+            <a:ext cx="1365591" cy="5052142"/>
+          </a:xfrm>
+          <a:prstGeom prst="rect">
+            <a:avLst/>
+          </a:prstGeom>
+        </p:spPr>
+      </p:pic>
+      <p:pic>
+        <p:nvPicPr>
+          <p:cNvPr id="10" name="Picture 9"/>
+          <p:cNvPicPr/>
+          <p:nvPr/>
+        </p:nvPicPr>
+        <p:blipFill rotWithShape="1">
+          <a:blip r:embed="rId4" cstate="print">
+            <a:extLst>
+              <a:ext uri="{28A0092B-C50C-407E-A947-70E740481C1C}">
+                <a14:useLocalDpi xmlns:a14="http://schemas.microsoft.com/office/drawing/2010/main" val="0"/>
+              </a:ext>
+            </a:extLst>
+          </a:blip>
+          <a:srcRect l="1" r="31805" b="64758"/>
+          <a:stretch/>
+        </p:blipFill>
+        <p:spPr bwMode="auto">
+          <a:xfrm>
+            <a:off x="3076495" y="2160983"/>
+            <a:ext cx="2011887" cy="3412854"/>
+          </a:xfrm>
+          <a:prstGeom prst="rect">
+            <a:avLst/>
+          </a:prstGeom>
+          <a:ln>
+            <a:noFill/>
+          </a:ln>
+          <a:extLst>
+            <a:ext uri="{53640926-AAD7-44D8-BBD7-CCE9431645EC}">
+              <a14:shadowObscured xmlns:a14="http://schemas.microsoft.com/office/drawing/2010/main"/>
+            </a:ext>
+          </a:extLst>
+        </p:spPr>
+      </p:pic>
+    </p:spTree>
+    <p:extLst>
+      <p:ext uri="{BB962C8B-B14F-4D97-AF65-F5344CB8AC3E}">
+        <p14:creationId xmlns:p14="http://schemas.microsoft.com/office/powerpoint/2010/main" val="1898645450"/>
+      </p:ext>
+    </p:extLst>
+  </p:cSld>
+  <p:clrMapOvr>
+    <a:masterClrMapping/>
+  </p:clrMapOvr>
+  <p:timing>
+    <p:tnLst>
+      <p:par>
+        <p:cTn id="1" dur="indefinite" restart="never" nodeType="tmRoot"/>
+      </p:par>
+    </p:tnLst>
+  </p:timing>
+</p:sld>
+</file>
+
+<file path=ppt/slides/slide18.xml><?xml version="1.0" encoding="utf-8"?>
+<p:sld xmlns:a="http://schemas.openxmlformats.org/drawingml/2006/main" xmlns:r="http://schemas.openxmlformats.org/officeDocument/2006/relationships" xmlns:p="http://schemas.openxmlformats.org/presentationml/2006/main">
+  <p:cSld>
+    <p:spTree>
+      <p:nvGrpSpPr>
+        <p:cNvPr id="1" name=""/>
+        <p:cNvGrpSpPr/>
+        <p:nvPr/>
+      </p:nvGrpSpPr>
+      <p:grpSpPr>
+        <a:xfrm>
+          <a:off x="0" y="0"/>
+          <a:ext cx="0" cy="0"/>
+          <a:chOff x="0" y="0"/>
+          <a:chExt cx="0" cy="0"/>
+        </a:xfrm>
+      </p:grpSpPr>
+      <p:sp>
+        <p:nvSpPr>
+          <p:cNvPr id="2" name="Title 1"/>
+          <p:cNvSpPr>
+            <a:spLocks noGrp="1"/>
+          </p:cNvSpPr>
+          <p:nvPr>
+            <p:ph type="title"/>
+          </p:nvPr>
+        </p:nvSpPr>
+        <p:spPr/>
+        <p:txBody>
+          <a:bodyPr/>
+          <a:lstStyle/>
+          <a:p>
+            <a:r>
+              <a:rPr lang="fr-FR" dirty="0" err="1" smtClean="0"/>
+              <a:t>Xen</a:t>
+            </a:r>
+            <a:r>
+              <a:rPr lang="fr-FR" dirty="0" smtClean="0"/>
+              <a:t> Orchestra : Interface</a:t>
+            </a:r>
+            <a:endParaRPr lang="fr-FR" dirty="0"/>
+          </a:p>
+        </p:txBody>
+      </p:sp>
+      <p:sp>
+        <p:nvSpPr>
+          <p:cNvPr id="3" name="Text Placeholder 2"/>
+          <p:cNvSpPr>
+            <a:spLocks noGrp="1"/>
+          </p:cNvSpPr>
+          <p:nvPr>
+            <p:ph type="body" idx="1"/>
+          </p:nvPr>
+        </p:nvSpPr>
+        <p:spPr/>
+        <p:txBody>
+          <a:bodyPr/>
+          <a:lstStyle/>
+          <a:p>
+            <a:endParaRPr lang="fr-FR"/>
+          </a:p>
+        </p:txBody>
+      </p:sp>
+      <p:pic>
+        <p:nvPicPr>
+          <p:cNvPr id="9" name="Content Placeholder 8"/>
+          <p:cNvPicPr>
+            <a:picLocks noGrp="1" noChangeAspect="1"/>
+          </p:cNvPicPr>
+          <p:nvPr>
+            <p:ph sz="half" idx="2"/>
+          </p:nvPr>
+        </p:nvPicPr>
+        <p:blipFill rotWithShape="1">
+          <a:blip r:embed="rId3">
+            <a:extLst>
+              <a:ext uri="{28A0092B-C50C-407E-A947-70E740481C1C}">
+                <a14:useLocalDpi xmlns:a14="http://schemas.microsoft.com/office/drawing/2010/main" val="0"/>
+              </a:ext>
+            </a:extLst>
+          </a:blip>
+          <a:srcRect t="15303"/>
+          <a:stretch/>
+        </p:blipFill>
+        <p:spPr>
+          <a:xfrm>
+            <a:off x="676804" y="1435508"/>
+            <a:ext cx="8597728" cy="4096100"/>
+          </a:xfrm>
+        </p:spPr>
+      </p:pic>
+      <p:sp>
+        <p:nvSpPr>
+          <p:cNvPr id="7" name="Footer Placeholder 6"/>
+          <p:cNvSpPr>
+            <a:spLocks noGrp="1"/>
+          </p:cNvSpPr>
+          <p:nvPr>
+            <p:ph type="ftr" sz="quarter" idx="11"/>
+          </p:nvPr>
+        </p:nvSpPr>
+        <p:spPr/>
+        <p:txBody>
+          <a:bodyPr/>
+          <a:lstStyle/>
+          <a:p>
+            <a:r>
+              <a:rPr lang="en-US" smtClean="0"/>
+              <a:t>Bois Cédric - Master WIC</a:t>
+            </a:r>
+            <a:endParaRPr lang="en-US" dirty="0"/>
+          </a:p>
+        </p:txBody>
+      </p:sp>
+      <p:sp>
+        <p:nvSpPr>
+          <p:cNvPr id="8" name="Slide Number Placeholder 7"/>
+          <p:cNvSpPr>
+            <a:spLocks noGrp="1"/>
+          </p:cNvSpPr>
+          <p:nvPr>
+            <p:ph type="sldNum" sz="quarter" idx="12"/>
+          </p:nvPr>
+        </p:nvSpPr>
+        <p:spPr/>
+        <p:txBody>
+          <a:bodyPr/>
+          <a:lstStyle/>
+          <a:p>
+            <a:fld id="{D57F1E4F-1CFF-5643-939E-217C01CDF565}" type="slidenum">
+              <a:rPr lang="en-US" smtClean="0"/>
+              <a:pPr/>
+              <a:t>18</a:t>
+            </a:fld>
+            <a:endParaRPr lang="en-US" dirty="0"/>
+          </a:p>
+        </p:txBody>
+      </p:sp>
+    </p:spTree>
+    <p:extLst>
+      <p:ext uri="{BB962C8B-B14F-4D97-AF65-F5344CB8AC3E}">
+        <p14:creationId xmlns:p14="http://schemas.microsoft.com/office/powerpoint/2010/main" val="2324285767"/>
+      </p:ext>
+    </p:extLst>
+  </p:cSld>
+  <p:clrMapOvr>
+    <a:masterClrMapping/>
+  </p:clrMapOvr>
+</p:sld>
+</file>
+
+<file path=ppt/slides/slide19.xml><?xml version="1.0" encoding="utf-8"?>
+<p:sld xmlns:a="http://schemas.openxmlformats.org/drawingml/2006/main" xmlns:r="http://schemas.openxmlformats.org/officeDocument/2006/relationships" xmlns:p="http://schemas.openxmlformats.org/presentationml/2006/main">
+  <p:cSld>
+    <p:spTree>
+      <p:nvGrpSpPr>
+        <p:cNvPr id="1" name=""/>
+        <p:cNvGrpSpPr/>
+        <p:nvPr/>
+      </p:nvGrpSpPr>
+      <p:grpSpPr>
+        <a:xfrm>
+          <a:off x="0" y="0"/>
+          <a:ext cx="0" cy="0"/>
+          <a:chOff x="0" y="0"/>
+          <a:chExt cx="0" cy="0"/>
+        </a:xfrm>
+      </p:grpSpPr>
+      <p:sp>
+        <p:nvSpPr>
+          <p:cNvPr id="2" name="Title 1"/>
+          <p:cNvSpPr>
+            <a:spLocks noGrp="1"/>
+          </p:cNvSpPr>
+          <p:nvPr>
+            <p:ph type="title"/>
+          </p:nvPr>
+        </p:nvSpPr>
+        <p:spPr/>
+        <p:txBody>
+          <a:bodyPr/>
+          <a:lstStyle/>
+          <a:p>
+            <a:r>
+              <a:rPr lang="fr-FR" dirty="0" smtClean="0"/>
+              <a:t>Gestion des </a:t>
+            </a:r>
+            <a:r>
+              <a:rPr lang="fr-FR" dirty="0" err="1" smtClean="0"/>
+              <a:t>VmGroups</a:t>
+            </a:r>
+            <a:r>
+              <a:rPr lang="fr-FR" dirty="0" smtClean="0"/>
+              <a:t> : Objectifs</a:t>
+            </a:r>
+            <a:endParaRPr lang="fr-FR" dirty="0"/>
+          </a:p>
+        </p:txBody>
+      </p:sp>
+      <p:sp>
+        <p:nvSpPr>
+          <p:cNvPr id="3" name="Content Placeholder 2"/>
+          <p:cNvSpPr>
+            <a:spLocks noGrp="1"/>
+          </p:cNvSpPr>
+          <p:nvPr>
+            <p:ph idx="1"/>
+          </p:nvPr>
+        </p:nvSpPr>
+        <p:spPr/>
+        <p:txBody>
+          <a:bodyPr/>
+          <a:lstStyle/>
+          <a:p>
+            <a:r>
+              <a:rPr lang="fr-FR" dirty="0" smtClean="0"/>
+              <a:t>Groupe de machine virtuelles</a:t>
+            </a:r>
+          </a:p>
+          <a:p>
+            <a:r>
+              <a:rPr lang="fr-FR" dirty="0" smtClean="0"/>
+              <a:t>Démarrage et arrêt groupé</a:t>
+            </a:r>
+          </a:p>
+          <a:p>
+            <a:r>
+              <a:rPr lang="fr-FR" dirty="0" smtClean="0"/>
+              <a:t>Gestion de l’ordre de démarrage</a:t>
+            </a:r>
+          </a:p>
+          <a:p>
+            <a:r>
+              <a:rPr lang="fr-FR" dirty="0" smtClean="0"/>
+              <a:t>Caractérisé par :</a:t>
+            </a:r>
+          </a:p>
+          <a:p>
+            <a:pPr lvl="1"/>
+            <a:r>
+              <a:rPr lang="fr-FR" dirty="0" smtClean="0"/>
+              <a:t>Un label</a:t>
+            </a:r>
+          </a:p>
+          <a:p>
+            <a:pPr lvl="1"/>
+            <a:r>
+              <a:rPr lang="fr-FR" dirty="0" smtClean="0"/>
+              <a:t>Une description</a:t>
+            </a:r>
+          </a:p>
+          <a:p>
+            <a:pPr lvl="1"/>
+            <a:r>
+              <a:rPr lang="fr-FR" dirty="0" smtClean="0"/>
+              <a:t>La liste des machines</a:t>
+            </a:r>
+            <a:r>
+              <a:rPr lang="fr-FR" dirty="0"/>
+              <a:t> </a:t>
+            </a:r>
+            <a:r>
+              <a:rPr lang="fr-FR" dirty="0" smtClean="0"/>
+              <a:t>contenues dans le groupe</a:t>
+            </a:r>
+          </a:p>
+          <a:p>
+            <a:pPr lvl="1"/>
+            <a:r>
+              <a:rPr lang="fr-FR" dirty="0" smtClean="0"/>
+              <a:t>La liste des opérations possibles</a:t>
+            </a:r>
+          </a:p>
+          <a:p>
+            <a:pPr lvl="1"/>
+            <a:r>
+              <a:rPr lang="fr-FR" dirty="0" smtClean="0"/>
+              <a:t>La liste des opérations en cours</a:t>
+            </a:r>
+          </a:p>
+        </p:txBody>
+      </p:sp>
+      <p:sp>
+        <p:nvSpPr>
+          <p:cNvPr id="4" name="Footer Placeholder 3"/>
+          <p:cNvSpPr>
+            <a:spLocks noGrp="1"/>
+          </p:cNvSpPr>
+          <p:nvPr>
+            <p:ph type="ftr" sz="quarter" idx="11"/>
+          </p:nvPr>
+        </p:nvSpPr>
+        <p:spPr/>
+        <p:txBody>
+          <a:bodyPr/>
+          <a:lstStyle/>
+          <a:p>
+            <a:r>
+              <a:rPr lang="en-US" smtClean="0"/>
+              <a:t>Bois Cédric - Master WIC</a:t>
+            </a:r>
+            <a:endParaRPr lang="en-US" dirty="0"/>
+          </a:p>
+        </p:txBody>
+      </p:sp>
+      <p:sp>
+        <p:nvSpPr>
+          <p:cNvPr id="5" name="Slide Number Placeholder 4"/>
+          <p:cNvSpPr>
+            <a:spLocks noGrp="1"/>
+          </p:cNvSpPr>
+          <p:nvPr>
+            <p:ph type="sldNum" sz="quarter" idx="12"/>
+          </p:nvPr>
+        </p:nvSpPr>
+        <p:spPr/>
+        <p:txBody>
+          <a:bodyPr/>
+          <a:lstStyle/>
+          <a:p>
+            <a:fld id="{D57F1E4F-1CFF-5643-939E-217C01CDF565}" type="slidenum">
+              <a:rPr lang="en-US" smtClean="0"/>
+              <a:pPr/>
+              <a:t>19</a:t>
+            </a:fld>
+            <a:endParaRPr lang="en-US" dirty="0"/>
+          </a:p>
+        </p:txBody>
+      </p:sp>
+    </p:spTree>
+    <p:extLst>
+      <p:ext uri="{BB962C8B-B14F-4D97-AF65-F5344CB8AC3E}">
+        <p14:creationId xmlns:p14="http://schemas.microsoft.com/office/powerpoint/2010/main" val="3006790768"/>
+      </p:ext>
+    </p:extLst>
+  </p:cSld>
+  <p:clrMapOvr>
+    <a:masterClrMapping/>
+  </p:clrMapOvr>
+  <p:timing>
+    <p:tnLst>
+      <p:par>
+        <p:cTn id="1" dur="indefinite" restart="never" nodeType="tmRoot"/>
+      </p:par>
+    </p:tnLst>
+  </p:timing>
+</p:sld>
+</file>
+
+<file path=ppt/slides/slide2.xml><?xml version="1.0" encoding="utf-8"?>
+<p:sld xmlns:a="http://schemas.openxmlformats.org/drawingml/2006/main" xmlns:r="http://schemas.openxmlformats.org/officeDocument/2006/relationships" xmlns:p="http://schemas.openxmlformats.org/presentationml/2006/main">
+  <p:cSld>
+    <p:spTree>
+      <p:nvGrpSpPr>
+        <p:cNvPr id="1" name=""/>
+        <p:cNvGrpSpPr/>
+        <p:nvPr/>
+      </p:nvGrpSpPr>
+      <p:grpSpPr>
+        <a:xfrm>
+          <a:off x="0" y="0"/>
+          <a:ext cx="0" cy="0"/>
+          <a:chOff x="0" y="0"/>
+          <a:chExt cx="0" cy="0"/>
+        </a:xfrm>
+      </p:grpSpPr>
+      <p:sp>
+        <p:nvSpPr>
+          <p:cNvPr id="2" name="Title 1"/>
+          <p:cNvSpPr>
+            <a:spLocks noGrp="1"/>
+          </p:cNvSpPr>
+          <p:nvPr>
+            <p:ph type="title"/>
+          </p:nvPr>
+        </p:nvSpPr>
+        <p:spPr/>
+        <p:txBody>
+          <a:bodyPr/>
+          <a:lstStyle/>
+          <a:p>
+            <a:r>
+              <a:rPr lang="fr-FR" dirty="0" err="1" smtClean="0"/>
+              <a:t>Vates</a:t>
+            </a:r>
+            <a:endParaRPr lang="fr-FR" dirty="0"/>
+          </a:p>
+        </p:txBody>
+      </p:sp>
+      <p:sp>
+        <p:nvSpPr>
+          <p:cNvPr id="3" name="Content Placeholder 2"/>
+          <p:cNvSpPr>
+            <a:spLocks noGrp="1"/>
+          </p:cNvSpPr>
+          <p:nvPr>
+            <p:ph idx="1"/>
+          </p:nvPr>
+        </p:nvSpPr>
+        <p:spPr/>
+        <p:txBody>
+          <a:bodyPr/>
+          <a:lstStyle/>
+          <a:p>
+            <a:r>
+              <a:rPr lang="fr-FR" smtClean="0"/>
+              <a:t>6 salariés</a:t>
+            </a:r>
+          </a:p>
+          <a:p>
+            <a:r>
+              <a:rPr lang="fr-FR" dirty="0" smtClean="0"/>
+              <a:t>Créé en 2012</a:t>
+            </a:r>
+          </a:p>
+          <a:p>
+            <a:r>
+              <a:rPr lang="fr-FR" dirty="0" smtClean="0"/>
+              <a:t>Développe </a:t>
+            </a:r>
+            <a:r>
+              <a:rPr lang="fr-FR" dirty="0" err="1" smtClean="0"/>
+              <a:t>Xen</a:t>
+            </a:r>
+            <a:r>
+              <a:rPr lang="fr-FR" dirty="0" smtClean="0"/>
+              <a:t> Orchestra depuis 2014</a:t>
+            </a:r>
+          </a:p>
+          <a:p>
+            <a:r>
+              <a:rPr lang="fr-FR" dirty="0" err="1" smtClean="0"/>
+              <a:t>Minalogic</a:t>
+            </a:r>
+            <a:endParaRPr lang="fr-FR" dirty="0" smtClean="0"/>
+          </a:p>
+          <a:p>
+            <a:r>
+              <a:rPr lang="fr-FR" dirty="0" smtClean="0"/>
+              <a:t>Utilise différents outils de gestion de projet</a:t>
+            </a:r>
+          </a:p>
+        </p:txBody>
+      </p:sp>
+      <p:pic>
+        <p:nvPicPr>
+          <p:cNvPr id="4" name="Picture 3"/>
+          <p:cNvPicPr>
+            <a:picLocks noChangeAspect="1"/>
+          </p:cNvPicPr>
+          <p:nvPr/>
+        </p:nvPicPr>
+        <p:blipFill>
+          <a:blip r:embed="rId3">
+            <a:extLst>
+              <a:ext uri="{28A0092B-C50C-407E-A947-70E740481C1C}">
+                <a14:useLocalDpi xmlns:a14="http://schemas.microsoft.com/office/drawing/2010/main" val="0"/>
+              </a:ext>
+            </a:extLst>
+          </a:blip>
+          <a:stretch>
+            <a:fillRect/>
+          </a:stretch>
+        </p:blipFill>
+        <p:spPr>
+          <a:xfrm>
+            <a:off x="7087267" y="2701163"/>
+            <a:ext cx="4222013" cy="1399812"/>
+          </a:xfrm>
+          <a:prstGeom prst="rect">
+            <a:avLst/>
+          </a:prstGeom>
+        </p:spPr>
+      </p:pic>
+      <p:sp>
+        <p:nvSpPr>
+          <p:cNvPr id="5" name="Footer Placeholder 4"/>
+          <p:cNvSpPr>
+            <a:spLocks noGrp="1"/>
+          </p:cNvSpPr>
+          <p:nvPr>
+            <p:ph type="ftr" sz="quarter" idx="11"/>
+          </p:nvPr>
+        </p:nvSpPr>
+        <p:spPr/>
+        <p:txBody>
+          <a:bodyPr/>
+          <a:lstStyle/>
+          <a:p>
+            <a:r>
+              <a:rPr lang="en-US" smtClean="0"/>
+              <a:t>Bois Cédric - Master WIC</a:t>
+            </a:r>
+            <a:endParaRPr lang="en-US" dirty="0"/>
+          </a:p>
+        </p:txBody>
+      </p:sp>
+      <p:sp>
+        <p:nvSpPr>
+          <p:cNvPr id="6" name="Slide Number Placeholder 5"/>
+          <p:cNvSpPr>
+            <a:spLocks noGrp="1"/>
+          </p:cNvSpPr>
+          <p:nvPr>
+            <p:ph type="sldNum" sz="quarter" idx="12"/>
+          </p:nvPr>
+        </p:nvSpPr>
+        <p:spPr/>
+        <p:txBody>
+          <a:bodyPr/>
+          <a:lstStyle/>
+          <a:p>
+            <a:fld id="{D57F1E4F-1CFF-5643-939E-217C01CDF565}" type="slidenum">
+              <a:rPr lang="en-US" smtClean="0"/>
+              <a:pPr/>
+              <a:t>2</a:t>
+            </a:fld>
+            <a:endParaRPr lang="en-US" dirty="0"/>
+          </a:p>
+        </p:txBody>
+      </p:sp>
+    </p:spTree>
+    <p:extLst>
+      <p:ext uri="{BB962C8B-B14F-4D97-AF65-F5344CB8AC3E}">
+        <p14:creationId xmlns:p14="http://schemas.microsoft.com/office/powerpoint/2010/main" val="3825295252"/>
+      </p:ext>
+    </p:extLst>
+  </p:cSld>
+  <p:clrMapOvr>
+    <a:masterClrMapping/>
+  </p:clrMapOvr>
+  <p:timing>
+    <p:tnLst>
+      <p:par>
+        <p:cTn id="1" dur="indefinite" restart="never" nodeType="tmRoot"/>
+      </p:par>
+    </p:tnLst>
+  </p:timing>
+</p:sld>
+</file>
+
+<file path=ppt/slides/slide20.xml><?xml version="1.0" encoding="utf-8"?>
+<p:sld xmlns:a="http://schemas.openxmlformats.org/drawingml/2006/main" xmlns:r="http://schemas.openxmlformats.org/officeDocument/2006/relationships" xmlns:p="http://schemas.openxmlformats.org/presentationml/2006/main">
+  <p:cSld>
+    <p:spTree>
+      <p:nvGrpSpPr>
+        <p:cNvPr id="1" name=""/>
+        <p:cNvGrpSpPr/>
+        <p:nvPr/>
+      </p:nvGrpSpPr>
+      <p:grpSpPr>
+        <a:xfrm>
+          <a:off x="0" y="0"/>
+          <a:ext cx="0" cy="0"/>
+          <a:chOff x="0" y="0"/>
+          <a:chExt cx="0" cy="0"/>
+        </a:xfrm>
+      </p:grpSpPr>
+      <p:sp>
+        <p:nvSpPr>
+          <p:cNvPr id="2" name="Title 1"/>
+          <p:cNvSpPr>
+            <a:spLocks noGrp="1"/>
+          </p:cNvSpPr>
+          <p:nvPr>
+            <p:ph type="title"/>
+          </p:nvPr>
+        </p:nvSpPr>
+        <p:spPr/>
+        <p:txBody>
+          <a:bodyPr/>
+          <a:lstStyle/>
+          <a:p>
+            <a:r>
+              <a:rPr lang="fr-FR" dirty="0" smtClean="0"/>
+              <a:t>Gestion des </a:t>
+            </a:r>
+            <a:r>
+              <a:rPr lang="fr-FR" dirty="0" err="1" smtClean="0"/>
+              <a:t>VmGroups</a:t>
+            </a:r>
+            <a:r>
+              <a:rPr lang="fr-FR" dirty="0" smtClean="0"/>
+              <a:t>: test des fonctionnalités</a:t>
+            </a:r>
+            <a:endParaRPr lang="fr-FR" dirty="0"/>
+          </a:p>
+        </p:txBody>
+      </p:sp>
+      <p:sp>
+        <p:nvSpPr>
+          <p:cNvPr id="3" name="Content Placeholder 2"/>
+          <p:cNvSpPr>
+            <a:spLocks noGrp="1"/>
+          </p:cNvSpPr>
+          <p:nvPr>
+            <p:ph idx="1"/>
+          </p:nvPr>
+        </p:nvSpPr>
+        <p:spPr/>
+        <p:txBody>
+          <a:bodyPr/>
+          <a:lstStyle/>
+          <a:p>
+            <a:endParaRPr lang="fr-FR" dirty="0"/>
+          </a:p>
+        </p:txBody>
+      </p:sp>
+      <p:sp>
+        <p:nvSpPr>
+          <p:cNvPr id="4" name="Footer Placeholder 3"/>
+          <p:cNvSpPr>
+            <a:spLocks noGrp="1"/>
+          </p:cNvSpPr>
+          <p:nvPr>
+            <p:ph type="ftr" sz="quarter" idx="11"/>
+          </p:nvPr>
+        </p:nvSpPr>
+        <p:spPr/>
+        <p:txBody>
+          <a:bodyPr/>
+          <a:lstStyle/>
+          <a:p>
+            <a:r>
+              <a:rPr lang="en-US" smtClean="0"/>
+              <a:t>Bois Cédric - Master WIC</a:t>
+            </a:r>
+            <a:endParaRPr lang="en-US" dirty="0"/>
+          </a:p>
+        </p:txBody>
+      </p:sp>
+      <p:sp>
+        <p:nvSpPr>
+          <p:cNvPr id="5" name="Slide Number Placeholder 4"/>
+          <p:cNvSpPr>
+            <a:spLocks noGrp="1"/>
+          </p:cNvSpPr>
+          <p:nvPr>
+            <p:ph type="sldNum" sz="quarter" idx="12"/>
+          </p:nvPr>
+        </p:nvSpPr>
+        <p:spPr/>
+        <p:txBody>
+          <a:bodyPr/>
+          <a:lstStyle/>
+          <a:p>
+            <a:fld id="{D57F1E4F-1CFF-5643-939E-217C01CDF565}" type="slidenum">
+              <a:rPr lang="en-US" smtClean="0"/>
+              <a:pPr/>
+              <a:t>20</a:t>
+            </a:fld>
+            <a:endParaRPr lang="en-US" dirty="0"/>
+          </a:p>
+        </p:txBody>
+      </p:sp>
+    </p:spTree>
+    <p:extLst>
+      <p:ext uri="{BB962C8B-B14F-4D97-AF65-F5344CB8AC3E}">
+        <p14:creationId xmlns:p14="http://schemas.microsoft.com/office/powerpoint/2010/main" val="3707581125"/>
+      </p:ext>
+    </p:extLst>
+  </p:cSld>
+  <p:clrMapOvr>
+    <a:masterClrMapping/>
+  </p:clrMapOvr>
+</p:sld>
+</file>
+
+<file path=ppt/slides/slide21.xml><?xml version="1.0" encoding="utf-8"?>
+<p:sld xmlns:a="http://schemas.openxmlformats.org/drawingml/2006/main" xmlns:r="http://schemas.openxmlformats.org/officeDocument/2006/relationships" xmlns:p="http://schemas.openxmlformats.org/presentationml/2006/main">
+  <p:cSld>
+    <p:spTree>
+      <p:nvGrpSpPr>
+        <p:cNvPr id="1" name=""/>
+        <p:cNvGrpSpPr/>
+        <p:nvPr/>
+      </p:nvGrpSpPr>
+      <p:grpSpPr>
+        <a:xfrm>
+          <a:off x="0" y="0"/>
+          <a:ext cx="0" cy="0"/>
+          <a:chOff x="0" y="0"/>
+          <a:chExt cx="0" cy="0"/>
+        </a:xfrm>
+      </p:grpSpPr>
+      <p:sp>
+        <p:nvSpPr>
+          <p:cNvPr id="2" name="Title 1"/>
+          <p:cNvSpPr>
+            <a:spLocks noGrp="1"/>
+          </p:cNvSpPr>
+          <p:nvPr>
+            <p:ph type="title"/>
+          </p:nvPr>
+        </p:nvSpPr>
+        <p:spPr/>
+        <p:txBody>
+          <a:bodyPr/>
+          <a:lstStyle/>
+          <a:p>
+            <a:r>
+              <a:rPr lang="fr-FR" dirty="0"/>
+              <a:t>Gestion des </a:t>
+            </a:r>
+            <a:r>
+              <a:rPr lang="fr-FR" dirty="0" err="1" smtClean="0"/>
+              <a:t>VmAppliances</a:t>
+            </a:r>
+            <a:r>
+              <a:rPr lang="fr-FR" dirty="0" smtClean="0"/>
+              <a:t> : Développement de </a:t>
+            </a:r>
+            <a:r>
+              <a:rPr lang="fr-FR" dirty="0" err="1" smtClean="0"/>
+              <a:t>xo</a:t>
+            </a:r>
+            <a:r>
+              <a:rPr lang="fr-FR" dirty="0" smtClean="0"/>
+              <a:t>-web</a:t>
+            </a:r>
+            <a:endParaRPr lang="fr-FR" dirty="0"/>
+          </a:p>
+        </p:txBody>
+      </p:sp>
+      <p:sp>
+        <p:nvSpPr>
+          <p:cNvPr id="3" name="Content Placeholder 2"/>
+          <p:cNvSpPr>
+            <a:spLocks noGrp="1"/>
+          </p:cNvSpPr>
+          <p:nvPr>
+            <p:ph idx="1"/>
+          </p:nvPr>
+        </p:nvSpPr>
+        <p:spPr/>
+        <p:txBody>
+          <a:bodyPr/>
+          <a:lstStyle/>
+          <a:p>
+            <a:r>
+              <a:rPr lang="fr-FR" dirty="0" smtClean="0"/>
+              <a:t>Ajouts au menu</a:t>
+            </a:r>
+            <a:endParaRPr lang="fr-FR" dirty="0"/>
+          </a:p>
+        </p:txBody>
+      </p:sp>
+      <p:sp>
+        <p:nvSpPr>
+          <p:cNvPr id="4" name="Footer Placeholder 3"/>
+          <p:cNvSpPr>
+            <a:spLocks noGrp="1"/>
+          </p:cNvSpPr>
+          <p:nvPr>
+            <p:ph type="ftr" sz="quarter" idx="11"/>
+          </p:nvPr>
+        </p:nvSpPr>
+        <p:spPr/>
+        <p:txBody>
+          <a:bodyPr/>
+          <a:lstStyle/>
+          <a:p>
+            <a:r>
+              <a:rPr lang="en-US" smtClean="0"/>
+              <a:t>Bois Cédric - Master WIC</a:t>
+            </a:r>
+            <a:endParaRPr lang="en-US" dirty="0"/>
+          </a:p>
+        </p:txBody>
+      </p:sp>
+      <p:sp>
+        <p:nvSpPr>
+          <p:cNvPr id="5" name="Slide Number Placeholder 4"/>
+          <p:cNvSpPr>
+            <a:spLocks noGrp="1"/>
+          </p:cNvSpPr>
+          <p:nvPr>
+            <p:ph type="sldNum" sz="quarter" idx="12"/>
+          </p:nvPr>
+        </p:nvSpPr>
+        <p:spPr/>
+        <p:txBody>
+          <a:bodyPr/>
+          <a:lstStyle/>
+          <a:p>
+            <a:fld id="{D57F1E4F-1CFF-5643-939E-217C01CDF565}" type="slidenum">
+              <a:rPr lang="en-US" smtClean="0"/>
+              <a:pPr/>
+              <a:t>21</a:t>
+            </a:fld>
+            <a:endParaRPr lang="en-US" dirty="0"/>
+          </a:p>
+        </p:txBody>
+      </p:sp>
+      <p:pic>
+        <p:nvPicPr>
+          <p:cNvPr id="6" name="Picture 5"/>
+          <p:cNvPicPr>
+            <a:picLocks noChangeAspect="1"/>
+          </p:cNvPicPr>
+          <p:nvPr/>
+        </p:nvPicPr>
+        <p:blipFill>
+          <a:blip r:embed="rId3"/>
+          <a:stretch>
+            <a:fillRect/>
+          </a:stretch>
+        </p:blipFill>
+        <p:spPr>
+          <a:xfrm>
+            <a:off x="3692352" y="1884481"/>
+            <a:ext cx="5581650" cy="4147356"/>
+          </a:xfrm>
+          <a:prstGeom prst="rect">
+            <a:avLst/>
+          </a:prstGeom>
+        </p:spPr>
+      </p:pic>
+    </p:spTree>
+    <p:extLst>
+      <p:ext uri="{BB962C8B-B14F-4D97-AF65-F5344CB8AC3E}">
+        <p14:creationId xmlns:p14="http://schemas.microsoft.com/office/powerpoint/2010/main" val="450796699"/>
+      </p:ext>
+    </p:extLst>
+  </p:cSld>
+  <p:clrMapOvr>
+    <a:masterClrMapping/>
+  </p:clrMapOvr>
+</p:sld>
+</file>
+
+<file path=ppt/slides/slide22.xml><?xml version="1.0" encoding="utf-8"?>
+<p:sld xmlns:a="http://schemas.openxmlformats.org/drawingml/2006/main" xmlns:r="http://schemas.openxmlformats.org/officeDocument/2006/relationships" xmlns:p="http://schemas.openxmlformats.org/presentationml/2006/main">
+  <p:cSld>
+    <p:spTree>
+      <p:nvGrpSpPr>
+        <p:cNvPr id="1" name=""/>
+        <p:cNvGrpSpPr/>
+        <p:nvPr/>
+      </p:nvGrpSpPr>
+      <p:grpSpPr>
+        <a:xfrm>
+          <a:off x="0" y="0"/>
+          <a:ext cx="0" cy="0"/>
+          <a:chOff x="0" y="0"/>
+          <a:chExt cx="0" cy="0"/>
+        </a:xfrm>
+      </p:grpSpPr>
+      <p:sp>
+        <p:nvSpPr>
+          <p:cNvPr id="2" name="Title 1"/>
+          <p:cNvSpPr>
+            <a:spLocks noGrp="1"/>
+          </p:cNvSpPr>
+          <p:nvPr>
+            <p:ph type="title"/>
+          </p:nvPr>
+        </p:nvSpPr>
+        <p:spPr/>
+        <p:txBody>
+          <a:bodyPr/>
+          <a:lstStyle/>
+          <a:p>
+            <a:r>
+              <a:rPr lang="fr-FR" dirty="0"/>
+              <a:t>Gestion des </a:t>
+            </a:r>
+            <a:r>
+              <a:rPr lang="fr-FR" dirty="0" err="1" smtClean="0"/>
+              <a:t>VmGroups</a:t>
+            </a:r>
+            <a:r>
+              <a:rPr lang="fr-FR" dirty="0" smtClean="0"/>
+              <a:t>: </a:t>
+            </a:r>
+            <a:r>
+              <a:rPr lang="fr-FR" dirty="0"/>
+              <a:t>Développement de </a:t>
+            </a:r>
+            <a:r>
+              <a:rPr lang="fr-FR" dirty="0" err="1"/>
+              <a:t>xo</a:t>
+            </a:r>
+            <a:r>
+              <a:rPr lang="fr-FR" dirty="0"/>
+              <a:t>-web</a:t>
+            </a:r>
+          </a:p>
+        </p:txBody>
+      </p:sp>
+      <p:sp>
+        <p:nvSpPr>
+          <p:cNvPr id="3" name="Content Placeholder 2"/>
+          <p:cNvSpPr>
+            <a:spLocks noGrp="1"/>
+          </p:cNvSpPr>
+          <p:nvPr>
+            <p:ph idx="1"/>
+          </p:nvPr>
+        </p:nvSpPr>
+        <p:spPr/>
+        <p:txBody>
+          <a:bodyPr/>
+          <a:lstStyle/>
+          <a:p>
+            <a:r>
+              <a:rPr lang="fr-FR" dirty="0" smtClean="0"/>
+              <a:t>Visualisation d’une liste</a:t>
+            </a:r>
+            <a:endParaRPr lang="fr-FR" dirty="0"/>
+          </a:p>
+        </p:txBody>
+      </p:sp>
+      <p:sp>
+        <p:nvSpPr>
+          <p:cNvPr id="4" name="Footer Placeholder 3"/>
+          <p:cNvSpPr>
+            <a:spLocks noGrp="1"/>
+          </p:cNvSpPr>
+          <p:nvPr>
+            <p:ph type="ftr" sz="quarter" idx="11"/>
+          </p:nvPr>
+        </p:nvSpPr>
+        <p:spPr/>
+        <p:txBody>
+          <a:bodyPr/>
+          <a:lstStyle/>
+          <a:p>
+            <a:r>
+              <a:rPr lang="en-US" smtClean="0"/>
+              <a:t>Bois Cédric - Master WIC</a:t>
+            </a:r>
+            <a:endParaRPr lang="en-US" dirty="0"/>
+          </a:p>
+        </p:txBody>
+      </p:sp>
+      <p:sp>
+        <p:nvSpPr>
+          <p:cNvPr id="5" name="Slide Number Placeholder 4"/>
+          <p:cNvSpPr>
+            <a:spLocks noGrp="1"/>
+          </p:cNvSpPr>
+          <p:nvPr>
+            <p:ph type="sldNum" sz="quarter" idx="12"/>
+          </p:nvPr>
+        </p:nvSpPr>
+        <p:spPr/>
+        <p:txBody>
+          <a:bodyPr/>
+          <a:lstStyle/>
+          <a:p>
+            <a:fld id="{D57F1E4F-1CFF-5643-939E-217C01CDF565}" type="slidenum">
+              <a:rPr lang="en-US" smtClean="0"/>
+              <a:pPr/>
+              <a:t>22</a:t>
+            </a:fld>
+            <a:endParaRPr lang="en-US" dirty="0"/>
+          </a:p>
+        </p:txBody>
+      </p:sp>
+      <p:pic>
+        <p:nvPicPr>
+          <p:cNvPr id="6" name="Picture 5"/>
+          <p:cNvPicPr>
+            <a:picLocks noChangeAspect="1"/>
+          </p:cNvPicPr>
+          <p:nvPr/>
+        </p:nvPicPr>
+        <p:blipFill rotWithShape="1">
+          <a:blip r:embed="rId3">
+            <a:extLst>
+              <a:ext uri="{28A0092B-C50C-407E-A947-70E740481C1C}">
+                <a14:useLocalDpi xmlns:a14="http://schemas.microsoft.com/office/drawing/2010/main" val="0"/>
+              </a:ext>
+            </a:extLst>
+          </a:blip>
+          <a:srcRect l="50000" t="15484" r="773" b="31412"/>
+          <a:stretch/>
+        </p:blipFill>
+        <p:spPr>
+          <a:xfrm>
+            <a:off x="677334" y="2710291"/>
+            <a:ext cx="5110163" cy="3100882"/>
+          </a:xfrm>
+          <a:prstGeom prst="rect">
+            <a:avLst/>
+          </a:prstGeom>
+        </p:spPr>
+      </p:pic>
+      <p:pic>
+        <p:nvPicPr>
+          <p:cNvPr id="7" name="Picture 6"/>
+          <p:cNvPicPr>
+            <a:picLocks noChangeAspect="1"/>
+          </p:cNvPicPr>
+          <p:nvPr/>
+        </p:nvPicPr>
+        <p:blipFill>
+          <a:blip r:embed="rId4"/>
+          <a:stretch>
+            <a:fillRect/>
+          </a:stretch>
+        </p:blipFill>
+        <p:spPr>
+          <a:xfrm>
+            <a:off x="6219825" y="3044917"/>
+            <a:ext cx="5143500" cy="2441946"/>
+          </a:xfrm>
+          <a:prstGeom prst="rect">
+            <a:avLst/>
+          </a:prstGeom>
+        </p:spPr>
+      </p:pic>
+    </p:spTree>
+    <p:extLst>
+      <p:ext uri="{BB962C8B-B14F-4D97-AF65-F5344CB8AC3E}">
+        <p14:creationId xmlns:p14="http://schemas.microsoft.com/office/powerpoint/2010/main" val="667484414"/>
+      </p:ext>
+    </p:extLst>
+  </p:cSld>
+  <p:clrMapOvr>
+    <a:masterClrMapping/>
+  </p:clrMapOvr>
+</p:sld>
+</file>
+
+<file path=ppt/slides/slide23.xml><?xml version="1.0" encoding="utf-8"?>
+<p:sld xmlns:a="http://schemas.openxmlformats.org/drawingml/2006/main" xmlns:r="http://schemas.openxmlformats.org/officeDocument/2006/relationships" xmlns:p="http://schemas.openxmlformats.org/presentationml/2006/main">
+  <p:cSld>
+    <p:spTree>
+      <p:nvGrpSpPr>
+        <p:cNvPr id="1" name=""/>
+        <p:cNvGrpSpPr/>
+        <p:nvPr/>
+      </p:nvGrpSpPr>
+      <p:grpSpPr>
+        <a:xfrm>
+          <a:off x="0" y="0"/>
+          <a:ext cx="0" cy="0"/>
+          <a:chOff x="0" y="0"/>
+          <a:chExt cx="0" cy="0"/>
+        </a:xfrm>
+      </p:grpSpPr>
+      <p:sp>
+        <p:nvSpPr>
+          <p:cNvPr id="2" name="Title 1"/>
+          <p:cNvSpPr>
+            <a:spLocks noGrp="1"/>
+          </p:cNvSpPr>
+          <p:nvPr>
+            <p:ph type="title"/>
+          </p:nvPr>
+        </p:nvSpPr>
+        <p:spPr/>
+        <p:txBody>
+          <a:bodyPr/>
+          <a:lstStyle/>
+          <a:p>
+            <a:r>
+              <a:rPr lang="fr-FR" dirty="0"/>
+              <a:t>Gestion des </a:t>
+            </a:r>
+            <a:r>
+              <a:rPr lang="fr-FR" dirty="0" err="1"/>
+              <a:t>VmAppliances</a:t>
+            </a:r>
+            <a:r>
+              <a:rPr lang="fr-FR" dirty="0"/>
+              <a:t> : Développement de </a:t>
+            </a:r>
+            <a:r>
+              <a:rPr lang="fr-FR" dirty="0" err="1"/>
+              <a:t>xo</a:t>
+            </a:r>
+            <a:r>
+              <a:rPr lang="fr-FR" dirty="0"/>
+              <a:t>-web</a:t>
+            </a:r>
+          </a:p>
+        </p:txBody>
+      </p:sp>
+      <p:sp>
+        <p:nvSpPr>
+          <p:cNvPr id="3" name="Content Placeholder 2"/>
+          <p:cNvSpPr>
+            <a:spLocks noGrp="1"/>
+          </p:cNvSpPr>
+          <p:nvPr>
+            <p:ph idx="1"/>
+          </p:nvPr>
+        </p:nvSpPr>
+        <p:spPr/>
+        <p:txBody>
+          <a:bodyPr/>
+          <a:lstStyle/>
+          <a:p>
+            <a:r>
+              <a:rPr lang="fr-FR" dirty="0" smtClean="0"/>
+              <a:t>Composant d’affichage et de gestion d’un </a:t>
+            </a:r>
+            <a:r>
+              <a:rPr lang="fr-FR" dirty="0" err="1" smtClean="0"/>
+              <a:t>VmGroup</a:t>
+            </a:r>
+            <a:endParaRPr lang="fr-FR" dirty="0"/>
+          </a:p>
+        </p:txBody>
+      </p:sp>
+      <p:sp>
+        <p:nvSpPr>
+          <p:cNvPr id="4" name="Footer Placeholder 3"/>
+          <p:cNvSpPr>
+            <a:spLocks noGrp="1"/>
+          </p:cNvSpPr>
+          <p:nvPr>
+            <p:ph type="ftr" sz="quarter" idx="11"/>
+          </p:nvPr>
+        </p:nvSpPr>
+        <p:spPr/>
+        <p:txBody>
+          <a:bodyPr/>
+          <a:lstStyle/>
+          <a:p>
+            <a:r>
+              <a:rPr lang="en-US" smtClean="0"/>
+              <a:t>Bois Cédric - Master WIC</a:t>
+            </a:r>
+            <a:endParaRPr lang="en-US" dirty="0"/>
+          </a:p>
+        </p:txBody>
+      </p:sp>
+      <p:sp>
+        <p:nvSpPr>
+          <p:cNvPr id="5" name="Slide Number Placeholder 4"/>
+          <p:cNvSpPr>
+            <a:spLocks noGrp="1"/>
+          </p:cNvSpPr>
+          <p:nvPr>
+            <p:ph type="sldNum" sz="quarter" idx="12"/>
+          </p:nvPr>
+        </p:nvSpPr>
+        <p:spPr/>
+        <p:txBody>
+          <a:bodyPr/>
+          <a:lstStyle/>
+          <a:p>
+            <a:fld id="{D57F1E4F-1CFF-5643-939E-217C01CDF565}" type="slidenum">
+              <a:rPr lang="en-US" smtClean="0"/>
+              <a:pPr/>
+              <a:t>23</a:t>
+            </a:fld>
+            <a:endParaRPr lang="en-US" dirty="0"/>
+          </a:p>
+        </p:txBody>
+      </p:sp>
+      <p:pic>
+        <p:nvPicPr>
+          <p:cNvPr id="6" name="Picture 5"/>
+          <p:cNvPicPr>
+            <a:picLocks noChangeAspect="1"/>
+          </p:cNvPicPr>
+          <p:nvPr/>
+        </p:nvPicPr>
+        <p:blipFill rotWithShape="1">
+          <a:blip r:embed="rId2"/>
+          <a:srcRect l="6156" b="73188"/>
+          <a:stretch/>
+        </p:blipFill>
+        <p:spPr>
+          <a:xfrm>
+            <a:off x="867834" y="2729009"/>
+            <a:ext cx="5568777" cy="972281"/>
+          </a:xfrm>
+          <a:prstGeom prst="rect">
+            <a:avLst/>
+          </a:prstGeom>
+        </p:spPr>
+      </p:pic>
+      <p:pic>
+        <p:nvPicPr>
+          <p:cNvPr id="7" name="Picture 6"/>
+          <p:cNvPicPr>
+            <a:picLocks noChangeAspect="1"/>
+          </p:cNvPicPr>
+          <p:nvPr/>
+        </p:nvPicPr>
+        <p:blipFill>
+          <a:blip r:embed="rId3"/>
+          <a:stretch>
+            <a:fillRect/>
+          </a:stretch>
+        </p:blipFill>
+        <p:spPr>
+          <a:xfrm>
+            <a:off x="6974946" y="2409825"/>
+            <a:ext cx="3108499" cy="3220373"/>
+          </a:xfrm>
+          <a:prstGeom prst="rect">
+            <a:avLst/>
+          </a:prstGeom>
+        </p:spPr>
+      </p:pic>
+      <p:pic>
+        <p:nvPicPr>
+          <p:cNvPr id="8" name="Picture 7"/>
+          <p:cNvPicPr>
+            <a:picLocks noChangeAspect="1"/>
+          </p:cNvPicPr>
+          <p:nvPr/>
+        </p:nvPicPr>
+        <p:blipFill>
+          <a:blip r:embed="rId4"/>
+          <a:stretch>
+            <a:fillRect/>
+          </a:stretch>
+        </p:blipFill>
+        <p:spPr>
+          <a:xfrm>
+            <a:off x="2499697" y="4208261"/>
+            <a:ext cx="2305050" cy="1276350"/>
+          </a:xfrm>
+          <a:prstGeom prst="rect">
+            <a:avLst/>
+          </a:prstGeom>
+        </p:spPr>
+      </p:pic>
+    </p:spTree>
+    <p:extLst>
+      <p:ext uri="{BB962C8B-B14F-4D97-AF65-F5344CB8AC3E}">
+        <p14:creationId xmlns:p14="http://schemas.microsoft.com/office/powerpoint/2010/main" val="3291977211"/>
+      </p:ext>
+    </p:extLst>
+  </p:cSld>
+  <p:clrMapOvr>
+    <a:masterClrMapping/>
+  </p:clrMapOvr>
+</p:sld>
+</file>
+
+<file path=ppt/slides/slide24.xml><?xml version="1.0" encoding="utf-8"?>
+<p:sld xmlns:a="http://schemas.openxmlformats.org/drawingml/2006/main" xmlns:r="http://schemas.openxmlformats.org/officeDocument/2006/relationships" xmlns:p="http://schemas.openxmlformats.org/presentationml/2006/main">
+  <p:cSld>
+    <p:spTree>
+      <p:nvGrpSpPr>
+        <p:cNvPr id="1" name=""/>
+        <p:cNvGrpSpPr/>
+        <p:nvPr/>
+      </p:nvGrpSpPr>
+      <p:grpSpPr>
+        <a:xfrm>
+          <a:off x="0" y="0"/>
+          <a:ext cx="0" cy="0"/>
+          <a:chOff x="0" y="0"/>
+          <a:chExt cx="0" cy="0"/>
+        </a:xfrm>
+      </p:grpSpPr>
+      <p:sp>
+        <p:nvSpPr>
+          <p:cNvPr id="2" name="Title 1"/>
+          <p:cNvSpPr>
+            <a:spLocks noGrp="1"/>
+          </p:cNvSpPr>
+          <p:nvPr>
+            <p:ph type="title"/>
+          </p:nvPr>
+        </p:nvSpPr>
+        <p:spPr/>
+        <p:txBody>
+          <a:bodyPr/>
+          <a:lstStyle/>
+          <a:p>
+            <a:r>
+              <a:rPr lang="fr-FR" dirty="0"/>
+              <a:t>Gestion des </a:t>
+            </a:r>
+            <a:r>
+              <a:rPr lang="fr-FR" dirty="0" err="1"/>
+              <a:t>VmAppliances</a:t>
+            </a:r>
+            <a:r>
+              <a:rPr lang="fr-FR" dirty="0"/>
+              <a:t> : Développement de </a:t>
+            </a:r>
+            <a:r>
+              <a:rPr lang="fr-FR" dirty="0" err="1"/>
+              <a:t>xo</a:t>
+            </a:r>
+            <a:r>
+              <a:rPr lang="fr-FR" dirty="0"/>
+              <a:t>-web</a:t>
+            </a:r>
+          </a:p>
+        </p:txBody>
+      </p:sp>
+      <p:sp>
+        <p:nvSpPr>
+          <p:cNvPr id="3" name="Content Placeholder 2"/>
+          <p:cNvSpPr>
+            <a:spLocks noGrp="1"/>
+          </p:cNvSpPr>
+          <p:nvPr>
+            <p:ph idx="1"/>
+          </p:nvPr>
+        </p:nvSpPr>
+        <p:spPr/>
+        <p:txBody>
+          <a:bodyPr/>
+          <a:lstStyle/>
+          <a:p>
+            <a:r>
+              <a:rPr lang="fr-FR" dirty="0" smtClean="0"/>
+              <a:t>Onglet General</a:t>
+            </a:r>
+            <a:endParaRPr lang="fr-FR" dirty="0"/>
+          </a:p>
+        </p:txBody>
+      </p:sp>
+      <p:sp>
+        <p:nvSpPr>
+          <p:cNvPr id="4" name="Footer Placeholder 3"/>
+          <p:cNvSpPr>
+            <a:spLocks noGrp="1"/>
+          </p:cNvSpPr>
+          <p:nvPr>
+            <p:ph type="ftr" sz="quarter" idx="11"/>
+          </p:nvPr>
+        </p:nvSpPr>
+        <p:spPr/>
+        <p:txBody>
+          <a:bodyPr/>
+          <a:lstStyle/>
+          <a:p>
+            <a:r>
+              <a:rPr lang="en-US" smtClean="0"/>
+              <a:t>Bois Cédric - Master WIC</a:t>
+            </a:r>
+            <a:endParaRPr lang="en-US" dirty="0"/>
+          </a:p>
+        </p:txBody>
+      </p:sp>
+      <p:sp>
+        <p:nvSpPr>
+          <p:cNvPr id="5" name="Slide Number Placeholder 4"/>
+          <p:cNvSpPr>
+            <a:spLocks noGrp="1"/>
+          </p:cNvSpPr>
+          <p:nvPr>
+            <p:ph type="sldNum" sz="quarter" idx="12"/>
+          </p:nvPr>
+        </p:nvSpPr>
+        <p:spPr/>
+        <p:txBody>
+          <a:bodyPr/>
+          <a:lstStyle/>
+          <a:p>
+            <a:fld id="{D57F1E4F-1CFF-5643-939E-217C01CDF565}" type="slidenum">
+              <a:rPr lang="en-US" smtClean="0"/>
+              <a:pPr/>
+              <a:t>24</a:t>
+            </a:fld>
+            <a:endParaRPr lang="en-US" dirty="0"/>
+          </a:p>
+        </p:txBody>
+      </p:sp>
+      <p:pic>
+        <p:nvPicPr>
+          <p:cNvPr id="6" name="Picture 5"/>
+          <p:cNvPicPr>
+            <a:picLocks noChangeAspect="1"/>
+          </p:cNvPicPr>
+          <p:nvPr/>
+        </p:nvPicPr>
+        <p:blipFill rotWithShape="1">
+          <a:blip r:embed="rId2"/>
+          <a:srcRect l="5996" t="26267" r="160" b="46921"/>
+          <a:stretch/>
+        </p:blipFill>
+        <p:spPr>
+          <a:xfrm>
+            <a:off x="677334" y="2872643"/>
+            <a:ext cx="5568777" cy="972281"/>
+          </a:xfrm>
+          <a:prstGeom prst="rect">
+            <a:avLst/>
+          </a:prstGeom>
+        </p:spPr>
+      </p:pic>
+      <p:pic>
+        <p:nvPicPr>
+          <p:cNvPr id="8" name="Picture 7"/>
+          <p:cNvPicPr>
+            <a:picLocks noChangeAspect="1"/>
+          </p:cNvPicPr>
+          <p:nvPr/>
+        </p:nvPicPr>
+        <p:blipFill>
+          <a:blip r:embed="rId3"/>
+          <a:stretch>
+            <a:fillRect/>
+          </a:stretch>
+        </p:blipFill>
+        <p:spPr>
+          <a:xfrm>
+            <a:off x="838200" y="3909953"/>
+            <a:ext cx="5407911" cy="1901219"/>
+          </a:xfrm>
+          <a:prstGeom prst="rect">
+            <a:avLst/>
+          </a:prstGeom>
+        </p:spPr>
+      </p:pic>
+      <p:pic>
+        <p:nvPicPr>
+          <p:cNvPr id="9" name="Picture 8"/>
+          <p:cNvPicPr>
+            <a:picLocks noChangeAspect="1"/>
+          </p:cNvPicPr>
+          <p:nvPr/>
+        </p:nvPicPr>
+        <p:blipFill>
+          <a:blip r:embed="rId4"/>
+          <a:stretch>
+            <a:fillRect/>
+          </a:stretch>
+        </p:blipFill>
+        <p:spPr>
+          <a:xfrm>
+            <a:off x="6406977" y="1930400"/>
+            <a:ext cx="3874632" cy="3880772"/>
+          </a:xfrm>
+          <a:prstGeom prst="rect">
+            <a:avLst/>
+          </a:prstGeom>
+        </p:spPr>
+      </p:pic>
+    </p:spTree>
+    <p:extLst>
+      <p:ext uri="{BB962C8B-B14F-4D97-AF65-F5344CB8AC3E}">
+        <p14:creationId xmlns:p14="http://schemas.microsoft.com/office/powerpoint/2010/main" val="2264374496"/>
+      </p:ext>
+    </p:extLst>
+  </p:cSld>
+  <p:clrMapOvr>
+    <a:masterClrMapping/>
+  </p:clrMapOvr>
+</p:sld>
+</file>
+
+<file path=ppt/slides/slide25.xml><?xml version="1.0" encoding="utf-8"?>
+<p:sld xmlns:a="http://schemas.openxmlformats.org/drawingml/2006/main" xmlns:r="http://schemas.openxmlformats.org/officeDocument/2006/relationships" xmlns:p="http://schemas.openxmlformats.org/presentationml/2006/main">
+  <p:cSld>
+    <p:spTree>
+      <p:nvGrpSpPr>
+        <p:cNvPr id="1" name=""/>
+        <p:cNvGrpSpPr/>
+        <p:nvPr/>
+      </p:nvGrpSpPr>
+      <p:grpSpPr>
+        <a:xfrm>
+          <a:off x="0" y="0"/>
+          <a:ext cx="0" cy="0"/>
+          <a:chOff x="0" y="0"/>
+          <a:chExt cx="0" cy="0"/>
+        </a:xfrm>
+      </p:grpSpPr>
+      <p:sp>
+        <p:nvSpPr>
+          <p:cNvPr id="2" name="Title 1"/>
+          <p:cNvSpPr>
+            <a:spLocks noGrp="1"/>
+          </p:cNvSpPr>
+          <p:nvPr>
+            <p:ph type="title"/>
+          </p:nvPr>
+        </p:nvSpPr>
+        <p:spPr/>
+        <p:txBody>
+          <a:bodyPr/>
+          <a:lstStyle/>
+          <a:p>
+            <a:r>
+              <a:rPr lang="fr-FR" dirty="0"/>
+              <a:t>Gestion des </a:t>
+            </a:r>
+            <a:r>
+              <a:rPr lang="fr-FR" dirty="0" err="1"/>
+              <a:t>VmAppliances</a:t>
+            </a:r>
+            <a:r>
+              <a:rPr lang="fr-FR" dirty="0"/>
+              <a:t> : Développement de </a:t>
+            </a:r>
+            <a:r>
+              <a:rPr lang="fr-FR" dirty="0" err="1"/>
+              <a:t>xo</a:t>
+            </a:r>
+            <a:r>
+              <a:rPr lang="fr-FR" dirty="0"/>
+              <a:t>-web</a:t>
+            </a:r>
+          </a:p>
+        </p:txBody>
+      </p:sp>
+      <p:sp>
+        <p:nvSpPr>
+          <p:cNvPr id="3" name="Content Placeholder 2"/>
+          <p:cNvSpPr>
+            <a:spLocks noGrp="1"/>
+          </p:cNvSpPr>
+          <p:nvPr>
+            <p:ph idx="1"/>
+          </p:nvPr>
+        </p:nvSpPr>
+        <p:spPr/>
+        <p:txBody>
+          <a:bodyPr/>
+          <a:lstStyle/>
+          <a:p>
+            <a:r>
+              <a:rPr lang="fr-FR" dirty="0" smtClean="0"/>
+              <a:t>Onglet </a:t>
+            </a:r>
+            <a:r>
+              <a:rPr lang="fr-FR" dirty="0" err="1" smtClean="0"/>
+              <a:t>Stats</a:t>
+            </a:r>
+            <a:endParaRPr lang="fr-FR" dirty="0"/>
+          </a:p>
+        </p:txBody>
+      </p:sp>
+      <p:sp>
+        <p:nvSpPr>
+          <p:cNvPr id="4" name="Footer Placeholder 3"/>
+          <p:cNvSpPr>
+            <a:spLocks noGrp="1"/>
+          </p:cNvSpPr>
+          <p:nvPr>
+            <p:ph type="ftr" sz="quarter" idx="11"/>
+          </p:nvPr>
+        </p:nvSpPr>
+        <p:spPr/>
+        <p:txBody>
+          <a:bodyPr/>
+          <a:lstStyle/>
+          <a:p>
+            <a:r>
+              <a:rPr lang="en-US" smtClean="0"/>
+              <a:t>Bois Cédric - Master WIC</a:t>
+            </a:r>
+            <a:endParaRPr lang="en-US" dirty="0"/>
+          </a:p>
+        </p:txBody>
+      </p:sp>
+      <p:sp>
+        <p:nvSpPr>
+          <p:cNvPr id="5" name="Slide Number Placeholder 4"/>
+          <p:cNvSpPr>
+            <a:spLocks noGrp="1"/>
+          </p:cNvSpPr>
+          <p:nvPr>
+            <p:ph type="sldNum" sz="quarter" idx="12"/>
+          </p:nvPr>
+        </p:nvSpPr>
+        <p:spPr/>
+        <p:txBody>
+          <a:bodyPr/>
+          <a:lstStyle/>
+          <a:p>
+            <a:fld id="{D57F1E4F-1CFF-5643-939E-217C01CDF565}" type="slidenum">
+              <a:rPr lang="en-US" smtClean="0"/>
+              <a:pPr/>
+              <a:t>25</a:t>
+            </a:fld>
+            <a:endParaRPr lang="en-US" dirty="0"/>
+          </a:p>
+        </p:txBody>
+      </p:sp>
+      <p:pic>
+        <p:nvPicPr>
+          <p:cNvPr id="6" name="Picture 5"/>
+          <p:cNvPicPr>
+            <a:picLocks noChangeAspect="1"/>
+          </p:cNvPicPr>
+          <p:nvPr/>
+        </p:nvPicPr>
+        <p:blipFill>
+          <a:blip r:embed="rId2">
+            <a:extLst>
+              <a:ext uri="{28A0092B-C50C-407E-A947-70E740481C1C}">
+                <a14:useLocalDpi xmlns:a14="http://schemas.microsoft.com/office/drawing/2010/main" val="0"/>
+              </a:ext>
+            </a:extLst>
+          </a:blip>
+          <a:stretch>
+            <a:fillRect/>
+          </a:stretch>
+        </p:blipFill>
+        <p:spPr>
+          <a:xfrm>
+            <a:off x="5734354" y="1930400"/>
+            <a:ext cx="4743146" cy="4095116"/>
+          </a:xfrm>
+          <a:prstGeom prst="rect">
+            <a:avLst/>
+          </a:prstGeom>
+        </p:spPr>
+      </p:pic>
+    </p:spTree>
+    <p:extLst>
+      <p:ext uri="{BB962C8B-B14F-4D97-AF65-F5344CB8AC3E}">
+        <p14:creationId xmlns:p14="http://schemas.microsoft.com/office/powerpoint/2010/main" val="2506740120"/>
+      </p:ext>
+    </p:extLst>
+  </p:cSld>
+  <p:clrMapOvr>
+    <a:masterClrMapping/>
+  </p:clrMapOvr>
+</p:sld>
+</file>
+
+<file path=ppt/slides/slide26.xml><?xml version="1.0" encoding="utf-8"?>
+<p:sld xmlns:a="http://schemas.openxmlformats.org/drawingml/2006/main" xmlns:r="http://schemas.openxmlformats.org/officeDocument/2006/relationships" xmlns:p="http://schemas.openxmlformats.org/presentationml/2006/main">
+  <p:cSld>
+    <p:spTree>
+      <p:nvGrpSpPr>
+        <p:cNvPr id="1" name=""/>
+        <p:cNvGrpSpPr/>
+        <p:nvPr/>
+      </p:nvGrpSpPr>
+      <p:grpSpPr>
+        <a:xfrm>
+          <a:off x="0" y="0"/>
+          <a:ext cx="0" cy="0"/>
+          <a:chOff x="0" y="0"/>
+          <a:chExt cx="0" cy="0"/>
+        </a:xfrm>
+      </p:grpSpPr>
+      <p:sp>
+        <p:nvSpPr>
+          <p:cNvPr id="2" name="Title 1"/>
+          <p:cNvSpPr>
+            <a:spLocks noGrp="1"/>
+          </p:cNvSpPr>
+          <p:nvPr>
+            <p:ph type="title"/>
+          </p:nvPr>
+        </p:nvSpPr>
+        <p:spPr/>
+        <p:txBody>
+          <a:bodyPr/>
+          <a:lstStyle/>
+          <a:p>
+            <a:r>
+              <a:rPr lang="fr-FR" dirty="0"/>
+              <a:t>Gestion des </a:t>
+            </a:r>
+            <a:r>
+              <a:rPr lang="fr-FR" dirty="0" err="1"/>
+              <a:t>VmAppliances</a:t>
+            </a:r>
+            <a:r>
+              <a:rPr lang="fr-FR" dirty="0"/>
+              <a:t> : Développement de </a:t>
+            </a:r>
+            <a:r>
+              <a:rPr lang="fr-FR" dirty="0" err="1"/>
+              <a:t>xo</a:t>
+            </a:r>
+            <a:r>
+              <a:rPr lang="fr-FR" dirty="0"/>
+              <a:t>-web</a:t>
+            </a:r>
+          </a:p>
+        </p:txBody>
+      </p:sp>
+      <p:sp>
+        <p:nvSpPr>
+          <p:cNvPr id="3" name="Content Placeholder 2"/>
+          <p:cNvSpPr>
+            <a:spLocks noGrp="1"/>
+          </p:cNvSpPr>
+          <p:nvPr>
+            <p:ph idx="1"/>
+          </p:nvPr>
+        </p:nvSpPr>
+        <p:spPr/>
+        <p:txBody>
+          <a:bodyPr/>
+          <a:lstStyle/>
+          <a:p>
+            <a:r>
+              <a:rPr lang="fr-FR" dirty="0" smtClean="0"/>
+              <a:t>Onglet Management</a:t>
+            </a:r>
+            <a:endParaRPr lang="fr-FR" dirty="0"/>
+          </a:p>
+        </p:txBody>
+      </p:sp>
+      <p:sp>
+        <p:nvSpPr>
+          <p:cNvPr id="4" name="Footer Placeholder 3"/>
+          <p:cNvSpPr>
+            <a:spLocks noGrp="1"/>
+          </p:cNvSpPr>
+          <p:nvPr>
+            <p:ph type="ftr" sz="quarter" idx="11"/>
+          </p:nvPr>
+        </p:nvSpPr>
+        <p:spPr/>
+        <p:txBody>
+          <a:bodyPr/>
+          <a:lstStyle/>
+          <a:p>
+            <a:r>
+              <a:rPr lang="en-US" smtClean="0"/>
+              <a:t>Bois Cédric - Master WIC</a:t>
+            </a:r>
+            <a:endParaRPr lang="en-US" dirty="0"/>
+          </a:p>
+        </p:txBody>
+      </p:sp>
+      <p:sp>
+        <p:nvSpPr>
+          <p:cNvPr id="5" name="Slide Number Placeholder 4"/>
+          <p:cNvSpPr>
+            <a:spLocks noGrp="1"/>
+          </p:cNvSpPr>
+          <p:nvPr>
+            <p:ph type="sldNum" sz="quarter" idx="12"/>
+          </p:nvPr>
+        </p:nvSpPr>
+        <p:spPr/>
+        <p:txBody>
+          <a:bodyPr/>
+          <a:lstStyle/>
+          <a:p>
+            <a:fld id="{D57F1E4F-1CFF-5643-939E-217C01CDF565}" type="slidenum">
+              <a:rPr lang="en-US" smtClean="0"/>
+              <a:pPr/>
+              <a:t>26</a:t>
+            </a:fld>
+            <a:endParaRPr lang="en-US" dirty="0"/>
+          </a:p>
+        </p:txBody>
+      </p:sp>
+    </p:spTree>
+    <p:extLst>
+      <p:ext uri="{BB962C8B-B14F-4D97-AF65-F5344CB8AC3E}">
+        <p14:creationId xmlns:p14="http://schemas.microsoft.com/office/powerpoint/2010/main" val="171031584"/>
+      </p:ext>
+    </p:extLst>
+  </p:cSld>
+  <p:clrMapOvr>
+    <a:masterClrMapping/>
+  </p:clrMapOvr>
+</p:sld>
+</file>
+
+<file path=ppt/slides/slide27.xml><?xml version="1.0" encoding="utf-8"?>
+<p:sld xmlns:a="http://schemas.openxmlformats.org/drawingml/2006/main" xmlns:r="http://schemas.openxmlformats.org/officeDocument/2006/relationships" xmlns:p="http://schemas.openxmlformats.org/presentationml/2006/main">
+  <p:cSld>
+    <p:spTree>
+      <p:nvGrpSpPr>
+        <p:cNvPr id="1" name=""/>
+        <p:cNvGrpSpPr/>
+        <p:nvPr/>
+      </p:nvGrpSpPr>
+      <p:grpSpPr>
+        <a:xfrm>
+          <a:off x="0" y="0"/>
+          <a:ext cx="0" cy="0"/>
+          <a:chOff x="0" y="0"/>
+          <a:chExt cx="0" cy="0"/>
+        </a:xfrm>
+      </p:grpSpPr>
+      <p:sp>
+        <p:nvSpPr>
+          <p:cNvPr id="2" name="Title 1"/>
+          <p:cNvSpPr>
+            <a:spLocks noGrp="1"/>
+          </p:cNvSpPr>
+          <p:nvPr>
+            <p:ph type="title"/>
+          </p:nvPr>
+        </p:nvSpPr>
+        <p:spPr/>
+        <p:txBody>
+          <a:bodyPr/>
+          <a:lstStyle/>
+          <a:p>
+            <a:r>
+              <a:rPr lang="fr-FR" dirty="0"/>
+              <a:t>Gestion des </a:t>
+            </a:r>
+            <a:r>
+              <a:rPr lang="fr-FR" dirty="0" err="1"/>
+              <a:t>VmAppliances</a:t>
+            </a:r>
+            <a:r>
+              <a:rPr lang="fr-FR" dirty="0"/>
+              <a:t> : Développement de </a:t>
+            </a:r>
+            <a:r>
+              <a:rPr lang="fr-FR" dirty="0" err="1"/>
+              <a:t>xo</a:t>
+            </a:r>
+            <a:r>
+              <a:rPr lang="fr-FR" dirty="0"/>
+              <a:t>-web</a:t>
+            </a:r>
+          </a:p>
+        </p:txBody>
+      </p:sp>
+      <p:sp>
+        <p:nvSpPr>
+          <p:cNvPr id="3" name="Content Placeholder 2"/>
+          <p:cNvSpPr>
+            <a:spLocks noGrp="1"/>
+          </p:cNvSpPr>
+          <p:nvPr>
+            <p:ph idx="1"/>
+          </p:nvPr>
+        </p:nvSpPr>
+        <p:spPr/>
+        <p:txBody>
+          <a:bodyPr/>
+          <a:lstStyle/>
+          <a:p>
+            <a:r>
+              <a:rPr lang="fr-FR" dirty="0" smtClean="0"/>
+              <a:t>Onglet Advanced</a:t>
+            </a:r>
+            <a:endParaRPr lang="fr-FR" dirty="0"/>
+          </a:p>
+        </p:txBody>
+      </p:sp>
+      <p:sp>
+        <p:nvSpPr>
+          <p:cNvPr id="4" name="Footer Placeholder 3"/>
+          <p:cNvSpPr>
+            <a:spLocks noGrp="1"/>
+          </p:cNvSpPr>
+          <p:nvPr>
+            <p:ph type="ftr" sz="quarter" idx="11"/>
+          </p:nvPr>
+        </p:nvSpPr>
+        <p:spPr/>
+        <p:txBody>
+          <a:bodyPr/>
+          <a:lstStyle/>
+          <a:p>
+            <a:r>
+              <a:rPr lang="en-US" smtClean="0"/>
+              <a:t>Bois Cédric - Master WIC</a:t>
+            </a:r>
+            <a:endParaRPr lang="en-US" dirty="0"/>
+          </a:p>
+        </p:txBody>
+      </p:sp>
+      <p:sp>
+        <p:nvSpPr>
+          <p:cNvPr id="5" name="Slide Number Placeholder 4"/>
+          <p:cNvSpPr>
+            <a:spLocks noGrp="1"/>
+          </p:cNvSpPr>
+          <p:nvPr>
+            <p:ph type="sldNum" sz="quarter" idx="12"/>
+          </p:nvPr>
+        </p:nvSpPr>
+        <p:spPr/>
+        <p:txBody>
+          <a:bodyPr/>
+          <a:lstStyle/>
+          <a:p>
+            <a:fld id="{D57F1E4F-1CFF-5643-939E-217C01CDF565}" type="slidenum">
+              <a:rPr lang="en-US" smtClean="0"/>
+              <a:pPr/>
+              <a:t>27</a:t>
+            </a:fld>
+            <a:endParaRPr lang="en-US" dirty="0"/>
+          </a:p>
+        </p:txBody>
+      </p:sp>
+      <p:pic>
+        <p:nvPicPr>
+          <p:cNvPr id="7" name="Picture 6"/>
+          <p:cNvPicPr>
+            <a:picLocks noChangeAspect="1"/>
+          </p:cNvPicPr>
+          <p:nvPr/>
+        </p:nvPicPr>
+        <p:blipFill>
+          <a:blip r:embed="rId2"/>
+          <a:stretch>
+            <a:fillRect/>
+          </a:stretch>
+        </p:blipFill>
+        <p:spPr>
+          <a:xfrm>
+            <a:off x="674158" y="2806405"/>
+            <a:ext cx="6300788" cy="1294570"/>
+          </a:xfrm>
+          <a:prstGeom prst="rect">
+            <a:avLst/>
+          </a:prstGeom>
+        </p:spPr>
+      </p:pic>
+    </p:spTree>
+    <p:extLst>
+      <p:ext uri="{BB962C8B-B14F-4D97-AF65-F5344CB8AC3E}">
+        <p14:creationId xmlns:p14="http://schemas.microsoft.com/office/powerpoint/2010/main" val="2964084701"/>
+      </p:ext>
+    </p:extLst>
+  </p:cSld>
+  <p:clrMapOvr>
+    <a:masterClrMapping/>
+  </p:clrMapOvr>
+</p:sld>
+</file>
+
+<file path=ppt/slides/slide28.xml><?xml version="1.0" encoding="utf-8"?>
+<p:sld xmlns:a="http://schemas.openxmlformats.org/drawingml/2006/main" xmlns:r="http://schemas.openxmlformats.org/officeDocument/2006/relationships" xmlns:p="http://schemas.openxmlformats.org/presentationml/2006/main">
+  <p:cSld>
+    <p:spTree>
+      <p:nvGrpSpPr>
+        <p:cNvPr id="1" name=""/>
+        <p:cNvGrpSpPr/>
+        <p:nvPr/>
+      </p:nvGrpSpPr>
+      <p:grpSpPr>
+        <a:xfrm>
+          <a:off x="0" y="0"/>
+          <a:ext cx="0" cy="0"/>
+          <a:chOff x="0" y="0"/>
+          <a:chExt cx="0" cy="0"/>
+        </a:xfrm>
+      </p:grpSpPr>
+      <p:sp>
+        <p:nvSpPr>
+          <p:cNvPr id="2" name="Title 1"/>
+          <p:cNvSpPr>
+            <a:spLocks noGrp="1"/>
+          </p:cNvSpPr>
+          <p:nvPr>
+            <p:ph type="title"/>
+          </p:nvPr>
+        </p:nvSpPr>
+        <p:spPr/>
+        <p:txBody>
+          <a:bodyPr/>
+          <a:lstStyle/>
+          <a:p>
+            <a:r>
+              <a:rPr lang="fr-FR" dirty="0"/>
+              <a:t>Gestion des </a:t>
+            </a:r>
+            <a:r>
+              <a:rPr lang="fr-FR" dirty="0" err="1"/>
+              <a:t>VmAppliances</a:t>
+            </a:r>
+            <a:r>
+              <a:rPr lang="fr-FR" dirty="0"/>
+              <a:t> : Développement de </a:t>
+            </a:r>
+            <a:r>
+              <a:rPr lang="fr-FR" dirty="0" err="1"/>
+              <a:t>xo</a:t>
+            </a:r>
+            <a:r>
+              <a:rPr lang="fr-FR" dirty="0"/>
+              <a:t>-web</a:t>
+            </a:r>
+          </a:p>
+        </p:txBody>
+      </p:sp>
+      <p:sp>
+        <p:nvSpPr>
+          <p:cNvPr id="3" name="Content Placeholder 2"/>
+          <p:cNvSpPr>
+            <a:spLocks noGrp="1"/>
+          </p:cNvSpPr>
+          <p:nvPr>
+            <p:ph idx="1"/>
+          </p:nvPr>
+        </p:nvSpPr>
+        <p:spPr/>
+        <p:txBody>
+          <a:bodyPr/>
+          <a:lstStyle/>
+          <a:p>
+            <a:r>
+              <a:rPr lang="fr-FR" dirty="0" smtClean="0"/>
+              <a:t>Création d’un </a:t>
+            </a:r>
+            <a:r>
+              <a:rPr lang="fr-FR" dirty="0" err="1" smtClean="0"/>
+              <a:t>VmGroup</a:t>
+            </a:r>
+            <a:endParaRPr lang="fr-FR" dirty="0"/>
+          </a:p>
+        </p:txBody>
+      </p:sp>
+      <p:sp>
+        <p:nvSpPr>
+          <p:cNvPr id="4" name="Footer Placeholder 3"/>
+          <p:cNvSpPr>
+            <a:spLocks noGrp="1"/>
+          </p:cNvSpPr>
+          <p:nvPr>
+            <p:ph type="ftr" sz="quarter" idx="11"/>
+          </p:nvPr>
+        </p:nvSpPr>
+        <p:spPr/>
+        <p:txBody>
+          <a:bodyPr/>
+          <a:lstStyle/>
+          <a:p>
+            <a:r>
+              <a:rPr lang="en-US" smtClean="0"/>
+              <a:t>Bois Cédric - Master WIC</a:t>
+            </a:r>
+            <a:endParaRPr lang="en-US" dirty="0"/>
+          </a:p>
+        </p:txBody>
+      </p:sp>
+      <p:sp>
+        <p:nvSpPr>
+          <p:cNvPr id="5" name="Slide Number Placeholder 4"/>
+          <p:cNvSpPr>
+            <a:spLocks noGrp="1"/>
+          </p:cNvSpPr>
+          <p:nvPr>
+            <p:ph type="sldNum" sz="quarter" idx="12"/>
+          </p:nvPr>
+        </p:nvSpPr>
+        <p:spPr/>
+        <p:txBody>
+          <a:bodyPr/>
+          <a:lstStyle/>
+          <a:p>
+            <a:fld id="{D57F1E4F-1CFF-5643-939E-217C01CDF565}" type="slidenum">
+              <a:rPr lang="en-US" smtClean="0"/>
+              <a:pPr/>
+              <a:t>28</a:t>
+            </a:fld>
+            <a:endParaRPr lang="en-US" dirty="0"/>
+          </a:p>
+        </p:txBody>
+      </p:sp>
+      <p:pic>
+        <p:nvPicPr>
+          <p:cNvPr id="6" name="Picture 5"/>
+          <p:cNvPicPr>
+            <a:picLocks noChangeAspect="1"/>
+          </p:cNvPicPr>
+          <p:nvPr/>
+        </p:nvPicPr>
+        <p:blipFill>
+          <a:blip r:embed="rId3"/>
+          <a:stretch>
+            <a:fillRect/>
+          </a:stretch>
+        </p:blipFill>
+        <p:spPr>
+          <a:xfrm>
+            <a:off x="4241271" y="2153409"/>
+            <a:ext cx="5467350" cy="1947566"/>
+          </a:xfrm>
+          <a:prstGeom prst="rect">
+            <a:avLst/>
+          </a:prstGeom>
+        </p:spPr>
+      </p:pic>
+    </p:spTree>
+    <p:extLst>
+      <p:ext uri="{BB962C8B-B14F-4D97-AF65-F5344CB8AC3E}">
+        <p14:creationId xmlns:p14="http://schemas.microsoft.com/office/powerpoint/2010/main" val="2078447561"/>
+      </p:ext>
+    </p:extLst>
+  </p:cSld>
+  <p:clrMapOvr>
+    <a:masterClrMapping/>
+  </p:clrMapOvr>
+</p:sld>
+</file>
+
+<file path=ppt/slides/slide29.xml><?xml version="1.0" encoding="utf-8"?>
+<p:sld xmlns:a="http://schemas.openxmlformats.org/drawingml/2006/main" xmlns:r="http://schemas.openxmlformats.org/officeDocument/2006/relationships" xmlns:p="http://schemas.openxmlformats.org/presentationml/2006/main">
+  <p:cSld>
+    <p:spTree>
+      <p:nvGrpSpPr>
+        <p:cNvPr id="1" name=""/>
+        <p:cNvGrpSpPr/>
+        <p:nvPr/>
+      </p:nvGrpSpPr>
+      <p:grpSpPr>
+        <a:xfrm>
+          <a:off x="0" y="0"/>
+          <a:ext cx="0" cy="0"/>
+          <a:chOff x="0" y="0"/>
+          <a:chExt cx="0" cy="0"/>
+        </a:xfrm>
+      </p:grpSpPr>
+      <p:sp>
+        <p:nvSpPr>
+          <p:cNvPr id="2" name="Title 1"/>
+          <p:cNvSpPr>
+            <a:spLocks noGrp="1"/>
+          </p:cNvSpPr>
+          <p:nvPr>
+            <p:ph type="title"/>
+          </p:nvPr>
+        </p:nvSpPr>
+        <p:spPr/>
+        <p:txBody>
+          <a:bodyPr/>
+          <a:lstStyle/>
+          <a:p>
+            <a:r>
+              <a:rPr lang="fr-FR" dirty="0" smtClean="0"/>
+              <a:t>Démo</a:t>
+            </a:r>
+            <a:endParaRPr lang="fr-FR" dirty="0"/>
+          </a:p>
+        </p:txBody>
+      </p:sp>
+      <p:sp>
+        <p:nvSpPr>
+          <p:cNvPr id="3" name="Content Placeholder 2"/>
+          <p:cNvSpPr>
+            <a:spLocks noGrp="1"/>
+          </p:cNvSpPr>
+          <p:nvPr>
+            <p:ph idx="1"/>
+          </p:nvPr>
+        </p:nvSpPr>
+        <p:spPr/>
+        <p:txBody>
+          <a:bodyPr/>
+          <a:lstStyle/>
+          <a:p>
+            <a:endParaRPr lang="fr-FR"/>
+          </a:p>
+        </p:txBody>
+      </p:sp>
+      <p:sp>
+        <p:nvSpPr>
+          <p:cNvPr id="4" name="Footer Placeholder 3"/>
+          <p:cNvSpPr>
+            <a:spLocks noGrp="1"/>
+          </p:cNvSpPr>
+          <p:nvPr>
+            <p:ph type="ftr" sz="quarter" idx="11"/>
+          </p:nvPr>
+        </p:nvSpPr>
+        <p:spPr/>
+        <p:txBody>
+          <a:bodyPr/>
+          <a:lstStyle/>
+          <a:p>
+            <a:r>
+              <a:rPr lang="en-US" smtClean="0"/>
+              <a:t>Bois Cédric - Master WIC</a:t>
+            </a:r>
+            <a:endParaRPr lang="en-US" dirty="0"/>
+          </a:p>
+        </p:txBody>
+      </p:sp>
+      <p:sp>
+        <p:nvSpPr>
+          <p:cNvPr id="5" name="Slide Number Placeholder 4"/>
+          <p:cNvSpPr>
+            <a:spLocks noGrp="1"/>
+          </p:cNvSpPr>
+          <p:nvPr>
+            <p:ph type="sldNum" sz="quarter" idx="12"/>
+          </p:nvPr>
+        </p:nvSpPr>
+        <p:spPr/>
+        <p:txBody>
+          <a:bodyPr/>
+          <a:lstStyle/>
+          <a:p>
+            <a:fld id="{D57F1E4F-1CFF-5643-939E-217C01CDF565}" type="slidenum">
+              <a:rPr lang="en-US" smtClean="0"/>
+              <a:pPr/>
+              <a:t>29</a:t>
+            </a:fld>
+            <a:endParaRPr lang="en-US" dirty="0"/>
+          </a:p>
+        </p:txBody>
+      </p:sp>
+    </p:spTree>
+    <p:extLst>
+      <p:ext uri="{BB962C8B-B14F-4D97-AF65-F5344CB8AC3E}">
+        <p14:creationId xmlns:p14="http://schemas.microsoft.com/office/powerpoint/2010/main" val="3700545067"/>
+      </p:ext>
+    </p:extLst>
+  </p:cSld>
+  <p:clrMapOvr>
+    <a:masterClrMapping/>
+  </p:clrMapOvr>
+</p:sld>
+</file>
+
+<file path=ppt/slides/slide3.xml><?xml version="1.0" encoding="utf-8"?>
+<p:sld xmlns:a="http://schemas.openxmlformats.org/drawingml/2006/main" xmlns:r="http://schemas.openxmlformats.org/officeDocument/2006/relationships" xmlns:p="http://schemas.openxmlformats.org/presentationml/2006/main">
+  <p:cSld>
+    <p:spTree>
+      <p:nvGrpSpPr>
+        <p:cNvPr id="1" name=""/>
+        <p:cNvGrpSpPr/>
+        <p:nvPr/>
+      </p:nvGrpSpPr>
+      <p:grpSpPr>
+        <a:xfrm>
+          <a:off x="0" y="0"/>
+          <a:ext cx="0" cy="0"/>
+          <a:chOff x="0" y="0"/>
+          <a:chExt cx="0" cy="0"/>
+        </a:xfrm>
+      </p:grpSpPr>
+      <p:sp>
+        <p:nvSpPr>
+          <p:cNvPr id="2" name="Title 1"/>
+          <p:cNvSpPr>
+            <a:spLocks noGrp="1"/>
+          </p:cNvSpPr>
+          <p:nvPr>
+            <p:ph type="title"/>
+          </p:nvPr>
+        </p:nvSpPr>
+        <p:spPr/>
+        <p:txBody>
+          <a:bodyPr/>
+          <a:lstStyle/>
+          <a:p>
+            <a:r>
+              <a:rPr lang="fr-FR" dirty="0" smtClean="0"/>
+              <a:t>Planning de travail</a:t>
+            </a:r>
+            <a:endParaRPr lang="fr-FR" dirty="0"/>
+          </a:p>
+        </p:txBody>
+      </p:sp>
+      <p:sp>
+        <p:nvSpPr>
+          <p:cNvPr id="3" name="Content Placeholder 2"/>
+          <p:cNvSpPr>
+            <a:spLocks noGrp="1"/>
+          </p:cNvSpPr>
+          <p:nvPr>
+            <p:ph idx="1"/>
+          </p:nvPr>
+        </p:nvSpPr>
+        <p:spPr/>
+        <p:txBody>
+          <a:bodyPr/>
+          <a:lstStyle/>
+          <a:p>
+            <a:endParaRPr lang="fr-FR" dirty="0"/>
+          </a:p>
+        </p:txBody>
+      </p:sp>
+      <p:pic>
+        <p:nvPicPr>
+          <p:cNvPr id="4" name="Image 3" descr="C:\Users\CCCCC\Documents\journalStage\Gantt.jpg"/>
+          <p:cNvPicPr/>
+          <p:nvPr/>
+        </p:nvPicPr>
+        <p:blipFill>
+          <a:blip r:embed="rId3" cstate="print"/>
+          <a:srcRect t="19620"/>
+          <a:stretch>
+            <a:fillRect/>
+          </a:stretch>
+        </p:blipFill>
+        <p:spPr bwMode="auto">
+          <a:xfrm>
+            <a:off x="576995" y="1930400"/>
+            <a:ext cx="10672988" cy="3715191"/>
+          </a:xfrm>
+          <a:prstGeom prst="rect">
+            <a:avLst/>
+          </a:prstGeom>
+          <a:noFill/>
+          <a:ln w="9525">
+            <a:noFill/>
+            <a:miter lim="800000"/>
+            <a:headEnd/>
+            <a:tailEnd/>
+          </a:ln>
+        </p:spPr>
+      </p:pic>
+      <p:sp>
+        <p:nvSpPr>
+          <p:cNvPr id="5" name="Footer Placeholder 4"/>
+          <p:cNvSpPr>
+            <a:spLocks noGrp="1"/>
+          </p:cNvSpPr>
+          <p:nvPr>
+            <p:ph type="ftr" sz="quarter" idx="11"/>
+          </p:nvPr>
+        </p:nvSpPr>
+        <p:spPr/>
+        <p:txBody>
+          <a:bodyPr/>
+          <a:lstStyle/>
+          <a:p>
+            <a:r>
+              <a:rPr lang="en-US" smtClean="0"/>
+              <a:t>Bois Cédric - Master WIC</a:t>
+            </a:r>
+            <a:endParaRPr lang="en-US" dirty="0"/>
+          </a:p>
+        </p:txBody>
+      </p:sp>
+      <p:sp>
+        <p:nvSpPr>
+          <p:cNvPr id="6" name="Slide Number Placeholder 5"/>
+          <p:cNvSpPr>
+            <a:spLocks noGrp="1"/>
+          </p:cNvSpPr>
+          <p:nvPr>
+            <p:ph type="sldNum" sz="quarter" idx="12"/>
+          </p:nvPr>
+        </p:nvSpPr>
+        <p:spPr/>
+        <p:txBody>
+          <a:bodyPr/>
+          <a:lstStyle/>
+          <a:p>
+            <a:fld id="{D57F1E4F-1CFF-5643-939E-217C01CDF565}" type="slidenum">
+              <a:rPr lang="en-US" smtClean="0"/>
+              <a:pPr/>
+              <a:t>3</a:t>
+            </a:fld>
+            <a:endParaRPr lang="en-US" dirty="0"/>
+          </a:p>
+        </p:txBody>
+      </p:sp>
+    </p:spTree>
+    <p:extLst>
+      <p:ext uri="{BB962C8B-B14F-4D97-AF65-F5344CB8AC3E}">
+        <p14:creationId xmlns:p14="http://schemas.microsoft.com/office/powerpoint/2010/main" val="972397851"/>
+      </p:ext>
+    </p:extLst>
+  </p:cSld>
+  <p:clrMapOvr>
+    <a:masterClrMapping/>
+  </p:clrMapOvr>
+  <p:timing>
+    <p:tnLst>
+      <p:par>
+        <p:cTn id="1" dur="indefinite" restart="never" nodeType="tmRoot"/>
+      </p:par>
+    </p:tnLst>
+  </p:timing>
+</p:sld>
+</file>
+
+<file path=ppt/slides/slide30.xml><?xml version="1.0" encoding="utf-8"?>
+<p:sld xmlns:a="http://schemas.openxmlformats.org/drawingml/2006/main" xmlns:r="http://schemas.openxmlformats.org/officeDocument/2006/relationships" xmlns:p="http://schemas.openxmlformats.org/presentationml/2006/main">
+  <p:cSld>
+    <p:spTree>
+      <p:nvGrpSpPr>
+        <p:cNvPr id="1" name=""/>
+        <p:cNvGrpSpPr/>
+        <p:nvPr/>
+      </p:nvGrpSpPr>
+      <p:grpSpPr>
+        <a:xfrm>
+          <a:off x="0" y="0"/>
+          <a:ext cx="0" cy="0"/>
+          <a:chOff x="0" y="0"/>
+          <a:chExt cx="0" cy="0"/>
+        </a:xfrm>
+      </p:grpSpPr>
+      <p:sp>
+        <p:nvSpPr>
+          <p:cNvPr id="2" name="Title 1"/>
+          <p:cNvSpPr>
+            <a:spLocks noGrp="1"/>
+          </p:cNvSpPr>
+          <p:nvPr>
+            <p:ph type="title"/>
+          </p:nvPr>
+        </p:nvSpPr>
+        <p:spPr/>
+        <p:txBody>
+          <a:bodyPr/>
+          <a:lstStyle/>
+          <a:p>
+            <a:r>
+              <a:rPr lang="fr-FR" dirty="0" smtClean="0"/>
+              <a:t>Difficultés rencontrées</a:t>
+            </a:r>
+            <a:endParaRPr lang="fr-FR" dirty="0"/>
+          </a:p>
+        </p:txBody>
+      </p:sp>
+      <p:sp>
+        <p:nvSpPr>
+          <p:cNvPr id="3" name="Content Placeholder 2"/>
+          <p:cNvSpPr>
+            <a:spLocks noGrp="1"/>
+          </p:cNvSpPr>
+          <p:nvPr>
+            <p:ph idx="1"/>
+          </p:nvPr>
+        </p:nvSpPr>
+        <p:spPr/>
+        <p:txBody>
+          <a:bodyPr/>
+          <a:lstStyle/>
+          <a:p>
+            <a:endParaRPr lang="fr-FR" dirty="0"/>
+          </a:p>
+        </p:txBody>
+      </p:sp>
+      <p:sp>
+        <p:nvSpPr>
+          <p:cNvPr id="4" name="Footer Placeholder 3"/>
+          <p:cNvSpPr>
+            <a:spLocks noGrp="1"/>
+          </p:cNvSpPr>
+          <p:nvPr>
+            <p:ph type="ftr" sz="quarter" idx="11"/>
+          </p:nvPr>
+        </p:nvSpPr>
+        <p:spPr/>
+        <p:txBody>
+          <a:bodyPr/>
+          <a:lstStyle/>
+          <a:p>
+            <a:r>
+              <a:rPr lang="en-US" smtClean="0"/>
+              <a:t>Bois Cédric - Master WIC</a:t>
+            </a:r>
+            <a:endParaRPr lang="en-US" dirty="0"/>
+          </a:p>
+        </p:txBody>
+      </p:sp>
+      <p:sp>
+        <p:nvSpPr>
+          <p:cNvPr id="5" name="Slide Number Placeholder 4"/>
+          <p:cNvSpPr>
+            <a:spLocks noGrp="1"/>
+          </p:cNvSpPr>
+          <p:nvPr>
+            <p:ph type="sldNum" sz="quarter" idx="12"/>
+          </p:nvPr>
+        </p:nvSpPr>
+        <p:spPr/>
+        <p:txBody>
+          <a:bodyPr/>
+          <a:lstStyle/>
+          <a:p>
+            <a:fld id="{D57F1E4F-1CFF-5643-939E-217C01CDF565}" type="slidenum">
+              <a:rPr lang="en-US" smtClean="0"/>
+              <a:pPr/>
+              <a:t>30</a:t>
+            </a:fld>
+            <a:endParaRPr lang="en-US" dirty="0"/>
+          </a:p>
+        </p:txBody>
+      </p:sp>
+    </p:spTree>
+    <p:extLst>
+      <p:ext uri="{BB962C8B-B14F-4D97-AF65-F5344CB8AC3E}">
+        <p14:creationId xmlns:p14="http://schemas.microsoft.com/office/powerpoint/2010/main" val="718310272"/>
+      </p:ext>
+    </p:extLst>
+  </p:cSld>
+  <p:clrMapOvr>
+    <a:masterClrMapping/>
+  </p:clrMapOvr>
+</p:sld>
+</file>
+
+<file path=ppt/slides/slide31.xml><?xml version="1.0" encoding="utf-8"?>
+<p:sld xmlns:a="http://schemas.openxmlformats.org/drawingml/2006/main" xmlns:r="http://schemas.openxmlformats.org/officeDocument/2006/relationships" xmlns:p="http://schemas.openxmlformats.org/presentationml/2006/main">
+  <p:cSld>
+    <p:spTree>
+      <p:nvGrpSpPr>
+        <p:cNvPr id="1" name=""/>
+        <p:cNvGrpSpPr/>
+        <p:nvPr/>
+      </p:nvGrpSpPr>
+      <p:grpSpPr>
+        <a:xfrm>
+          <a:off x="0" y="0"/>
+          <a:ext cx="0" cy="0"/>
+          <a:chOff x="0" y="0"/>
+          <a:chExt cx="0" cy="0"/>
+        </a:xfrm>
+      </p:grpSpPr>
+      <p:sp>
+        <p:nvSpPr>
+          <p:cNvPr id="2" name="Title 1"/>
+          <p:cNvSpPr>
+            <a:spLocks noGrp="1"/>
+          </p:cNvSpPr>
+          <p:nvPr>
+            <p:ph type="title"/>
+          </p:nvPr>
+        </p:nvSpPr>
+        <p:spPr/>
+        <p:txBody>
+          <a:bodyPr/>
+          <a:lstStyle/>
+          <a:p>
+            <a:r>
+              <a:rPr lang="fr-FR" dirty="0" smtClean="0"/>
+              <a:t>Conclusion</a:t>
+            </a:r>
+            <a:endParaRPr lang="fr-FR" dirty="0"/>
+          </a:p>
+        </p:txBody>
+      </p:sp>
+      <p:sp>
+        <p:nvSpPr>
+          <p:cNvPr id="3" name="Content Placeholder 2"/>
+          <p:cNvSpPr>
+            <a:spLocks noGrp="1"/>
+          </p:cNvSpPr>
+          <p:nvPr>
+            <p:ph idx="1"/>
+          </p:nvPr>
+        </p:nvSpPr>
+        <p:spPr/>
+        <p:txBody>
+          <a:bodyPr/>
+          <a:lstStyle/>
+          <a:p>
+            <a:endParaRPr lang="fr-FR"/>
+          </a:p>
+        </p:txBody>
+      </p:sp>
+      <p:sp>
+        <p:nvSpPr>
+          <p:cNvPr id="4" name="Footer Placeholder 3"/>
+          <p:cNvSpPr>
+            <a:spLocks noGrp="1"/>
+          </p:cNvSpPr>
+          <p:nvPr>
+            <p:ph type="ftr" sz="quarter" idx="11"/>
+          </p:nvPr>
+        </p:nvSpPr>
+        <p:spPr/>
+        <p:txBody>
+          <a:bodyPr/>
+          <a:lstStyle/>
+          <a:p>
+            <a:r>
+              <a:rPr lang="en-US" smtClean="0"/>
+              <a:t>Bois Cédric - Master WIC</a:t>
+            </a:r>
+            <a:endParaRPr lang="en-US" dirty="0"/>
+          </a:p>
+        </p:txBody>
+      </p:sp>
+      <p:sp>
+        <p:nvSpPr>
+          <p:cNvPr id="5" name="Slide Number Placeholder 4"/>
+          <p:cNvSpPr>
+            <a:spLocks noGrp="1"/>
+          </p:cNvSpPr>
+          <p:nvPr>
+            <p:ph type="sldNum" sz="quarter" idx="12"/>
+          </p:nvPr>
+        </p:nvSpPr>
+        <p:spPr/>
+        <p:txBody>
+          <a:bodyPr/>
+          <a:lstStyle/>
+          <a:p>
+            <a:fld id="{D57F1E4F-1CFF-5643-939E-217C01CDF565}" type="slidenum">
+              <a:rPr lang="en-US" smtClean="0"/>
+              <a:pPr/>
+              <a:t>31</a:t>
+            </a:fld>
+            <a:endParaRPr lang="en-US" dirty="0"/>
+          </a:p>
+        </p:txBody>
+      </p:sp>
+    </p:spTree>
+    <p:extLst>
+      <p:ext uri="{BB962C8B-B14F-4D97-AF65-F5344CB8AC3E}">
+        <p14:creationId xmlns:p14="http://schemas.microsoft.com/office/powerpoint/2010/main" val="120753999"/>
+      </p:ext>
+    </p:extLst>
+  </p:cSld>
+  <p:clrMapOvr>
+    <a:masterClrMapping/>
+  </p:clrMapOvr>
+</p:sld>
+</file>
+
+<file path=ppt/slides/slide4.xml><?xml version="1.0" encoding="utf-8"?>
+<p:sld xmlns:a="http://schemas.openxmlformats.org/drawingml/2006/main" xmlns:r="http://schemas.openxmlformats.org/officeDocument/2006/relationships" xmlns:p="http://schemas.openxmlformats.org/presentationml/2006/main">
+  <p:cSld>
+    <p:spTree>
+      <p:nvGrpSpPr>
+        <p:cNvPr id="1" name=""/>
+        <p:cNvGrpSpPr/>
+        <p:nvPr/>
+      </p:nvGrpSpPr>
+      <p:grpSpPr>
+        <a:xfrm>
+          <a:off x="0" y="0"/>
+          <a:ext cx="0" cy="0"/>
+          <a:chOff x="0" y="0"/>
+          <a:chExt cx="0" cy="0"/>
+        </a:xfrm>
+      </p:grpSpPr>
+      <p:sp>
+        <p:nvSpPr>
+          <p:cNvPr id="2" name="Title 1"/>
+          <p:cNvSpPr>
+            <a:spLocks noGrp="1"/>
+          </p:cNvSpPr>
+          <p:nvPr>
+            <p:ph type="ctrTitle"/>
+          </p:nvPr>
+        </p:nvSpPr>
+        <p:spPr/>
+        <p:txBody>
+          <a:bodyPr/>
+          <a:lstStyle/>
+          <a:p>
+            <a:r>
+              <a:rPr lang="fr-FR" dirty="0" smtClean="0"/>
+              <a:t>Technologies utilisées</a:t>
+            </a:r>
+            <a:endParaRPr lang="fr-FR" dirty="0"/>
+          </a:p>
+        </p:txBody>
+      </p:sp>
+      <p:sp>
+        <p:nvSpPr>
+          <p:cNvPr id="3" name="Subtitle 2"/>
+          <p:cNvSpPr>
+            <a:spLocks noGrp="1"/>
+          </p:cNvSpPr>
+          <p:nvPr>
+            <p:ph type="subTitle" idx="1"/>
+          </p:nvPr>
+        </p:nvSpPr>
+        <p:spPr/>
+        <p:txBody>
+          <a:bodyPr/>
+          <a:lstStyle/>
+          <a:p>
+            <a:endParaRPr lang="fr-FR"/>
+          </a:p>
+        </p:txBody>
+      </p:sp>
+      <p:sp>
+        <p:nvSpPr>
+          <p:cNvPr id="4" name="Footer Placeholder 3"/>
+          <p:cNvSpPr>
+            <a:spLocks noGrp="1"/>
+          </p:cNvSpPr>
+          <p:nvPr>
+            <p:ph type="ftr" sz="quarter" idx="11"/>
+          </p:nvPr>
+        </p:nvSpPr>
+        <p:spPr/>
+        <p:txBody>
+          <a:bodyPr/>
+          <a:lstStyle/>
+          <a:p>
+            <a:r>
+              <a:rPr lang="en-US" smtClean="0"/>
+              <a:t>Bois Cédric - Master WIC</a:t>
+            </a:r>
+            <a:endParaRPr lang="en-US" dirty="0"/>
+          </a:p>
+        </p:txBody>
+      </p:sp>
+      <p:sp>
+        <p:nvSpPr>
+          <p:cNvPr id="5" name="Slide Number Placeholder 4"/>
+          <p:cNvSpPr>
+            <a:spLocks noGrp="1"/>
+          </p:cNvSpPr>
+          <p:nvPr>
+            <p:ph type="sldNum" sz="quarter" idx="12"/>
+          </p:nvPr>
+        </p:nvSpPr>
+        <p:spPr/>
+        <p:txBody>
+          <a:bodyPr/>
+          <a:lstStyle/>
+          <a:p>
+            <a:fld id="{D57F1E4F-1CFF-5643-939E-217C01CDF565}" type="slidenum">
+              <a:rPr lang="en-US" smtClean="0"/>
+              <a:pPr/>
+              <a:t>4</a:t>
+            </a:fld>
+            <a:endParaRPr lang="en-US" dirty="0"/>
+          </a:p>
+        </p:txBody>
+      </p:sp>
+    </p:spTree>
+    <p:extLst>
+      <p:ext uri="{BB962C8B-B14F-4D97-AF65-F5344CB8AC3E}">
+        <p14:creationId xmlns:p14="http://schemas.microsoft.com/office/powerpoint/2010/main" val="1642173516"/>
+      </p:ext>
+    </p:extLst>
+  </p:cSld>
+  <p:clrMapOvr>
+    <a:masterClrMapping/>
+  </p:clrMapOvr>
+</p:sld>
+</file>
+
+<file path=ppt/slides/slide5.xml><?xml version="1.0" encoding="utf-8"?>
+<p:sld xmlns:a="http://schemas.openxmlformats.org/drawingml/2006/main" xmlns:r="http://schemas.openxmlformats.org/officeDocument/2006/relationships" xmlns:p="http://schemas.openxmlformats.org/presentationml/2006/main">
+  <p:cSld>
+    <p:spTree>
+      <p:nvGrpSpPr>
+        <p:cNvPr id="1" name=""/>
+        <p:cNvGrpSpPr/>
+        <p:nvPr/>
+      </p:nvGrpSpPr>
+      <p:grpSpPr>
+        <a:xfrm>
+          <a:off x="0" y="0"/>
+          <a:ext cx="0" cy="0"/>
+          <a:chOff x="0" y="0"/>
+          <a:chExt cx="0" cy="0"/>
+        </a:xfrm>
+      </p:grpSpPr>
+      <p:sp>
+        <p:nvSpPr>
+          <p:cNvPr id="2" name="Title 1"/>
+          <p:cNvSpPr>
+            <a:spLocks noGrp="1"/>
+          </p:cNvSpPr>
+          <p:nvPr>
+            <p:ph type="title"/>
+          </p:nvPr>
+        </p:nvSpPr>
+        <p:spPr/>
+        <p:txBody>
+          <a:bodyPr/>
+          <a:lstStyle/>
+          <a:p>
+            <a:r>
+              <a:rPr lang="fr-FR" dirty="0" err="1" smtClean="0"/>
+              <a:t>React</a:t>
+            </a:r>
+            <a:r>
+              <a:rPr lang="fr-FR" dirty="0" smtClean="0"/>
+              <a:t> JS</a:t>
+            </a:r>
+            <a:endParaRPr lang="fr-FR" dirty="0"/>
+          </a:p>
+        </p:txBody>
+      </p:sp>
+      <p:sp>
+        <p:nvSpPr>
+          <p:cNvPr id="3" name="Content Placeholder 2"/>
+          <p:cNvSpPr>
+            <a:spLocks noGrp="1"/>
+          </p:cNvSpPr>
+          <p:nvPr>
+            <p:ph idx="1"/>
+          </p:nvPr>
+        </p:nvSpPr>
+        <p:spPr/>
+        <p:txBody>
+          <a:bodyPr/>
+          <a:lstStyle/>
+          <a:p>
+            <a:pPr marL="0" indent="0">
+              <a:buNone/>
+            </a:pPr>
+            <a:r>
+              <a:rPr lang="fr-FR" dirty="0" smtClean="0"/>
+              <a:t>Programmation par composants :</a:t>
+            </a:r>
+          </a:p>
+          <a:p>
+            <a:r>
+              <a:rPr lang="fr-FR" dirty="0" err="1" smtClean="0"/>
+              <a:t>Props</a:t>
+            </a:r>
+            <a:r>
+              <a:rPr lang="fr-FR" dirty="0" smtClean="0"/>
+              <a:t>, </a:t>
+            </a:r>
+            <a:r>
+              <a:rPr lang="fr-FR" dirty="0"/>
+              <a:t>S</a:t>
+            </a:r>
+            <a:r>
+              <a:rPr lang="fr-FR" dirty="0" smtClean="0"/>
+              <a:t>tate, </a:t>
+            </a:r>
+            <a:r>
+              <a:rPr lang="fr-FR" dirty="0" err="1" smtClean="0"/>
+              <a:t>Render</a:t>
+            </a:r>
+            <a:endParaRPr lang="fr-FR" dirty="0" smtClean="0"/>
+          </a:p>
+          <a:p>
+            <a:endParaRPr lang="fr-FR" dirty="0" smtClean="0"/>
+          </a:p>
+          <a:p>
+            <a:r>
+              <a:rPr lang="fr-FR" dirty="0" smtClean="0"/>
+              <a:t>Instanciation</a:t>
+            </a:r>
+          </a:p>
+          <a:p>
+            <a:r>
+              <a:rPr lang="fr-FR" dirty="0" smtClean="0"/>
+              <a:t>Déclaration d’un composant</a:t>
+            </a:r>
+            <a:endParaRPr lang="fr-FR" dirty="0"/>
+          </a:p>
+        </p:txBody>
+      </p:sp>
+      <p:sp>
+        <p:nvSpPr>
+          <p:cNvPr id="6" name="Footer Placeholder 5"/>
+          <p:cNvSpPr>
+            <a:spLocks noGrp="1"/>
+          </p:cNvSpPr>
+          <p:nvPr>
+            <p:ph type="ftr" sz="quarter" idx="11"/>
+          </p:nvPr>
+        </p:nvSpPr>
+        <p:spPr/>
+        <p:txBody>
+          <a:bodyPr/>
+          <a:lstStyle/>
+          <a:p>
+            <a:r>
+              <a:rPr lang="en-US" smtClean="0"/>
+              <a:t>Bois Cédric - Master WIC</a:t>
+            </a:r>
+            <a:endParaRPr lang="en-US" dirty="0"/>
+          </a:p>
+        </p:txBody>
+      </p:sp>
+      <p:sp>
+        <p:nvSpPr>
+          <p:cNvPr id="7" name="Slide Number Placeholder 6"/>
+          <p:cNvSpPr>
+            <a:spLocks noGrp="1"/>
+          </p:cNvSpPr>
+          <p:nvPr>
+            <p:ph type="sldNum" sz="quarter" idx="12"/>
+          </p:nvPr>
+        </p:nvSpPr>
+        <p:spPr/>
+        <p:txBody>
+          <a:bodyPr/>
+          <a:lstStyle/>
+          <a:p>
+            <a:fld id="{D57F1E4F-1CFF-5643-939E-217C01CDF565}" type="slidenum">
+              <a:rPr lang="en-US" smtClean="0"/>
+              <a:pPr/>
+              <a:t>5</a:t>
+            </a:fld>
+            <a:endParaRPr lang="en-US" dirty="0"/>
+          </a:p>
+        </p:txBody>
+      </p:sp>
+      <p:pic>
+        <p:nvPicPr>
+          <p:cNvPr id="8" name="Content Placeholder 5"/>
+          <p:cNvPicPr>
+            <a:picLocks noChangeAspect="1"/>
+          </p:cNvPicPr>
+          <p:nvPr/>
+        </p:nvPicPr>
+        <p:blipFill>
+          <a:blip r:embed="rId3">
+            <a:extLst>
+              <a:ext uri="{28A0092B-C50C-407E-A947-70E740481C1C}">
+                <a14:useLocalDpi xmlns:a14="http://schemas.microsoft.com/office/drawing/2010/main" val="0"/>
+              </a:ext>
+            </a:extLst>
+          </a:blip>
+          <a:stretch>
+            <a:fillRect/>
+          </a:stretch>
+        </p:blipFill>
+        <p:spPr>
+          <a:xfrm>
+            <a:off x="4762500" y="2625924"/>
+            <a:ext cx="5835476" cy="2776337"/>
+          </a:xfrm>
+          <a:prstGeom prst="rect">
+            <a:avLst/>
+          </a:prstGeom>
+        </p:spPr>
+      </p:pic>
+    </p:spTree>
+    <p:extLst>
+      <p:ext uri="{BB962C8B-B14F-4D97-AF65-F5344CB8AC3E}">
+        <p14:creationId xmlns:p14="http://schemas.microsoft.com/office/powerpoint/2010/main" val="2425775742"/>
+      </p:ext>
+    </p:extLst>
+  </p:cSld>
+  <p:clrMapOvr>
+    <a:masterClrMapping/>
+  </p:clrMapOvr>
+  <p:timing>
+    <p:tnLst>
+      <p:par>
+        <p:cTn id="1" dur="indefinite" restart="never" nodeType="tmRoot"/>
+      </p:par>
+    </p:tnLst>
+  </p:timing>
+</p:sld>
+</file>
+
+<file path=ppt/slides/slide6.xml><?xml version="1.0" encoding="utf-8"?>
+<p:sld xmlns:a="http://schemas.openxmlformats.org/drawingml/2006/main" xmlns:r="http://schemas.openxmlformats.org/officeDocument/2006/relationships" xmlns:p="http://schemas.openxmlformats.org/presentationml/2006/main">
+  <p:cSld>
+    <p:spTree>
+      <p:nvGrpSpPr>
+        <p:cNvPr id="1" name=""/>
+        <p:cNvGrpSpPr/>
+        <p:nvPr/>
+      </p:nvGrpSpPr>
+      <p:grpSpPr>
+        <a:xfrm>
+          <a:off x="0" y="0"/>
+          <a:ext cx="0" cy="0"/>
+          <a:chOff x="0" y="0"/>
+          <a:chExt cx="0" cy="0"/>
+        </a:xfrm>
+      </p:grpSpPr>
+      <p:sp>
+        <p:nvSpPr>
+          <p:cNvPr id="2" name="Title 1"/>
+          <p:cNvSpPr>
+            <a:spLocks noGrp="1"/>
+          </p:cNvSpPr>
+          <p:nvPr>
+            <p:ph type="title"/>
+          </p:nvPr>
+        </p:nvSpPr>
+        <p:spPr/>
+        <p:txBody>
+          <a:bodyPr/>
+          <a:lstStyle/>
+          <a:p>
+            <a:r>
+              <a:rPr lang="fr-FR" dirty="0" err="1"/>
+              <a:t>React</a:t>
+            </a:r>
+            <a:r>
+              <a:rPr lang="fr-FR" dirty="0"/>
+              <a:t> JS</a:t>
+            </a:r>
+          </a:p>
+        </p:txBody>
+      </p:sp>
+      <p:sp>
+        <p:nvSpPr>
+          <p:cNvPr id="4" name="Footer Placeholder 3"/>
+          <p:cNvSpPr>
+            <a:spLocks noGrp="1"/>
+          </p:cNvSpPr>
+          <p:nvPr>
+            <p:ph type="ftr" sz="quarter" idx="11"/>
+          </p:nvPr>
+        </p:nvSpPr>
+        <p:spPr/>
+        <p:txBody>
+          <a:bodyPr/>
+          <a:lstStyle/>
+          <a:p>
+            <a:r>
+              <a:rPr lang="en-US" smtClean="0"/>
+              <a:t>Bois Cédric - Master WIC</a:t>
+            </a:r>
+            <a:endParaRPr lang="en-US" dirty="0"/>
+          </a:p>
+        </p:txBody>
+      </p:sp>
+      <p:sp>
+        <p:nvSpPr>
+          <p:cNvPr id="5" name="Slide Number Placeholder 4"/>
+          <p:cNvSpPr>
+            <a:spLocks noGrp="1"/>
+          </p:cNvSpPr>
+          <p:nvPr>
+            <p:ph type="sldNum" sz="quarter" idx="12"/>
+          </p:nvPr>
+        </p:nvSpPr>
+        <p:spPr/>
+        <p:txBody>
+          <a:bodyPr/>
+          <a:lstStyle/>
+          <a:p>
+            <a:fld id="{D57F1E4F-1CFF-5643-939E-217C01CDF565}" type="slidenum">
+              <a:rPr lang="en-US" smtClean="0"/>
+              <a:pPr/>
+              <a:t>6</a:t>
+            </a:fld>
+            <a:endParaRPr lang="en-US" dirty="0"/>
+          </a:p>
+        </p:txBody>
+      </p:sp>
+      <p:sp>
+        <p:nvSpPr>
+          <p:cNvPr id="7" name="Content Placeholder 6"/>
+          <p:cNvSpPr>
+            <a:spLocks noGrp="1"/>
+          </p:cNvSpPr>
+          <p:nvPr>
+            <p:ph idx="1"/>
+          </p:nvPr>
+        </p:nvSpPr>
+        <p:spPr/>
+        <p:txBody>
+          <a:bodyPr/>
+          <a:lstStyle/>
+          <a:p>
+            <a:endParaRPr lang="fr-FR"/>
+          </a:p>
+        </p:txBody>
+      </p:sp>
+      <p:pic>
+        <p:nvPicPr>
+          <p:cNvPr id="8" name="Picture 7"/>
+          <p:cNvPicPr>
+            <a:picLocks noChangeAspect="1"/>
+          </p:cNvPicPr>
+          <p:nvPr/>
+        </p:nvPicPr>
+        <p:blipFill>
+          <a:blip r:embed="rId2"/>
+          <a:stretch>
+            <a:fillRect/>
+          </a:stretch>
+        </p:blipFill>
+        <p:spPr>
+          <a:xfrm>
+            <a:off x="4367982" y="2744351"/>
+            <a:ext cx="6710372" cy="2713250"/>
+          </a:xfrm>
+          <a:prstGeom prst="rect">
+            <a:avLst/>
+          </a:prstGeom>
+        </p:spPr>
+      </p:pic>
+      <p:pic>
+        <p:nvPicPr>
+          <p:cNvPr id="10" name="Image 3" descr="C:\Users\CCCCC\Downloads\Capture du 2017-05-30 20_42_47.png"/>
+          <p:cNvPicPr/>
+          <p:nvPr/>
+        </p:nvPicPr>
+        <p:blipFill rotWithShape="1">
+          <a:blip r:embed="rId3" cstate="print"/>
+          <a:srcRect l="21398" t="32779" r="65661" b="64792"/>
+          <a:stretch/>
+        </p:blipFill>
+        <p:spPr bwMode="auto">
+          <a:xfrm>
+            <a:off x="764007" y="3949215"/>
+            <a:ext cx="2890683" cy="303521"/>
+          </a:xfrm>
+          <a:prstGeom prst="rect">
+            <a:avLst/>
+          </a:prstGeom>
+          <a:noFill/>
+          <a:ln w="9525">
+            <a:noFill/>
+            <a:miter lim="800000"/>
+            <a:headEnd/>
+            <a:tailEnd/>
+          </a:ln>
+        </p:spPr>
+      </p:pic>
+    </p:spTree>
+    <p:extLst>
+      <p:ext uri="{BB962C8B-B14F-4D97-AF65-F5344CB8AC3E}">
+        <p14:creationId xmlns:p14="http://schemas.microsoft.com/office/powerpoint/2010/main" val="2904289709"/>
+      </p:ext>
+    </p:extLst>
+  </p:cSld>
+  <p:clrMapOvr>
+    <a:masterClrMapping/>
+  </p:clrMapOvr>
+</p:sld>
+</file>
+
+<file path=ppt/slides/slide7.xml><?xml version="1.0" encoding="utf-8"?>
+<p:sld xmlns:a="http://schemas.openxmlformats.org/drawingml/2006/main" xmlns:r="http://schemas.openxmlformats.org/officeDocument/2006/relationships" xmlns:p="http://schemas.openxmlformats.org/presentationml/2006/main">
+  <p:cSld>
+    <p:spTree>
+      <p:nvGrpSpPr>
+        <p:cNvPr id="1" name=""/>
+        <p:cNvGrpSpPr/>
+        <p:nvPr/>
+      </p:nvGrpSpPr>
+      <p:grpSpPr>
+        <a:xfrm>
+          <a:off x="0" y="0"/>
+          <a:ext cx="0" cy="0"/>
+          <a:chOff x="0" y="0"/>
+          <a:chExt cx="0" cy="0"/>
+        </a:xfrm>
+      </p:grpSpPr>
+      <p:sp>
+        <p:nvSpPr>
+          <p:cNvPr id="2" name="Titre 1"/>
+          <p:cNvSpPr>
+            <a:spLocks noGrp="1"/>
+          </p:cNvSpPr>
+          <p:nvPr>
+            <p:ph type="title"/>
+          </p:nvPr>
+        </p:nvSpPr>
+        <p:spPr/>
+        <p:txBody>
+          <a:bodyPr/>
+          <a:lstStyle/>
+          <a:p>
+            <a:r>
+              <a:rPr lang="fr-FR" dirty="0" err="1"/>
+              <a:t>React</a:t>
+            </a:r>
+            <a:r>
+              <a:rPr lang="fr-FR" dirty="0"/>
+              <a:t> JS</a:t>
+            </a:r>
+          </a:p>
+        </p:txBody>
+      </p:sp>
+      <p:sp>
+        <p:nvSpPr>
+          <p:cNvPr id="3" name="Espace réservé du contenu 2"/>
+          <p:cNvSpPr>
+            <a:spLocks noGrp="1"/>
+          </p:cNvSpPr>
+          <p:nvPr>
+            <p:ph idx="1"/>
+          </p:nvPr>
+        </p:nvSpPr>
+        <p:spPr/>
+        <p:txBody>
+          <a:bodyPr/>
+          <a:lstStyle/>
+          <a:p>
+            <a:r>
+              <a:rPr lang="fr-FR" dirty="0" err="1"/>
+              <a:t>Stateless</a:t>
+            </a:r>
+            <a:r>
+              <a:rPr lang="fr-FR" dirty="0"/>
+              <a:t>, </a:t>
+            </a:r>
+            <a:r>
+              <a:rPr lang="fr-FR" dirty="0" err="1"/>
+              <a:t>stateful</a:t>
+            </a:r>
+            <a:endParaRPr lang="fr-FR" dirty="0"/>
+          </a:p>
+          <a:p>
+            <a:endParaRPr lang="fr-FR" dirty="0"/>
+          </a:p>
+        </p:txBody>
+      </p:sp>
+      <p:pic>
+        <p:nvPicPr>
+          <p:cNvPr id="4" name="Image 3" descr="C:\Users\CCCCC\Downloads\Capture du 2017-06-04 17_07_42.png"/>
+          <p:cNvPicPr/>
+          <p:nvPr/>
+        </p:nvPicPr>
+        <p:blipFill>
+          <a:blip r:embed="rId3" cstate="print"/>
+          <a:srcRect l="15318" t="15278" r="59029" b="76576"/>
+          <a:stretch>
+            <a:fillRect/>
+          </a:stretch>
+        </p:blipFill>
+        <p:spPr bwMode="auto">
+          <a:xfrm>
+            <a:off x="443388" y="3664843"/>
+            <a:ext cx="4916791" cy="872263"/>
+          </a:xfrm>
+          <a:prstGeom prst="rect">
+            <a:avLst/>
+          </a:prstGeom>
+          <a:noFill/>
+          <a:ln w="9525">
+            <a:noFill/>
+            <a:miter lim="800000"/>
+            <a:headEnd/>
+            <a:tailEnd/>
+          </a:ln>
+        </p:spPr>
+      </p:pic>
+      <p:pic>
+        <p:nvPicPr>
+          <p:cNvPr id="5" name="Image 4" descr="C:\Users\CCCCC\Downloads\Capture du 2017-06-04 01_15_15.png"/>
+          <p:cNvPicPr/>
+          <p:nvPr/>
+        </p:nvPicPr>
+        <p:blipFill rotWithShape="1">
+          <a:blip r:embed="rId4" cstate="print"/>
+          <a:srcRect l="17486" t="15335" r="41645" b="32231"/>
+          <a:stretch/>
+        </p:blipFill>
+        <p:spPr bwMode="auto">
+          <a:xfrm>
+            <a:off x="5567585" y="1930400"/>
+            <a:ext cx="6372218" cy="4597717"/>
+          </a:xfrm>
+          <a:prstGeom prst="rect">
+            <a:avLst/>
+          </a:prstGeom>
+          <a:noFill/>
+          <a:ln>
+            <a:noFill/>
+          </a:ln>
+          <a:extLst>
+            <a:ext uri="{53640926-AAD7-44D8-BBD7-CCE9431645EC}">
+              <a14:shadowObscured xmlns:a14="http://schemas.microsoft.com/office/drawing/2010/main"/>
+            </a:ext>
+          </a:extLst>
+        </p:spPr>
+      </p:pic>
+      <p:sp>
+        <p:nvSpPr>
+          <p:cNvPr id="6" name="Footer Placeholder 5"/>
+          <p:cNvSpPr>
+            <a:spLocks noGrp="1"/>
+          </p:cNvSpPr>
+          <p:nvPr>
+            <p:ph type="ftr" sz="quarter" idx="11"/>
+          </p:nvPr>
+        </p:nvSpPr>
+        <p:spPr/>
+        <p:txBody>
+          <a:bodyPr/>
+          <a:lstStyle/>
+          <a:p>
+            <a:r>
+              <a:rPr lang="en-US" smtClean="0"/>
+              <a:t>Bois Cédric - Master WIC</a:t>
+            </a:r>
+            <a:endParaRPr lang="en-US" dirty="0"/>
+          </a:p>
+        </p:txBody>
+      </p:sp>
+      <p:sp>
+        <p:nvSpPr>
+          <p:cNvPr id="7" name="Slide Number Placeholder 6"/>
+          <p:cNvSpPr>
+            <a:spLocks noGrp="1"/>
+          </p:cNvSpPr>
+          <p:nvPr>
+            <p:ph type="sldNum" sz="quarter" idx="12"/>
+          </p:nvPr>
+        </p:nvSpPr>
+        <p:spPr/>
+        <p:txBody>
+          <a:bodyPr/>
+          <a:lstStyle/>
+          <a:p>
+            <a:fld id="{D57F1E4F-1CFF-5643-939E-217C01CDF565}" type="slidenum">
+              <a:rPr lang="en-US" smtClean="0"/>
+              <a:pPr/>
+              <a:t>7</a:t>
+            </a:fld>
+            <a:endParaRPr lang="en-US" dirty="0"/>
+          </a:p>
+        </p:txBody>
+      </p:sp>
+    </p:spTree>
+    <p:extLst>
+      <p:ext uri="{BB962C8B-B14F-4D97-AF65-F5344CB8AC3E}">
+        <p14:creationId xmlns:p14="http://schemas.microsoft.com/office/powerpoint/2010/main" val="240404320"/>
+      </p:ext>
+    </p:extLst>
+  </p:cSld>
+  <p:clrMapOvr>
+    <a:masterClrMapping/>
+  </p:clrMapOvr>
+  <p:timing>
+    <p:tnLst>
+      <p:par>
+        <p:cTn id="1" dur="indefinite" restart="never" nodeType="tmRoot"/>
+      </p:par>
+    </p:tnLst>
+  </p:timing>
+</p:sld>
+</file>
+
+<file path=ppt/slides/slide8.xml><?xml version="1.0" encoding="utf-8"?>
+<p:sld xmlns:a="http://schemas.openxmlformats.org/drawingml/2006/main" xmlns:r="http://schemas.openxmlformats.org/officeDocument/2006/relationships" xmlns:p="http://schemas.openxmlformats.org/presentationml/2006/main">
+  <p:cSld>
+    <p:spTree>
+      <p:nvGrpSpPr>
+        <p:cNvPr id="1" name=""/>
+        <p:cNvGrpSpPr/>
+        <p:nvPr/>
+      </p:nvGrpSpPr>
+      <p:grpSpPr>
+        <a:xfrm>
+          <a:off x="0" y="0"/>
+          <a:ext cx="0" cy="0"/>
+          <a:chOff x="0" y="0"/>
+          <a:chExt cx="0" cy="0"/>
+        </a:xfrm>
+      </p:grpSpPr>
+      <p:sp>
+        <p:nvSpPr>
+          <p:cNvPr id="2" name="Title 1"/>
+          <p:cNvSpPr>
+            <a:spLocks noGrp="1"/>
+          </p:cNvSpPr>
+          <p:nvPr>
+            <p:ph type="title"/>
+          </p:nvPr>
+        </p:nvSpPr>
+        <p:spPr/>
+        <p:txBody>
+          <a:bodyPr/>
+          <a:lstStyle/>
+          <a:p>
+            <a:r>
+              <a:rPr lang="fr-FR" dirty="0" err="1" smtClean="0"/>
+              <a:t>Lodash</a:t>
+            </a:r>
+            <a:endParaRPr lang="fr-FR" dirty="0"/>
+          </a:p>
+        </p:txBody>
+      </p:sp>
+      <p:sp>
+        <p:nvSpPr>
+          <p:cNvPr id="3" name="Content Placeholder 2"/>
+          <p:cNvSpPr>
+            <a:spLocks noGrp="1"/>
+          </p:cNvSpPr>
+          <p:nvPr>
+            <p:ph idx="1"/>
+          </p:nvPr>
+        </p:nvSpPr>
+        <p:spPr/>
+        <p:txBody>
+          <a:bodyPr/>
+          <a:lstStyle/>
+          <a:p>
+            <a:r>
+              <a:rPr lang="fr-FR" dirty="0" smtClean="0"/>
+              <a:t>Créé en 2012</a:t>
+            </a:r>
+          </a:p>
+          <a:p>
+            <a:r>
+              <a:rPr lang="fr-FR" dirty="0" smtClean="0"/>
+              <a:t>Librairies de traitement :</a:t>
+            </a:r>
+          </a:p>
+          <a:p>
+            <a:pPr lvl="1"/>
+            <a:r>
+              <a:rPr lang="fr-FR" dirty="0" smtClean="0"/>
+              <a:t>Collections</a:t>
+            </a:r>
+          </a:p>
+          <a:p>
+            <a:pPr lvl="1"/>
+            <a:r>
+              <a:rPr lang="fr-FR" dirty="0" smtClean="0"/>
+              <a:t>Fonctions</a:t>
+            </a:r>
+          </a:p>
+          <a:p>
+            <a:pPr lvl="1"/>
+            <a:r>
+              <a:rPr lang="fr-FR" dirty="0" smtClean="0"/>
+              <a:t>Mathématique</a:t>
+            </a:r>
+            <a:endParaRPr lang="fr-FR" dirty="0"/>
+          </a:p>
+        </p:txBody>
+      </p:sp>
+      <p:sp>
+        <p:nvSpPr>
+          <p:cNvPr id="4" name="Footer Placeholder 3"/>
+          <p:cNvSpPr>
+            <a:spLocks noGrp="1"/>
+          </p:cNvSpPr>
+          <p:nvPr>
+            <p:ph type="ftr" sz="quarter" idx="11"/>
+          </p:nvPr>
+        </p:nvSpPr>
+        <p:spPr/>
+        <p:txBody>
+          <a:bodyPr/>
+          <a:lstStyle/>
+          <a:p>
+            <a:r>
+              <a:rPr lang="en-US" smtClean="0"/>
+              <a:t>Bois Cédric - Master WIC</a:t>
+            </a:r>
+            <a:endParaRPr lang="en-US" dirty="0"/>
+          </a:p>
+        </p:txBody>
+      </p:sp>
+      <p:sp>
+        <p:nvSpPr>
+          <p:cNvPr id="5" name="Slide Number Placeholder 4"/>
+          <p:cNvSpPr>
+            <a:spLocks noGrp="1"/>
+          </p:cNvSpPr>
+          <p:nvPr>
+            <p:ph type="sldNum" sz="quarter" idx="12"/>
+          </p:nvPr>
+        </p:nvSpPr>
+        <p:spPr/>
+        <p:txBody>
+          <a:bodyPr/>
+          <a:lstStyle/>
+          <a:p>
+            <a:fld id="{D57F1E4F-1CFF-5643-939E-217C01CDF565}" type="slidenum">
+              <a:rPr lang="en-US" smtClean="0"/>
+              <a:pPr/>
+              <a:t>8</a:t>
+            </a:fld>
+            <a:endParaRPr lang="en-US" dirty="0"/>
+          </a:p>
+        </p:txBody>
+      </p:sp>
+      <p:pic>
+        <p:nvPicPr>
+          <p:cNvPr id="6" name="Picture 5"/>
+          <p:cNvPicPr>
+            <a:picLocks noChangeAspect="1"/>
+          </p:cNvPicPr>
+          <p:nvPr/>
+        </p:nvPicPr>
+        <p:blipFill>
+          <a:blip r:embed="rId2">
+            <a:extLst>
+              <a:ext uri="{28A0092B-C50C-407E-A947-70E740481C1C}">
+                <a14:useLocalDpi xmlns:a14="http://schemas.microsoft.com/office/drawing/2010/main" val="0"/>
+              </a:ext>
+            </a:extLst>
+          </a:blip>
+          <a:stretch>
+            <a:fillRect/>
+          </a:stretch>
+        </p:blipFill>
+        <p:spPr>
+          <a:xfrm>
+            <a:off x="6591300" y="2390774"/>
+            <a:ext cx="2492375" cy="2492375"/>
+          </a:xfrm>
+          <a:prstGeom prst="rect">
+            <a:avLst/>
+          </a:prstGeom>
+        </p:spPr>
+      </p:pic>
+    </p:spTree>
+    <p:extLst>
+      <p:ext uri="{BB962C8B-B14F-4D97-AF65-F5344CB8AC3E}">
+        <p14:creationId xmlns:p14="http://schemas.microsoft.com/office/powerpoint/2010/main" val="1313481047"/>
+      </p:ext>
+    </p:extLst>
+  </p:cSld>
+  <p:clrMapOvr>
+    <a:masterClrMapping/>
+  </p:clrMapOvr>
+</p:sld>
+</file>
+
+<file path=ppt/slides/slide9.xml><?xml version="1.0" encoding="utf-8"?>
+<p:sld xmlns:a="http://schemas.openxmlformats.org/drawingml/2006/main" xmlns:r="http://schemas.openxmlformats.org/officeDocument/2006/relationships" xmlns:p="http://schemas.openxmlformats.org/presentationml/2006/main">
+  <p:cSld>
+    <p:spTree>
+      <p:nvGrpSpPr>
+        <p:cNvPr id="1" name=""/>
+        <p:cNvGrpSpPr/>
+        <p:nvPr/>
+      </p:nvGrpSpPr>
+      <p:grpSpPr>
+        <a:xfrm>
+          <a:off x="0" y="0"/>
+          <a:ext cx="0" cy="0"/>
+          <a:chOff x="0" y="0"/>
+          <a:chExt cx="0" cy="0"/>
+        </a:xfrm>
+      </p:grpSpPr>
+      <p:sp>
+        <p:nvSpPr>
+          <p:cNvPr id="2" name="Title 1"/>
+          <p:cNvSpPr>
+            <a:spLocks noGrp="1"/>
+          </p:cNvSpPr>
+          <p:nvPr>
+            <p:ph type="ctrTitle"/>
+          </p:nvPr>
+        </p:nvSpPr>
+        <p:spPr/>
+        <p:txBody>
+          <a:bodyPr/>
+          <a:lstStyle/>
+          <a:p>
+            <a:r>
+              <a:rPr lang="fr-FR" dirty="0" smtClean="0"/>
+              <a:t>Développement du décorateur </a:t>
+            </a:r>
+            <a:r>
+              <a:rPr lang="fr-FR" dirty="0" err="1" smtClean="0"/>
+              <a:t>withState</a:t>
+            </a:r>
+            <a:endParaRPr lang="fr-FR" dirty="0"/>
+          </a:p>
+        </p:txBody>
+      </p:sp>
+      <p:sp>
+        <p:nvSpPr>
+          <p:cNvPr id="3" name="Subtitle 2"/>
+          <p:cNvSpPr>
+            <a:spLocks noGrp="1"/>
+          </p:cNvSpPr>
+          <p:nvPr>
+            <p:ph type="subTitle" idx="1"/>
+          </p:nvPr>
+        </p:nvSpPr>
+        <p:spPr/>
+        <p:txBody>
+          <a:bodyPr/>
+          <a:lstStyle/>
+          <a:p>
+            <a:endParaRPr lang="fr-FR"/>
+          </a:p>
+        </p:txBody>
+      </p:sp>
+      <p:sp>
+        <p:nvSpPr>
+          <p:cNvPr id="4" name="Footer Placeholder 3"/>
+          <p:cNvSpPr>
+            <a:spLocks noGrp="1"/>
+          </p:cNvSpPr>
+          <p:nvPr>
+            <p:ph type="ftr" sz="quarter" idx="11"/>
+          </p:nvPr>
+        </p:nvSpPr>
+        <p:spPr/>
+        <p:txBody>
+          <a:bodyPr/>
+          <a:lstStyle/>
+          <a:p>
+            <a:r>
+              <a:rPr lang="en-US" smtClean="0"/>
+              <a:t>Bois Cédric - Master WIC</a:t>
+            </a:r>
+            <a:endParaRPr lang="en-US" dirty="0"/>
+          </a:p>
+        </p:txBody>
+      </p:sp>
+      <p:sp>
+        <p:nvSpPr>
+          <p:cNvPr id="5" name="Slide Number Placeholder 4"/>
+          <p:cNvSpPr>
+            <a:spLocks noGrp="1"/>
+          </p:cNvSpPr>
+          <p:nvPr>
+            <p:ph type="sldNum" sz="quarter" idx="12"/>
+          </p:nvPr>
+        </p:nvSpPr>
+        <p:spPr/>
+        <p:txBody>
+          <a:bodyPr/>
+          <a:lstStyle/>
+          <a:p>
+            <a:fld id="{D57F1E4F-1CFF-5643-939E-217C01CDF565}" type="slidenum">
+              <a:rPr lang="en-US" smtClean="0"/>
+              <a:pPr/>
+              <a:t>9</a:t>
+            </a:fld>
+            <a:endParaRPr lang="en-US" dirty="0"/>
+          </a:p>
+        </p:txBody>
+      </p:sp>
+    </p:spTree>
+    <p:extLst>
+      <p:ext uri="{BB962C8B-B14F-4D97-AF65-F5344CB8AC3E}">
+        <p14:creationId xmlns:p14="http://schemas.microsoft.com/office/powerpoint/2010/main" val="337808110"/>
+      </p:ext>
+    </p:extLst>
+  </p:cSld>
+  <p:clrMapOvr>
+    <a:masterClrMapping/>
+  </p:clrMapOvr>
 </p:sld>
 </file>
 

--- a/soutenance.pptx
+++ b/soutenance.pptx
@@ -5,7 +5,7 @@
     <p:sldMasterId id="2147483648" r:id="rId1"/>
   </p:sldMasterIdLst>
   <p:notesMasterIdLst>
-    <p:notesMasterId r:id="rId33"/>
+    <p:notesMasterId r:id="rId50"/>
   </p:notesMasterIdLst>
   <p:sldIdLst>
     <p:sldId id="256" r:id="rId2"/>
@@ -34,11 +34,28 @@
     <p:sldId id="275" r:id="rId25"/>
     <p:sldId id="279" r:id="rId26"/>
     <p:sldId id="278" r:id="rId27"/>
-    <p:sldId id="280" r:id="rId28"/>
-    <p:sldId id="281" r:id="rId29"/>
-    <p:sldId id="282" r:id="rId30"/>
-    <p:sldId id="286" r:id="rId31"/>
-    <p:sldId id="283" r:id="rId32"/>
+    <p:sldId id="287" r:id="rId28"/>
+    <p:sldId id="288" r:id="rId29"/>
+    <p:sldId id="280" r:id="rId30"/>
+    <p:sldId id="281" r:id="rId31"/>
+    <p:sldId id="304" r:id="rId32"/>
+    <p:sldId id="290" r:id="rId33"/>
+    <p:sldId id="291" r:id="rId34"/>
+    <p:sldId id="292" r:id="rId35"/>
+    <p:sldId id="293" r:id="rId36"/>
+    <p:sldId id="298" r:id="rId37"/>
+    <p:sldId id="294" r:id="rId38"/>
+    <p:sldId id="296" r:id="rId39"/>
+    <p:sldId id="282" r:id="rId40"/>
+    <p:sldId id="303" r:id="rId41"/>
+    <p:sldId id="289" r:id="rId42"/>
+    <p:sldId id="297" r:id="rId43"/>
+    <p:sldId id="299" r:id="rId44"/>
+    <p:sldId id="300" r:id="rId45"/>
+    <p:sldId id="301" r:id="rId46"/>
+    <p:sldId id="302" r:id="rId47"/>
+    <p:sldId id="286" r:id="rId48"/>
+    <p:sldId id="283" r:id="rId49"/>
   </p:sldIdLst>
   <p:sldSz cx="12192000" cy="6858000"/>
   <p:notesSz cx="6858000" cy="9144000"/>
@@ -239,7 +256,7 @@
           <a:p>
             <a:fld id="{5D34D365-D982-41DC-9561-B9E5C6EC0DFB}" type="datetimeFigureOut">
               <a:rPr lang="fr-FR" smtClean="0"/>
-              <a:t>30/06/2017</a:t>
+              <a:t>01/07/2017</a:t>
             </a:fld>
             <a:endParaRPr lang="fr-FR"/>
           </a:p>
@@ -526,7 +543,7 @@
       </p:grpSpPr>
       <p:sp>
         <p:nvSpPr>
-          <p:cNvPr id="2" name="Espace réservé de l'image des diapositives 1"/>
+          <p:cNvPr id="2" name="Slide Image Placeholder 1"/>
           <p:cNvSpPr>
             <a:spLocks noGrp="1" noRot="1" noChangeAspect="1"/>
           </p:cNvSpPr>
@@ -538,7 +555,7 @@
       </p:sp>
       <p:sp>
         <p:nvSpPr>
-          <p:cNvPr id="3" name="Espace réservé des notes 2"/>
+          <p:cNvPr id="3" name="Notes Placeholder 2"/>
           <p:cNvSpPr>
             <a:spLocks noGrp="1"/>
           </p:cNvSpPr>
@@ -553,70 +570,49 @@
           <a:p>
             <a:r>
               <a:rPr lang="fr-FR" dirty="0" smtClean="0"/>
-              <a:t>6</a:t>
-            </a:r>
-            <a:r>
-              <a:rPr lang="fr-FR" baseline="0" dirty="0" smtClean="0"/>
-              <a:t> salariés : un directeur technique, deux développeurs, un chef de projet, directeur web marketing, responsable administrative et financière</a:t>
-            </a:r>
-            <a:endParaRPr lang="fr-FR" dirty="0" smtClean="0"/>
+              <a:t>-Entreprise</a:t>
+            </a:r>
           </a:p>
           <a:p>
             <a:r>
               <a:rPr lang="fr-FR" dirty="0" smtClean="0"/>
-              <a:t>Levé de fond en 2014 pour se consacrer au développement</a:t>
-            </a:r>
-            <a:r>
-              <a:rPr lang="fr-FR" baseline="0" dirty="0" smtClean="0"/>
-              <a:t> de XO</a:t>
-            </a:r>
-          </a:p>
-          <a:p>
-            <a:r>
-              <a:rPr lang="fr-FR" baseline="0" dirty="0" err="1" smtClean="0"/>
-              <a:t>Minalogic</a:t>
-            </a:r>
-            <a:r>
-              <a:rPr lang="fr-FR" baseline="0" dirty="0" smtClean="0"/>
-              <a:t> : 300 entreprises</a:t>
-            </a:r>
-          </a:p>
-          <a:p>
-            <a:r>
-              <a:rPr lang="fr-FR" baseline="0" dirty="0" err="1" smtClean="0"/>
-              <a:t>Ouitls</a:t>
-            </a:r>
-            <a:r>
-              <a:rPr lang="fr-FR" baseline="0" dirty="0" smtClean="0"/>
-              <a:t> de gestion : </a:t>
-            </a:r>
-            <a:r>
-              <a:rPr lang="fr-FR" baseline="0" dirty="0" err="1" smtClean="0"/>
-              <a:t>Mattermost</a:t>
-            </a:r>
-            <a:r>
-              <a:rPr lang="fr-FR" baseline="0" dirty="0" smtClean="0"/>
-              <a:t>, </a:t>
-            </a:r>
-            <a:r>
-              <a:rPr lang="fr-FR" baseline="0" dirty="0" err="1" smtClean="0"/>
-              <a:t>Crisp</a:t>
-            </a:r>
-            <a:r>
-              <a:rPr lang="fr-FR" baseline="0" dirty="0" smtClean="0"/>
-              <a:t>, </a:t>
-            </a:r>
-            <a:r>
-              <a:rPr lang="fr-FR" baseline="0" dirty="0" err="1" smtClean="0"/>
-              <a:t>Github</a:t>
-            </a:r>
+              <a:t>-planning</a:t>
+            </a:r>
+          </a:p>
+          <a:p>
+            <a:r>
+              <a:rPr lang="fr-FR" dirty="0" smtClean="0"/>
+              <a:t>-technologies</a:t>
+            </a:r>
+          </a:p>
+          <a:p>
+            <a:r>
+              <a:rPr lang="fr-FR" dirty="0" smtClean="0"/>
+              <a:t>-</a:t>
+            </a:r>
+            <a:r>
+              <a:rPr lang="fr-FR" dirty="0" err="1" smtClean="0"/>
+              <a:t>Xen</a:t>
+            </a:r>
+            <a:r>
+              <a:rPr lang="fr-FR" dirty="0" smtClean="0"/>
+              <a:t> Orchestra</a:t>
+            </a:r>
+          </a:p>
+          <a:p>
+            <a:r>
+              <a:rPr lang="fr-FR" dirty="0" smtClean="0"/>
+              <a:t>-tache</a:t>
+            </a:r>
+          </a:p>
+          <a:p>
             <a:endParaRPr lang="fr-FR" dirty="0"/>
           </a:p>
         </p:txBody>
       </p:sp>
       <p:sp>
         <p:nvSpPr>
-          <p:cNvPr id="4" name="Espace réservé du numéro de diapositive 3"/>
+          <p:cNvPr id="4" name="Slide Number Placeholder 3"/>
           <p:cNvSpPr>
             <a:spLocks noGrp="1"/>
           </p:cNvSpPr>
@@ -631,7 +627,7 @@
           <a:p>
             <a:fld id="{0657CA3B-C571-4D70-8712-24BEC4CFA193}" type="slidenum">
               <a:rPr lang="fr-FR" smtClean="0"/>
-              <a:t>2</a:t>
+              <a:t>1</a:t>
             </a:fld>
             <a:endParaRPr lang="fr-FR"/>
           </a:p>
@@ -640,7 +636,7 @@
     </p:spTree>
     <p:extLst>
       <p:ext uri="{BB962C8B-B14F-4D97-AF65-F5344CB8AC3E}">
-        <p14:creationId xmlns:p14="http://schemas.microsoft.com/office/powerpoint/2010/main" val="2060716295"/>
+        <p14:creationId xmlns:p14="http://schemas.microsoft.com/office/powerpoint/2010/main" val="1504268179"/>
       </p:ext>
     </p:extLst>
   </p:cSld>
@@ -694,6 +690,20 @@
           <a:bodyPr/>
           <a:lstStyle/>
           <a:p>
+            <a:r>
+              <a:rPr lang="fr-FR" dirty="0" smtClean="0"/>
+              <a:t>Menu </a:t>
+            </a:r>
+            <a:r>
+              <a:rPr lang="fr-FR" smtClean="0"/>
+              <a:t>à gauche</a:t>
+            </a:r>
+          </a:p>
+          <a:p>
+            <a:r>
+              <a:rPr lang="fr-FR" smtClean="0"/>
+              <a:t>L</a:t>
+            </a:r>
             <a:endParaRPr lang="fr-FR" dirty="0"/>
           </a:p>
         </p:txBody>
@@ -715,7 +725,7 @@
           <a:p>
             <a:fld id="{0657CA3B-C571-4D70-8712-24BEC4CFA193}" type="slidenum">
               <a:rPr lang="fr-FR" smtClean="0"/>
-              <a:t>19</a:t>
+              <a:t>18</a:t>
             </a:fld>
             <a:endParaRPr lang="fr-FR"/>
           </a:p>
@@ -724,7 +734,7 @@
     </p:spTree>
     <p:extLst>
       <p:ext uri="{BB962C8B-B14F-4D97-AF65-F5344CB8AC3E}">
-        <p14:creationId xmlns:p14="http://schemas.microsoft.com/office/powerpoint/2010/main" val="989573693"/>
+        <p14:creationId xmlns:p14="http://schemas.microsoft.com/office/powerpoint/2010/main" val="3020623872"/>
       </p:ext>
     </p:extLst>
   </p:cSld>
@@ -778,15 +788,7 @@
           <a:bodyPr/>
           <a:lstStyle/>
           <a:p>
-            <a:r>
-              <a:rPr lang="fr-FR" b="1" dirty="0" smtClean="0"/>
-              <a:t>SCREENSHOT</a:t>
-            </a:r>
-            <a:r>
-              <a:rPr lang="fr-FR" b="1" baseline="0" dirty="0" smtClean="0"/>
-              <a:t> MENU</a:t>
-            </a:r>
-            <a:endParaRPr lang="fr-FR" b="1" dirty="0"/>
+            <a:endParaRPr lang="fr-FR" dirty="0"/>
           </a:p>
         </p:txBody>
       </p:sp>
@@ -807,7 +809,7 @@
           <a:p>
             <a:fld id="{0657CA3B-C571-4D70-8712-24BEC4CFA193}" type="slidenum">
               <a:rPr lang="fr-FR" smtClean="0"/>
-              <a:t>21</a:t>
+              <a:t>19</a:t>
             </a:fld>
             <a:endParaRPr lang="fr-FR"/>
           </a:p>
@@ -816,7 +818,7 @@
     </p:spTree>
     <p:extLst>
       <p:ext uri="{BB962C8B-B14F-4D97-AF65-F5344CB8AC3E}">
-        <p14:creationId xmlns:p14="http://schemas.microsoft.com/office/powerpoint/2010/main" val="517459192"/>
+        <p14:creationId xmlns:p14="http://schemas.microsoft.com/office/powerpoint/2010/main" val="989573693"/>
       </p:ext>
     </p:extLst>
   </p:cSld>
@@ -870,17 +872,7 @@
           <a:bodyPr/>
           <a:lstStyle/>
           <a:p>
-            <a:r>
-              <a:rPr lang="fr-FR" dirty="0" smtClean="0"/>
-              <a:t>Tableau items</a:t>
-            </a:r>
-          </a:p>
-          <a:p>
-            <a:r>
-              <a:rPr lang="fr-FR" dirty="0" smtClean="0"/>
-              <a:t>Appliance : appareil</a:t>
-            </a:r>
-            <a:endParaRPr lang="fr-FR" dirty="0"/>
+            <a:endParaRPr lang="fr-FR" b="1" dirty="0"/>
           </a:p>
         </p:txBody>
       </p:sp>
@@ -901,7 +893,7 @@
           <a:p>
             <a:fld id="{0657CA3B-C571-4D70-8712-24BEC4CFA193}" type="slidenum">
               <a:rPr lang="fr-FR" smtClean="0"/>
-              <a:t>22</a:t>
+              <a:t>21</a:t>
             </a:fld>
             <a:endParaRPr lang="fr-FR"/>
           </a:p>
@@ -910,7 +902,7 @@
     </p:spTree>
     <p:extLst>
       <p:ext uri="{BB962C8B-B14F-4D97-AF65-F5344CB8AC3E}">
-        <p14:creationId xmlns:p14="http://schemas.microsoft.com/office/powerpoint/2010/main" val="3048969377"/>
+        <p14:creationId xmlns:p14="http://schemas.microsoft.com/office/powerpoint/2010/main" val="517459192"/>
       </p:ext>
     </p:extLst>
   </p:cSld>
@@ -965,10 +957,16 @@
           <a:lstStyle/>
           <a:p>
             <a:r>
-              <a:rPr lang="fr-FR" b="1" dirty="0" smtClean="0"/>
-              <a:t>SCREENSHOT MANAGEMENT</a:t>
-            </a:r>
-            <a:endParaRPr lang="fr-FR" b="1" dirty="0"/>
+              <a:rPr lang="fr-FR" dirty="0" smtClean="0"/>
+              <a:t>Tableau items</a:t>
+            </a:r>
+          </a:p>
+          <a:p>
+            <a:r>
+              <a:rPr lang="fr-FR" dirty="0" smtClean="0"/>
+              <a:t>Appliance : appareil</a:t>
+            </a:r>
+            <a:endParaRPr lang="fr-FR" dirty="0"/>
           </a:p>
         </p:txBody>
       </p:sp>
@@ -989,7 +987,7 @@
           <a:p>
             <a:fld id="{0657CA3B-C571-4D70-8712-24BEC4CFA193}" type="slidenum">
               <a:rPr lang="fr-FR" smtClean="0"/>
-              <a:t>26</a:t>
+              <a:t>22</a:t>
             </a:fld>
             <a:endParaRPr lang="fr-FR"/>
           </a:p>
@@ -998,7 +996,7 @@
     </p:spTree>
     <p:extLst>
       <p:ext uri="{BB962C8B-B14F-4D97-AF65-F5344CB8AC3E}">
-        <p14:creationId xmlns:p14="http://schemas.microsoft.com/office/powerpoint/2010/main" val="3985544142"/>
+        <p14:creationId xmlns:p14="http://schemas.microsoft.com/office/powerpoint/2010/main" val="3048969377"/>
       </p:ext>
     </p:extLst>
   </p:cSld>
@@ -1053,10 +1051,186 @@
           <a:lstStyle/>
           <a:p>
             <a:r>
-              <a:rPr lang="fr-FR" dirty="0" smtClean="0"/>
-              <a:t>Ajout au menu + formulaire</a:t>
-            </a:r>
-            <a:endParaRPr lang="fr-FR" dirty="0"/>
+              <a:rPr lang="fr-FR" b="1" dirty="0" smtClean="0"/>
+              <a:t>SCREENSHOT MANAGEMENT</a:t>
+            </a:r>
+            <a:endParaRPr lang="fr-FR" b="1" dirty="0"/>
+          </a:p>
+        </p:txBody>
+      </p:sp>
+      <p:sp>
+        <p:nvSpPr>
+          <p:cNvPr id="4" name="Slide Number Placeholder 3"/>
+          <p:cNvSpPr>
+            <a:spLocks noGrp="1"/>
+          </p:cNvSpPr>
+          <p:nvPr>
+            <p:ph type="sldNum" sz="quarter" idx="10"/>
+          </p:nvPr>
+        </p:nvSpPr>
+        <p:spPr/>
+        <p:txBody>
+          <a:bodyPr/>
+          <a:lstStyle/>
+          <a:p>
+            <a:fld id="{0657CA3B-C571-4D70-8712-24BEC4CFA193}" type="slidenum">
+              <a:rPr lang="fr-FR" smtClean="0"/>
+              <a:t>26</a:t>
+            </a:fld>
+            <a:endParaRPr lang="fr-FR"/>
+          </a:p>
+        </p:txBody>
+      </p:sp>
+    </p:spTree>
+    <p:extLst>
+      <p:ext uri="{BB962C8B-B14F-4D97-AF65-F5344CB8AC3E}">
+        <p14:creationId xmlns:p14="http://schemas.microsoft.com/office/powerpoint/2010/main" val="3985544142"/>
+      </p:ext>
+    </p:extLst>
+  </p:cSld>
+  <p:clrMapOvr>
+    <a:masterClrMapping/>
+  </p:clrMapOvr>
+</p:notes>
+</file>
+
+<file path=ppt/notesSlides/notesSlide15.xml><?xml version="1.0" encoding="utf-8"?>
+<p:notes xmlns:a="http://schemas.openxmlformats.org/drawingml/2006/main" xmlns:r="http://schemas.openxmlformats.org/officeDocument/2006/relationships" xmlns:p="http://schemas.openxmlformats.org/presentationml/2006/main">
+  <p:cSld>
+    <p:spTree>
+      <p:nvGrpSpPr>
+        <p:cNvPr id="1" name=""/>
+        <p:cNvGrpSpPr/>
+        <p:nvPr/>
+      </p:nvGrpSpPr>
+      <p:grpSpPr>
+        <a:xfrm>
+          <a:off x="0" y="0"/>
+          <a:ext cx="0" cy="0"/>
+          <a:chOff x="0" y="0"/>
+          <a:chExt cx="0" cy="0"/>
+        </a:xfrm>
+      </p:grpSpPr>
+      <p:sp>
+        <p:nvSpPr>
+          <p:cNvPr id="2" name="Slide Image Placeholder 1"/>
+          <p:cNvSpPr>
+            <a:spLocks noGrp="1" noRot="1" noChangeAspect="1"/>
+          </p:cNvSpPr>
+          <p:nvPr>
+            <p:ph type="sldImg"/>
+          </p:nvPr>
+        </p:nvSpPr>
+        <p:spPr/>
+      </p:sp>
+      <p:sp>
+        <p:nvSpPr>
+          <p:cNvPr id="3" name="Notes Placeholder 2"/>
+          <p:cNvSpPr>
+            <a:spLocks noGrp="1"/>
+          </p:cNvSpPr>
+          <p:nvPr>
+            <p:ph type="body" idx="1"/>
+          </p:nvPr>
+        </p:nvSpPr>
+        <p:spPr/>
+        <p:txBody>
+          <a:bodyPr/>
+          <a:lstStyle/>
+          <a:p>
+            <a:r>
+              <a:rPr lang="fr-FR" b="1" dirty="0" smtClean="0"/>
+              <a:t>SCREENSHOT MANAGEMENT</a:t>
+            </a:r>
+            <a:endParaRPr lang="fr-FR" b="1" dirty="0"/>
+          </a:p>
+        </p:txBody>
+      </p:sp>
+      <p:sp>
+        <p:nvSpPr>
+          <p:cNvPr id="4" name="Slide Number Placeholder 3"/>
+          <p:cNvSpPr>
+            <a:spLocks noGrp="1"/>
+          </p:cNvSpPr>
+          <p:nvPr>
+            <p:ph type="sldNum" sz="quarter" idx="10"/>
+          </p:nvPr>
+        </p:nvSpPr>
+        <p:spPr/>
+        <p:txBody>
+          <a:bodyPr/>
+          <a:lstStyle/>
+          <a:p>
+            <a:fld id="{0657CA3B-C571-4D70-8712-24BEC4CFA193}" type="slidenum">
+              <a:rPr lang="fr-FR" smtClean="0"/>
+              <a:t>27</a:t>
+            </a:fld>
+            <a:endParaRPr lang="fr-FR"/>
+          </a:p>
+        </p:txBody>
+      </p:sp>
+    </p:spTree>
+    <p:extLst>
+      <p:ext uri="{BB962C8B-B14F-4D97-AF65-F5344CB8AC3E}">
+        <p14:creationId xmlns:p14="http://schemas.microsoft.com/office/powerpoint/2010/main" val="2431036163"/>
+      </p:ext>
+    </p:extLst>
+  </p:cSld>
+  <p:clrMapOvr>
+    <a:masterClrMapping/>
+  </p:clrMapOvr>
+</p:notes>
+</file>
+
+<file path=ppt/notesSlides/notesSlide16.xml><?xml version="1.0" encoding="utf-8"?>
+<p:notes xmlns:a="http://schemas.openxmlformats.org/drawingml/2006/main" xmlns:r="http://schemas.openxmlformats.org/officeDocument/2006/relationships" xmlns:p="http://schemas.openxmlformats.org/presentationml/2006/main">
+  <p:cSld>
+    <p:spTree>
+      <p:nvGrpSpPr>
+        <p:cNvPr id="1" name=""/>
+        <p:cNvGrpSpPr/>
+        <p:nvPr/>
+      </p:nvGrpSpPr>
+      <p:grpSpPr>
+        <a:xfrm>
+          <a:off x="0" y="0"/>
+          <a:ext cx="0" cy="0"/>
+          <a:chOff x="0" y="0"/>
+          <a:chExt cx="0" cy="0"/>
+        </a:xfrm>
+      </p:grpSpPr>
+      <p:sp>
+        <p:nvSpPr>
+          <p:cNvPr id="2" name="Slide Image Placeholder 1"/>
+          <p:cNvSpPr>
+            <a:spLocks noGrp="1" noRot="1" noChangeAspect="1"/>
+          </p:cNvSpPr>
+          <p:nvPr>
+            <p:ph type="sldImg"/>
+          </p:nvPr>
+        </p:nvSpPr>
+        <p:spPr/>
+      </p:sp>
+      <p:sp>
+        <p:nvSpPr>
+          <p:cNvPr id="3" name="Notes Placeholder 2"/>
+          <p:cNvSpPr>
+            <a:spLocks noGrp="1"/>
+          </p:cNvSpPr>
+          <p:nvPr>
+            <p:ph type="body" idx="1"/>
+          </p:nvPr>
+        </p:nvSpPr>
+        <p:spPr/>
+        <p:txBody>
+          <a:bodyPr/>
+          <a:lstStyle/>
+          <a:p>
+            <a:r>
+              <a:rPr lang="fr-FR" b="1" dirty="0" smtClean="0"/>
+              <a:t>SCREENSHOT MANAGEMENT</a:t>
+            </a:r>
+            <a:endParaRPr lang="fr-FR" b="1" dirty="0"/>
           </a:p>
         </p:txBody>
       </p:sp>
@@ -1078,6 +1252,94 @@
             <a:fld id="{0657CA3B-C571-4D70-8712-24BEC4CFA193}" type="slidenum">
               <a:rPr lang="fr-FR" smtClean="0"/>
               <a:t>28</a:t>
+            </a:fld>
+            <a:endParaRPr lang="fr-FR"/>
+          </a:p>
+        </p:txBody>
+      </p:sp>
+    </p:spTree>
+    <p:extLst>
+      <p:ext uri="{BB962C8B-B14F-4D97-AF65-F5344CB8AC3E}">
+        <p14:creationId xmlns:p14="http://schemas.microsoft.com/office/powerpoint/2010/main" val="206223129"/>
+      </p:ext>
+    </p:extLst>
+  </p:cSld>
+  <p:clrMapOvr>
+    <a:masterClrMapping/>
+  </p:clrMapOvr>
+</p:notes>
+</file>
+
+<file path=ppt/notesSlides/notesSlide17.xml><?xml version="1.0" encoding="utf-8"?>
+<p:notes xmlns:a="http://schemas.openxmlformats.org/drawingml/2006/main" xmlns:r="http://schemas.openxmlformats.org/officeDocument/2006/relationships" xmlns:p="http://schemas.openxmlformats.org/presentationml/2006/main">
+  <p:cSld>
+    <p:spTree>
+      <p:nvGrpSpPr>
+        <p:cNvPr id="1" name=""/>
+        <p:cNvGrpSpPr/>
+        <p:nvPr/>
+      </p:nvGrpSpPr>
+      <p:grpSpPr>
+        <a:xfrm>
+          <a:off x="0" y="0"/>
+          <a:ext cx="0" cy="0"/>
+          <a:chOff x="0" y="0"/>
+          <a:chExt cx="0" cy="0"/>
+        </a:xfrm>
+      </p:grpSpPr>
+      <p:sp>
+        <p:nvSpPr>
+          <p:cNvPr id="2" name="Slide Image Placeholder 1"/>
+          <p:cNvSpPr>
+            <a:spLocks noGrp="1" noRot="1" noChangeAspect="1"/>
+          </p:cNvSpPr>
+          <p:nvPr>
+            <p:ph type="sldImg"/>
+          </p:nvPr>
+        </p:nvSpPr>
+        <p:spPr/>
+      </p:sp>
+      <p:sp>
+        <p:nvSpPr>
+          <p:cNvPr id="3" name="Notes Placeholder 2"/>
+          <p:cNvSpPr>
+            <a:spLocks noGrp="1"/>
+          </p:cNvSpPr>
+          <p:nvPr>
+            <p:ph type="body" idx="1"/>
+          </p:nvPr>
+        </p:nvSpPr>
+        <p:spPr/>
+        <p:txBody>
+          <a:bodyPr/>
+          <a:lstStyle/>
+          <a:p>
+            <a:r>
+              <a:rPr lang="fr-FR" dirty="0" smtClean="0"/>
+              <a:t>Ajout au menu + formulaire</a:t>
+            </a:r>
+            <a:endParaRPr lang="fr-FR" dirty="0"/>
+          </a:p>
+        </p:txBody>
+      </p:sp>
+      <p:sp>
+        <p:nvSpPr>
+          <p:cNvPr id="4" name="Slide Number Placeholder 3"/>
+          <p:cNvSpPr>
+            <a:spLocks noGrp="1"/>
+          </p:cNvSpPr>
+          <p:nvPr>
+            <p:ph type="sldNum" sz="quarter" idx="10"/>
+          </p:nvPr>
+        </p:nvSpPr>
+        <p:spPr/>
+        <p:txBody>
+          <a:bodyPr/>
+          <a:lstStyle/>
+          <a:p>
+            <a:fld id="{0657CA3B-C571-4D70-8712-24BEC4CFA193}" type="slidenum">
+              <a:rPr lang="fr-FR" smtClean="0"/>
+              <a:t>30</a:t>
             </a:fld>
             <a:endParaRPr lang="fr-FR"/>
           </a:p>
@@ -1142,23 +1404,62 @@
           <a:p>
             <a:r>
               <a:rPr lang="fr-FR" dirty="0" smtClean="0"/>
-              <a:t>Prise en main : ES6,  </a:t>
-            </a:r>
-            <a:r>
-              <a:rPr lang="fr-FR" dirty="0" err="1" smtClean="0"/>
-              <a:t>Redux</a:t>
-            </a:r>
+              <a:t>6</a:t>
+            </a:r>
+            <a:r>
+              <a:rPr lang="fr-FR" baseline="0" dirty="0" smtClean="0"/>
+              <a:t> salariés : un directeur technique, deux développeurs, un chef de projet, directeur web marketing, responsable administrative et financière</a:t>
+            </a:r>
+            <a:endParaRPr lang="fr-FR" dirty="0" smtClean="0"/>
+          </a:p>
+          <a:p>
             <a:r>
               <a:rPr lang="fr-FR" dirty="0" smtClean="0"/>
+              <a:t>Levé de fond en 2014 pour se consacrer au développement</a:t>
+            </a:r>
+            <a:r>
+              <a:rPr lang="fr-FR" baseline="0" dirty="0" smtClean="0"/>
+              <a:t> de XO</a:t>
+            </a:r>
+          </a:p>
+          <a:p>
+            <a:r>
+              <a:rPr lang="fr-FR" baseline="0" dirty="0" err="1" smtClean="0"/>
+              <a:t>Minalogic</a:t>
+            </a:r>
+            <a:r>
+              <a:rPr lang="fr-FR" baseline="0" dirty="0" smtClean="0"/>
+              <a:t> : 300 entreprises</a:t>
+            </a:r>
+          </a:p>
+          <a:p>
+            <a:r>
+              <a:rPr lang="fr-FR" baseline="0" dirty="0" err="1" smtClean="0"/>
+              <a:t>Ouitls</a:t>
+            </a:r>
+            <a:r>
+              <a:rPr lang="fr-FR" baseline="0" dirty="0" smtClean="0"/>
+              <a:t> de gestion : </a:t>
+            </a:r>
+            <a:r>
+              <a:rPr lang="fr-FR" baseline="0" dirty="0" err="1" smtClean="0"/>
+              <a:t>Mattermost</a:t>
+            </a:r>
+            <a:r>
+              <a:rPr lang="fr-FR" baseline="0" dirty="0" smtClean="0"/>
               <a:t>, </a:t>
             </a:r>
             <a:r>
-              <a:rPr lang="fr-FR" dirty="0" err="1" smtClean="0"/>
-              <a:t>Lodash</a:t>
-            </a:r>
-            <a:r>
-              <a:rPr lang="fr-FR" dirty="0" smtClean="0"/>
+              <a:rPr lang="fr-FR" baseline="0" dirty="0" err="1" smtClean="0"/>
+              <a:t>Crisp</a:t>
+            </a:r>
+            <a:r>
+              <a:rPr lang="fr-FR" baseline="0" dirty="0" smtClean="0"/>
               <a:t>, </a:t>
+            </a:r>
+            <a:r>
+              <a:rPr lang="fr-FR" baseline="0" dirty="0" err="1" smtClean="0"/>
+              <a:t>Github</a:t>
             </a:r>
             <a:endParaRPr lang="fr-FR" dirty="0"/>
           </a:p>
@@ -1181,7 +1482,7 @@
           <a:p>
             <a:fld id="{0657CA3B-C571-4D70-8712-24BEC4CFA193}" type="slidenum">
               <a:rPr lang="fr-FR" smtClean="0"/>
-              <a:t>3</a:t>
+              <a:t>2</a:t>
             </a:fld>
             <a:endParaRPr lang="fr-FR"/>
           </a:p>
@@ -1190,7 +1491,7 @@
     </p:spTree>
     <p:extLst>
       <p:ext uri="{BB962C8B-B14F-4D97-AF65-F5344CB8AC3E}">
-        <p14:creationId xmlns:p14="http://schemas.microsoft.com/office/powerpoint/2010/main" val="375556837"/>
+        <p14:creationId xmlns:p14="http://schemas.microsoft.com/office/powerpoint/2010/main" val="2060716295"/>
       </p:ext>
     </p:extLst>
   </p:cSld>
@@ -1246,25 +1547,23 @@
           <a:p>
             <a:r>
               <a:rPr lang="fr-FR" dirty="0" smtClean="0"/>
-              <a:t>Chaque composant renvoie</a:t>
-            </a:r>
-            <a:r>
-              <a:rPr lang="fr-FR" baseline="0" dirty="0" smtClean="0"/>
-              <a:t> un morceau de la page complète</a:t>
-            </a:r>
-            <a:endParaRPr lang="fr-FR" dirty="0" smtClean="0"/>
-          </a:p>
-          <a:p>
-            <a:endParaRPr lang="fr-FR" dirty="0" smtClean="0"/>
-          </a:p>
-          <a:p>
+              <a:t>Prise en main : ES6,  </a:t>
+            </a:r>
+            <a:r>
+              <a:rPr lang="fr-FR" dirty="0" err="1" smtClean="0"/>
+              <a:t>Redux</a:t>
+            </a:r>
             <a:r>
               <a:rPr lang="fr-FR" dirty="0" smtClean="0"/>
-              <a:t>Différentes fonctionnalités dans un</a:t>
-            </a:r>
-            <a:r>
-              <a:rPr lang="fr-FR" baseline="0" dirty="0" smtClean="0"/>
-              <a:t> composant =&gt; différents champs dans le STATE</a:t>
+              <a:t>, </a:t>
+            </a:r>
+            <a:r>
+              <a:rPr lang="fr-FR" dirty="0" err="1" smtClean="0"/>
+              <a:t>Lodash</a:t>
+            </a:r>
+            <a:r>
+              <a:rPr lang="fr-FR" dirty="0" smtClean="0"/>
+              <a:t>, </a:t>
             </a:r>
             <a:endParaRPr lang="fr-FR" dirty="0"/>
           </a:p>
@@ -1287,7 +1586,7 @@
           <a:p>
             <a:fld id="{0657CA3B-C571-4D70-8712-24BEC4CFA193}" type="slidenum">
               <a:rPr lang="fr-FR" smtClean="0"/>
-              <a:t>5</a:t>
+              <a:t>3</a:t>
             </a:fld>
             <a:endParaRPr lang="fr-FR"/>
           </a:p>
@@ -1296,7 +1595,7 @@
     </p:spTree>
     <p:extLst>
       <p:ext uri="{BB962C8B-B14F-4D97-AF65-F5344CB8AC3E}">
-        <p14:creationId xmlns:p14="http://schemas.microsoft.com/office/powerpoint/2010/main" val="1456716287"/>
+        <p14:creationId xmlns:p14="http://schemas.microsoft.com/office/powerpoint/2010/main" val="375556837"/>
       </p:ext>
     </p:extLst>
   </p:cSld>
@@ -1325,7 +1624,7 @@
       </p:grpSpPr>
       <p:sp>
         <p:nvSpPr>
-          <p:cNvPr id="2" name="Slide Image Placeholder 1"/>
+          <p:cNvPr id="2" name="Espace réservé de l'image des diapositives 1"/>
           <p:cNvSpPr>
             <a:spLocks noGrp="1" noRot="1" noChangeAspect="1"/>
           </p:cNvSpPr>
@@ -1337,7 +1636,7 @@
       </p:sp>
       <p:sp>
         <p:nvSpPr>
-          <p:cNvPr id="3" name="Notes Placeholder 2"/>
+          <p:cNvPr id="3" name="Espace réservé des notes 2"/>
           <p:cNvSpPr>
             <a:spLocks noGrp="1"/>
           </p:cNvSpPr>
@@ -1351,12 +1650,26 @@
           <a:lstStyle/>
           <a:p>
             <a:r>
-              <a:rPr lang="fr-FR" dirty="0" err="1" smtClean="0"/>
-              <a:t>Stateful</a:t>
-            </a:r>
-            <a:r>
               <a:rPr lang="fr-FR" dirty="0" smtClean="0"/>
-              <a:t> =&gt; nécessite l’utilisation d’un state</a:t>
+              <a:t>Chaque composant renvoie</a:t>
+            </a:r>
+            <a:r>
+              <a:rPr lang="fr-FR" baseline="0" dirty="0" smtClean="0"/>
+              <a:t> un morceau de la page complète</a:t>
+            </a:r>
+            <a:endParaRPr lang="fr-FR" dirty="0" smtClean="0"/>
+          </a:p>
+          <a:p>
+            <a:endParaRPr lang="fr-FR" dirty="0" smtClean="0"/>
+          </a:p>
+          <a:p>
+            <a:r>
+              <a:rPr lang="fr-FR" dirty="0" smtClean="0"/>
+              <a:t>Différentes fonctionnalités dans un</a:t>
+            </a:r>
+            <a:r>
+              <a:rPr lang="fr-FR" baseline="0" dirty="0" smtClean="0"/>
+              <a:t> composant =&gt; différents champs dans le STATE</a:t>
             </a:r>
             <a:endParaRPr lang="fr-FR" dirty="0"/>
           </a:p>
@@ -1364,7 +1677,7 @@
       </p:sp>
       <p:sp>
         <p:nvSpPr>
-          <p:cNvPr id="4" name="Slide Number Placeholder 3"/>
+          <p:cNvPr id="4" name="Espace réservé du numéro de diapositive 3"/>
           <p:cNvSpPr>
             <a:spLocks noGrp="1"/>
           </p:cNvSpPr>
@@ -1379,7 +1692,7 @@
           <a:p>
             <a:fld id="{0657CA3B-C571-4D70-8712-24BEC4CFA193}" type="slidenum">
               <a:rPr lang="fr-FR" smtClean="0"/>
-              <a:t>7</a:t>
+              <a:t>5</a:t>
             </a:fld>
             <a:endParaRPr lang="fr-FR"/>
           </a:p>
@@ -1388,7 +1701,7 @@
     </p:spTree>
     <p:extLst>
       <p:ext uri="{BB962C8B-B14F-4D97-AF65-F5344CB8AC3E}">
-        <p14:creationId xmlns:p14="http://schemas.microsoft.com/office/powerpoint/2010/main" val="4061966379"/>
+        <p14:creationId xmlns:p14="http://schemas.microsoft.com/office/powerpoint/2010/main" val="1456716287"/>
       </p:ext>
     </p:extLst>
   </p:cSld>
@@ -1443,12 +1756,12 @@
           <a:lstStyle/>
           <a:p>
             <a:r>
+              <a:rPr lang="fr-FR" dirty="0" err="1" smtClean="0"/>
+              <a:t>Stateful</a:t>
+            </a:r>
+            <a:r>
               <a:rPr lang="fr-FR" dirty="0" smtClean="0"/>
-              <a:t>Abstraction</a:t>
-            </a:r>
-            <a:r>
-              <a:rPr lang="fr-FR" baseline="0" dirty="0" smtClean="0"/>
-              <a:t> state =&gt; </a:t>
+              <a:t> =&gt; nécessite l’utilisation d’un state</a:t>
             </a:r>
             <a:endParaRPr lang="fr-FR" dirty="0"/>
           </a:p>
@@ -1471,7 +1784,7 @@
           <a:p>
             <a:fld id="{0657CA3B-C571-4D70-8712-24BEC4CFA193}" type="slidenum">
               <a:rPr lang="fr-FR" smtClean="0"/>
-              <a:t>10</a:t>
+              <a:t>7</a:t>
             </a:fld>
             <a:endParaRPr lang="fr-FR"/>
           </a:p>
@@ -1480,7 +1793,7 @@
     </p:spTree>
     <p:extLst>
       <p:ext uri="{BB962C8B-B14F-4D97-AF65-F5344CB8AC3E}">
-        <p14:creationId xmlns:p14="http://schemas.microsoft.com/office/powerpoint/2010/main" val="2912110552"/>
+        <p14:creationId xmlns:p14="http://schemas.microsoft.com/office/powerpoint/2010/main" val="4061966379"/>
       </p:ext>
     </p:extLst>
   </p:cSld>
@@ -1536,11 +1849,11 @@
           <a:p>
             <a:r>
               <a:rPr lang="fr-FR" dirty="0" smtClean="0"/>
-              <a:t>Remise</a:t>
+              <a:t>Abstraction</a:t>
             </a:r>
             <a:r>
               <a:rPr lang="fr-FR" baseline="0" dirty="0" smtClean="0"/>
-              <a:t> à la valeur initiale sans recopie de code</a:t>
+              <a:t> state =&gt; </a:t>
             </a:r>
             <a:endParaRPr lang="fr-FR" dirty="0"/>
           </a:p>
@@ -1563,7 +1876,7 @@
           <a:p>
             <a:fld id="{0657CA3B-C571-4D70-8712-24BEC4CFA193}" type="slidenum">
               <a:rPr lang="fr-FR" smtClean="0"/>
-              <a:t>11</a:t>
+              <a:t>10</a:t>
             </a:fld>
             <a:endParaRPr lang="fr-FR"/>
           </a:p>
@@ -1572,7 +1885,7 @@
     </p:spTree>
     <p:extLst>
       <p:ext uri="{BB962C8B-B14F-4D97-AF65-F5344CB8AC3E}">
-        <p14:creationId xmlns:p14="http://schemas.microsoft.com/office/powerpoint/2010/main" val="1486343389"/>
+        <p14:creationId xmlns:p14="http://schemas.microsoft.com/office/powerpoint/2010/main" val="2912110552"/>
       </p:ext>
     </p:extLst>
   </p:cSld>
@@ -1628,22 +1941,11 @@
           <a:p>
             <a:r>
               <a:rPr lang="fr-FR" dirty="0" smtClean="0"/>
-              <a:t>Développement d’une liste de choses à faire</a:t>
-            </a:r>
-          </a:p>
-          <a:p>
-            <a:endParaRPr lang="fr-FR" dirty="0" smtClean="0"/>
-          </a:p>
-          <a:p>
-            <a:r>
-              <a:rPr lang="fr-FR" dirty="0" smtClean="0"/>
-              <a:t>Implémentation classique dans un premier temps</a:t>
-            </a:r>
-          </a:p>
-          <a:p>
-            <a:r>
-              <a:rPr lang="fr-FR" dirty="0" smtClean="0"/>
-              <a:t>-fonctions de gestion</a:t>
+              <a:t>Remise</a:t>
+            </a:r>
+            <a:r>
+              <a:rPr lang="fr-FR" baseline="0" dirty="0" smtClean="0"/>
+              <a:t> à la valeur initiale sans recopie de code</a:t>
             </a:r>
             <a:endParaRPr lang="fr-FR" dirty="0"/>
           </a:p>
@@ -1666,7 +1968,7 @@
           <a:p>
             <a:fld id="{0657CA3B-C571-4D70-8712-24BEC4CFA193}" type="slidenum">
               <a:rPr lang="fr-FR" smtClean="0"/>
-              <a:t>12</a:t>
+              <a:t>11</a:t>
             </a:fld>
             <a:endParaRPr lang="fr-FR"/>
           </a:p>
@@ -1675,7 +1977,7 @@
     </p:spTree>
     <p:extLst>
       <p:ext uri="{BB962C8B-B14F-4D97-AF65-F5344CB8AC3E}">
-        <p14:creationId xmlns:p14="http://schemas.microsoft.com/office/powerpoint/2010/main" val="3711016415"/>
+        <p14:creationId xmlns:p14="http://schemas.microsoft.com/office/powerpoint/2010/main" val="1486343389"/>
       </p:ext>
     </p:extLst>
   </p:cSld>
@@ -1730,16 +2032,23 @@
           <a:lstStyle/>
           <a:p>
             <a:r>
-              <a:rPr lang="fr-FR" dirty="0" err="1" smtClean="0"/>
-              <a:t>Xo</a:t>
-            </a:r>
-            <a:r>
               <a:rPr lang="fr-FR" dirty="0" smtClean="0"/>
-              <a:t>-server : environnement </a:t>
-            </a:r>
-            <a:r>
-              <a:rPr lang="fr-FR" dirty="0" err="1" smtClean="0"/>
-              <a:t>Node</a:t>
+              <a:t>Développement d’une liste de choses à faire</a:t>
+            </a:r>
+          </a:p>
+          <a:p>
+            <a:endParaRPr lang="fr-FR" dirty="0" smtClean="0"/>
+          </a:p>
+          <a:p>
+            <a:r>
+              <a:rPr lang="fr-FR" dirty="0" smtClean="0"/>
+              <a:t>Implémentation classique dans un premier temps</a:t>
+            </a:r>
+          </a:p>
+          <a:p>
+            <a:r>
+              <a:rPr lang="fr-FR" dirty="0" smtClean="0"/>
+              <a:t>-fonctions de gestion</a:t>
             </a:r>
             <a:endParaRPr lang="fr-FR" dirty="0"/>
           </a:p>
@@ -1762,7 +2071,7 @@
           <a:p>
             <a:fld id="{0657CA3B-C571-4D70-8712-24BEC4CFA193}" type="slidenum">
               <a:rPr lang="fr-FR" smtClean="0"/>
-              <a:t>17</a:t>
+              <a:t>12</a:t>
             </a:fld>
             <a:endParaRPr lang="fr-FR"/>
           </a:p>
@@ -1771,7 +2080,7 @@
     </p:spTree>
     <p:extLst>
       <p:ext uri="{BB962C8B-B14F-4D97-AF65-F5344CB8AC3E}">
-        <p14:creationId xmlns:p14="http://schemas.microsoft.com/office/powerpoint/2010/main" val="1124442111"/>
+        <p14:creationId xmlns:p14="http://schemas.microsoft.com/office/powerpoint/2010/main" val="3711016415"/>
       </p:ext>
     </p:extLst>
   </p:cSld>
@@ -1826,18 +2135,16 @@
           <a:lstStyle/>
           <a:p>
             <a:r>
+              <a:rPr lang="fr-FR" dirty="0" err="1" smtClean="0"/>
+              <a:t>Xo</a:t>
+            </a:r>
+            <a:r>
               <a:rPr lang="fr-FR" dirty="0" smtClean="0"/>
-              <a:t>Menu </a:t>
-            </a:r>
-            <a:r>
-              <a:rPr lang="fr-FR" smtClean="0"/>
-              <a:t>à gauche</a:t>
-            </a:r>
-          </a:p>
-          <a:p>
-            <a:r>
-              <a:rPr lang="fr-FR" smtClean="0"/>
-              <a:t>L</a:t>
+              <a:t>-server : environnement </a:t>
+            </a:r>
+            <a:r>
+              <a:rPr lang="fr-FR" dirty="0" err="1" smtClean="0"/>
+              <a:t>Node</a:t>
             </a:r>
             <a:endParaRPr lang="fr-FR" dirty="0"/>
           </a:p>
@@ -1860,7 +2167,7 @@
           <a:p>
             <a:fld id="{0657CA3B-C571-4D70-8712-24BEC4CFA193}" type="slidenum">
               <a:rPr lang="fr-FR" smtClean="0"/>
-              <a:t>18</a:t>
+              <a:t>17</a:t>
             </a:fld>
             <a:endParaRPr lang="fr-FR"/>
           </a:p>
@@ -1869,7 +2176,7 @@
     </p:spTree>
     <p:extLst>
       <p:ext uri="{BB962C8B-B14F-4D97-AF65-F5344CB8AC3E}">
-        <p14:creationId xmlns:p14="http://schemas.microsoft.com/office/powerpoint/2010/main" val="3020623872"/>
+        <p14:creationId xmlns:p14="http://schemas.microsoft.com/office/powerpoint/2010/main" val="1124442111"/>
       </p:ext>
     </p:extLst>
   </p:cSld>
@@ -2601,7 +2908,7 @@
           <a:p>
             <a:fld id="{63900C82-A896-4DE8-A8E3-2D1E38E7FA3D}" type="datetime1">
               <a:rPr lang="en-US" smtClean="0"/>
-              <a:t>6/30/2017</a:t>
+              <a:t>7/1/2017</a:t>
             </a:fld>
             <a:endParaRPr lang="en-US" dirty="0"/>
           </a:p>
@@ -2852,7 +3159,7 @@
           <a:p>
             <a:fld id="{9C676D22-B730-4223-8964-664AC924586B}" type="datetime1">
               <a:rPr lang="en-US" smtClean="0"/>
-              <a:t>6/30/2017</a:t>
+              <a:t>7/1/2017</a:t>
             </a:fld>
             <a:endParaRPr lang="en-US" dirty="0"/>
           </a:p>
@@ -3166,7 +3473,7 @@
           <a:p>
             <a:fld id="{C003026D-E995-4F32-93A5-CE52920CC17F}" type="datetime1">
               <a:rPr lang="en-US" smtClean="0"/>
-              <a:t>6/30/2017</a:t>
+              <a:t>7/1/2017</a:t>
             </a:fld>
             <a:endParaRPr lang="en-US" dirty="0"/>
           </a:p>
@@ -3507,7 +3814,7 @@
           <a:p>
             <a:fld id="{B23BE740-A13A-42ED-8C1E-B1E0E21EC01E}" type="datetime1">
               <a:rPr lang="en-US" smtClean="0"/>
-              <a:t>6/30/2017</a:t>
+              <a:t>7/1/2017</a:t>
             </a:fld>
             <a:endParaRPr lang="en-US" dirty="0"/>
           </a:p>
@@ -3821,7 +4128,7 @@
           <a:p>
             <a:fld id="{D9318CF3-4A27-4F25-A0F8-0BDF06A3B765}" type="datetime1">
               <a:rPr lang="en-US" smtClean="0"/>
-              <a:t>6/30/2017</a:t>
+              <a:t>7/1/2017</a:t>
             </a:fld>
             <a:endParaRPr lang="en-US" dirty="0"/>
           </a:p>
@@ -4214,7 +4521,7 @@
           <a:p>
             <a:fld id="{5A99F229-B8C4-4F43-A5DB-A10D43DAD398}" type="datetime1">
               <a:rPr lang="en-US" smtClean="0"/>
-              <a:t>6/30/2017</a:t>
+              <a:t>7/1/2017</a:t>
             </a:fld>
             <a:endParaRPr lang="en-US" dirty="0"/>
           </a:p>
@@ -4384,7 +4691,7 @@
           <a:p>
             <a:fld id="{AB98E4B4-D3A3-4161-BAEC-27D6DCEC7CED}" type="datetime1">
               <a:rPr lang="en-US" smtClean="0"/>
-              <a:t>6/30/2017</a:t>
+              <a:t>7/1/2017</a:t>
             </a:fld>
             <a:endParaRPr lang="en-US" dirty="0"/>
           </a:p>
@@ -4563,7 +4870,7 @@
           <a:p>
             <a:fld id="{931EDA62-39B5-4812-A3F5-036F94BDE2E8}" type="datetime1">
               <a:rPr lang="en-US" smtClean="0"/>
-              <a:t>6/30/2017</a:t>
+              <a:t>7/1/2017</a:t>
             </a:fld>
             <a:endParaRPr lang="en-US" dirty="0"/>
           </a:p>
@@ -4739,7 +5046,7 @@
           <a:p>
             <a:fld id="{36EA2C8A-79EB-498B-919B-F34FCE235126}" type="datetime1">
               <a:rPr lang="en-US" smtClean="0"/>
-              <a:t>6/30/2017</a:t>
+              <a:t>7/1/2017</a:t>
             </a:fld>
             <a:endParaRPr lang="en-US" dirty="0"/>
           </a:p>
@@ -4986,7 +5293,7 @@
           <a:p>
             <a:fld id="{55533B15-B0B3-4E2F-9D27-46AA9F529301}" type="datetime1">
               <a:rPr lang="en-US" smtClean="0"/>
-              <a:t>6/30/2017</a:t>
+              <a:t>7/1/2017</a:t>
             </a:fld>
             <a:endParaRPr lang="en-US" dirty="0"/>
           </a:p>
@@ -5218,7 +5525,7 @@
           <a:p>
             <a:fld id="{85A2D822-A24F-408F-822A-0E344E05EA75}" type="datetime1">
               <a:rPr lang="en-US" smtClean="0"/>
-              <a:t>6/30/2017</a:t>
+              <a:t>7/1/2017</a:t>
             </a:fld>
             <a:endParaRPr lang="en-US" dirty="0"/>
           </a:p>
@@ -5591,7 +5898,7 @@
           <a:p>
             <a:fld id="{0D6ABC60-4846-45BB-9962-BEC6BD89B9A5}" type="datetime1">
               <a:rPr lang="en-US" smtClean="0"/>
-              <a:t>6/30/2017</a:t>
+              <a:t>7/1/2017</a:t>
             </a:fld>
             <a:endParaRPr lang="en-US" dirty="0"/>
           </a:p>
@@ -5714,7 +6021,7 @@
           <a:p>
             <a:fld id="{04B316C2-C98E-4032-9051-A13DBD48B70A}" type="datetime1">
               <a:rPr lang="en-US" smtClean="0"/>
-              <a:t>6/30/2017</a:t>
+              <a:t>7/1/2017</a:t>
             </a:fld>
             <a:endParaRPr lang="en-US" dirty="0"/>
           </a:p>
@@ -5809,7 +6116,7 @@
           <a:p>
             <a:fld id="{77E0374F-8A8C-476E-B7A7-AA3F8529EE2D}" type="datetime1">
               <a:rPr lang="en-US" smtClean="0"/>
-              <a:t>6/30/2017</a:t>
+              <a:t>7/1/2017</a:t>
             </a:fld>
             <a:endParaRPr lang="en-US" dirty="0"/>
           </a:p>
@@ -6064,7 +6371,7 @@
           <a:p>
             <a:fld id="{9E1C093E-FBEA-46D0-8808-7D2B33F769D3}" type="datetime1">
               <a:rPr lang="en-US" smtClean="0"/>
-              <a:t>6/30/2017</a:t>
+              <a:t>7/1/2017</a:t>
             </a:fld>
             <a:endParaRPr lang="en-US" dirty="0"/>
           </a:p>
@@ -6326,7 +6633,7 @@
           <a:p>
             <a:fld id="{CBFB7E00-8915-4DCE-BFC0-ED88A6E2A29E}" type="datetime1">
               <a:rPr lang="en-US" smtClean="0"/>
-              <a:t>6/30/2017</a:t>
+              <a:t>7/1/2017</a:t>
             </a:fld>
             <a:endParaRPr lang="en-US" dirty="0"/>
           </a:p>
@@ -7069,7 +7376,7 @@
           <a:p>
             <a:fld id="{91897A87-A690-4C68-80C1-C84EE91EBAF0}" type="datetime1">
               <a:rPr lang="en-US" smtClean="0"/>
-              <a:t>6/30/2017</a:t>
+              <a:t>7/1/2017</a:t>
             </a:fld>
             <a:endParaRPr lang="en-US" dirty="0"/>
           </a:p>
@@ -7809,21 +8116,9 @@
             </a:r>
           </a:p>
           <a:p>
-            <a:endParaRPr lang="fr-FR" dirty="0"/>
-          </a:p>
-          <a:p>
-            <a:r>
-              <a:rPr lang="fr-FR" dirty="0" smtClean="0"/>
-              <a:t>Instanciation (</a:t>
-            </a:r>
-            <a:r>
-              <a:rPr lang="fr-FR" dirty="0" err="1" smtClean="0"/>
-              <a:t>props</a:t>
-            </a:r>
-            <a:r>
-              <a:rPr lang="fr-FR" dirty="0" smtClean="0"/>
-              <a:t>) =&gt;  traitement =&gt; </a:t>
-            </a:r>
+            <a:pPr marL="0" indent="0">
+              <a:buNone/>
+            </a:pPr>
             <a:endParaRPr lang="fr-FR" dirty="0"/>
           </a:p>
         </p:txBody>
@@ -7957,7 +8252,11 @@
             </a:r>
             <a:r>
               <a:rPr lang="fr-FR" dirty="0" smtClean="0"/>
-              <a:t> : objectifs</a:t>
+              <a:t> : </a:t>
+            </a:r>
+            <a:r>
+              <a:rPr lang="fr-FR" dirty="0" smtClean="0"/>
+              <a:t>Objectifs</a:t>
             </a:r>
             <a:endParaRPr lang="fr-FR" dirty="0"/>
           </a:p>
@@ -8484,7 +8783,7 @@
         </p:blipFill>
         <p:spPr>
           <a:xfrm>
-            <a:off x="84405" y="2009671"/>
+            <a:off x="84404" y="2011106"/>
             <a:ext cx="4891263" cy="4212818"/>
           </a:xfrm>
           <a:prstGeom prst="rect">
@@ -8563,6 +8862,78 @@
           </a:p>
         </p:txBody>
       </p:sp>
+      <p:pic>
+        <p:nvPicPr>
+          <p:cNvPr id="10" name="Picture 9"/>
+          <p:cNvPicPr>
+            <a:picLocks noChangeAspect="1"/>
+          </p:cNvPicPr>
+          <p:nvPr/>
+        </p:nvPicPr>
+        <p:blipFill>
+          <a:blip r:embed="rId4"/>
+          <a:stretch>
+            <a:fillRect/>
+          </a:stretch>
+        </p:blipFill>
+        <p:spPr>
+          <a:xfrm>
+            <a:off x="2234677" y="1186498"/>
+            <a:ext cx="6584858" cy="5671502"/>
+          </a:xfrm>
+          <a:prstGeom prst="rect">
+            <a:avLst/>
+          </a:prstGeom>
+        </p:spPr>
+      </p:pic>
+      <p:pic>
+        <p:nvPicPr>
+          <p:cNvPr id="14" name="Picture 13"/>
+          <p:cNvPicPr>
+            <a:picLocks noChangeAspect="1"/>
+          </p:cNvPicPr>
+          <p:nvPr/>
+        </p:nvPicPr>
+        <p:blipFill>
+          <a:blip r:embed="rId3"/>
+          <a:stretch>
+            <a:fillRect/>
+          </a:stretch>
+        </p:blipFill>
+        <p:spPr>
+          <a:xfrm>
+            <a:off x="3095574" y="2590954"/>
+            <a:ext cx="5081736" cy="2903848"/>
+          </a:xfrm>
+          <a:prstGeom prst="rect">
+            <a:avLst/>
+          </a:prstGeom>
+        </p:spPr>
+      </p:pic>
+      <p:pic>
+        <p:nvPicPr>
+          <p:cNvPr id="15" name="Picture 14"/>
+          <p:cNvPicPr>
+            <a:picLocks noChangeAspect="1"/>
+          </p:cNvPicPr>
+          <p:nvPr/>
+        </p:nvPicPr>
+        <p:blipFill>
+          <a:blip r:embed="rId5"/>
+          <a:stretch>
+            <a:fillRect/>
+          </a:stretch>
+        </p:blipFill>
+        <p:spPr>
+          <a:xfrm>
+            <a:off x="3393408" y="1394009"/>
+            <a:ext cx="4549403" cy="5297738"/>
+          </a:xfrm>
+          <a:prstGeom prst="rect">
+            <a:avLst/>
+          </a:prstGeom>
+        </p:spPr>
+      </p:pic>
     </p:spTree>
     <p:extLst>
       <p:ext uri="{BB962C8B-B14F-4D97-AF65-F5344CB8AC3E}">
@@ -8576,7 +8947,277 @@
   <p:timing>
     <p:tnLst>
       <p:par>
-        <p:cTn id="1" dur="indefinite" restart="never" nodeType="tmRoot"/>
+        <p:cTn id="1" dur="indefinite" restart="never" nodeType="tmRoot">
+          <p:childTnLst>
+            <p:seq concurrent="1" nextAc="seek">
+              <p:cTn id="2" dur="indefinite" nodeType="mainSeq">
+                <p:childTnLst>
+                  <p:par>
+                    <p:cTn id="3" fill="hold">
+                      <p:stCondLst>
+                        <p:cond delay="indefinite"/>
+                      </p:stCondLst>
+                      <p:childTnLst>
+                        <p:par>
+                          <p:cTn id="4" fill="hold">
+                            <p:stCondLst>
+                              <p:cond delay="0"/>
+                            </p:stCondLst>
+                            <p:childTnLst>
+                              <p:par>
+                                <p:cTn id="5" presetID="10" presetClass="entr" presetSubtype="0" fill="hold" nodeType="clickEffect">
+                                  <p:stCondLst>
+                                    <p:cond delay="0"/>
+                                  </p:stCondLst>
+                                  <p:childTnLst>
+                                    <p:set>
+                                      <p:cBhvr>
+                                        <p:cTn id="6" dur="1" fill="hold">
+                                          <p:stCondLst>
+                                            <p:cond delay="0"/>
+                                          </p:stCondLst>
+                                        </p:cTn>
+                                        <p:tgtEl>
+                                          <p:spTgt spid="10"/>
+                                        </p:tgtEl>
+                                        <p:attrNameLst>
+                                          <p:attrName>style.visibility</p:attrName>
+                                        </p:attrNameLst>
+                                      </p:cBhvr>
+                                      <p:to>
+                                        <p:strVal val="visible"/>
+                                      </p:to>
+                                    </p:set>
+                                    <p:animEffect transition="in" filter="fade">
+                                      <p:cBhvr>
+                                        <p:cTn id="7" dur="500"/>
+                                        <p:tgtEl>
+                                          <p:spTgt spid="10"/>
+                                        </p:tgtEl>
+                                      </p:cBhvr>
+                                    </p:animEffect>
+                                  </p:childTnLst>
+                                </p:cTn>
+                              </p:par>
+                            </p:childTnLst>
+                          </p:cTn>
+                        </p:par>
+                      </p:childTnLst>
+                    </p:cTn>
+                  </p:par>
+                  <p:par>
+                    <p:cTn id="8" fill="hold">
+                      <p:stCondLst>
+                        <p:cond delay="indefinite"/>
+                      </p:stCondLst>
+                      <p:childTnLst>
+                        <p:par>
+                          <p:cTn id="9" fill="hold">
+                            <p:stCondLst>
+                              <p:cond delay="0"/>
+                            </p:stCondLst>
+                            <p:childTnLst>
+                              <p:par>
+                                <p:cTn id="10" presetID="10" presetClass="exit" presetSubtype="0" fill="hold" nodeType="clickEffect">
+                                  <p:stCondLst>
+                                    <p:cond delay="0"/>
+                                  </p:stCondLst>
+                                  <p:childTnLst>
+                                    <p:animEffect transition="out" filter="fade">
+                                      <p:cBhvr>
+                                        <p:cTn id="11" dur="500"/>
+                                        <p:tgtEl>
+                                          <p:spTgt spid="10"/>
+                                        </p:tgtEl>
+                                      </p:cBhvr>
+                                    </p:animEffect>
+                                    <p:set>
+                                      <p:cBhvr>
+                                        <p:cTn id="12" dur="1" fill="hold">
+                                          <p:stCondLst>
+                                            <p:cond delay="499"/>
+                                          </p:stCondLst>
+                                        </p:cTn>
+                                        <p:tgtEl>
+                                          <p:spTgt spid="10"/>
+                                        </p:tgtEl>
+                                        <p:attrNameLst>
+                                          <p:attrName>style.visibility</p:attrName>
+                                        </p:attrNameLst>
+                                      </p:cBhvr>
+                                      <p:to>
+                                        <p:strVal val="hidden"/>
+                                      </p:to>
+                                    </p:set>
+                                  </p:childTnLst>
+                                </p:cTn>
+                              </p:par>
+                            </p:childTnLst>
+                          </p:cTn>
+                        </p:par>
+                        <p:par>
+                          <p:cTn id="13" fill="hold">
+                            <p:stCondLst>
+                              <p:cond delay="500"/>
+                            </p:stCondLst>
+                            <p:childTnLst>
+                              <p:par>
+                                <p:cTn id="14" presetID="10" presetClass="entr" presetSubtype="0" fill="hold" nodeType="afterEffect">
+                                  <p:stCondLst>
+                                    <p:cond delay="0"/>
+                                  </p:stCondLst>
+                                  <p:childTnLst>
+                                    <p:set>
+                                      <p:cBhvr>
+                                        <p:cTn id="15" dur="1" fill="hold">
+                                          <p:stCondLst>
+                                            <p:cond delay="0"/>
+                                          </p:stCondLst>
+                                        </p:cTn>
+                                        <p:tgtEl>
+                                          <p:spTgt spid="14"/>
+                                        </p:tgtEl>
+                                        <p:attrNameLst>
+                                          <p:attrName>style.visibility</p:attrName>
+                                        </p:attrNameLst>
+                                      </p:cBhvr>
+                                      <p:to>
+                                        <p:strVal val="visible"/>
+                                      </p:to>
+                                    </p:set>
+                                    <p:animEffect transition="in" filter="fade">
+                                      <p:cBhvr>
+                                        <p:cTn id="16" dur="500"/>
+                                        <p:tgtEl>
+                                          <p:spTgt spid="14"/>
+                                        </p:tgtEl>
+                                      </p:cBhvr>
+                                    </p:animEffect>
+                                  </p:childTnLst>
+                                </p:cTn>
+                              </p:par>
+                            </p:childTnLst>
+                          </p:cTn>
+                        </p:par>
+                      </p:childTnLst>
+                    </p:cTn>
+                  </p:par>
+                  <p:par>
+                    <p:cTn id="17" fill="hold">
+                      <p:stCondLst>
+                        <p:cond delay="indefinite"/>
+                      </p:stCondLst>
+                      <p:childTnLst>
+                        <p:par>
+                          <p:cTn id="18" fill="hold">
+                            <p:stCondLst>
+                              <p:cond delay="0"/>
+                            </p:stCondLst>
+                            <p:childTnLst>
+                              <p:par>
+                                <p:cTn id="19" presetID="10" presetClass="exit" presetSubtype="0" fill="hold" nodeType="clickEffect">
+                                  <p:stCondLst>
+                                    <p:cond delay="0"/>
+                                  </p:stCondLst>
+                                  <p:childTnLst>
+                                    <p:animEffect transition="out" filter="fade">
+                                      <p:cBhvr>
+                                        <p:cTn id="20" dur="500"/>
+                                        <p:tgtEl>
+                                          <p:spTgt spid="14"/>
+                                        </p:tgtEl>
+                                      </p:cBhvr>
+                                    </p:animEffect>
+                                    <p:set>
+                                      <p:cBhvr>
+                                        <p:cTn id="21" dur="1" fill="hold">
+                                          <p:stCondLst>
+                                            <p:cond delay="499"/>
+                                          </p:stCondLst>
+                                        </p:cTn>
+                                        <p:tgtEl>
+                                          <p:spTgt spid="14"/>
+                                        </p:tgtEl>
+                                        <p:attrNameLst>
+                                          <p:attrName>style.visibility</p:attrName>
+                                        </p:attrNameLst>
+                                      </p:cBhvr>
+                                      <p:to>
+                                        <p:strVal val="hidden"/>
+                                      </p:to>
+                                    </p:set>
+                                  </p:childTnLst>
+                                </p:cTn>
+                              </p:par>
+                            </p:childTnLst>
+                          </p:cTn>
+                        </p:par>
+                        <p:par>
+                          <p:cTn id="22" fill="hold">
+                            <p:stCondLst>
+                              <p:cond delay="500"/>
+                            </p:stCondLst>
+                            <p:childTnLst>
+                              <p:par>
+                                <p:cTn id="23" presetID="10" presetClass="entr" presetSubtype="0" fill="hold" nodeType="afterEffect">
+                                  <p:stCondLst>
+                                    <p:cond delay="0"/>
+                                  </p:stCondLst>
+                                  <p:childTnLst>
+                                    <p:set>
+                                      <p:cBhvr>
+                                        <p:cTn id="24" dur="1" fill="hold">
+                                          <p:stCondLst>
+                                            <p:cond delay="0"/>
+                                          </p:stCondLst>
+                                        </p:cTn>
+                                        <p:tgtEl>
+                                          <p:spTgt spid="15"/>
+                                        </p:tgtEl>
+                                        <p:attrNameLst>
+                                          <p:attrName>style.visibility</p:attrName>
+                                        </p:attrNameLst>
+                                      </p:cBhvr>
+                                      <p:to>
+                                        <p:strVal val="visible"/>
+                                      </p:to>
+                                    </p:set>
+                                    <p:animEffect transition="in" filter="fade">
+                                      <p:cBhvr>
+                                        <p:cTn id="25" dur="500"/>
+                                        <p:tgtEl>
+                                          <p:spTgt spid="15"/>
+                                        </p:tgtEl>
+                                      </p:cBhvr>
+                                    </p:animEffect>
+                                  </p:childTnLst>
+                                </p:cTn>
+                              </p:par>
+                            </p:childTnLst>
+                          </p:cTn>
+                        </p:par>
+                      </p:childTnLst>
+                    </p:cTn>
+                  </p:par>
+                </p:childTnLst>
+              </p:cTn>
+              <p:prevCondLst>
+                <p:cond evt="onPrev" delay="0">
+                  <p:tgtEl>
+                    <p:sldTgt/>
+                  </p:tgtEl>
+                </p:cond>
+              </p:prevCondLst>
+              <p:nextCondLst>
+                <p:cond evt="onNext" delay="0">
+                  <p:tgtEl>
+                    <p:sldTgt/>
+                  </p:tgtEl>
+                </p:cond>
+              </p:nextCondLst>
+            </p:seq>
+          </p:childTnLst>
+        </p:cTn>
       </p:par>
     </p:tnLst>
   </p:timing>
@@ -8621,7 +9262,11 @@
             </a:r>
             <a:r>
               <a:rPr lang="fr-FR" dirty="0" smtClean="0"/>
-              <a:t> : développement</a:t>
+              <a:t> : </a:t>
+            </a:r>
+            <a:r>
+              <a:rPr lang="fr-FR" dirty="0" smtClean="0"/>
+              <a:t>Développement</a:t>
             </a:r>
             <a:endParaRPr lang="fr-FR" dirty="0"/>
           </a:p>
@@ -9058,6 +9703,13 @@
   <p:clrMapOvr>
     <a:masterClrMapping/>
   </p:clrMapOvr>
+  <p:timing>
+    <p:tnLst>
+      <p:par>
+        <p:cTn id="1" dur="indefinite" restart="never" nodeType="tmRoot"/>
+      </p:par>
+    </p:tnLst>
+  </p:timing>
 </p:sld>
 </file>
 
@@ -9099,7 +9751,11 @@
             </a:r>
             <a:r>
               <a:rPr lang="fr-FR" dirty="0" smtClean="0"/>
-              <a:t> Orchestra</a:t>
+              <a:t> </a:t>
+            </a:r>
+            <a:r>
+              <a:rPr lang="fr-FR" dirty="0" smtClean="0"/>
+              <a:t>Orchestra : Infrastructure</a:t>
             </a:r>
             <a:endParaRPr lang="fr-FR" dirty="0"/>
           </a:p>
@@ -9693,6 +10349,13 @@
   <p:clrMapOvr>
     <a:masterClrMapping/>
   </p:clrMapOvr>
+  <p:timing>
+    <p:tnLst>
+      <p:par>
+        <p:cTn id="1" dur="indefinite" restart="never" nodeType="tmRoot"/>
+      </p:par>
+    </p:tnLst>
+  </p:timing>
 </p:sld>
 </file>
 
@@ -9950,7 +10613,7 @@
           <a:lstStyle/>
           <a:p>
             <a:r>
-              <a:rPr lang="fr-FR" smtClean="0"/>
+              <a:rPr lang="fr-FR" dirty="0" smtClean="0"/>
               <a:t>6 salariés</a:t>
             </a:r>
           </a:p>
@@ -10210,6 +10873,13 @@
   <p:clrMapOvr>
     <a:masterClrMapping/>
   </p:clrMapOvr>
+  <p:timing>
+    <p:tnLst>
+      <p:par>
+        <p:cTn id="1" dur="indefinite" restart="never" nodeType="tmRoot"/>
+      </p:par>
+    </p:tnLst>
+  </p:timing>
 </p:sld>
 </file>
 
@@ -10363,6 +11033,59 @@
           </a:prstGeom>
         </p:spPr>
       </p:pic>
+      <p:pic>
+        <p:nvPicPr>
+          <p:cNvPr id="7" name="Picture 6"/>
+          <p:cNvPicPr>
+            <a:picLocks noChangeAspect="1"/>
+          </p:cNvPicPr>
+          <p:nvPr/>
+        </p:nvPicPr>
+        <p:blipFill rotWithShape="1">
+          <a:blip r:embed="rId4">
+            <a:extLst>
+              <a:ext uri="{28A0092B-C50C-407E-A947-70E740481C1C}">
+                <a14:useLocalDpi xmlns:a14="http://schemas.microsoft.com/office/drawing/2010/main" val="0"/>
+              </a:ext>
+            </a:extLst>
+          </a:blip>
+          <a:srcRect l="-564" t="-35" r="82741" b="25950"/>
+          <a:stretch/>
+        </p:blipFill>
+        <p:spPr>
+          <a:xfrm>
+            <a:off x="967753" y="2576129"/>
+            <a:ext cx="1383562" cy="3235043"/>
+          </a:xfrm>
+          <a:prstGeom prst="rect">
+            <a:avLst/>
+          </a:prstGeom>
+        </p:spPr>
+      </p:pic>
+      <p:pic>
+        <p:nvPicPr>
+          <p:cNvPr id="8" name="Picture 7"/>
+          <p:cNvPicPr>
+            <a:picLocks noChangeAspect="1"/>
+          </p:cNvPicPr>
+          <p:nvPr/>
+        </p:nvPicPr>
+        <p:blipFill>
+          <a:blip r:embed="rId3"/>
+          <a:stretch>
+            <a:fillRect/>
+          </a:stretch>
+        </p:blipFill>
+        <p:spPr>
+          <a:xfrm>
+            <a:off x="1251083" y="253215"/>
+            <a:ext cx="8531091" cy="6338891"/>
+          </a:xfrm>
+          <a:prstGeom prst="rect">
+            <a:avLst/>
+          </a:prstGeom>
+        </p:spPr>
+      </p:pic>
     </p:spTree>
     <p:extLst>
       <p:ext uri="{BB962C8B-B14F-4D97-AF65-F5344CB8AC3E}">
@@ -10373,6 +11096,142 @@
   <p:clrMapOvr>
     <a:masterClrMapping/>
   </p:clrMapOvr>
+  <p:timing>
+    <p:tnLst>
+      <p:par>
+        <p:cTn id="1" dur="indefinite" restart="never" nodeType="tmRoot">
+          <p:childTnLst>
+            <p:seq concurrent="1" nextAc="seek">
+              <p:cTn id="2" dur="indefinite" nodeType="mainSeq">
+                <p:childTnLst>
+                  <p:par>
+                    <p:cTn id="3" fill="hold">
+                      <p:stCondLst>
+                        <p:cond delay="indefinite"/>
+                      </p:stCondLst>
+                      <p:childTnLst>
+                        <p:par>
+                          <p:cTn id="4" fill="hold">
+                            <p:stCondLst>
+                              <p:cond delay="0"/>
+                            </p:stCondLst>
+                            <p:childTnLst>
+                              <p:par>
+                                <p:cTn id="5" presetID="10" presetClass="entr" presetSubtype="0" fill="hold" nodeType="clickEffect">
+                                  <p:stCondLst>
+                                    <p:cond delay="0"/>
+                                  </p:stCondLst>
+                                  <p:childTnLst>
+                                    <p:set>
+                                      <p:cBhvr>
+                                        <p:cTn id="6" dur="1" fill="hold">
+                                          <p:stCondLst>
+                                            <p:cond delay="0"/>
+                                          </p:stCondLst>
+                                        </p:cTn>
+                                        <p:tgtEl>
+                                          <p:spTgt spid="8"/>
+                                        </p:tgtEl>
+                                        <p:attrNameLst>
+                                          <p:attrName>style.visibility</p:attrName>
+                                        </p:attrNameLst>
+                                      </p:cBhvr>
+                                      <p:to>
+                                        <p:strVal val="visible"/>
+                                      </p:to>
+                                    </p:set>
+                                    <p:animEffect transition="in" filter="fade">
+                                      <p:cBhvr>
+                                        <p:cTn id="7" dur="500"/>
+                                        <p:tgtEl>
+                                          <p:spTgt spid="8"/>
+                                        </p:tgtEl>
+                                      </p:cBhvr>
+                                    </p:animEffect>
+                                  </p:childTnLst>
+                                </p:cTn>
+                              </p:par>
+                            </p:childTnLst>
+                          </p:cTn>
+                        </p:par>
+                      </p:childTnLst>
+                    </p:cTn>
+                  </p:par>
+                  <p:par>
+                    <p:cTn id="8" fill="hold">
+                      <p:stCondLst>
+                        <p:cond delay="indefinite"/>
+                      </p:stCondLst>
+                      <p:childTnLst>
+                        <p:par>
+                          <p:cTn id="9" fill="hold">
+                            <p:stCondLst>
+                              <p:cond delay="0"/>
+                            </p:stCondLst>
+                            <p:childTnLst>
+                              <p:par>
+                                <p:cTn id="10" presetID="10" presetClass="exit" presetSubtype="0" fill="hold" nodeType="clickEffect">
+                                  <p:stCondLst>
+                                    <p:cond delay="0"/>
+                                  </p:stCondLst>
+                                  <p:childTnLst>
+                                    <p:animEffect transition="out" filter="fade">
+                                      <p:cBhvr>
+                                        <p:cTn id="11" dur="500"/>
+                                        <p:tgtEl>
+                                          <p:spTgt spid="8"/>
+                                        </p:tgtEl>
+                                      </p:cBhvr>
+                                    </p:animEffect>
+                                    <p:set>
+                                      <p:cBhvr>
+                                        <p:cTn id="12" dur="1" fill="hold">
+                                          <p:stCondLst>
+                                            <p:cond delay="499"/>
+                                          </p:stCondLst>
+                                        </p:cTn>
+                                        <p:tgtEl>
+                                          <p:spTgt spid="8"/>
+                                        </p:tgtEl>
+                                        <p:attrNameLst>
+                                          <p:attrName>style.visibility</p:attrName>
+                                        </p:attrNameLst>
+                                      </p:cBhvr>
+                                      <p:to>
+                                        <p:strVal val="hidden"/>
+                                      </p:to>
+                                    </p:set>
+                                  </p:childTnLst>
+                                </p:cTn>
+                              </p:par>
+                            </p:childTnLst>
+                          </p:cTn>
+                        </p:par>
+                      </p:childTnLst>
+                    </p:cTn>
+                  </p:par>
+                </p:childTnLst>
+              </p:cTn>
+              <p:prevCondLst>
+                <p:cond evt="onPrev" delay="0">
+                  <p:tgtEl>
+                    <p:sldTgt/>
+                  </p:tgtEl>
+                </p:cond>
+              </p:prevCondLst>
+              <p:nextCondLst>
+                <p:cond evt="onNext" delay="0">
+                  <p:tgtEl>
+                    <p:sldTgt/>
+                  </p:tgtEl>
+                </p:cond>
+              </p:nextCondLst>
+            </p:seq>
+          </p:childTnLst>
+        </p:cTn>
+      </p:par>
+    </p:tnLst>
+  </p:timing>
 </p:sld>
 </file>
 
@@ -10568,6 +11427,13 @@
   <p:clrMapOvr>
     <a:masterClrMapping/>
   </p:clrMapOvr>
+  <p:timing>
+    <p:tnLst>
+      <p:par>
+        <p:cTn id="1" dur="indefinite" restart="never" nodeType="tmRoot"/>
+      </p:par>
+    </p:tnLst>
+  </p:timing>
 </p:sld>
 </file>
 
@@ -10781,6 +11647,13 @@
   <p:clrMapOvr>
     <a:masterClrMapping/>
   </p:clrMapOvr>
+  <p:timing>
+    <p:tnLst>
+      <p:par>
+        <p:cTn id="1" dur="indefinite" restart="never" nodeType="tmRoot"/>
+      </p:par>
+    </p:tnLst>
+  </p:timing>
 </p:sld>
 </file>
 
@@ -10958,7 +11831,7 @@
       </p:pic>
       <p:pic>
         <p:nvPicPr>
-          <p:cNvPr id="9" name="Picture 8"/>
+          <p:cNvPr id="7" name="Picture 6"/>
           <p:cNvPicPr>
             <a:picLocks noChangeAspect="1"/>
           </p:cNvPicPr>
@@ -10972,8 +11845,8 @@
         </p:blipFill>
         <p:spPr>
           <a:xfrm>
-            <a:off x="6406977" y="1930400"/>
-            <a:ext cx="3874632" cy="3880772"/>
+            <a:off x="6512733" y="891819"/>
+            <a:ext cx="5022042" cy="4898718"/>
           </a:xfrm>
           <a:prstGeom prst="rect">
             <a:avLst/>
@@ -10990,6 +11863,13 @@
   <p:clrMapOvr>
     <a:masterClrMapping/>
   </p:clrMapOvr>
+  <p:timing>
+    <p:tnLst>
+      <p:par>
+        <p:cTn id="1" dur="indefinite" restart="never" nodeType="tmRoot"/>
+      </p:par>
+    </p:tnLst>
+  </p:timing>
 </p:sld>
 </file>
 
@@ -11124,32 +12004,80 @@
       </p:sp>
       <p:pic>
         <p:nvPicPr>
-          <p:cNvPr id="6" name="Picture 5"/>
+          <p:cNvPr id="7" name="Picture 6"/>
           <p:cNvPicPr>
             <a:picLocks noChangeAspect="1"/>
           </p:cNvPicPr>
           <p:nvPr/>
         </p:nvPicPr>
         <p:blipFill>
-          <a:blip r:embed="rId2">
-            <a:extLst>
-              <a:ext uri="{28A0092B-C50C-407E-A947-70E740481C1C}">
-                <a14:useLocalDpi xmlns:a14="http://schemas.microsoft.com/office/drawing/2010/main" val="0"/>
-              </a:ext>
-            </a:extLst>
-          </a:blip>
+          <a:blip r:embed="rId2"/>
           <a:stretch>
             <a:fillRect/>
           </a:stretch>
         </p:blipFill>
         <p:spPr>
           <a:xfrm>
-            <a:off x="5734354" y="1930400"/>
-            <a:ext cx="4743146" cy="4095116"/>
+            <a:off x="6028129" y="1956725"/>
+            <a:ext cx="5125067" cy="3854448"/>
           </a:xfrm>
           <a:prstGeom prst="rect">
             <a:avLst/>
           </a:prstGeom>
+        </p:spPr>
+      </p:pic>
+      <p:pic>
+        <p:nvPicPr>
+          <p:cNvPr id="8" name="Picture 7"/>
+          <p:cNvPicPr>
+            <a:picLocks noChangeAspect="1"/>
+          </p:cNvPicPr>
+          <p:nvPr/>
+        </p:nvPicPr>
+        <p:blipFill>
+          <a:blip r:embed="rId3"/>
+          <a:stretch>
+            <a:fillRect/>
+          </a:stretch>
+        </p:blipFill>
+        <p:spPr>
+          <a:xfrm>
+            <a:off x="5667375" y="2027829"/>
+            <a:ext cx="5629936" cy="3712239"/>
+          </a:xfrm>
+          <a:prstGeom prst="rect">
+            <a:avLst/>
+          </a:prstGeom>
+        </p:spPr>
+      </p:pic>
+      <p:pic>
+        <p:nvPicPr>
+          <p:cNvPr id="9" name="Image 2" descr="C:\Users\Cédric\Downloads\stats.png"/>
+          <p:cNvPicPr/>
+          <p:nvPr/>
+        </p:nvPicPr>
+        <p:blipFill>
+          <a:blip r:embed="rId4" cstate="print"/>
+          <a:srcRect/>
+          <a:stretch>
+            <a:fillRect/>
+          </a:stretch>
+        </p:blipFill>
+        <p:spPr bwMode="auto">
+          <a:xfrm>
+            <a:off x="948551" y="2656812"/>
+            <a:ext cx="3910965" cy="3384550"/>
+          </a:xfrm>
+          <a:prstGeom prst="rect">
+            <a:avLst/>
+          </a:prstGeom>
+          <a:noFill/>
+          <a:ln w="9525">
+            <a:noFill/>
+            <a:miter lim="800000"/>
+            <a:headEnd/>
+            <a:tailEnd/>
+          </a:ln>
         </p:spPr>
       </p:pic>
     </p:spTree>
@@ -11162,6 +12090,124 @@
   <p:clrMapOvr>
     <a:masterClrMapping/>
   </p:clrMapOvr>
+  <p:timing>
+    <p:tnLst>
+      <p:par>
+        <p:cTn id="1" dur="indefinite" restart="never" nodeType="tmRoot">
+          <p:childTnLst>
+            <p:seq concurrent="1" nextAc="seek">
+              <p:cTn id="2" dur="indefinite" nodeType="mainSeq">
+                <p:childTnLst>
+                  <p:par>
+                    <p:cTn id="3" fill="hold">
+                      <p:stCondLst>
+                        <p:cond delay="indefinite"/>
+                      </p:stCondLst>
+                      <p:childTnLst>
+                        <p:par>
+                          <p:cTn id="4" fill="hold">
+                            <p:stCondLst>
+                              <p:cond delay="0"/>
+                            </p:stCondLst>
+                            <p:childTnLst>
+                              <p:par>
+                                <p:cTn id="5" presetID="10" presetClass="exit" presetSubtype="0" fill="hold" nodeType="clickEffect">
+                                  <p:stCondLst>
+                                    <p:cond delay="0"/>
+                                  </p:stCondLst>
+                                  <p:childTnLst>
+                                    <p:animEffect transition="out" filter="fade">
+                                      <p:cBhvr>
+                                        <p:cTn id="6" dur="500"/>
+                                        <p:tgtEl>
+                                          <p:spTgt spid="7"/>
+                                        </p:tgtEl>
+                                      </p:cBhvr>
+                                    </p:animEffect>
+                                    <p:set>
+                                      <p:cBhvr>
+                                        <p:cTn id="7" dur="1" fill="hold">
+                                          <p:stCondLst>
+                                            <p:cond delay="499"/>
+                                          </p:stCondLst>
+                                        </p:cTn>
+                                        <p:tgtEl>
+                                          <p:spTgt spid="7"/>
+                                        </p:tgtEl>
+                                        <p:attrNameLst>
+                                          <p:attrName>style.visibility</p:attrName>
+                                        </p:attrNameLst>
+                                      </p:cBhvr>
+                                      <p:to>
+                                        <p:strVal val="hidden"/>
+                                      </p:to>
+                                    </p:set>
+                                  </p:childTnLst>
+                                </p:cTn>
+                              </p:par>
+                              <p:par>
+                                <p:cTn id="8" presetID="10" presetClass="entr" presetSubtype="0" fill="hold" nodeType="withEffect">
+                                  <p:stCondLst>
+                                    <p:cond delay="0"/>
+                                  </p:stCondLst>
+                                  <p:childTnLst>
+                                    <p:set>
+                                      <p:cBhvr>
+                                        <p:cTn id="9" dur="1" fill="hold">
+                                          <p:stCondLst>
+                                            <p:cond delay="0"/>
+                                          </p:stCondLst>
+                                        </p:cTn>
+                                        <p:tgtEl>
+                                          <p:spTgt spid="8"/>
+                                        </p:tgtEl>
+                                        <p:attrNameLst>
+                                          <p:attrName>style.visibility</p:attrName>
+                                        </p:attrNameLst>
+                                      </p:cBhvr>
+                                      <p:to>
+                                        <p:strVal val="visible"/>
+                                      </p:to>
+                                    </p:set>
+                                    <p:animEffect transition="in" filter="fade">
+                                      <p:cBhvr>
+                                        <p:cTn id="10" dur="500"/>
+                                        <p:tgtEl>
+                                          <p:spTgt spid="8"/>
+                                        </p:tgtEl>
+                                      </p:cBhvr>
+                                    </p:animEffect>
+                                  </p:childTnLst>
+                                </p:cTn>
+                              </p:par>
+                            </p:childTnLst>
+                          </p:cTn>
+                        </p:par>
+                      </p:childTnLst>
+                    </p:cTn>
+                  </p:par>
+                </p:childTnLst>
+              </p:cTn>
+              <p:prevCondLst>
+                <p:cond evt="onPrev" delay="0">
+                  <p:tgtEl>
+                    <p:sldTgt/>
+                  </p:tgtEl>
+                </p:cond>
+              </p:prevCondLst>
+              <p:nextCondLst>
+                <p:cond evt="onNext" delay="0">
+                  <p:tgtEl>
+                    <p:sldTgt/>
+                  </p:tgtEl>
+                </p:cond>
+              </p:nextCondLst>
+            </p:seq>
+          </p:childTnLst>
+        </p:cTn>
+      </p:par>
+    </p:tnLst>
+  </p:timing>
 </p:sld>
 </file>
 
@@ -11290,6 +12336,35 @@
           </a:p>
         </p:txBody>
       </p:sp>
+      <p:pic>
+        <p:nvPicPr>
+          <p:cNvPr id="7" name="Picture 6"/>
+          <p:cNvPicPr>
+            <a:picLocks noChangeAspect="1"/>
+          </p:cNvPicPr>
+          <p:nvPr/>
+        </p:nvPicPr>
+        <p:blipFill rotWithShape="1">
+          <a:blip r:embed="rId3">
+            <a:extLst>
+              <a:ext uri="{28A0092B-C50C-407E-A947-70E740481C1C}">
+                <a14:useLocalDpi xmlns:a14="http://schemas.microsoft.com/office/drawing/2010/main" val="0"/>
+              </a:ext>
+            </a:extLst>
+          </a:blip>
+          <a:srcRect t="33479"/>
+          <a:stretch/>
+        </p:blipFill>
+        <p:spPr>
+          <a:xfrm>
+            <a:off x="677334" y="2870663"/>
+            <a:ext cx="5599641" cy="1918290"/>
+          </a:xfrm>
+          <a:prstGeom prst="rect">
+            <a:avLst/>
+          </a:prstGeom>
+        </p:spPr>
+      </p:pic>
     </p:spTree>
     <p:extLst>
       <p:ext uri="{BB962C8B-B14F-4D97-AF65-F5344CB8AC3E}">
@@ -11300,6 +12375,13 @@
   <p:clrMapOvr>
     <a:masterClrMapping/>
   </p:clrMapOvr>
+  <p:timing>
+    <p:tnLst>
+      <p:par>
+        <p:cTn id="1" dur="indefinite" restart="never" nodeType="tmRoot"/>
+      </p:par>
+    </p:tnLst>
+  </p:timing>
 </p:sld>
 </file>
 
@@ -11375,7 +12457,7 @@
           <a:p>
             <a:r>
               <a:rPr lang="fr-FR" dirty="0" smtClean="0"/>
-              <a:t>Onglet Advanced</a:t>
+              <a:t>Onglet Management</a:t>
             </a:r>
             <a:endParaRPr lang="fr-FR" dirty="0"/>
           </a:p>
@@ -11423,6 +12505,404 @@
               <a:rPr lang="en-US" smtClean="0"/>
               <a:pPr/>
               <a:t>27</a:t>
+            </a:fld>
+            <a:endParaRPr lang="en-US" dirty="0"/>
+          </a:p>
+        </p:txBody>
+      </p:sp>
+      <p:pic>
+        <p:nvPicPr>
+          <p:cNvPr id="6" name="Picture 5"/>
+          <p:cNvPicPr>
+            <a:picLocks noChangeAspect="1"/>
+          </p:cNvPicPr>
+          <p:nvPr/>
+        </p:nvPicPr>
+        <p:blipFill>
+          <a:blip r:embed="rId3">
+            <a:extLst>
+              <a:ext uri="{28A0092B-C50C-407E-A947-70E740481C1C}">
+                <a14:useLocalDpi xmlns:a14="http://schemas.microsoft.com/office/drawing/2010/main" val="0"/>
+              </a:ext>
+            </a:extLst>
+          </a:blip>
+          <a:stretch>
+            <a:fillRect/>
+          </a:stretch>
+        </p:blipFill>
+        <p:spPr>
+          <a:xfrm>
+            <a:off x="3420704" y="1803612"/>
+            <a:ext cx="5169959" cy="2662443"/>
+          </a:xfrm>
+          <a:prstGeom prst="rect">
+            <a:avLst/>
+          </a:prstGeom>
+        </p:spPr>
+      </p:pic>
+      <p:pic>
+        <p:nvPicPr>
+          <p:cNvPr id="7" name="Picture 6"/>
+          <p:cNvPicPr>
+            <a:picLocks noChangeAspect="1"/>
+          </p:cNvPicPr>
+          <p:nvPr/>
+        </p:nvPicPr>
+        <p:blipFill>
+          <a:blip r:embed="rId4"/>
+          <a:stretch>
+            <a:fillRect/>
+          </a:stretch>
+        </p:blipFill>
+        <p:spPr>
+          <a:xfrm>
+            <a:off x="2440912" y="4466055"/>
+            <a:ext cx="6149751" cy="1544291"/>
+          </a:xfrm>
+          <a:prstGeom prst="rect">
+            <a:avLst/>
+          </a:prstGeom>
+        </p:spPr>
+      </p:pic>
+    </p:spTree>
+    <p:extLst>
+      <p:ext uri="{BB962C8B-B14F-4D97-AF65-F5344CB8AC3E}">
+        <p14:creationId xmlns:p14="http://schemas.microsoft.com/office/powerpoint/2010/main" val="670260533"/>
+      </p:ext>
+    </p:extLst>
+  </p:cSld>
+  <p:clrMapOvr>
+    <a:masterClrMapping/>
+  </p:clrMapOvr>
+  <p:timing>
+    <p:tnLst>
+      <p:par>
+        <p:cTn id="1" dur="indefinite" restart="never" nodeType="tmRoot"/>
+      </p:par>
+    </p:tnLst>
+  </p:timing>
+</p:sld>
+</file>
+
+<file path=ppt/slides/slide28.xml><?xml version="1.0" encoding="utf-8"?>
+<p:sld xmlns:a="http://schemas.openxmlformats.org/drawingml/2006/main" xmlns:r="http://schemas.openxmlformats.org/officeDocument/2006/relationships" xmlns:p="http://schemas.openxmlformats.org/presentationml/2006/main">
+  <p:cSld>
+    <p:spTree>
+      <p:nvGrpSpPr>
+        <p:cNvPr id="1" name=""/>
+        <p:cNvGrpSpPr/>
+        <p:nvPr/>
+      </p:nvGrpSpPr>
+      <p:grpSpPr>
+        <a:xfrm>
+          <a:off x="0" y="0"/>
+          <a:ext cx="0" cy="0"/>
+          <a:chOff x="0" y="0"/>
+          <a:chExt cx="0" cy="0"/>
+        </a:xfrm>
+      </p:grpSpPr>
+      <p:sp>
+        <p:nvSpPr>
+          <p:cNvPr id="2" name="Title 1"/>
+          <p:cNvSpPr>
+            <a:spLocks noGrp="1"/>
+          </p:cNvSpPr>
+          <p:nvPr>
+            <p:ph type="title"/>
+          </p:nvPr>
+        </p:nvSpPr>
+        <p:spPr/>
+        <p:txBody>
+          <a:bodyPr/>
+          <a:lstStyle/>
+          <a:p>
+            <a:r>
+              <a:rPr lang="fr-FR" dirty="0"/>
+              <a:t>Gestion des </a:t>
+            </a:r>
+            <a:r>
+              <a:rPr lang="fr-FR" dirty="0" err="1"/>
+              <a:t>VmAppliances</a:t>
+            </a:r>
+            <a:r>
+              <a:rPr lang="fr-FR" dirty="0"/>
+              <a:t> : Développement de </a:t>
+            </a:r>
+            <a:r>
+              <a:rPr lang="fr-FR" dirty="0" err="1"/>
+              <a:t>xo</a:t>
+            </a:r>
+            <a:r>
+              <a:rPr lang="fr-FR" dirty="0"/>
+              <a:t>-web</a:t>
+            </a:r>
+          </a:p>
+        </p:txBody>
+      </p:sp>
+      <p:sp>
+        <p:nvSpPr>
+          <p:cNvPr id="3" name="Content Placeholder 2"/>
+          <p:cNvSpPr>
+            <a:spLocks noGrp="1"/>
+          </p:cNvSpPr>
+          <p:nvPr>
+            <p:ph idx="1"/>
+          </p:nvPr>
+        </p:nvSpPr>
+        <p:spPr/>
+        <p:txBody>
+          <a:bodyPr/>
+          <a:lstStyle/>
+          <a:p>
+            <a:r>
+              <a:rPr lang="fr-FR" dirty="0" smtClean="0"/>
+              <a:t>Onglet Management</a:t>
+            </a:r>
+            <a:endParaRPr lang="fr-FR" dirty="0"/>
+          </a:p>
+        </p:txBody>
+      </p:sp>
+      <p:sp>
+        <p:nvSpPr>
+          <p:cNvPr id="4" name="Footer Placeholder 3"/>
+          <p:cNvSpPr>
+            <a:spLocks noGrp="1"/>
+          </p:cNvSpPr>
+          <p:nvPr>
+            <p:ph type="ftr" sz="quarter" idx="11"/>
+          </p:nvPr>
+        </p:nvSpPr>
+        <p:spPr/>
+        <p:txBody>
+          <a:bodyPr/>
+          <a:lstStyle/>
+          <a:p>
+            <a:r>
+              <a:rPr lang="en-US" smtClean="0"/>
+              <a:t>Bois Cédric - Master WIC</a:t>
+            </a:r>
+            <a:endParaRPr lang="en-US" dirty="0"/>
+          </a:p>
+        </p:txBody>
+      </p:sp>
+      <p:sp>
+        <p:nvSpPr>
+          <p:cNvPr id="5" name="Slide Number Placeholder 4"/>
+          <p:cNvSpPr>
+            <a:spLocks noGrp="1"/>
+          </p:cNvSpPr>
+          <p:nvPr>
+            <p:ph type="sldNum" sz="quarter" idx="12"/>
+          </p:nvPr>
+        </p:nvSpPr>
+        <p:spPr/>
+        <p:txBody>
+          <a:bodyPr/>
+          <a:lstStyle/>
+          <a:p>
+            <a:fld id="{D57F1E4F-1CFF-5643-939E-217C01CDF565}" type="slidenum">
+              <a:rPr lang="en-US" smtClean="0"/>
+              <a:pPr/>
+              <a:t>28</a:t>
+            </a:fld>
+            <a:endParaRPr lang="en-US" dirty="0"/>
+          </a:p>
+        </p:txBody>
+      </p:sp>
+      <p:pic>
+        <p:nvPicPr>
+          <p:cNvPr id="7" name="Picture 6"/>
+          <p:cNvPicPr>
+            <a:picLocks noChangeAspect="1"/>
+          </p:cNvPicPr>
+          <p:nvPr/>
+        </p:nvPicPr>
+        <p:blipFill>
+          <a:blip r:embed="rId3">
+            <a:extLst>
+              <a:ext uri="{28A0092B-C50C-407E-A947-70E740481C1C}">
+                <a14:useLocalDpi xmlns:a14="http://schemas.microsoft.com/office/drawing/2010/main" val="0"/>
+              </a:ext>
+            </a:extLst>
+          </a:blip>
+          <a:stretch>
+            <a:fillRect/>
+          </a:stretch>
+        </p:blipFill>
+        <p:spPr>
+          <a:xfrm>
+            <a:off x="677334" y="2706357"/>
+            <a:ext cx="4497490" cy="3104816"/>
+          </a:xfrm>
+          <a:prstGeom prst="rect">
+            <a:avLst/>
+          </a:prstGeom>
+        </p:spPr>
+      </p:pic>
+      <p:pic>
+        <p:nvPicPr>
+          <p:cNvPr id="8" name="Picture 7"/>
+          <p:cNvPicPr>
+            <a:picLocks noChangeAspect="1"/>
+          </p:cNvPicPr>
+          <p:nvPr/>
+        </p:nvPicPr>
+        <p:blipFill>
+          <a:blip r:embed="rId4"/>
+          <a:stretch>
+            <a:fillRect/>
+          </a:stretch>
+        </p:blipFill>
+        <p:spPr>
+          <a:xfrm>
+            <a:off x="5740227" y="3154032"/>
+            <a:ext cx="3962578" cy="2218531"/>
+          </a:xfrm>
+          <a:prstGeom prst="rect">
+            <a:avLst/>
+          </a:prstGeom>
+        </p:spPr>
+      </p:pic>
+    </p:spTree>
+    <p:extLst>
+      <p:ext uri="{BB962C8B-B14F-4D97-AF65-F5344CB8AC3E}">
+        <p14:creationId xmlns:p14="http://schemas.microsoft.com/office/powerpoint/2010/main" val="1605510102"/>
+      </p:ext>
+    </p:extLst>
+  </p:cSld>
+  <p:clrMapOvr>
+    <a:masterClrMapping/>
+  </p:clrMapOvr>
+  <p:timing>
+    <p:tnLst>
+      <p:par>
+        <p:cTn id="1" dur="indefinite" restart="never" nodeType="tmRoot"/>
+      </p:par>
+    </p:tnLst>
+  </p:timing>
+</p:sld>
+</file>
+
+<file path=ppt/slides/slide29.xml><?xml version="1.0" encoding="utf-8"?>
+<p:sld xmlns:a="http://schemas.openxmlformats.org/drawingml/2006/main" xmlns:r="http://schemas.openxmlformats.org/officeDocument/2006/relationships" xmlns:p="http://schemas.openxmlformats.org/presentationml/2006/main">
+  <p:cSld>
+    <p:spTree>
+      <p:nvGrpSpPr>
+        <p:cNvPr id="1" name=""/>
+        <p:cNvGrpSpPr/>
+        <p:nvPr/>
+      </p:nvGrpSpPr>
+      <p:grpSpPr>
+        <a:xfrm>
+          <a:off x="0" y="0"/>
+          <a:ext cx="0" cy="0"/>
+          <a:chOff x="0" y="0"/>
+          <a:chExt cx="0" cy="0"/>
+        </a:xfrm>
+      </p:grpSpPr>
+      <p:sp>
+        <p:nvSpPr>
+          <p:cNvPr id="2" name="Title 1"/>
+          <p:cNvSpPr>
+            <a:spLocks noGrp="1"/>
+          </p:cNvSpPr>
+          <p:nvPr>
+            <p:ph type="title"/>
+          </p:nvPr>
+        </p:nvSpPr>
+        <p:spPr/>
+        <p:txBody>
+          <a:bodyPr/>
+          <a:lstStyle/>
+          <a:p>
+            <a:r>
+              <a:rPr lang="fr-FR" dirty="0"/>
+              <a:t>Gestion des </a:t>
+            </a:r>
+            <a:r>
+              <a:rPr lang="fr-FR" dirty="0" err="1"/>
+              <a:t>VmAppliances</a:t>
+            </a:r>
+            <a:r>
+              <a:rPr lang="fr-FR" dirty="0"/>
+              <a:t> : Développement de </a:t>
+            </a:r>
+            <a:r>
+              <a:rPr lang="fr-FR" dirty="0" err="1"/>
+              <a:t>xo</a:t>
+            </a:r>
+            <a:r>
+              <a:rPr lang="fr-FR" dirty="0"/>
+              <a:t>-web</a:t>
+            </a:r>
+          </a:p>
+        </p:txBody>
+      </p:sp>
+      <p:sp>
+        <p:nvSpPr>
+          <p:cNvPr id="3" name="Content Placeholder 2"/>
+          <p:cNvSpPr>
+            <a:spLocks noGrp="1"/>
+          </p:cNvSpPr>
+          <p:nvPr>
+            <p:ph idx="1"/>
+          </p:nvPr>
+        </p:nvSpPr>
+        <p:spPr/>
+        <p:txBody>
+          <a:bodyPr/>
+          <a:lstStyle/>
+          <a:p>
+            <a:r>
+              <a:rPr lang="fr-FR" dirty="0" smtClean="0"/>
+              <a:t>Onglet Advanced</a:t>
+            </a:r>
+            <a:endParaRPr lang="fr-FR" dirty="0"/>
+          </a:p>
+        </p:txBody>
+      </p:sp>
+      <p:sp>
+        <p:nvSpPr>
+          <p:cNvPr id="4" name="Footer Placeholder 3"/>
+          <p:cNvSpPr>
+            <a:spLocks noGrp="1"/>
+          </p:cNvSpPr>
+          <p:nvPr>
+            <p:ph type="ftr" sz="quarter" idx="11"/>
+          </p:nvPr>
+        </p:nvSpPr>
+        <p:spPr/>
+        <p:txBody>
+          <a:bodyPr/>
+          <a:lstStyle/>
+          <a:p>
+            <a:r>
+              <a:rPr lang="en-US" smtClean="0"/>
+              <a:t>Bois Cédric - Master WIC</a:t>
+            </a:r>
+            <a:endParaRPr lang="en-US" dirty="0"/>
+          </a:p>
+        </p:txBody>
+      </p:sp>
+      <p:sp>
+        <p:nvSpPr>
+          <p:cNvPr id="5" name="Slide Number Placeholder 4"/>
+          <p:cNvSpPr>
+            <a:spLocks noGrp="1"/>
+          </p:cNvSpPr>
+          <p:nvPr>
+            <p:ph type="sldNum" sz="quarter" idx="12"/>
+          </p:nvPr>
+        </p:nvSpPr>
+        <p:spPr/>
+        <p:txBody>
+          <a:bodyPr/>
+          <a:lstStyle/>
+          <a:p>
+            <a:fld id="{D57F1E4F-1CFF-5643-939E-217C01CDF565}" type="slidenum">
+              <a:rPr lang="en-US" smtClean="0"/>
+              <a:pPr/>
+              <a:t>29</a:t>
             </a:fld>
             <a:endParaRPr lang="en-US" dirty="0"/>
           </a:p>
@@ -11452,148 +12932,6 @@
           </a:prstGeom>
         </p:spPr>
       </p:pic>
-    </p:spTree>
-    <p:extLst>
-      <p:ext uri="{BB962C8B-B14F-4D97-AF65-F5344CB8AC3E}">
-        <p14:creationId xmlns:p14="http://schemas.microsoft.com/office/powerpoint/2010/main" val="2964084701"/>
-      </p:ext>
-    </p:extLst>
-  </p:cSld>
-  <p:clrMapOvr>
-    <a:masterClrMapping/>
-  </p:clrMapOvr>
-</p:sld>
-</file>
-
-<file path=ppt/slides/slide28.xml><?xml version="1.0" encoding="utf-8"?>
-<p:sld xmlns:a="http://schemas.openxmlformats.org/drawingml/2006/main" xmlns:r="http://schemas.openxmlformats.org/officeDocument/2006/relationships" xmlns:p="http://schemas.openxmlformats.org/presentationml/2006/main">
-  <p:cSld>
-    <p:spTree>
-      <p:nvGrpSpPr>
-        <p:cNvPr id="1" name=""/>
-        <p:cNvGrpSpPr/>
-        <p:nvPr/>
-      </p:nvGrpSpPr>
-      <p:grpSpPr>
-        <a:xfrm>
-          <a:off x="0" y="0"/>
-          <a:ext cx="0" cy="0"/>
-          <a:chOff x="0" y="0"/>
-          <a:chExt cx="0" cy="0"/>
-        </a:xfrm>
-      </p:grpSpPr>
-      <p:sp>
-        <p:nvSpPr>
-          <p:cNvPr id="2" name="Title 1"/>
-          <p:cNvSpPr>
-            <a:spLocks noGrp="1"/>
-          </p:cNvSpPr>
-          <p:nvPr>
-            <p:ph type="title"/>
-          </p:nvPr>
-        </p:nvSpPr>
-        <p:spPr/>
-        <p:txBody>
-          <a:bodyPr/>
-          <a:lstStyle/>
-          <a:p>
-            <a:r>
-              <a:rPr lang="fr-FR" dirty="0"/>
-              <a:t>Gestion des </a:t>
-            </a:r>
-            <a:r>
-              <a:rPr lang="fr-FR" dirty="0" err="1"/>
-              <a:t>VmAppliances</a:t>
-            </a:r>
-            <a:r>
-              <a:rPr lang="fr-FR" dirty="0"/>
-              <a:t> : Développement de </a:t>
-            </a:r>
-            <a:r>
-              <a:rPr lang="fr-FR" dirty="0" err="1"/>
-              <a:t>xo</a:t>
-            </a:r>
-            <a:r>
-              <a:rPr lang="fr-FR" dirty="0"/>
-              <a:t>-web</a:t>
-            </a:r>
-          </a:p>
-        </p:txBody>
-      </p:sp>
-      <p:sp>
-        <p:nvSpPr>
-          <p:cNvPr id="3" name="Content Placeholder 2"/>
-          <p:cNvSpPr>
-            <a:spLocks noGrp="1"/>
-          </p:cNvSpPr>
-          <p:nvPr>
-            <p:ph idx="1"/>
-          </p:nvPr>
-        </p:nvSpPr>
-        <p:spPr/>
-        <p:txBody>
-          <a:bodyPr/>
-          <a:lstStyle/>
-          <a:p>
-            <a:r>
-              <a:rPr lang="fr-FR" dirty="0" smtClean="0"/>
-              <a:t>Création d’un </a:t>
-            </a:r>
-            <a:r>
-              <a:rPr lang="fr-FR" dirty="0" err="1" smtClean="0"/>
-              <a:t>VmGroup</a:t>
-            </a:r>
-            <a:endParaRPr lang="fr-FR" dirty="0"/>
-          </a:p>
-        </p:txBody>
-      </p:sp>
-      <p:sp>
-        <p:nvSpPr>
-          <p:cNvPr id="4" name="Footer Placeholder 3"/>
-          <p:cNvSpPr>
-            <a:spLocks noGrp="1"/>
-          </p:cNvSpPr>
-          <p:nvPr>
-            <p:ph type="ftr" sz="quarter" idx="11"/>
-          </p:nvPr>
-        </p:nvSpPr>
-        <p:spPr/>
-        <p:txBody>
-          <a:bodyPr/>
-          <a:lstStyle/>
-          <a:p>
-            <a:r>
-              <a:rPr lang="en-US" smtClean="0"/>
-              <a:t>Bois Cédric - Master WIC</a:t>
-            </a:r>
-            <a:endParaRPr lang="en-US" dirty="0"/>
-          </a:p>
-        </p:txBody>
-      </p:sp>
-      <p:sp>
-        <p:nvSpPr>
-          <p:cNvPr id="5" name="Slide Number Placeholder 4"/>
-          <p:cNvSpPr>
-            <a:spLocks noGrp="1"/>
-          </p:cNvSpPr>
-          <p:nvPr>
-            <p:ph type="sldNum" sz="quarter" idx="12"/>
-          </p:nvPr>
-        </p:nvSpPr>
-        <p:spPr/>
-        <p:txBody>
-          <a:bodyPr/>
-          <a:lstStyle/>
-          <a:p>
-            <a:fld id="{D57F1E4F-1CFF-5643-939E-217C01CDF565}" type="slidenum">
-              <a:rPr lang="en-US" smtClean="0"/>
-              <a:pPr/>
-              <a:t>28</a:t>
-            </a:fld>
-            <a:endParaRPr lang="en-US" dirty="0"/>
-          </a:p>
-        </p:txBody>
-      </p:sp>
       <p:pic>
         <p:nvPicPr>
           <p:cNvPr id="6" name="Picture 5"/>
@@ -11610,8 +12948,32 @@
         </p:blipFill>
         <p:spPr>
           <a:xfrm>
-            <a:off x="4241271" y="2153409"/>
-            <a:ext cx="5467350" cy="1947566"/>
+            <a:off x="756093" y="4118141"/>
+            <a:ext cx="4219575" cy="1257300"/>
+          </a:xfrm>
+          <a:prstGeom prst="rect">
+            <a:avLst/>
+          </a:prstGeom>
+        </p:spPr>
+      </p:pic>
+      <p:pic>
+        <p:nvPicPr>
+          <p:cNvPr id="8" name="Picture 7"/>
+          <p:cNvPicPr>
+            <a:picLocks noChangeAspect="1"/>
+          </p:cNvPicPr>
+          <p:nvPr/>
+        </p:nvPicPr>
+        <p:blipFill>
+          <a:blip r:embed="rId4"/>
+          <a:stretch>
+            <a:fillRect/>
+          </a:stretch>
+        </p:blipFill>
+        <p:spPr>
+          <a:xfrm>
+            <a:off x="5895975" y="3784766"/>
+            <a:ext cx="4229100" cy="1590675"/>
           </a:xfrm>
           <a:prstGeom prst="rect">
             <a:avLst/>
@@ -11621,132 +12983,20 @@
     </p:spTree>
     <p:extLst>
       <p:ext uri="{BB962C8B-B14F-4D97-AF65-F5344CB8AC3E}">
-        <p14:creationId xmlns:p14="http://schemas.microsoft.com/office/powerpoint/2010/main" val="2078447561"/>
+        <p14:creationId xmlns:p14="http://schemas.microsoft.com/office/powerpoint/2010/main" val="2964084701"/>
       </p:ext>
     </p:extLst>
   </p:cSld>
   <p:clrMapOvr>
     <a:masterClrMapping/>
   </p:clrMapOvr>
-</p:sld>
-</file>
-
-<file path=ppt/slides/slide29.xml><?xml version="1.0" encoding="utf-8"?>
-<p:sld xmlns:a="http://schemas.openxmlformats.org/drawingml/2006/main" xmlns:r="http://schemas.openxmlformats.org/officeDocument/2006/relationships" xmlns:p="http://schemas.openxmlformats.org/presentationml/2006/main">
-  <p:cSld>
-    <p:spTree>
-      <p:nvGrpSpPr>
-        <p:cNvPr id="1" name=""/>
-        <p:cNvGrpSpPr/>
-        <p:nvPr/>
-      </p:nvGrpSpPr>
-      <p:grpSpPr>
-        <a:xfrm>
-          <a:off x="0" y="0"/>
-          <a:ext cx="0" cy="0"/>
-          <a:chOff x="0" y="0"/>
-          <a:chExt cx="0" cy="0"/>
-        </a:xfrm>
-      </p:grpSpPr>
-      <p:sp>
-        <p:nvSpPr>
-          <p:cNvPr id="2" name="Title 1"/>
-          <p:cNvSpPr>
-            <a:spLocks noGrp="1"/>
-          </p:cNvSpPr>
-          <p:nvPr>
-            <p:ph type="title"/>
-          </p:nvPr>
-        </p:nvSpPr>
-        <p:spPr/>
-        <p:txBody>
-          <a:bodyPr/>
-          <a:lstStyle/>
-          <a:p>
-            <a:r>
-              <a:rPr lang="fr-FR" dirty="0" smtClean="0"/>
-              <a:t>Démo</a:t>
-            </a:r>
-            <a:endParaRPr lang="fr-FR" dirty="0"/>
-          </a:p>
-        </p:txBody>
-      </p:sp>
-      <p:sp>
-        <p:nvSpPr>
-          <p:cNvPr id="3" name="Content Placeholder 2"/>
-          <p:cNvSpPr>
-            <a:spLocks noGrp="1"/>
-          </p:cNvSpPr>
-          <p:nvPr>
-            <p:ph idx="1"/>
-          </p:nvPr>
-        </p:nvSpPr>
-        <p:spPr/>
-        <p:txBody>
-          <a:bodyPr/>
-          <a:lstStyle/>
-          <a:p>
-            <a:endParaRPr lang="fr-FR"/>
-          </a:p>
-        </p:txBody>
-      </p:sp>
-      <p:sp>
-        <p:nvSpPr>
-          <p:cNvPr id="4" name="Footer Placeholder 3"/>
-          <p:cNvSpPr>
-            <a:spLocks noGrp="1"/>
-          </p:cNvSpPr>
-          <p:nvPr>
-            <p:ph type="ftr" sz="quarter" idx="11"/>
-          </p:nvPr>
-        </p:nvSpPr>
-        <p:spPr/>
-        <p:txBody>
-          <a:bodyPr/>
-          <a:lstStyle/>
-          <a:p>
-            <a:r>
-              <a:rPr lang="en-US" smtClean="0"/>
-              <a:t>Bois Cédric - Master WIC</a:t>
-            </a:r>
-            <a:endParaRPr lang="en-US" dirty="0"/>
-          </a:p>
-        </p:txBody>
-      </p:sp>
-      <p:sp>
-        <p:nvSpPr>
-          <p:cNvPr id="5" name="Slide Number Placeholder 4"/>
-          <p:cNvSpPr>
-            <a:spLocks noGrp="1"/>
-          </p:cNvSpPr>
-          <p:nvPr>
-            <p:ph type="sldNum" sz="quarter" idx="12"/>
-          </p:nvPr>
-        </p:nvSpPr>
-        <p:spPr/>
-        <p:txBody>
-          <a:bodyPr/>
-          <a:lstStyle/>
-          <a:p>
-            <a:fld id="{D57F1E4F-1CFF-5643-939E-217C01CDF565}" type="slidenum">
-              <a:rPr lang="en-US" smtClean="0"/>
-              <a:pPr/>
-              <a:t>29</a:t>
-            </a:fld>
-            <a:endParaRPr lang="en-US" dirty="0"/>
-          </a:p>
-        </p:txBody>
-      </p:sp>
-    </p:spTree>
-    <p:extLst>
-      <p:ext uri="{BB962C8B-B14F-4D97-AF65-F5344CB8AC3E}">
-        <p14:creationId xmlns:p14="http://schemas.microsoft.com/office/powerpoint/2010/main" val="3700545067"/>
-      </p:ext>
-    </p:extLst>
-  </p:cSld>
-  <p:clrMapOvr>
-    <a:masterClrMapping/>
-  </p:clrMapOvr>
+  <p:timing>
+    <p:tnLst>
+      <p:par>
+        <p:cTn id="1" dur="indefinite" restart="never" nodeType="tmRoot"/>
+      </p:par>
+    </p:tnLst>
+  </p:timing>
 </p:sld>
 </file>
 
@@ -11939,28 +13189,51 @@
           <a:lstStyle/>
           <a:p>
             <a:r>
+              <a:rPr lang="fr-FR" dirty="0"/>
+              <a:t>Gestion des </a:t>
+            </a:r>
+            <a:r>
+              <a:rPr lang="fr-FR" dirty="0" err="1"/>
+              <a:t>VmAppliances</a:t>
+            </a:r>
+            <a:r>
+              <a:rPr lang="fr-FR" dirty="0"/>
+              <a:t> : Développement de </a:t>
+            </a:r>
+            <a:r>
+              <a:rPr lang="fr-FR" dirty="0" err="1"/>
+              <a:t>xo</a:t>
+            </a:r>
+            <a:r>
+              <a:rPr lang="fr-FR" dirty="0"/>
+              <a:t>-web</a:t>
+            </a:r>
+          </a:p>
+        </p:txBody>
+      </p:sp>
+      <p:sp>
+        <p:nvSpPr>
+          <p:cNvPr id="3" name="Content Placeholder 2"/>
+          <p:cNvSpPr>
+            <a:spLocks noGrp="1"/>
+          </p:cNvSpPr>
+          <p:nvPr>
+            <p:ph idx="1"/>
+          </p:nvPr>
+        </p:nvSpPr>
+        <p:spPr/>
+        <p:txBody>
+          <a:bodyPr/>
+          <a:lstStyle/>
+          <a:p>
+            <a:r>
               <a:rPr lang="fr-FR" dirty="0" smtClean="0"/>
-              <a:t>Difficultés rencontrées</a:t>
-            </a:r>
-            <a:endParaRPr lang="fr-FR" dirty="0"/>
-          </a:p>
-        </p:txBody>
-      </p:sp>
-      <p:sp>
-        <p:nvSpPr>
-          <p:cNvPr id="3" name="Content Placeholder 2"/>
-          <p:cNvSpPr>
-            <a:spLocks noGrp="1"/>
-          </p:cNvSpPr>
-          <p:nvPr>
-            <p:ph idx="1"/>
-          </p:nvPr>
-        </p:nvSpPr>
-        <p:spPr/>
-        <p:txBody>
-          <a:bodyPr/>
-          <a:lstStyle/>
-          <a:p>
+              <a:t>Création d’un </a:t>
+            </a:r>
+            <a:r>
+              <a:rPr lang="fr-FR" dirty="0" err="1" smtClean="0"/>
+              <a:t>VmGroup</a:t>
+            </a:r>
             <a:endParaRPr lang="fr-FR" dirty="0"/>
           </a:p>
         </p:txBody>
@@ -12012,16 +13285,76 @@
           </a:p>
         </p:txBody>
       </p:sp>
+      <p:pic>
+        <p:nvPicPr>
+          <p:cNvPr id="6" name="Picture 5"/>
+          <p:cNvPicPr>
+            <a:picLocks noChangeAspect="1"/>
+          </p:cNvPicPr>
+          <p:nvPr/>
+        </p:nvPicPr>
+        <p:blipFill>
+          <a:blip r:embed="rId3"/>
+          <a:stretch>
+            <a:fillRect/>
+          </a:stretch>
+        </p:blipFill>
+        <p:spPr>
+          <a:xfrm>
+            <a:off x="3123313" y="3127193"/>
+            <a:ext cx="5467350" cy="1947566"/>
+          </a:xfrm>
+          <a:prstGeom prst="rect">
+            <a:avLst/>
+          </a:prstGeom>
+        </p:spPr>
+      </p:pic>
+      <p:pic>
+        <p:nvPicPr>
+          <p:cNvPr id="7" name="Picture 6"/>
+          <p:cNvPicPr>
+            <a:picLocks noChangeAspect="1"/>
+          </p:cNvPicPr>
+          <p:nvPr/>
+        </p:nvPicPr>
+        <p:blipFill rotWithShape="1">
+          <a:blip r:embed="rId4">
+            <a:extLst>
+              <a:ext uri="{28A0092B-C50C-407E-A947-70E740481C1C}">
+                <a14:useLocalDpi xmlns:a14="http://schemas.microsoft.com/office/drawing/2010/main" val="0"/>
+              </a:ext>
+            </a:extLst>
+          </a:blip>
+          <a:srcRect t="388" r="83359" b="27500"/>
+          <a:stretch/>
+        </p:blipFill>
+        <p:spPr>
+          <a:xfrm>
+            <a:off x="783155" y="2462213"/>
+            <a:ext cx="1468310" cy="3579149"/>
+          </a:xfrm>
+          <a:prstGeom prst="rect">
+            <a:avLst/>
+          </a:prstGeom>
+        </p:spPr>
+      </p:pic>
     </p:spTree>
     <p:extLst>
       <p:ext uri="{BB962C8B-B14F-4D97-AF65-F5344CB8AC3E}">
-        <p14:creationId xmlns:p14="http://schemas.microsoft.com/office/powerpoint/2010/main" val="718310272"/>
+        <p14:creationId xmlns:p14="http://schemas.microsoft.com/office/powerpoint/2010/main" val="2078447561"/>
       </p:ext>
     </p:extLst>
   </p:cSld>
   <p:clrMapOvr>
     <a:masterClrMapping/>
   </p:clrMapOvr>
+  <p:timing>
+    <p:tnLst>
+      <p:par>
+        <p:cTn id="1" dur="indefinite" restart="never" nodeType="tmRoot"/>
+      </p:par>
+    </p:tnLst>
+  </p:timing>
 </p:sld>
 </file>
 
@@ -12049,7 +13382,7 @@
             <a:spLocks noGrp="1"/>
           </p:cNvSpPr>
           <p:nvPr>
-            <p:ph type="title"/>
+            <p:ph type="ctrTitle"/>
           </p:nvPr>
         </p:nvSpPr>
         <p:spPr/>
@@ -12059,7 +13392,7 @@
           <a:p>
             <a:r>
               <a:rPr lang="fr-FR" dirty="0" smtClean="0"/>
-              <a:t>Conclusion</a:t>
+              <a:t>Démonstration</a:t>
             </a:r>
             <a:endParaRPr lang="fr-FR" dirty="0"/>
           </a:p>
@@ -12067,12 +13400,12 @@
       </p:sp>
       <p:sp>
         <p:nvSpPr>
-          <p:cNvPr id="3" name="Content Placeholder 2"/>
-          <p:cNvSpPr>
-            <a:spLocks noGrp="1"/>
-          </p:cNvSpPr>
-          <p:nvPr>
-            <p:ph idx="1"/>
+          <p:cNvPr id="3" name="Subtitle 2"/>
+          <p:cNvSpPr>
+            <a:spLocks noGrp="1"/>
+          </p:cNvSpPr>
+          <p:nvPr>
+            <p:ph type="subTitle" idx="1"/>
           </p:nvPr>
         </p:nvSpPr>
         <p:spPr/>
@@ -12134,13 +13467,1128 @@
     </p:spTree>
     <p:extLst>
       <p:ext uri="{BB962C8B-B14F-4D97-AF65-F5344CB8AC3E}">
-        <p14:creationId xmlns:p14="http://schemas.microsoft.com/office/powerpoint/2010/main" val="120753999"/>
+        <p14:creationId xmlns:p14="http://schemas.microsoft.com/office/powerpoint/2010/main" val="259214242"/>
       </p:ext>
     </p:extLst>
   </p:cSld>
   <p:clrMapOvr>
     <a:masterClrMapping/>
   </p:clrMapOvr>
+  <p:timing>
+    <p:tnLst>
+      <p:par>
+        <p:cTn id="1" dur="indefinite" restart="never" nodeType="tmRoot"/>
+      </p:par>
+    </p:tnLst>
+  </p:timing>
+</p:sld>
+</file>
+
+<file path=ppt/slides/slide32.xml><?xml version="1.0" encoding="utf-8"?>
+<p:sld xmlns:a="http://schemas.openxmlformats.org/drawingml/2006/main" xmlns:r="http://schemas.openxmlformats.org/officeDocument/2006/relationships" xmlns:p="http://schemas.openxmlformats.org/presentationml/2006/main">
+  <p:cSld>
+    <p:spTree>
+      <p:nvGrpSpPr>
+        <p:cNvPr id="1" name=""/>
+        <p:cNvGrpSpPr/>
+        <p:nvPr/>
+      </p:nvGrpSpPr>
+      <p:grpSpPr>
+        <a:xfrm>
+          <a:off x="0" y="0"/>
+          <a:ext cx="0" cy="0"/>
+          <a:chOff x="0" y="0"/>
+          <a:chExt cx="0" cy="0"/>
+        </a:xfrm>
+      </p:grpSpPr>
+      <p:sp>
+        <p:nvSpPr>
+          <p:cNvPr id="2" name="Title 1"/>
+          <p:cNvSpPr>
+            <a:spLocks noGrp="1"/>
+          </p:cNvSpPr>
+          <p:nvPr>
+            <p:ph type="title"/>
+          </p:nvPr>
+        </p:nvSpPr>
+        <p:spPr/>
+        <p:txBody>
+          <a:bodyPr/>
+          <a:lstStyle/>
+          <a:p>
+            <a:r>
+              <a:rPr lang="fr-FR" dirty="0" smtClean="0"/>
+              <a:t>Démo</a:t>
+            </a:r>
+            <a:endParaRPr lang="fr-FR" dirty="0"/>
+          </a:p>
+        </p:txBody>
+      </p:sp>
+      <p:sp>
+        <p:nvSpPr>
+          <p:cNvPr id="4" name="Footer Placeholder 3"/>
+          <p:cNvSpPr>
+            <a:spLocks noGrp="1"/>
+          </p:cNvSpPr>
+          <p:nvPr>
+            <p:ph type="ftr" sz="quarter" idx="11"/>
+          </p:nvPr>
+        </p:nvSpPr>
+        <p:spPr/>
+        <p:txBody>
+          <a:bodyPr/>
+          <a:lstStyle/>
+          <a:p>
+            <a:r>
+              <a:rPr lang="en-US" smtClean="0"/>
+              <a:t>Bois Cédric - Master WIC</a:t>
+            </a:r>
+            <a:endParaRPr lang="en-US" dirty="0"/>
+          </a:p>
+        </p:txBody>
+      </p:sp>
+      <p:sp>
+        <p:nvSpPr>
+          <p:cNvPr id="5" name="Slide Number Placeholder 4"/>
+          <p:cNvSpPr>
+            <a:spLocks noGrp="1"/>
+          </p:cNvSpPr>
+          <p:nvPr>
+            <p:ph type="sldNum" sz="quarter" idx="12"/>
+          </p:nvPr>
+        </p:nvSpPr>
+        <p:spPr/>
+        <p:txBody>
+          <a:bodyPr/>
+          <a:lstStyle/>
+          <a:p>
+            <a:fld id="{D57F1E4F-1CFF-5643-939E-217C01CDF565}" type="slidenum">
+              <a:rPr lang="en-US" smtClean="0"/>
+              <a:pPr/>
+              <a:t>32</a:t>
+            </a:fld>
+            <a:endParaRPr lang="en-US" dirty="0"/>
+          </a:p>
+        </p:txBody>
+      </p:sp>
+      <p:pic>
+        <p:nvPicPr>
+          <p:cNvPr id="8" name="Content Placeholder 7"/>
+          <p:cNvPicPr>
+            <a:picLocks noGrp="1" noChangeAspect="1"/>
+          </p:cNvPicPr>
+          <p:nvPr>
+            <p:ph idx="1"/>
+          </p:nvPr>
+        </p:nvPicPr>
+        <p:blipFill>
+          <a:blip r:embed="rId2">
+            <a:extLst>
+              <a:ext uri="{28A0092B-C50C-407E-A947-70E740481C1C}">
+                <a14:useLocalDpi xmlns:a14="http://schemas.microsoft.com/office/drawing/2010/main" val="0"/>
+              </a:ext>
+            </a:extLst>
+          </a:blip>
+          <a:stretch>
+            <a:fillRect/>
+          </a:stretch>
+        </p:blipFill>
+        <p:spPr>
+          <a:xfrm>
+            <a:off x="808098" y="1270000"/>
+            <a:ext cx="8482421" cy="4771362"/>
+          </a:xfrm>
+        </p:spPr>
+      </p:pic>
+    </p:spTree>
+    <p:extLst>
+      <p:ext uri="{BB962C8B-B14F-4D97-AF65-F5344CB8AC3E}">
+        <p14:creationId xmlns:p14="http://schemas.microsoft.com/office/powerpoint/2010/main" val="3749688281"/>
+      </p:ext>
+    </p:extLst>
+  </p:cSld>
+  <p:clrMapOvr>
+    <a:masterClrMapping/>
+  </p:clrMapOvr>
+  <p:timing>
+    <p:tnLst>
+      <p:par>
+        <p:cTn id="1" dur="indefinite" restart="never" nodeType="tmRoot"/>
+      </p:par>
+    </p:tnLst>
+  </p:timing>
+</p:sld>
+</file>
+
+<file path=ppt/slides/slide33.xml><?xml version="1.0" encoding="utf-8"?>
+<p:sld xmlns:a="http://schemas.openxmlformats.org/drawingml/2006/main" xmlns:r="http://schemas.openxmlformats.org/officeDocument/2006/relationships" xmlns:p="http://schemas.openxmlformats.org/presentationml/2006/main">
+  <p:cSld>
+    <p:spTree>
+      <p:nvGrpSpPr>
+        <p:cNvPr id="1" name=""/>
+        <p:cNvGrpSpPr/>
+        <p:nvPr/>
+      </p:nvGrpSpPr>
+      <p:grpSpPr>
+        <a:xfrm>
+          <a:off x="0" y="0"/>
+          <a:ext cx="0" cy="0"/>
+          <a:chOff x="0" y="0"/>
+          <a:chExt cx="0" cy="0"/>
+        </a:xfrm>
+      </p:grpSpPr>
+      <p:sp>
+        <p:nvSpPr>
+          <p:cNvPr id="2" name="Title 1"/>
+          <p:cNvSpPr>
+            <a:spLocks noGrp="1"/>
+          </p:cNvSpPr>
+          <p:nvPr>
+            <p:ph type="title"/>
+          </p:nvPr>
+        </p:nvSpPr>
+        <p:spPr/>
+        <p:txBody>
+          <a:bodyPr/>
+          <a:lstStyle/>
+          <a:p>
+            <a:r>
+              <a:rPr lang="fr-FR" dirty="0" smtClean="0"/>
+              <a:t>Démo</a:t>
+            </a:r>
+            <a:endParaRPr lang="fr-FR" dirty="0"/>
+          </a:p>
+        </p:txBody>
+      </p:sp>
+      <p:sp>
+        <p:nvSpPr>
+          <p:cNvPr id="4" name="Footer Placeholder 3"/>
+          <p:cNvSpPr>
+            <a:spLocks noGrp="1"/>
+          </p:cNvSpPr>
+          <p:nvPr>
+            <p:ph type="ftr" sz="quarter" idx="11"/>
+          </p:nvPr>
+        </p:nvSpPr>
+        <p:spPr/>
+        <p:txBody>
+          <a:bodyPr/>
+          <a:lstStyle/>
+          <a:p>
+            <a:r>
+              <a:rPr lang="en-US" smtClean="0"/>
+              <a:t>Bois Cédric - Master WIC</a:t>
+            </a:r>
+            <a:endParaRPr lang="en-US" dirty="0"/>
+          </a:p>
+        </p:txBody>
+      </p:sp>
+      <p:sp>
+        <p:nvSpPr>
+          <p:cNvPr id="5" name="Slide Number Placeholder 4"/>
+          <p:cNvSpPr>
+            <a:spLocks noGrp="1"/>
+          </p:cNvSpPr>
+          <p:nvPr>
+            <p:ph type="sldNum" sz="quarter" idx="12"/>
+          </p:nvPr>
+        </p:nvSpPr>
+        <p:spPr/>
+        <p:txBody>
+          <a:bodyPr/>
+          <a:lstStyle/>
+          <a:p>
+            <a:fld id="{D57F1E4F-1CFF-5643-939E-217C01CDF565}" type="slidenum">
+              <a:rPr lang="en-US" smtClean="0"/>
+              <a:pPr/>
+              <a:t>33</a:t>
+            </a:fld>
+            <a:endParaRPr lang="en-US" dirty="0"/>
+          </a:p>
+        </p:txBody>
+      </p:sp>
+      <p:pic>
+        <p:nvPicPr>
+          <p:cNvPr id="6" name="Content Placeholder 5"/>
+          <p:cNvPicPr>
+            <a:picLocks noGrp="1" noChangeAspect="1"/>
+          </p:cNvPicPr>
+          <p:nvPr>
+            <p:ph idx="1"/>
+          </p:nvPr>
+        </p:nvPicPr>
+        <p:blipFill>
+          <a:blip r:embed="rId2">
+            <a:extLst>
+              <a:ext uri="{28A0092B-C50C-407E-A947-70E740481C1C}">
+                <a14:useLocalDpi xmlns:a14="http://schemas.microsoft.com/office/drawing/2010/main" val="0"/>
+              </a:ext>
+            </a:extLst>
+          </a:blip>
+          <a:stretch>
+            <a:fillRect/>
+          </a:stretch>
+        </p:blipFill>
+        <p:spPr>
+          <a:xfrm>
+            <a:off x="817930" y="1270000"/>
+            <a:ext cx="8482421" cy="4771362"/>
+          </a:xfrm>
+        </p:spPr>
+      </p:pic>
+    </p:spTree>
+    <p:extLst>
+      <p:ext uri="{BB962C8B-B14F-4D97-AF65-F5344CB8AC3E}">
+        <p14:creationId xmlns:p14="http://schemas.microsoft.com/office/powerpoint/2010/main" val="1521936278"/>
+      </p:ext>
+    </p:extLst>
+  </p:cSld>
+  <p:clrMapOvr>
+    <a:masterClrMapping/>
+  </p:clrMapOvr>
+  <p:timing>
+    <p:tnLst>
+      <p:par>
+        <p:cTn id="1" dur="indefinite" restart="never" nodeType="tmRoot"/>
+      </p:par>
+    </p:tnLst>
+  </p:timing>
+</p:sld>
+</file>
+
+<file path=ppt/slides/slide34.xml><?xml version="1.0" encoding="utf-8"?>
+<p:sld xmlns:a="http://schemas.openxmlformats.org/drawingml/2006/main" xmlns:r="http://schemas.openxmlformats.org/officeDocument/2006/relationships" xmlns:p="http://schemas.openxmlformats.org/presentationml/2006/main">
+  <p:cSld>
+    <p:spTree>
+      <p:nvGrpSpPr>
+        <p:cNvPr id="1" name=""/>
+        <p:cNvGrpSpPr/>
+        <p:nvPr/>
+      </p:nvGrpSpPr>
+      <p:grpSpPr>
+        <a:xfrm>
+          <a:off x="0" y="0"/>
+          <a:ext cx="0" cy="0"/>
+          <a:chOff x="0" y="0"/>
+          <a:chExt cx="0" cy="0"/>
+        </a:xfrm>
+      </p:grpSpPr>
+      <p:sp>
+        <p:nvSpPr>
+          <p:cNvPr id="2" name="Title 1"/>
+          <p:cNvSpPr>
+            <a:spLocks noGrp="1"/>
+          </p:cNvSpPr>
+          <p:nvPr>
+            <p:ph type="title"/>
+          </p:nvPr>
+        </p:nvSpPr>
+        <p:spPr/>
+        <p:txBody>
+          <a:bodyPr/>
+          <a:lstStyle/>
+          <a:p>
+            <a:r>
+              <a:rPr lang="fr-FR" dirty="0" smtClean="0"/>
+              <a:t>Démo</a:t>
+            </a:r>
+            <a:endParaRPr lang="fr-FR" dirty="0"/>
+          </a:p>
+        </p:txBody>
+      </p:sp>
+      <p:sp>
+        <p:nvSpPr>
+          <p:cNvPr id="4" name="Footer Placeholder 3"/>
+          <p:cNvSpPr>
+            <a:spLocks noGrp="1"/>
+          </p:cNvSpPr>
+          <p:nvPr>
+            <p:ph type="ftr" sz="quarter" idx="11"/>
+          </p:nvPr>
+        </p:nvSpPr>
+        <p:spPr/>
+        <p:txBody>
+          <a:bodyPr/>
+          <a:lstStyle/>
+          <a:p>
+            <a:r>
+              <a:rPr lang="en-US" smtClean="0"/>
+              <a:t>Bois Cédric - Master WIC</a:t>
+            </a:r>
+            <a:endParaRPr lang="en-US" dirty="0"/>
+          </a:p>
+        </p:txBody>
+      </p:sp>
+      <p:sp>
+        <p:nvSpPr>
+          <p:cNvPr id="5" name="Slide Number Placeholder 4"/>
+          <p:cNvSpPr>
+            <a:spLocks noGrp="1"/>
+          </p:cNvSpPr>
+          <p:nvPr>
+            <p:ph type="sldNum" sz="quarter" idx="12"/>
+          </p:nvPr>
+        </p:nvSpPr>
+        <p:spPr/>
+        <p:txBody>
+          <a:bodyPr/>
+          <a:lstStyle/>
+          <a:p>
+            <a:fld id="{D57F1E4F-1CFF-5643-939E-217C01CDF565}" type="slidenum">
+              <a:rPr lang="en-US" smtClean="0"/>
+              <a:pPr/>
+              <a:t>34</a:t>
+            </a:fld>
+            <a:endParaRPr lang="en-US" dirty="0"/>
+          </a:p>
+        </p:txBody>
+      </p:sp>
+      <p:pic>
+        <p:nvPicPr>
+          <p:cNvPr id="6" name="Content Placeholder 5"/>
+          <p:cNvPicPr>
+            <a:picLocks noGrp="1" noChangeAspect="1"/>
+          </p:cNvPicPr>
+          <p:nvPr>
+            <p:ph idx="1"/>
+          </p:nvPr>
+        </p:nvPicPr>
+        <p:blipFill>
+          <a:blip r:embed="rId2">
+            <a:extLst>
+              <a:ext uri="{28A0092B-C50C-407E-A947-70E740481C1C}">
+                <a14:useLocalDpi xmlns:a14="http://schemas.microsoft.com/office/drawing/2010/main" val="0"/>
+              </a:ext>
+            </a:extLst>
+          </a:blip>
+          <a:stretch>
+            <a:fillRect/>
+          </a:stretch>
+        </p:blipFill>
+        <p:spPr>
+          <a:xfrm>
+            <a:off x="808098" y="1270000"/>
+            <a:ext cx="8465904" cy="4762071"/>
+          </a:xfrm>
+        </p:spPr>
+      </p:pic>
+    </p:spTree>
+    <p:extLst>
+      <p:ext uri="{BB962C8B-B14F-4D97-AF65-F5344CB8AC3E}">
+        <p14:creationId xmlns:p14="http://schemas.microsoft.com/office/powerpoint/2010/main" val="1894964427"/>
+      </p:ext>
+    </p:extLst>
+  </p:cSld>
+  <p:clrMapOvr>
+    <a:masterClrMapping/>
+  </p:clrMapOvr>
+  <p:timing>
+    <p:tnLst>
+      <p:par>
+        <p:cTn id="1" dur="indefinite" restart="never" nodeType="tmRoot"/>
+      </p:par>
+    </p:tnLst>
+  </p:timing>
+</p:sld>
+</file>
+
+<file path=ppt/slides/slide35.xml><?xml version="1.0" encoding="utf-8"?>
+<p:sld xmlns:a="http://schemas.openxmlformats.org/drawingml/2006/main" xmlns:r="http://schemas.openxmlformats.org/officeDocument/2006/relationships" xmlns:p="http://schemas.openxmlformats.org/presentationml/2006/main">
+  <p:cSld>
+    <p:spTree>
+      <p:nvGrpSpPr>
+        <p:cNvPr id="1" name=""/>
+        <p:cNvGrpSpPr/>
+        <p:nvPr/>
+      </p:nvGrpSpPr>
+      <p:grpSpPr>
+        <a:xfrm>
+          <a:off x="0" y="0"/>
+          <a:ext cx="0" cy="0"/>
+          <a:chOff x="0" y="0"/>
+          <a:chExt cx="0" cy="0"/>
+        </a:xfrm>
+      </p:grpSpPr>
+      <p:sp>
+        <p:nvSpPr>
+          <p:cNvPr id="2" name="Title 1"/>
+          <p:cNvSpPr>
+            <a:spLocks noGrp="1"/>
+          </p:cNvSpPr>
+          <p:nvPr>
+            <p:ph type="title"/>
+          </p:nvPr>
+        </p:nvSpPr>
+        <p:spPr/>
+        <p:txBody>
+          <a:bodyPr/>
+          <a:lstStyle/>
+          <a:p>
+            <a:r>
+              <a:rPr lang="fr-FR" dirty="0" smtClean="0"/>
+              <a:t>Démo</a:t>
+            </a:r>
+            <a:endParaRPr lang="fr-FR" dirty="0"/>
+          </a:p>
+        </p:txBody>
+      </p:sp>
+      <p:sp>
+        <p:nvSpPr>
+          <p:cNvPr id="4" name="Footer Placeholder 3"/>
+          <p:cNvSpPr>
+            <a:spLocks noGrp="1"/>
+          </p:cNvSpPr>
+          <p:nvPr>
+            <p:ph type="ftr" sz="quarter" idx="11"/>
+          </p:nvPr>
+        </p:nvSpPr>
+        <p:spPr/>
+        <p:txBody>
+          <a:bodyPr/>
+          <a:lstStyle/>
+          <a:p>
+            <a:r>
+              <a:rPr lang="en-US" smtClean="0"/>
+              <a:t>Bois Cédric - Master WIC</a:t>
+            </a:r>
+            <a:endParaRPr lang="en-US" dirty="0"/>
+          </a:p>
+        </p:txBody>
+      </p:sp>
+      <p:sp>
+        <p:nvSpPr>
+          <p:cNvPr id="5" name="Slide Number Placeholder 4"/>
+          <p:cNvSpPr>
+            <a:spLocks noGrp="1"/>
+          </p:cNvSpPr>
+          <p:nvPr>
+            <p:ph type="sldNum" sz="quarter" idx="12"/>
+          </p:nvPr>
+        </p:nvSpPr>
+        <p:spPr/>
+        <p:txBody>
+          <a:bodyPr/>
+          <a:lstStyle/>
+          <a:p>
+            <a:fld id="{D57F1E4F-1CFF-5643-939E-217C01CDF565}" type="slidenum">
+              <a:rPr lang="en-US" smtClean="0"/>
+              <a:pPr/>
+              <a:t>35</a:t>
+            </a:fld>
+            <a:endParaRPr lang="en-US" dirty="0"/>
+          </a:p>
+        </p:txBody>
+      </p:sp>
+      <p:pic>
+        <p:nvPicPr>
+          <p:cNvPr id="6" name="Content Placeholder 5"/>
+          <p:cNvPicPr>
+            <a:picLocks noGrp="1" noChangeAspect="1"/>
+          </p:cNvPicPr>
+          <p:nvPr>
+            <p:ph idx="1"/>
+          </p:nvPr>
+        </p:nvPicPr>
+        <p:blipFill>
+          <a:blip r:embed="rId2">
+            <a:extLst>
+              <a:ext uri="{28A0092B-C50C-407E-A947-70E740481C1C}">
+                <a14:useLocalDpi xmlns:a14="http://schemas.microsoft.com/office/drawing/2010/main" val="0"/>
+              </a:ext>
+            </a:extLst>
+          </a:blip>
+          <a:stretch>
+            <a:fillRect/>
+          </a:stretch>
+        </p:blipFill>
+        <p:spPr>
+          <a:xfrm>
+            <a:off x="788434" y="1270000"/>
+            <a:ext cx="8485568" cy="4773132"/>
+          </a:xfrm>
+        </p:spPr>
+      </p:pic>
+    </p:spTree>
+    <p:extLst>
+      <p:ext uri="{BB962C8B-B14F-4D97-AF65-F5344CB8AC3E}">
+        <p14:creationId xmlns:p14="http://schemas.microsoft.com/office/powerpoint/2010/main" val="2814516668"/>
+      </p:ext>
+    </p:extLst>
+  </p:cSld>
+  <p:clrMapOvr>
+    <a:masterClrMapping/>
+  </p:clrMapOvr>
+  <p:timing>
+    <p:tnLst>
+      <p:par>
+        <p:cTn id="1" dur="indefinite" restart="never" nodeType="tmRoot"/>
+      </p:par>
+    </p:tnLst>
+  </p:timing>
+</p:sld>
+</file>
+
+<file path=ppt/slides/slide36.xml><?xml version="1.0" encoding="utf-8"?>
+<p:sld xmlns:a="http://schemas.openxmlformats.org/drawingml/2006/main" xmlns:r="http://schemas.openxmlformats.org/officeDocument/2006/relationships" xmlns:p="http://schemas.openxmlformats.org/presentationml/2006/main">
+  <p:cSld>
+    <p:spTree>
+      <p:nvGrpSpPr>
+        <p:cNvPr id="1" name=""/>
+        <p:cNvGrpSpPr/>
+        <p:nvPr/>
+      </p:nvGrpSpPr>
+      <p:grpSpPr>
+        <a:xfrm>
+          <a:off x="0" y="0"/>
+          <a:ext cx="0" cy="0"/>
+          <a:chOff x="0" y="0"/>
+          <a:chExt cx="0" cy="0"/>
+        </a:xfrm>
+      </p:grpSpPr>
+      <p:sp>
+        <p:nvSpPr>
+          <p:cNvPr id="2" name="Title 1"/>
+          <p:cNvSpPr>
+            <a:spLocks noGrp="1"/>
+          </p:cNvSpPr>
+          <p:nvPr>
+            <p:ph type="title"/>
+          </p:nvPr>
+        </p:nvSpPr>
+        <p:spPr/>
+        <p:txBody>
+          <a:bodyPr/>
+          <a:lstStyle/>
+          <a:p>
+            <a:r>
+              <a:rPr lang="fr-FR" dirty="0" smtClean="0"/>
+              <a:t>Démo</a:t>
+            </a:r>
+            <a:endParaRPr lang="fr-FR" dirty="0"/>
+          </a:p>
+        </p:txBody>
+      </p:sp>
+      <p:sp>
+        <p:nvSpPr>
+          <p:cNvPr id="4" name="Footer Placeholder 3"/>
+          <p:cNvSpPr>
+            <a:spLocks noGrp="1"/>
+          </p:cNvSpPr>
+          <p:nvPr>
+            <p:ph type="ftr" sz="quarter" idx="11"/>
+          </p:nvPr>
+        </p:nvSpPr>
+        <p:spPr/>
+        <p:txBody>
+          <a:bodyPr/>
+          <a:lstStyle/>
+          <a:p>
+            <a:r>
+              <a:rPr lang="en-US" smtClean="0"/>
+              <a:t>Bois Cédric - Master WIC</a:t>
+            </a:r>
+            <a:endParaRPr lang="en-US" dirty="0"/>
+          </a:p>
+        </p:txBody>
+      </p:sp>
+      <p:sp>
+        <p:nvSpPr>
+          <p:cNvPr id="5" name="Slide Number Placeholder 4"/>
+          <p:cNvSpPr>
+            <a:spLocks noGrp="1"/>
+          </p:cNvSpPr>
+          <p:nvPr>
+            <p:ph type="sldNum" sz="quarter" idx="12"/>
+          </p:nvPr>
+        </p:nvSpPr>
+        <p:spPr/>
+        <p:txBody>
+          <a:bodyPr/>
+          <a:lstStyle/>
+          <a:p>
+            <a:fld id="{D57F1E4F-1CFF-5643-939E-217C01CDF565}" type="slidenum">
+              <a:rPr lang="en-US" smtClean="0"/>
+              <a:pPr/>
+              <a:t>36</a:t>
+            </a:fld>
+            <a:endParaRPr lang="en-US" dirty="0"/>
+          </a:p>
+        </p:txBody>
+      </p:sp>
+      <p:pic>
+        <p:nvPicPr>
+          <p:cNvPr id="6" name="Content Placeholder 5"/>
+          <p:cNvPicPr>
+            <a:picLocks noGrp="1" noChangeAspect="1"/>
+          </p:cNvPicPr>
+          <p:nvPr>
+            <p:ph idx="1"/>
+          </p:nvPr>
+        </p:nvPicPr>
+        <p:blipFill>
+          <a:blip r:embed="rId2">
+            <a:extLst>
+              <a:ext uri="{28A0092B-C50C-407E-A947-70E740481C1C}">
+                <a14:useLocalDpi xmlns:a14="http://schemas.microsoft.com/office/drawing/2010/main" val="0"/>
+              </a:ext>
+            </a:extLst>
+          </a:blip>
+          <a:stretch>
+            <a:fillRect/>
+          </a:stretch>
+        </p:blipFill>
+        <p:spPr>
+          <a:xfrm>
+            <a:off x="808097" y="1270000"/>
+            <a:ext cx="8482421" cy="4771362"/>
+          </a:xfrm>
+        </p:spPr>
+      </p:pic>
+    </p:spTree>
+    <p:extLst>
+      <p:ext uri="{BB962C8B-B14F-4D97-AF65-F5344CB8AC3E}">
+        <p14:creationId xmlns:p14="http://schemas.microsoft.com/office/powerpoint/2010/main" val="637167429"/>
+      </p:ext>
+    </p:extLst>
+  </p:cSld>
+  <p:clrMapOvr>
+    <a:masterClrMapping/>
+  </p:clrMapOvr>
+  <p:timing>
+    <p:tnLst>
+      <p:par>
+        <p:cTn id="1" dur="indefinite" restart="never" nodeType="tmRoot"/>
+      </p:par>
+    </p:tnLst>
+  </p:timing>
+</p:sld>
+</file>
+
+<file path=ppt/slides/slide37.xml><?xml version="1.0" encoding="utf-8"?>
+<p:sld xmlns:a="http://schemas.openxmlformats.org/drawingml/2006/main" xmlns:r="http://schemas.openxmlformats.org/officeDocument/2006/relationships" xmlns:p="http://schemas.openxmlformats.org/presentationml/2006/main">
+  <p:cSld>
+    <p:spTree>
+      <p:nvGrpSpPr>
+        <p:cNvPr id="1" name=""/>
+        <p:cNvGrpSpPr/>
+        <p:nvPr/>
+      </p:nvGrpSpPr>
+      <p:grpSpPr>
+        <a:xfrm>
+          <a:off x="0" y="0"/>
+          <a:ext cx="0" cy="0"/>
+          <a:chOff x="0" y="0"/>
+          <a:chExt cx="0" cy="0"/>
+        </a:xfrm>
+      </p:grpSpPr>
+      <p:sp>
+        <p:nvSpPr>
+          <p:cNvPr id="2" name="Title 1"/>
+          <p:cNvSpPr>
+            <a:spLocks noGrp="1"/>
+          </p:cNvSpPr>
+          <p:nvPr>
+            <p:ph type="title"/>
+          </p:nvPr>
+        </p:nvSpPr>
+        <p:spPr/>
+        <p:txBody>
+          <a:bodyPr/>
+          <a:lstStyle/>
+          <a:p>
+            <a:r>
+              <a:rPr lang="fr-FR" dirty="0" smtClean="0"/>
+              <a:t>Démo</a:t>
+            </a:r>
+            <a:endParaRPr lang="fr-FR" dirty="0"/>
+          </a:p>
+        </p:txBody>
+      </p:sp>
+      <p:sp>
+        <p:nvSpPr>
+          <p:cNvPr id="4" name="Footer Placeholder 3"/>
+          <p:cNvSpPr>
+            <a:spLocks noGrp="1"/>
+          </p:cNvSpPr>
+          <p:nvPr>
+            <p:ph type="ftr" sz="quarter" idx="11"/>
+          </p:nvPr>
+        </p:nvSpPr>
+        <p:spPr/>
+        <p:txBody>
+          <a:bodyPr/>
+          <a:lstStyle/>
+          <a:p>
+            <a:r>
+              <a:rPr lang="en-US" smtClean="0"/>
+              <a:t>Bois Cédric - Master WIC</a:t>
+            </a:r>
+            <a:endParaRPr lang="en-US" dirty="0"/>
+          </a:p>
+        </p:txBody>
+      </p:sp>
+      <p:sp>
+        <p:nvSpPr>
+          <p:cNvPr id="5" name="Slide Number Placeholder 4"/>
+          <p:cNvSpPr>
+            <a:spLocks noGrp="1"/>
+          </p:cNvSpPr>
+          <p:nvPr>
+            <p:ph type="sldNum" sz="quarter" idx="12"/>
+          </p:nvPr>
+        </p:nvSpPr>
+        <p:spPr/>
+        <p:txBody>
+          <a:bodyPr/>
+          <a:lstStyle/>
+          <a:p>
+            <a:fld id="{D57F1E4F-1CFF-5643-939E-217C01CDF565}" type="slidenum">
+              <a:rPr lang="en-US" smtClean="0"/>
+              <a:pPr/>
+              <a:t>37</a:t>
+            </a:fld>
+            <a:endParaRPr lang="en-US" dirty="0"/>
+          </a:p>
+        </p:txBody>
+      </p:sp>
+      <p:pic>
+        <p:nvPicPr>
+          <p:cNvPr id="6" name="Content Placeholder 5"/>
+          <p:cNvPicPr>
+            <a:picLocks noGrp="1" noChangeAspect="1"/>
+          </p:cNvPicPr>
+          <p:nvPr>
+            <p:ph idx="1"/>
+          </p:nvPr>
+        </p:nvPicPr>
+        <p:blipFill>
+          <a:blip r:embed="rId2">
+            <a:extLst>
+              <a:ext uri="{28A0092B-C50C-407E-A947-70E740481C1C}">
+                <a14:useLocalDpi xmlns:a14="http://schemas.microsoft.com/office/drawing/2010/main" val="0"/>
+              </a:ext>
+            </a:extLst>
+          </a:blip>
+          <a:stretch>
+            <a:fillRect/>
+          </a:stretch>
+        </p:blipFill>
+        <p:spPr>
+          <a:xfrm>
+            <a:off x="817930" y="1270000"/>
+            <a:ext cx="8456072" cy="4756541"/>
+          </a:xfrm>
+        </p:spPr>
+      </p:pic>
+    </p:spTree>
+    <p:extLst>
+      <p:ext uri="{BB962C8B-B14F-4D97-AF65-F5344CB8AC3E}">
+        <p14:creationId xmlns:p14="http://schemas.microsoft.com/office/powerpoint/2010/main" val="1239114483"/>
+      </p:ext>
+    </p:extLst>
+  </p:cSld>
+  <p:clrMapOvr>
+    <a:masterClrMapping/>
+  </p:clrMapOvr>
+  <p:timing>
+    <p:tnLst>
+      <p:par>
+        <p:cTn id="1" dur="indefinite" restart="never" nodeType="tmRoot"/>
+      </p:par>
+    </p:tnLst>
+  </p:timing>
+</p:sld>
+</file>
+
+<file path=ppt/slides/slide38.xml><?xml version="1.0" encoding="utf-8"?>
+<p:sld xmlns:a="http://schemas.openxmlformats.org/drawingml/2006/main" xmlns:r="http://schemas.openxmlformats.org/officeDocument/2006/relationships" xmlns:p="http://schemas.openxmlformats.org/presentationml/2006/main">
+  <p:cSld>
+    <p:spTree>
+      <p:nvGrpSpPr>
+        <p:cNvPr id="1" name=""/>
+        <p:cNvGrpSpPr/>
+        <p:nvPr/>
+      </p:nvGrpSpPr>
+      <p:grpSpPr>
+        <a:xfrm>
+          <a:off x="0" y="0"/>
+          <a:ext cx="0" cy="0"/>
+          <a:chOff x="0" y="0"/>
+          <a:chExt cx="0" cy="0"/>
+        </a:xfrm>
+      </p:grpSpPr>
+      <p:sp>
+        <p:nvSpPr>
+          <p:cNvPr id="2" name="Title 1"/>
+          <p:cNvSpPr>
+            <a:spLocks noGrp="1"/>
+          </p:cNvSpPr>
+          <p:nvPr>
+            <p:ph type="title"/>
+          </p:nvPr>
+        </p:nvSpPr>
+        <p:spPr/>
+        <p:txBody>
+          <a:bodyPr/>
+          <a:lstStyle/>
+          <a:p>
+            <a:r>
+              <a:rPr lang="fr-FR" dirty="0" smtClean="0"/>
+              <a:t>Démo</a:t>
+            </a:r>
+            <a:endParaRPr lang="fr-FR" dirty="0"/>
+          </a:p>
+        </p:txBody>
+      </p:sp>
+      <p:sp>
+        <p:nvSpPr>
+          <p:cNvPr id="4" name="Footer Placeholder 3"/>
+          <p:cNvSpPr>
+            <a:spLocks noGrp="1"/>
+          </p:cNvSpPr>
+          <p:nvPr>
+            <p:ph type="ftr" sz="quarter" idx="11"/>
+          </p:nvPr>
+        </p:nvSpPr>
+        <p:spPr/>
+        <p:txBody>
+          <a:bodyPr/>
+          <a:lstStyle/>
+          <a:p>
+            <a:r>
+              <a:rPr lang="en-US" smtClean="0"/>
+              <a:t>Bois Cédric - Master WIC</a:t>
+            </a:r>
+            <a:endParaRPr lang="en-US" dirty="0"/>
+          </a:p>
+        </p:txBody>
+      </p:sp>
+      <p:sp>
+        <p:nvSpPr>
+          <p:cNvPr id="5" name="Slide Number Placeholder 4"/>
+          <p:cNvSpPr>
+            <a:spLocks noGrp="1"/>
+          </p:cNvSpPr>
+          <p:nvPr>
+            <p:ph type="sldNum" sz="quarter" idx="12"/>
+          </p:nvPr>
+        </p:nvSpPr>
+        <p:spPr/>
+        <p:txBody>
+          <a:bodyPr/>
+          <a:lstStyle/>
+          <a:p>
+            <a:fld id="{D57F1E4F-1CFF-5643-939E-217C01CDF565}" type="slidenum">
+              <a:rPr lang="en-US" smtClean="0"/>
+              <a:pPr/>
+              <a:t>38</a:t>
+            </a:fld>
+            <a:endParaRPr lang="en-US" dirty="0"/>
+          </a:p>
+        </p:txBody>
+      </p:sp>
+      <p:sp>
+        <p:nvSpPr>
+          <p:cNvPr id="3" name="Content Placeholder 2"/>
+          <p:cNvSpPr>
+            <a:spLocks noGrp="1"/>
+          </p:cNvSpPr>
+          <p:nvPr>
+            <p:ph idx="1"/>
+          </p:nvPr>
+        </p:nvSpPr>
+        <p:spPr/>
+        <p:txBody>
+          <a:bodyPr/>
+          <a:lstStyle/>
+          <a:p>
+            <a:endParaRPr lang="fr-FR" dirty="0"/>
+          </a:p>
+        </p:txBody>
+      </p:sp>
+      <p:pic>
+        <p:nvPicPr>
+          <p:cNvPr id="6" name="Content Placeholder 5"/>
+          <p:cNvPicPr>
+            <a:picLocks noChangeAspect="1"/>
+          </p:cNvPicPr>
+          <p:nvPr/>
+        </p:nvPicPr>
+        <p:blipFill>
+          <a:blip r:embed="rId2">
+            <a:extLst>
+              <a:ext uri="{28A0092B-C50C-407E-A947-70E740481C1C}">
+                <a14:useLocalDpi xmlns:a14="http://schemas.microsoft.com/office/drawing/2010/main" val="0"/>
+              </a:ext>
+            </a:extLst>
+          </a:blip>
+          <a:stretch>
+            <a:fillRect/>
+          </a:stretch>
+        </p:blipFill>
+        <p:spPr>
+          <a:xfrm>
+            <a:off x="808098" y="1270000"/>
+            <a:ext cx="8465903" cy="4762071"/>
+          </a:xfrm>
+          <a:prstGeom prst="rect">
+            <a:avLst/>
+          </a:prstGeom>
+        </p:spPr>
+      </p:pic>
+    </p:spTree>
+    <p:extLst>
+      <p:ext uri="{BB962C8B-B14F-4D97-AF65-F5344CB8AC3E}">
+        <p14:creationId xmlns:p14="http://schemas.microsoft.com/office/powerpoint/2010/main" val="1767175619"/>
+      </p:ext>
+    </p:extLst>
+  </p:cSld>
+  <p:clrMapOvr>
+    <a:masterClrMapping/>
+  </p:clrMapOvr>
+  <p:timing>
+    <p:tnLst>
+      <p:par>
+        <p:cTn id="1" dur="indefinite" restart="never" nodeType="tmRoot"/>
+      </p:par>
+    </p:tnLst>
+  </p:timing>
+</p:sld>
+</file>
+
+<file path=ppt/slides/slide39.xml><?xml version="1.0" encoding="utf-8"?>
+<p:sld xmlns:a="http://schemas.openxmlformats.org/drawingml/2006/main" xmlns:r="http://schemas.openxmlformats.org/officeDocument/2006/relationships" xmlns:p="http://schemas.openxmlformats.org/presentationml/2006/main">
+  <p:cSld>
+    <p:spTree>
+      <p:nvGrpSpPr>
+        <p:cNvPr id="1" name=""/>
+        <p:cNvGrpSpPr/>
+        <p:nvPr/>
+      </p:nvGrpSpPr>
+      <p:grpSpPr>
+        <a:xfrm>
+          <a:off x="0" y="0"/>
+          <a:ext cx="0" cy="0"/>
+          <a:chOff x="0" y="0"/>
+          <a:chExt cx="0" cy="0"/>
+        </a:xfrm>
+      </p:grpSpPr>
+      <p:sp>
+        <p:nvSpPr>
+          <p:cNvPr id="2" name="Title 1"/>
+          <p:cNvSpPr>
+            <a:spLocks noGrp="1"/>
+          </p:cNvSpPr>
+          <p:nvPr>
+            <p:ph type="title"/>
+          </p:nvPr>
+        </p:nvSpPr>
+        <p:spPr/>
+        <p:txBody>
+          <a:bodyPr/>
+          <a:lstStyle/>
+          <a:p>
+            <a:r>
+              <a:rPr lang="fr-FR" dirty="0" smtClean="0"/>
+              <a:t>Démo</a:t>
+            </a:r>
+            <a:endParaRPr lang="fr-FR" dirty="0"/>
+          </a:p>
+        </p:txBody>
+      </p:sp>
+      <p:pic>
+        <p:nvPicPr>
+          <p:cNvPr id="6" name="Content Placeholder 5"/>
+          <p:cNvPicPr>
+            <a:picLocks noGrp="1" noChangeAspect="1"/>
+          </p:cNvPicPr>
+          <p:nvPr>
+            <p:ph idx="1"/>
+          </p:nvPr>
+        </p:nvPicPr>
+        <p:blipFill>
+          <a:blip r:embed="rId2">
+            <a:extLst>
+              <a:ext uri="{28A0092B-C50C-407E-A947-70E740481C1C}">
+                <a14:useLocalDpi xmlns:a14="http://schemas.microsoft.com/office/drawing/2010/main" val="0"/>
+              </a:ext>
+            </a:extLst>
+          </a:blip>
+          <a:stretch>
+            <a:fillRect/>
+          </a:stretch>
+        </p:blipFill>
+        <p:spPr>
+          <a:xfrm>
+            <a:off x="791581" y="1270000"/>
+            <a:ext cx="8482421" cy="4771362"/>
+          </a:xfrm>
+        </p:spPr>
+      </p:pic>
+      <p:sp>
+        <p:nvSpPr>
+          <p:cNvPr id="4" name="Footer Placeholder 3"/>
+          <p:cNvSpPr>
+            <a:spLocks noGrp="1"/>
+          </p:cNvSpPr>
+          <p:nvPr>
+            <p:ph type="ftr" sz="quarter" idx="11"/>
+          </p:nvPr>
+        </p:nvSpPr>
+        <p:spPr/>
+        <p:txBody>
+          <a:bodyPr/>
+          <a:lstStyle/>
+          <a:p>
+            <a:r>
+              <a:rPr lang="en-US" smtClean="0"/>
+              <a:t>Bois Cédric - Master WIC</a:t>
+            </a:r>
+            <a:endParaRPr lang="en-US" dirty="0"/>
+          </a:p>
+        </p:txBody>
+      </p:sp>
+      <p:sp>
+        <p:nvSpPr>
+          <p:cNvPr id="5" name="Slide Number Placeholder 4"/>
+          <p:cNvSpPr>
+            <a:spLocks noGrp="1"/>
+          </p:cNvSpPr>
+          <p:nvPr>
+            <p:ph type="sldNum" sz="quarter" idx="12"/>
+          </p:nvPr>
+        </p:nvSpPr>
+        <p:spPr/>
+        <p:txBody>
+          <a:bodyPr/>
+          <a:lstStyle/>
+          <a:p>
+            <a:fld id="{D57F1E4F-1CFF-5643-939E-217C01CDF565}" type="slidenum">
+              <a:rPr lang="en-US" smtClean="0"/>
+              <a:pPr/>
+              <a:t>39</a:t>
+            </a:fld>
+            <a:endParaRPr lang="en-US" dirty="0"/>
+          </a:p>
+        </p:txBody>
+      </p:sp>
+    </p:spTree>
+    <p:extLst>
+      <p:ext uri="{BB962C8B-B14F-4D97-AF65-F5344CB8AC3E}">
+        <p14:creationId xmlns:p14="http://schemas.microsoft.com/office/powerpoint/2010/main" val="3700545067"/>
+      </p:ext>
+    </p:extLst>
+  </p:cSld>
+  <p:clrMapOvr>
+    <a:masterClrMapping/>
+  </p:clrMapOvr>
+  <p:timing>
+    <p:tnLst>
+      <p:par>
+        <p:cTn id="1" dur="indefinite" restart="never" nodeType="tmRoot"/>
+      </p:par>
+    </p:tnLst>
+  </p:timing>
 </p:sld>
 </file>
 
@@ -12260,6 +14708,1217 @@
   <p:clrMapOvr>
     <a:masterClrMapping/>
   </p:clrMapOvr>
+  <p:timing>
+    <p:tnLst>
+      <p:par>
+        <p:cTn id="1" dur="indefinite" restart="never" nodeType="tmRoot"/>
+      </p:par>
+    </p:tnLst>
+  </p:timing>
+</p:sld>
+</file>
+
+<file path=ppt/slides/slide40.xml><?xml version="1.0" encoding="utf-8"?>
+<p:sld xmlns:a="http://schemas.openxmlformats.org/drawingml/2006/main" xmlns:r="http://schemas.openxmlformats.org/officeDocument/2006/relationships" xmlns:p="http://schemas.openxmlformats.org/presentationml/2006/main">
+  <p:cSld>
+    <p:spTree>
+      <p:nvGrpSpPr>
+        <p:cNvPr id="1" name=""/>
+        <p:cNvGrpSpPr/>
+        <p:nvPr/>
+      </p:nvGrpSpPr>
+      <p:grpSpPr>
+        <a:xfrm>
+          <a:off x="0" y="0"/>
+          <a:ext cx="0" cy="0"/>
+          <a:chOff x="0" y="0"/>
+          <a:chExt cx="0" cy="0"/>
+        </a:xfrm>
+      </p:grpSpPr>
+      <p:sp>
+        <p:nvSpPr>
+          <p:cNvPr id="2" name="Title 1"/>
+          <p:cNvSpPr>
+            <a:spLocks noGrp="1"/>
+          </p:cNvSpPr>
+          <p:nvPr>
+            <p:ph type="title"/>
+          </p:nvPr>
+        </p:nvSpPr>
+        <p:spPr/>
+        <p:txBody>
+          <a:bodyPr/>
+          <a:lstStyle/>
+          <a:p>
+            <a:r>
+              <a:rPr lang="fr-FR" dirty="0" smtClean="0"/>
+              <a:t>Démo</a:t>
+            </a:r>
+            <a:endParaRPr lang="fr-FR" dirty="0"/>
+          </a:p>
+        </p:txBody>
+      </p:sp>
+      <p:sp>
+        <p:nvSpPr>
+          <p:cNvPr id="4" name="Footer Placeholder 3"/>
+          <p:cNvSpPr>
+            <a:spLocks noGrp="1"/>
+          </p:cNvSpPr>
+          <p:nvPr>
+            <p:ph type="ftr" sz="quarter" idx="11"/>
+          </p:nvPr>
+        </p:nvSpPr>
+        <p:spPr/>
+        <p:txBody>
+          <a:bodyPr/>
+          <a:lstStyle/>
+          <a:p>
+            <a:r>
+              <a:rPr lang="en-US" smtClean="0"/>
+              <a:t>Bois Cédric - Master WIC</a:t>
+            </a:r>
+            <a:endParaRPr lang="en-US" dirty="0"/>
+          </a:p>
+        </p:txBody>
+      </p:sp>
+      <p:sp>
+        <p:nvSpPr>
+          <p:cNvPr id="5" name="Slide Number Placeholder 4"/>
+          <p:cNvSpPr>
+            <a:spLocks noGrp="1"/>
+          </p:cNvSpPr>
+          <p:nvPr>
+            <p:ph type="sldNum" sz="quarter" idx="12"/>
+          </p:nvPr>
+        </p:nvSpPr>
+        <p:spPr/>
+        <p:txBody>
+          <a:bodyPr/>
+          <a:lstStyle/>
+          <a:p>
+            <a:fld id="{D57F1E4F-1CFF-5643-939E-217C01CDF565}" type="slidenum">
+              <a:rPr lang="en-US" smtClean="0"/>
+              <a:pPr/>
+              <a:t>40</a:t>
+            </a:fld>
+            <a:endParaRPr lang="en-US" dirty="0"/>
+          </a:p>
+        </p:txBody>
+      </p:sp>
+      <p:pic>
+        <p:nvPicPr>
+          <p:cNvPr id="7" name="Content Placeholder 6"/>
+          <p:cNvPicPr>
+            <a:picLocks noGrp="1" noChangeAspect="1"/>
+          </p:cNvPicPr>
+          <p:nvPr>
+            <p:ph idx="1"/>
+          </p:nvPr>
+        </p:nvPicPr>
+        <p:blipFill>
+          <a:blip r:embed="rId2">
+            <a:extLst>
+              <a:ext uri="{28A0092B-C50C-407E-A947-70E740481C1C}">
+                <a14:useLocalDpi xmlns:a14="http://schemas.microsoft.com/office/drawing/2010/main" val="0"/>
+              </a:ext>
+            </a:extLst>
+          </a:blip>
+          <a:stretch>
+            <a:fillRect/>
+          </a:stretch>
+        </p:blipFill>
+        <p:spPr>
+          <a:xfrm>
+            <a:off x="817930" y="1270000"/>
+            <a:ext cx="8456072" cy="4756541"/>
+          </a:xfrm>
+        </p:spPr>
+      </p:pic>
+    </p:spTree>
+    <p:extLst>
+      <p:ext uri="{BB962C8B-B14F-4D97-AF65-F5344CB8AC3E}">
+        <p14:creationId xmlns:p14="http://schemas.microsoft.com/office/powerpoint/2010/main" val="3008821611"/>
+      </p:ext>
+    </p:extLst>
+  </p:cSld>
+  <p:clrMapOvr>
+    <a:masterClrMapping/>
+  </p:clrMapOvr>
+  <p:timing>
+    <p:tnLst>
+      <p:par>
+        <p:cTn id="1" dur="indefinite" restart="never" nodeType="tmRoot"/>
+      </p:par>
+    </p:tnLst>
+  </p:timing>
+</p:sld>
+</file>
+
+<file path=ppt/slides/slide41.xml><?xml version="1.0" encoding="utf-8"?>
+<p:sld xmlns:a="http://schemas.openxmlformats.org/drawingml/2006/main" xmlns:r="http://schemas.openxmlformats.org/officeDocument/2006/relationships" xmlns:p="http://schemas.openxmlformats.org/presentationml/2006/main">
+  <p:cSld>
+    <p:spTree>
+      <p:nvGrpSpPr>
+        <p:cNvPr id="1" name=""/>
+        <p:cNvGrpSpPr/>
+        <p:nvPr/>
+      </p:nvGrpSpPr>
+      <p:grpSpPr>
+        <a:xfrm>
+          <a:off x="0" y="0"/>
+          <a:ext cx="0" cy="0"/>
+          <a:chOff x="0" y="0"/>
+          <a:chExt cx="0" cy="0"/>
+        </a:xfrm>
+      </p:grpSpPr>
+      <p:sp>
+        <p:nvSpPr>
+          <p:cNvPr id="2" name="Title 1"/>
+          <p:cNvSpPr>
+            <a:spLocks noGrp="1"/>
+          </p:cNvSpPr>
+          <p:nvPr>
+            <p:ph type="title"/>
+          </p:nvPr>
+        </p:nvSpPr>
+        <p:spPr/>
+        <p:txBody>
+          <a:bodyPr/>
+          <a:lstStyle/>
+          <a:p>
+            <a:r>
+              <a:rPr lang="fr-FR" dirty="0" smtClean="0"/>
+              <a:t>Démo</a:t>
+            </a:r>
+            <a:endParaRPr lang="fr-FR" dirty="0"/>
+          </a:p>
+        </p:txBody>
+      </p:sp>
+      <p:sp>
+        <p:nvSpPr>
+          <p:cNvPr id="4" name="Footer Placeholder 3"/>
+          <p:cNvSpPr>
+            <a:spLocks noGrp="1"/>
+          </p:cNvSpPr>
+          <p:nvPr>
+            <p:ph type="ftr" sz="quarter" idx="11"/>
+          </p:nvPr>
+        </p:nvSpPr>
+        <p:spPr/>
+        <p:txBody>
+          <a:bodyPr/>
+          <a:lstStyle/>
+          <a:p>
+            <a:r>
+              <a:rPr lang="en-US" smtClean="0"/>
+              <a:t>Bois Cédric - Master WIC</a:t>
+            </a:r>
+            <a:endParaRPr lang="en-US" dirty="0"/>
+          </a:p>
+        </p:txBody>
+      </p:sp>
+      <p:sp>
+        <p:nvSpPr>
+          <p:cNvPr id="5" name="Slide Number Placeholder 4"/>
+          <p:cNvSpPr>
+            <a:spLocks noGrp="1"/>
+          </p:cNvSpPr>
+          <p:nvPr>
+            <p:ph type="sldNum" sz="quarter" idx="12"/>
+          </p:nvPr>
+        </p:nvSpPr>
+        <p:spPr/>
+        <p:txBody>
+          <a:bodyPr/>
+          <a:lstStyle/>
+          <a:p>
+            <a:fld id="{D57F1E4F-1CFF-5643-939E-217C01CDF565}" type="slidenum">
+              <a:rPr lang="en-US" smtClean="0"/>
+              <a:pPr/>
+              <a:t>41</a:t>
+            </a:fld>
+            <a:endParaRPr lang="en-US" dirty="0"/>
+          </a:p>
+        </p:txBody>
+      </p:sp>
+      <p:pic>
+        <p:nvPicPr>
+          <p:cNvPr id="7" name="Content Placeholder 6"/>
+          <p:cNvPicPr>
+            <a:picLocks noGrp="1" noChangeAspect="1"/>
+          </p:cNvPicPr>
+          <p:nvPr>
+            <p:ph idx="1"/>
+          </p:nvPr>
+        </p:nvPicPr>
+        <p:blipFill>
+          <a:blip r:embed="rId2">
+            <a:extLst>
+              <a:ext uri="{28A0092B-C50C-407E-A947-70E740481C1C}">
+                <a14:useLocalDpi xmlns:a14="http://schemas.microsoft.com/office/drawing/2010/main" val="0"/>
+              </a:ext>
+            </a:extLst>
+          </a:blip>
+          <a:stretch>
+            <a:fillRect/>
+          </a:stretch>
+        </p:blipFill>
+        <p:spPr>
+          <a:xfrm>
+            <a:off x="787671" y="1267800"/>
+            <a:ext cx="8486331" cy="4773562"/>
+          </a:xfrm>
+        </p:spPr>
+      </p:pic>
+    </p:spTree>
+    <p:extLst>
+      <p:ext uri="{BB962C8B-B14F-4D97-AF65-F5344CB8AC3E}">
+        <p14:creationId xmlns:p14="http://schemas.microsoft.com/office/powerpoint/2010/main" val="2890393999"/>
+      </p:ext>
+    </p:extLst>
+  </p:cSld>
+  <p:clrMapOvr>
+    <a:masterClrMapping/>
+  </p:clrMapOvr>
+  <p:timing>
+    <p:tnLst>
+      <p:par>
+        <p:cTn id="1" dur="indefinite" restart="never" nodeType="tmRoot"/>
+      </p:par>
+    </p:tnLst>
+  </p:timing>
+</p:sld>
+</file>
+
+<file path=ppt/slides/slide42.xml><?xml version="1.0" encoding="utf-8"?>
+<p:sld xmlns:a="http://schemas.openxmlformats.org/drawingml/2006/main" xmlns:r="http://schemas.openxmlformats.org/officeDocument/2006/relationships" xmlns:p="http://schemas.openxmlformats.org/presentationml/2006/main">
+  <p:cSld>
+    <p:spTree>
+      <p:nvGrpSpPr>
+        <p:cNvPr id="1" name=""/>
+        <p:cNvGrpSpPr/>
+        <p:nvPr/>
+      </p:nvGrpSpPr>
+      <p:grpSpPr>
+        <a:xfrm>
+          <a:off x="0" y="0"/>
+          <a:ext cx="0" cy="0"/>
+          <a:chOff x="0" y="0"/>
+          <a:chExt cx="0" cy="0"/>
+        </a:xfrm>
+      </p:grpSpPr>
+      <p:sp>
+        <p:nvSpPr>
+          <p:cNvPr id="2" name="Title 1"/>
+          <p:cNvSpPr>
+            <a:spLocks noGrp="1"/>
+          </p:cNvSpPr>
+          <p:nvPr>
+            <p:ph type="title"/>
+          </p:nvPr>
+        </p:nvSpPr>
+        <p:spPr/>
+        <p:txBody>
+          <a:bodyPr/>
+          <a:lstStyle/>
+          <a:p>
+            <a:r>
+              <a:rPr lang="fr-FR" dirty="0" smtClean="0"/>
+              <a:t>Démo</a:t>
+            </a:r>
+            <a:endParaRPr lang="fr-FR" dirty="0"/>
+          </a:p>
+        </p:txBody>
+      </p:sp>
+      <p:sp>
+        <p:nvSpPr>
+          <p:cNvPr id="4" name="Footer Placeholder 3"/>
+          <p:cNvSpPr>
+            <a:spLocks noGrp="1"/>
+          </p:cNvSpPr>
+          <p:nvPr>
+            <p:ph type="ftr" sz="quarter" idx="11"/>
+          </p:nvPr>
+        </p:nvSpPr>
+        <p:spPr/>
+        <p:txBody>
+          <a:bodyPr/>
+          <a:lstStyle/>
+          <a:p>
+            <a:r>
+              <a:rPr lang="en-US" smtClean="0"/>
+              <a:t>Bois Cédric - Master WIC</a:t>
+            </a:r>
+            <a:endParaRPr lang="en-US" dirty="0"/>
+          </a:p>
+        </p:txBody>
+      </p:sp>
+      <p:sp>
+        <p:nvSpPr>
+          <p:cNvPr id="5" name="Slide Number Placeholder 4"/>
+          <p:cNvSpPr>
+            <a:spLocks noGrp="1"/>
+          </p:cNvSpPr>
+          <p:nvPr>
+            <p:ph type="sldNum" sz="quarter" idx="12"/>
+          </p:nvPr>
+        </p:nvSpPr>
+        <p:spPr/>
+        <p:txBody>
+          <a:bodyPr/>
+          <a:lstStyle/>
+          <a:p>
+            <a:fld id="{D57F1E4F-1CFF-5643-939E-217C01CDF565}" type="slidenum">
+              <a:rPr lang="en-US" smtClean="0"/>
+              <a:pPr/>
+              <a:t>42</a:t>
+            </a:fld>
+            <a:endParaRPr lang="en-US" dirty="0"/>
+          </a:p>
+        </p:txBody>
+      </p:sp>
+      <p:pic>
+        <p:nvPicPr>
+          <p:cNvPr id="6" name="Content Placeholder 5"/>
+          <p:cNvPicPr>
+            <a:picLocks noGrp="1" noChangeAspect="1"/>
+          </p:cNvPicPr>
+          <p:nvPr>
+            <p:ph idx="1"/>
+          </p:nvPr>
+        </p:nvPicPr>
+        <p:blipFill>
+          <a:blip r:embed="rId2">
+            <a:extLst>
+              <a:ext uri="{28A0092B-C50C-407E-A947-70E740481C1C}">
+                <a14:useLocalDpi xmlns:a14="http://schemas.microsoft.com/office/drawing/2010/main" val="0"/>
+              </a:ext>
+            </a:extLst>
+          </a:blip>
+          <a:stretch>
+            <a:fillRect/>
+          </a:stretch>
+        </p:blipFill>
+        <p:spPr>
+          <a:xfrm>
+            <a:off x="808098" y="1270000"/>
+            <a:ext cx="8465904" cy="4762071"/>
+          </a:xfrm>
+        </p:spPr>
+      </p:pic>
+    </p:spTree>
+    <p:extLst>
+      <p:ext uri="{BB962C8B-B14F-4D97-AF65-F5344CB8AC3E}">
+        <p14:creationId xmlns:p14="http://schemas.microsoft.com/office/powerpoint/2010/main" val="2222509163"/>
+      </p:ext>
+    </p:extLst>
+  </p:cSld>
+  <p:clrMapOvr>
+    <a:masterClrMapping/>
+  </p:clrMapOvr>
+  <p:timing>
+    <p:tnLst>
+      <p:par>
+        <p:cTn id="1" dur="indefinite" restart="never" nodeType="tmRoot"/>
+      </p:par>
+    </p:tnLst>
+  </p:timing>
+</p:sld>
+</file>
+
+<file path=ppt/slides/slide43.xml><?xml version="1.0" encoding="utf-8"?>
+<p:sld xmlns:a="http://schemas.openxmlformats.org/drawingml/2006/main" xmlns:r="http://schemas.openxmlformats.org/officeDocument/2006/relationships" xmlns:p="http://schemas.openxmlformats.org/presentationml/2006/main">
+  <p:cSld>
+    <p:spTree>
+      <p:nvGrpSpPr>
+        <p:cNvPr id="1" name=""/>
+        <p:cNvGrpSpPr/>
+        <p:nvPr/>
+      </p:nvGrpSpPr>
+      <p:grpSpPr>
+        <a:xfrm>
+          <a:off x="0" y="0"/>
+          <a:ext cx="0" cy="0"/>
+          <a:chOff x="0" y="0"/>
+          <a:chExt cx="0" cy="0"/>
+        </a:xfrm>
+      </p:grpSpPr>
+      <p:sp>
+        <p:nvSpPr>
+          <p:cNvPr id="2" name="Title 1"/>
+          <p:cNvSpPr>
+            <a:spLocks noGrp="1"/>
+          </p:cNvSpPr>
+          <p:nvPr>
+            <p:ph type="title"/>
+          </p:nvPr>
+        </p:nvSpPr>
+        <p:spPr/>
+        <p:txBody>
+          <a:bodyPr/>
+          <a:lstStyle/>
+          <a:p>
+            <a:r>
+              <a:rPr lang="fr-FR" dirty="0" smtClean="0"/>
+              <a:t>Démo</a:t>
+            </a:r>
+            <a:endParaRPr lang="fr-FR" dirty="0"/>
+          </a:p>
+        </p:txBody>
+      </p:sp>
+      <p:sp>
+        <p:nvSpPr>
+          <p:cNvPr id="4" name="Footer Placeholder 3"/>
+          <p:cNvSpPr>
+            <a:spLocks noGrp="1"/>
+          </p:cNvSpPr>
+          <p:nvPr>
+            <p:ph type="ftr" sz="quarter" idx="11"/>
+          </p:nvPr>
+        </p:nvSpPr>
+        <p:spPr/>
+        <p:txBody>
+          <a:bodyPr/>
+          <a:lstStyle/>
+          <a:p>
+            <a:r>
+              <a:rPr lang="en-US" smtClean="0"/>
+              <a:t>Bois Cédric - Master WIC</a:t>
+            </a:r>
+            <a:endParaRPr lang="en-US" dirty="0"/>
+          </a:p>
+        </p:txBody>
+      </p:sp>
+      <p:sp>
+        <p:nvSpPr>
+          <p:cNvPr id="5" name="Slide Number Placeholder 4"/>
+          <p:cNvSpPr>
+            <a:spLocks noGrp="1"/>
+          </p:cNvSpPr>
+          <p:nvPr>
+            <p:ph type="sldNum" sz="quarter" idx="12"/>
+          </p:nvPr>
+        </p:nvSpPr>
+        <p:spPr/>
+        <p:txBody>
+          <a:bodyPr/>
+          <a:lstStyle/>
+          <a:p>
+            <a:fld id="{D57F1E4F-1CFF-5643-939E-217C01CDF565}" type="slidenum">
+              <a:rPr lang="en-US" smtClean="0"/>
+              <a:pPr/>
+              <a:t>43</a:t>
+            </a:fld>
+            <a:endParaRPr lang="en-US" dirty="0"/>
+          </a:p>
+        </p:txBody>
+      </p:sp>
+      <p:pic>
+        <p:nvPicPr>
+          <p:cNvPr id="8" name="Content Placeholder 7"/>
+          <p:cNvPicPr>
+            <a:picLocks noGrp="1" noChangeAspect="1"/>
+          </p:cNvPicPr>
+          <p:nvPr>
+            <p:ph idx="1"/>
+          </p:nvPr>
+        </p:nvPicPr>
+        <p:blipFill>
+          <a:blip r:embed="rId2">
+            <a:extLst>
+              <a:ext uri="{28A0092B-C50C-407E-A947-70E740481C1C}">
+                <a14:useLocalDpi xmlns:a14="http://schemas.microsoft.com/office/drawing/2010/main" val="0"/>
+              </a:ext>
+            </a:extLst>
+          </a:blip>
+          <a:stretch>
+            <a:fillRect/>
+          </a:stretch>
+        </p:blipFill>
+        <p:spPr>
+          <a:xfrm>
+            <a:off x="798266" y="1270000"/>
+            <a:ext cx="8475736" cy="4767602"/>
+          </a:xfrm>
+        </p:spPr>
+      </p:pic>
+    </p:spTree>
+    <p:extLst>
+      <p:ext uri="{BB962C8B-B14F-4D97-AF65-F5344CB8AC3E}">
+        <p14:creationId xmlns:p14="http://schemas.microsoft.com/office/powerpoint/2010/main" val="619975084"/>
+      </p:ext>
+    </p:extLst>
+  </p:cSld>
+  <p:clrMapOvr>
+    <a:masterClrMapping/>
+  </p:clrMapOvr>
+  <p:timing>
+    <p:tnLst>
+      <p:par>
+        <p:cTn id="1" dur="indefinite" restart="never" nodeType="tmRoot"/>
+      </p:par>
+    </p:tnLst>
+  </p:timing>
+</p:sld>
+</file>
+
+<file path=ppt/slides/slide44.xml><?xml version="1.0" encoding="utf-8"?>
+<p:sld xmlns:a="http://schemas.openxmlformats.org/drawingml/2006/main" xmlns:r="http://schemas.openxmlformats.org/officeDocument/2006/relationships" xmlns:p="http://schemas.openxmlformats.org/presentationml/2006/main">
+  <p:cSld>
+    <p:spTree>
+      <p:nvGrpSpPr>
+        <p:cNvPr id="1" name=""/>
+        <p:cNvGrpSpPr/>
+        <p:nvPr/>
+      </p:nvGrpSpPr>
+      <p:grpSpPr>
+        <a:xfrm>
+          <a:off x="0" y="0"/>
+          <a:ext cx="0" cy="0"/>
+          <a:chOff x="0" y="0"/>
+          <a:chExt cx="0" cy="0"/>
+        </a:xfrm>
+      </p:grpSpPr>
+      <p:sp>
+        <p:nvSpPr>
+          <p:cNvPr id="2" name="Title 1"/>
+          <p:cNvSpPr>
+            <a:spLocks noGrp="1"/>
+          </p:cNvSpPr>
+          <p:nvPr>
+            <p:ph type="title"/>
+          </p:nvPr>
+        </p:nvSpPr>
+        <p:spPr/>
+        <p:txBody>
+          <a:bodyPr/>
+          <a:lstStyle/>
+          <a:p>
+            <a:r>
+              <a:rPr lang="fr-FR" dirty="0" smtClean="0"/>
+              <a:t>Démo</a:t>
+            </a:r>
+            <a:endParaRPr lang="fr-FR" dirty="0"/>
+          </a:p>
+        </p:txBody>
+      </p:sp>
+      <p:sp>
+        <p:nvSpPr>
+          <p:cNvPr id="4" name="Footer Placeholder 3"/>
+          <p:cNvSpPr>
+            <a:spLocks noGrp="1"/>
+          </p:cNvSpPr>
+          <p:nvPr>
+            <p:ph type="ftr" sz="quarter" idx="11"/>
+          </p:nvPr>
+        </p:nvSpPr>
+        <p:spPr/>
+        <p:txBody>
+          <a:bodyPr/>
+          <a:lstStyle/>
+          <a:p>
+            <a:r>
+              <a:rPr lang="en-US" smtClean="0"/>
+              <a:t>Bois Cédric - Master WIC</a:t>
+            </a:r>
+            <a:endParaRPr lang="en-US" dirty="0"/>
+          </a:p>
+        </p:txBody>
+      </p:sp>
+      <p:sp>
+        <p:nvSpPr>
+          <p:cNvPr id="5" name="Slide Number Placeholder 4"/>
+          <p:cNvSpPr>
+            <a:spLocks noGrp="1"/>
+          </p:cNvSpPr>
+          <p:nvPr>
+            <p:ph type="sldNum" sz="quarter" idx="12"/>
+          </p:nvPr>
+        </p:nvSpPr>
+        <p:spPr/>
+        <p:txBody>
+          <a:bodyPr/>
+          <a:lstStyle/>
+          <a:p>
+            <a:fld id="{D57F1E4F-1CFF-5643-939E-217C01CDF565}" type="slidenum">
+              <a:rPr lang="en-US" smtClean="0"/>
+              <a:pPr/>
+              <a:t>44</a:t>
+            </a:fld>
+            <a:endParaRPr lang="en-US" dirty="0"/>
+          </a:p>
+        </p:txBody>
+      </p:sp>
+      <p:pic>
+        <p:nvPicPr>
+          <p:cNvPr id="6" name="Content Placeholder 5"/>
+          <p:cNvPicPr>
+            <a:picLocks noGrp="1" noChangeAspect="1"/>
+          </p:cNvPicPr>
+          <p:nvPr>
+            <p:ph idx="1"/>
+          </p:nvPr>
+        </p:nvPicPr>
+        <p:blipFill>
+          <a:blip r:embed="rId2">
+            <a:extLst>
+              <a:ext uri="{28A0092B-C50C-407E-A947-70E740481C1C}">
+                <a14:useLocalDpi xmlns:a14="http://schemas.microsoft.com/office/drawing/2010/main" val="0"/>
+              </a:ext>
+            </a:extLst>
+          </a:blip>
+          <a:stretch>
+            <a:fillRect/>
+          </a:stretch>
+        </p:blipFill>
+        <p:spPr>
+          <a:xfrm>
+            <a:off x="798266" y="1270000"/>
+            <a:ext cx="8475736" cy="4767602"/>
+          </a:xfrm>
+        </p:spPr>
+      </p:pic>
+    </p:spTree>
+    <p:extLst>
+      <p:ext uri="{BB962C8B-B14F-4D97-AF65-F5344CB8AC3E}">
+        <p14:creationId xmlns:p14="http://schemas.microsoft.com/office/powerpoint/2010/main" val="3980774776"/>
+      </p:ext>
+    </p:extLst>
+  </p:cSld>
+  <p:clrMapOvr>
+    <a:masterClrMapping/>
+  </p:clrMapOvr>
+  <p:timing>
+    <p:tnLst>
+      <p:par>
+        <p:cTn id="1" dur="indefinite" restart="never" nodeType="tmRoot"/>
+      </p:par>
+    </p:tnLst>
+  </p:timing>
+</p:sld>
+</file>
+
+<file path=ppt/slides/slide45.xml><?xml version="1.0" encoding="utf-8"?>
+<p:sld xmlns:a="http://schemas.openxmlformats.org/drawingml/2006/main" xmlns:r="http://schemas.openxmlformats.org/officeDocument/2006/relationships" xmlns:p="http://schemas.openxmlformats.org/presentationml/2006/main">
+  <p:cSld>
+    <p:spTree>
+      <p:nvGrpSpPr>
+        <p:cNvPr id="1" name=""/>
+        <p:cNvGrpSpPr/>
+        <p:nvPr/>
+      </p:nvGrpSpPr>
+      <p:grpSpPr>
+        <a:xfrm>
+          <a:off x="0" y="0"/>
+          <a:ext cx="0" cy="0"/>
+          <a:chOff x="0" y="0"/>
+          <a:chExt cx="0" cy="0"/>
+        </a:xfrm>
+      </p:grpSpPr>
+      <p:sp>
+        <p:nvSpPr>
+          <p:cNvPr id="2" name="Title 1"/>
+          <p:cNvSpPr>
+            <a:spLocks noGrp="1"/>
+          </p:cNvSpPr>
+          <p:nvPr>
+            <p:ph type="title"/>
+          </p:nvPr>
+        </p:nvSpPr>
+        <p:spPr/>
+        <p:txBody>
+          <a:bodyPr/>
+          <a:lstStyle/>
+          <a:p>
+            <a:r>
+              <a:rPr lang="fr-FR" dirty="0" smtClean="0"/>
+              <a:t>Démo</a:t>
+            </a:r>
+            <a:endParaRPr lang="fr-FR" dirty="0"/>
+          </a:p>
+        </p:txBody>
+      </p:sp>
+      <p:sp>
+        <p:nvSpPr>
+          <p:cNvPr id="4" name="Footer Placeholder 3"/>
+          <p:cNvSpPr>
+            <a:spLocks noGrp="1"/>
+          </p:cNvSpPr>
+          <p:nvPr>
+            <p:ph type="ftr" sz="quarter" idx="11"/>
+          </p:nvPr>
+        </p:nvSpPr>
+        <p:spPr/>
+        <p:txBody>
+          <a:bodyPr/>
+          <a:lstStyle/>
+          <a:p>
+            <a:r>
+              <a:rPr lang="en-US" smtClean="0"/>
+              <a:t>Bois Cédric - Master WIC</a:t>
+            </a:r>
+            <a:endParaRPr lang="en-US" dirty="0"/>
+          </a:p>
+        </p:txBody>
+      </p:sp>
+      <p:sp>
+        <p:nvSpPr>
+          <p:cNvPr id="5" name="Slide Number Placeholder 4"/>
+          <p:cNvSpPr>
+            <a:spLocks noGrp="1"/>
+          </p:cNvSpPr>
+          <p:nvPr>
+            <p:ph type="sldNum" sz="quarter" idx="12"/>
+          </p:nvPr>
+        </p:nvSpPr>
+        <p:spPr/>
+        <p:txBody>
+          <a:bodyPr/>
+          <a:lstStyle/>
+          <a:p>
+            <a:fld id="{D57F1E4F-1CFF-5643-939E-217C01CDF565}" type="slidenum">
+              <a:rPr lang="en-US" smtClean="0"/>
+              <a:pPr/>
+              <a:t>45</a:t>
+            </a:fld>
+            <a:endParaRPr lang="en-US" dirty="0"/>
+          </a:p>
+        </p:txBody>
+      </p:sp>
+      <p:pic>
+        <p:nvPicPr>
+          <p:cNvPr id="6" name="Content Placeholder 5"/>
+          <p:cNvPicPr>
+            <a:picLocks noGrp="1" noChangeAspect="1"/>
+          </p:cNvPicPr>
+          <p:nvPr>
+            <p:ph idx="1"/>
+          </p:nvPr>
+        </p:nvPicPr>
+        <p:blipFill>
+          <a:blip r:embed="rId2">
+            <a:extLst>
+              <a:ext uri="{28A0092B-C50C-407E-A947-70E740481C1C}">
+                <a14:useLocalDpi xmlns:a14="http://schemas.microsoft.com/office/drawing/2010/main" val="0"/>
+              </a:ext>
+            </a:extLst>
+          </a:blip>
+          <a:stretch>
+            <a:fillRect/>
+          </a:stretch>
+        </p:blipFill>
+        <p:spPr>
+          <a:xfrm>
+            <a:off x="817930" y="1270000"/>
+            <a:ext cx="8456072" cy="4756541"/>
+          </a:xfrm>
+        </p:spPr>
+      </p:pic>
+    </p:spTree>
+    <p:extLst>
+      <p:ext uri="{BB962C8B-B14F-4D97-AF65-F5344CB8AC3E}">
+        <p14:creationId xmlns:p14="http://schemas.microsoft.com/office/powerpoint/2010/main" val="401685020"/>
+      </p:ext>
+    </p:extLst>
+  </p:cSld>
+  <p:clrMapOvr>
+    <a:masterClrMapping/>
+  </p:clrMapOvr>
+  <p:timing>
+    <p:tnLst>
+      <p:par>
+        <p:cTn id="1" dur="indefinite" restart="never" nodeType="tmRoot"/>
+      </p:par>
+    </p:tnLst>
+  </p:timing>
+</p:sld>
+</file>
+
+<file path=ppt/slides/slide46.xml><?xml version="1.0" encoding="utf-8"?>
+<p:sld xmlns:a="http://schemas.openxmlformats.org/drawingml/2006/main" xmlns:r="http://schemas.openxmlformats.org/officeDocument/2006/relationships" xmlns:p="http://schemas.openxmlformats.org/presentationml/2006/main">
+  <p:cSld>
+    <p:spTree>
+      <p:nvGrpSpPr>
+        <p:cNvPr id="1" name=""/>
+        <p:cNvGrpSpPr/>
+        <p:nvPr/>
+      </p:nvGrpSpPr>
+      <p:grpSpPr>
+        <a:xfrm>
+          <a:off x="0" y="0"/>
+          <a:ext cx="0" cy="0"/>
+          <a:chOff x="0" y="0"/>
+          <a:chExt cx="0" cy="0"/>
+        </a:xfrm>
+      </p:grpSpPr>
+      <p:sp>
+        <p:nvSpPr>
+          <p:cNvPr id="2" name="Title 1"/>
+          <p:cNvSpPr>
+            <a:spLocks noGrp="1"/>
+          </p:cNvSpPr>
+          <p:nvPr>
+            <p:ph type="title"/>
+          </p:nvPr>
+        </p:nvSpPr>
+        <p:spPr/>
+        <p:txBody>
+          <a:bodyPr/>
+          <a:lstStyle/>
+          <a:p>
+            <a:r>
+              <a:rPr lang="fr-FR" dirty="0" smtClean="0"/>
+              <a:t>Démo</a:t>
+            </a:r>
+            <a:endParaRPr lang="fr-FR" dirty="0"/>
+          </a:p>
+        </p:txBody>
+      </p:sp>
+      <p:sp>
+        <p:nvSpPr>
+          <p:cNvPr id="4" name="Footer Placeholder 3"/>
+          <p:cNvSpPr>
+            <a:spLocks noGrp="1"/>
+          </p:cNvSpPr>
+          <p:nvPr>
+            <p:ph type="ftr" sz="quarter" idx="11"/>
+          </p:nvPr>
+        </p:nvSpPr>
+        <p:spPr/>
+        <p:txBody>
+          <a:bodyPr/>
+          <a:lstStyle/>
+          <a:p>
+            <a:r>
+              <a:rPr lang="en-US" smtClean="0"/>
+              <a:t>Bois Cédric - Master WIC</a:t>
+            </a:r>
+            <a:endParaRPr lang="en-US" dirty="0"/>
+          </a:p>
+        </p:txBody>
+      </p:sp>
+      <p:sp>
+        <p:nvSpPr>
+          <p:cNvPr id="5" name="Slide Number Placeholder 4"/>
+          <p:cNvSpPr>
+            <a:spLocks noGrp="1"/>
+          </p:cNvSpPr>
+          <p:nvPr>
+            <p:ph type="sldNum" sz="quarter" idx="12"/>
+          </p:nvPr>
+        </p:nvSpPr>
+        <p:spPr/>
+        <p:txBody>
+          <a:bodyPr/>
+          <a:lstStyle/>
+          <a:p>
+            <a:fld id="{D57F1E4F-1CFF-5643-939E-217C01CDF565}" type="slidenum">
+              <a:rPr lang="en-US" smtClean="0"/>
+              <a:pPr/>
+              <a:t>46</a:t>
+            </a:fld>
+            <a:endParaRPr lang="en-US" dirty="0"/>
+          </a:p>
+        </p:txBody>
+      </p:sp>
+      <p:pic>
+        <p:nvPicPr>
+          <p:cNvPr id="6" name="Content Placeholder 5"/>
+          <p:cNvPicPr>
+            <a:picLocks noGrp="1" noChangeAspect="1"/>
+          </p:cNvPicPr>
+          <p:nvPr>
+            <p:ph idx="1"/>
+          </p:nvPr>
+        </p:nvPicPr>
+        <p:blipFill>
+          <a:blip r:embed="rId2">
+            <a:extLst>
+              <a:ext uri="{28A0092B-C50C-407E-A947-70E740481C1C}">
+                <a14:useLocalDpi xmlns:a14="http://schemas.microsoft.com/office/drawing/2010/main" val="0"/>
+              </a:ext>
+            </a:extLst>
+          </a:blip>
+          <a:stretch>
+            <a:fillRect/>
+          </a:stretch>
+        </p:blipFill>
+        <p:spPr>
+          <a:xfrm>
+            <a:off x="817930" y="1270000"/>
+            <a:ext cx="8456071" cy="4756540"/>
+          </a:xfrm>
+        </p:spPr>
+      </p:pic>
+    </p:spTree>
+    <p:extLst>
+      <p:ext uri="{BB962C8B-B14F-4D97-AF65-F5344CB8AC3E}">
+        <p14:creationId xmlns:p14="http://schemas.microsoft.com/office/powerpoint/2010/main" val="2702415195"/>
+      </p:ext>
+    </p:extLst>
+  </p:cSld>
+  <p:clrMapOvr>
+    <a:masterClrMapping/>
+  </p:clrMapOvr>
+  <p:timing>
+    <p:tnLst>
+      <p:par>
+        <p:cTn id="1" dur="indefinite" restart="never" nodeType="tmRoot"/>
+      </p:par>
+    </p:tnLst>
+  </p:timing>
+</p:sld>
+</file>
+
+<file path=ppt/slides/slide47.xml><?xml version="1.0" encoding="utf-8"?>
+<p:sld xmlns:a="http://schemas.openxmlformats.org/drawingml/2006/main" xmlns:r="http://schemas.openxmlformats.org/officeDocument/2006/relationships" xmlns:p="http://schemas.openxmlformats.org/presentationml/2006/main">
+  <p:cSld>
+    <p:spTree>
+      <p:nvGrpSpPr>
+        <p:cNvPr id="1" name=""/>
+        <p:cNvGrpSpPr/>
+        <p:nvPr/>
+      </p:nvGrpSpPr>
+      <p:grpSpPr>
+        <a:xfrm>
+          <a:off x="0" y="0"/>
+          <a:ext cx="0" cy="0"/>
+          <a:chOff x="0" y="0"/>
+          <a:chExt cx="0" cy="0"/>
+        </a:xfrm>
+      </p:grpSpPr>
+      <p:sp>
+        <p:nvSpPr>
+          <p:cNvPr id="2" name="Title 1"/>
+          <p:cNvSpPr>
+            <a:spLocks noGrp="1"/>
+          </p:cNvSpPr>
+          <p:nvPr>
+            <p:ph type="title"/>
+          </p:nvPr>
+        </p:nvSpPr>
+        <p:spPr/>
+        <p:txBody>
+          <a:bodyPr/>
+          <a:lstStyle/>
+          <a:p>
+            <a:r>
+              <a:rPr lang="fr-FR" dirty="0" smtClean="0"/>
+              <a:t>Difficultés rencontrées</a:t>
+            </a:r>
+            <a:endParaRPr lang="fr-FR" dirty="0"/>
+          </a:p>
+        </p:txBody>
+      </p:sp>
+      <p:sp>
+        <p:nvSpPr>
+          <p:cNvPr id="4" name="Footer Placeholder 3"/>
+          <p:cNvSpPr>
+            <a:spLocks noGrp="1"/>
+          </p:cNvSpPr>
+          <p:nvPr>
+            <p:ph type="ftr" sz="quarter" idx="11"/>
+          </p:nvPr>
+        </p:nvSpPr>
+        <p:spPr/>
+        <p:txBody>
+          <a:bodyPr/>
+          <a:lstStyle/>
+          <a:p>
+            <a:r>
+              <a:rPr lang="en-US" smtClean="0"/>
+              <a:t>Bois Cédric - Master WIC</a:t>
+            </a:r>
+            <a:endParaRPr lang="en-US" dirty="0"/>
+          </a:p>
+        </p:txBody>
+      </p:sp>
+      <p:sp>
+        <p:nvSpPr>
+          <p:cNvPr id="5" name="Slide Number Placeholder 4"/>
+          <p:cNvSpPr>
+            <a:spLocks noGrp="1"/>
+          </p:cNvSpPr>
+          <p:nvPr>
+            <p:ph type="sldNum" sz="quarter" idx="12"/>
+          </p:nvPr>
+        </p:nvSpPr>
+        <p:spPr/>
+        <p:txBody>
+          <a:bodyPr/>
+          <a:lstStyle/>
+          <a:p>
+            <a:fld id="{D57F1E4F-1CFF-5643-939E-217C01CDF565}" type="slidenum">
+              <a:rPr lang="en-US" smtClean="0"/>
+              <a:pPr/>
+              <a:t>47</a:t>
+            </a:fld>
+            <a:endParaRPr lang="en-US" dirty="0"/>
+          </a:p>
+        </p:txBody>
+      </p:sp>
+      <p:sp>
+        <p:nvSpPr>
+          <p:cNvPr id="7" name="Content Placeholder 6"/>
+          <p:cNvSpPr>
+            <a:spLocks noGrp="1"/>
+          </p:cNvSpPr>
+          <p:nvPr>
+            <p:ph idx="1"/>
+          </p:nvPr>
+        </p:nvSpPr>
+        <p:spPr/>
+        <p:txBody>
+          <a:bodyPr/>
+          <a:lstStyle/>
+          <a:p>
+            <a:endParaRPr lang="fr-FR"/>
+          </a:p>
+        </p:txBody>
+      </p:sp>
+    </p:spTree>
+    <p:extLst>
+      <p:ext uri="{BB962C8B-B14F-4D97-AF65-F5344CB8AC3E}">
+        <p14:creationId xmlns:p14="http://schemas.microsoft.com/office/powerpoint/2010/main" val="718310272"/>
+      </p:ext>
+    </p:extLst>
+  </p:cSld>
+  <p:clrMapOvr>
+    <a:masterClrMapping/>
+  </p:clrMapOvr>
+  <p:timing>
+    <p:tnLst>
+      <p:par>
+        <p:cTn id="1" dur="indefinite" restart="never" nodeType="tmRoot"/>
+      </p:par>
+    </p:tnLst>
+  </p:timing>
+</p:sld>
+</file>
+
+<file path=ppt/slides/slide48.xml><?xml version="1.0" encoding="utf-8"?>
+<p:sld xmlns:a="http://schemas.openxmlformats.org/drawingml/2006/main" xmlns:r="http://schemas.openxmlformats.org/officeDocument/2006/relationships" xmlns:p="http://schemas.openxmlformats.org/presentationml/2006/main">
+  <p:cSld>
+    <p:spTree>
+      <p:nvGrpSpPr>
+        <p:cNvPr id="1" name=""/>
+        <p:cNvGrpSpPr/>
+        <p:nvPr/>
+      </p:nvGrpSpPr>
+      <p:grpSpPr>
+        <a:xfrm>
+          <a:off x="0" y="0"/>
+          <a:ext cx="0" cy="0"/>
+          <a:chOff x="0" y="0"/>
+          <a:chExt cx="0" cy="0"/>
+        </a:xfrm>
+      </p:grpSpPr>
+      <p:sp>
+        <p:nvSpPr>
+          <p:cNvPr id="2" name="Title 1"/>
+          <p:cNvSpPr>
+            <a:spLocks noGrp="1"/>
+          </p:cNvSpPr>
+          <p:nvPr>
+            <p:ph type="title"/>
+          </p:nvPr>
+        </p:nvSpPr>
+        <p:spPr/>
+        <p:txBody>
+          <a:bodyPr/>
+          <a:lstStyle/>
+          <a:p>
+            <a:r>
+              <a:rPr lang="fr-FR" dirty="0" smtClean="0"/>
+              <a:t>Conclusion</a:t>
+            </a:r>
+            <a:endParaRPr lang="fr-FR" dirty="0"/>
+          </a:p>
+        </p:txBody>
+      </p:sp>
+      <p:sp>
+        <p:nvSpPr>
+          <p:cNvPr id="3" name="Content Placeholder 2"/>
+          <p:cNvSpPr>
+            <a:spLocks noGrp="1"/>
+          </p:cNvSpPr>
+          <p:nvPr>
+            <p:ph idx="1"/>
+          </p:nvPr>
+        </p:nvSpPr>
+        <p:spPr/>
+        <p:txBody>
+          <a:bodyPr/>
+          <a:lstStyle/>
+          <a:p>
+            <a:endParaRPr lang="fr-FR"/>
+          </a:p>
+        </p:txBody>
+      </p:sp>
+      <p:sp>
+        <p:nvSpPr>
+          <p:cNvPr id="4" name="Footer Placeholder 3"/>
+          <p:cNvSpPr>
+            <a:spLocks noGrp="1"/>
+          </p:cNvSpPr>
+          <p:nvPr>
+            <p:ph type="ftr" sz="quarter" idx="11"/>
+          </p:nvPr>
+        </p:nvSpPr>
+        <p:spPr/>
+        <p:txBody>
+          <a:bodyPr/>
+          <a:lstStyle/>
+          <a:p>
+            <a:r>
+              <a:rPr lang="en-US" smtClean="0"/>
+              <a:t>Bois Cédric - Master WIC</a:t>
+            </a:r>
+            <a:endParaRPr lang="en-US" dirty="0"/>
+          </a:p>
+        </p:txBody>
+      </p:sp>
+      <p:sp>
+        <p:nvSpPr>
+          <p:cNvPr id="5" name="Slide Number Placeholder 4"/>
+          <p:cNvSpPr>
+            <a:spLocks noGrp="1"/>
+          </p:cNvSpPr>
+          <p:nvPr>
+            <p:ph type="sldNum" sz="quarter" idx="12"/>
+          </p:nvPr>
+        </p:nvSpPr>
+        <p:spPr/>
+        <p:txBody>
+          <a:bodyPr/>
+          <a:lstStyle/>
+          <a:p>
+            <a:fld id="{D57F1E4F-1CFF-5643-939E-217C01CDF565}" type="slidenum">
+              <a:rPr lang="en-US" smtClean="0"/>
+              <a:pPr/>
+              <a:t>48</a:t>
+            </a:fld>
+            <a:endParaRPr lang="en-US" dirty="0"/>
+          </a:p>
+        </p:txBody>
+      </p:sp>
+    </p:spTree>
+    <p:extLst>
+      <p:ext uri="{BB962C8B-B14F-4D97-AF65-F5344CB8AC3E}">
+        <p14:creationId xmlns:p14="http://schemas.microsoft.com/office/powerpoint/2010/main" val="120753999"/>
+      </p:ext>
+    </p:extLst>
+  </p:cSld>
+  <p:clrMapOvr>
+    <a:masterClrMapping/>
+  </p:clrMapOvr>
+  <p:timing>
+    <p:tnLst>
+      <p:par>
+        <p:cTn id="1" dur="indefinite" restart="never" nodeType="tmRoot"/>
+      </p:par>
+    </p:tnLst>
+  </p:timing>
 </p:sld>
 </file>
 
@@ -12440,7 +16099,7 @@
         </p:blipFill>
         <p:spPr>
           <a:xfrm>
-            <a:off x="4762500" y="2625924"/>
+            <a:off x="4724400" y="2160589"/>
             <a:ext cx="5835476" cy="2776337"/>
           </a:xfrm>
           <a:prstGeom prst="rect">
@@ -12573,7 +16232,7 @@
           <a:bodyPr/>
           <a:lstStyle/>
           <a:p>
-            <a:endParaRPr lang="fr-FR"/>
+            <a:endParaRPr lang="fr-FR" dirty="0"/>
           </a:p>
         </p:txBody>
       </p:sp>
@@ -12593,40 +16252,12 @@
         </p:blipFill>
         <p:spPr>
           <a:xfrm>
-            <a:off x="4367982" y="2744351"/>
+            <a:off x="843732" y="2744350"/>
             <a:ext cx="6710372" cy="2713250"/>
           </a:xfrm>
           <a:prstGeom prst="rect">
             <a:avLst/>
           </a:prstGeom>
-        </p:spPr>
-      </p:pic>
-      <p:pic>
-        <p:nvPicPr>
-          <p:cNvPr id="10" name="Image 3" descr="C:\Users\CCCCC\Downloads\Capture du 2017-05-30 20_42_47.png"/>
-          <p:cNvPicPr/>
-          <p:nvPr/>
-        </p:nvPicPr>
-        <p:blipFill rotWithShape="1">
-          <a:blip r:embed="rId3" cstate="print"/>
-          <a:srcRect l="21398" t="32779" r="65661" b="64792"/>
-          <a:stretch/>
-        </p:blipFill>
-        <p:spPr bwMode="auto">
-          <a:xfrm>
-            <a:off x="764007" y="3949215"/>
-            <a:ext cx="2890683" cy="303521"/>
-          </a:xfrm>
-          <a:prstGeom prst="rect">
-            <a:avLst/>
-          </a:prstGeom>
-          <a:noFill/>
-          <a:ln w="9525">
-            <a:noFill/>
-            <a:miter lim="800000"/>
-            <a:headEnd/>
-            <a:tailEnd/>
-          </a:ln>
         </p:spPr>
       </p:pic>
     </p:spTree>
@@ -12639,6 +16270,13 @@
   <p:clrMapOvr>
     <a:masterClrMapping/>
   </p:clrMapOvr>
+  <p:timing>
+    <p:tnLst>
+      <p:par>
+        <p:cTn id="1" dur="indefinite" restart="never" nodeType="tmRoot"/>
+      </p:par>
+    </p:tnLst>
+  </p:timing>
 </p:sld>
 </file>
 
@@ -13023,6 +16661,13 @@
   <p:clrMapOvr>
     <a:masterClrMapping/>
   </p:clrMapOvr>
+  <p:timing>
+    <p:tnLst>
+      <p:par>
+        <p:cTn id="1" dur="indefinite" restart="never" nodeType="tmRoot"/>
+      </p:par>
+    </p:tnLst>
+  </p:timing>
 </p:sld>
 </file>
 
@@ -13146,6 +16791,13 @@
   <p:clrMapOvr>
     <a:masterClrMapping/>
   </p:clrMapOvr>
+  <p:timing>
+    <p:tnLst>
+      <p:par>
+        <p:cTn id="1" dur="indefinite" restart="never" nodeType="tmRoot"/>
+      </p:par>
+    </p:tnLst>
+  </p:timing>
 </p:sld>
 </file>
 

--- a/soutenance.pptx
+++ b/soutenance.pptx
@@ -5,7 +5,7 @@
     <p:sldMasterId id="2147483648" r:id="rId1"/>
   </p:sldMasterIdLst>
   <p:notesMasterIdLst>
-    <p:notesMasterId r:id="rId50"/>
+    <p:notesMasterId r:id="rId44"/>
   </p:notesMasterIdLst>
   <p:sldIdLst>
     <p:sldId id="256" r:id="rId2"/>
@@ -16,46 +16,40 @@
     <p:sldId id="274" r:id="rId7"/>
     <p:sldId id="262" r:id="rId8"/>
     <p:sldId id="285" r:id="rId9"/>
-    <p:sldId id="276" r:id="rId10"/>
-    <p:sldId id="259" r:id="rId11"/>
-    <p:sldId id="265" r:id="rId12"/>
-    <p:sldId id="264" r:id="rId13"/>
-    <p:sldId id="266" r:id="rId14"/>
-    <p:sldId id="263" r:id="rId15"/>
-    <p:sldId id="277" r:id="rId16"/>
-    <p:sldId id="260" r:id="rId17"/>
-    <p:sldId id="268" r:id="rId18"/>
-    <p:sldId id="269" r:id="rId19"/>
-    <p:sldId id="267" r:id="rId20"/>
-    <p:sldId id="270" r:id="rId21"/>
-    <p:sldId id="271" r:id="rId22"/>
-    <p:sldId id="272" r:id="rId23"/>
-    <p:sldId id="273" r:id="rId24"/>
-    <p:sldId id="275" r:id="rId25"/>
-    <p:sldId id="279" r:id="rId26"/>
-    <p:sldId id="278" r:id="rId27"/>
-    <p:sldId id="287" r:id="rId28"/>
-    <p:sldId id="288" r:id="rId29"/>
-    <p:sldId id="280" r:id="rId30"/>
-    <p:sldId id="281" r:id="rId31"/>
-    <p:sldId id="304" r:id="rId32"/>
-    <p:sldId id="290" r:id="rId33"/>
-    <p:sldId id="291" r:id="rId34"/>
-    <p:sldId id="292" r:id="rId35"/>
-    <p:sldId id="293" r:id="rId36"/>
-    <p:sldId id="298" r:id="rId37"/>
-    <p:sldId id="294" r:id="rId38"/>
-    <p:sldId id="296" r:id="rId39"/>
-    <p:sldId id="282" r:id="rId40"/>
-    <p:sldId id="303" r:id="rId41"/>
-    <p:sldId id="289" r:id="rId42"/>
-    <p:sldId id="297" r:id="rId43"/>
-    <p:sldId id="299" r:id="rId44"/>
-    <p:sldId id="300" r:id="rId45"/>
-    <p:sldId id="301" r:id="rId46"/>
-    <p:sldId id="302" r:id="rId47"/>
-    <p:sldId id="286" r:id="rId48"/>
-    <p:sldId id="283" r:id="rId49"/>
+    <p:sldId id="277" r:id="rId10"/>
+    <p:sldId id="260" r:id="rId11"/>
+    <p:sldId id="268" r:id="rId12"/>
+    <p:sldId id="269" r:id="rId13"/>
+    <p:sldId id="267" r:id="rId14"/>
+    <p:sldId id="270" r:id="rId15"/>
+    <p:sldId id="305" r:id="rId16"/>
+    <p:sldId id="271" r:id="rId17"/>
+    <p:sldId id="272" r:id="rId18"/>
+    <p:sldId id="273" r:id="rId19"/>
+    <p:sldId id="275" r:id="rId20"/>
+    <p:sldId id="279" r:id="rId21"/>
+    <p:sldId id="278" r:id="rId22"/>
+    <p:sldId id="287" r:id="rId23"/>
+    <p:sldId id="288" r:id="rId24"/>
+    <p:sldId id="280" r:id="rId25"/>
+    <p:sldId id="281" r:id="rId26"/>
+    <p:sldId id="304" r:id="rId27"/>
+    <p:sldId id="290" r:id="rId28"/>
+    <p:sldId id="291" r:id="rId29"/>
+    <p:sldId id="292" r:id="rId30"/>
+    <p:sldId id="293" r:id="rId31"/>
+    <p:sldId id="298" r:id="rId32"/>
+    <p:sldId id="294" r:id="rId33"/>
+    <p:sldId id="296" r:id="rId34"/>
+    <p:sldId id="282" r:id="rId35"/>
+    <p:sldId id="303" r:id="rId36"/>
+    <p:sldId id="289" r:id="rId37"/>
+    <p:sldId id="297" r:id="rId38"/>
+    <p:sldId id="299" r:id="rId39"/>
+    <p:sldId id="300" r:id="rId40"/>
+    <p:sldId id="301" r:id="rId41"/>
+    <p:sldId id="302" r:id="rId42"/>
+    <p:sldId id="283" r:id="rId43"/>
   </p:sldIdLst>
   <p:sldSz cx="12192000" cy="6858000"/>
   <p:notesSz cx="6858000" cy="9144000"/>
@@ -256,7 +250,7 @@
           <a:p>
             <a:fld id="{5D34D365-D982-41DC-9561-B9E5C6EC0DFB}" type="datetimeFigureOut">
               <a:rPr lang="fr-FR" smtClean="0"/>
-              <a:t>01/07/2017</a:t>
+              <a:t>02/07/2017</a:t>
             </a:fld>
             <a:endParaRPr lang="fr-FR"/>
           </a:p>
@@ -692,17 +686,13 @@
           <a:p>
             <a:r>
               <a:rPr lang="fr-FR" dirty="0" smtClean="0"/>
-              <a:t>Menu </a:t>
-            </a:r>
-            <a:r>
-              <a:rPr lang="fr-FR" smtClean="0"/>
-              <a:t>à gauche</a:t>
-            </a:r>
-          </a:p>
-          <a:p>
-            <a:r>
-              <a:rPr lang="fr-FR" smtClean="0"/>
-              <a:t>L</a:t>
+              <a:t>Tableau items</a:t>
+            </a:r>
+          </a:p>
+          <a:p>
+            <a:r>
+              <a:rPr lang="fr-FR" dirty="0" smtClean="0"/>
+              <a:t>Appliance : appareil</a:t>
             </a:r>
             <a:endParaRPr lang="fr-FR" dirty="0"/>
           </a:p>
@@ -725,7 +715,7 @@
           <a:p>
             <a:fld id="{0657CA3B-C571-4D70-8712-24BEC4CFA193}" type="slidenum">
               <a:rPr lang="fr-FR" smtClean="0"/>
-              <a:t>18</a:t>
+              <a:t>17</a:t>
             </a:fld>
             <a:endParaRPr lang="fr-FR"/>
           </a:p>
@@ -734,7 +724,7 @@
     </p:spTree>
     <p:extLst>
       <p:ext uri="{BB962C8B-B14F-4D97-AF65-F5344CB8AC3E}">
-        <p14:creationId xmlns:p14="http://schemas.microsoft.com/office/powerpoint/2010/main" val="3020623872"/>
+        <p14:creationId xmlns:p14="http://schemas.microsoft.com/office/powerpoint/2010/main" val="3048969377"/>
       </p:ext>
     </p:extLst>
   </p:cSld>
@@ -788,7 +778,11 @@
           <a:bodyPr/>
           <a:lstStyle/>
           <a:p>
-            <a:endParaRPr lang="fr-FR" dirty="0"/>
+            <a:r>
+              <a:rPr lang="fr-FR" b="1" dirty="0" smtClean="0"/>
+              <a:t>SCREENSHOT MANAGEMENT</a:t>
+            </a:r>
+            <a:endParaRPr lang="fr-FR" b="1" dirty="0"/>
           </a:p>
         </p:txBody>
       </p:sp>
@@ -809,7 +803,7 @@
           <a:p>
             <a:fld id="{0657CA3B-C571-4D70-8712-24BEC4CFA193}" type="slidenum">
               <a:rPr lang="fr-FR" smtClean="0"/>
-              <a:t>19</a:t>
+              <a:t>21</a:t>
             </a:fld>
             <a:endParaRPr lang="fr-FR"/>
           </a:p>
@@ -818,7 +812,7 @@
     </p:spTree>
     <p:extLst>
       <p:ext uri="{BB962C8B-B14F-4D97-AF65-F5344CB8AC3E}">
-        <p14:creationId xmlns:p14="http://schemas.microsoft.com/office/powerpoint/2010/main" val="989573693"/>
+        <p14:creationId xmlns:p14="http://schemas.microsoft.com/office/powerpoint/2010/main" val="3985544142"/>
       </p:ext>
     </p:extLst>
   </p:cSld>
@@ -872,6 +866,10 @@
           <a:bodyPr/>
           <a:lstStyle/>
           <a:p>
+            <a:r>
+              <a:rPr lang="fr-FR" b="1" dirty="0" smtClean="0"/>
+              <a:t>SCREENSHOT MANAGEMENT</a:t>
+            </a:r>
             <a:endParaRPr lang="fr-FR" b="1" dirty="0"/>
           </a:p>
         </p:txBody>
@@ -893,7 +891,7 @@
           <a:p>
             <a:fld id="{0657CA3B-C571-4D70-8712-24BEC4CFA193}" type="slidenum">
               <a:rPr lang="fr-FR" smtClean="0"/>
-              <a:t>21</a:t>
+              <a:t>22</a:t>
             </a:fld>
             <a:endParaRPr lang="fr-FR"/>
           </a:p>
@@ -902,7 +900,7 @@
     </p:spTree>
     <p:extLst>
       <p:ext uri="{BB962C8B-B14F-4D97-AF65-F5344CB8AC3E}">
-        <p14:creationId xmlns:p14="http://schemas.microsoft.com/office/powerpoint/2010/main" val="517459192"/>
+        <p14:creationId xmlns:p14="http://schemas.microsoft.com/office/powerpoint/2010/main" val="2431036163"/>
       </p:ext>
     </p:extLst>
   </p:cSld>
@@ -957,16 +955,10 @@
           <a:lstStyle/>
           <a:p>
             <a:r>
-              <a:rPr lang="fr-FR" dirty="0" smtClean="0"/>
-              <a:t>Tableau items</a:t>
-            </a:r>
-          </a:p>
-          <a:p>
-            <a:r>
-              <a:rPr lang="fr-FR" dirty="0" smtClean="0"/>
-              <a:t>Appliance : appareil</a:t>
-            </a:r>
-            <a:endParaRPr lang="fr-FR" dirty="0"/>
+              <a:rPr lang="fr-FR" b="1" dirty="0" smtClean="0"/>
+              <a:t>SCREENSHOT MANAGEMENT</a:t>
+            </a:r>
+            <a:endParaRPr lang="fr-FR" b="1" dirty="0"/>
           </a:p>
         </p:txBody>
       </p:sp>
@@ -987,7 +979,7 @@
           <a:p>
             <a:fld id="{0657CA3B-C571-4D70-8712-24BEC4CFA193}" type="slidenum">
               <a:rPr lang="fr-FR" smtClean="0"/>
-              <a:t>22</a:t>
+              <a:t>23</a:t>
             </a:fld>
             <a:endParaRPr lang="fr-FR"/>
           </a:p>
@@ -996,7 +988,7 @@
     </p:spTree>
     <p:extLst>
       <p:ext uri="{BB962C8B-B14F-4D97-AF65-F5344CB8AC3E}">
-        <p14:creationId xmlns:p14="http://schemas.microsoft.com/office/powerpoint/2010/main" val="3048969377"/>
+        <p14:creationId xmlns:p14="http://schemas.microsoft.com/office/powerpoint/2010/main" val="206223129"/>
       </p:ext>
     </p:extLst>
   </p:cSld>
@@ -1051,10 +1043,10 @@
           <a:lstStyle/>
           <a:p>
             <a:r>
-              <a:rPr lang="fr-FR" b="1" dirty="0" smtClean="0"/>
-              <a:t>SCREENSHOT MANAGEMENT</a:t>
-            </a:r>
-            <a:endParaRPr lang="fr-FR" b="1" dirty="0"/>
+              <a:rPr lang="fr-FR" dirty="0" smtClean="0"/>
+              <a:t>Ajout au menu + formulaire</a:t>
+            </a:r>
+            <a:endParaRPr lang="fr-FR" dirty="0"/>
           </a:p>
         </p:txBody>
       </p:sp>
@@ -1075,271 +1067,7 @@
           <a:p>
             <a:fld id="{0657CA3B-C571-4D70-8712-24BEC4CFA193}" type="slidenum">
               <a:rPr lang="fr-FR" smtClean="0"/>
-              <a:t>26</a:t>
-            </a:fld>
-            <a:endParaRPr lang="fr-FR"/>
-          </a:p>
-        </p:txBody>
-      </p:sp>
-    </p:spTree>
-    <p:extLst>
-      <p:ext uri="{BB962C8B-B14F-4D97-AF65-F5344CB8AC3E}">
-        <p14:creationId xmlns:p14="http://schemas.microsoft.com/office/powerpoint/2010/main" val="3985544142"/>
-      </p:ext>
-    </p:extLst>
-  </p:cSld>
-  <p:clrMapOvr>
-    <a:masterClrMapping/>
-  </p:clrMapOvr>
-</p:notes>
-</file>
-
-<file path=ppt/notesSlides/notesSlide15.xml><?xml version="1.0" encoding="utf-8"?>
-<p:notes xmlns:a="http://schemas.openxmlformats.org/drawingml/2006/main" xmlns:r="http://schemas.openxmlformats.org/officeDocument/2006/relationships" xmlns:p="http://schemas.openxmlformats.org/presentationml/2006/main">
-  <p:cSld>
-    <p:spTree>
-      <p:nvGrpSpPr>
-        <p:cNvPr id="1" name=""/>
-        <p:cNvGrpSpPr/>
-        <p:nvPr/>
-      </p:nvGrpSpPr>
-      <p:grpSpPr>
-        <a:xfrm>
-          <a:off x="0" y="0"/>
-          <a:ext cx="0" cy="0"/>
-          <a:chOff x="0" y="0"/>
-          <a:chExt cx="0" cy="0"/>
-        </a:xfrm>
-      </p:grpSpPr>
-      <p:sp>
-        <p:nvSpPr>
-          <p:cNvPr id="2" name="Slide Image Placeholder 1"/>
-          <p:cNvSpPr>
-            <a:spLocks noGrp="1" noRot="1" noChangeAspect="1"/>
-          </p:cNvSpPr>
-          <p:nvPr>
-            <p:ph type="sldImg"/>
-          </p:nvPr>
-        </p:nvSpPr>
-        <p:spPr/>
-      </p:sp>
-      <p:sp>
-        <p:nvSpPr>
-          <p:cNvPr id="3" name="Notes Placeholder 2"/>
-          <p:cNvSpPr>
-            <a:spLocks noGrp="1"/>
-          </p:cNvSpPr>
-          <p:nvPr>
-            <p:ph type="body" idx="1"/>
-          </p:nvPr>
-        </p:nvSpPr>
-        <p:spPr/>
-        <p:txBody>
-          <a:bodyPr/>
-          <a:lstStyle/>
-          <a:p>
-            <a:r>
-              <a:rPr lang="fr-FR" b="1" dirty="0" smtClean="0"/>
-              <a:t>SCREENSHOT MANAGEMENT</a:t>
-            </a:r>
-            <a:endParaRPr lang="fr-FR" b="1" dirty="0"/>
-          </a:p>
-        </p:txBody>
-      </p:sp>
-      <p:sp>
-        <p:nvSpPr>
-          <p:cNvPr id="4" name="Slide Number Placeholder 3"/>
-          <p:cNvSpPr>
-            <a:spLocks noGrp="1"/>
-          </p:cNvSpPr>
-          <p:nvPr>
-            <p:ph type="sldNum" sz="quarter" idx="10"/>
-          </p:nvPr>
-        </p:nvSpPr>
-        <p:spPr/>
-        <p:txBody>
-          <a:bodyPr/>
-          <a:lstStyle/>
-          <a:p>
-            <a:fld id="{0657CA3B-C571-4D70-8712-24BEC4CFA193}" type="slidenum">
-              <a:rPr lang="fr-FR" smtClean="0"/>
-              <a:t>27</a:t>
-            </a:fld>
-            <a:endParaRPr lang="fr-FR"/>
-          </a:p>
-        </p:txBody>
-      </p:sp>
-    </p:spTree>
-    <p:extLst>
-      <p:ext uri="{BB962C8B-B14F-4D97-AF65-F5344CB8AC3E}">
-        <p14:creationId xmlns:p14="http://schemas.microsoft.com/office/powerpoint/2010/main" val="2431036163"/>
-      </p:ext>
-    </p:extLst>
-  </p:cSld>
-  <p:clrMapOvr>
-    <a:masterClrMapping/>
-  </p:clrMapOvr>
-</p:notes>
-</file>
-
-<file path=ppt/notesSlides/notesSlide16.xml><?xml version="1.0" encoding="utf-8"?>
-<p:notes xmlns:a="http://schemas.openxmlformats.org/drawingml/2006/main" xmlns:r="http://schemas.openxmlformats.org/officeDocument/2006/relationships" xmlns:p="http://schemas.openxmlformats.org/presentationml/2006/main">
-  <p:cSld>
-    <p:spTree>
-      <p:nvGrpSpPr>
-        <p:cNvPr id="1" name=""/>
-        <p:cNvGrpSpPr/>
-        <p:nvPr/>
-      </p:nvGrpSpPr>
-      <p:grpSpPr>
-        <a:xfrm>
-          <a:off x="0" y="0"/>
-          <a:ext cx="0" cy="0"/>
-          <a:chOff x="0" y="0"/>
-          <a:chExt cx="0" cy="0"/>
-        </a:xfrm>
-      </p:grpSpPr>
-      <p:sp>
-        <p:nvSpPr>
-          <p:cNvPr id="2" name="Slide Image Placeholder 1"/>
-          <p:cNvSpPr>
-            <a:spLocks noGrp="1" noRot="1" noChangeAspect="1"/>
-          </p:cNvSpPr>
-          <p:nvPr>
-            <p:ph type="sldImg"/>
-          </p:nvPr>
-        </p:nvSpPr>
-        <p:spPr/>
-      </p:sp>
-      <p:sp>
-        <p:nvSpPr>
-          <p:cNvPr id="3" name="Notes Placeholder 2"/>
-          <p:cNvSpPr>
-            <a:spLocks noGrp="1"/>
-          </p:cNvSpPr>
-          <p:nvPr>
-            <p:ph type="body" idx="1"/>
-          </p:nvPr>
-        </p:nvSpPr>
-        <p:spPr/>
-        <p:txBody>
-          <a:bodyPr/>
-          <a:lstStyle/>
-          <a:p>
-            <a:r>
-              <a:rPr lang="fr-FR" b="1" dirty="0" smtClean="0"/>
-              <a:t>SCREENSHOT MANAGEMENT</a:t>
-            </a:r>
-            <a:endParaRPr lang="fr-FR" b="1" dirty="0"/>
-          </a:p>
-        </p:txBody>
-      </p:sp>
-      <p:sp>
-        <p:nvSpPr>
-          <p:cNvPr id="4" name="Slide Number Placeholder 3"/>
-          <p:cNvSpPr>
-            <a:spLocks noGrp="1"/>
-          </p:cNvSpPr>
-          <p:nvPr>
-            <p:ph type="sldNum" sz="quarter" idx="10"/>
-          </p:nvPr>
-        </p:nvSpPr>
-        <p:spPr/>
-        <p:txBody>
-          <a:bodyPr/>
-          <a:lstStyle/>
-          <a:p>
-            <a:fld id="{0657CA3B-C571-4D70-8712-24BEC4CFA193}" type="slidenum">
-              <a:rPr lang="fr-FR" smtClean="0"/>
-              <a:t>28</a:t>
-            </a:fld>
-            <a:endParaRPr lang="fr-FR"/>
-          </a:p>
-        </p:txBody>
-      </p:sp>
-    </p:spTree>
-    <p:extLst>
-      <p:ext uri="{BB962C8B-B14F-4D97-AF65-F5344CB8AC3E}">
-        <p14:creationId xmlns:p14="http://schemas.microsoft.com/office/powerpoint/2010/main" val="206223129"/>
-      </p:ext>
-    </p:extLst>
-  </p:cSld>
-  <p:clrMapOvr>
-    <a:masterClrMapping/>
-  </p:clrMapOvr>
-</p:notes>
-</file>
-
-<file path=ppt/notesSlides/notesSlide17.xml><?xml version="1.0" encoding="utf-8"?>
-<p:notes xmlns:a="http://schemas.openxmlformats.org/drawingml/2006/main" xmlns:r="http://schemas.openxmlformats.org/officeDocument/2006/relationships" xmlns:p="http://schemas.openxmlformats.org/presentationml/2006/main">
-  <p:cSld>
-    <p:spTree>
-      <p:nvGrpSpPr>
-        <p:cNvPr id="1" name=""/>
-        <p:cNvGrpSpPr/>
-        <p:nvPr/>
-      </p:nvGrpSpPr>
-      <p:grpSpPr>
-        <a:xfrm>
-          <a:off x="0" y="0"/>
-          <a:ext cx="0" cy="0"/>
-          <a:chOff x="0" y="0"/>
-          <a:chExt cx="0" cy="0"/>
-        </a:xfrm>
-      </p:grpSpPr>
-      <p:sp>
-        <p:nvSpPr>
-          <p:cNvPr id="2" name="Slide Image Placeholder 1"/>
-          <p:cNvSpPr>
-            <a:spLocks noGrp="1" noRot="1" noChangeAspect="1"/>
-          </p:cNvSpPr>
-          <p:nvPr>
-            <p:ph type="sldImg"/>
-          </p:nvPr>
-        </p:nvSpPr>
-        <p:spPr/>
-      </p:sp>
-      <p:sp>
-        <p:nvSpPr>
-          <p:cNvPr id="3" name="Notes Placeholder 2"/>
-          <p:cNvSpPr>
-            <a:spLocks noGrp="1"/>
-          </p:cNvSpPr>
-          <p:nvPr>
-            <p:ph type="body" idx="1"/>
-          </p:nvPr>
-        </p:nvSpPr>
-        <p:spPr/>
-        <p:txBody>
-          <a:bodyPr/>
-          <a:lstStyle/>
-          <a:p>
-            <a:r>
-              <a:rPr lang="fr-FR" dirty="0" smtClean="0"/>
-              <a:t>Ajout au menu + formulaire</a:t>
-            </a:r>
-            <a:endParaRPr lang="fr-FR" dirty="0"/>
-          </a:p>
-        </p:txBody>
-      </p:sp>
-      <p:sp>
-        <p:nvSpPr>
-          <p:cNvPr id="4" name="Slide Number Placeholder 3"/>
-          <p:cNvSpPr>
-            <a:spLocks noGrp="1"/>
-          </p:cNvSpPr>
-          <p:nvPr>
-            <p:ph type="sldNum" sz="quarter" idx="10"/>
-          </p:nvPr>
-        </p:nvSpPr>
-        <p:spPr/>
-        <p:txBody>
-          <a:bodyPr/>
-          <a:lstStyle/>
-          <a:p>
-            <a:fld id="{0657CA3B-C571-4D70-8712-24BEC4CFA193}" type="slidenum">
-              <a:rPr lang="fr-FR" smtClean="0"/>
-              <a:t>30</a:t>
+              <a:t>25</a:t>
             </a:fld>
             <a:endParaRPr lang="fr-FR"/>
           </a:p>
@@ -1848,12 +1576,16 @@
           <a:lstStyle/>
           <a:p>
             <a:r>
+              <a:rPr lang="fr-FR" dirty="0" err="1" smtClean="0"/>
+              <a:t>Xo</a:t>
+            </a:r>
+            <a:r>
               <a:rPr lang="fr-FR" dirty="0" smtClean="0"/>
-              <a:t>Abstraction</a:t>
-            </a:r>
-            <a:r>
-              <a:rPr lang="fr-FR" baseline="0" dirty="0" smtClean="0"/>
-              <a:t> state =&gt; </a:t>
+              <a:t>-server : environnement </a:t>
+            </a:r>
+            <a:r>
+              <a:rPr lang="fr-FR" dirty="0" err="1" smtClean="0"/>
+              <a:t>Node</a:t>
             </a:r>
             <a:endParaRPr lang="fr-FR" dirty="0"/>
           </a:p>
@@ -1876,7 +1608,7 @@
           <a:p>
             <a:fld id="{0657CA3B-C571-4D70-8712-24BEC4CFA193}" type="slidenum">
               <a:rPr lang="fr-FR" smtClean="0"/>
-              <a:t>10</a:t>
+              <a:t>11</a:t>
             </a:fld>
             <a:endParaRPr lang="fr-FR"/>
           </a:p>
@@ -1885,7 +1617,7 @@
     </p:spTree>
     <p:extLst>
       <p:ext uri="{BB962C8B-B14F-4D97-AF65-F5344CB8AC3E}">
-        <p14:creationId xmlns:p14="http://schemas.microsoft.com/office/powerpoint/2010/main" val="2912110552"/>
+        <p14:creationId xmlns:p14="http://schemas.microsoft.com/office/powerpoint/2010/main" val="1124442111"/>
       </p:ext>
     </p:extLst>
   </p:cSld>
@@ -1941,11 +1673,17 @@
           <a:p>
             <a:r>
               <a:rPr lang="fr-FR" dirty="0" smtClean="0"/>
-              <a:t>Remise</a:t>
-            </a:r>
-            <a:r>
-              <a:rPr lang="fr-FR" baseline="0" dirty="0" smtClean="0"/>
-              <a:t> à la valeur initiale sans recopie de code</a:t>
+              <a:t>Menu </a:t>
+            </a:r>
+            <a:r>
+              <a:rPr lang="fr-FR" smtClean="0"/>
+              <a:t>à gauche</a:t>
+            </a:r>
+          </a:p>
+          <a:p>
+            <a:r>
+              <a:rPr lang="fr-FR" smtClean="0"/>
+              <a:t>L</a:t>
             </a:r>
             <a:endParaRPr lang="fr-FR" dirty="0"/>
           </a:p>
@@ -1968,7 +1706,7 @@
           <a:p>
             <a:fld id="{0657CA3B-C571-4D70-8712-24BEC4CFA193}" type="slidenum">
               <a:rPr lang="fr-FR" smtClean="0"/>
-              <a:t>11</a:t>
+              <a:t>12</a:t>
             </a:fld>
             <a:endParaRPr lang="fr-FR"/>
           </a:p>
@@ -1977,7 +1715,7 @@
     </p:spTree>
     <p:extLst>
       <p:ext uri="{BB962C8B-B14F-4D97-AF65-F5344CB8AC3E}">
-        <p14:creationId xmlns:p14="http://schemas.microsoft.com/office/powerpoint/2010/main" val="1486343389"/>
+        <p14:creationId xmlns:p14="http://schemas.microsoft.com/office/powerpoint/2010/main" val="3020623872"/>
       </p:ext>
     </p:extLst>
   </p:cSld>
@@ -2031,25 +1769,6 @@
           <a:bodyPr/>
           <a:lstStyle/>
           <a:p>
-            <a:r>
-              <a:rPr lang="fr-FR" dirty="0" smtClean="0"/>
-              <a:t>Développement d’une liste de choses à faire</a:t>
-            </a:r>
-          </a:p>
-          <a:p>
-            <a:endParaRPr lang="fr-FR" dirty="0" smtClean="0"/>
-          </a:p>
-          <a:p>
-            <a:r>
-              <a:rPr lang="fr-FR" dirty="0" smtClean="0"/>
-              <a:t>Implémentation classique dans un premier temps</a:t>
-            </a:r>
-          </a:p>
-          <a:p>
-            <a:r>
-              <a:rPr lang="fr-FR" dirty="0" smtClean="0"/>
-              <a:t>-fonctions de gestion</a:t>
-            </a:r>
             <a:endParaRPr lang="fr-FR" dirty="0"/>
           </a:p>
         </p:txBody>
@@ -2071,7 +1790,7 @@
           <a:p>
             <a:fld id="{0657CA3B-C571-4D70-8712-24BEC4CFA193}" type="slidenum">
               <a:rPr lang="fr-FR" smtClean="0"/>
-              <a:t>12</a:t>
+              <a:t>13</a:t>
             </a:fld>
             <a:endParaRPr lang="fr-FR"/>
           </a:p>
@@ -2080,7 +1799,7 @@
     </p:spTree>
     <p:extLst>
       <p:ext uri="{BB962C8B-B14F-4D97-AF65-F5344CB8AC3E}">
-        <p14:creationId xmlns:p14="http://schemas.microsoft.com/office/powerpoint/2010/main" val="3711016415"/>
+        <p14:creationId xmlns:p14="http://schemas.microsoft.com/office/powerpoint/2010/main" val="989573693"/>
       </p:ext>
     </p:extLst>
   </p:cSld>
@@ -2134,19 +1853,7 @@
           <a:bodyPr/>
           <a:lstStyle/>
           <a:p>
-            <a:r>
-              <a:rPr lang="fr-FR" dirty="0" err="1" smtClean="0"/>
-              <a:t>Xo</a:t>
-            </a:r>
-            <a:r>
-              <a:rPr lang="fr-FR" dirty="0" smtClean="0"/>
-              <a:t>-server : environnement </a:t>
-            </a:r>
-            <a:r>
-              <a:rPr lang="fr-FR" dirty="0" err="1" smtClean="0"/>
-              <a:t>Node</a:t>
-            </a:r>
-            <a:endParaRPr lang="fr-FR" dirty="0"/>
+            <a:endParaRPr lang="fr-FR" b="1" dirty="0"/>
           </a:p>
         </p:txBody>
       </p:sp>
@@ -2167,7 +1874,7 @@
           <a:p>
             <a:fld id="{0657CA3B-C571-4D70-8712-24BEC4CFA193}" type="slidenum">
               <a:rPr lang="fr-FR" smtClean="0"/>
-              <a:t>17</a:t>
+              <a:t>16</a:t>
             </a:fld>
             <a:endParaRPr lang="fr-FR"/>
           </a:p>
@@ -2176,7 +1883,7 @@
     </p:spTree>
     <p:extLst>
       <p:ext uri="{BB962C8B-B14F-4D97-AF65-F5344CB8AC3E}">
-        <p14:creationId xmlns:p14="http://schemas.microsoft.com/office/powerpoint/2010/main" val="1124442111"/>
+        <p14:creationId xmlns:p14="http://schemas.microsoft.com/office/powerpoint/2010/main" val="517459192"/>
       </p:ext>
     </p:extLst>
   </p:cSld>
@@ -2908,7 +2615,7 @@
           <a:p>
             <a:fld id="{63900C82-A896-4DE8-A8E3-2D1E38E7FA3D}" type="datetime1">
               <a:rPr lang="en-US" smtClean="0"/>
-              <a:t>7/1/2017</a:t>
+              <a:t>7/2/2017</a:t>
             </a:fld>
             <a:endParaRPr lang="en-US" dirty="0"/>
           </a:p>
@@ -3159,7 +2866,7 @@
           <a:p>
             <a:fld id="{9C676D22-B730-4223-8964-664AC924586B}" type="datetime1">
               <a:rPr lang="en-US" smtClean="0"/>
-              <a:t>7/1/2017</a:t>
+              <a:t>7/2/2017</a:t>
             </a:fld>
             <a:endParaRPr lang="en-US" dirty="0"/>
           </a:p>
@@ -3473,7 +3180,7 @@
           <a:p>
             <a:fld id="{C003026D-E995-4F32-93A5-CE52920CC17F}" type="datetime1">
               <a:rPr lang="en-US" smtClean="0"/>
-              <a:t>7/1/2017</a:t>
+              <a:t>7/2/2017</a:t>
             </a:fld>
             <a:endParaRPr lang="en-US" dirty="0"/>
           </a:p>
@@ -3814,7 +3521,7 @@
           <a:p>
             <a:fld id="{B23BE740-A13A-42ED-8C1E-B1E0E21EC01E}" type="datetime1">
               <a:rPr lang="en-US" smtClean="0"/>
-              <a:t>7/1/2017</a:t>
+              <a:t>7/2/2017</a:t>
             </a:fld>
             <a:endParaRPr lang="en-US" dirty="0"/>
           </a:p>
@@ -4128,7 +3835,7 @@
           <a:p>
             <a:fld id="{D9318CF3-4A27-4F25-A0F8-0BDF06A3B765}" type="datetime1">
               <a:rPr lang="en-US" smtClean="0"/>
-              <a:t>7/1/2017</a:t>
+              <a:t>7/2/2017</a:t>
             </a:fld>
             <a:endParaRPr lang="en-US" dirty="0"/>
           </a:p>
@@ -4521,7 +4228,7 @@
           <a:p>
             <a:fld id="{5A99F229-B8C4-4F43-A5DB-A10D43DAD398}" type="datetime1">
               <a:rPr lang="en-US" smtClean="0"/>
-              <a:t>7/1/2017</a:t>
+              <a:t>7/2/2017</a:t>
             </a:fld>
             <a:endParaRPr lang="en-US" dirty="0"/>
           </a:p>
@@ -4691,7 +4398,7 @@
           <a:p>
             <a:fld id="{AB98E4B4-D3A3-4161-BAEC-27D6DCEC7CED}" type="datetime1">
               <a:rPr lang="en-US" smtClean="0"/>
-              <a:t>7/1/2017</a:t>
+              <a:t>7/2/2017</a:t>
             </a:fld>
             <a:endParaRPr lang="en-US" dirty="0"/>
           </a:p>
@@ -4870,7 +4577,7 @@
           <a:p>
             <a:fld id="{931EDA62-39B5-4812-A3F5-036F94BDE2E8}" type="datetime1">
               <a:rPr lang="en-US" smtClean="0"/>
-              <a:t>7/1/2017</a:t>
+              <a:t>7/2/2017</a:t>
             </a:fld>
             <a:endParaRPr lang="en-US" dirty="0"/>
           </a:p>
@@ -5046,7 +4753,7 @@
           <a:p>
             <a:fld id="{36EA2C8A-79EB-498B-919B-F34FCE235126}" type="datetime1">
               <a:rPr lang="en-US" smtClean="0"/>
-              <a:t>7/1/2017</a:t>
+              <a:t>7/2/2017</a:t>
             </a:fld>
             <a:endParaRPr lang="en-US" dirty="0"/>
           </a:p>
@@ -5293,7 +5000,7 @@
           <a:p>
             <a:fld id="{55533B15-B0B3-4E2F-9D27-46AA9F529301}" type="datetime1">
               <a:rPr lang="en-US" smtClean="0"/>
-              <a:t>7/1/2017</a:t>
+              <a:t>7/2/2017</a:t>
             </a:fld>
             <a:endParaRPr lang="en-US" dirty="0"/>
           </a:p>
@@ -5525,7 +5232,7 @@
           <a:p>
             <a:fld id="{85A2D822-A24F-408F-822A-0E344E05EA75}" type="datetime1">
               <a:rPr lang="en-US" smtClean="0"/>
-              <a:t>7/1/2017</a:t>
+              <a:t>7/2/2017</a:t>
             </a:fld>
             <a:endParaRPr lang="en-US" dirty="0"/>
           </a:p>
@@ -5898,7 +5605,7 @@
           <a:p>
             <a:fld id="{0D6ABC60-4846-45BB-9962-BEC6BD89B9A5}" type="datetime1">
               <a:rPr lang="en-US" smtClean="0"/>
-              <a:t>7/1/2017</a:t>
+              <a:t>7/2/2017</a:t>
             </a:fld>
             <a:endParaRPr lang="en-US" dirty="0"/>
           </a:p>
@@ -6021,7 +5728,7 @@
           <a:p>
             <a:fld id="{04B316C2-C98E-4032-9051-A13DBD48B70A}" type="datetime1">
               <a:rPr lang="en-US" smtClean="0"/>
-              <a:t>7/1/2017</a:t>
+              <a:t>7/2/2017</a:t>
             </a:fld>
             <a:endParaRPr lang="en-US" dirty="0"/>
           </a:p>
@@ -6116,7 +5823,7 @@
           <a:p>
             <a:fld id="{77E0374F-8A8C-476E-B7A7-AA3F8529EE2D}" type="datetime1">
               <a:rPr lang="en-US" smtClean="0"/>
-              <a:t>7/1/2017</a:t>
+              <a:t>7/2/2017</a:t>
             </a:fld>
             <a:endParaRPr lang="en-US" dirty="0"/>
           </a:p>
@@ -6371,7 +6078,7 @@
           <a:p>
             <a:fld id="{9E1C093E-FBEA-46D0-8808-7D2B33F769D3}" type="datetime1">
               <a:rPr lang="en-US" smtClean="0"/>
-              <a:t>7/1/2017</a:t>
+              <a:t>7/2/2017</a:t>
             </a:fld>
             <a:endParaRPr lang="en-US" dirty="0"/>
           </a:p>
@@ -6633,7 +6340,7 @@
           <a:p>
             <a:fld id="{CBFB7E00-8915-4DCE-BFC0-ED88A6E2A29E}" type="datetime1">
               <a:rPr lang="en-US" smtClean="0"/>
-              <a:t>7/1/2017</a:t>
+              <a:t>7/2/2017</a:t>
             </a:fld>
             <a:endParaRPr lang="en-US" dirty="0"/>
           </a:p>
@@ -7376,7 +7083,7 @@
           <a:p>
             <a:fld id="{91897A87-A690-4C68-80C1-C84EE91EBAF0}" type="datetime1">
               <a:rPr lang="en-US" smtClean="0"/>
-              <a:t>7/1/2017</a:t>
+              <a:t>7/2/2017</a:t>
             </a:fld>
             <a:endParaRPr lang="en-US" dirty="0"/>
           </a:p>
@@ -8077,7 +7784,11 @@
           <a:p>
             <a:r>
               <a:rPr lang="fr-FR" dirty="0" err="1" smtClean="0"/>
-              <a:t>withState</a:t>
+              <a:t>Xen</a:t>
+            </a:r>
+            <a:r>
+              <a:rPr lang="fr-FR" dirty="0" smtClean="0"/>
+              <a:t> Orchestra : Infrastructure</a:t>
             </a:r>
             <a:endParaRPr lang="fr-FR" dirty="0"/>
           </a:p>
@@ -8100,56 +7811,71 @@
           <a:p>
             <a:r>
               <a:rPr lang="fr-FR" dirty="0" smtClean="0"/>
-              <a:t>Décorateur</a:t>
-            </a:r>
+              <a:t>Gestionnaire de machines virtuelles</a:t>
+            </a:r>
+          </a:p>
+          <a:p>
+            <a:r>
+              <a:rPr lang="fr-FR" dirty="0" err="1" smtClean="0"/>
+              <a:t>XenServer</a:t>
+            </a:r>
+            <a:endParaRPr lang="fr-FR" dirty="0" smtClean="0"/>
+          </a:p>
+          <a:p>
+            <a:r>
+              <a:rPr lang="fr-FR" dirty="0" err="1" smtClean="0"/>
+              <a:t>Xapi</a:t>
+            </a:r>
+            <a:endParaRPr lang="fr-FR" dirty="0" smtClean="0"/>
+          </a:p>
+          <a:p>
+            <a:endParaRPr lang="fr-FR" dirty="0" smtClean="0"/>
           </a:p>
           <a:p>
             <a:r>
               <a:rPr lang="fr-FR" dirty="0" smtClean="0"/>
-              <a:t>Abstraction de la gestion du state</a:t>
-            </a:r>
-          </a:p>
-          <a:p>
+              <a:t>Composé de trois modules :</a:t>
+            </a:r>
+          </a:p>
+          <a:p>
+            <a:pPr lvl="1"/>
+            <a:r>
+              <a:rPr lang="fr-FR" dirty="0" err="1" smtClean="0"/>
+              <a:t>Xo</a:t>
+            </a:r>
             <a:r>
               <a:rPr lang="fr-FR" dirty="0" smtClean="0"/>
-              <a:t>Mise à disposition des fonctions de gestion</a:t>
-            </a:r>
-          </a:p>
-          <a:p>
-            <a:pPr marL="0" indent="0">
-              <a:buNone/>
-            </a:pPr>
+              <a:t>-server</a:t>
+            </a:r>
+          </a:p>
+          <a:p>
+            <a:pPr lvl="1"/>
+            <a:r>
+              <a:rPr lang="fr-FR" dirty="0" err="1" smtClean="0"/>
+              <a:t>Xo</a:t>
+            </a:r>
+            <a:r>
+              <a:rPr lang="fr-FR" dirty="0" smtClean="0"/>
+              <a:t>-web</a:t>
+            </a:r>
+          </a:p>
+          <a:p>
+            <a:pPr lvl="1"/>
+            <a:r>
+              <a:rPr lang="fr-FR" dirty="0" err="1" smtClean="0"/>
+              <a:t>Xo</a:t>
+            </a:r>
+            <a:r>
+              <a:rPr lang="fr-FR" dirty="0" smtClean="0"/>
+              <a:t>-CLI</a:t>
+            </a:r>
             <a:endParaRPr lang="fr-FR" dirty="0"/>
           </a:p>
         </p:txBody>
       </p:sp>
-      <p:pic>
-        <p:nvPicPr>
-          <p:cNvPr id="4" name="Picture 3"/>
-          <p:cNvPicPr>
-            <a:picLocks noChangeAspect="1"/>
-          </p:cNvPicPr>
-          <p:nvPr/>
-        </p:nvPicPr>
-        <p:blipFill>
-          <a:blip r:embed="rId3"/>
-          <a:stretch>
-            <a:fillRect/>
-          </a:stretch>
-        </p:blipFill>
-        <p:spPr>
-          <a:xfrm>
-            <a:off x="6390968" y="2160590"/>
-            <a:ext cx="3113307" cy="365412"/>
-          </a:xfrm>
-          <a:prstGeom prst="rect">
-            <a:avLst/>
-          </a:prstGeom>
-        </p:spPr>
-      </p:pic>
-      <p:sp>
-        <p:nvSpPr>
-          <p:cNvPr id="7" name="Footer Placeholder 6"/>
+      <p:sp>
+        <p:nvSpPr>
+          <p:cNvPr id="4" name="Footer Placeholder 3"/>
           <p:cNvSpPr>
             <a:spLocks noGrp="1"/>
           </p:cNvSpPr>
@@ -8172,7 +7898,7 @@
       </p:sp>
       <p:sp>
         <p:nvSpPr>
-          <p:cNvPr id="8" name="Slide Number Placeholder 7"/>
+          <p:cNvPr id="5" name="Slide Number Placeholder 4"/>
           <p:cNvSpPr>
             <a:spLocks noGrp="1"/>
           </p:cNvSpPr>
@@ -8189,1699 +7915,6 @@
               <a:rPr lang="en-US" smtClean="0"/>
               <a:pPr/>
               <a:t>10</a:t>
-            </a:fld>
-            <a:endParaRPr lang="en-US" dirty="0"/>
-          </a:p>
-        </p:txBody>
-      </p:sp>
-    </p:spTree>
-    <p:extLst>
-      <p:ext uri="{BB962C8B-B14F-4D97-AF65-F5344CB8AC3E}">
-        <p14:creationId xmlns:p14="http://schemas.microsoft.com/office/powerpoint/2010/main" val="2532046439"/>
-      </p:ext>
-    </p:extLst>
-  </p:cSld>
-  <p:clrMapOvr>
-    <a:masterClrMapping/>
-  </p:clrMapOvr>
-  <p:timing>
-    <p:tnLst>
-      <p:par>
-        <p:cTn id="1" dur="indefinite" restart="never" nodeType="tmRoot"/>
-      </p:par>
-    </p:tnLst>
-  </p:timing>
-</p:sld>
-</file>
-
-<file path=ppt/slides/slide11.xml><?xml version="1.0" encoding="utf-8"?>
-<p:sld xmlns:a="http://schemas.openxmlformats.org/drawingml/2006/main" xmlns:r="http://schemas.openxmlformats.org/officeDocument/2006/relationships" xmlns:p="http://schemas.openxmlformats.org/presentationml/2006/main">
-  <p:cSld>
-    <p:spTree>
-      <p:nvGrpSpPr>
-        <p:cNvPr id="1" name=""/>
-        <p:cNvGrpSpPr/>
-        <p:nvPr/>
-      </p:nvGrpSpPr>
-      <p:grpSpPr>
-        <a:xfrm>
-          <a:off x="0" y="0"/>
-          <a:ext cx="0" cy="0"/>
-          <a:chOff x="0" y="0"/>
-          <a:chExt cx="0" cy="0"/>
-        </a:xfrm>
-      </p:grpSpPr>
-      <p:sp>
-        <p:nvSpPr>
-          <p:cNvPr id="2" name="Title 1"/>
-          <p:cNvSpPr>
-            <a:spLocks noGrp="1"/>
-          </p:cNvSpPr>
-          <p:nvPr>
-            <p:ph type="title"/>
-          </p:nvPr>
-        </p:nvSpPr>
-        <p:spPr/>
-        <p:txBody>
-          <a:bodyPr/>
-          <a:lstStyle/>
-          <a:p>
-            <a:r>
-              <a:rPr lang="fr-FR" dirty="0" err="1" smtClean="0"/>
-              <a:t>withState</a:t>
-            </a:r>
-            <a:r>
-              <a:rPr lang="fr-FR" dirty="0" smtClean="0"/>
-              <a:t> : </a:t>
-            </a:r>
-            <a:r>
-              <a:rPr lang="fr-FR" dirty="0" smtClean="0"/>
-              <a:t>Objectifs</a:t>
-            </a:r>
-            <a:endParaRPr lang="fr-FR" dirty="0"/>
-          </a:p>
-        </p:txBody>
-      </p:sp>
-      <p:sp>
-        <p:nvSpPr>
-          <p:cNvPr id="3" name="Content Placeholder 2"/>
-          <p:cNvSpPr>
-            <a:spLocks noGrp="1"/>
-          </p:cNvSpPr>
-          <p:nvPr>
-            <p:ph idx="1"/>
-          </p:nvPr>
-        </p:nvSpPr>
-        <p:spPr>
-          <a:xfrm>
-            <a:off x="693702" y="1179347"/>
-            <a:ext cx="8596668" cy="4281388"/>
-          </a:xfrm>
-        </p:spPr>
-        <p:txBody>
-          <a:bodyPr/>
-          <a:lstStyle/>
-          <a:p>
-            <a:pPr lvl="0"/>
-            <a:r>
-              <a:rPr lang="fr-FR" sz="1600" dirty="0" smtClean="0"/>
-              <a:t>Déclaration d’un state avec un nombre de niveau non défini</a:t>
-            </a:r>
-          </a:p>
-          <a:p>
-            <a:pPr lvl="0"/>
-            <a:r>
-              <a:rPr lang="fr-FR" sz="1600" dirty="0" smtClean="0"/>
-              <a:t>Une action renvoie une valeur de mise à jour de son sous-state</a:t>
-            </a:r>
-          </a:p>
-          <a:p>
-            <a:pPr lvl="0"/>
-            <a:r>
-              <a:rPr lang="fr-FR" sz="1600" dirty="0" smtClean="0"/>
-              <a:t>Décoration d’un </a:t>
-            </a:r>
-            <a:r>
-              <a:rPr lang="fr-FR" sz="1600" dirty="0"/>
-              <a:t>composant </a:t>
-            </a:r>
-            <a:r>
-              <a:rPr lang="fr-FR" sz="1600" dirty="0" err="1" smtClean="0"/>
-              <a:t>stateful</a:t>
-            </a:r>
-            <a:r>
-              <a:rPr lang="fr-FR" sz="1600" dirty="0" smtClean="0"/>
-              <a:t> ou </a:t>
-            </a:r>
-            <a:r>
-              <a:rPr lang="fr-FR" sz="1600" dirty="0" err="1" smtClean="0"/>
-              <a:t>stateless</a:t>
-            </a:r>
-            <a:r>
-              <a:rPr lang="fr-FR" sz="1600" dirty="0"/>
-              <a:t>.</a:t>
-            </a:r>
-          </a:p>
-          <a:p>
-            <a:pPr lvl="0"/>
-            <a:r>
-              <a:rPr lang="fr-FR" sz="1600" dirty="0"/>
-              <a:t>Utiliser une fonction pour initialiser la valeur d’un sous-state</a:t>
-            </a:r>
-          </a:p>
-          <a:p>
-            <a:pPr lvl="0"/>
-            <a:r>
-              <a:rPr lang="fr-FR" sz="1600" dirty="0"/>
-              <a:t>Remettre la valeur d’un sous-state à sa valeur initiale</a:t>
-            </a:r>
-          </a:p>
-          <a:p>
-            <a:pPr lvl="0"/>
-            <a:r>
-              <a:rPr lang="fr-FR" sz="1600" dirty="0"/>
-              <a:t>Une action peut ne rien retourner</a:t>
-            </a:r>
-          </a:p>
-          <a:p>
-            <a:pPr lvl="0"/>
-            <a:r>
-              <a:rPr lang="fr-FR" sz="1600" dirty="0"/>
-              <a:t>L’initialisation d’une chaine de caractères vide doit pouvoir se faire en lui donnant pour valeur le nom de la fonction qui pourra la modifier grâce à un évènement</a:t>
-            </a:r>
-          </a:p>
-          <a:p>
-            <a:pPr lvl="0"/>
-            <a:r>
-              <a:rPr lang="fr-FR" sz="1600" dirty="0"/>
-              <a:t>Déclencher une erreur si plus d’une valeur </a:t>
-            </a:r>
-            <a:r>
-              <a:rPr lang="fr-FR" sz="1600" dirty="0" smtClean="0"/>
-              <a:t>est déclarée </a:t>
-            </a:r>
-            <a:r>
-              <a:rPr lang="fr-FR" sz="1600" dirty="0"/>
-              <a:t>dans un sous-state</a:t>
-            </a:r>
-          </a:p>
-          <a:p>
-            <a:endParaRPr lang="fr-FR" dirty="0"/>
-          </a:p>
-        </p:txBody>
-      </p:sp>
-      <p:grpSp>
-        <p:nvGrpSpPr>
-          <p:cNvPr id="30" name="Group 29"/>
-          <p:cNvGrpSpPr/>
-          <p:nvPr/>
-        </p:nvGrpSpPr>
-        <p:grpSpPr>
-          <a:xfrm>
-            <a:off x="1227663" y="4349992"/>
-            <a:ext cx="7513746" cy="1453594"/>
-            <a:chOff x="1237900" y="4509818"/>
-            <a:chExt cx="7513746" cy="1453594"/>
-          </a:xfrm>
-        </p:grpSpPr>
-        <p:pic>
-          <p:nvPicPr>
-            <p:cNvPr id="6" name="Picture 5"/>
-            <p:cNvPicPr>
-              <a:picLocks noChangeAspect="1"/>
-            </p:cNvPicPr>
-            <p:nvPr/>
-          </p:nvPicPr>
-          <p:blipFill rotWithShape="1">
-            <a:blip r:embed="rId3"/>
-            <a:srcRect l="1751" t="67336" r="74849" b="22041"/>
-            <a:stretch/>
-          </p:blipFill>
-          <p:spPr>
-            <a:xfrm>
-              <a:off x="1237900" y="4830514"/>
-              <a:ext cx="2143433" cy="838136"/>
-            </a:xfrm>
-            <a:prstGeom prst="rect">
-              <a:avLst/>
-            </a:prstGeom>
-          </p:spPr>
-        </p:pic>
-        <p:pic>
-          <p:nvPicPr>
-            <p:cNvPr id="7" name="Picture 6"/>
-            <p:cNvPicPr>
-              <a:picLocks noChangeAspect="1"/>
-            </p:cNvPicPr>
-            <p:nvPr/>
-          </p:nvPicPr>
-          <p:blipFill>
-            <a:blip r:embed="rId4"/>
-            <a:stretch>
-              <a:fillRect/>
-            </a:stretch>
-          </p:blipFill>
-          <p:spPr>
-            <a:xfrm>
-              <a:off x="5002273" y="4509818"/>
-              <a:ext cx="1073099" cy="320696"/>
-            </a:xfrm>
-            <a:prstGeom prst="rect">
-              <a:avLst/>
-            </a:prstGeom>
-          </p:spPr>
-        </p:pic>
-        <p:pic>
-          <p:nvPicPr>
-            <p:cNvPr id="8" name="Picture 7"/>
-            <p:cNvPicPr>
-              <a:picLocks noChangeAspect="1"/>
-            </p:cNvPicPr>
-            <p:nvPr/>
-          </p:nvPicPr>
-          <p:blipFill>
-            <a:blip r:embed="rId5"/>
-            <a:stretch>
-              <a:fillRect/>
-            </a:stretch>
-          </p:blipFill>
-          <p:spPr>
-            <a:xfrm>
-              <a:off x="5002273" y="5668650"/>
-              <a:ext cx="3749373" cy="294762"/>
-            </a:xfrm>
-            <a:prstGeom prst="rect">
-              <a:avLst/>
-            </a:prstGeom>
-          </p:spPr>
-        </p:pic>
-        <p:cxnSp>
-          <p:nvCxnSpPr>
-            <p:cNvPr id="10" name="Straight Arrow Connector 9"/>
-            <p:cNvCxnSpPr/>
-            <p:nvPr/>
-          </p:nvCxnSpPr>
-          <p:spPr>
-            <a:xfrm flipV="1">
-              <a:off x="3390201" y="4670166"/>
-              <a:ext cx="1603203" cy="174004"/>
-            </a:xfrm>
-            <a:prstGeom prst="straightConnector1">
-              <a:avLst/>
-            </a:prstGeom>
-            <a:ln>
-              <a:tailEnd type="triangle"/>
-            </a:ln>
-          </p:spPr>
-          <p:style>
-            <a:lnRef idx="1">
-              <a:schemeClr val="accent1"/>
-            </a:lnRef>
-            <a:fillRef idx="0">
-              <a:schemeClr val="accent1"/>
-            </a:fillRef>
-            <a:effectRef idx="0">
-              <a:schemeClr val="accent1"/>
-            </a:effectRef>
-            <a:fontRef idx="minor">
-              <a:schemeClr val="tx1"/>
-            </a:fontRef>
-          </p:style>
-        </p:cxnSp>
-        <p:cxnSp>
-          <p:nvCxnSpPr>
-            <p:cNvPr id="15" name="Straight Arrow Connector 14"/>
-            <p:cNvCxnSpPr>
-              <a:endCxn id="8" idx="1"/>
-            </p:cNvCxnSpPr>
-            <p:nvPr/>
-          </p:nvCxnSpPr>
-          <p:spPr>
-            <a:xfrm>
-              <a:off x="3381333" y="5668650"/>
-              <a:ext cx="1620940" cy="147381"/>
-            </a:xfrm>
-            <a:prstGeom prst="straightConnector1">
-              <a:avLst/>
-            </a:prstGeom>
-            <a:ln>
-              <a:tailEnd type="triangle"/>
-            </a:ln>
-          </p:spPr>
-          <p:style>
-            <a:lnRef idx="1">
-              <a:schemeClr val="accent1"/>
-            </a:lnRef>
-            <a:fillRef idx="0">
-              <a:schemeClr val="accent1"/>
-            </a:fillRef>
-            <a:effectRef idx="0">
-              <a:schemeClr val="accent1"/>
-            </a:effectRef>
-            <a:fontRef idx="minor">
-              <a:schemeClr val="tx1"/>
-            </a:fontRef>
-          </p:style>
-        </p:cxnSp>
-        <p:sp>
-          <p:nvSpPr>
-            <p:cNvPr id="16" name="TextBox 15"/>
-            <p:cNvSpPr txBox="1"/>
-            <p:nvPr/>
-          </p:nvSpPr>
-          <p:spPr>
-            <a:xfrm>
-              <a:off x="3798512" y="4572502"/>
-              <a:ext cx="776749" cy="369332"/>
-            </a:xfrm>
-            <a:prstGeom prst="rect">
-              <a:avLst/>
-            </a:prstGeom>
-            <a:noFill/>
-          </p:spPr>
-          <p:txBody>
-            <a:bodyPr wrap="square" rtlCol="0">
-              <a:spAutoFit/>
-            </a:bodyPr>
-            <a:lstStyle/>
-            <a:p>
-              <a:r>
-                <a:rPr lang="fr-FR" dirty="0" smtClean="0"/>
-                <a:t>state</a:t>
-              </a:r>
-              <a:endParaRPr lang="fr-FR" dirty="0"/>
-            </a:p>
-          </p:txBody>
-        </p:sp>
-        <p:sp>
-          <p:nvSpPr>
-            <p:cNvPr id="17" name="TextBox 16"/>
-            <p:cNvSpPr txBox="1"/>
-            <p:nvPr/>
-          </p:nvSpPr>
-          <p:spPr>
-            <a:xfrm>
-              <a:off x="3798512" y="5502108"/>
-              <a:ext cx="786581" cy="369332"/>
-            </a:xfrm>
-            <a:prstGeom prst="rect">
-              <a:avLst/>
-            </a:prstGeom>
-            <a:noFill/>
-          </p:spPr>
-          <p:txBody>
-            <a:bodyPr wrap="square" rtlCol="0">
-              <a:spAutoFit/>
-            </a:bodyPr>
-            <a:lstStyle/>
-            <a:p>
-              <a:r>
-                <a:rPr lang="fr-FR" dirty="0" err="1" smtClean="0"/>
-                <a:t>props</a:t>
-              </a:r>
-              <a:endParaRPr lang="fr-FR" dirty="0"/>
-            </a:p>
-          </p:txBody>
-        </p:sp>
-      </p:grpSp>
-      <p:pic>
-        <p:nvPicPr>
-          <p:cNvPr id="20" name="Picture 19"/>
-          <p:cNvPicPr>
-            <a:picLocks noChangeAspect="1"/>
-          </p:cNvPicPr>
-          <p:nvPr/>
-        </p:nvPicPr>
-        <p:blipFill>
-          <a:blip r:embed="rId6"/>
-          <a:stretch>
-            <a:fillRect/>
-          </a:stretch>
-        </p:blipFill>
-        <p:spPr>
-          <a:xfrm>
-            <a:off x="6983814" y="781794"/>
-            <a:ext cx="4133850" cy="2628900"/>
-          </a:xfrm>
-          <a:prstGeom prst="rect">
-            <a:avLst/>
-          </a:prstGeom>
-        </p:spPr>
-      </p:pic>
-      <p:sp>
-        <p:nvSpPr>
-          <p:cNvPr id="21" name="Footer Placeholder 20"/>
-          <p:cNvSpPr>
-            <a:spLocks noGrp="1"/>
-          </p:cNvSpPr>
-          <p:nvPr>
-            <p:ph type="ftr" sz="quarter" idx="11"/>
-          </p:nvPr>
-        </p:nvSpPr>
-        <p:spPr>
-          <a:xfrm>
-            <a:off x="686202" y="5438461"/>
-            <a:ext cx="6297612" cy="365125"/>
-          </a:xfrm>
-        </p:spPr>
-        <p:txBody>
-          <a:bodyPr/>
-          <a:lstStyle/>
-          <a:p>
-            <a:r>
-              <a:rPr lang="en-US" smtClean="0"/>
-              <a:t>Bois Cédric - Master WIC</a:t>
-            </a:r>
-            <a:endParaRPr lang="en-US" dirty="0"/>
-          </a:p>
-        </p:txBody>
-      </p:sp>
-      <p:sp>
-        <p:nvSpPr>
-          <p:cNvPr id="22" name="Slide Number Placeholder 21"/>
-          <p:cNvSpPr>
-            <a:spLocks noGrp="1"/>
-          </p:cNvSpPr>
-          <p:nvPr>
-            <p:ph type="sldNum" sz="quarter" idx="12"/>
-          </p:nvPr>
-        </p:nvSpPr>
-        <p:spPr/>
-        <p:txBody>
-          <a:bodyPr/>
-          <a:lstStyle/>
-          <a:p>
-            <a:fld id="{D57F1E4F-1CFF-5643-939E-217C01CDF565}" type="slidenum">
-              <a:rPr lang="en-US" smtClean="0"/>
-              <a:pPr/>
-              <a:t>11</a:t>
-            </a:fld>
-            <a:endParaRPr lang="en-US" dirty="0"/>
-          </a:p>
-        </p:txBody>
-      </p:sp>
-    </p:spTree>
-    <p:extLst>
-      <p:ext uri="{BB962C8B-B14F-4D97-AF65-F5344CB8AC3E}">
-        <p14:creationId xmlns:p14="http://schemas.microsoft.com/office/powerpoint/2010/main" val="2798793777"/>
-      </p:ext>
-    </p:extLst>
-  </p:cSld>
-  <p:clrMapOvr>
-    <a:masterClrMapping/>
-  </p:clrMapOvr>
-  <p:timing>
-    <p:tnLst>
-      <p:par>
-        <p:cTn id="1" dur="indefinite" restart="never" nodeType="tmRoot"/>
-      </p:par>
-    </p:tnLst>
-  </p:timing>
-</p:sld>
-</file>
-
-<file path=ppt/slides/slide12.xml><?xml version="1.0" encoding="utf-8"?>
-<p:sld xmlns:a="http://schemas.openxmlformats.org/drawingml/2006/main" xmlns:r="http://schemas.openxmlformats.org/officeDocument/2006/relationships" xmlns:p="http://schemas.openxmlformats.org/presentationml/2006/main">
-  <p:cSld>
-    <p:spTree>
-      <p:nvGrpSpPr>
-        <p:cNvPr id="1" name=""/>
-        <p:cNvGrpSpPr/>
-        <p:nvPr/>
-      </p:nvGrpSpPr>
-      <p:grpSpPr>
-        <a:xfrm>
-          <a:off x="0" y="0"/>
-          <a:ext cx="0" cy="0"/>
-          <a:chOff x="0" y="0"/>
-          <a:chExt cx="0" cy="0"/>
-        </a:xfrm>
-      </p:grpSpPr>
-      <p:sp>
-        <p:nvSpPr>
-          <p:cNvPr id="2" name="Title 1"/>
-          <p:cNvSpPr>
-            <a:spLocks noGrp="1"/>
-          </p:cNvSpPr>
-          <p:nvPr>
-            <p:ph type="title"/>
-          </p:nvPr>
-        </p:nvSpPr>
-        <p:spPr/>
-        <p:txBody>
-          <a:bodyPr/>
-          <a:lstStyle/>
-          <a:p>
-            <a:r>
-              <a:rPr lang="fr-FR" dirty="0" err="1" smtClean="0"/>
-              <a:t>withState</a:t>
-            </a:r>
-            <a:r>
-              <a:rPr lang="fr-FR" dirty="0" smtClean="0"/>
-              <a:t> : Conception </a:t>
-            </a:r>
-            <a:endParaRPr lang="fr-FR" dirty="0"/>
-          </a:p>
-        </p:txBody>
-      </p:sp>
-      <p:sp>
-        <p:nvSpPr>
-          <p:cNvPr id="3" name="Content Placeholder 2"/>
-          <p:cNvSpPr>
-            <a:spLocks noGrp="1"/>
-          </p:cNvSpPr>
-          <p:nvPr>
-            <p:ph idx="1"/>
-          </p:nvPr>
-        </p:nvSpPr>
-        <p:spPr/>
-        <p:txBody>
-          <a:bodyPr/>
-          <a:lstStyle/>
-          <a:p>
-            <a:endParaRPr lang="fr-FR" dirty="0"/>
-          </a:p>
-        </p:txBody>
-      </p:sp>
-      <p:pic>
-        <p:nvPicPr>
-          <p:cNvPr id="7" name="Picture 6"/>
-          <p:cNvPicPr>
-            <a:picLocks noChangeAspect="1"/>
-          </p:cNvPicPr>
-          <p:nvPr/>
-        </p:nvPicPr>
-        <p:blipFill>
-          <a:blip r:embed="rId3"/>
-          <a:stretch>
-            <a:fillRect/>
-          </a:stretch>
-        </p:blipFill>
-        <p:spPr>
-          <a:xfrm>
-            <a:off x="5068601" y="3511807"/>
-            <a:ext cx="3470242" cy="1982995"/>
-          </a:xfrm>
-          <a:prstGeom prst="rect">
-            <a:avLst/>
-          </a:prstGeom>
-        </p:spPr>
-      </p:pic>
-      <p:pic>
-        <p:nvPicPr>
-          <p:cNvPr id="9" name="Picture 8"/>
-          <p:cNvPicPr>
-            <a:picLocks noChangeAspect="1"/>
-          </p:cNvPicPr>
-          <p:nvPr/>
-        </p:nvPicPr>
-        <p:blipFill>
-          <a:blip r:embed="rId4"/>
-          <a:stretch>
-            <a:fillRect/>
-          </a:stretch>
-        </p:blipFill>
-        <p:spPr>
-          <a:xfrm>
-            <a:off x="84404" y="2011106"/>
-            <a:ext cx="4891263" cy="4212818"/>
-          </a:xfrm>
-          <a:prstGeom prst="rect">
-            <a:avLst/>
-          </a:prstGeom>
-        </p:spPr>
-      </p:pic>
-      <p:pic>
-        <p:nvPicPr>
-          <p:cNvPr id="11" name="Picture 10"/>
-          <p:cNvPicPr>
-            <a:picLocks noChangeAspect="1"/>
-          </p:cNvPicPr>
-          <p:nvPr/>
-        </p:nvPicPr>
-        <p:blipFill>
-          <a:blip r:embed="rId5"/>
-          <a:stretch>
-            <a:fillRect/>
-          </a:stretch>
-        </p:blipFill>
-        <p:spPr>
-          <a:xfrm>
-            <a:off x="8631777" y="1769806"/>
-            <a:ext cx="3438179" cy="4003728"/>
-          </a:xfrm>
-          <a:prstGeom prst="rect">
-            <a:avLst/>
-          </a:prstGeom>
-        </p:spPr>
-      </p:pic>
-      <p:sp>
-        <p:nvSpPr>
-          <p:cNvPr id="12" name="Footer Placeholder 11"/>
-          <p:cNvSpPr>
-            <a:spLocks noGrp="1"/>
-          </p:cNvSpPr>
-          <p:nvPr>
-            <p:ph type="ftr" sz="quarter" idx="11"/>
-          </p:nvPr>
-        </p:nvSpPr>
-        <p:spPr/>
-        <p:txBody>
-          <a:bodyPr/>
-          <a:lstStyle/>
-          <a:p>
-            <a:r>
-              <a:rPr lang="en-US" smtClean="0"/>
-              <a:t>Bois Cédric - Master WIC</a:t>
-            </a:r>
-            <a:endParaRPr lang="en-US" dirty="0"/>
-          </a:p>
-        </p:txBody>
-      </p:sp>
-      <p:sp>
-        <p:nvSpPr>
-          <p:cNvPr id="13" name="Slide Number Placeholder 12"/>
-          <p:cNvSpPr>
-            <a:spLocks noGrp="1"/>
-          </p:cNvSpPr>
-          <p:nvPr>
-            <p:ph type="sldNum" sz="quarter" idx="12"/>
-          </p:nvPr>
-        </p:nvSpPr>
-        <p:spPr/>
-        <p:txBody>
-          <a:bodyPr/>
-          <a:lstStyle/>
-          <a:p>
-            <a:fld id="{D57F1E4F-1CFF-5643-939E-217C01CDF565}" type="slidenum">
-              <a:rPr lang="en-US" smtClean="0"/>
-              <a:pPr/>
-              <a:t>12</a:t>
-            </a:fld>
-            <a:endParaRPr lang="en-US" dirty="0"/>
-          </a:p>
-        </p:txBody>
-      </p:sp>
-      <p:pic>
-        <p:nvPicPr>
-          <p:cNvPr id="10" name="Picture 9"/>
-          <p:cNvPicPr>
-            <a:picLocks noChangeAspect="1"/>
-          </p:cNvPicPr>
-          <p:nvPr/>
-        </p:nvPicPr>
-        <p:blipFill>
-          <a:blip r:embed="rId4"/>
-          <a:stretch>
-            <a:fillRect/>
-          </a:stretch>
-        </p:blipFill>
-        <p:spPr>
-          <a:xfrm>
-            <a:off x="2234677" y="1186498"/>
-            <a:ext cx="6584858" cy="5671502"/>
-          </a:xfrm>
-          <a:prstGeom prst="rect">
-            <a:avLst/>
-          </a:prstGeom>
-        </p:spPr>
-      </p:pic>
-      <p:pic>
-        <p:nvPicPr>
-          <p:cNvPr id="14" name="Picture 13"/>
-          <p:cNvPicPr>
-            <a:picLocks noChangeAspect="1"/>
-          </p:cNvPicPr>
-          <p:nvPr/>
-        </p:nvPicPr>
-        <p:blipFill>
-          <a:blip r:embed="rId3"/>
-          <a:stretch>
-            <a:fillRect/>
-          </a:stretch>
-        </p:blipFill>
-        <p:spPr>
-          <a:xfrm>
-            <a:off x="3095574" y="2590954"/>
-            <a:ext cx="5081736" cy="2903848"/>
-          </a:xfrm>
-          <a:prstGeom prst="rect">
-            <a:avLst/>
-          </a:prstGeom>
-        </p:spPr>
-      </p:pic>
-      <p:pic>
-        <p:nvPicPr>
-          <p:cNvPr id="15" name="Picture 14"/>
-          <p:cNvPicPr>
-            <a:picLocks noChangeAspect="1"/>
-          </p:cNvPicPr>
-          <p:nvPr/>
-        </p:nvPicPr>
-        <p:blipFill>
-          <a:blip r:embed="rId5"/>
-          <a:stretch>
-            <a:fillRect/>
-          </a:stretch>
-        </p:blipFill>
-        <p:spPr>
-          <a:xfrm>
-            <a:off x="3393408" y="1394009"/>
-            <a:ext cx="4549403" cy="5297738"/>
-          </a:xfrm>
-          <a:prstGeom prst="rect">
-            <a:avLst/>
-          </a:prstGeom>
-        </p:spPr>
-      </p:pic>
-    </p:spTree>
-    <p:extLst>
-      <p:ext uri="{BB962C8B-B14F-4D97-AF65-F5344CB8AC3E}">
-        <p14:creationId xmlns:p14="http://schemas.microsoft.com/office/powerpoint/2010/main" val="3536174779"/>
-      </p:ext>
-    </p:extLst>
-  </p:cSld>
-  <p:clrMapOvr>
-    <a:masterClrMapping/>
-  </p:clrMapOvr>
-  <p:timing>
-    <p:tnLst>
-      <p:par>
-        <p:cTn id="1" dur="indefinite" restart="never" nodeType="tmRoot">
-          <p:childTnLst>
-            <p:seq concurrent="1" nextAc="seek">
-              <p:cTn id="2" dur="indefinite" nodeType="mainSeq">
-                <p:childTnLst>
-                  <p:par>
-                    <p:cTn id="3" fill="hold">
-                      <p:stCondLst>
-                        <p:cond delay="indefinite"/>
-                      </p:stCondLst>
-                      <p:childTnLst>
-                        <p:par>
-                          <p:cTn id="4" fill="hold">
-                            <p:stCondLst>
-                              <p:cond delay="0"/>
-                            </p:stCondLst>
-                            <p:childTnLst>
-                              <p:par>
-                                <p:cTn id="5" presetID="10" presetClass="entr" presetSubtype="0" fill="hold" nodeType="clickEffect">
-                                  <p:stCondLst>
-                                    <p:cond delay="0"/>
-                                  </p:stCondLst>
-                                  <p:childTnLst>
-                                    <p:set>
-                                      <p:cBhvr>
-                                        <p:cTn id="6" dur="1" fill="hold">
-                                          <p:stCondLst>
-                                            <p:cond delay="0"/>
-                                          </p:stCondLst>
-                                        </p:cTn>
-                                        <p:tgtEl>
-                                          <p:spTgt spid="10"/>
-                                        </p:tgtEl>
-                                        <p:attrNameLst>
-                                          <p:attrName>style.visibility</p:attrName>
-                                        </p:attrNameLst>
-                                      </p:cBhvr>
-                                      <p:to>
-                                        <p:strVal val="visible"/>
-                                      </p:to>
-                                    </p:set>
-                                    <p:animEffect transition="in" filter="fade">
-                                      <p:cBhvr>
-                                        <p:cTn id="7" dur="500"/>
-                                        <p:tgtEl>
-                                          <p:spTgt spid="10"/>
-                                        </p:tgtEl>
-                                      </p:cBhvr>
-                                    </p:animEffect>
-                                  </p:childTnLst>
-                                </p:cTn>
-                              </p:par>
-                            </p:childTnLst>
-                          </p:cTn>
-                        </p:par>
-                      </p:childTnLst>
-                    </p:cTn>
-                  </p:par>
-                  <p:par>
-                    <p:cTn id="8" fill="hold">
-                      <p:stCondLst>
-                        <p:cond delay="indefinite"/>
-                      </p:stCondLst>
-                      <p:childTnLst>
-                        <p:par>
-                          <p:cTn id="9" fill="hold">
-                            <p:stCondLst>
-                              <p:cond delay="0"/>
-                            </p:stCondLst>
-                            <p:childTnLst>
-                              <p:par>
-                                <p:cTn id="10" presetID="10" presetClass="exit" presetSubtype="0" fill="hold" nodeType="clickEffect">
-                                  <p:stCondLst>
-                                    <p:cond delay="0"/>
-                                  </p:stCondLst>
-                                  <p:childTnLst>
-                                    <p:animEffect transition="out" filter="fade">
-                                      <p:cBhvr>
-                                        <p:cTn id="11" dur="500"/>
-                                        <p:tgtEl>
-                                          <p:spTgt spid="10"/>
-                                        </p:tgtEl>
-                                      </p:cBhvr>
-                                    </p:animEffect>
-                                    <p:set>
-                                      <p:cBhvr>
-                                        <p:cTn id="12" dur="1" fill="hold">
-                                          <p:stCondLst>
-                                            <p:cond delay="499"/>
-                                          </p:stCondLst>
-                                        </p:cTn>
-                                        <p:tgtEl>
-                                          <p:spTgt spid="10"/>
-                                        </p:tgtEl>
-                                        <p:attrNameLst>
-                                          <p:attrName>style.visibility</p:attrName>
-                                        </p:attrNameLst>
-                                      </p:cBhvr>
-                                      <p:to>
-                                        <p:strVal val="hidden"/>
-                                      </p:to>
-                                    </p:set>
-                                  </p:childTnLst>
-                                </p:cTn>
-                              </p:par>
-                            </p:childTnLst>
-                          </p:cTn>
-                        </p:par>
-                        <p:par>
-                          <p:cTn id="13" fill="hold">
-                            <p:stCondLst>
-                              <p:cond delay="500"/>
-                            </p:stCondLst>
-                            <p:childTnLst>
-                              <p:par>
-                                <p:cTn id="14" presetID="10" presetClass="entr" presetSubtype="0" fill="hold" nodeType="afterEffect">
-                                  <p:stCondLst>
-                                    <p:cond delay="0"/>
-                                  </p:stCondLst>
-                                  <p:childTnLst>
-                                    <p:set>
-                                      <p:cBhvr>
-                                        <p:cTn id="15" dur="1" fill="hold">
-                                          <p:stCondLst>
-                                            <p:cond delay="0"/>
-                                          </p:stCondLst>
-                                        </p:cTn>
-                                        <p:tgtEl>
-                                          <p:spTgt spid="14"/>
-                                        </p:tgtEl>
-                                        <p:attrNameLst>
-                                          <p:attrName>style.visibility</p:attrName>
-                                        </p:attrNameLst>
-                                      </p:cBhvr>
-                                      <p:to>
-                                        <p:strVal val="visible"/>
-                                      </p:to>
-                                    </p:set>
-                                    <p:animEffect transition="in" filter="fade">
-                                      <p:cBhvr>
-                                        <p:cTn id="16" dur="500"/>
-                                        <p:tgtEl>
-                                          <p:spTgt spid="14"/>
-                                        </p:tgtEl>
-                                      </p:cBhvr>
-                                    </p:animEffect>
-                                  </p:childTnLst>
-                                </p:cTn>
-                              </p:par>
-                            </p:childTnLst>
-                          </p:cTn>
-                        </p:par>
-                      </p:childTnLst>
-                    </p:cTn>
-                  </p:par>
-                  <p:par>
-                    <p:cTn id="17" fill="hold">
-                      <p:stCondLst>
-                        <p:cond delay="indefinite"/>
-                      </p:stCondLst>
-                      <p:childTnLst>
-                        <p:par>
-                          <p:cTn id="18" fill="hold">
-                            <p:stCondLst>
-                              <p:cond delay="0"/>
-                            </p:stCondLst>
-                            <p:childTnLst>
-                              <p:par>
-                                <p:cTn id="19" presetID="10" presetClass="exit" presetSubtype="0" fill="hold" nodeType="clickEffect">
-                                  <p:stCondLst>
-                                    <p:cond delay="0"/>
-                                  </p:stCondLst>
-                                  <p:childTnLst>
-                                    <p:animEffect transition="out" filter="fade">
-                                      <p:cBhvr>
-                                        <p:cTn id="20" dur="500"/>
-                                        <p:tgtEl>
-                                          <p:spTgt spid="14"/>
-                                        </p:tgtEl>
-                                      </p:cBhvr>
-                                    </p:animEffect>
-                                    <p:set>
-                                      <p:cBhvr>
-                                        <p:cTn id="21" dur="1" fill="hold">
-                                          <p:stCondLst>
-                                            <p:cond delay="499"/>
-                                          </p:stCondLst>
-                                        </p:cTn>
-                                        <p:tgtEl>
-                                          <p:spTgt spid="14"/>
-                                        </p:tgtEl>
-                                        <p:attrNameLst>
-                                          <p:attrName>style.visibility</p:attrName>
-                                        </p:attrNameLst>
-                                      </p:cBhvr>
-                                      <p:to>
-                                        <p:strVal val="hidden"/>
-                                      </p:to>
-                                    </p:set>
-                                  </p:childTnLst>
-                                </p:cTn>
-                              </p:par>
-                            </p:childTnLst>
-                          </p:cTn>
-                        </p:par>
-                        <p:par>
-                          <p:cTn id="22" fill="hold">
-                            <p:stCondLst>
-                              <p:cond delay="500"/>
-                            </p:stCondLst>
-                            <p:childTnLst>
-                              <p:par>
-                                <p:cTn id="23" presetID="10" presetClass="entr" presetSubtype="0" fill="hold" nodeType="afterEffect">
-                                  <p:stCondLst>
-                                    <p:cond delay="0"/>
-                                  </p:stCondLst>
-                                  <p:childTnLst>
-                                    <p:set>
-                                      <p:cBhvr>
-                                        <p:cTn id="24" dur="1" fill="hold">
-                                          <p:stCondLst>
-                                            <p:cond delay="0"/>
-                                          </p:stCondLst>
-                                        </p:cTn>
-                                        <p:tgtEl>
-                                          <p:spTgt spid="15"/>
-                                        </p:tgtEl>
-                                        <p:attrNameLst>
-                                          <p:attrName>style.visibility</p:attrName>
-                                        </p:attrNameLst>
-                                      </p:cBhvr>
-                                      <p:to>
-                                        <p:strVal val="visible"/>
-                                      </p:to>
-                                    </p:set>
-                                    <p:animEffect transition="in" filter="fade">
-                                      <p:cBhvr>
-                                        <p:cTn id="25" dur="500"/>
-                                        <p:tgtEl>
-                                          <p:spTgt spid="15"/>
-                                        </p:tgtEl>
-                                      </p:cBhvr>
-                                    </p:animEffect>
-                                  </p:childTnLst>
-                                </p:cTn>
-                              </p:par>
-                            </p:childTnLst>
-                          </p:cTn>
-                        </p:par>
-                      </p:childTnLst>
-                    </p:cTn>
-                  </p:par>
-                </p:childTnLst>
-              </p:cTn>
-              <p:prevCondLst>
-                <p:cond evt="onPrev" delay="0">
-                  <p:tgtEl>
-                    <p:sldTgt/>
-                  </p:tgtEl>
-                </p:cond>
-              </p:prevCondLst>
-              <p:nextCondLst>
-                <p:cond evt="onNext" delay="0">
-                  <p:tgtEl>
-                    <p:sldTgt/>
-                  </p:tgtEl>
-                </p:cond>
-              </p:nextCondLst>
-            </p:seq>
-          </p:childTnLst>
-        </p:cTn>
-      </p:par>
-    </p:tnLst>
-  </p:timing>
-</p:sld>
-</file>
-
-<file path=ppt/slides/slide13.xml><?xml version="1.0" encoding="utf-8"?>
-<p:sld xmlns:a="http://schemas.openxmlformats.org/drawingml/2006/main" xmlns:r="http://schemas.openxmlformats.org/officeDocument/2006/relationships" xmlns:p="http://schemas.openxmlformats.org/presentationml/2006/main">
-  <p:cSld>
-    <p:spTree>
-      <p:nvGrpSpPr>
-        <p:cNvPr id="1" name=""/>
-        <p:cNvGrpSpPr/>
-        <p:nvPr/>
-      </p:nvGrpSpPr>
-      <p:grpSpPr>
-        <a:xfrm>
-          <a:off x="0" y="0"/>
-          <a:ext cx="0" cy="0"/>
-          <a:chOff x="0" y="0"/>
-          <a:chExt cx="0" cy="0"/>
-        </a:xfrm>
-      </p:grpSpPr>
-      <p:sp>
-        <p:nvSpPr>
-          <p:cNvPr id="2" name="Title 1"/>
-          <p:cNvSpPr>
-            <a:spLocks noGrp="1"/>
-          </p:cNvSpPr>
-          <p:nvPr>
-            <p:ph type="title"/>
-          </p:nvPr>
-        </p:nvSpPr>
-        <p:spPr/>
-        <p:txBody>
-          <a:bodyPr/>
-          <a:lstStyle/>
-          <a:p>
-            <a:r>
-              <a:rPr lang="fr-FR" dirty="0" err="1" smtClean="0"/>
-              <a:t>withState</a:t>
-            </a:r>
-            <a:r>
-              <a:rPr lang="fr-FR" dirty="0" smtClean="0"/>
-              <a:t> : </a:t>
-            </a:r>
-            <a:r>
-              <a:rPr lang="fr-FR" dirty="0" smtClean="0"/>
-              <a:t>Développement</a:t>
-            </a:r>
-            <a:endParaRPr lang="fr-FR" dirty="0"/>
-          </a:p>
-        </p:txBody>
-      </p:sp>
-      <p:sp>
-        <p:nvSpPr>
-          <p:cNvPr id="3" name="Content Placeholder 2"/>
-          <p:cNvSpPr>
-            <a:spLocks noGrp="1"/>
-          </p:cNvSpPr>
-          <p:nvPr>
-            <p:ph idx="1"/>
-          </p:nvPr>
-        </p:nvSpPr>
-        <p:spPr>
-          <a:xfrm>
-            <a:off x="667286" y="2160589"/>
-            <a:ext cx="8596668" cy="3880773"/>
-          </a:xfrm>
-        </p:spPr>
-        <p:txBody>
-          <a:bodyPr/>
-          <a:lstStyle/>
-          <a:p>
-            <a:r>
-              <a:rPr lang="fr-FR" dirty="0" smtClean="0"/>
-              <a:t>Structure :</a:t>
-            </a:r>
-            <a:endParaRPr lang="fr-FR" dirty="0"/>
-          </a:p>
-        </p:txBody>
-      </p:sp>
-      <p:pic>
-        <p:nvPicPr>
-          <p:cNvPr id="5" name="Picture 4"/>
-          <p:cNvPicPr>
-            <a:picLocks noChangeAspect="1"/>
-          </p:cNvPicPr>
-          <p:nvPr/>
-        </p:nvPicPr>
-        <p:blipFill>
-          <a:blip r:embed="rId2"/>
-          <a:stretch>
-            <a:fillRect/>
-          </a:stretch>
-        </p:blipFill>
-        <p:spPr>
-          <a:xfrm>
-            <a:off x="1510666" y="3940412"/>
-            <a:ext cx="2735980" cy="321125"/>
-          </a:xfrm>
-          <a:prstGeom prst="rect">
-            <a:avLst/>
-          </a:prstGeom>
-        </p:spPr>
-      </p:pic>
-      <p:pic>
-        <p:nvPicPr>
-          <p:cNvPr id="8" name="Picture 7"/>
-          <p:cNvPicPr>
-            <a:picLocks noChangeAspect="1"/>
-          </p:cNvPicPr>
-          <p:nvPr/>
-        </p:nvPicPr>
-        <p:blipFill>
-          <a:blip r:embed="rId3"/>
-          <a:stretch>
-            <a:fillRect/>
-          </a:stretch>
-        </p:blipFill>
-        <p:spPr>
-          <a:xfrm>
-            <a:off x="5206304" y="2160589"/>
-            <a:ext cx="4057650" cy="3067050"/>
-          </a:xfrm>
-          <a:prstGeom prst="rect">
-            <a:avLst/>
-          </a:prstGeom>
-        </p:spPr>
-      </p:pic>
-      <p:sp>
-        <p:nvSpPr>
-          <p:cNvPr id="9" name="Footer Placeholder 8"/>
-          <p:cNvSpPr>
-            <a:spLocks noGrp="1"/>
-          </p:cNvSpPr>
-          <p:nvPr>
-            <p:ph type="ftr" sz="quarter" idx="11"/>
-          </p:nvPr>
-        </p:nvSpPr>
-        <p:spPr/>
-        <p:txBody>
-          <a:bodyPr/>
-          <a:lstStyle/>
-          <a:p>
-            <a:r>
-              <a:rPr lang="en-US" smtClean="0"/>
-              <a:t>Bois Cédric - Master WIC</a:t>
-            </a:r>
-            <a:endParaRPr lang="en-US" dirty="0"/>
-          </a:p>
-        </p:txBody>
-      </p:sp>
-      <p:sp>
-        <p:nvSpPr>
-          <p:cNvPr id="10" name="Slide Number Placeholder 9"/>
-          <p:cNvSpPr>
-            <a:spLocks noGrp="1"/>
-          </p:cNvSpPr>
-          <p:nvPr>
-            <p:ph type="sldNum" sz="quarter" idx="12"/>
-          </p:nvPr>
-        </p:nvSpPr>
-        <p:spPr/>
-        <p:txBody>
-          <a:bodyPr/>
-          <a:lstStyle/>
-          <a:p>
-            <a:fld id="{D57F1E4F-1CFF-5643-939E-217C01CDF565}" type="slidenum">
-              <a:rPr lang="en-US" smtClean="0"/>
-              <a:pPr/>
-              <a:t>13</a:t>
-            </a:fld>
-            <a:endParaRPr lang="en-US" dirty="0"/>
-          </a:p>
-        </p:txBody>
-      </p:sp>
-    </p:spTree>
-    <p:extLst>
-      <p:ext uri="{BB962C8B-B14F-4D97-AF65-F5344CB8AC3E}">
-        <p14:creationId xmlns:p14="http://schemas.microsoft.com/office/powerpoint/2010/main" val="3241992925"/>
-      </p:ext>
-    </p:extLst>
-  </p:cSld>
-  <p:clrMapOvr>
-    <a:masterClrMapping/>
-  </p:clrMapOvr>
-  <p:timing>
-    <p:tnLst>
-      <p:par>
-        <p:cTn id="1" dur="indefinite" restart="never" nodeType="tmRoot"/>
-      </p:par>
-    </p:tnLst>
-  </p:timing>
-</p:sld>
-</file>
-
-<file path=ppt/slides/slide14.xml><?xml version="1.0" encoding="utf-8"?>
-<p:sld xmlns:a="http://schemas.openxmlformats.org/drawingml/2006/main" xmlns:r="http://schemas.openxmlformats.org/officeDocument/2006/relationships" xmlns:p="http://schemas.openxmlformats.org/presentationml/2006/main">
-  <p:cSld>
-    <p:spTree>
-      <p:nvGrpSpPr>
-        <p:cNvPr id="1" name=""/>
-        <p:cNvGrpSpPr/>
-        <p:nvPr/>
-      </p:nvGrpSpPr>
-      <p:grpSpPr>
-        <a:xfrm>
-          <a:off x="0" y="0"/>
-          <a:ext cx="0" cy="0"/>
-          <a:chOff x="0" y="0"/>
-          <a:chExt cx="0" cy="0"/>
-        </a:xfrm>
-      </p:grpSpPr>
-      <p:sp>
-        <p:nvSpPr>
-          <p:cNvPr id="2" name="Titre 1"/>
-          <p:cNvSpPr>
-            <a:spLocks noGrp="1"/>
-          </p:cNvSpPr>
-          <p:nvPr>
-            <p:ph type="title"/>
-          </p:nvPr>
-        </p:nvSpPr>
-        <p:spPr/>
-        <p:txBody>
-          <a:bodyPr/>
-          <a:lstStyle/>
-          <a:p>
-            <a:r>
-              <a:rPr lang="fr-FR" dirty="0" err="1" smtClean="0"/>
-              <a:t>withState</a:t>
-            </a:r>
-            <a:r>
-              <a:rPr lang="fr-FR" dirty="0" smtClean="0"/>
-              <a:t> : Tests</a:t>
-            </a:r>
-            <a:endParaRPr lang="fr-FR" dirty="0"/>
-          </a:p>
-        </p:txBody>
-      </p:sp>
-      <p:sp>
-        <p:nvSpPr>
-          <p:cNvPr id="3" name="Espace réservé du contenu 2"/>
-          <p:cNvSpPr>
-            <a:spLocks noGrp="1"/>
-          </p:cNvSpPr>
-          <p:nvPr>
-            <p:ph idx="1"/>
-          </p:nvPr>
-        </p:nvSpPr>
-        <p:spPr/>
-        <p:txBody>
-          <a:bodyPr/>
-          <a:lstStyle/>
-          <a:p>
-            <a:r>
-              <a:rPr lang="fr-FR" dirty="0" smtClean="0"/>
-              <a:t>Librairie </a:t>
-            </a:r>
-            <a:r>
-              <a:rPr lang="fr-FR" dirty="0" err="1" smtClean="0"/>
-              <a:t>Jest</a:t>
-            </a:r>
-            <a:endParaRPr lang="fr-FR" dirty="0"/>
-          </a:p>
-        </p:txBody>
-      </p:sp>
-      <p:sp>
-        <p:nvSpPr>
-          <p:cNvPr id="5" name="Footer Placeholder 4"/>
-          <p:cNvSpPr>
-            <a:spLocks noGrp="1"/>
-          </p:cNvSpPr>
-          <p:nvPr>
-            <p:ph type="ftr" sz="quarter" idx="11"/>
-          </p:nvPr>
-        </p:nvSpPr>
-        <p:spPr/>
-        <p:txBody>
-          <a:bodyPr/>
-          <a:lstStyle/>
-          <a:p>
-            <a:r>
-              <a:rPr lang="en-US" smtClean="0"/>
-              <a:t>Bois Cédric - Master WIC</a:t>
-            </a:r>
-            <a:endParaRPr lang="en-US" dirty="0"/>
-          </a:p>
-        </p:txBody>
-      </p:sp>
-      <p:sp>
-        <p:nvSpPr>
-          <p:cNvPr id="6" name="Slide Number Placeholder 5"/>
-          <p:cNvSpPr>
-            <a:spLocks noGrp="1"/>
-          </p:cNvSpPr>
-          <p:nvPr>
-            <p:ph type="sldNum" sz="quarter" idx="12"/>
-          </p:nvPr>
-        </p:nvSpPr>
-        <p:spPr/>
-        <p:txBody>
-          <a:bodyPr/>
-          <a:lstStyle/>
-          <a:p>
-            <a:fld id="{D57F1E4F-1CFF-5643-939E-217C01CDF565}" type="slidenum">
-              <a:rPr lang="en-US" smtClean="0"/>
-              <a:pPr/>
-              <a:t>14</a:t>
-            </a:fld>
-            <a:endParaRPr lang="en-US" dirty="0"/>
-          </a:p>
-        </p:txBody>
-      </p:sp>
-    </p:spTree>
-    <p:extLst>
-      <p:ext uri="{BB962C8B-B14F-4D97-AF65-F5344CB8AC3E}">
-        <p14:creationId xmlns:p14="http://schemas.microsoft.com/office/powerpoint/2010/main" val="3553190663"/>
-      </p:ext>
-    </p:extLst>
-  </p:cSld>
-  <p:clrMapOvr>
-    <a:masterClrMapping/>
-  </p:clrMapOvr>
-  <p:timing>
-    <p:tnLst>
-      <p:par>
-        <p:cTn id="1" dur="indefinite" restart="never" nodeType="tmRoot"/>
-      </p:par>
-    </p:tnLst>
-  </p:timing>
-</p:sld>
-</file>
-
-<file path=ppt/slides/slide15.xml><?xml version="1.0" encoding="utf-8"?>
-<p:sld xmlns:a="http://schemas.openxmlformats.org/drawingml/2006/main" xmlns:r="http://schemas.openxmlformats.org/officeDocument/2006/relationships" xmlns:p="http://schemas.openxmlformats.org/presentationml/2006/main">
-  <p:cSld>
-    <p:spTree>
-      <p:nvGrpSpPr>
-        <p:cNvPr id="1" name=""/>
-        <p:cNvGrpSpPr/>
-        <p:nvPr/>
-      </p:nvGrpSpPr>
-      <p:grpSpPr>
-        <a:xfrm>
-          <a:off x="0" y="0"/>
-          <a:ext cx="0" cy="0"/>
-          <a:chOff x="0" y="0"/>
-          <a:chExt cx="0" cy="0"/>
-        </a:xfrm>
-      </p:grpSpPr>
-      <p:sp>
-        <p:nvSpPr>
-          <p:cNvPr id="2" name="Title 1"/>
-          <p:cNvSpPr>
-            <a:spLocks noGrp="1"/>
-          </p:cNvSpPr>
-          <p:nvPr>
-            <p:ph type="ctrTitle"/>
-          </p:nvPr>
-        </p:nvSpPr>
-        <p:spPr/>
-        <p:txBody>
-          <a:bodyPr/>
-          <a:lstStyle/>
-          <a:p>
-            <a:r>
-              <a:rPr lang="fr-FR" dirty="0" err="1" smtClean="0"/>
-              <a:t>Xen</a:t>
-            </a:r>
-            <a:r>
-              <a:rPr lang="fr-FR" dirty="0" smtClean="0"/>
-              <a:t> Orchestra</a:t>
-            </a:r>
-            <a:endParaRPr lang="fr-FR" dirty="0"/>
-          </a:p>
-        </p:txBody>
-      </p:sp>
-      <p:sp>
-        <p:nvSpPr>
-          <p:cNvPr id="3" name="Subtitle 2"/>
-          <p:cNvSpPr>
-            <a:spLocks noGrp="1"/>
-          </p:cNvSpPr>
-          <p:nvPr>
-            <p:ph type="subTitle" idx="1"/>
-          </p:nvPr>
-        </p:nvSpPr>
-        <p:spPr/>
-        <p:txBody>
-          <a:bodyPr/>
-          <a:lstStyle/>
-          <a:p>
-            <a:endParaRPr lang="fr-FR"/>
-          </a:p>
-        </p:txBody>
-      </p:sp>
-      <p:sp>
-        <p:nvSpPr>
-          <p:cNvPr id="4" name="Footer Placeholder 3"/>
-          <p:cNvSpPr>
-            <a:spLocks noGrp="1"/>
-          </p:cNvSpPr>
-          <p:nvPr>
-            <p:ph type="ftr" sz="quarter" idx="11"/>
-          </p:nvPr>
-        </p:nvSpPr>
-        <p:spPr/>
-        <p:txBody>
-          <a:bodyPr/>
-          <a:lstStyle/>
-          <a:p>
-            <a:r>
-              <a:rPr lang="en-US" smtClean="0"/>
-              <a:t>Bois Cédric - Master WIC</a:t>
-            </a:r>
-            <a:endParaRPr lang="en-US" dirty="0"/>
-          </a:p>
-        </p:txBody>
-      </p:sp>
-      <p:sp>
-        <p:nvSpPr>
-          <p:cNvPr id="5" name="Slide Number Placeholder 4"/>
-          <p:cNvSpPr>
-            <a:spLocks noGrp="1"/>
-          </p:cNvSpPr>
-          <p:nvPr>
-            <p:ph type="sldNum" sz="quarter" idx="12"/>
-          </p:nvPr>
-        </p:nvSpPr>
-        <p:spPr/>
-        <p:txBody>
-          <a:bodyPr/>
-          <a:lstStyle/>
-          <a:p>
-            <a:fld id="{D57F1E4F-1CFF-5643-939E-217C01CDF565}" type="slidenum">
-              <a:rPr lang="en-US" smtClean="0"/>
-              <a:pPr/>
-              <a:t>15</a:t>
-            </a:fld>
-            <a:endParaRPr lang="en-US" dirty="0"/>
-          </a:p>
-        </p:txBody>
-      </p:sp>
-      <p:pic>
-        <p:nvPicPr>
-          <p:cNvPr id="6" name="Picture 5"/>
-          <p:cNvPicPr>
-            <a:picLocks noChangeAspect="1"/>
-          </p:cNvPicPr>
-          <p:nvPr/>
-        </p:nvPicPr>
-        <p:blipFill>
-          <a:blip r:embed="rId2">
-            <a:extLst>
-              <a:ext uri="{28A0092B-C50C-407E-A947-70E740481C1C}">
-                <a14:useLocalDpi xmlns:a14="http://schemas.microsoft.com/office/drawing/2010/main" val="0"/>
-              </a:ext>
-            </a:extLst>
-          </a:blip>
-          <a:stretch>
-            <a:fillRect/>
-          </a:stretch>
-        </p:blipFill>
-        <p:spPr>
-          <a:xfrm>
-            <a:off x="550499" y="2173260"/>
-            <a:ext cx="2974472" cy="2974472"/>
-          </a:xfrm>
-          <a:prstGeom prst="rect">
-            <a:avLst/>
-          </a:prstGeom>
-        </p:spPr>
-      </p:pic>
-    </p:spTree>
-    <p:extLst>
-      <p:ext uri="{BB962C8B-B14F-4D97-AF65-F5344CB8AC3E}">
-        <p14:creationId xmlns:p14="http://schemas.microsoft.com/office/powerpoint/2010/main" val="316252298"/>
-      </p:ext>
-    </p:extLst>
-  </p:cSld>
-  <p:clrMapOvr>
-    <a:masterClrMapping/>
-  </p:clrMapOvr>
-  <p:timing>
-    <p:tnLst>
-      <p:par>
-        <p:cTn id="1" dur="indefinite" restart="never" nodeType="tmRoot"/>
-      </p:par>
-    </p:tnLst>
-  </p:timing>
-</p:sld>
-</file>
-
-<file path=ppt/slides/slide16.xml><?xml version="1.0" encoding="utf-8"?>
-<p:sld xmlns:a="http://schemas.openxmlformats.org/drawingml/2006/main" xmlns:r="http://schemas.openxmlformats.org/officeDocument/2006/relationships" xmlns:p="http://schemas.openxmlformats.org/presentationml/2006/main">
-  <p:cSld>
-    <p:spTree>
-      <p:nvGrpSpPr>
-        <p:cNvPr id="1" name=""/>
-        <p:cNvGrpSpPr/>
-        <p:nvPr/>
-      </p:nvGrpSpPr>
-      <p:grpSpPr>
-        <a:xfrm>
-          <a:off x="0" y="0"/>
-          <a:ext cx="0" cy="0"/>
-          <a:chOff x="0" y="0"/>
-          <a:chExt cx="0" cy="0"/>
-        </a:xfrm>
-      </p:grpSpPr>
-      <p:sp>
-        <p:nvSpPr>
-          <p:cNvPr id="2" name="Title 1"/>
-          <p:cNvSpPr>
-            <a:spLocks noGrp="1"/>
-          </p:cNvSpPr>
-          <p:nvPr>
-            <p:ph type="title"/>
-          </p:nvPr>
-        </p:nvSpPr>
-        <p:spPr/>
-        <p:txBody>
-          <a:bodyPr/>
-          <a:lstStyle/>
-          <a:p>
-            <a:r>
-              <a:rPr lang="fr-FR" dirty="0" err="1" smtClean="0"/>
-              <a:t>Xen</a:t>
-            </a:r>
-            <a:r>
-              <a:rPr lang="fr-FR" dirty="0" smtClean="0"/>
-              <a:t> </a:t>
-            </a:r>
-            <a:r>
-              <a:rPr lang="fr-FR" dirty="0" smtClean="0"/>
-              <a:t>Orchestra : Infrastructure</a:t>
-            </a:r>
-            <a:endParaRPr lang="fr-FR" dirty="0"/>
-          </a:p>
-        </p:txBody>
-      </p:sp>
-      <p:sp>
-        <p:nvSpPr>
-          <p:cNvPr id="3" name="Content Placeholder 2"/>
-          <p:cNvSpPr>
-            <a:spLocks noGrp="1"/>
-          </p:cNvSpPr>
-          <p:nvPr>
-            <p:ph idx="1"/>
-          </p:nvPr>
-        </p:nvSpPr>
-        <p:spPr/>
-        <p:txBody>
-          <a:bodyPr/>
-          <a:lstStyle/>
-          <a:p>
-            <a:r>
-              <a:rPr lang="fr-FR" dirty="0" smtClean="0"/>
-              <a:t>Gestionnaire de machines virtuelles</a:t>
-            </a:r>
-          </a:p>
-          <a:p>
-            <a:r>
-              <a:rPr lang="fr-FR" dirty="0" err="1" smtClean="0"/>
-              <a:t>XenServer</a:t>
-            </a:r>
-            <a:endParaRPr lang="fr-FR" dirty="0" smtClean="0"/>
-          </a:p>
-          <a:p>
-            <a:r>
-              <a:rPr lang="fr-FR" dirty="0" err="1" smtClean="0"/>
-              <a:t>Xapi</a:t>
-            </a:r>
-            <a:endParaRPr lang="fr-FR" dirty="0" smtClean="0"/>
-          </a:p>
-          <a:p>
-            <a:endParaRPr lang="fr-FR" dirty="0" smtClean="0"/>
-          </a:p>
-          <a:p>
-            <a:r>
-              <a:rPr lang="fr-FR" dirty="0" smtClean="0"/>
-              <a:t>Composé de trois modules :</a:t>
-            </a:r>
-          </a:p>
-          <a:p>
-            <a:pPr lvl="1"/>
-            <a:r>
-              <a:rPr lang="fr-FR" dirty="0" err="1" smtClean="0"/>
-              <a:t>Xo</a:t>
-            </a:r>
-            <a:r>
-              <a:rPr lang="fr-FR" dirty="0" smtClean="0"/>
-              <a:t>-server</a:t>
-            </a:r>
-          </a:p>
-          <a:p>
-            <a:pPr lvl="1"/>
-            <a:r>
-              <a:rPr lang="fr-FR" dirty="0" err="1" smtClean="0"/>
-              <a:t>Xo</a:t>
-            </a:r>
-            <a:r>
-              <a:rPr lang="fr-FR" dirty="0" smtClean="0"/>
-              <a:t>-web</a:t>
-            </a:r>
-          </a:p>
-          <a:p>
-            <a:pPr lvl="1"/>
-            <a:r>
-              <a:rPr lang="fr-FR" dirty="0" err="1" smtClean="0"/>
-              <a:t>Xo</a:t>
-            </a:r>
-            <a:r>
-              <a:rPr lang="fr-FR" dirty="0" smtClean="0"/>
-              <a:t>-CLI</a:t>
-            </a:r>
-            <a:endParaRPr lang="fr-FR" dirty="0"/>
-          </a:p>
-        </p:txBody>
-      </p:sp>
-      <p:sp>
-        <p:nvSpPr>
-          <p:cNvPr id="4" name="Footer Placeholder 3"/>
-          <p:cNvSpPr>
-            <a:spLocks noGrp="1"/>
-          </p:cNvSpPr>
-          <p:nvPr>
-            <p:ph type="ftr" sz="quarter" idx="11"/>
-          </p:nvPr>
-        </p:nvSpPr>
-        <p:spPr/>
-        <p:txBody>
-          <a:bodyPr/>
-          <a:lstStyle/>
-          <a:p>
-            <a:r>
-              <a:rPr lang="en-US" smtClean="0"/>
-              <a:t>Bois Cédric - Master WIC</a:t>
-            </a:r>
-            <a:endParaRPr lang="en-US" dirty="0"/>
-          </a:p>
-        </p:txBody>
-      </p:sp>
-      <p:sp>
-        <p:nvSpPr>
-          <p:cNvPr id="5" name="Slide Number Placeholder 4"/>
-          <p:cNvSpPr>
-            <a:spLocks noGrp="1"/>
-          </p:cNvSpPr>
-          <p:nvPr>
-            <p:ph type="sldNum" sz="quarter" idx="12"/>
-          </p:nvPr>
-        </p:nvSpPr>
-        <p:spPr/>
-        <p:txBody>
-          <a:bodyPr/>
-          <a:lstStyle/>
-          <a:p>
-            <a:fld id="{D57F1E4F-1CFF-5643-939E-217C01CDF565}" type="slidenum">
-              <a:rPr lang="en-US" smtClean="0"/>
-              <a:pPr/>
-              <a:t>16</a:t>
             </a:fld>
             <a:endParaRPr lang="en-US" dirty="0"/>
           </a:p>
@@ -9936,7 +7969,7 @@
 </p:sld>
 </file>
 
-<file path=ppt/slides/slide17.xml><?xml version="1.0" encoding="utf-8"?>
+<file path=ppt/slides/slide11.xml><?xml version="1.0" encoding="utf-8"?>
 <p:sld xmlns:a="http://schemas.openxmlformats.org/drawingml/2006/main" xmlns:r="http://schemas.openxmlformats.org/officeDocument/2006/relationships" xmlns:p="http://schemas.openxmlformats.org/presentationml/2006/main">
   <p:cSld>
     <p:spTree>
@@ -10112,7 +8145,7 @@
             <a:fld id="{D57F1E4F-1CFF-5643-939E-217C01CDF565}" type="slidenum">
               <a:rPr lang="en-US" smtClean="0"/>
               <a:pPr/>
-              <a:t>17</a:t>
+              <a:t>11</a:t>
             </a:fld>
             <a:endParaRPr lang="en-US" dirty="0"/>
           </a:p>
@@ -10201,7 +8234,7 @@
 </p:sld>
 </file>
 
-<file path=ppt/slides/slide18.xml><?xml version="1.0" encoding="utf-8"?>
+<file path=ppt/slides/slide12.xml><?xml version="1.0" encoding="utf-8"?>
 <p:sld xmlns:a="http://schemas.openxmlformats.org/drawingml/2006/main" xmlns:r="http://schemas.openxmlformats.org/officeDocument/2006/relationships" xmlns:p="http://schemas.openxmlformats.org/presentationml/2006/main">
   <p:cSld>
     <p:spTree>
@@ -10333,7 +8366,7 @@
             <a:fld id="{D57F1E4F-1CFF-5643-939E-217C01CDF565}" type="slidenum">
               <a:rPr lang="en-US" smtClean="0"/>
               <a:pPr/>
-              <a:t>18</a:t>
+              <a:t>12</a:t>
             </a:fld>
             <a:endParaRPr lang="en-US" dirty="0"/>
           </a:p>
@@ -10359,7 +8392,7 @@
 </p:sld>
 </file>
 
-<file path=ppt/slides/slide19.xml><?xml version="1.0" encoding="utf-8"?>
+<file path=ppt/slides/slide13.xml><?xml version="1.0" encoding="utf-8"?>
 <p:sld xmlns:a="http://schemas.openxmlformats.org/drawingml/2006/main" xmlns:r="http://schemas.openxmlformats.org/officeDocument/2006/relationships" xmlns:p="http://schemas.openxmlformats.org/presentationml/2006/main">
   <p:cSld>
     <p:spTree>
@@ -10531,7 +8564,7 @@
             <a:fld id="{D57F1E4F-1CFF-5643-939E-217C01CDF565}" type="slidenum">
               <a:rPr lang="en-US" smtClean="0"/>
               <a:pPr/>
-              <a:t>19</a:t>
+              <a:t>13</a:t>
             </a:fld>
             <a:endParaRPr lang="en-US" dirty="0"/>
           </a:p>
@@ -10557,7 +8590,7 @@
 </p:sld>
 </file>
 
-<file path=ppt/slides/slide2.xml><?xml version="1.0" encoding="utf-8"?>
+<file path=ppt/slides/slide14.xml><?xml version="1.0" encoding="utf-8"?>
 <p:sld xmlns:a="http://schemas.openxmlformats.org/drawingml/2006/main" xmlns:r="http://schemas.openxmlformats.org/officeDocument/2006/relationships" xmlns:p="http://schemas.openxmlformats.org/presentationml/2006/main">
   <p:cSld>
     <p:spTree>
@@ -10590,8 +8623,20 @@
           <a:lstStyle/>
           <a:p>
             <a:r>
+              <a:rPr lang="fr-FR" dirty="0" smtClean="0"/>
+              <a:t>Gestion des </a:t>
+            </a:r>
+            <a:r>
               <a:rPr lang="fr-FR" dirty="0" err="1" smtClean="0"/>
-              <a:t>Vates</a:t>
+              <a:t>VmGroups</a:t>
+            </a:r>
+            <a:r>
+              <a:rPr lang="fr-FR" dirty="0" smtClean="0"/>
+              <a:t> : </a:t>
+            </a:r>
+            <a:r>
+              <a:rPr lang="fr-FR" dirty="0" smtClean="0"/>
+              <a:t>test des fonctionnalités</a:t>
             </a:r>
             <a:endParaRPr lang="fr-FR" dirty="0"/>
           </a:p>
@@ -10612,257 +8657,111 @@
           <a:bodyPr/>
           <a:lstStyle/>
           <a:p>
-            <a:r>
-              <a:rPr lang="fr-FR" dirty="0" smtClean="0"/>
-              <a:t>6 salariés</a:t>
-            </a:r>
-          </a:p>
-          <a:p>
-            <a:r>
-              <a:rPr lang="fr-FR" dirty="0" smtClean="0"/>
-              <a:t>Créé en 2012</a:t>
-            </a:r>
-          </a:p>
-          <a:p>
-            <a:r>
-              <a:rPr lang="fr-FR" dirty="0" smtClean="0"/>
-              <a:t>Développe </a:t>
-            </a:r>
-            <a:r>
-              <a:rPr lang="fr-FR" dirty="0" err="1" smtClean="0"/>
-              <a:t>Xen</a:t>
-            </a:r>
-            <a:r>
-              <a:rPr lang="fr-FR" dirty="0" smtClean="0"/>
-              <a:t> Orchestra depuis 2014</a:t>
-            </a:r>
-          </a:p>
-          <a:p>
-            <a:r>
-              <a:rPr lang="fr-FR" dirty="0" err="1" smtClean="0"/>
-              <a:t>Minalogic</a:t>
-            </a:r>
-            <a:endParaRPr lang="fr-FR" dirty="0" smtClean="0"/>
-          </a:p>
-          <a:p>
-            <a:r>
-              <a:rPr lang="fr-FR" dirty="0" smtClean="0"/>
-              <a:t>Utilise différents outils de gestion de projet</a:t>
-            </a:r>
+            <a:endParaRPr lang="fr-FR" dirty="0"/>
+          </a:p>
+        </p:txBody>
+      </p:sp>
+      <p:sp>
+        <p:nvSpPr>
+          <p:cNvPr id="4" name="Footer Placeholder 3"/>
+          <p:cNvSpPr>
+            <a:spLocks noGrp="1"/>
+          </p:cNvSpPr>
+          <p:nvPr>
+            <p:ph type="ftr" sz="quarter" idx="11"/>
+          </p:nvPr>
+        </p:nvSpPr>
+        <p:spPr/>
+        <p:txBody>
+          <a:bodyPr/>
+          <a:lstStyle/>
+          <a:p>
+            <a:r>
+              <a:rPr lang="en-US" smtClean="0"/>
+              <a:t>Bois Cédric - Master WIC</a:t>
+            </a:r>
+            <a:endParaRPr lang="en-US" dirty="0"/>
+          </a:p>
+        </p:txBody>
+      </p:sp>
+      <p:sp>
+        <p:nvSpPr>
+          <p:cNvPr id="5" name="Slide Number Placeholder 4"/>
+          <p:cNvSpPr>
+            <a:spLocks noGrp="1"/>
+          </p:cNvSpPr>
+          <p:nvPr>
+            <p:ph type="sldNum" sz="quarter" idx="12"/>
+          </p:nvPr>
+        </p:nvSpPr>
+        <p:spPr/>
+        <p:txBody>
+          <a:bodyPr/>
+          <a:lstStyle/>
+          <a:p>
+            <a:fld id="{D57F1E4F-1CFF-5643-939E-217C01CDF565}" type="slidenum">
+              <a:rPr lang="en-US" smtClean="0"/>
+              <a:pPr/>
+              <a:t>14</a:t>
+            </a:fld>
+            <a:endParaRPr lang="en-US" dirty="0"/>
           </a:p>
         </p:txBody>
       </p:sp>
       <p:pic>
         <p:nvPicPr>
-          <p:cNvPr id="4" name="Picture 3"/>
-          <p:cNvPicPr>
-            <a:picLocks noChangeAspect="1"/>
-          </p:cNvPicPr>
+          <p:cNvPr id="6" name="Picture 5"/>
+          <p:cNvPicPr/>
           <p:nvPr/>
         </p:nvPicPr>
-        <p:blipFill>
-          <a:blip r:embed="rId3">
+        <p:blipFill rotWithShape="1">
+          <a:blip r:embed="rId2" cstate="print">
             <a:extLst>
               <a:ext uri="{28A0092B-C50C-407E-A947-70E740481C1C}">
                 <a14:useLocalDpi xmlns:a14="http://schemas.microsoft.com/office/drawing/2010/main" val="0"/>
               </a:ext>
             </a:extLst>
           </a:blip>
-          <a:stretch>
-            <a:fillRect/>
-          </a:stretch>
+          <a:srcRect b="46668"/>
+          <a:stretch/>
         </p:blipFill>
         <p:spPr>
           <a:xfrm>
-            <a:off x="7087267" y="2701163"/>
-            <a:ext cx="4222013" cy="1399812"/>
+            <a:off x="677334" y="1930400"/>
+            <a:ext cx="5357587" cy="3400746"/>
           </a:xfrm>
           <a:prstGeom prst="rect">
             <a:avLst/>
           </a:prstGeom>
         </p:spPr>
       </p:pic>
-      <p:sp>
-        <p:nvSpPr>
-          <p:cNvPr id="5" name="Footer Placeholder 4"/>
-          <p:cNvSpPr>
-            <a:spLocks noGrp="1"/>
-          </p:cNvSpPr>
-          <p:nvPr>
-            <p:ph type="ftr" sz="quarter" idx="11"/>
-          </p:nvPr>
-        </p:nvSpPr>
-        <p:spPr/>
-        <p:txBody>
-          <a:bodyPr/>
-          <a:lstStyle/>
-          <a:p>
-            <a:r>
-              <a:rPr lang="en-US" smtClean="0"/>
-              <a:t>Bois Cédric - Master WIC</a:t>
-            </a:r>
-            <a:endParaRPr lang="en-US" dirty="0"/>
-          </a:p>
-        </p:txBody>
-      </p:sp>
-      <p:sp>
-        <p:nvSpPr>
-          <p:cNvPr id="6" name="Slide Number Placeholder 5"/>
-          <p:cNvSpPr>
-            <a:spLocks noGrp="1"/>
-          </p:cNvSpPr>
-          <p:nvPr>
-            <p:ph type="sldNum" sz="quarter" idx="12"/>
-          </p:nvPr>
-        </p:nvSpPr>
-        <p:spPr/>
-        <p:txBody>
-          <a:bodyPr/>
-          <a:lstStyle/>
-          <a:p>
-            <a:fld id="{D57F1E4F-1CFF-5643-939E-217C01CDF565}" type="slidenum">
-              <a:rPr lang="en-US" smtClean="0"/>
-              <a:pPr/>
-              <a:t>2</a:t>
-            </a:fld>
-            <a:endParaRPr lang="en-US" dirty="0"/>
-          </a:p>
-        </p:txBody>
-      </p:sp>
-    </p:spTree>
-    <p:extLst>
-      <p:ext uri="{BB962C8B-B14F-4D97-AF65-F5344CB8AC3E}">
-        <p14:creationId xmlns:p14="http://schemas.microsoft.com/office/powerpoint/2010/main" val="3825295252"/>
-      </p:ext>
-    </p:extLst>
-  </p:cSld>
-  <p:clrMapOvr>
-    <a:masterClrMapping/>
-  </p:clrMapOvr>
-  <p:timing>
-    <p:tnLst>
-      <p:par>
-        <p:cTn id="1" dur="indefinite" restart="never" nodeType="tmRoot"/>
-      </p:par>
-    </p:tnLst>
-  </p:timing>
-</p:sld>
-</file>
-
-<file path=ppt/slides/slide20.xml><?xml version="1.0" encoding="utf-8"?>
-<p:sld xmlns:a="http://schemas.openxmlformats.org/drawingml/2006/main" xmlns:r="http://schemas.openxmlformats.org/officeDocument/2006/relationships" xmlns:p="http://schemas.openxmlformats.org/presentationml/2006/main">
-  <p:cSld>
-    <p:spTree>
-      <p:nvGrpSpPr>
-        <p:cNvPr id="1" name=""/>
-        <p:cNvGrpSpPr/>
-        <p:nvPr/>
-      </p:nvGrpSpPr>
-      <p:grpSpPr>
-        <a:xfrm>
-          <a:off x="0" y="0"/>
-          <a:ext cx="0" cy="0"/>
-          <a:chOff x="0" y="0"/>
-          <a:chExt cx="0" cy="0"/>
-        </a:xfrm>
-      </p:grpSpPr>
-      <p:sp>
-        <p:nvSpPr>
-          <p:cNvPr id="2" name="Title 1"/>
-          <p:cNvSpPr>
-            <a:spLocks noGrp="1"/>
-          </p:cNvSpPr>
-          <p:nvPr>
-            <p:ph type="title"/>
-          </p:nvPr>
-        </p:nvSpPr>
-        <p:spPr/>
-        <p:txBody>
-          <a:bodyPr/>
-          <a:lstStyle/>
-          <a:p>
-            <a:r>
-              <a:rPr lang="fr-FR" dirty="0" smtClean="0"/>
-              <a:t>Gestion des </a:t>
-            </a:r>
-            <a:r>
-              <a:rPr lang="fr-FR" dirty="0" err="1" smtClean="0"/>
-              <a:t>VmGroups</a:t>
-            </a:r>
-            <a:r>
-              <a:rPr lang="fr-FR" dirty="0" smtClean="0"/>
-              <a:t>: test des fonctionnalités</a:t>
-            </a:r>
-            <a:endParaRPr lang="fr-FR" dirty="0"/>
-          </a:p>
-        </p:txBody>
-      </p:sp>
-      <p:sp>
-        <p:nvSpPr>
-          <p:cNvPr id="3" name="Content Placeholder 2"/>
-          <p:cNvSpPr>
-            <a:spLocks noGrp="1"/>
-          </p:cNvSpPr>
-          <p:nvPr>
-            <p:ph idx="1"/>
-          </p:nvPr>
-        </p:nvSpPr>
-        <p:spPr/>
-        <p:txBody>
-          <a:bodyPr/>
-          <a:lstStyle/>
-          <a:p>
-            <a:endParaRPr lang="fr-FR" dirty="0"/>
-          </a:p>
-        </p:txBody>
-      </p:sp>
-      <p:sp>
-        <p:nvSpPr>
-          <p:cNvPr id="4" name="Footer Placeholder 3"/>
-          <p:cNvSpPr>
-            <a:spLocks noGrp="1"/>
-          </p:cNvSpPr>
-          <p:nvPr>
-            <p:ph type="ftr" sz="quarter" idx="11"/>
-          </p:nvPr>
-        </p:nvSpPr>
-        <p:spPr/>
-        <p:txBody>
-          <a:bodyPr/>
-          <a:lstStyle/>
-          <a:p>
-            <a:r>
-              <a:rPr lang="en-US" smtClean="0"/>
-              <a:t>Bois Cédric - Master WIC</a:t>
-            </a:r>
-            <a:endParaRPr lang="en-US" dirty="0"/>
-          </a:p>
-        </p:txBody>
-      </p:sp>
-      <p:sp>
-        <p:nvSpPr>
-          <p:cNvPr id="5" name="Slide Number Placeholder 4"/>
-          <p:cNvSpPr>
-            <a:spLocks noGrp="1"/>
-          </p:cNvSpPr>
-          <p:nvPr>
-            <p:ph type="sldNum" sz="quarter" idx="12"/>
-          </p:nvPr>
-        </p:nvSpPr>
-        <p:spPr/>
-        <p:txBody>
-          <a:bodyPr/>
-          <a:lstStyle/>
-          <a:p>
-            <a:fld id="{D57F1E4F-1CFF-5643-939E-217C01CDF565}" type="slidenum">
-              <a:rPr lang="en-US" smtClean="0"/>
-              <a:pPr/>
-              <a:t>20</a:t>
-            </a:fld>
-            <a:endParaRPr lang="en-US" dirty="0"/>
-          </a:p>
-        </p:txBody>
-      </p:sp>
+      <p:pic>
+        <p:nvPicPr>
+          <p:cNvPr id="7" name="Picture 6"/>
+          <p:cNvPicPr/>
+          <p:nvPr/>
+        </p:nvPicPr>
+        <p:blipFill rotWithShape="1">
+          <a:blip r:embed="rId2" cstate="print">
+            <a:extLst>
+              <a:ext uri="{28A0092B-C50C-407E-A947-70E740481C1C}">
+                <a14:useLocalDpi xmlns:a14="http://schemas.microsoft.com/office/drawing/2010/main" val="0"/>
+              </a:ext>
+            </a:extLst>
+          </a:blip>
+          <a:srcRect t="46218" r="23244" b="42"/>
+          <a:stretch/>
+        </p:blipFill>
+        <p:spPr>
+          <a:xfrm>
+            <a:off x="6136797" y="2110189"/>
+            <a:ext cx="4291473" cy="3576065"/>
+          </a:xfrm>
+          <a:prstGeom prst="rect">
+            <a:avLst/>
+          </a:prstGeom>
+        </p:spPr>
+      </p:pic>
     </p:spTree>
     <p:extLst>
       <p:ext uri="{BB962C8B-B14F-4D97-AF65-F5344CB8AC3E}">
@@ -10883,7 +8782,7 @@
 </p:sld>
 </file>
 
-<file path=ppt/slides/slide21.xml><?xml version="1.0" encoding="utf-8"?>
+<file path=ppt/slides/slide15.xml><?xml version="1.0" encoding="utf-8"?>
 <p:sld xmlns:a="http://schemas.openxmlformats.org/drawingml/2006/main" xmlns:r="http://schemas.openxmlformats.org/officeDocument/2006/relationships" xmlns:p="http://schemas.openxmlformats.org/presentationml/2006/main">
   <p:cSld>
     <p:spTree>
@@ -10921,6 +8820,140 @@
             </a:r>
             <a:r>
               <a:rPr lang="fr-FR" dirty="0" err="1" smtClean="0"/>
+              <a:t>VmGroups</a:t>
+            </a:r>
+            <a:endParaRPr lang="fr-FR" dirty="0"/>
+          </a:p>
+        </p:txBody>
+      </p:sp>
+      <p:sp>
+        <p:nvSpPr>
+          <p:cNvPr id="3" name="Content Placeholder 2"/>
+          <p:cNvSpPr>
+            <a:spLocks noGrp="1"/>
+          </p:cNvSpPr>
+          <p:nvPr>
+            <p:ph idx="1"/>
+          </p:nvPr>
+        </p:nvSpPr>
+        <p:spPr/>
+        <p:txBody>
+          <a:bodyPr/>
+          <a:lstStyle/>
+          <a:p>
+            <a:r>
+              <a:rPr lang="fr-FR" dirty="0" smtClean="0"/>
+              <a:t>Création d’une api</a:t>
+            </a:r>
+            <a:endParaRPr lang="fr-FR" dirty="0"/>
+          </a:p>
+        </p:txBody>
+      </p:sp>
+      <p:sp>
+        <p:nvSpPr>
+          <p:cNvPr id="4" name="Footer Placeholder 3"/>
+          <p:cNvSpPr>
+            <a:spLocks noGrp="1"/>
+          </p:cNvSpPr>
+          <p:nvPr>
+            <p:ph type="ftr" sz="quarter" idx="11"/>
+          </p:nvPr>
+        </p:nvSpPr>
+        <p:spPr/>
+        <p:txBody>
+          <a:bodyPr/>
+          <a:lstStyle/>
+          <a:p>
+            <a:r>
+              <a:rPr lang="en-US" smtClean="0"/>
+              <a:t>Bois Cédric - Master WIC</a:t>
+            </a:r>
+            <a:endParaRPr lang="en-US" dirty="0"/>
+          </a:p>
+        </p:txBody>
+      </p:sp>
+      <p:sp>
+        <p:nvSpPr>
+          <p:cNvPr id="5" name="Slide Number Placeholder 4"/>
+          <p:cNvSpPr>
+            <a:spLocks noGrp="1"/>
+          </p:cNvSpPr>
+          <p:nvPr>
+            <p:ph type="sldNum" sz="quarter" idx="12"/>
+          </p:nvPr>
+        </p:nvSpPr>
+        <p:spPr/>
+        <p:txBody>
+          <a:bodyPr/>
+          <a:lstStyle/>
+          <a:p>
+            <a:fld id="{D57F1E4F-1CFF-5643-939E-217C01CDF565}" type="slidenum">
+              <a:rPr lang="en-US" smtClean="0"/>
+              <a:pPr/>
+              <a:t>15</a:t>
+            </a:fld>
+            <a:endParaRPr lang="en-US" dirty="0"/>
+          </a:p>
+        </p:txBody>
+      </p:sp>
+    </p:spTree>
+    <p:extLst>
+      <p:ext uri="{BB962C8B-B14F-4D97-AF65-F5344CB8AC3E}">
+        <p14:creationId xmlns:p14="http://schemas.microsoft.com/office/powerpoint/2010/main" val="3622608040"/>
+      </p:ext>
+    </p:extLst>
+  </p:cSld>
+  <p:clrMapOvr>
+    <a:masterClrMapping/>
+  </p:clrMapOvr>
+  <p:timing>
+    <p:tnLst>
+      <p:par>
+        <p:cTn id="1" dur="indefinite" restart="never" nodeType="tmRoot"/>
+      </p:par>
+    </p:tnLst>
+  </p:timing>
+</p:sld>
+</file>
+
+<file path=ppt/slides/slide16.xml><?xml version="1.0" encoding="utf-8"?>
+<p:sld xmlns:a="http://schemas.openxmlformats.org/drawingml/2006/main" xmlns:r="http://schemas.openxmlformats.org/officeDocument/2006/relationships" xmlns:p="http://schemas.openxmlformats.org/presentationml/2006/main">
+  <p:cSld>
+    <p:spTree>
+      <p:nvGrpSpPr>
+        <p:cNvPr id="1" name=""/>
+        <p:cNvGrpSpPr/>
+        <p:nvPr/>
+      </p:nvGrpSpPr>
+      <p:grpSpPr>
+        <a:xfrm>
+          <a:off x="0" y="0"/>
+          <a:ext cx="0" cy="0"/>
+          <a:chOff x="0" y="0"/>
+          <a:chExt cx="0" cy="0"/>
+        </a:xfrm>
+      </p:grpSpPr>
+      <p:sp>
+        <p:nvSpPr>
+          <p:cNvPr id="2" name="Title 1"/>
+          <p:cNvSpPr>
+            <a:spLocks noGrp="1"/>
+          </p:cNvSpPr>
+          <p:nvPr>
+            <p:ph type="title"/>
+          </p:nvPr>
+        </p:nvSpPr>
+        <p:spPr/>
+        <p:txBody>
+          <a:bodyPr/>
+          <a:lstStyle/>
+          <a:p>
+            <a:r>
+              <a:rPr lang="fr-FR" dirty="0"/>
+              <a:t>Gestion des </a:t>
+            </a:r>
+            <a:r>
+              <a:rPr lang="fr-FR" dirty="0" err="1" smtClean="0"/>
               <a:t>VmAppliances</a:t>
             </a:r>
             <a:r>
@@ -11003,7 +9036,7 @@
             <a:fld id="{D57F1E4F-1CFF-5643-939E-217C01CDF565}" type="slidenum">
               <a:rPr lang="en-US" smtClean="0"/>
               <a:pPr/>
-              <a:t>21</a:t>
+              <a:t>16</a:t>
             </a:fld>
             <a:endParaRPr lang="en-US" dirty="0"/>
           </a:p>
@@ -11235,7 +9268,7 @@
 </p:sld>
 </file>
 
-<file path=ppt/slides/slide22.xml><?xml version="1.0" encoding="utf-8"?>
+<file path=ppt/slides/slide17.xml><?xml version="1.0" encoding="utf-8"?>
 <p:sld xmlns:a="http://schemas.openxmlformats.org/drawingml/2006/main" xmlns:r="http://schemas.openxmlformats.org/officeDocument/2006/relationships" xmlns:p="http://schemas.openxmlformats.org/presentationml/2006/main">
   <p:cSld>
     <p:spTree>
@@ -11358,7 +9391,7 @@
             <a:fld id="{D57F1E4F-1CFF-5643-939E-217C01CDF565}" type="slidenum">
               <a:rPr lang="en-US" smtClean="0"/>
               <a:pPr/>
-              <a:t>22</a:t>
+              <a:t>17</a:t>
             </a:fld>
             <a:endParaRPr lang="en-US" dirty="0"/>
           </a:p>
@@ -11437,7 +9470,7 @@
 </p:sld>
 </file>
 
-<file path=ppt/slides/slide23.xml><?xml version="1.0" encoding="utf-8"?>
+<file path=ppt/slides/slide18.xml><?xml version="1.0" encoding="utf-8"?>
 <p:sld xmlns:a="http://schemas.openxmlformats.org/drawingml/2006/main" xmlns:r="http://schemas.openxmlformats.org/officeDocument/2006/relationships" xmlns:p="http://schemas.openxmlformats.org/presentationml/2006/main">
   <p:cSld>
     <p:spTree>
@@ -11560,7 +9593,7 @@
             <a:fld id="{D57F1E4F-1CFF-5643-939E-217C01CDF565}" type="slidenum">
               <a:rPr lang="en-US" smtClean="0"/>
               <a:pPr/>
-              <a:t>23</a:t>
+              <a:t>18</a:t>
             </a:fld>
             <a:endParaRPr lang="en-US" dirty="0"/>
           </a:p>
@@ -11657,7 +9690,7 @@
 </p:sld>
 </file>
 
-<file path=ppt/slides/slide24.xml><?xml version="1.0" encoding="utf-8"?>
+<file path=ppt/slides/slide19.xml><?xml version="1.0" encoding="utf-8"?>
 <p:sld xmlns:a="http://schemas.openxmlformats.org/drawingml/2006/main" xmlns:r="http://schemas.openxmlformats.org/officeDocument/2006/relationships" xmlns:p="http://schemas.openxmlformats.org/presentationml/2006/main">
   <p:cSld>
     <p:spTree>
@@ -11776,7 +9809,7 @@
             <a:fld id="{D57F1E4F-1CFF-5643-939E-217C01CDF565}" type="slidenum">
               <a:rPr lang="en-US" smtClean="0"/>
               <a:pPr/>
-              <a:t>24</a:t>
+              <a:t>19</a:t>
             </a:fld>
             <a:endParaRPr lang="en-US" dirty="0"/>
           </a:p>
@@ -11873,7 +9906,7 @@
 </p:sld>
 </file>
 
-<file path=ppt/slides/slide25.xml><?xml version="1.0" encoding="utf-8"?>
+<file path=ppt/slides/slide2.xml><?xml version="1.0" encoding="utf-8"?>
 <p:sld xmlns:a="http://schemas.openxmlformats.org/drawingml/2006/main" xmlns:r="http://schemas.openxmlformats.org/officeDocument/2006/relationships" xmlns:p="http://schemas.openxmlformats.org/presentationml/2006/main">
   <p:cSld>
     <p:spTree>
@@ -11906,6 +9939,198 @@
           <a:lstStyle/>
           <a:p>
             <a:r>
+              <a:rPr lang="fr-FR" dirty="0" err="1" smtClean="0"/>
+              <a:t>Vates</a:t>
+            </a:r>
+            <a:endParaRPr lang="fr-FR" dirty="0"/>
+          </a:p>
+        </p:txBody>
+      </p:sp>
+      <p:sp>
+        <p:nvSpPr>
+          <p:cNvPr id="3" name="Content Placeholder 2"/>
+          <p:cNvSpPr>
+            <a:spLocks noGrp="1"/>
+          </p:cNvSpPr>
+          <p:nvPr>
+            <p:ph idx="1"/>
+          </p:nvPr>
+        </p:nvSpPr>
+        <p:spPr/>
+        <p:txBody>
+          <a:bodyPr/>
+          <a:lstStyle/>
+          <a:p>
+            <a:r>
+              <a:rPr lang="fr-FR" dirty="0" smtClean="0"/>
+              <a:t>6 salariés</a:t>
+            </a:r>
+          </a:p>
+          <a:p>
+            <a:r>
+              <a:rPr lang="fr-FR" dirty="0" smtClean="0"/>
+              <a:t>Créé en 2012</a:t>
+            </a:r>
+          </a:p>
+          <a:p>
+            <a:r>
+              <a:rPr lang="fr-FR" dirty="0" smtClean="0"/>
+              <a:t>Développe </a:t>
+            </a:r>
+            <a:r>
+              <a:rPr lang="fr-FR" dirty="0" err="1" smtClean="0"/>
+              <a:t>Xen</a:t>
+            </a:r>
+            <a:r>
+              <a:rPr lang="fr-FR" dirty="0" smtClean="0"/>
+              <a:t> Orchestra depuis 2014</a:t>
+            </a:r>
+          </a:p>
+          <a:p>
+            <a:r>
+              <a:rPr lang="fr-FR" dirty="0" err="1" smtClean="0"/>
+              <a:t>Minalogic</a:t>
+            </a:r>
+            <a:endParaRPr lang="fr-FR" dirty="0" smtClean="0"/>
+          </a:p>
+          <a:p>
+            <a:r>
+              <a:rPr lang="fr-FR" dirty="0" smtClean="0"/>
+              <a:t>Utilise différents outils de gestion de projet</a:t>
+            </a:r>
+          </a:p>
+        </p:txBody>
+      </p:sp>
+      <p:pic>
+        <p:nvPicPr>
+          <p:cNvPr id="4" name="Picture 3"/>
+          <p:cNvPicPr>
+            <a:picLocks noChangeAspect="1"/>
+          </p:cNvPicPr>
+          <p:nvPr/>
+        </p:nvPicPr>
+        <p:blipFill>
+          <a:blip r:embed="rId3">
+            <a:extLst>
+              <a:ext uri="{28A0092B-C50C-407E-A947-70E740481C1C}">
+                <a14:useLocalDpi xmlns:a14="http://schemas.microsoft.com/office/drawing/2010/main" val="0"/>
+              </a:ext>
+            </a:extLst>
+          </a:blip>
+          <a:stretch>
+            <a:fillRect/>
+          </a:stretch>
+        </p:blipFill>
+        <p:spPr>
+          <a:xfrm>
+            <a:off x="7087267" y="2701163"/>
+            <a:ext cx="4222013" cy="1399812"/>
+          </a:xfrm>
+          <a:prstGeom prst="rect">
+            <a:avLst/>
+          </a:prstGeom>
+        </p:spPr>
+      </p:pic>
+      <p:sp>
+        <p:nvSpPr>
+          <p:cNvPr id="5" name="Footer Placeholder 4"/>
+          <p:cNvSpPr>
+            <a:spLocks noGrp="1"/>
+          </p:cNvSpPr>
+          <p:nvPr>
+            <p:ph type="ftr" sz="quarter" idx="11"/>
+          </p:nvPr>
+        </p:nvSpPr>
+        <p:spPr/>
+        <p:txBody>
+          <a:bodyPr/>
+          <a:lstStyle/>
+          <a:p>
+            <a:r>
+              <a:rPr lang="en-US" smtClean="0"/>
+              <a:t>Bois Cédric - Master WIC</a:t>
+            </a:r>
+            <a:endParaRPr lang="en-US" dirty="0"/>
+          </a:p>
+        </p:txBody>
+      </p:sp>
+      <p:sp>
+        <p:nvSpPr>
+          <p:cNvPr id="6" name="Slide Number Placeholder 5"/>
+          <p:cNvSpPr>
+            <a:spLocks noGrp="1"/>
+          </p:cNvSpPr>
+          <p:nvPr>
+            <p:ph type="sldNum" sz="quarter" idx="12"/>
+          </p:nvPr>
+        </p:nvSpPr>
+        <p:spPr/>
+        <p:txBody>
+          <a:bodyPr/>
+          <a:lstStyle/>
+          <a:p>
+            <a:fld id="{D57F1E4F-1CFF-5643-939E-217C01CDF565}" type="slidenum">
+              <a:rPr lang="en-US" smtClean="0"/>
+              <a:pPr/>
+              <a:t>2</a:t>
+            </a:fld>
+            <a:endParaRPr lang="en-US" dirty="0"/>
+          </a:p>
+        </p:txBody>
+      </p:sp>
+    </p:spTree>
+    <p:extLst>
+      <p:ext uri="{BB962C8B-B14F-4D97-AF65-F5344CB8AC3E}">
+        <p14:creationId xmlns:p14="http://schemas.microsoft.com/office/powerpoint/2010/main" val="3825295252"/>
+      </p:ext>
+    </p:extLst>
+  </p:cSld>
+  <p:clrMapOvr>
+    <a:masterClrMapping/>
+  </p:clrMapOvr>
+  <p:timing>
+    <p:tnLst>
+      <p:par>
+        <p:cTn id="1" dur="indefinite" restart="never" nodeType="tmRoot"/>
+      </p:par>
+    </p:tnLst>
+  </p:timing>
+</p:sld>
+</file>
+
+<file path=ppt/slides/slide20.xml><?xml version="1.0" encoding="utf-8"?>
+<p:sld xmlns:a="http://schemas.openxmlformats.org/drawingml/2006/main" xmlns:r="http://schemas.openxmlformats.org/officeDocument/2006/relationships" xmlns:p="http://schemas.openxmlformats.org/presentationml/2006/main">
+  <p:cSld>
+    <p:spTree>
+      <p:nvGrpSpPr>
+        <p:cNvPr id="1" name=""/>
+        <p:cNvGrpSpPr/>
+        <p:nvPr/>
+      </p:nvGrpSpPr>
+      <p:grpSpPr>
+        <a:xfrm>
+          <a:off x="0" y="0"/>
+          <a:ext cx="0" cy="0"/>
+          <a:chOff x="0" y="0"/>
+          <a:chExt cx="0" cy="0"/>
+        </a:xfrm>
+      </p:grpSpPr>
+      <p:sp>
+        <p:nvSpPr>
+          <p:cNvPr id="2" name="Title 1"/>
+          <p:cNvSpPr>
+            <a:spLocks noGrp="1"/>
+          </p:cNvSpPr>
+          <p:nvPr>
+            <p:ph type="title"/>
+          </p:nvPr>
+        </p:nvSpPr>
+        <p:spPr/>
+        <p:txBody>
+          <a:bodyPr/>
+          <a:lstStyle/>
+          <a:p>
+            <a:r>
               <a:rPr lang="fr-FR" dirty="0"/>
               <a:t>Gestion des </a:t>
             </a:r>
@@ -11996,7 +10221,7 @@
             <a:fld id="{D57F1E4F-1CFF-5643-939E-217C01CDF565}" type="slidenum">
               <a:rPr lang="en-US" smtClean="0"/>
               <a:pPr/>
-              <a:t>25</a:t>
+              <a:t>20</a:t>
             </a:fld>
             <a:endParaRPr lang="en-US" dirty="0"/>
           </a:p>
@@ -12211,7 +10436,7 @@
 </p:sld>
 </file>
 
-<file path=ppt/slides/slide26.xml><?xml version="1.0" encoding="utf-8"?>
+<file path=ppt/slides/slide21.xml><?xml version="1.0" encoding="utf-8"?>
 <p:sld xmlns:a="http://schemas.openxmlformats.org/drawingml/2006/main" xmlns:r="http://schemas.openxmlformats.org/officeDocument/2006/relationships" xmlns:p="http://schemas.openxmlformats.org/presentationml/2006/main">
   <p:cSld>
     <p:spTree>
@@ -12228,6 +10453,30 @@
           <a:chExt cx="0" cy="0"/>
         </a:xfrm>
       </p:grpSpPr>
+      <p:pic>
+        <p:nvPicPr>
+          <p:cNvPr id="9" name="Picture 8"/>
+          <p:cNvPicPr>
+            <a:picLocks noChangeAspect="1"/>
+          </p:cNvPicPr>
+          <p:nvPr/>
+        </p:nvPicPr>
+        <p:blipFill>
+          <a:blip r:embed="rId3"/>
+          <a:stretch>
+            <a:fillRect/>
+          </a:stretch>
+        </p:blipFill>
+        <p:spPr>
+          <a:xfrm>
+            <a:off x="6486313" y="3434438"/>
+            <a:ext cx="3971925" cy="228600"/>
+          </a:xfrm>
+          <a:prstGeom prst="rect">
+            <a:avLst/>
+          </a:prstGeom>
+        </p:spPr>
+      </p:pic>
       <p:sp>
         <p:nvSpPr>
           <p:cNvPr id="2" name="Title 1"/>
@@ -12330,7 +10579,7 @@
             <a:fld id="{D57F1E4F-1CFF-5643-939E-217C01CDF565}" type="slidenum">
               <a:rPr lang="en-US" smtClean="0"/>
               <a:pPr/>
-              <a:t>26</a:t>
+              <a:t>21</a:t>
             </a:fld>
             <a:endParaRPr lang="en-US" dirty="0"/>
           </a:p>
@@ -12345,7 +10594,7 @@
           <p:nvPr/>
         </p:nvPicPr>
         <p:blipFill rotWithShape="1">
-          <a:blip r:embed="rId3">
+          <a:blip r:embed="rId4">
             <a:extLst>
               <a:ext uri="{28A0092B-C50C-407E-A947-70E740481C1C}">
                 <a14:useLocalDpi xmlns:a14="http://schemas.microsoft.com/office/drawing/2010/main" val="0"/>
@@ -12365,6 +10614,30 @@
           </a:prstGeom>
         </p:spPr>
       </p:pic>
+      <p:pic>
+        <p:nvPicPr>
+          <p:cNvPr id="8" name="Picture 7"/>
+          <p:cNvPicPr>
+            <a:picLocks noChangeAspect="1"/>
+          </p:cNvPicPr>
+          <p:nvPr/>
+        </p:nvPicPr>
+        <p:blipFill>
+          <a:blip r:embed="rId5"/>
+          <a:stretch>
+            <a:fillRect/>
+          </a:stretch>
+        </p:blipFill>
+        <p:spPr>
+          <a:xfrm>
+            <a:off x="2109429" y="122484"/>
+            <a:ext cx="6244458" cy="6623909"/>
+          </a:xfrm>
+          <a:prstGeom prst="rect">
+            <a:avLst/>
+          </a:prstGeom>
+        </p:spPr>
+      </p:pic>
     </p:spTree>
     <p:extLst>
       <p:ext uri="{BB962C8B-B14F-4D97-AF65-F5344CB8AC3E}">
@@ -12378,14 +10651,143 @@
   <p:timing>
     <p:tnLst>
       <p:par>
-        <p:cTn id="1" dur="indefinite" restart="never" nodeType="tmRoot"/>
+        <p:cTn id="1" dur="indefinite" restart="never" nodeType="tmRoot">
+          <p:childTnLst>
+            <p:seq concurrent="1" nextAc="seek">
+              <p:cTn id="2" dur="indefinite" nodeType="mainSeq">
+                <p:childTnLst>
+                  <p:par>
+                    <p:cTn id="3" fill="hold">
+                      <p:stCondLst>
+                        <p:cond delay="indefinite"/>
+                      </p:stCondLst>
+                      <p:childTnLst>
+                        <p:par>
+                          <p:cTn id="4" fill="hold">
+                            <p:stCondLst>
+                              <p:cond delay="0"/>
+                            </p:stCondLst>
+                            <p:childTnLst>
+                              <p:par>
+                                <p:cTn id="5" presetID="10" presetClass="entr" presetSubtype="0" fill="hold" nodeType="clickEffect">
+                                  <p:stCondLst>
+                                    <p:cond delay="0"/>
+                                  </p:stCondLst>
+                                  <p:childTnLst>
+                                    <p:set>
+                                      <p:cBhvr>
+                                        <p:cTn id="6" dur="1" fill="hold">
+                                          <p:stCondLst>
+                                            <p:cond delay="0"/>
+                                          </p:stCondLst>
+                                        </p:cTn>
+                                        <p:tgtEl>
+                                          <p:spTgt spid="8"/>
+                                        </p:tgtEl>
+                                        <p:attrNameLst>
+                                          <p:attrName>style.visibility</p:attrName>
+                                        </p:attrNameLst>
+                                      </p:cBhvr>
+                                      <p:to>
+                                        <p:strVal val="visible"/>
+                                      </p:to>
+                                    </p:set>
+                                    <p:animEffect transition="in" filter="fade">
+                                      <p:cBhvr>
+                                        <p:cTn id="7" dur="500"/>
+                                        <p:tgtEl>
+                                          <p:spTgt spid="8"/>
+                                        </p:tgtEl>
+                                      </p:cBhvr>
+                                    </p:animEffect>
+                                  </p:childTnLst>
+                                </p:cTn>
+                              </p:par>
+                            </p:childTnLst>
+                          </p:cTn>
+                        </p:par>
+                      </p:childTnLst>
+                    </p:cTn>
+                  </p:par>
+                  <p:par>
+                    <p:cTn id="8" fill="hold">
+                      <p:stCondLst>
+                        <p:cond delay="indefinite"/>
+                      </p:stCondLst>
+                      <p:childTnLst>
+                        <p:par>
+                          <p:cTn id="9" fill="hold">
+                            <p:stCondLst>
+                              <p:cond delay="0"/>
+                            </p:stCondLst>
+                            <p:childTnLst>
+                              <p:par>
+                                <p:cTn id="10" presetID="10" presetClass="exit" presetSubtype="0" fill="hold" nodeType="clickEffect">
+                                  <p:stCondLst>
+                                    <p:cond delay="0"/>
+                                  </p:stCondLst>
+                                  <p:childTnLst>
+                                    <p:animEffect transition="out" filter="fade">
+                                      <p:cBhvr>
+                                        <p:cTn id="11" dur="500"/>
+                                        <p:tgtEl>
+                                          <p:spTgt spid="8"/>
+                                        </p:tgtEl>
+                                      </p:cBhvr>
+                                    </p:animEffect>
+                                    <p:set>
+                                      <p:cBhvr>
+                                        <p:cTn id="12" dur="1" fill="hold">
+                                          <p:stCondLst>
+                                            <p:cond delay="499"/>
+                                          </p:stCondLst>
+                                        </p:cTn>
+                                        <p:tgtEl>
+                                          <p:spTgt spid="8"/>
+                                        </p:tgtEl>
+                                        <p:attrNameLst>
+                                          <p:attrName>style.visibility</p:attrName>
+                                        </p:attrNameLst>
+                                      </p:cBhvr>
+                                      <p:to>
+                                        <p:strVal val="hidden"/>
+                                      </p:to>
+                                    </p:set>
+                                  </p:childTnLst>
+                                </p:cTn>
+                              </p:par>
+                            </p:childTnLst>
+                          </p:cTn>
+                        </p:par>
+                      </p:childTnLst>
+                    </p:cTn>
+                  </p:par>
+                </p:childTnLst>
+              </p:cTn>
+              <p:prevCondLst>
+                <p:cond evt="onPrev" delay="0">
+                  <p:tgtEl>
+                    <p:sldTgt/>
+                  </p:tgtEl>
+                </p:cond>
+              </p:prevCondLst>
+              <p:nextCondLst>
+                <p:cond evt="onNext" delay="0">
+                  <p:tgtEl>
+                    <p:sldTgt/>
+                  </p:tgtEl>
+                </p:cond>
+              </p:nextCondLst>
+            </p:seq>
+          </p:childTnLst>
+        </p:cTn>
       </p:par>
     </p:tnLst>
   </p:timing>
 </p:sld>
 </file>
 
-<file path=ppt/slides/slide27.xml><?xml version="1.0" encoding="utf-8"?>
+<file path=ppt/slides/slide22.xml><?xml version="1.0" encoding="utf-8"?>
 <p:sld xmlns:a="http://schemas.openxmlformats.org/drawingml/2006/main" xmlns:r="http://schemas.openxmlformats.org/officeDocument/2006/relationships" xmlns:p="http://schemas.openxmlformats.org/presentationml/2006/main">
   <p:cSld>
     <p:spTree>
@@ -12504,7 +10906,7 @@
             <a:fld id="{D57F1E4F-1CFF-5643-939E-217C01CDF565}" type="slidenum">
               <a:rPr lang="en-US" smtClean="0"/>
               <a:pPr/>
-              <a:t>27</a:t>
+              <a:t>22</a:t>
             </a:fld>
             <a:endParaRPr lang="en-US" dirty="0"/>
           </a:p>
@@ -12584,7 +10986,7 @@
 </p:sld>
 </file>
 
-<file path=ppt/slides/slide28.xml><?xml version="1.0" encoding="utf-8"?>
+<file path=ppt/slides/slide23.xml><?xml version="1.0" encoding="utf-8"?>
 <p:sld xmlns:a="http://schemas.openxmlformats.org/drawingml/2006/main" xmlns:r="http://schemas.openxmlformats.org/officeDocument/2006/relationships" xmlns:p="http://schemas.openxmlformats.org/presentationml/2006/main">
   <p:cSld>
     <p:spTree>
@@ -12703,7 +11105,7 @@
             <a:fld id="{D57F1E4F-1CFF-5643-939E-217C01CDF565}" type="slidenum">
               <a:rPr lang="en-US" smtClean="0"/>
               <a:pPr/>
-              <a:t>28</a:t>
+              <a:t>23</a:t>
             </a:fld>
             <a:endParaRPr lang="en-US" dirty="0"/>
           </a:p>
@@ -12783,7 +11185,7 @@
 </p:sld>
 </file>
 
-<file path=ppt/slides/slide29.xml><?xml version="1.0" encoding="utf-8"?>
+<file path=ppt/slides/slide24.xml><?xml version="1.0" encoding="utf-8"?>
 <p:sld xmlns:a="http://schemas.openxmlformats.org/drawingml/2006/main" xmlns:r="http://schemas.openxmlformats.org/officeDocument/2006/relationships" xmlns:p="http://schemas.openxmlformats.org/presentationml/2006/main">
   <p:cSld>
     <p:spTree>
@@ -12902,7 +11304,7 @@
             <a:fld id="{D57F1E4F-1CFF-5643-939E-217C01CDF565}" type="slidenum">
               <a:rPr lang="en-US" smtClean="0"/>
               <a:pPr/>
-              <a:t>29</a:t>
+              <a:t>24</a:t>
             </a:fld>
             <a:endParaRPr lang="en-US" dirty="0"/>
           </a:p>
@@ -13000,7 +11402,7 @@
 </p:sld>
 </file>
 
-<file path=ppt/slides/slide3.xml><?xml version="1.0" encoding="utf-8"?>
+<file path=ppt/slides/slide25.xml><?xml version="1.0" encoding="utf-8"?>
 <p:sld xmlns:a="http://schemas.openxmlformats.org/drawingml/2006/main" xmlns:r="http://schemas.openxmlformats.org/officeDocument/2006/relationships" xmlns:p="http://schemas.openxmlformats.org/presentationml/2006/main">
   <p:cSld>
     <p:spTree>
@@ -13033,162 +11435,6 @@
           <a:lstStyle/>
           <a:p>
             <a:r>
-              <a:rPr lang="fr-FR" dirty="0" smtClean="0"/>
-              <a:t>Planning de travail</a:t>
-            </a:r>
-            <a:endParaRPr lang="fr-FR" dirty="0"/>
-          </a:p>
-        </p:txBody>
-      </p:sp>
-      <p:sp>
-        <p:nvSpPr>
-          <p:cNvPr id="3" name="Content Placeholder 2"/>
-          <p:cNvSpPr>
-            <a:spLocks noGrp="1"/>
-          </p:cNvSpPr>
-          <p:nvPr>
-            <p:ph idx="1"/>
-          </p:nvPr>
-        </p:nvSpPr>
-        <p:spPr/>
-        <p:txBody>
-          <a:bodyPr/>
-          <a:lstStyle/>
-          <a:p>
-            <a:endParaRPr lang="fr-FR" dirty="0"/>
-          </a:p>
-        </p:txBody>
-      </p:sp>
-      <p:pic>
-        <p:nvPicPr>
-          <p:cNvPr id="4" name="Image 3" descr="C:\Users\CCCCC\Documents\journalStage\Gantt.jpg"/>
-          <p:cNvPicPr/>
-          <p:nvPr/>
-        </p:nvPicPr>
-        <p:blipFill>
-          <a:blip r:embed="rId3" cstate="print"/>
-          <a:srcRect t="19620"/>
-          <a:stretch>
-            <a:fillRect/>
-          </a:stretch>
-        </p:blipFill>
-        <p:spPr bwMode="auto">
-          <a:xfrm>
-            <a:off x="576995" y="1930400"/>
-            <a:ext cx="10672988" cy="3715191"/>
-          </a:xfrm>
-          <a:prstGeom prst="rect">
-            <a:avLst/>
-          </a:prstGeom>
-          <a:noFill/>
-          <a:ln w="9525">
-            <a:noFill/>
-            <a:miter lim="800000"/>
-            <a:headEnd/>
-            <a:tailEnd/>
-          </a:ln>
-        </p:spPr>
-      </p:pic>
-      <p:sp>
-        <p:nvSpPr>
-          <p:cNvPr id="5" name="Footer Placeholder 4"/>
-          <p:cNvSpPr>
-            <a:spLocks noGrp="1"/>
-          </p:cNvSpPr>
-          <p:nvPr>
-            <p:ph type="ftr" sz="quarter" idx="11"/>
-          </p:nvPr>
-        </p:nvSpPr>
-        <p:spPr/>
-        <p:txBody>
-          <a:bodyPr/>
-          <a:lstStyle/>
-          <a:p>
-            <a:r>
-              <a:rPr lang="en-US" smtClean="0"/>
-              <a:t>Bois Cédric - Master WIC</a:t>
-            </a:r>
-            <a:endParaRPr lang="en-US" dirty="0"/>
-          </a:p>
-        </p:txBody>
-      </p:sp>
-      <p:sp>
-        <p:nvSpPr>
-          <p:cNvPr id="6" name="Slide Number Placeholder 5"/>
-          <p:cNvSpPr>
-            <a:spLocks noGrp="1"/>
-          </p:cNvSpPr>
-          <p:nvPr>
-            <p:ph type="sldNum" sz="quarter" idx="12"/>
-          </p:nvPr>
-        </p:nvSpPr>
-        <p:spPr/>
-        <p:txBody>
-          <a:bodyPr/>
-          <a:lstStyle/>
-          <a:p>
-            <a:fld id="{D57F1E4F-1CFF-5643-939E-217C01CDF565}" type="slidenum">
-              <a:rPr lang="en-US" smtClean="0"/>
-              <a:pPr/>
-              <a:t>3</a:t>
-            </a:fld>
-            <a:endParaRPr lang="en-US" dirty="0"/>
-          </a:p>
-        </p:txBody>
-      </p:sp>
-    </p:spTree>
-    <p:extLst>
-      <p:ext uri="{BB962C8B-B14F-4D97-AF65-F5344CB8AC3E}">
-        <p14:creationId xmlns:p14="http://schemas.microsoft.com/office/powerpoint/2010/main" val="972397851"/>
-      </p:ext>
-    </p:extLst>
-  </p:cSld>
-  <p:clrMapOvr>
-    <a:masterClrMapping/>
-  </p:clrMapOvr>
-  <p:timing>
-    <p:tnLst>
-      <p:par>
-        <p:cTn id="1" dur="indefinite" restart="never" nodeType="tmRoot"/>
-      </p:par>
-    </p:tnLst>
-  </p:timing>
-</p:sld>
-</file>
-
-<file path=ppt/slides/slide30.xml><?xml version="1.0" encoding="utf-8"?>
-<p:sld xmlns:a="http://schemas.openxmlformats.org/drawingml/2006/main" xmlns:r="http://schemas.openxmlformats.org/officeDocument/2006/relationships" xmlns:p="http://schemas.openxmlformats.org/presentationml/2006/main">
-  <p:cSld>
-    <p:spTree>
-      <p:nvGrpSpPr>
-        <p:cNvPr id="1" name=""/>
-        <p:cNvGrpSpPr/>
-        <p:nvPr/>
-      </p:nvGrpSpPr>
-      <p:grpSpPr>
-        <a:xfrm>
-          <a:off x="0" y="0"/>
-          <a:ext cx="0" cy="0"/>
-          <a:chOff x="0" y="0"/>
-          <a:chExt cx="0" cy="0"/>
-        </a:xfrm>
-      </p:grpSpPr>
-      <p:sp>
-        <p:nvSpPr>
-          <p:cNvPr id="2" name="Title 1"/>
-          <p:cNvSpPr>
-            <a:spLocks noGrp="1"/>
-          </p:cNvSpPr>
-          <p:nvPr>
-            <p:ph type="title"/>
-          </p:nvPr>
-        </p:nvSpPr>
-        <p:spPr/>
-        <p:txBody>
-          <a:bodyPr/>
-          <a:lstStyle/>
-          <a:p>
-            <a:r>
               <a:rPr lang="fr-FR" dirty="0"/>
               <a:t>Gestion des </a:t>
             </a:r>
@@ -13279,7 +11525,7 @@
             <a:fld id="{D57F1E4F-1CFF-5643-939E-217C01CDF565}" type="slidenum">
               <a:rPr lang="en-US" smtClean="0"/>
               <a:pPr/>
-              <a:t>30</a:t>
+              <a:t>25</a:t>
             </a:fld>
             <a:endParaRPr lang="en-US" dirty="0"/>
           </a:p>
@@ -13358,7 +11604,7 @@
 </p:sld>
 </file>
 
-<file path=ppt/slides/slide31.xml><?xml version="1.0" encoding="utf-8"?>
+<file path=ppt/slides/slide26.xml><?xml version="1.0" encoding="utf-8"?>
 <p:sld xmlns:a="http://schemas.openxmlformats.org/drawingml/2006/main" xmlns:r="http://schemas.openxmlformats.org/officeDocument/2006/relationships" xmlns:p="http://schemas.openxmlformats.org/presentationml/2006/main">
   <p:cSld>
     <p:spTree>
@@ -13458,7 +11704,7 @@
             <a:fld id="{D57F1E4F-1CFF-5643-939E-217C01CDF565}" type="slidenum">
               <a:rPr lang="en-US" smtClean="0"/>
               <a:pPr/>
-              <a:t>31</a:t>
+              <a:t>26</a:t>
             </a:fld>
             <a:endParaRPr lang="en-US" dirty="0"/>
           </a:p>
@@ -13484,7 +11730,7 @@
 </p:sld>
 </file>
 
-<file path=ppt/slides/slide32.xml><?xml version="1.0" encoding="utf-8"?>
+<file path=ppt/slides/slide27.xml><?xml version="1.0" encoding="utf-8"?>
 <p:sld xmlns:a="http://schemas.openxmlformats.org/drawingml/2006/main" xmlns:r="http://schemas.openxmlformats.org/officeDocument/2006/relationships" xmlns:p="http://schemas.openxmlformats.org/presentationml/2006/main">
   <p:cSld>
     <p:spTree>
@@ -13565,7 +11811,7 @@
             <a:fld id="{D57F1E4F-1CFF-5643-939E-217C01CDF565}" type="slidenum">
               <a:rPr lang="en-US" smtClean="0"/>
               <a:pPr/>
-              <a:t>32</a:t>
+              <a:t>27</a:t>
             </a:fld>
             <a:endParaRPr lang="en-US" dirty="0"/>
           </a:p>
@@ -13620,7 +11866,7 @@
 </p:sld>
 </file>
 
-<file path=ppt/slides/slide33.xml><?xml version="1.0" encoding="utf-8"?>
+<file path=ppt/slides/slide28.xml><?xml version="1.0" encoding="utf-8"?>
 <p:sld xmlns:a="http://schemas.openxmlformats.org/drawingml/2006/main" xmlns:r="http://schemas.openxmlformats.org/officeDocument/2006/relationships" xmlns:p="http://schemas.openxmlformats.org/presentationml/2006/main">
   <p:cSld>
     <p:spTree>
@@ -13701,7 +11947,7 @@
             <a:fld id="{D57F1E4F-1CFF-5643-939E-217C01CDF565}" type="slidenum">
               <a:rPr lang="en-US" smtClean="0"/>
               <a:pPr/>
-              <a:t>33</a:t>
+              <a:t>28</a:t>
             </a:fld>
             <a:endParaRPr lang="en-US" dirty="0"/>
           </a:p>
@@ -13756,7 +12002,7 @@
 </p:sld>
 </file>
 
-<file path=ppt/slides/slide34.xml><?xml version="1.0" encoding="utf-8"?>
+<file path=ppt/slides/slide29.xml><?xml version="1.0" encoding="utf-8"?>
 <p:sld xmlns:a="http://schemas.openxmlformats.org/drawingml/2006/main" xmlns:r="http://schemas.openxmlformats.org/officeDocument/2006/relationships" xmlns:p="http://schemas.openxmlformats.org/presentationml/2006/main">
   <p:cSld>
     <p:spTree>
@@ -13837,7 +12083,7 @@
             <a:fld id="{D57F1E4F-1CFF-5643-939E-217C01CDF565}" type="slidenum">
               <a:rPr lang="en-US" smtClean="0"/>
               <a:pPr/>
-              <a:t>34</a:t>
+              <a:t>29</a:t>
             </a:fld>
             <a:endParaRPr lang="en-US" dirty="0"/>
           </a:p>
@@ -13892,7 +12138,7 @@
 </p:sld>
 </file>
 
-<file path=ppt/slides/slide35.xml><?xml version="1.0" encoding="utf-8"?>
+<file path=ppt/slides/slide3.xml><?xml version="1.0" encoding="utf-8"?>
 <p:sld xmlns:a="http://schemas.openxmlformats.org/drawingml/2006/main" xmlns:r="http://schemas.openxmlformats.org/officeDocument/2006/relationships" xmlns:p="http://schemas.openxmlformats.org/presentationml/2006/main">
   <p:cSld>
     <p:spTree>
@@ -13926,6 +12172,162 @@
           <a:p>
             <a:r>
               <a:rPr lang="fr-FR" dirty="0" smtClean="0"/>
+              <a:t>Planning de travail</a:t>
+            </a:r>
+            <a:endParaRPr lang="fr-FR" dirty="0"/>
+          </a:p>
+        </p:txBody>
+      </p:sp>
+      <p:sp>
+        <p:nvSpPr>
+          <p:cNvPr id="3" name="Content Placeholder 2"/>
+          <p:cNvSpPr>
+            <a:spLocks noGrp="1"/>
+          </p:cNvSpPr>
+          <p:nvPr>
+            <p:ph idx="1"/>
+          </p:nvPr>
+        </p:nvSpPr>
+        <p:spPr/>
+        <p:txBody>
+          <a:bodyPr/>
+          <a:lstStyle/>
+          <a:p>
+            <a:endParaRPr lang="fr-FR" dirty="0"/>
+          </a:p>
+        </p:txBody>
+      </p:sp>
+      <p:pic>
+        <p:nvPicPr>
+          <p:cNvPr id="4" name="Image 3" descr="C:\Users\CCCCC\Documents\journalStage\Gantt.jpg"/>
+          <p:cNvPicPr/>
+          <p:nvPr/>
+        </p:nvPicPr>
+        <p:blipFill>
+          <a:blip r:embed="rId3" cstate="print"/>
+          <a:srcRect t="19620"/>
+          <a:stretch>
+            <a:fillRect/>
+          </a:stretch>
+        </p:blipFill>
+        <p:spPr bwMode="auto">
+          <a:xfrm>
+            <a:off x="576995" y="1930400"/>
+            <a:ext cx="10672988" cy="3715191"/>
+          </a:xfrm>
+          <a:prstGeom prst="rect">
+            <a:avLst/>
+          </a:prstGeom>
+          <a:noFill/>
+          <a:ln w="9525">
+            <a:noFill/>
+            <a:miter lim="800000"/>
+            <a:headEnd/>
+            <a:tailEnd/>
+          </a:ln>
+        </p:spPr>
+      </p:pic>
+      <p:sp>
+        <p:nvSpPr>
+          <p:cNvPr id="5" name="Footer Placeholder 4"/>
+          <p:cNvSpPr>
+            <a:spLocks noGrp="1"/>
+          </p:cNvSpPr>
+          <p:nvPr>
+            <p:ph type="ftr" sz="quarter" idx="11"/>
+          </p:nvPr>
+        </p:nvSpPr>
+        <p:spPr/>
+        <p:txBody>
+          <a:bodyPr/>
+          <a:lstStyle/>
+          <a:p>
+            <a:r>
+              <a:rPr lang="en-US" smtClean="0"/>
+              <a:t>Bois Cédric - Master WIC</a:t>
+            </a:r>
+            <a:endParaRPr lang="en-US" dirty="0"/>
+          </a:p>
+        </p:txBody>
+      </p:sp>
+      <p:sp>
+        <p:nvSpPr>
+          <p:cNvPr id="6" name="Slide Number Placeholder 5"/>
+          <p:cNvSpPr>
+            <a:spLocks noGrp="1"/>
+          </p:cNvSpPr>
+          <p:nvPr>
+            <p:ph type="sldNum" sz="quarter" idx="12"/>
+          </p:nvPr>
+        </p:nvSpPr>
+        <p:spPr/>
+        <p:txBody>
+          <a:bodyPr/>
+          <a:lstStyle/>
+          <a:p>
+            <a:fld id="{D57F1E4F-1CFF-5643-939E-217C01CDF565}" type="slidenum">
+              <a:rPr lang="en-US" smtClean="0"/>
+              <a:pPr/>
+              <a:t>3</a:t>
+            </a:fld>
+            <a:endParaRPr lang="en-US" dirty="0"/>
+          </a:p>
+        </p:txBody>
+      </p:sp>
+    </p:spTree>
+    <p:extLst>
+      <p:ext uri="{BB962C8B-B14F-4D97-AF65-F5344CB8AC3E}">
+        <p14:creationId xmlns:p14="http://schemas.microsoft.com/office/powerpoint/2010/main" val="972397851"/>
+      </p:ext>
+    </p:extLst>
+  </p:cSld>
+  <p:clrMapOvr>
+    <a:masterClrMapping/>
+  </p:clrMapOvr>
+  <p:timing>
+    <p:tnLst>
+      <p:par>
+        <p:cTn id="1" dur="indefinite" restart="never" nodeType="tmRoot"/>
+      </p:par>
+    </p:tnLst>
+  </p:timing>
+</p:sld>
+</file>
+
+<file path=ppt/slides/slide30.xml><?xml version="1.0" encoding="utf-8"?>
+<p:sld xmlns:a="http://schemas.openxmlformats.org/drawingml/2006/main" xmlns:r="http://schemas.openxmlformats.org/officeDocument/2006/relationships" xmlns:p="http://schemas.openxmlformats.org/presentationml/2006/main">
+  <p:cSld>
+    <p:spTree>
+      <p:nvGrpSpPr>
+        <p:cNvPr id="1" name=""/>
+        <p:cNvGrpSpPr/>
+        <p:nvPr/>
+      </p:nvGrpSpPr>
+      <p:grpSpPr>
+        <a:xfrm>
+          <a:off x="0" y="0"/>
+          <a:ext cx="0" cy="0"/>
+          <a:chOff x="0" y="0"/>
+          <a:chExt cx="0" cy="0"/>
+        </a:xfrm>
+      </p:grpSpPr>
+      <p:sp>
+        <p:nvSpPr>
+          <p:cNvPr id="2" name="Title 1"/>
+          <p:cNvSpPr>
+            <a:spLocks noGrp="1"/>
+          </p:cNvSpPr>
+          <p:nvPr>
+            <p:ph type="title"/>
+          </p:nvPr>
+        </p:nvSpPr>
+        <p:spPr/>
+        <p:txBody>
+          <a:bodyPr/>
+          <a:lstStyle/>
+          <a:p>
+            <a:r>
+              <a:rPr lang="fr-FR" dirty="0" smtClean="0"/>
               <a:t>Démo</a:t>
             </a:r>
             <a:endParaRPr lang="fr-FR" dirty="0"/>
@@ -13973,7 +12375,7 @@
             <a:fld id="{D57F1E4F-1CFF-5643-939E-217C01CDF565}" type="slidenum">
               <a:rPr lang="en-US" smtClean="0"/>
               <a:pPr/>
-              <a:t>35</a:t>
+              <a:t>30</a:t>
             </a:fld>
             <a:endParaRPr lang="en-US" dirty="0"/>
           </a:p>
@@ -14028,7 +12430,7 @@
 </p:sld>
 </file>
 
-<file path=ppt/slides/slide36.xml><?xml version="1.0" encoding="utf-8"?>
+<file path=ppt/slides/slide31.xml><?xml version="1.0" encoding="utf-8"?>
 <p:sld xmlns:a="http://schemas.openxmlformats.org/drawingml/2006/main" xmlns:r="http://schemas.openxmlformats.org/officeDocument/2006/relationships" xmlns:p="http://schemas.openxmlformats.org/presentationml/2006/main">
   <p:cSld>
     <p:spTree>
@@ -14109,7 +12511,7 @@
             <a:fld id="{D57F1E4F-1CFF-5643-939E-217C01CDF565}" type="slidenum">
               <a:rPr lang="en-US" smtClean="0"/>
               <a:pPr/>
-              <a:t>36</a:t>
+              <a:t>31</a:t>
             </a:fld>
             <a:endParaRPr lang="en-US" dirty="0"/>
           </a:p>
@@ -14164,7 +12566,7 @@
 </p:sld>
 </file>
 
-<file path=ppt/slides/slide37.xml><?xml version="1.0" encoding="utf-8"?>
+<file path=ppt/slides/slide32.xml><?xml version="1.0" encoding="utf-8"?>
 <p:sld xmlns:a="http://schemas.openxmlformats.org/drawingml/2006/main" xmlns:r="http://schemas.openxmlformats.org/officeDocument/2006/relationships" xmlns:p="http://schemas.openxmlformats.org/presentationml/2006/main">
   <p:cSld>
     <p:spTree>
@@ -14245,7 +12647,7 @@
             <a:fld id="{D57F1E4F-1CFF-5643-939E-217C01CDF565}" type="slidenum">
               <a:rPr lang="en-US" smtClean="0"/>
               <a:pPr/>
-              <a:t>37</a:t>
+              <a:t>32</a:t>
             </a:fld>
             <a:endParaRPr lang="en-US" dirty="0"/>
           </a:p>
@@ -14300,7 +12702,7 @@
 </p:sld>
 </file>
 
-<file path=ppt/slides/slide38.xml><?xml version="1.0" encoding="utf-8"?>
+<file path=ppt/slides/slide33.xml><?xml version="1.0" encoding="utf-8"?>
 <p:sld xmlns:a="http://schemas.openxmlformats.org/drawingml/2006/main" xmlns:r="http://schemas.openxmlformats.org/officeDocument/2006/relationships" xmlns:p="http://schemas.openxmlformats.org/presentationml/2006/main">
   <p:cSld>
     <p:spTree>
@@ -14381,7 +12783,7 @@
             <a:fld id="{D57F1E4F-1CFF-5643-939E-217C01CDF565}" type="slidenum">
               <a:rPr lang="en-US" smtClean="0"/>
               <a:pPr/>
-              <a:t>38</a:t>
+              <a:t>33</a:t>
             </a:fld>
             <a:endParaRPr lang="en-US" dirty="0"/>
           </a:p>
@@ -14456,7 +12858,7 @@
 </p:sld>
 </file>
 
-<file path=ppt/slides/slide39.xml><?xml version="1.0" encoding="utf-8"?>
+<file path=ppt/slides/slide34.xml><?xml version="1.0" encoding="utf-8"?>
 <p:sld xmlns:a="http://schemas.openxmlformats.org/drawingml/2006/main" xmlns:r="http://schemas.openxmlformats.org/officeDocument/2006/relationships" xmlns:p="http://schemas.openxmlformats.org/presentationml/2006/main">
   <p:cSld>
     <p:spTree>
@@ -14566,7 +12968,7 @@
             <a:fld id="{D57F1E4F-1CFF-5643-939E-217C01CDF565}" type="slidenum">
               <a:rPr lang="en-US" smtClean="0"/>
               <a:pPr/>
-              <a:t>39</a:t>
+              <a:t>34</a:t>
             </a:fld>
             <a:endParaRPr lang="en-US" dirty="0"/>
           </a:p>
@@ -14592,7 +12994,7 @@
 </p:sld>
 </file>
 
-<file path=ppt/slides/slide4.xml><?xml version="1.0" encoding="utf-8"?>
+<file path=ppt/slides/slide35.xml><?xml version="1.0" encoding="utf-8"?>
 <p:sld xmlns:a="http://schemas.openxmlformats.org/drawingml/2006/main" xmlns:r="http://schemas.openxmlformats.org/officeDocument/2006/relationships" xmlns:p="http://schemas.openxmlformats.org/presentationml/2006/main">
   <p:cSld>
     <p:spTree>
@@ -14616,132 +13018,6 @@
             <a:spLocks noGrp="1"/>
           </p:cNvSpPr>
           <p:nvPr>
-            <p:ph type="ctrTitle"/>
-          </p:nvPr>
-        </p:nvSpPr>
-        <p:spPr/>
-        <p:txBody>
-          <a:bodyPr/>
-          <a:lstStyle/>
-          <a:p>
-            <a:r>
-              <a:rPr lang="fr-FR" dirty="0" smtClean="0"/>
-              <a:t>Technologies utilisées</a:t>
-            </a:r>
-            <a:endParaRPr lang="fr-FR" dirty="0"/>
-          </a:p>
-        </p:txBody>
-      </p:sp>
-      <p:sp>
-        <p:nvSpPr>
-          <p:cNvPr id="3" name="Subtitle 2"/>
-          <p:cNvSpPr>
-            <a:spLocks noGrp="1"/>
-          </p:cNvSpPr>
-          <p:nvPr>
-            <p:ph type="subTitle" idx="1"/>
-          </p:nvPr>
-        </p:nvSpPr>
-        <p:spPr/>
-        <p:txBody>
-          <a:bodyPr/>
-          <a:lstStyle/>
-          <a:p>
-            <a:endParaRPr lang="fr-FR"/>
-          </a:p>
-        </p:txBody>
-      </p:sp>
-      <p:sp>
-        <p:nvSpPr>
-          <p:cNvPr id="4" name="Footer Placeholder 3"/>
-          <p:cNvSpPr>
-            <a:spLocks noGrp="1"/>
-          </p:cNvSpPr>
-          <p:nvPr>
-            <p:ph type="ftr" sz="quarter" idx="11"/>
-          </p:nvPr>
-        </p:nvSpPr>
-        <p:spPr/>
-        <p:txBody>
-          <a:bodyPr/>
-          <a:lstStyle/>
-          <a:p>
-            <a:r>
-              <a:rPr lang="en-US" smtClean="0"/>
-              <a:t>Bois Cédric - Master WIC</a:t>
-            </a:r>
-            <a:endParaRPr lang="en-US" dirty="0"/>
-          </a:p>
-        </p:txBody>
-      </p:sp>
-      <p:sp>
-        <p:nvSpPr>
-          <p:cNvPr id="5" name="Slide Number Placeholder 4"/>
-          <p:cNvSpPr>
-            <a:spLocks noGrp="1"/>
-          </p:cNvSpPr>
-          <p:nvPr>
-            <p:ph type="sldNum" sz="quarter" idx="12"/>
-          </p:nvPr>
-        </p:nvSpPr>
-        <p:spPr/>
-        <p:txBody>
-          <a:bodyPr/>
-          <a:lstStyle/>
-          <a:p>
-            <a:fld id="{D57F1E4F-1CFF-5643-939E-217C01CDF565}" type="slidenum">
-              <a:rPr lang="en-US" smtClean="0"/>
-              <a:pPr/>
-              <a:t>4</a:t>
-            </a:fld>
-            <a:endParaRPr lang="en-US" dirty="0"/>
-          </a:p>
-        </p:txBody>
-      </p:sp>
-    </p:spTree>
-    <p:extLst>
-      <p:ext uri="{BB962C8B-B14F-4D97-AF65-F5344CB8AC3E}">
-        <p14:creationId xmlns:p14="http://schemas.microsoft.com/office/powerpoint/2010/main" val="1642173516"/>
-      </p:ext>
-    </p:extLst>
-  </p:cSld>
-  <p:clrMapOvr>
-    <a:masterClrMapping/>
-  </p:clrMapOvr>
-  <p:timing>
-    <p:tnLst>
-      <p:par>
-        <p:cTn id="1" dur="indefinite" restart="never" nodeType="tmRoot"/>
-      </p:par>
-    </p:tnLst>
-  </p:timing>
-</p:sld>
-</file>
-
-<file path=ppt/slides/slide40.xml><?xml version="1.0" encoding="utf-8"?>
-<p:sld xmlns:a="http://schemas.openxmlformats.org/drawingml/2006/main" xmlns:r="http://schemas.openxmlformats.org/officeDocument/2006/relationships" xmlns:p="http://schemas.openxmlformats.org/presentationml/2006/main">
-  <p:cSld>
-    <p:spTree>
-      <p:nvGrpSpPr>
-        <p:cNvPr id="1" name=""/>
-        <p:cNvGrpSpPr/>
-        <p:nvPr/>
-      </p:nvGrpSpPr>
-      <p:grpSpPr>
-        <a:xfrm>
-          <a:off x="0" y="0"/>
-          <a:ext cx="0" cy="0"/>
-          <a:chOff x="0" y="0"/>
-          <a:chExt cx="0" cy="0"/>
-        </a:xfrm>
-      </p:grpSpPr>
-      <p:sp>
-        <p:nvSpPr>
-          <p:cNvPr id="2" name="Title 1"/>
-          <p:cNvSpPr>
-            <a:spLocks noGrp="1"/>
-          </p:cNvSpPr>
-          <p:nvPr>
             <p:ph type="title"/>
           </p:nvPr>
         </p:nvSpPr>
@@ -14799,7 +13075,7 @@
             <a:fld id="{D57F1E4F-1CFF-5643-939E-217C01CDF565}" type="slidenum">
               <a:rPr lang="en-US" smtClean="0"/>
               <a:pPr/>
-              <a:t>40</a:t>
+              <a:t>35</a:t>
             </a:fld>
             <a:endParaRPr lang="en-US" dirty="0"/>
           </a:p>
@@ -14854,7 +13130,7 @@
 </p:sld>
 </file>
 
-<file path=ppt/slides/slide41.xml><?xml version="1.0" encoding="utf-8"?>
+<file path=ppt/slides/slide36.xml><?xml version="1.0" encoding="utf-8"?>
 <p:sld xmlns:a="http://schemas.openxmlformats.org/drawingml/2006/main" xmlns:r="http://schemas.openxmlformats.org/officeDocument/2006/relationships" xmlns:p="http://schemas.openxmlformats.org/presentationml/2006/main">
   <p:cSld>
     <p:spTree>
@@ -14935,7 +13211,7 @@
             <a:fld id="{D57F1E4F-1CFF-5643-939E-217C01CDF565}" type="slidenum">
               <a:rPr lang="en-US" smtClean="0"/>
               <a:pPr/>
-              <a:t>41</a:t>
+              <a:t>36</a:t>
             </a:fld>
             <a:endParaRPr lang="en-US" dirty="0"/>
           </a:p>
@@ -14990,7 +13266,7 @@
 </p:sld>
 </file>
 
-<file path=ppt/slides/slide42.xml><?xml version="1.0" encoding="utf-8"?>
+<file path=ppt/slides/slide37.xml><?xml version="1.0" encoding="utf-8"?>
 <p:sld xmlns:a="http://schemas.openxmlformats.org/drawingml/2006/main" xmlns:r="http://schemas.openxmlformats.org/officeDocument/2006/relationships" xmlns:p="http://schemas.openxmlformats.org/presentationml/2006/main">
   <p:cSld>
     <p:spTree>
@@ -15071,7 +13347,7 @@
             <a:fld id="{D57F1E4F-1CFF-5643-939E-217C01CDF565}" type="slidenum">
               <a:rPr lang="en-US" smtClean="0"/>
               <a:pPr/>
-              <a:t>42</a:t>
+              <a:t>37</a:t>
             </a:fld>
             <a:endParaRPr lang="en-US" dirty="0"/>
           </a:p>
@@ -15126,7 +13402,7 @@
 </p:sld>
 </file>
 
-<file path=ppt/slides/slide43.xml><?xml version="1.0" encoding="utf-8"?>
+<file path=ppt/slides/slide38.xml><?xml version="1.0" encoding="utf-8"?>
 <p:sld xmlns:a="http://schemas.openxmlformats.org/drawingml/2006/main" xmlns:r="http://schemas.openxmlformats.org/officeDocument/2006/relationships" xmlns:p="http://schemas.openxmlformats.org/presentationml/2006/main">
   <p:cSld>
     <p:spTree>
@@ -15207,7 +13483,7 @@
             <a:fld id="{D57F1E4F-1CFF-5643-939E-217C01CDF565}" type="slidenum">
               <a:rPr lang="en-US" smtClean="0"/>
               <a:pPr/>
-              <a:t>43</a:t>
+              <a:t>38</a:t>
             </a:fld>
             <a:endParaRPr lang="en-US" dirty="0"/>
           </a:p>
@@ -15262,7 +13538,7 @@
 </p:sld>
 </file>
 
-<file path=ppt/slides/slide44.xml><?xml version="1.0" encoding="utf-8"?>
+<file path=ppt/slides/slide39.xml><?xml version="1.0" encoding="utf-8"?>
 <p:sld xmlns:a="http://schemas.openxmlformats.org/drawingml/2006/main" xmlns:r="http://schemas.openxmlformats.org/officeDocument/2006/relationships" xmlns:p="http://schemas.openxmlformats.org/presentationml/2006/main">
   <p:cSld>
     <p:spTree>
@@ -15343,7 +13619,7 @@
             <a:fld id="{D57F1E4F-1CFF-5643-939E-217C01CDF565}" type="slidenum">
               <a:rPr lang="en-US" smtClean="0"/>
               <a:pPr/>
-              <a:t>44</a:t>
+              <a:t>39</a:t>
             </a:fld>
             <a:endParaRPr lang="en-US" dirty="0"/>
           </a:p>
@@ -15398,7 +13674,7 @@
 </p:sld>
 </file>
 
-<file path=ppt/slides/slide45.xml><?xml version="1.0" encoding="utf-8"?>
+<file path=ppt/slides/slide4.xml><?xml version="1.0" encoding="utf-8"?>
 <p:sld xmlns:a="http://schemas.openxmlformats.org/drawingml/2006/main" xmlns:r="http://schemas.openxmlformats.org/officeDocument/2006/relationships" xmlns:p="http://schemas.openxmlformats.org/presentationml/2006/main">
   <p:cSld>
     <p:spTree>
@@ -15422,6 +13698,162 @@
             <a:spLocks noGrp="1"/>
           </p:cNvSpPr>
           <p:nvPr>
+            <p:ph type="ctrTitle"/>
+          </p:nvPr>
+        </p:nvSpPr>
+        <p:spPr/>
+        <p:txBody>
+          <a:bodyPr/>
+          <a:lstStyle/>
+          <a:p>
+            <a:r>
+              <a:rPr lang="fr-FR" dirty="0" err="1" smtClean="0"/>
+              <a:t>ReactJs</a:t>
+            </a:r>
+            <a:endParaRPr lang="fr-FR" dirty="0"/>
+          </a:p>
+        </p:txBody>
+      </p:sp>
+      <p:sp>
+        <p:nvSpPr>
+          <p:cNvPr id="3" name="Subtitle 2"/>
+          <p:cNvSpPr>
+            <a:spLocks noGrp="1"/>
+          </p:cNvSpPr>
+          <p:nvPr>
+            <p:ph type="subTitle" idx="1"/>
+          </p:nvPr>
+        </p:nvSpPr>
+        <p:spPr/>
+        <p:txBody>
+          <a:bodyPr/>
+          <a:lstStyle/>
+          <a:p>
+            <a:endParaRPr lang="fr-FR"/>
+          </a:p>
+        </p:txBody>
+      </p:sp>
+      <p:sp>
+        <p:nvSpPr>
+          <p:cNvPr id="4" name="Footer Placeholder 3"/>
+          <p:cNvSpPr>
+            <a:spLocks noGrp="1"/>
+          </p:cNvSpPr>
+          <p:nvPr>
+            <p:ph type="ftr" sz="quarter" idx="11"/>
+          </p:nvPr>
+        </p:nvSpPr>
+        <p:spPr/>
+        <p:txBody>
+          <a:bodyPr/>
+          <a:lstStyle/>
+          <a:p>
+            <a:r>
+              <a:rPr lang="en-US" smtClean="0"/>
+              <a:t>Bois Cédric - Master WIC</a:t>
+            </a:r>
+            <a:endParaRPr lang="en-US" dirty="0"/>
+          </a:p>
+        </p:txBody>
+      </p:sp>
+      <p:sp>
+        <p:nvSpPr>
+          <p:cNvPr id="5" name="Slide Number Placeholder 4"/>
+          <p:cNvSpPr>
+            <a:spLocks noGrp="1"/>
+          </p:cNvSpPr>
+          <p:nvPr>
+            <p:ph type="sldNum" sz="quarter" idx="12"/>
+          </p:nvPr>
+        </p:nvSpPr>
+        <p:spPr/>
+        <p:txBody>
+          <a:bodyPr/>
+          <a:lstStyle/>
+          <a:p>
+            <a:fld id="{D57F1E4F-1CFF-5643-939E-217C01CDF565}" type="slidenum">
+              <a:rPr lang="en-US" smtClean="0"/>
+              <a:pPr/>
+              <a:t>4</a:t>
+            </a:fld>
+            <a:endParaRPr lang="en-US" dirty="0"/>
+          </a:p>
+        </p:txBody>
+      </p:sp>
+      <p:pic>
+        <p:nvPicPr>
+          <p:cNvPr id="6" name="Picture 5"/>
+          <p:cNvPicPr>
+            <a:picLocks noChangeAspect="1"/>
+          </p:cNvPicPr>
+          <p:nvPr/>
+        </p:nvPicPr>
+        <p:blipFill>
+          <a:blip r:embed="rId2">
+            <a:extLst>
+              <a:ext uri="{28A0092B-C50C-407E-A947-70E740481C1C}">
+                <a14:useLocalDpi xmlns:a14="http://schemas.microsoft.com/office/drawing/2010/main" val="0"/>
+              </a:ext>
+            </a:extLst>
+          </a:blip>
+          <a:stretch>
+            <a:fillRect/>
+          </a:stretch>
+        </p:blipFill>
+        <p:spPr>
+          <a:xfrm>
+            <a:off x="1152066" y="2152547"/>
+            <a:ext cx="4238469" cy="2995185"/>
+          </a:xfrm>
+          <a:prstGeom prst="rect">
+            <a:avLst/>
+          </a:prstGeom>
+        </p:spPr>
+      </p:pic>
+    </p:spTree>
+    <p:extLst>
+      <p:ext uri="{BB962C8B-B14F-4D97-AF65-F5344CB8AC3E}">
+        <p14:creationId xmlns:p14="http://schemas.microsoft.com/office/powerpoint/2010/main" val="1642173516"/>
+      </p:ext>
+    </p:extLst>
+  </p:cSld>
+  <p:clrMapOvr>
+    <a:masterClrMapping/>
+  </p:clrMapOvr>
+  <p:timing>
+    <p:tnLst>
+      <p:par>
+        <p:cTn id="1" dur="indefinite" restart="never" nodeType="tmRoot"/>
+      </p:par>
+    </p:tnLst>
+  </p:timing>
+</p:sld>
+</file>
+
+<file path=ppt/slides/slide40.xml><?xml version="1.0" encoding="utf-8"?>
+<p:sld xmlns:a="http://schemas.openxmlformats.org/drawingml/2006/main" xmlns:r="http://schemas.openxmlformats.org/officeDocument/2006/relationships" xmlns:p="http://schemas.openxmlformats.org/presentationml/2006/main">
+  <p:cSld>
+    <p:spTree>
+      <p:nvGrpSpPr>
+        <p:cNvPr id="1" name=""/>
+        <p:cNvGrpSpPr/>
+        <p:nvPr/>
+      </p:nvGrpSpPr>
+      <p:grpSpPr>
+        <a:xfrm>
+          <a:off x="0" y="0"/>
+          <a:ext cx="0" cy="0"/>
+          <a:chOff x="0" y="0"/>
+          <a:chExt cx="0" cy="0"/>
+        </a:xfrm>
+      </p:grpSpPr>
+      <p:sp>
+        <p:nvSpPr>
+          <p:cNvPr id="2" name="Title 1"/>
+          <p:cNvSpPr>
+            <a:spLocks noGrp="1"/>
+          </p:cNvSpPr>
+          <p:nvPr>
             <p:ph type="title"/>
           </p:nvPr>
         </p:nvSpPr>
@@ -15479,7 +13911,7 @@
             <a:fld id="{D57F1E4F-1CFF-5643-939E-217C01CDF565}" type="slidenum">
               <a:rPr lang="en-US" smtClean="0"/>
               <a:pPr/>
-              <a:t>45</a:t>
+              <a:t>40</a:t>
             </a:fld>
             <a:endParaRPr lang="en-US" dirty="0"/>
           </a:p>
@@ -15534,7 +13966,7 @@
 </p:sld>
 </file>
 
-<file path=ppt/slides/slide46.xml><?xml version="1.0" encoding="utf-8"?>
+<file path=ppt/slides/slide41.xml><?xml version="1.0" encoding="utf-8"?>
 <p:sld xmlns:a="http://schemas.openxmlformats.org/drawingml/2006/main" xmlns:r="http://schemas.openxmlformats.org/officeDocument/2006/relationships" xmlns:p="http://schemas.openxmlformats.org/presentationml/2006/main">
   <p:cSld>
     <p:spTree>
@@ -15615,7 +14047,7 @@
             <a:fld id="{D57F1E4F-1CFF-5643-939E-217C01CDF565}" type="slidenum">
               <a:rPr lang="en-US" smtClean="0"/>
               <a:pPr/>
-              <a:t>46</a:t>
+              <a:t>41</a:t>
             </a:fld>
             <a:endParaRPr lang="en-US" dirty="0"/>
           </a:p>
@@ -15670,7 +14102,7 @@
 </p:sld>
 </file>
 
-<file path=ppt/slides/slide47.xml><?xml version="1.0" encoding="utf-8"?>
+<file path=ppt/slides/slide42.xml><?xml version="1.0" encoding="utf-8"?>
 <p:sld xmlns:a="http://schemas.openxmlformats.org/drawingml/2006/main" xmlns:r="http://schemas.openxmlformats.org/officeDocument/2006/relationships" xmlns:p="http://schemas.openxmlformats.org/presentationml/2006/main">
   <p:cSld>
     <p:spTree>
@@ -15704,7 +14136,7 @@
           <a:p>
             <a:r>
               <a:rPr lang="fr-FR" dirty="0" smtClean="0"/>
-              <a:t>Difficultés rencontrées</a:t>
+              <a:t>Conclusion</a:t>
             </a:r>
             <a:endParaRPr lang="fr-FR" dirty="0"/>
           </a:p>
@@ -15712,6 +14144,68 @@
       </p:sp>
       <p:sp>
         <p:nvSpPr>
+          <p:cNvPr id="3" name="Content Placeholder 2"/>
+          <p:cNvSpPr>
+            <a:spLocks noGrp="1"/>
+          </p:cNvSpPr>
+          <p:nvPr>
+            <p:ph idx="1"/>
+          </p:nvPr>
+        </p:nvSpPr>
+        <p:spPr/>
+        <p:txBody>
+          <a:bodyPr/>
+          <a:lstStyle/>
+          <a:p>
+            <a:r>
+              <a:rPr lang="fr-FR" dirty="0" smtClean="0"/>
+              <a:t>Prise en main de </a:t>
+            </a:r>
+            <a:r>
+              <a:rPr lang="fr-FR" dirty="0" err="1" smtClean="0"/>
+              <a:t>React</a:t>
+            </a:r>
+            <a:r>
+              <a:rPr lang="fr-FR" dirty="0" smtClean="0"/>
+              <a:t> et ES6</a:t>
+            </a:r>
+          </a:p>
+          <a:p>
+            <a:endParaRPr lang="fr-FR" dirty="0" smtClean="0"/>
+          </a:p>
+          <a:p>
+            <a:r>
+              <a:rPr lang="fr-FR" dirty="0" smtClean="0"/>
+              <a:t>Découverte de la technologie </a:t>
+            </a:r>
+            <a:r>
+              <a:rPr lang="fr-FR" dirty="0" err="1" smtClean="0"/>
+              <a:t>Xen</a:t>
+            </a:r>
+            <a:endParaRPr lang="fr-FR" dirty="0" smtClean="0"/>
+          </a:p>
+          <a:p>
+            <a:endParaRPr lang="fr-FR" dirty="0" smtClean="0"/>
+          </a:p>
+          <a:p>
+            <a:r>
+              <a:rPr lang="fr-FR" dirty="0" smtClean="0"/>
+              <a:t>Concrétisation des notions de server et de client</a:t>
+            </a:r>
+          </a:p>
+          <a:p>
+            <a:endParaRPr lang="fr-FR" dirty="0"/>
+          </a:p>
+          <a:p>
+            <a:endParaRPr lang="fr-FR" dirty="0" smtClean="0"/>
+          </a:p>
+          <a:p>
+            <a:endParaRPr lang="fr-FR" dirty="0"/>
+          </a:p>
+        </p:txBody>
+      </p:sp>
+      <p:sp>
+        <p:nvSpPr>
           <p:cNvPr id="4" name="Footer Placeholder 3"/>
           <p:cNvSpPr>
             <a:spLocks noGrp="1"/>
@@ -15751,152 +14245,7 @@
             <a:fld id="{D57F1E4F-1CFF-5643-939E-217C01CDF565}" type="slidenum">
               <a:rPr lang="en-US" smtClean="0"/>
               <a:pPr/>
-              <a:t>47</a:t>
-            </a:fld>
-            <a:endParaRPr lang="en-US" dirty="0"/>
-          </a:p>
-        </p:txBody>
-      </p:sp>
-      <p:sp>
-        <p:nvSpPr>
-          <p:cNvPr id="7" name="Content Placeholder 6"/>
-          <p:cNvSpPr>
-            <a:spLocks noGrp="1"/>
-          </p:cNvSpPr>
-          <p:nvPr>
-            <p:ph idx="1"/>
-          </p:nvPr>
-        </p:nvSpPr>
-        <p:spPr/>
-        <p:txBody>
-          <a:bodyPr/>
-          <a:lstStyle/>
-          <a:p>
-            <a:endParaRPr lang="fr-FR"/>
-          </a:p>
-        </p:txBody>
-      </p:sp>
-    </p:spTree>
-    <p:extLst>
-      <p:ext uri="{BB962C8B-B14F-4D97-AF65-F5344CB8AC3E}">
-        <p14:creationId xmlns:p14="http://schemas.microsoft.com/office/powerpoint/2010/main" val="718310272"/>
-      </p:ext>
-    </p:extLst>
-  </p:cSld>
-  <p:clrMapOvr>
-    <a:masterClrMapping/>
-  </p:clrMapOvr>
-  <p:timing>
-    <p:tnLst>
-      <p:par>
-        <p:cTn id="1" dur="indefinite" restart="never" nodeType="tmRoot"/>
-      </p:par>
-    </p:tnLst>
-  </p:timing>
-</p:sld>
-</file>
-
-<file path=ppt/slides/slide48.xml><?xml version="1.0" encoding="utf-8"?>
-<p:sld xmlns:a="http://schemas.openxmlformats.org/drawingml/2006/main" xmlns:r="http://schemas.openxmlformats.org/officeDocument/2006/relationships" xmlns:p="http://schemas.openxmlformats.org/presentationml/2006/main">
-  <p:cSld>
-    <p:spTree>
-      <p:nvGrpSpPr>
-        <p:cNvPr id="1" name=""/>
-        <p:cNvGrpSpPr/>
-        <p:nvPr/>
-      </p:nvGrpSpPr>
-      <p:grpSpPr>
-        <a:xfrm>
-          <a:off x="0" y="0"/>
-          <a:ext cx="0" cy="0"/>
-          <a:chOff x="0" y="0"/>
-          <a:chExt cx="0" cy="0"/>
-        </a:xfrm>
-      </p:grpSpPr>
-      <p:sp>
-        <p:nvSpPr>
-          <p:cNvPr id="2" name="Title 1"/>
-          <p:cNvSpPr>
-            <a:spLocks noGrp="1"/>
-          </p:cNvSpPr>
-          <p:nvPr>
-            <p:ph type="title"/>
-          </p:nvPr>
-        </p:nvSpPr>
-        <p:spPr/>
-        <p:txBody>
-          <a:bodyPr/>
-          <a:lstStyle/>
-          <a:p>
-            <a:r>
-              <a:rPr lang="fr-FR" dirty="0" smtClean="0"/>
-              <a:t>Conclusion</a:t>
-            </a:r>
-            <a:endParaRPr lang="fr-FR" dirty="0"/>
-          </a:p>
-        </p:txBody>
-      </p:sp>
-      <p:sp>
-        <p:nvSpPr>
-          <p:cNvPr id="3" name="Content Placeholder 2"/>
-          <p:cNvSpPr>
-            <a:spLocks noGrp="1"/>
-          </p:cNvSpPr>
-          <p:nvPr>
-            <p:ph idx="1"/>
-          </p:nvPr>
-        </p:nvSpPr>
-        <p:spPr/>
-        <p:txBody>
-          <a:bodyPr/>
-          <a:lstStyle/>
-          <a:p>
-            <a:endParaRPr lang="fr-FR"/>
-          </a:p>
-        </p:txBody>
-      </p:sp>
-      <p:sp>
-        <p:nvSpPr>
-          <p:cNvPr id="4" name="Footer Placeholder 3"/>
-          <p:cNvSpPr>
-            <a:spLocks noGrp="1"/>
-          </p:cNvSpPr>
-          <p:nvPr>
-            <p:ph type="ftr" sz="quarter" idx="11"/>
-          </p:nvPr>
-        </p:nvSpPr>
-        <p:spPr/>
-        <p:txBody>
-          <a:bodyPr/>
-          <a:lstStyle/>
-          <a:p>
-            <a:r>
-              <a:rPr lang="en-US" smtClean="0"/>
-              <a:t>Bois Cédric - Master WIC</a:t>
-            </a:r>
-            <a:endParaRPr lang="en-US" dirty="0"/>
-          </a:p>
-        </p:txBody>
-      </p:sp>
-      <p:sp>
-        <p:nvSpPr>
-          <p:cNvPr id="5" name="Slide Number Placeholder 4"/>
-          <p:cNvSpPr>
-            <a:spLocks noGrp="1"/>
-          </p:cNvSpPr>
-          <p:nvPr>
-            <p:ph type="sldNum" sz="quarter" idx="12"/>
-          </p:nvPr>
-        </p:nvSpPr>
-        <p:spPr/>
-        <p:txBody>
-          <a:bodyPr/>
-          <a:lstStyle/>
-          <a:p>
-            <a:fld id="{D57F1E4F-1CFF-5643-939E-217C01CDF565}" type="slidenum">
-              <a:rPr lang="en-US" smtClean="0"/>
-              <a:pPr/>
-              <a:t>48</a:t>
+              <a:t>42</a:t>
             </a:fld>
             <a:endParaRPr lang="en-US" dirty="0"/>
           </a:p>
@@ -16704,12 +15053,12 @@
           <a:lstStyle/>
           <a:p>
             <a:r>
+              <a:rPr lang="fr-FR" dirty="0" err="1" smtClean="0"/>
+              <a:t>Xen</a:t>
+            </a:r>
+            <a:r>
               <a:rPr lang="fr-FR" dirty="0" smtClean="0"/>
-              <a:t>Développement du décorateur </a:t>
-            </a:r>
-            <a:r>
-              <a:rPr lang="fr-FR" dirty="0" err="1" smtClean="0"/>
-              <a:t>withState</a:t>
+              <a:t> Orchestra</a:t>
             </a:r>
             <a:endParaRPr lang="fr-FR" dirty="0"/>
           </a:p>
@@ -16781,10 +15130,40 @@
           </a:p>
         </p:txBody>
       </p:sp>
+      <p:pic>
+        <p:nvPicPr>
+          <p:cNvPr id="6" name="Picture 5"/>
+          <p:cNvPicPr>
+            <a:picLocks noChangeAspect="1"/>
+          </p:cNvPicPr>
+          <p:nvPr/>
+        </p:nvPicPr>
+        <p:blipFill>
+          <a:blip r:embed="rId2">
+            <a:extLst>
+              <a:ext uri="{28A0092B-C50C-407E-A947-70E740481C1C}">
+                <a14:useLocalDpi xmlns:a14="http://schemas.microsoft.com/office/drawing/2010/main" val="0"/>
+              </a:ext>
+            </a:extLst>
+          </a:blip>
+          <a:stretch>
+            <a:fillRect/>
+          </a:stretch>
+        </p:blipFill>
+        <p:spPr>
+          <a:xfrm>
+            <a:off x="550499" y="2173260"/>
+            <a:ext cx="2974472" cy="2974472"/>
+          </a:xfrm>
+          <a:prstGeom prst="rect">
+            <a:avLst/>
+          </a:prstGeom>
+        </p:spPr>
+      </p:pic>
     </p:spTree>
     <p:extLst>
       <p:ext uri="{BB962C8B-B14F-4D97-AF65-F5344CB8AC3E}">
-        <p14:creationId xmlns:p14="http://schemas.microsoft.com/office/powerpoint/2010/main" val="337808110"/>
+        <p14:creationId xmlns:p14="http://schemas.microsoft.com/office/powerpoint/2010/main" val="316252298"/>
       </p:ext>
     </p:extLst>
   </p:cSld>

--- a/soutenance.pptx
+++ b/soutenance.pptx
@@ -15,11 +15,11 @@
     <p:sldId id="258" r:id="rId6"/>
     <p:sldId id="274" r:id="rId7"/>
     <p:sldId id="262" r:id="rId8"/>
-    <p:sldId id="285" r:id="rId9"/>
-    <p:sldId id="277" r:id="rId10"/>
-    <p:sldId id="260" r:id="rId11"/>
-    <p:sldId id="268" r:id="rId12"/>
-    <p:sldId id="269" r:id="rId13"/>
+    <p:sldId id="277" r:id="rId9"/>
+    <p:sldId id="260" r:id="rId10"/>
+    <p:sldId id="268" r:id="rId11"/>
+    <p:sldId id="269" r:id="rId12"/>
+    <p:sldId id="304" r:id="rId13"/>
     <p:sldId id="267" r:id="rId14"/>
     <p:sldId id="270" r:id="rId15"/>
     <p:sldId id="305" r:id="rId16"/>
@@ -33,7 +33,7 @@
     <p:sldId id="288" r:id="rId24"/>
     <p:sldId id="280" r:id="rId25"/>
     <p:sldId id="281" r:id="rId26"/>
-    <p:sldId id="304" r:id="rId27"/>
+    <p:sldId id="306" r:id="rId27"/>
     <p:sldId id="290" r:id="rId28"/>
     <p:sldId id="291" r:id="rId29"/>
     <p:sldId id="292" r:id="rId30"/>
@@ -1608,7 +1608,7 @@
           <a:p>
             <a:fld id="{0657CA3B-C571-4D70-8712-24BEC4CFA193}" type="slidenum">
               <a:rPr lang="fr-FR" smtClean="0"/>
-              <a:t>11</a:t>
+              <a:t>10</a:t>
             </a:fld>
             <a:endParaRPr lang="fr-FR"/>
           </a:p>
@@ -1706,7 +1706,7 @@
           <a:p>
             <a:fld id="{0657CA3B-C571-4D70-8712-24BEC4CFA193}" type="slidenum">
               <a:rPr lang="fr-FR" smtClean="0"/>
-              <a:t>12</a:t>
+              <a:t>11</a:t>
             </a:fld>
             <a:endParaRPr lang="fr-FR"/>
           </a:p>
@@ -7783,62 +7783,50 @@
           <a:lstStyle/>
           <a:p>
             <a:r>
-              <a:rPr lang="fr-FR" dirty="0" err="1" smtClean="0"/>
+              <a:rPr lang="fr-FR" dirty="0" err="1"/>
               <a:t>Xen</a:t>
             </a:r>
             <a:r>
-              <a:rPr lang="fr-FR" dirty="0" smtClean="0"/>
-              <a:t> Orchestra : Infrastructure</a:t>
-            </a:r>
-            <a:endParaRPr lang="fr-FR" dirty="0"/>
-          </a:p>
-        </p:txBody>
-      </p:sp>
-      <p:sp>
-        <p:nvSpPr>
-          <p:cNvPr id="3" name="Content Placeholder 2"/>
-          <p:cNvSpPr>
-            <a:spLocks noGrp="1"/>
-          </p:cNvSpPr>
-          <p:nvPr>
-            <p:ph idx="1"/>
-          </p:nvPr>
-        </p:nvSpPr>
-        <p:spPr/>
-        <p:txBody>
-          <a:bodyPr/>
-          <a:lstStyle/>
-          <a:p>
-            <a:r>
-              <a:rPr lang="fr-FR" dirty="0" smtClean="0"/>
-              <a:t>Gestionnaire de machines virtuelles</a:t>
-            </a:r>
-          </a:p>
-          <a:p>
-            <a:r>
-              <a:rPr lang="fr-FR" dirty="0" err="1" smtClean="0"/>
-              <a:t>XenServer</a:t>
-            </a:r>
-            <a:endParaRPr lang="fr-FR" dirty="0" smtClean="0"/>
-          </a:p>
-          <a:p>
-            <a:r>
-              <a:rPr lang="fr-FR" dirty="0" err="1" smtClean="0"/>
-              <a:t>Xapi</a:t>
-            </a:r>
-            <a:endParaRPr lang="fr-FR" dirty="0" smtClean="0"/>
-          </a:p>
-          <a:p>
-            <a:endParaRPr lang="fr-FR" dirty="0" smtClean="0"/>
-          </a:p>
-          <a:p>
-            <a:r>
-              <a:rPr lang="fr-FR" dirty="0" smtClean="0"/>
-              <a:t>Composé de trois modules :</a:t>
-            </a:r>
-          </a:p>
-          <a:p>
-            <a:pPr lvl="1"/>
+              <a:rPr lang="fr-FR" dirty="0"/>
+              <a:t> Orchestra : Architecture</a:t>
+            </a:r>
+          </a:p>
+        </p:txBody>
+      </p:sp>
+      <p:sp>
+        <p:nvSpPr>
+          <p:cNvPr id="3" name="Text Placeholder 2"/>
+          <p:cNvSpPr>
+            <a:spLocks noGrp="1"/>
+          </p:cNvSpPr>
+          <p:nvPr>
+            <p:ph type="body" idx="1"/>
+          </p:nvPr>
+        </p:nvSpPr>
+        <p:spPr/>
+        <p:txBody>
+          <a:bodyPr/>
+          <a:lstStyle/>
+          <a:p>
+            <a:endParaRPr lang="fr-FR"/>
+          </a:p>
+        </p:txBody>
+      </p:sp>
+      <p:sp>
+        <p:nvSpPr>
+          <p:cNvPr id="4" name="Content Placeholder 3"/>
+          <p:cNvSpPr>
+            <a:spLocks noGrp="1"/>
+          </p:cNvSpPr>
+          <p:nvPr>
+            <p:ph sz="half" idx="2"/>
+          </p:nvPr>
+        </p:nvSpPr>
+        <p:spPr/>
+        <p:txBody>
+          <a:bodyPr/>
+          <a:lstStyle/>
+          <a:p>
             <a:r>
               <a:rPr lang="fr-FR" dirty="0" err="1" smtClean="0"/>
               <a:t>Xo</a:t>
@@ -7847,9 +7835,44 @@
               <a:rPr lang="fr-FR" dirty="0" smtClean="0"/>
               <a:t>-server</a:t>
             </a:r>
-          </a:p>
-          <a:p>
-            <a:pPr lvl="1"/>
+            <a:endParaRPr lang="fr-FR" dirty="0"/>
+          </a:p>
+        </p:txBody>
+      </p:sp>
+      <p:sp>
+        <p:nvSpPr>
+          <p:cNvPr id="5" name="Text Placeholder 4"/>
+          <p:cNvSpPr>
+            <a:spLocks noGrp="1"/>
+          </p:cNvSpPr>
+          <p:nvPr>
+            <p:ph type="body" sz="quarter" idx="3"/>
+          </p:nvPr>
+        </p:nvSpPr>
+        <p:spPr/>
+        <p:txBody>
+          <a:bodyPr/>
+          <a:lstStyle/>
+          <a:p>
+            <a:endParaRPr lang="fr-FR"/>
+          </a:p>
+        </p:txBody>
+      </p:sp>
+      <p:sp>
+        <p:nvSpPr>
+          <p:cNvPr id="6" name="Content Placeholder 5"/>
+          <p:cNvSpPr>
+            <a:spLocks noGrp="1"/>
+          </p:cNvSpPr>
+          <p:nvPr>
+            <p:ph sz="quarter" idx="4"/>
+          </p:nvPr>
+        </p:nvSpPr>
+        <p:spPr/>
+        <p:txBody>
+          <a:bodyPr/>
+          <a:lstStyle/>
+          <a:p>
             <a:r>
               <a:rPr lang="fr-FR" dirty="0" err="1" smtClean="0"/>
               <a:t>Xo</a:t>
@@ -7858,24 +7881,13 @@
               <a:rPr lang="fr-FR" dirty="0" smtClean="0"/>
               <a:t>-web</a:t>
             </a:r>
-          </a:p>
-          <a:p>
-            <a:pPr lvl="1"/>
-            <a:r>
-              <a:rPr lang="fr-FR" dirty="0" err="1" smtClean="0"/>
-              <a:t>Xo</a:t>
-            </a:r>
-            <a:r>
-              <a:rPr lang="fr-FR" dirty="0" smtClean="0"/>
-              <a:t>-CLI</a:t>
-            </a:r>
             <a:endParaRPr lang="fr-FR" dirty="0"/>
           </a:p>
         </p:txBody>
       </p:sp>
       <p:sp>
         <p:nvSpPr>
-          <p:cNvPr id="4" name="Footer Placeholder 3"/>
+          <p:cNvPr id="7" name="Footer Placeholder 6"/>
           <p:cNvSpPr>
             <a:spLocks noGrp="1"/>
           </p:cNvSpPr>
@@ -7898,7 +7910,7 @@
       </p:sp>
       <p:sp>
         <p:nvSpPr>
-          <p:cNvPr id="5" name="Slide Number Placeholder 4"/>
+          <p:cNvPr id="8" name="Slide Number Placeholder 7"/>
           <p:cNvSpPr>
             <a:spLocks noGrp="1"/>
           </p:cNvSpPr>
@@ -7915,237 +7927,6 @@
               <a:rPr lang="en-US" smtClean="0"/>
               <a:pPr/>
               <a:t>10</a:t>
-            </a:fld>
-            <a:endParaRPr lang="en-US" dirty="0"/>
-          </a:p>
-        </p:txBody>
-      </p:sp>
-      <p:pic>
-        <p:nvPicPr>
-          <p:cNvPr id="8" name="Picture 7"/>
-          <p:cNvPicPr>
-            <a:picLocks noChangeAspect="1"/>
-          </p:cNvPicPr>
-          <p:nvPr/>
-        </p:nvPicPr>
-        <p:blipFill rotWithShape="1">
-          <a:blip r:embed="rId2">
-            <a:extLst>
-              <a:ext uri="{28A0092B-C50C-407E-A947-70E740481C1C}">
-                <a14:useLocalDpi xmlns:a14="http://schemas.microsoft.com/office/drawing/2010/main" val="0"/>
-              </a:ext>
-            </a:extLst>
-          </a:blip>
-          <a:srcRect t="5935" b="16465"/>
-          <a:stretch/>
-        </p:blipFill>
-        <p:spPr>
-          <a:xfrm>
-            <a:off x="4645926" y="2490949"/>
-            <a:ext cx="5248589" cy="3054699"/>
-          </a:xfrm>
-          <a:prstGeom prst="rect">
-            <a:avLst/>
-          </a:prstGeom>
-        </p:spPr>
-      </p:pic>
-    </p:spTree>
-    <p:extLst>
-      <p:ext uri="{BB962C8B-B14F-4D97-AF65-F5344CB8AC3E}">
-        <p14:creationId xmlns:p14="http://schemas.microsoft.com/office/powerpoint/2010/main" val="723456919"/>
-      </p:ext>
-    </p:extLst>
-  </p:cSld>
-  <p:clrMapOvr>
-    <a:masterClrMapping/>
-  </p:clrMapOvr>
-  <p:timing>
-    <p:tnLst>
-      <p:par>
-        <p:cTn id="1" dur="indefinite" restart="never" nodeType="tmRoot"/>
-      </p:par>
-    </p:tnLst>
-  </p:timing>
-</p:sld>
-</file>
-
-<file path=ppt/slides/slide11.xml><?xml version="1.0" encoding="utf-8"?>
-<p:sld xmlns:a="http://schemas.openxmlformats.org/drawingml/2006/main" xmlns:r="http://schemas.openxmlformats.org/officeDocument/2006/relationships" xmlns:p="http://schemas.openxmlformats.org/presentationml/2006/main">
-  <p:cSld>
-    <p:spTree>
-      <p:nvGrpSpPr>
-        <p:cNvPr id="1" name=""/>
-        <p:cNvGrpSpPr/>
-        <p:nvPr/>
-      </p:nvGrpSpPr>
-      <p:grpSpPr>
-        <a:xfrm>
-          <a:off x="0" y="0"/>
-          <a:ext cx="0" cy="0"/>
-          <a:chOff x="0" y="0"/>
-          <a:chExt cx="0" cy="0"/>
-        </a:xfrm>
-      </p:grpSpPr>
-      <p:sp>
-        <p:nvSpPr>
-          <p:cNvPr id="2" name="Title 1"/>
-          <p:cNvSpPr>
-            <a:spLocks noGrp="1"/>
-          </p:cNvSpPr>
-          <p:nvPr>
-            <p:ph type="title"/>
-          </p:nvPr>
-        </p:nvSpPr>
-        <p:spPr/>
-        <p:txBody>
-          <a:bodyPr/>
-          <a:lstStyle/>
-          <a:p>
-            <a:r>
-              <a:rPr lang="fr-FR" dirty="0" err="1"/>
-              <a:t>Xen</a:t>
-            </a:r>
-            <a:r>
-              <a:rPr lang="fr-FR" dirty="0"/>
-              <a:t> Orchestra : Architecture</a:t>
-            </a:r>
-          </a:p>
-        </p:txBody>
-      </p:sp>
-      <p:sp>
-        <p:nvSpPr>
-          <p:cNvPr id="3" name="Text Placeholder 2"/>
-          <p:cNvSpPr>
-            <a:spLocks noGrp="1"/>
-          </p:cNvSpPr>
-          <p:nvPr>
-            <p:ph type="body" idx="1"/>
-          </p:nvPr>
-        </p:nvSpPr>
-        <p:spPr/>
-        <p:txBody>
-          <a:bodyPr/>
-          <a:lstStyle/>
-          <a:p>
-            <a:endParaRPr lang="fr-FR"/>
-          </a:p>
-        </p:txBody>
-      </p:sp>
-      <p:sp>
-        <p:nvSpPr>
-          <p:cNvPr id="4" name="Content Placeholder 3"/>
-          <p:cNvSpPr>
-            <a:spLocks noGrp="1"/>
-          </p:cNvSpPr>
-          <p:nvPr>
-            <p:ph sz="half" idx="2"/>
-          </p:nvPr>
-        </p:nvSpPr>
-        <p:spPr/>
-        <p:txBody>
-          <a:bodyPr/>
-          <a:lstStyle/>
-          <a:p>
-            <a:r>
-              <a:rPr lang="fr-FR" dirty="0" err="1" smtClean="0"/>
-              <a:t>Xo</a:t>
-            </a:r>
-            <a:r>
-              <a:rPr lang="fr-FR" dirty="0" smtClean="0"/>
-              <a:t>-server</a:t>
-            </a:r>
-            <a:endParaRPr lang="fr-FR" dirty="0"/>
-          </a:p>
-        </p:txBody>
-      </p:sp>
-      <p:sp>
-        <p:nvSpPr>
-          <p:cNvPr id="5" name="Text Placeholder 4"/>
-          <p:cNvSpPr>
-            <a:spLocks noGrp="1"/>
-          </p:cNvSpPr>
-          <p:nvPr>
-            <p:ph type="body" sz="quarter" idx="3"/>
-          </p:nvPr>
-        </p:nvSpPr>
-        <p:spPr/>
-        <p:txBody>
-          <a:bodyPr/>
-          <a:lstStyle/>
-          <a:p>
-            <a:endParaRPr lang="fr-FR"/>
-          </a:p>
-        </p:txBody>
-      </p:sp>
-      <p:sp>
-        <p:nvSpPr>
-          <p:cNvPr id="6" name="Content Placeholder 5"/>
-          <p:cNvSpPr>
-            <a:spLocks noGrp="1"/>
-          </p:cNvSpPr>
-          <p:nvPr>
-            <p:ph sz="quarter" idx="4"/>
-          </p:nvPr>
-        </p:nvSpPr>
-        <p:spPr/>
-        <p:txBody>
-          <a:bodyPr/>
-          <a:lstStyle/>
-          <a:p>
-            <a:r>
-              <a:rPr lang="fr-FR" dirty="0" err="1" smtClean="0"/>
-              <a:t>Xo</a:t>
-            </a:r>
-            <a:r>
-              <a:rPr lang="fr-FR" dirty="0" smtClean="0"/>
-              <a:t>-web</a:t>
-            </a:r>
-            <a:endParaRPr lang="fr-FR" dirty="0"/>
-          </a:p>
-        </p:txBody>
-      </p:sp>
-      <p:sp>
-        <p:nvSpPr>
-          <p:cNvPr id="7" name="Footer Placeholder 6"/>
-          <p:cNvSpPr>
-            <a:spLocks noGrp="1"/>
-          </p:cNvSpPr>
-          <p:nvPr>
-            <p:ph type="ftr" sz="quarter" idx="11"/>
-          </p:nvPr>
-        </p:nvSpPr>
-        <p:spPr/>
-        <p:txBody>
-          <a:bodyPr/>
-          <a:lstStyle/>
-          <a:p>
-            <a:r>
-              <a:rPr lang="en-US" smtClean="0"/>
-              <a:t>Bois Cédric - Master WIC</a:t>
-            </a:r>
-            <a:endParaRPr lang="en-US" dirty="0"/>
-          </a:p>
-        </p:txBody>
-      </p:sp>
-      <p:sp>
-        <p:nvSpPr>
-          <p:cNvPr id="8" name="Slide Number Placeholder 7"/>
-          <p:cNvSpPr>
-            <a:spLocks noGrp="1"/>
-          </p:cNvSpPr>
-          <p:nvPr>
-            <p:ph type="sldNum" sz="quarter" idx="12"/>
-          </p:nvPr>
-        </p:nvSpPr>
-        <p:spPr/>
-        <p:txBody>
-          <a:bodyPr/>
-          <a:lstStyle/>
-          <a:p>
-            <a:fld id="{D57F1E4F-1CFF-5643-939E-217C01CDF565}" type="slidenum">
-              <a:rPr lang="en-US" smtClean="0"/>
-              <a:pPr/>
-              <a:t>11</a:t>
             </a:fld>
             <a:endParaRPr lang="en-US" dirty="0"/>
           </a:p>
@@ -8234,7 +8015,7 @@
 </p:sld>
 </file>
 
-<file path=ppt/slides/slide12.xml><?xml version="1.0" encoding="utf-8"?>
+<file path=ppt/slides/slide11.xml><?xml version="1.0" encoding="utf-8"?>
 <p:sld xmlns:a="http://schemas.openxmlformats.org/drawingml/2006/main" xmlns:r="http://schemas.openxmlformats.org/officeDocument/2006/relationships" xmlns:p="http://schemas.openxmlformats.org/presentationml/2006/main">
   <p:cSld>
     <p:spTree>
@@ -8366,7 +8147,7 @@
             <a:fld id="{D57F1E4F-1CFF-5643-939E-217C01CDF565}" type="slidenum">
               <a:rPr lang="en-US" smtClean="0"/>
               <a:pPr/>
-              <a:t>12</a:t>
+              <a:t>11</a:t>
             </a:fld>
             <a:endParaRPr lang="en-US" dirty="0"/>
           </a:p>
@@ -8376,6 +8157,136 @@
     <p:extLst>
       <p:ext uri="{BB962C8B-B14F-4D97-AF65-F5344CB8AC3E}">
         <p14:creationId xmlns:p14="http://schemas.microsoft.com/office/powerpoint/2010/main" val="2324285767"/>
+      </p:ext>
+    </p:extLst>
+  </p:cSld>
+  <p:clrMapOvr>
+    <a:masterClrMapping/>
+  </p:clrMapOvr>
+  <p:timing>
+    <p:tnLst>
+      <p:par>
+        <p:cTn id="1" dur="indefinite" restart="never" nodeType="tmRoot"/>
+      </p:par>
+    </p:tnLst>
+  </p:timing>
+</p:sld>
+</file>
+
+<file path=ppt/slides/slide12.xml><?xml version="1.0" encoding="utf-8"?>
+<p:sld xmlns:a="http://schemas.openxmlformats.org/drawingml/2006/main" xmlns:r="http://schemas.openxmlformats.org/officeDocument/2006/relationships" xmlns:p="http://schemas.openxmlformats.org/presentationml/2006/main">
+  <p:cSld>
+    <p:spTree>
+      <p:nvGrpSpPr>
+        <p:cNvPr id="1" name=""/>
+        <p:cNvGrpSpPr/>
+        <p:nvPr/>
+      </p:nvGrpSpPr>
+      <p:grpSpPr>
+        <a:xfrm>
+          <a:off x="0" y="0"/>
+          <a:ext cx="0" cy="0"/>
+          <a:chOff x="0" y="0"/>
+          <a:chExt cx="0" cy="0"/>
+        </a:xfrm>
+      </p:grpSpPr>
+      <p:sp>
+        <p:nvSpPr>
+          <p:cNvPr id="2" name="Title 1"/>
+          <p:cNvSpPr>
+            <a:spLocks noGrp="1"/>
+          </p:cNvSpPr>
+          <p:nvPr>
+            <p:ph type="ctrTitle"/>
+          </p:nvPr>
+        </p:nvSpPr>
+        <p:spPr/>
+        <p:txBody>
+          <a:bodyPr/>
+          <a:lstStyle/>
+          <a:p>
+            <a:r>
+              <a:rPr lang="fr-FR" dirty="0"/>
+              <a:t>Gestion des </a:t>
+            </a:r>
+            <a:r>
+              <a:rPr lang="fr-FR" dirty="0" err="1"/>
+              <a:t>VmGroups</a:t>
+            </a:r>
+            <a:endParaRPr lang="fr-FR" dirty="0"/>
+          </a:p>
+        </p:txBody>
+      </p:sp>
+      <p:sp>
+        <p:nvSpPr>
+          <p:cNvPr id="3" name="Subtitle 2"/>
+          <p:cNvSpPr>
+            <a:spLocks noGrp="1"/>
+          </p:cNvSpPr>
+          <p:nvPr>
+            <p:ph type="subTitle" idx="1"/>
+          </p:nvPr>
+        </p:nvSpPr>
+        <p:spPr/>
+        <p:txBody>
+          <a:bodyPr/>
+          <a:lstStyle/>
+          <a:p>
+            <a:endParaRPr lang="fr-FR"/>
+          </a:p>
+        </p:txBody>
+      </p:sp>
+      <p:sp>
+        <p:nvSpPr>
+          <p:cNvPr id="4" name="Footer Placeholder 3"/>
+          <p:cNvSpPr>
+            <a:spLocks noGrp="1"/>
+          </p:cNvSpPr>
+          <p:nvPr>
+            <p:ph type="ftr" sz="quarter" idx="11"/>
+          </p:nvPr>
+        </p:nvSpPr>
+        <p:spPr/>
+        <p:txBody>
+          <a:bodyPr/>
+          <a:lstStyle/>
+          <a:p>
+            <a:r>
+              <a:rPr lang="en-US" smtClean="0"/>
+              <a:t>Bois Cédric - Master WIC</a:t>
+            </a:r>
+            <a:endParaRPr lang="en-US" dirty="0"/>
+          </a:p>
+        </p:txBody>
+      </p:sp>
+      <p:sp>
+        <p:nvSpPr>
+          <p:cNvPr id="5" name="Slide Number Placeholder 4"/>
+          <p:cNvSpPr>
+            <a:spLocks noGrp="1"/>
+          </p:cNvSpPr>
+          <p:nvPr>
+            <p:ph type="sldNum" sz="quarter" idx="12"/>
+          </p:nvPr>
+        </p:nvSpPr>
+        <p:spPr/>
+        <p:txBody>
+          <a:bodyPr/>
+          <a:lstStyle/>
+          <a:p>
+            <a:fld id="{D57F1E4F-1CFF-5643-939E-217C01CDF565}" type="slidenum">
+              <a:rPr lang="en-US" smtClean="0"/>
+              <a:pPr/>
+              <a:t>12</a:t>
+            </a:fld>
+            <a:endParaRPr lang="en-US" dirty="0"/>
+          </a:p>
+        </p:txBody>
+      </p:sp>
+    </p:spTree>
+    <p:extLst>
+      <p:ext uri="{BB962C8B-B14F-4D97-AF65-F5344CB8AC3E}">
+        <p14:creationId xmlns:p14="http://schemas.microsoft.com/office/powerpoint/2010/main" val="259214242"/>
       </p:ext>
     </p:extLst>
   </p:cSld>
@@ -8811,7 +8722,9 @@
         </p:nvSpPr>
         <p:spPr/>
         <p:txBody>
-          <a:bodyPr/>
+          <a:bodyPr>
+            <a:normAutofit/>
+          </a:bodyPr>
           <a:lstStyle/>
           <a:p>
             <a:r>
@@ -8822,28 +8735,17 @@
               <a:rPr lang="fr-FR" dirty="0" err="1" smtClean="0"/>
               <a:t>VmGroups</a:t>
             </a:r>
-            <a:endParaRPr lang="fr-FR" dirty="0"/>
-          </a:p>
-        </p:txBody>
-      </p:sp>
-      <p:sp>
-        <p:nvSpPr>
-          <p:cNvPr id="3" name="Content Placeholder 2"/>
-          <p:cNvSpPr>
-            <a:spLocks noGrp="1"/>
-          </p:cNvSpPr>
-          <p:nvPr>
-            <p:ph idx="1"/>
-          </p:nvPr>
-        </p:nvSpPr>
-        <p:spPr/>
-        <p:txBody>
-          <a:bodyPr/>
-          <a:lstStyle/>
-          <a:p>
             <a:r>
               <a:rPr lang="fr-FR" dirty="0" smtClean="0"/>
-              <a:t>Création d’une api</a:t>
+              <a:t> : </a:t>
+            </a:r>
+            <a:r>
+              <a:rPr lang="fr-FR" dirty="0"/>
+              <a:t>Création d’une </a:t>
+            </a:r>
+            <a:r>
+              <a:rPr lang="fr-FR" dirty="0" smtClean="0"/>
+              <a:t>api</a:t>
             </a:r>
             <a:endParaRPr lang="fr-FR" dirty="0"/>
           </a:p>
@@ -8896,6 +8798,43 @@
           </a:p>
         </p:txBody>
       </p:sp>
+      <p:pic>
+        <p:nvPicPr>
+          <p:cNvPr id="6" name="Content Placeholder 5" descr="C:\Users\CCCCC\Downloads\Code-xapi-vmgroupe.png"/>
+          <p:cNvPicPr>
+            <a:picLocks noGrp="1"/>
+          </p:cNvPicPr>
+          <p:nvPr>
+            <p:ph idx="1"/>
+          </p:nvPr>
+        </p:nvPicPr>
+        <p:blipFill>
+          <a:blip r:embed="rId2" cstate="print">
+            <a:extLst>
+              <a:ext uri="{28A0092B-C50C-407E-A947-70E740481C1C}">
+                <a14:useLocalDpi xmlns:a14="http://schemas.microsoft.com/office/drawing/2010/main" val="0"/>
+              </a:ext>
+            </a:extLst>
+          </a:blip>
+          <a:srcRect/>
+          <a:stretch>
+            <a:fillRect/>
+          </a:stretch>
+        </p:blipFill>
+        <p:spPr bwMode="auto">
+          <a:xfrm>
+            <a:off x="1775101" y="2045162"/>
+            <a:ext cx="7256599" cy="3881437"/>
+          </a:xfrm>
+          <a:prstGeom prst="rect">
+            <a:avLst/>
+          </a:prstGeom>
+          <a:noFill/>
+          <a:ln>
+            <a:noFill/>
+          </a:ln>
+        </p:spPr>
+      </p:pic>
     </p:spTree>
     <p:extLst>
       <p:ext uri="{BB962C8B-B14F-4D97-AF65-F5344CB8AC3E}">
@@ -9442,8 +9381,8 @@
         </p:blipFill>
         <p:spPr>
           <a:xfrm>
-            <a:off x="6219825" y="3044917"/>
-            <a:ext cx="5143500" cy="2441946"/>
+            <a:off x="6030982" y="2710291"/>
+            <a:ext cx="5538166" cy="2629319"/>
           </a:xfrm>
           <a:prstGeom prst="rect">
             <a:avLst/>
@@ -11713,7 +11652,7 @@
     </p:spTree>
     <p:extLst>
       <p:ext uri="{BB962C8B-B14F-4D97-AF65-F5344CB8AC3E}">
-        <p14:creationId xmlns:p14="http://schemas.microsoft.com/office/powerpoint/2010/main" val="259214242"/>
+        <p14:creationId xmlns:p14="http://schemas.microsoft.com/office/powerpoint/2010/main" val="2807104055"/>
       </p:ext>
     </p:extLst>
   </p:cSld>
@@ -11764,7 +11703,7 @@
           <a:p>
             <a:r>
               <a:rPr lang="fr-FR" dirty="0" smtClean="0"/>
-              <a:t>Démo</a:t>
+              <a:t>Démonstration</a:t>
             </a:r>
             <a:endParaRPr lang="fr-FR" dirty="0"/>
           </a:p>
@@ -11900,7 +11839,7 @@
           <a:p>
             <a:r>
               <a:rPr lang="fr-FR" dirty="0" smtClean="0"/>
-              <a:t>Démo</a:t>
+              <a:t>Démonstration</a:t>
             </a:r>
             <a:endParaRPr lang="fr-FR" dirty="0"/>
           </a:p>
@@ -12036,7 +11975,7 @@
           <a:p>
             <a:r>
               <a:rPr lang="fr-FR" dirty="0" smtClean="0"/>
-              <a:t>Démo</a:t>
+              <a:t>Démonstration</a:t>
             </a:r>
             <a:endParaRPr lang="fr-FR" dirty="0"/>
           </a:p>
@@ -12328,7 +12267,7 @@
           <a:p>
             <a:r>
               <a:rPr lang="fr-FR" dirty="0" smtClean="0"/>
-              <a:t>Démo</a:t>
+              <a:t>Démonstration</a:t>
             </a:r>
             <a:endParaRPr lang="fr-FR" dirty="0"/>
           </a:p>
@@ -12464,7 +12403,7 @@
           <a:p>
             <a:r>
               <a:rPr lang="fr-FR" dirty="0" smtClean="0"/>
-              <a:t>Démo</a:t>
+              <a:t>Démonstration</a:t>
             </a:r>
             <a:endParaRPr lang="fr-FR" dirty="0"/>
           </a:p>
@@ -12600,7 +12539,7 @@
           <a:p>
             <a:r>
               <a:rPr lang="fr-FR" dirty="0" smtClean="0"/>
-              <a:t>Démo</a:t>
+              <a:t>Démonstration</a:t>
             </a:r>
             <a:endParaRPr lang="fr-FR" dirty="0"/>
           </a:p>
@@ -12736,7 +12675,7 @@
           <a:p>
             <a:r>
               <a:rPr lang="fr-FR" dirty="0" smtClean="0"/>
-              <a:t>Démo</a:t>
+              <a:t>Démonstration</a:t>
             </a:r>
             <a:endParaRPr lang="fr-FR" dirty="0"/>
           </a:p>
@@ -12892,7 +12831,7 @@
           <a:p>
             <a:r>
               <a:rPr lang="fr-FR" dirty="0" smtClean="0"/>
-              <a:t>Démo</a:t>
+              <a:t>Démonstration</a:t>
             </a:r>
             <a:endParaRPr lang="fr-FR" dirty="0"/>
           </a:p>
@@ -13028,7 +12967,7 @@
           <a:p>
             <a:r>
               <a:rPr lang="fr-FR" dirty="0" smtClean="0"/>
-              <a:t>Démo</a:t>
+              <a:t>Démonstration</a:t>
             </a:r>
             <a:endParaRPr lang="fr-FR" dirty="0"/>
           </a:p>
@@ -13164,7 +13103,7 @@
           <a:p>
             <a:r>
               <a:rPr lang="fr-FR" dirty="0" smtClean="0"/>
-              <a:t>Démo</a:t>
+              <a:t>Démonstration</a:t>
             </a:r>
             <a:endParaRPr lang="fr-FR" dirty="0"/>
           </a:p>
@@ -13300,7 +13239,7 @@
           <a:p>
             <a:r>
               <a:rPr lang="fr-FR" dirty="0" smtClean="0"/>
-              <a:t>Démo</a:t>
+              <a:t>Démonstration</a:t>
             </a:r>
             <a:endParaRPr lang="fr-FR" dirty="0"/>
           </a:p>
@@ -13436,7 +13375,7 @@
           <a:p>
             <a:r>
               <a:rPr lang="fr-FR" dirty="0" smtClean="0"/>
-              <a:t>Démo</a:t>
+              <a:t>Démonstration</a:t>
             </a:r>
             <a:endParaRPr lang="fr-FR" dirty="0"/>
           </a:p>
@@ -13572,7 +13511,7 @@
           <a:p>
             <a:r>
               <a:rPr lang="fr-FR" dirty="0" smtClean="0"/>
-              <a:t>Démo</a:t>
+              <a:t>Démonstration</a:t>
             </a:r>
             <a:endParaRPr lang="fr-FR" dirty="0"/>
           </a:p>
@@ -13802,7 +13741,7 @@
         </p:blipFill>
         <p:spPr>
           <a:xfrm>
-            <a:off x="1152066" y="2152547"/>
+            <a:off x="1507067" y="2050914"/>
             <a:ext cx="4238469" cy="2995185"/>
           </a:xfrm>
           <a:prstGeom prst="rect">
@@ -13864,7 +13803,7 @@
           <a:p>
             <a:r>
               <a:rPr lang="fr-FR" dirty="0" smtClean="0"/>
-              <a:t>Démo</a:t>
+              <a:t>Démonstration</a:t>
             </a:r>
             <a:endParaRPr lang="fr-FR" dirty="0"/>
           </a:p>
@@ -14000,7 +13939,7 @@
           <a:p>
             <a:r>
               <a:rPr lang="fr-FR" dirty="0" smtClean="0"/>
-              <a:t>Démo</a:t>
+              <a:t>Démonstration</a:t>
             </a:r>
             <a:endParaRPr lang="fr-FR" dirty="0"/>
           </a:p>
@@ -14361,22 +14300,6 @@
             </a:r>
             <a:endParaRPr lang="fr-FR" dirty="0" smtClean="0"/>
           </a:p>
-          <a:p>
-            <a:endParaRPr lang="fr-FR" dirty="0" smtClean="0"/>
-          </a:p>
-          <a:p>
-            <a:r>
-              <a:rPr lang="fr-FR" dirty="0" smtClean="0"/>
-              <a:t>Instanciation</a:t>
-            </a:r>
-          </a:p>
-          <a:p>
-            <a:r>
-              <a:rPr lang="fr-FR" dirty="0" smtClean="0"/>
-              <a:t>Déclaration d’un composant</a:t>
-            </a:r>
-            <a:endParaRPr lang="fr-FR" dirty="0"/>
-          </a:p>
         </p:txBody>
       </p:sp>
       <p:sp>
@@ -14448,8 +14371,8 @@
         </p:blipFill>
         <p:spPr>
           <a:xfrm>
-            <a:off x="4724400" y="2160589"/>
-            <a:ext cx="5835476" cy="2776337"/>
+            <a:off x="4387049" y="1795464"/>
+            <a:ext cx="7036660" cy="3347823"/>
           </a:xfrm>
           <a:prstGeom prst="rect">
             <a:avLst/>
@@ -14514,8 +14437,16 @@
             </a:r>
             <a:r>
               <a:rPr lang="fr-FR" dirty="0"/>
-              <a:t> JS</a:t>
-            </a:r>
+              <a:t> </a:t>
+            </a:r>
+            <a:r>
+              <a:rPr lang="fr-FR" dirty="0"/>
+              <a:t>JS : Instanciation</a:t>
+            </a:r>
+            <a:br>
+              <a:rPr lang="fr-FR" dirty="0"/>
+            </a:br>
+            <a:endParaRPr lang="fr-FR" dirty="0"/>
           </a:p>
         </p:txBody>
       </p:sp>
@@ -14667,8 +14598,16 @@
             </a:r>
             <a:r>
               <a:rPr lang="fr-FR" dirty="0"/>
-              <a:t> JS</a:t>
-            </a:r>
+              <a:t> </a:t>
+            </a:r>
+            <a:r>
+              <a:rPr lang="fr-FR" dirty="0"/>
+              <a:t>JS : Déclaration d’un composant</a:t>
+            </a:r>
+            <a:br>
+              <a:rPr lang="fr-FR" dirty="0"/>
+            </a:br>
+            <a:endParaRPr lang="fr-FR" dirty="0"/>
           </a:p>
         </p:txBody>
       </p:sp>
@@ -14688,16 +14627,15 @@
           <a:lstStyle/>
           <a:p>
             <a:r>
-              <a:rPr lang="fr-FR" dirty="0" err="1"/>
+              <a:rPr lang="fr-FR" dirty="0" err="1" smtClean="0"/>
               <a:t>Stateless</a:t>
             </a:r>
-            <a:r>
-              <a:rPr lang="fr-FR" dirty="0"/>
-              <a:t>, </a:t>
-            </a:r>
-            <a:r>
-              <a:rPr lang="fr-FR" dirty="0" err="1"/>
-              <a:t>stateful</a:t>
+            <a:endParaRPr lang="fr-FR" dirty="0" smtClean="0"/>
+          </a:p>
+          <a:p>
+            <a:r>
+              <a:rPr lang="fr-FR" dirty="0" err="1" smtClean="0"/>
+              <a:t>Stateful</a:t>
             </a:r>
             <a:endParaRPr lang="fr-FR" dirty="0"/>
           </a:p>
@@ -14749,7 +14687,7 @@
         </p:blipFill>
         <p:spPr bwMode="auto">
           <a:xfrm>
-            <a:off x="5567585" y="1930400"/>
+            <a:off x="5496564" y="1365984"/>
             <a:ext cx="6372218" cy="4597717"/>
           </a:xfrm>
           <a:prstGeom prst="rect">
@@ -14857,7 +14795,7 @@
             <a:spLocks noGrp="1"/>
           </p:cNvSpPr>
           <p:nvPr>
-            <p:ph type="title"/>
+            <p:ph type="ctrTitle"/>
           </p:nvPr>
         </p:nvSpPr>
         <p:spPr/>
@@ -14867,7 +14805,11 @@
           <a:p>
             <a:r>
               <a:rPr lang="fr-FR" dirty="0" err="1" smtClean="0"/>
-              <a:t>Lodash</a:t>
+              <a:t>Xen</a:t>
+            </a:r>
+            <a:r>
+              <a:rPr lang="fr-FR" dirty="0" smtClean="0"/>
+              <a:t> Orchestra</a:t>
             </a:r>
             <a:endParaRPr lang="fr-FR" dirty="0"/>
           </a:p>
@@ -14875,51 +14817,20 @@
       </p:sp>
       <p:sp>
         <p:nvSpPr>
-          <p:cNvPr id="3" name="Content Placeholder 2"/>
-          <p:cNvSpPr>
-            <a:spLocks noGrp="1"/>
-          </p:cNvSpPr>
-          <p:nvPr>
-            <p:ph idx="1"/>
-          </p:nvPr>
-        </p:nvSpPr>
-        <p:spPr/>
-        <p:txBody>
-          <a:bodyPr/>
-          <a:lstStyle/>
-          <a:p>
-            <a:r>
-              <a:rPr lang="fr-FR" dirty="0" smtClean="0"/>
-              <a:t>Créé en 2012</a:t>
-            </a:r>
-          </a:p>
-          <a:p>
-            <a:r>
-              <a:rPr lang="fr-FR" dirty="0" smtClean="0"/>
-              <a:t>Librairies de traitement :</a:t>
-            </a:r>
-          </a:p>
-          <a:p>
-            <a:pPr lvl="1"/>
-            <a:r>
-              <a:rPr lang="fr-FR" dirty="0" smtClean="0"/>
-              <a:t>Collections</a:t>
-            </a:r>
-          </a:p>
-          <a:p>
-            <a:pPr lvl="1"/>
-            <a:r>
-              <a:rPr lang="fr-FR" dirty="0" smtClean="0"/>
-              <a:t>Fonctions</a:t>
-            </a:r>
-          </a:p>
-          <a:p>
-            <a:pPr lvl="1"/>
-            <a:r>
-              <a:rPr lang="fr-FR" dirty="0" smtClean="0"/>
-              <a:t>Mathématique</a:t>
-            </a:r>
-            <a:endParaRPr lang="fr-FR" dirty="0"/>
+          <p:cNvPr id="3" name="Subtitle 2"/>
+          <p:cNvSpPr>
+            <a:spLocks noGrp="1"/>
+          </p:cNvSpPr>
+          <p:nvPr>
+            <p:ph type="subTitle" idx="1"/>
+          </p:nvPr>
+        </p:nvSpPr>
+        <p:spPr/>
+        <p:txBody>
+          <a:bodyPr/>
+          <a:lstStyle/>
+          <a:p>
+            <a:endParaRPr lang="fr-FR"/>
           </a:p>
         </p:txBody>
       </p:sp>
@@ -14965,166 +14876,6 @@
               <a:rPr lang="en-US" smtClean="0"/>
               <a:pPr/>
               <a:t>8</a:t>
-            </a:fld>
-            <a:endParaRPr lang="en-US" dirty="0"/>
-          </a:p>
-        </p:txBody>
-      </p:sp>
-      <p:pic>
-        <p:nvPicPr>
-          <p:cNvPr id="6" name="Picture 5"/>
-          <p:cNvPicPr>
-            <a:picLocks noChangeAspect="1"/>
-          </p:cNvPicPr>
-          <p:nvPr/>
-        </p:nvPicPr>
-        <p:blipFill>
-          <a:blip r:embed="rId2">
-            <a:extLst>
-              <a:ext uri="{28A0092B-C50C-407E-A947-70E740481C1C}">
-                <a14:useLocalDpi xmlns:a14="http://schemas.microsoft.com/office/drawing/2010/main" val="0"/>
-              </a:ext>
-            </a:extLst>
-          </a:blip>
-          <a:stretch>
-            <a:fillRect/>
-          </a:stretch>
-        </p:blipFill>
-        <p:spPr>
-          <a:xfrm>
-            <a:off x="6591300" y="2390774"/>
-            <a:ext cx="2492375" cy="2492375"/>
-          </a:xfrm>
-          <a:prstGeom prst="rect">
-            <a:avLst/>
-          </a:prstGeom>
-        </p:spPr>
-      </p:pic>
-    </p:spTree>
-    <p:extLst>
-      <p:ext uri="{BB962C8B-B14F-4D97-AF65-F5344CB8AC3E}">
-        <p14:creationId xmlns:p14="http://schemas.microsoft.com/office/powerpoint/2010/main" val="1313481047"/>
-      </p:ext>
-    </p:extLst>
-  </p:cSld>
-  <p:clrMapOvr>
-    <a:masterClrMapping/>
-  </p:clrMapOvr>
-  <p:timing>
-    <p:tnLst>
-      <p:par>
-        <p:cTn id="1" dur="indefinite" restart="never" nodeType="tmRoot"/>
-      </p:par>
-    </p:tnLst>
-  </p:timing>
-</p:sld>
-</file>
-
-<file path=ppt/slides/slide9.xml><?xml version="1.0" encoding="utf-8"?>
-<p:sld xmlns:a="http://schemas.openxmlformats.org/drawingml/2006/main" xmlns:r="http://schemas.openxmlformats.org/officeDocument/2006/relationships" xmlns:p="http://schemas.openxmlformats.org/presentationml/2006/main">
-  <p:cSld>
-    <p:spTree>
-      <p:nvGrpSpPr>
-        <p:cNvPr id="1" name=""/>
-        <p:cNvGrpSpPr/>
-        <p:nvPr/>
-      </p:nvGrpSpPr>
-      <p:grpSpPr>
-        <a:xfrm>
-          <a:off x="0" y="0"/>
-          <a:ext cx="0" cy="0"/>
-          <a:chOff x="0" y="0"/>
-          <a:chExt cx="0" cy="0"/>
-        </a:xfrm>
-      </p:grpSpPr>
-      <p:sp>
-        <p:nvSpPr>
-          <p:cNvPr id="2" name="Title 1"/>
-          <p:cNvSpPr>
-            <a:spLocks noGrp="1"/>
-          </p:cNvSpPr>
-          <p:nvPr>
-            <p:ph type="ctrTitle"/>
-          </p:nvPr>
-        </p:nvSpPr>
-        <p:spPr/>
-        <p:txBody>
-          <a:bodyPr/>
-          <a:lstStyle/>
-          <a:p>
-            <a:r>
-              <a:rPr lang="fr-FR" dirty="0" err="1" smtClean="0"/>
-              <a:t>Xen</a:t>
-            </a:r>
-            <a:r>
-              <a:rPr lang="fr-FR" dirty="0" smtClean="0"/>
-              <a:t> Orchestra</a:t>
-            </a:r>
-            <a:endParaRPr lang="fr-FR" dirty="0"/>
-          </a:p>
-        </p:txBody>
-      </p:sp>
-      <p:sp>
-        <p:nvSpPr>
-          <p:cNvPr id="3" name="Subtitle 2"/>
-          <p:cNvSpPr>
-            <a:spLocks noGrp="1"/>
-          </p:cNvSpPr>
-          <p:nvPr>
-            <p:ph type="subTitle" idx="1"/>
-          </p:nvPr>
-        </p:nvSpPr>
-        <p:spPr/>
-        <p:txBody>
-          <a:bodyPr/>
-          <a:lstStyle/>
-          <a:p>
-            <a:endParaRPr lang="fr-FR"/>
-          </a:p>
-        </p:txBody>
-      </p:sp>
-      <p:sp>
-        <p:nvSpPr>
-          <p:cNvPr id="4" name="Footer Placeholder 3"/>
-          <p:cNvSpPr>
-            <a:spLocks noGrp="1"/>
-          </p:cNvSpPr>
-          <p:nvPr>
-            <p:ph type="ftr" sz="quarter" idx="11"/>
-          </p:nvPr>
-        </p:nvSpPr>
-        <p:spPr/>
-        <p:txBody>
-          <a:bodyPr/>
-          <a:lstStyle/>
-          <a:p>
-            <a:r>
-              <a:rPr lang="en-US" smtClean="0"/>
-              <a:t>Bois Cédric - Master WIC</a:t>
-            </a:r>
-            <a:endParaRPr lang="en-US" dirty="0"/>
-          </a:p>
-        </p:txBody>
-      </p:sp>
-      <p:sp>
-        <p:nvSpPr>
-          <p:cNvPr id="5" name="Slide Number Placeholder 4"/>
-          <p:cNvSpPr>
-            <a:spLocks noGrp="1"/>
-          </p:cNvSpPr>
-          <p:nvPr>
-            <p:ph type="sldNum" sz="quarter" idx="12"/>
-          </p:nvPr>
-        </p:nvSpPr>
-        <p:spPr/>
-        <p:txBody>
-          <a:bodyPr/>
-          <a:lstStyle/>
-          <a:p>
-            <a:fld id="{D57F1E4F-1CFF-5643-939E-217C01CDF565}" type="slidenum">
-              <a:rPr lang="en-US" smtClean="0"/>
-              <a:pPr/>
-              <a:t>9</a:t>
             </a:fld>
             <a:endParaRPr lang="en-US" dirty="0"/>
           </a:p>
@@ -15164,6 +14915,225 @@
     <p:extLst>
       <p:ext uri="{BB962C8B-B14F-4D97-AF65-F5344CB8AC3E}">
         <p14:creationId xmlns:p14="http://schemas.microsoft.com/office/powerpoint/2010/main" val="316252298"/>
+      </p:ext>
+    </p:extLst>
+  </p:cSld>
+  <p:clrMapOvr>
+    <a:masterClrMapping/>
+  </p:clrMapOvr>
+  <p:timing>
+    <p:tnLst>
+      <p:par>
+        <p:cTn id="1" dur="indefinite" restart="never" nodeType="tmRoot"/>
+      </p:par>
+    </p:tnLst>
+  </p:timing>
+</p:sld>
+</file>
+
+<file path=ppt/slides/slide9.xml><?xml version="1.0" encoding="utf-8"?>
+<p:sld xmlns:a="http://schemas.openxmlformats.org/drawingml/2006/main" xmlns:r="http://schemas.openxmlformats.org/officeDocument/2006/relationships" xmlns:p="http://schemas.openxmlformats.org/presentationml/2006/main">
+  <p:cSld>
+    <p:spTree>
+      <p:nvGrpSpPr>
+        <p:cNvPr id="1" name=""/>
+        <p:cNvGrpSpPr/>
+        <p:nvPr/>
+      </p:nvGrpSpPr>
+      <p:grpSpPr>
+        <a:xfrm>
+          <a:off x="0" y="0"/>
+          <a:ext cx="0" cy="0"/>
+          <a:chOff x="0" y="0"/>
+          <a:chExt cx="0" cy="0"/>
+        </a:xfrm>
+      </p:grpSpPr>
+      <p:sp>
+        <p:nvSpPr>
+          <p:cNvPr id="2" name="Title 1"/>
+          <p:cNvSpPr>
+            <a:spLocks noGrp="1"/>
+          </p:cNvSpPr>
+          <p:nvPr>
+            <p:ph type="title"/>
+          </p:nvPr>
+        </p:nvSpPr>
+        <p:spPr/>
+        <p:txBody>
+          <a:bodyPr/>
+          <a:lstStyle/>
+          <a:p>
+            <a:r>
+              <a:rPr lang="fr-FR" dirty="0" err="1" smtClean="0"/>
+              <a:t>Xen</a:t>
+            </a:r>
+            <a:r>
+              <a:rPr lang="fr-FR" dirty="0" smtClean="0"/>
+              <a:t> Orchestra : Infrastructure</a:t>
+            </a:r>
+            <a:endParaRPr lang="fr-FR" dirty="0"/>
+          </a:p>
+        </p:txBody>
+      </p:sp>
+      <p:sp>
+        <p:nvSpPr>
+          <p:cNvPr id="3" name="Content Placeholder 2"/>
+          <p:cNvSpPr>
+            <a:spLocks noGrp="1"/>
+          </p:cNvSpPr>
+          <p:nvPr>
+            <p:ph idx="1"/>
+          </p:nvPr>
+        </p:nvSpPr>
+        <p:spPr/>
+        <p:txBody>
+          <a:bodyPr/>
+          <a:lstStyle/>
+          <a:p>
+            <a:r>
+              <a:rPr lang="fr-FR" dirty="0" smtClean="0"/>
+              <a:t>Gestionnaire de machines virtuelles</a:t>
+            </a:r>
+          </a:p>
+          <a:p>
+            <a:r>
+              <a:rPr lang="fr-FR" dirty="0" err="1" smtClean="0"/>
+              <a:t>XenServer</a:t>
+            </a:r>
+            <a:endParaRPr lang="fr-FR" dirty="0" smtClean="0"/>
+          </a:p>
+          <a:p>
+            <a:r>
+              <a:rPr lang="fr-FR" dirty="0" err="1" smtClean="0"/>
+              <a:t>Xapi</a:t>
+            </a:r>
+            <a:endParaRPr lang="fr-FR" dirty="0" smtClean="0"/>
+          </a:p>
+          <a:p>
+            <a:endParaRPr lang="fr-FR" dirty="0" smtClean="0"/>
+          </a:p>
+          <a:p>
+            <a:r>
+              <a:rPr lang="fr-FR" dirty="0" smtClean="0"/>
+              <a:t>Composé de trois modules :</a:t>
+            </a:r>
+          </a:p>
+          <a:p>
+            <a:pPr lvl="1"/>
+            <a:r>
+              <a:rPr lang="fr-FR" dirty="0" err="1" smtClean="0"/>
+              <a:t>Xo</a:t>
+            </a:r>
+            <a:r>
+              <a:rPr lang="fr-FR" dirty="0" smtClean="0"/>
+              <a:t>-server</a:t>
+            </a:r>
+          </a:p>
+          <a:p>
+            <a:pPr lvl="1"/>
+            <a:r>
+              <a:rPr lang="fr-FR" dirty="0" err="1" smtClean="0"/>
+              <a:t>Xo</a:t>
+            </a:r>
+            <a:r>
+              <a:rPr lang="fr-FR" dirty="0" smtClean="0"/>
+              <a:t>-web</a:t>
+            </a:r>
+          </a:p>
+          <a:p>
+            <a:pPr lvl="1"/>
+            <a:r>
+              <a:rPr lang="fr-FR" dirty="0" err="1" smtClean="0"/>
+              <a:t>Xo</a:t>
+            </a:r>
+            <a:r>
+              <a:rPr lang="fr-FR" dirty="0" smtClean="0"/>
+              <a:t>-CLI</a:t>
+            </a:r>
+            <a:endParaRPr lang="fr-FR" dirty="0"/>
+          </a:p>
+        </p:txBody>
+      </p:sp>
+      <p:sp>
+        <p:nvSpPr>
+          <p:cNvPr id="4" name="Footer Placeholder 3"/>
+          <p:cNvSpPr>
+            <a:spLocks noGrp="1"/>
+          </p:cNvSpPr>
+          <p:nvPr>
+            <p:ph type="ftr" sz="quarter" idx="11"/>
+          </p:nvPr>
+        </p:nvSpPr>
+        <p:spPr/>
+        <p:txBody>
+          <a:bodyPr/>
+          <a:lstStyle/>
+          <a:p>
+            <a:r>
+              <a:rPr lang="en-US" smtClean="0"/>
+              <a:t>Bois Cédric - Master WIC</a:t>
+            </a:r>
+            <a:endParaRPr lang="en-US" dirty="0"/>
+          </a:p>
+        </p:txBody>
+      </p:sp>
+      <p:sp>
+        <p:nvSpPr>
+          <p:cNvPr id="5" name="Slide Number Placeholder 4"/>
+          <p:cNvSpPr>
+            <a:spLocks noGrp="1"/>
+          </p:cNvSpPr>
+          <p:nvPr>
+            <p:ph type="sldNum" sz="quarter" idx="12"/>
+          </p:nvPr>
+        </p:nvSpPr>
+        <p:spPr/>
+        <p:txBody>
+          <a:bodyPr/>
+          <a:lstStyle/>
+          <a:p>
+            <a:fld id="{D57F1E4F-1CFF-5643-939E-217C01CDF565}" type="slidenum">
+              <a:rPr lang="en-US" smtClean="0"/>
+              <a:pPr/>
+              <a:t>9</a:t>
+            </a:fld>
+            <a:endParaRPr lang="en-US" dirty="0"/>
+          </a:p>
+        </p:txBody>
+      </p:sp>
+      <p:pic>
+        <p:nvPicPr>
+          <p:cNvPr id="8" name="Picture 7"/>
+          <p:cNvPicPr>
+            <a:picLocks noChangeAspect="1"/>
+          </p:cNvPicPr>
+          <p:nvPr/>
+        </p:nvPicPr>
+        <p:blipFill rotWithShape="1">
+          <a:blip r:embed="rId2">
+            <a:extLst>
+              <a:ext uri="{28A0092B-C50C-407E-A947-70E740481C1C}">
+                <a14:useLocalDpi xmlns:a14="http://schemas.microsoft.com/office/drawing/2010/main" val="0"/>
+              </a:ext>
+            </a:extLst>
+          </a:blip>
+          <a:srcRect t="5935" b="16465"/>
+          <a:stretch/>
+        </p:blipFill>
+        <p:spPr>
+          <a:xfrm>
+            <a:off x="4645926" y="2490949"/>
+            <a:ext cx="5248589" cy="3054699"/>
+          </a:xfrm>
+          <a:prstGeom prst="rect">
+            <a:avLst/>
+          </a:prstGeom>
+        </p:spPr>
+      </p:pic>
+    </p:spTree>
+    <p:extLst>
+      <p:ext uri="{BB962C8B-B14F-4D97-AF65-F5344CB8AC3E}">
+        <p14:creationId xmlns:p14="http://schemas.microsoft.com/office/powerpoint/2010/main" val="723456919"/>
       </p:ext>
     </p:extLst>
   </p:cSld>
